--- a/Image Processing Presentation.pptx
+++ b/Image Processing Presentation.pptx
@@ -4,18 +4,26 @@
   <p:sldMasterIdLst>
     <p:sldMasterId id="2147483648" r:id="rId1"/>
   </p:sldMasterIdLst>
+  <p:notesMasterIdLst>
+    <p:notesMasterId r:id="rId18"/>
+  </p:notesMasterIdLst>
   <p:sldIdLst>
     <p:sldId id="256" r:id="rId2"/>
     <p:sldId id="260" r:id="rId3"/>
     <p:sldId id="257" r:id="rId4"/>
     <p:sldId id="261" r:id="rId5"/>
     <p:sldId id="258" r:id="rId6"/>
-    <p:sldId id="263" r:id="rId7"/>
-    <p:sldId id="266" r:id="rId8"/>
-    <p:sldId id="259" r:id="rId9"/>
-    <p:sldId id="265" r:id="rId10"/>
-    <p:sldId id="262" r:id="rId11"/>
-    <p:sldId id="264" r:id="rId12"/>
+    <p:sldId id="267" r:id="rId7"/>
+    <p:sldId id="268" r:id="rId8"/>
+    <p:sldId id="263" r:id="rId9"/>
+    <p:sldId id="266" r:id="rId10"/>
+    <p:sldId id="269" r:id="rId11"/>
+    <p:sldId id="271" r:id="rId12"/>
+    <p:sldId id="259" r:id="rId13"/>
+    <p:sldId id="265" r:id="rId14"/>
+    <p:sldId id="262" r:id="rId15"/>
+    <p:sldId id="270" r:id="rId16"/>
+    <p:sldId id="264" r:id="rId17"/>
   </p:sldIdLst>
   <p:sldSz cx="12192000" cy="6858000"/>
   <p:notesSz cx="6858000" cy="9144000"/>
@@ -122,6 +130,2298 @@
 </p:presentation>
 </file>
 
+<file path=ppt/notesMasters/notesMaster1.xml><?xml version="1.0" encoding="utf-8"?>
+<p:notesMaster xmlns:a="http://schemas.openxmlformats.org/drawingml/2006/main" xmlns:r="http://schemas.openxmlformats.org/officeDocument/2006/relationships" xmlns:p="http://schemas.openxmlformats.org/presentationml/2006/main">
+  <p:cSld>
+    <p:bg>
+      <p:bgRef idx="1001">
+        <a:schemeClr val="bg1"/>
+      </p:bgRef>
+    </p:bg>
+    <p:spTree>
+      <p:nvGrpSpPr>
+        <p:cNvPr id="1" name=""/>
+        <p:cNvGrpSpPr/>
+        <p:nvPr/>
+      </p:nvGrpSpPr>
+      <p:grpSpPr>
+        <a:xfrm>
+          <a:off x="0" y="0"/>
+          <a:ext cx="0" cy="0"/>
+          <a:chOff x="0" y="0"/>
+          <a:chExt cx="0" cy="0"/>
+        </a:xfrm>
+      </p:grpSpPr>
+      <p:sp>
+        <p:nvSpPr>
+          <p:cNvPr id="2" name="Header Placeholder 1"/>
+          <p:cNvSpPr>
+            <a:spLocks noGrp="1"/>
+          </p:cNvSpPr>
+          <p:nvPr>
+            <p:ph type="hdr" sz="quarter"/>
+          </p:nvPr>
+        </p:nvSpPr>
+        <p:spPr>
+          <a:xfrm>
+            <a:off x="0" y="0"/>
+            <a:ext cx="2971800" cy="458788"/>
+          </a:xfrm>
+          <a:prstGeom prst="rect">
+            <a:avLst/>
+          </a:prstGeom>
+        </p:spPr>
+        <p:txBody>
+          <a:bodyPr vert="horz" lIns="91440" tIns="45720" rIns="91440" bIns="45720" rtlCol="0"/>
+          <a:lstStyle>
+            <a:lvl1pPr algn="l">
+              <a:defRPr sz="1200"/>
+            </a:lvl1pPr>
+          </a:lstStyle>
+          <a:p>
+            <a:endParaRPr lang="en-US"/>
+          </a:p>
+        </p:txBody>
+      </p:sp>
+      <p:sp>
+        <p:nvSpPr>
+          <p:cNvPr id="3" name="Date Placeholder 2"/>
+          <p:cNvSpPr>
+            <a:spLocks noGrp="1"/>
+          </p:cNvSpPr>
+          <p:nvPr>
+            <p:ph type="dt" idx="1"/>
+          </p:nvPr>
+        </p:nvSpPr>
+        <p:spPr>
+          <a:xfrm>
+            <a:off x="3884613" y="0"/>
+            <a:ext cx="2971800" cy="458788"/>
+          </a:xfrm>
+          <a:prstGeom prst="rect">
+            <a:avLst/>
+          </a:prstGeom>
+        </p:spPr>
+        <p:txBody>
+          <a:bodyPr vert="horz" lIns="91440" tIns="45720" rIns="91440" bIns="45720" rtlCol="0"/>
+          <a:lstStyle>
+            <a:lvl1pPr algn="r">
+              <a:defRPr sz="1200"/>
+            </a:lvl1pPr>
+          </a:lstStyle>
+          <a:p>
+            <a:fld id="{A40E7DE1-637E-4C16-BDAC-A63ABFC9CBFF}" type="datetimeFigureOut">
+              <a:rPr lang="en-US" smtClean="0"/>
+              <a:t>7/6/2020</a:t>
+            </a:fld>
+            <a:endParaRPr lang="en-US"/>
+          </a:p>
+        </p:txBody>
+      </p:sp>
+      <p:sp>
+        <p:nvSpPr>
+          <p:cNvPr id="4" name="Slide Image Placeholder 3"/>
+          <p:cNvSpPr>
+            <a:spLocks noGrp="1" noRot="1" noChangeAspect="1"/>
+          </p:cNvSpPr>
+          <p:nvPr>
+            <p:ph type="sldImg" idx="2"/>
+          </p:nvPr>
+        </p:nvSpPr>
+        <p:spPr>
+          <a:xfrm>
+            <a:off x="685800" y="1143000"/>
+            <a:ext cx="5486400" cy="3086100"/>
+          </a:xfrm>
+          <a:prstGeom prst="rect">
+            <a:avLst/>
+          </a:prstGeom>
+          <a:noFill/>
+          <a:ln w="12700">
+            <a:solidFill>
+              <a:prstClr val="black"/>
+            </a:solidFill>
+          </a:ln>
+        </p:spPr>
+        <p:txBody>
+          <a:bodyPr vert="horz" lIns="91440" tIns="45720" rIns="91440" bIns="45720" rtlCol="0" anchor="ctr"/>
+          <a:lstStyle/>
+          <a:p>
+            <a:endParaRPr lang="en-US"/>
+          </a:p>
+        </p:txBody>
+      </p:sp>
+      <p:sp>
+        <p:nvSpPr>
+          <p:cNvPr id="5" name="Notes Placeholder 4"/>
+          <p:cNvSpPr>
+            <a:spLocks noGrp="1"/>
+          </p:cNvSpPr>
+          <p:nvPr>
+            <p:ph type="body" sz="quarter" idx="3"/>
+          </p:nvPr>
+        </p:nvSpPr>
+        <p:spPr>
+          <a:xfrm>
+            <a:off x="685800" y="4400550"/>
+            <a:ext cx="5486400" cy="3600450"/>
+          </a:xfrm>
+          <a:prstGeom prst="rect">
+            <a:avLst/>
+          </a:prstGeom>
+        </p:spPr>
+        <p:txBody>
+          <a:bodyPr vert="horz" lIns="91440" tIns="45720" rIns="91440" bIns="45720" rtlCol="0"/>
+          <a:lstStyle/>
+          <a:p>
+            <a:pPr lvl="0"/>
+            <a:r>
+              <a:rPr lang="en-US"/>
+              <a:t>Click to edit Master text styles</a:t>
+            </a:r>
+          </a:p>
+          <a:p>
+            <a:pPr lvl="1"/>
+            <a:r>
+              <a:rPr lang="en-US"/>
+              <a:t>Second level</a:t>
+            </a:r>
+          </a:p>
+          <a:p>
+            <a:pPr lvl="2"/>
+            <a:r>
+              <a:rPr lang="en-US"/>
+              <a:t>Third level</a:t>
+            </a:r>
+          </a:p>
+          <a:p>
+            <a:pPr lvl="3"/>
+            <a:r>
+              <a:rPr lang="en-US"/>
+              <a:t>Fourth level</a:t>
+            </a:r>
+          </a:p>
+          <a:p>
+            <a:pPr lvl="4"/>
+            <a:r>
+              <a:rPr lang="en-US"/>
+              <a:t>Fifth level</a:t>
+            </a:r>
+          </a:p>
+        </p:txBody>
+      </p:sp>
+      <p:sp>
+        <p:nvSpPr>
+          <p:cNvPr id="6" name="Footer Placeholder 5"/>
+          <p:cNvSpPr>
+            <a:spLocks noGrp="1"/>
+          </p:cNvSpPr>
+          <p:nvPr>
+            <p:ph type="ftr" sz="quarter" idx="4"/>
+          </p:nvPr>
+        </p:nvSpPr>
+        <p:spPr>
+          <a:xfrm>
+            <a:off x="0" y="8685213"/>
+            <a:ext cx="2971800" cy="458787"/>
+          </a:xfrm>
+          <a:prstGeom prst="rect">
+            <a:avLst/>
+          </a:prstGeom>
+        </p:spPr>
+        <p:txBody>
+          <a:bodyPr vert="horz" lIns="91440" tIns="45720" rIns="91440" bIns="45720" rtlCol="0" anchor="b"/>
+          <a:lstStyle>
+            <a:lvl1pPr algn="l">
+              <a:defRPr sz="1200"/>
+            </a:lvl1pPr>
+          </a:lstStyle>
+          <a:p>
+            <a:endParaRPr lang="en-US"/>
+          </a:p>
+        </p:txBody>
+      </p:sp>
+      <p:sp>
+        <p:nvSpPr>
+          <p:cNvPr id="7" name="Slide Number Placeholder 6"/>
+          <p:cNvSpPr>
+            <a:spLocks noGrp="1"/>
+          </p:cNvSpPr>
+          <p:nvPr>
+            <p:ph type="sldNum" sz="quarter" idx="5"/>
+          </p:nvPr>
+        </p:nvSpPr>
+        <p:spPr>
+          <a:xfrm>
+            <a:off x="3884613" y="8685213"/>
+            <a:ext cx="2971800" cy="458787"/>
+          </a:xfrm>
+          <a:prstGeom prst="rect">
+            <a:avLst/>
+          </a:prstGeom>
+        </p:spPr>
+        <p:txBody>
+          <a:bodyPr vert="horz" lIns="91440" tIns="45720" rIns="91440" bIns="45720" rtlCol="0" anchor="b"/>
+          <a:lstStyle>
+            <a:lvl1pPr algn="r">
+              <a:defRPr sz="1200"/>
+            </a:lvl1pPr>
+          </a:lstStyle>
+          <a:p>
+            <a:fld id="{29A07F0B-DB57-4930-AA47-B2FCA5AF27F8}" type="slidenum">
+              <a:rPr lang="en-US" smtClean="0"/>
+              <a:t>‹#›</a:t>
+            </a:fld>
+            <a:endParaRPr lang="en-US"/>
+          </a:p>
+        </p:txBody>
+      </p:sp>
+    </p:spTree>
+    <p:extLst>
+      <p:ext uri="{BB962C8B-B14F-4D97-AF65-F5344CB8AC3E}">
+        <p14:creationId xmlns:p14="http://schemas.microsoft.com/office/powerpoint/2010/main" val="2962692345"/>
+      </p:ext>
+    </p:extLst>
+  </p:cSld>
+  <p:clrMap bg1="lt1" tx1="dk1" bg2="lt2" tx2="dk2" accent1="accent1" accent2="accent2" accent3="accent3" accent4="accent4" accent5="accent5" accent6="accent6" hlink="hlink" folHlink="folHlink"/>
+  <p:notesStyle>
+    <a:lvl1pPr marL="0" algn="l" defTabSz="914400" rtl="0" eaLnBrk="1" latinLnBrk="0" hangingPunct="1">
+      <a:defRPr sz="1200" kern="1200">
+        <a:solidFill>
+          <a:schemeClr val="tx1"/>
+        </a:solidFill>
+        <a:latin typeface="+mn-lt"/>
+        <a:ea typeface="+mn-ea"/>
+        <a:cs typeface="+mn-cs"/>
+      </a:defRPr>
+    </a:lvl1pPr>
+    <a:lvl2pPr marL="457200" algn="l" defTabSz="914400" rtl="0" eaLnBrk="1" latinLnBrk="0" hangingPunct="1">
+      <a:defRPr sz="1200" kern="1200">
+        <a:solidFill>
+          <a:schemeClr val="tx1"/>
+        </a:solidFill>
+        <a:latin typeface="+mn-lt"/>
+        <a:ea typeface="+mn-ea"/>
+        <a:cs typeface="+mn-cs"/>
+      </a:defRPr>
+    </a:lvl2pPr>
+    <a:lvl3pPr marL="914400" algn="l" defTabSz="914400" rtl="0" eaLnBrk="1" latinLnBrk="0" hangingPunct="1">
+      <a:defRPr sz="1200" kern="1200">
+        <a:solidFill>
+          <a:schemeClr val="tx1"/>
+        </a:solidFill>
+        <a:latin typeface="+mn-lt"/>
+        <a:ea typeface="+mn-ea"/>
+        <a:cs typeface="+mn-cs"/>
+      </a:defRPr>
+    </a:lvl3pPr>
+    <a:lvl4pPr marL="1371600" algn="l" defTabSz="914400" rtl="0" eaLnBrk="1" latinLnBrk="0" hangingPunct="1">
+      <a:defRPr sz="1200" kern="1200">
+        <a:solidFill>
+          <a:schemeClr val="tx1"/>
+        </a:solidFill>
+        <a:latin typeface="+mn-lt"/>
+        <a:ea typeface="+mn-ea"/>
+        <a:cs typeface="+mn-cs"/>
+      </a:defRPr>
+    </a:lvl4pPr>
+    <a:lvl5pPr marL="1828800" algn="l" defTabSz="914400" rtl="0" eaLnBrk="1" latinLnBrk="0" hangingPunct="1">
+      <a:defRPr sz="1200" kern="1200">
+        <a:solidFill>
+          <a:schemeClr val="tx1"/>
+        </a:solidFill>
+        <a:latin typeface="+mn-lt"/>
+        <a:ea typeface="+mn-ea"/>
+        <a:cs typeface="+mn-cs"/>
+      </a:defRPr>
+    </a:lvl5pPr>
+    <a:lvl6pPr marL="2286000" algn="l" defTabSz="914400" rtl="0" eaLnBrk="1" latinLnBrk="0" hangingPunct="1">
+      <a:defRPr sz="1200" kern="1200">
+        <a:solidFill>
+          <a:schemeClr val="tx1"/>
+        </a:solidFill>
+        <a:latin typeface="+mn-lt"/>
+        <a:ea typeface="+mn-ea"/>
+        <a:cs typeface="+mn-cs"/>
+      </a:defRPr>
+    </a:lvl6pPr>
+    <a:lvl7pPr marL="2743200" algn="l" defTabSz="914400" rtl="0" eaLnBrk="1" latinLnBrk="0" hangingPunct="1">
+      <a:defRPr sz="1200" kern="1200">
+        <a:solidFill>
+          <a:schemeClr val="tx1"/>
+        </a:solidFill>
+        <a:latin typeface="+mn-lt"/>
+        <a:ea typeface="+mn-ea"/>
+        <a:cs typeface="+mn-cs"/>
+      </a:defRPr>
+    </a:lvl7pPr>
+    <a:lvl8pPr marL="3200400" algn="l" defTabSz="914400" rtl="0" eaLnBrk="1" latinLnBrk="0" hangingPunct="1">
+      <a:defRPr sz="1200" kern="1200">
+        <a:solidFill>
+          <a:schemeClr val="tx1"/>
+        </a:solidFill>
+        <a:latin typeface="+mn-lt"/>
+        <a:ea typeface="+mn-ea"/>
+        <a:cs typeface="+mn-cs"/>
+      </a:defRPr>
+    </a:lvl8pPr>
+    <a:lvl9pPr marL="3657600" algn="l" defTabSz="914400" rtl="0" eaLnBrk="1" latinLnBrk="0" hangingPunct="1">
+      <a:defRPr sz="1200" kern="1200">
+        <a:solidFill>
+          <a:schemeClr val="tx1"/>
+        </a:solidFill>
+        <a:latin typeface="+mn-lt"/>
+        <a:ea typeface="+mn-ea"/>
+        <a:cs typeface="+mn-cs"/>
+      </a:defRPr>
+    </a:lvl9pPr>
+  </p:notesStyle>
+</p:notesMaster>
+</file>
+
+<file path=ppt/notesSlides/notesSlide1.xml><?xml version="1.0" encoding="utf-8"?>
+<p:notes xmlns:a="http://schemas.openxmlformats.org/drawingml/2006/main" xmlns:r="http://schemas.openxmlformats.org/officeDocument/2006/relationships" xmlns:p="http://schemas.openxmlformats.org/presentationml/2006/main">
+  <p:cSld>
+    <p:spTree>
+      <p:nvGrpSpPr>
+        <p:cNvPr id="1" name=""/>
+        <p:cNvGrpSpPr/>
+        <p:nvPr/>
+      </p:nvGrpSpPr>
+      <p:grpSpPr>
+        <a:xfrm>
+          <a:off x="0" y="0"/>
+          <a:ext cx="0" cy="0"/>
+          <a:chOff x="0" y="0"/>
+          <a:chExt cx="0" cy="0"/>
+        </a:xfrm>
+      </p:grpSpPr>
+      <p:sp>
+        <p:nvSpPr>
+          <p:cNvPr id="2" name="Slide Image Placeholder 1"/>
+          <p:cNvSpPr>
+            <a:spLocks noGrp="1" noRot="1" noChangeAspect="1"/>
+          </p:cNvSpPr>
+          <p:nvPr>
+            <p:ph type="sldImg"/>
+          </p:nvPr>
+        </p:nvSpPr>
+        <p:spPr/>
+      </p:sp>
+      <p:sp>
+        <p:nvSpPr>
+          <p:cNvPr id="3" name="Notes Placeholder 2"/>
+          <p:cNvSpPr>
+            <a:spLocks noGrp="1"/>
+          </p:cNvSpPr>
+          <p:nvPr>
+            <p:ph type="body" idx="1"/>
+          </p:nvPr>
+        </p:nvSpPr>
+        <p:spPr/>
+        <p:txBody>
+          <a:bodyPr/>
+          <a:lstStyle/>
+          <a:p>
+            <a:endParaRPr lang="en-US" dirty="0"/>
+          </a:p>
+        </p:txBody>
+      </p:sp>
+      <p:sp>
+        <p:nvSpPr>
+          <p:cNvPr id="4" name="Slide Number Placeholder 3"/>
+          <p:cNvSpPr>
+            <a:spLocks noGrp="1"/>
+          </p:cNvSpPr>
+          <p:nvPr>
+            <p:ph type="sldNum" sz="quarter" idx="5"/>
+          </p:nvPr>
+        </p:nvSpPr>
+        <p:spPr/>
+        <p:txBody>
+          <a:bodyPr/>
+          <a:lstStyle/>
+          <a:p>
+            <a:fld id="{29A07F0B-DB57-4930-AA47-B2FCA5AF27F8}" type="slidenum">
+              <a:rPr lang="en-US" smtClean="0"/>
+              <a:t>6</a:t>
+            </a:fld>
+            <a:endParaRPr lang="en-US"/>
+          </a:p>
+        </p:txBody>
+      </p:sp>
+    </p:spTree>
+    <p:extLst>
+      <p:ext uri="{BB962C8B-B14F-4D97-AF65-F5344CB8AC3E}">
+        <p14:creationId xmlns:p14="http://schemas.microsoft.com/office/powerpoint/2010/main" val="2223936534"/>
+      </p:ext>
+    </p:extLst>
+  </p:cSld>
+  <p:clrMapOvr>
+    <a:masterClrMapping/>
+  </p:clrMapOvr>
+</p:notes>
+</file>
+
+<file path=ppt/notesSlides/notesSlide2.xml><?xml version="1.0" encoding="utf-8"?>
+<p:notes xmlns:a="http://schemas.openxmlformats.org/drawingml/2006/main" xmlns:r="http://schemas.openxmlformats.org/officeDocument/2006/relationships" xmlns:p="http://schemas.openxmlformats.org/presentationml/2006/main">
+  <p:cSld>
+    <p:spTree>
+      <p:nvGrpSpPr>
+        <p:cNvPr id="1" name=""/>
+        <p:cNvGrpSpPr/>
+        <p:nvPr/>
+      </p:nvGrpSpPr>
+      <p:grpSpPr>
+        <a:xfrm>
+          <a:off x="0" y="0"/>
+          <a:ext cx="0" cy="0"/>
+          <a:chOff x="0" y="0"/>
+          <a:chExt cx="0" cy="0"/>
+        </a:xfrm>
+      </p:grpSpPr>
+      <p:sp>
+        <p:nvSpPr>
+          <p:cNvPr id="2" name="Slide Image Placeholder 1"/>
+          <p:cNvSpPr>
+            <a:spLocks noGrp="1" noRot="1" noChangeAspect="1"/>
+          </p:cNvSpPr>
+          <p:nvPr>
+            <p:ph type="sldImg"/>
+          </p:nvPr>
+        </p:nvSpPr>
+        <p:spPr/>
+      </p:sp>
+      <p:sp>
+        <p:nvSpPr>
+          <p:cNvPr id="3" name="Notes Placeholder 2"/>
+          <p:cNvSpPr>
+            <a:spLocks noGrp="1"/>
+          </p:cNvSpPr>
+          <p:nvPr>
+            <p:ph type="body" idx="1"/>
+          </p:nvPr>
+        </p:nvSpPr>
+        <p:spPr/>
+        <p:txBody>
+          <a:bodyPr/>
+          <a:lstStyle/>
+          <a:p>
+            <a:r>
+              <a:rPr lang="en-US" dirty="0" err="1"/>
+              <a:t>Whole_animal</a:t>
+            </a:r>
+            <a:r>
+              <a:rPr lang="en-US" dirty="0"/>
+              <a:t>: pc2/1</a:t>
+            </a:r>
+          </a:p>
+          <a:p>
+            <a:r>
+              <a:rPr lang="en-US" dirty="0"/>
+              <a:t>Clear: pc2/4</a:t>
+            </a:r>
+          </a:p>
+          <a:p>
+            <a:r>
+              <a:rPr lang="en-US" dirty="0" err="1"/>
+              <a:t>Single_Loaded</a:t>
+            </a:r>
+            <a:r>
+              <a:rPr lang="en-US" dirty="0"/>
+              <a:t>: pc3/1</a:t>
+            </a:r>
+          </a:p>
+          <a:p>
+            <a:r>
+              <a:rPr lang="en-US" dirty="0" err="1"/>
+              <a:t>Head_First</a:t>
+            </a:r>
+            <a:r>
+              <a:rPr lang="en-US" dirty="0"/>
+              <a:t>: pc2/3</a:t>
+            </a:r>
+          </a:p>
+          <a:p>
+            <a:r>
+              <a:rPr lang="en-US" dirty="0"/>
+              <a:t>Straight: pc3/7</a:t>
+            </a:r>
+          </a:p>
+          <a:p>
+            <a:endParaRPr lang="en-US" dirty="0"/>
+          </a:p>
+          <a:p>
+            <a:r>
+              <a:rPr lang="en-US" dirty="0"/>
+              <a:t>Features: </a:t>
+            </a:r>
+            <a:r>
+              <a:rPr lang="en-US" sz="1800" b="0" i="0" u="none" strike="noStrike" dirty="0">
+                <a:solidFill>
+                  <a:srgbClr val="000000"/>
+                </a:solidFill>
+                <a:effectLst/>
+                <a:latin typeface="Calibri" panose="020F0502020204030204" pitchFamily="34" charset="0"/>
+              </a:rPr>
+              <a:t>Num</a:t>
+            </a:r>
+            <a:r>
+              <a:rPr lang="en-US" b="0" dirty="0"/>
+              <a:t> </a:t>
+            </a:r>
+            <a:r>
+              <a:rPr lang="en-US" sz="1800" b="0" i="0" u="none" strike="noStrike" dirty="0">
+                <a:solidFill>
+                  <a:srgbClr val="000000"/>
+                </a:solidFill>
+                <a:effectLst/>
+                <a:latin typeface="Calibri" panose="020F0502020204030204" pitchFamily="34" charset="0"/>
+              </a:rPr>
+              <a:t>threshold</a:t>
+            </a:r>
+            <a:r>
+              <a:rPr lang="en-US" b="0" dirty="0"/>
+              <a:t> </a:t>
+            </a:r>
+            <a:r>
+              <a:rPr lang="en-US" sz="1800" b="0" i="0" u="none" strike="noStrike" dirty="0" err="1">
+                <a:solidFill>
+                  <a:srgbClr val="000000"/>
+                </a:solidFill>
+                <a:effectLst/>
+                <a:latin typeface="Calibri" panose="020F0502020204030204" pitchFamily="34" charset="0"/>
+              </a:rPr>
+              <a:t>num_regions</a:t>
+            </a:r>
+            <a:r>
+              <a:rPr lang="en-US" b="0" dirty="0"/>
+              <a:t> </a:t>
+            </a:r>
+            <a:r>
+              <a:rPr lang="en-US" sz="1800" b="0" i="0" u="none" strike="noStrike" dirty="0" err="1">
+                <a:solidFill>
+                  <a:srgbClr val="000000"/>
+                </a:solidFill>
+                <a:effectLst/>
+                <a:latin typeface="Calibri" panose="020F0502020204030204" pitchFamily="34" charset="0"/>
+              </a:rPr>
+              <a:t>est_len</a:t>
+            </a:r>
+            <a:r>
+              <a:rPr lang="en-US" b="0" dirty="0"/>
+              <a:t> </a:t>
+            </a:r>
+            <a:r>
+              <a:rPr lang="en-US" sz="1800" b="0" i="0" u="none" strike="noStrike" dirty="0">
+                <a:solidFill>
+                  <a:srgbClr val="000000"/>
+                </a:solidFill>
+                <a:effectLst/>
+                <a:latin typeface="Calibri" panose="020F0502020204030204" pitchFamily="34" charset="0"/>
+              </a:rPr>
+              <a:t>MeanInt-1</a:t>
+            </a:r>
+            <a:r>
+              <a:rPr lang="en-US" b="0" dirty="0"/>
+              <a:t> </a:t>
+            </a:r>
+            <a:r>
+              <a:rPr lang="en-US" sz="1800" b="0" i="0" u="none" strike="noStrike" dirty="0">
+                <a:solidFill>
+                  <a:srgbClr val="000000"/>
+                </a:solidFill>
+                <a:effectLst/>
+                <a:latin typeface="Calibri" panose="020F0502020204030204" pitchFamily="34" charset="0"/>
+              </a:rPr>
+              <a:t>avgWidth-1</a:t>
+            </a:r>
+            <a:r>
+              <a:rPr lang="en-US" b="0" dirty="0"/>
+              <a:t> </a:t>
+            </a:r>
+            <a:r>
+              <a:rPr lang="en-US" sz="1800" b="0" i="0" u="none" strike="noStrike" dirty="0">
+                <a:solidFill>
+                  <a:srgbClr val="000000"/>
+                </a:solidFill>
+                <a:effectLst/>
+                <a:latin typeface="Calibri" panose="020F0502020204030204" pitchFamily="34" charset="0"/>
+              </a:rPr>
+              <a:t>stdInt-1</a:t>
+            </a:r>
+            <a:r>
+              <a:rPr lang="en-US" b="0" dirty="0"/>
+              <a:t> </a:t>
+            </a:r>
+            <a:r>
+              <a:rPr lang="en-US" sz="1800" b="0" i="0" u="none" strike="noStrike" dirty="0">
+                <a:solidFill>
+                  <a:srgbClr val="000000"/>
+                </a:solidFill>
+                <a:effectLst/>
+                <a:latin typeface="Calibri" panose="020F0502020204030204" pitchFamily="34" charset="0"/>
+              </a:rPr>
+              <a:t>perct95-1</a:t>
+            </a:r>
+            <a:r>
+              <a:rPr lang="en-US" b="0" dirty="0"/>
+              <a:t> </a:t>
+            </a:r>
+            <a:r>
+              <a:rPr lang="en-US" sz="1800" b="0" i="0" u="none" strike="noStrike" dirty="0">
+                <a:solidFill>
+                  <a:srgbClr val="000000"/>
+                </a:solidFill>
+                <a:effectLst/>
+                <a:latin typeface="Calibri" panose="020F0502020204030204" pitchFamily="34" charset="0"/>
+              </a:rPr>
+              <a:t>medianInt-1</a:t>
+            </a:r>
+            <a:r>
+              <a:rPr lang="en-US" b="0" dirty="0"/>
+              <a:t> </a:t>
+            </a:r>
+            <a:r>
+              <a:rPr lang="en-US" sz="1800" b="0" i="0" u="none" strike="noStrike" dirty="0">
+                <a:solidFill>
+                  <a:srgbClr val="000000"/>
+                </a:solidFill>
+                <a:effectLst/>
+                <a:latin typeface="Calibri" panose="020F0502020204030204" pitchFamily="34" charset="0"/>
+              </a:rPr>
+              <a:t>sumInt-1</a:t>
+            </a:r>
+            <a:r>
+              <a:rPr lang="en-US" b="0" dirty="0"/>
+              <a:t> </a:t>
+            </a:r>
+            <a:r>
+              <a:rPr lang="en-US" sz="1800" b="0" i="0" u="none" strike="noStrike" dirty="0">
+                <a:solidFill>
+                  <a:srgbClr val="000000"/>
+                </a:solidFill>
+                <a:effectLst/>
+                <a:latin typeface="Calibri" panose="020F0502020204030204" pitchFamily="34" charset="0"/>
+              </a:rPr>
+              <a:t>MeanInt-2</a:t>
+            </a:r>
+            <a:r>
+              <a:rPr lang="en-US" b="0" dirty="0"/>
+              <a:t> </a:t>
+            </a:r>
+            <a:r>
+              <a:rPr lang="en-US" sz="1800" b="0" i="0" u="none" strike="noStrike" dirty="0">
+                <a:solidFill>
+                  <a:srgbClr val="000000"/>
+                </a:solidFill>
+                <a:effectLst/>
+                <a:latin typeface="Calibri" panose="020F0502020204030204" pitchFamily="34" charset="0"/>
+              </a:rPr>
+              <a:t>avgWidth-2</a:t>
+            </a:r>
+            <a:r>
+              <a:rPr lang="en-US" b="0" dirty="0"/>
+              <a:t> </a:t>
+            </a:r>
+            <a:r>
+              <a:rPr lang="en-US" sz="1800" b="0" i="0" u="none" strike="noStrike" dirty="0">
+                <a:solidFill>
+                  <a:srgbClr val="000000"/>
+                </a:solidFill>
+                <a:effectLst/>
+                <a:latin typeface="Calibri" panose="020F0502020204030204" pitchFamily="34" charset="0"/>
+              </a:rPr>
+              <a:t>stdInt-2</a:t>
+            </a:r>
+            <a:r>
+              <a:rPr lang="en-US" b="0" dirty="0"/>
+              <a:t> </a:t>
+            </a:r>
+            <a:r>
+              <a:rPr lang="en-US" sz="1800" b="0" i="0" u="none" strike="noStrike" dirty="0">
+                <a:solidFill>
+                  <a:srgbClr val="000000"/>
+                </a:solidFill>
+                <a:effectLst/>
+                <a:latin typeface="Calibri" panose="020F0502020204030204" pitchFamily="34" charset="0"/>
+              </a:rPr>
+              <a:t>perct95-2</a:t>
+            </a:r>
+            <a:r>
+              <a:rPr lang="en-US" b="0" dirty="0"/>
+              <a:t> </a:t>
+            </a:r>
+            <a:r>
+              <a:rPr lang="en-US" sz="1800" b="0" i="0" u="none" strike="noStrike" dirty="0">
+                <a:solidFill>
+                  <a:srgbClr val="000000"/>
+                </a:solidFill>
+                <a:effectLst/>
+                <a:latin typeface="Calibri" panose="020F0502020204030204" pitchFamily="34" charset="0"/>
+              </a:rPr>
+              <a:t>medianInt-2</a:t>
+            </a:r>
+            <a:r>
+              <a:rPr lang="en-US" b="0" dirty="0"/>
+              <a:t> </a:t>
+            </a:r>
+            <a:r>
+              <a:rPr lang="en-US" sz="1800" b="0" i="0" u="none" strike="noStrike" dirty="0">
+                <a:solidFill>
+                  <a:srgbClr val="000000"/>
+                </a:solidFill>
+                <a:effectLst/>
+                <a:latin typeface="Calibri" panose="020F0502020204030204" pitchFamily="34" charset="0"/>
+              </a:rPr>
+              <a:t>sumInt-2</a:t>
+            </a:r>
+            <a:r>
+              <a:rPr lang="en-US" b="0" dirty="0"/>
+              <a:t> </a:t>
+            </a:r>
+            <a:r>
+              <a:rPr lang="en-US" sz="1800" b="0" i="0" u="none" strike="noStrike" dirty="0">
+                <a:solidFill>
+                  <a:srgbClr val="000000"/>
+                </a:solidFill>
+                <a:effectLst/>
+                <a:latin typeface="Calibri" panose="020F0502020204030204" pitchFamily="34" charset="0"/>
+              </a:rPr>
+              <a:t>MeanInt-3</a:t>
+            </a:r>
+            <a:r>
+              <a:rPr lang="en-US" b="0" dirty="0"/>
+              <a:t> </a:t>
+            </a:r>
+            <a:r>
+              <a:rPr lang="en-US" sz="1800" b="0" i="0" u="none" strike="noStrike" dirty="0">
+                <a:solidFill>
+                  <a:srgbClr val="000000"/>
+                </a:solidFill>
+                <a:effectLst/>
+                <a:latin typeface="Calibri" panose="020F0502020204030204" pitchFamily="34" charset="0"/>
+              </a:rPr>
+              <a:t>avgWidth-3</a:t>
+            </a:r>
+            <a:r>
+              <a:rPr lang="en-US" b="0" dirty="0"/>
+              <a:t> </a:t>
+            </a:r>
+            <a:r>
+              <a:rPr lang="en-US" sz="1800" b="0" i="0" u="none" strike="noStrike" dirty="0">
+                <a:solidFill>
+                  <a:srgbClr val="000000"/>
+                </a:solidFill>
+                <a:effectLst/>
+                <a:latin typeface="Calibri" panose="020F0502020204030204" pitchFamily="34" charset="0"/>
+              </a:rPr>
+              <a:t>stdInt-3</a:t>
+            </a:r>
+            <a:r>
+              <a:rPr lang="en-US" b="0" dirty="0"/>
+              <a:t> </a:t>
+            </a:r>
+            <a:r>
+              <a:rPr lang="en-US" sz="1800" b="0" i="0" u="none" strike="noStrike" dirty="0">
+                <a:solidFill>
+                  <a:srgbClr val="000000"/>
+                </a:solidFill>
+                <a:effectLst/>
+                <a:latin typeface="Calibri" panose="020F0502020204030204" pitchFamily="34" charset="0"/>
+              </a:rPr>
+              <a:t>perct95-3</a:t>
+            </a:r>
+            <a:r>
+              <a:rPr lang="en-US" b="0" dirty="0"/>
+              <a:t> </a:t>
+            </a:r>
+            <a:r>
+              <a:rPr lang="en-US" sz="1800" b="0" i="0" u="none" strike="noStrike" dirty="0">
+                <a:solidFill>
+                  <a:srgbClr val="000000"/>
+                </a:solidFill>
+                <a:effectLst/>
+                <a:latin typeface="Calibri" panose="020F0502020204030204" pitchFamily="34" charset="0"/>
+              </a:rPr>
+              <a:t>medianInt-3</a:t>
+            </a:r>
+            <a:r>
+              <a:rPr lang="en-US" b="0" dirty="0"/>
+              <a:t> </a:t>
+            </a:r>
+            <a:r>
+              <a:rPr lang="en-US" sz="1800" b="0" i="0" u="none" strike="noStrike" dirty="0">
+                <a:solidFill>
+                  <a:srgbClr val="000000"/>
+                </a:solidFill>
+                <a:effectLst/>
+                <a:latin typeface="Calibri" panose="020F0502020204030204" pitchFamily="34" charset="0"/>
+              </a:rPr>
+              <a:t>sumInt-3</a:t>
+            </a:r>
+            <a:r>
+              <a:rPr lang="en-US" b="0" dirty="0"/>
+              <a:t> </a:t>
+            </a:r>
+            <a:r>
+              <a:rPr lang="en-US" sz="1800" b="0" i="0" u="none" strike="noStrike" dirty="0">
+                <a:solidFill>
+                  <a:srgbClr val="000000"/>
+                </a:solidFill>
+                <a:effectLst/>
+                <a:latin typeface="Calibri" panose="020F0502020204030204" pitchFamily="34" charset="0"/>
+              </a:rPr>
+              <a:t>MeanInt-4</a:t>
+            </a:r>
+            <a:r>
+              <a:rPr lang="en-US" b="0" dirty="0"/>
+              <a:t> </a:t>
+            </a:r>
+            <a:r>
+              <a:rPr lang="en-US" sz="1800" b="0" i="0" u="none" strike="noStrike" dirty="0">
+                <a:solidFill>
+                  <a:srgbClr val="000000"/>
+                </a:solidFill>
+                <a:effectLst/>
+                <a:latin typeface="Calibri" panose="020F0502020204030204" pitchFamily="34" charset="0"/>
+              </a:rPr>
+              <a:t>avgWidth-4</a:t>
+            </a:r>
+            <a:r>
+              <a:rPr lang="en-US" b="0" dirty="0"/>
+              <a:t> </a:t>
+            </a:r>
+            <a:r>
+              <a:rPr lang="en-US" sz="1800" b="0" i="0" u="none" strike="noStrike" dirty="0">
+                <a:solidFill>
+                  <a:srgbClr val="000000"/>
+                </a:solidFill>
+                <a:effectLst/>
+                <a:latin typeface="Calibri" panose="020F0502020204030204" pitchFamily="34" charset="0"/>
+              </a:rPr>
+              <a:t>stdInt-4</a:t>
+            </a:r>
+            <a:r>
+              <a:rPr lang="en-US" b="0" dirty="0"/>
+              <a:t> </a:t>
+            </a:r>
+            <a:r>
+              <a:rPr lang="en-US" sz="1800" b="0" i="0" u="none" strike="noStrike" dirty="0">
+                <a:solidFill>
+                  <a:srgbClr val="000000"/>
+                </a:solidFill>
+                <a:effectLst/>
+                <a:latin typeface="Calibri" panose="020F0502020204030204" pitchFamily="34" charset="0"/>
+              </a:rPr>
+              <a:t>perct95-4</a:t>
+            </a:r>
+            <a:r>
+              <a:rPr lang="en-US" b="0" dirty="0"/>
+              <a:t> </a:t>
+            </a:r>
+            <a:r>
+              <a:rPr lang="en-US" sz="1800" b="0" i="0" u="none" strike="noStrike" dirty="0">
+                <a:solidFill>
+                  <a:srgbClr val="000000"/>
+                </a:solidFill>
+                <a:effectLst/>
+                <a:latin typeface="Calibri" panose="020F0502020204030204" pitchFamily="34" charset="0"/>
+              </a:rPr>
+              <a:t>medianInt-4</a:t>
+            </a:r>
+            <a:r>
+              <a:rPr lang="en-US" b="0" dirty="0"/>
+              <a:t> </a:t>
+            </a:r>
+            <a:r>
+              <a:rPr lang="en-US" sz="1800" b="0" i="0" u="none" strike="noStrike" dirty="0">
+                <a:solidFill>
+                  <a:srgbClr val="000000"/>
+                </a:solidFill>
+                <a:effectLst/>
+                <a:latin typeface="Calibri" panose="020F0502020204030204" pitchFamily="34" charset="0"/>
+              </a:rPr>
+              <a:t>sumInt-4</a:t>
+            </a:r>
+            <a:r>
+              <a:rPr lang="en-US" b="0" dirty="0"/>
+              <a:t> </a:t>
+            </a:r>
+            <a:r>
+              <a:rPr lang="en-US" sz="1800" b="0" i="0" u="none" strike="noStrike" dirty="0">
+                <a:solidFill>
+                  <a:srgbClr val="000000"/>
+                </a:solidFill>
+                <a:effectLst/>
+                <a:latin typeface="Calibri" panose="020F0502020204030204" pitchFamily="34" charset="0"/>
+              </a:rPr>
+              <a:t>MeanInt-5</a:t>
+            </a:r>
+            <a:r>
+              <a:rPr lang="en-US" b="0" dirty="0"/>
+              <a:t> </a:t>
+            </a:r>
+            <a:r>
+              <a:rPr lang="en-US" sz="1800" b="0" i="0" u="none" strike="noStrike" dirty="0">
+                <a:solidFill>
+                  <a:srgbClr val="000000"/>
+                </a:solidFill>
+                <a:effectLst/>
+                <a:latin typeface="Calibri" panose="020F0502020204030204" pitchFamily="34" charset="0"/>
+              </a:rPr>
+              <a:t>avgWidth-5</a:t>
+            </a:r>
+            <a:r>
+              <a:rPr lang="en-US" b="0" dirty="0"/>
+              <a:t> </a:t>
+            </a:r>
+            <a:r>
+              <a:rPr lang="en-US" sz="1800" b="0" i="0" u="none" strike="noStrike" dirty="0">
+                <a:solidFill>
+                  <a:srgbClr val="000000"/>
+                </a:solidFill>
+                <a:effectLst/>
+                <a:latin typeface="Calibri" panose="020F0502020204030204" pitchFamily="34" charset="0"/>
+              </a:rPr>
+              <a:t>stdInt-5</a:t>
+            </a:r>
+            <a:r>
+              <a:rPr lang="en-US" b="0" dirty="0"/>
+              <a:t> </a:t>
+            </a:r>
+            <a:r>
+              <a:rPr lang="en-US" sz="1800" b="0" i="0" u="none" strike="noStrike" dirty="0">
+                <a:solidFill>
+                  <a:srgbClr val="000000"/>
+                </a:solidFill>
+                <a:effectLst/>
+                <a:latin typeface="Calibri" panose="020F0502020204030204" pitchFamily="34" charset="0"/>
+              </a:rPr>
+              <a:t>perct95-5</a:t>
+            </a:r>
+            <a:r>
+              <a:rPr lang="en-US" b="0" dirty="0"/>
+              <a:t> </a:t>
+            </a:r>
+            <a:r>
+              <a:rPr lang="en-US" sz="1800" b="0" i="0" u="none" strike="noStrike" dirty="0">
+                <a:solidFill>
+                  <a:srgbClr val="000000"/>
+                </a:solidFill>
+                <a:effectLst/>
+                <a:latin typeface="Calibri" panose="020F0502020204030204" pitchFamily="34" charset="0"/>
+              </a:rPr>
+              <a:t>medianInt-5</a:t>
+            </a:r>
+            <a:r>
+              <a:rPr lang="en-US" b="0" dirty="0"/>
+              <a:t> </a:t>
+            </a:r>
+            <a:r>
+              <a:rPr lang="en-US" sz="1800" b="0" i="0" u="none" strike="noStrike" dirty="0">
+                <a:solidFill>
+                  <a:srgbClr val="000000"/>
+                </a:solidFill>
+                <a:effectLst/>
+                <a:latin typeface="Calibri" panose="020F0502020204030204" pitchFamily="34" charset="0"/>
+              </a:rPr>
+              <a:t>sumInt-5</a:t>
+            </a:r>
+            <a:r>
+              <a:rPr lang="en-US" b="0" dirty="0"/>
+              <a:t> </a:t>
+            </a:r>
+            <a:r>
+              <a:rPr lang="en-US" sz="1800" b="0" i="0" u="none" strike="noStrike" dirty="0">
+                <a:solidFill>
+                  <a:srgbClr val="000000"/>
+                </a:solidFill>
+                <a:effectLst/>
+                <a:latin typeface="Calibri" panose="020F0502020204030204" pitchFamily="34" charset="0"/>
+              </a:rPr>
+              <a:t>MeanInt-6</a:t>
+            </a:r>
+            <a:r>
+              <a:rPr lang="en-US" b="0" dirty="0"/>
+              <a:t> </a:t>
+            </a:r>
+            <a:r>
+              <a:rPr lang="en-US" sz="1800" b="0" i="0" u="none" strike="noStrike" dirty="0">
+                <a:solidFill>
+                  <a:srgbClr val="000000"/>
+                </a:solidFill>
+                <a:effectLst/>
+                <a:latin typeface="Calibri" panose="020F0502020204030204" pitchFamily="34" charset="0"/>
+              </a:rPr>
+              <a:t>avgWidth-6</a:t>
+            </a:r>
+            <a:r>
+              <a:rPr lang="en-US" b="0" dirty="0"/>
+              <a:t> </a:t>
+            </a:r>
+            <a:r>
+              <a:rPr lang="en-US" sz="1800" b="0" i="0" u="none" strike="noStrike" dirty="0">
+                <a:solidFill>
+                  <a:srgbClr val="000000"/>
+                </a:solidFill>
+                <a:effectLst/>
+                <a:latin typeface="Calibri" panose="020F0502020204030204" pitchFamily="34" charset="0"/>
+              </a:rPr>
+              <a:t>stdInt-6</a:t>
+            </a:r>
+            <a:r>
+              <a:rPr lang="en-US" b="0" dirty="0"/>
+              <a:t> </a:t>
+            </a:r>
+            <a:r>
+              <a:rPr lang="en-US" sz="1800" b="0" i="0" u="none" strike="noStrike" dirty="0">
+                <a:solidFill>
+                  <a:srgbClr val="000000"/>
+                </a:solidFill>
+                <a:effectLst/>
+                <a:latin typeface="Calibri" panose="020F0502020204030204" pitchFamily="34" charset="0"/>
+              </a:rPr>
+              <a:t>perct95-6</a:t>
+            </a:r>
+            <a:r>
+              <a:rPr lang="en-US" b="0" dirty="0"/>
+              <a:t> </a:t>
+            </a:r>
+            <a:r>
+              <a:rPr lang="en-US" sz="1800" b="0" i="0" u="none" strike="noStrike" dirty="0">
+                <a:solidFill>
+                  <a:srgbClr val="000000"/>
+                </a:solidFill>
+                <a:effectLst/>
+                <a:latin typeface="Calibri" panose="020F0502020204030204" pitchFamily="34" charset="0"/>
+              </a:rPr>
+              <a:t>medianInt-6</a:t>
+            </a:r>
+            <a:r>
+              <a:rPr lang="en-US" b="0" dirty="0"/>
+              <a:t> </a:t>
+            </a:r>
+            <a:r>
+              <a:rPr lang="en-US" sz="1800" b="0" i="0" u="none" strike="noStrike" dirty="0">
+                <a:solidFill>
+                  <a:srgbClr val="000000"/>
+                </a:solidFill>
+                <a:effectLst/>
+                <a:latin typeface="Calibri" panose="020F0502020204030204" pitchFamily="34" charset="0"/>
+              </a:rPr>
+              <a:t>sumInt-6</a:t>
+            </a:r>
+            <a:r>
+              <a:rPr lang="en-US" b="0" dirty="0"/>
+              <a:t> </a:t>
+            </a:r>
+            <a:r>
+              <a:rPr lang="en-US" sz="1800" b="0" i="0" u="none" strike="noStrike" dirty="0">
+                <a:solidFill>
+                  <a:srgbClr val="000000"/>
+                </a:solidFill>
+                <a:effectLst/>
+                <a:latin typeface="Calibri" panose="020F0502020204030204" pitchFamily="34" charset="0"/>
+              </a:rPr>
+              <a:t>MeanInt-7</a:t>
+            </a:r>
+            <a:r>
+              <a:rPr lang="en-US" b="0" dirty="0"/>
+              <a:t> </a:t>
+            </a:r>
+            <a:r>
+              <a:rPr lang="en-US" sz="1800" b="0" i="0" u="none" strike="noStrike" dirty="0">
+                <a:solidFill>
+                  <a:srgbClr val="000000"/>
+                </a:solidFill>
+                <a:effectLst/>
+                <a:latin typeface="Calibri" panose="020F0502020204030204" pitchFamily="34" charset="0"/>
+              </a:rPr>
+              <a:t>avgWidth-7</a:t>
+            </a:r>
+            <a:r>
+              <a:rPr lang="en-US" b="0" dirty="0"/>
+              <a:t> </a:t>
+            </a:r>
+            <a:r>
+              <a:rPr lang="en-US" sz="1800" b="0" i="0" u="none" strike="noStrike" dirty="0">
+                <a:solidFill>
+                  <a:srgbClr val="000000"/>
+                </a:solidFill>
+                <a:effectLst/>
+                <a:latin typeface="Calibri" panose="020F0502020204030204" pitchFamily="34" charset="0"/>
+              </a:rPr>
+              <a:t>stdInt-7</a:t>
+            </a:r>
+            <a:r>
+              <a:rPr lang="en-US" b="0" dirty="0"/>
+              <a:t> </a:t>
+            </a:r>
+            <a:r>
+              <a:rPr lang="en-US" sz="1800" b="0" i="0" u="none" strike="noStrike" dirty="0">
+                <a:solidFill>
+                  <a:srgbClr val="000000"/>
+                </a:solidFill>
+                <a:effectLst/>
+                <a:latin typeface="Calibri" panose="020F0502020204030204" pitchFamily="34" charset="0"/>
+              </a:rPr>
+              <a:t>perct95-7</a:t>
+            </a:r>
+            <a:r>
+              <a:rPr lang="en-US" b="0" dirty="0"/>
+              <a:t> </a:t>
+            </a:r>
+            <a:r>
+              <a:rPr lang="en-US" sz="1800" b="0" i="0" u="none" strike="noStrike" dirty="0">
+                <a:solidFill>
+                  <a:srgbClr val="000000"/>
+                </a:solidFill>
+                <a:effectLst/>
+                <a:latin typeface="Calibri" panose="020F0502020204030204" pitchFamily="34" charset="0"/>
+              </a:rPr>
+              <a:t>medianInt-7</a:t>
+            </a:r>
+            <a:r>
+              <a:rPr lang="en-US" b="0" dirty="0"/>
+              <a:t> </a:t>
+            </a:r>
+            <a:r>
+              <a:rPr lang="en-US" sz="1800" b="0" i="0" u="none" strike="noStrike" dirty="0">
+                <a:solidFill>
+                  <a:srgbClr val="000000"/>
+                </a:solidFill>
+                <a:effectLst/>
+                <a:latin typeface="Calibri" panose="020F0502020204030204" pitchFamily="34" charset="0"/>
+              </a:rPr>
+              <a:t>sumInt-7</a:t>
+            </a:r>
+            <a:r>
+              <a:rPr lang="en-US" b="0" dirty="0"/>
+              <a:t> </a:t>
+            </a:r>
+            <a:r>
+              <a:rPr lang="en-US" sz="1800" b="0" i="0" u="none" strike="noStrike" dirty="0">
+                <a:solidFill>
+                  <a:srgbClr val="000000"/>
+                </a:solidFill>
+                <a:effectLst/>
+                <a:latin typeface="Calibri" panose="020F0502020204030204" pitchFamily="34" charset="0"/>
+              </a:rPr>
+              <a:t>MeanInt-8</a:t>
+            </a:r>
+            <a:r>
+              <a:rPr lang="en-US" b="0" dirty="0"/>
+              <a:t> </a:t>
+            </a:r>
+            <a:r>
+              <a:rPr lang="en-US" sz="1800" b="0" i="0" u="none" strike="noStrike" dirty="0">
+                <a:solidFill>
+                  <a:srgbClr val="000000"/>
+                </a:solidFill>
+                <a:effectLst/>
+                <a:latin typeface="Calibri" panose="020F0502020204030204" pitchFamily="34" charset="0"/>
+              </a:rPr>
+              <a:t>avgWidth-8</a:t>
+            </a:r>
+            <a:r>
+              <a:rPr lang="en-US" b="0" dirty="0"/>
+              <a:t> </a:t>
+            </a:r>
+            <a:r>
+              <a:rPr lang="en-US" sz="1800" b="0" i="0" u="none" strike="noStrike" dirty="0">
+                <a:solidFill>
+                  <a:srgbClr val="000000"/>
+                </a:solidFill>
+                <a:effectLst/>
+                <a:latin typeface="Calibri" panose="020F0502020204030204" pitchFamily="34" charset="0"/>
+              </a:rPr>
+              <a:t>stdInt-8</a:t>
+            </a:r>
+            <a:r>
+              <a:rPr lang="en-US" b="0" dirty="0"/>
+              <a:t> </a:t>
+            </a:r>
+            <a:r>
+              <a:rPr lang="en-US" sz="1800" b="0" i="0" u="none" strike="noStrike" dirty="0">
+                <a:solidFill>
+                  <a:srgbClr val="000000"/>
+                </a:solidFill>
+                <a:effectLst/>
+                <a:latin typeface="Calibri" panose="020F0502020204030204" pitchFamily="34" charset="0"/>
+              </a:rPr>
+              <a:t>perct95-8</a:t>
+            </a:r>
+            <a:r>
+              <a:rPr lang="en-US" b="0" dirty="0"/>
+              <a:t> </a:t>
+            </a:r>
+            <a:r>
+              <a:rPr lang="en-US" sz="1800" b="0" i="0" u="none" strike="noStrike" dirty="0">
+                <a:solidFill>
+                  <a:srgbClr val="000000"/>
+                </a:solidFill>
+                <a:effectLst/>
+                <a:latin typeface="Calibri" panose="020F0502020204030204" pitchFamily="34" charset="0"/>
+              </a:rPr>
+              <a:t>medianInt-8</a:t>
+            </a:r>
+            <a:r>
+              <a:rPr lang="en-US" b="0" dirty="0"/>
+              <a:t> </a:t>
+            </a:r>
+            <a:r>
+              <a:rPr lang="en-US" sz="1800" b="0" i="0" u="none" strike="noStrike" dirty="0">
+                <a:solidFill>
+                  <a:srgbClr val="000000"/>
+                </a:solidFill>
+                <a:effectLst/>
+                <a:latin typeface="Calibri" panose="020F0502020204030204" pitchFamily="34" charset="0"/>
+              </a:rPr>
+              <a:t>sumInt-8</a:t>
+            </a:r>
+            <a:r>
+              <a:rPr lang="en-US" b="0" dirty="0"/>
+              <a:t> </a:t>
+            </a:r>
+            <a:r>
+              <a:rPr lang="en-US" sz="1800" b="0" i="0" u="none" strike="noStrike" dirty="0">
+                <a:solidFill>
+                  <a:srgbClr val="000000"/>
+                </a:solidFill>
+                <a:effectLst/>
+                <a:latin typeface="Calibri" panose="020F0502020204030204" pitchFamily="34" charset="0"/>
+              </a:rPr>
+              <a:t>MeanInt-9</a:t>
+            </a:r>
+            <a:r>
+              <a:rPr lang="en-US" b="0" dirty="0"/>
+              <a:t> </a:t>
+            </a:r>
+            <a:r>
+              <a:rPr lang="en-US" sz="1800" b="0" i="0" u="none" strike="noStrike" dirty="0">
+                <a:solidFill>
+                  <a:srgbClr val="000000"/>
+                </a:solidFill>
+                <a:effectLst/>
+                <a:latin typeface="Calibri" panose="020F0502020204030204" pitchFamily="34" charset="0"/>
+              </a:rPr>
+              <a:t>avgWidth-9</a:t>
+            </a:r>
+            <a:r>
+              <a:rPr lang="en-US" b="0" dirty="0"/>
+              <a:t> </a:t>
+            </a:r>
+            <a:r>
+              <a:rPr lang="en-US" sz="1800" b="0" i="0" u="none" strike="noStrike" dirty="0">
+                <a:solidFill>
+                  <a:srgbClr val="000000"/>
+                </a:solidFill>
+                <a:effectLst/>
+                <a:latin typeface="Calibri" panose="020F0502020204030204" pitchFamily="34" charset="0"/>
+              </a:rPr>
+              <a:t>stdInt-9</a:t>
+            </a:r>
+            <a:r>
+              <a:rPr lang="en-US" b="0" dirty="0"/>
+              <a:t> </a:t>
+            </a:r>
+            <a:r>
+              <a:rPr lang="en-US" sz="1800" b="0" i="0" u="none" strike="noStrike" dirty="0">
+                <a:solidFill>
+                  <a:srgbClr val="000000"/>
+                </a:solidFill>
+                <a:effectLst/>
+                <a:latin typeface="Calibri" panose="020F0502020204030204" pitchFamily="34" charset="0"/>
+              </a:rPr>
+              <a:t>perct95-9</a:t>
+            </a:r>
+            <a:r>
+              <a:rPr lang="en-US" b="0" dirty="0"/>
+              <a:t> </a:t>
+            </a:r>
+            <a:r>
+              <a:rPr lang="en-US" sz="1800" b="0" i="0" u="none" strike="noStrike" dirty="0">
+                <a:solidFill>
+                  <a:srgbClr val="000000"/>
+                </a:solidFill>
+                <a:effectLst/>
+                <a:latin typeface="Calibri" panose="020F0502020204030204" pitchFamily="34" charset="0"/>
+              </a:rPr>
+              <a:t>medianInt-9</a:t>
+            </a:r>
+            <a:r>
+              <a:rPr lang="en-US" b="0" dirty="0"/>
+              <a:t> </a:t>
+            </a:r>
+            <a:r>
+              <a:rPr lang="en-US" sz="1800" b="0" i="0" u="none" strike="noStrike" dirty="0">
+                <a:solidFill>
+                  <a:srgbClr val="000000"/>
+                </a:solidFill>
+                <a:effectLst/>
+                <a:latin typeface="Calibri" panose="020F0502020204030204" pitchFamily="34" charset="0"/>
+              </a:rPr>
+              <a:t>sumInt-9</a:t>
+            </a:r>
+            <a:r>
+              <a:rPr lang="en-US" b="0" dirty="0"/>
+              <a:t> </a:t>
+            </a:r>
+            <a:r>
+              <a:rPr lang="en-US" sz="1800" b="0" i="0" u="none" strike="noStrike" dirty="0">
+                <a:solidFill>
+                  <a:srgbClr val="000000"/>
+                </a:solidFill>
+                <a:effectLst/>
+                <a:latin typeface="Calibri" panose="020F0502020204030204" pitchFamily="34" charset="0"/>
+              </a:rPr>
+              <a:t>MeanInt-10</a:t>
+            </a:r>
+            <a:r>
+              <a:rPr lang="en-US" b="0" dirty="0"/>
+              <a:t> </a:t>
+            </a:r>
+            <a:r>
+              <a:rPr lang="en-US" sz="1800" b="0" i="0" u="none" strike="noStrike" dirty="0">
+                <a:solidFill>
+                  <a:srgbClr val="000000"/>
+                </a:solidFill>
+                <a:effectLst/>
+                <a:latin typeface="Calibri" panose="020F0502020204030204" pitchFamily="34" charset="0"/>
+              </a:rPr>
+              <a:t>avgWidth-10</a:t>
+            </a:r>
+            <a:r>
+              <a:rPr lang="en-US" b="0" dirty="0"/>
+              <a:t> </a:t>
+            </a:r>
+            <a:r>
+              <a:rPr lang="en-US" sz="1800" b="0" i="0" u="none" strike="noStrike" dirty="0">
+                <a:solidFill>
+                  <a:srgbClr val="000000"/>
+                </a:solidFill>
+                <a:effectLst/>
+                <a:latin typeface="Calibri" panose="020F0502020204030204" pitchFamily="34" charset="0"/>
+              </a:rPr>
+              <a:t>stdInt-10</a:t>
+            </a:r>
+            <a:r>
+              <a:rPr lang="en-US" b="0" dirty="0"/>
+              <a:t> </a:t>
+            </a:r>
+            <a:r>
+              <a:rPr lang="en-US" sz="1800" b="0" i="0" u="none" strike="noStrike" dirty="0">
+                <a:solidFill>
+                  <a:srgbClr val="000000"/>
+                </a:solidFill>
+                <a:effectLst/>
+                <a:latin typeface="Calibri" panose="020F0502020204030204" pitchFamily="34" charset="0"/>
+              </a:rPr>
+              <a:t>perct95-10</a:t>
+            </a:r>
+            <a:r>
+              <a:rPr lang="en-US" b="0" dirty="0"/>
+              <a:t> </a:t>
+            </a:r>
+            <a:r>
+              <a:rPr lang="en-US" sz="1800" b="0" i="0" u="none" strike="noStrike" dirty="0">
+                <a:solidFill>
+                  <a:srgbClr val="000000"/>
+                </a:solidFill>
+                <a:effectLst/>
+                <a:latin typeface="Calibri" panose="020F0502020204030204" pitchFamily="34" charset="0"/>
+              </a:rPr>
+              <a:t>medianInt-10</a:t>
+            </a:r>
+            <a:r>
+              <a:rPr lang="en-US" b="0" dirty="0"/>
+              <a:t> </a:t>
+            </a:r>
+            <a:r>
+              <a:rPr lang="en-US" sz="1800" b="0" i="0" u="none" strike="noStrike" dirty="0">
+                <a:solidFill>
+                  <a:srgbClr val="000000"/>
+                </a:solidFill>
+                <a:effectLst/>
+                <a:latin typeface="Calibri" panose="020F0502020204030204" pitchFamily="34" charset="0"/>
+              </a:rPr>
+              <a:t>sumInt-10</a:t>
+            </a:r>
+            <a:r>
+              <a:rPr lang="en-US" b="0" dirty="0"/>
+              <a:t> </a:t>
+            </a:r>
+            <a:r>
+              <a:rPr lang="en-US" sz="1800" b="0" i="0" u="none" strike="noStrike" dirty="0" err="1">
+                <a:solidFill>
+                  <a:srgbClr val="000000"/>
+                </a:solidFill>
+                <a:effectLst/>
+                <a:latin typeface="Calibri" panose="020F0502020204030204" pitchFamily="34" charset="0"/>
+              </a:rPr>
+              <a:t>aspect_ratio</a:t>
+            </a:r>
+            <a:r>
+              <a:rPr lang="en-US" b="0" dirty="0"/>
+              <a:t> </a:t>
+            </a:r>
+            <a:r>
+              <a:rPr lang="en-US" sz="1800" b="0" i="0" u="none" strike="noStrike" dirty="0">
+                <a:solidFill>
+                  <a:srgbClr val="000000"/>
+                </a:solidFill>
+                <a:effectLst/>
+                <a:latin typeface="Calibri" panose="020F0502020204030204" pitchFamily="34" charset="0"/>
+              </a:rPr>
+              <a:t>intRatio2-9</a:t>
+            </a:r>
+            <a:r>
+              <a:rPr lang="en-US" b="0" dirty="0"/>
+              <a:t> </a:t>
+            </a:r>
+            <a:r>
+              <a:rPr lang="en-US" sz="1800" b="0" i="0" u="none" strike="noStrike" dirty="0" err="1">
+                <a:solidFill>
+                  <a:srgbClr val="000000"/>
+                </a:solidFill>
+                <a:effectLst/>
+                <a:latin typeface="Calibri" panose="020F0502020204030204" pitchFamily="34" charset="0"/>
+              </a:rPr>
+              <a:t>tipWidthRatio</a:t>
+            </a:r>
+            <a:r>
+              <a:rPr lang="en-US" b="0" dirty="0"/>
+              <a:t> </a:t>
+            </a:r>
+            <a:r>
+              <a:rPr lang="en-US" sz="1800" b="0" i="0" u="none" strike="noStrike" dirty="0" err="1">
+                <a:solidFill>
+                  <a:srgbClr val="000000"/>
+                </a:solidFill>
+                <a:effectLst/>
+                <a:latin typeface="Calibri" panose="020F0502020204030204" pitchFamily="34" charset="0"/>
+              </a:rPr>
+              <a:t>BodMeanInt</a:t>
+            </a:r>
+            <a:r>
+              <a:rPr lang="en-US" b="0" dirty="0"/>
+              <a:t> </a:t>
+            </a:r>
+            <a:r>
+              <a:rPr lang="en-US" sz="1800" b="0" i="0" u="none" strike="noStrike" dirty="0" err="1">
+                <a:solidFill>
+                  <a:srgbClr val="000000"/>
+                </a:solidFill>
+                <a:effectLst/>
+                <a:latin typeface="Calibri" panose="020F0502020204030204" pitchFamily="34" charset="0"/>
+              </a:rPr>
+              <a:t>BodAvgWidth</a:t>
+            </a:r>
+            <a:r>
+              <a:rPr lang="en-US" b="0" dirty="0"/>
+              <a:t> </a:t>
+            </a:r>
+            <a:r>
+              <a:rPr lang="en-US" sz="1800" b="0" i="0" u="none" strike="noStrike" dirty="0" err="1">
+                <a:solidFill>
+                  <a:srgbClr val="000000"/>
+                </a:solidFill>
+                <a:effectLst/>
+                <a:latin typeface="Calibri" panose="020F0502020204030204" pitchFamily="34" charset="0"/>
+              </a:rPr>
+              <a:t>BodStdInt</a:t>
+            </a:r>
+            <a:r>
+              <a:rPr lang="en-US" b="0" dirty="0"/>
+              <a:t> </a:t>
+            </a:r>
+            <a:r>
+              <a:rPr lang="en-US" sz="1800" b="0" i="0" u="none" strike="noStrike" dirty="0">
+                <a:solidFill>
+                  <a:srgbClr val="000000"/>
+                </a:solidFill>
+                <a:effectLst/>
+                <a:latin typeface="Calibri" panose="020F0502020204030204" pitchFamily="34" charset="0"/>
+              </a:rPr>
+              <a:t>BodPerct95</a:t>
+            </a:r>
+            <a:r>
+              <a:rPr lang="en-US" b="0" dirty="0"/>
+              <a:t> </a:t>
+            </a:r>
+            <a:r>
+              <a:rPr lang="en-US" sz="1800" b="0" i="0" u="none" strike="noStrike" dirty="0" err="1">
+                <a:solidFill>
+                  <a:srgbClr val="000000"/>
+                </a:solidFill>
+                <a:effectLst/>
+                <a:latin typeface="Calibri" panose="020F0502020204030204" pitchFamily="34" charset="0"/>
+              </a:rPr>
+              <a:t>BodMedianInt</a:t>
+            </a:r>
+            <a:r>
+              <a:rPr lang="en-US" b="0" dirty="0"/>
+              <a:t> </a:t>
+            </a:r>
+            <a:r>
+              <a:rPr lang="en-US" sz="1800" b="0" i="0" u="none" strike="noStrike" dirty="0" err="1">
+                <a:solidFill>
+                  <a:srgbClr val="000000"/>
+                </a:solidFill>
+                <a:effectLst/>
+                <a:latin typeface="Calibri" panose="020F0502020204030204" pitchFamily="34" charset="0"/>
+              </a:rPr>
+              <a:t>BodSumInt</a:t>
+            </a:r>
+            <a:r>
+              <a:rPr lang="en-US" b="0" dirty="0"/>
+              <a:t> </a:t>
+            </a:r>
+            <a:r>
+              <a:rPr lang="en-US" sz="1800" b="0" i="0" u="none" strike="noStrike" dirty="0" err="1">
+                <a:solidFill>
+                  <a:srgbClr val="000000"/>
+                </a:solidFill>
+                <a:effectLst/>
+                <a:latin typeface="Calibri" panose="020F0502020204030204" pitchFamily="34" charset="0"/>
+              </a:rPr>
+              <a:t>BKMeanInt</a:t>
+            </a:r>
+            <a:r>
+              <a:rPr lang="en-US" b="0" dirty="0"/>
+              <a:t> </a:t>
+            </a:r>
+          </a:p>
+        </p:txBody>
+      </p:sp>
+      <p:sp>
+        <p:nvSpPr>
+          <p:cNvPr id="4" name="Slide Number Placeholder 3"/>
+          <p:cNvSpPr>
+            <a:spLocks noGrp="1"/>
+          </p:cNvSpPr>
+          <p:nvPr>
+            <p:ph type="sldNum" sz="quarter" idx="5"/>
+          </p:nvPr>
+        </p:nvSpPr>
+        <p:spPr/>
+        <p:txBody>
+          <a:bodyPr/>
+          <a:lstStyle/>
+          <a:p>
+            <a:fld id="{29A07F0B-DB57-4930-AA47-B2FCA5AF27F8}" type="slidenum">
+              <a:rPr lang="en-US" smtClean="0"/>
+              <a:t>7</a:t>
+            </a:fld>
+            <a:endParaRPr lang="en-US"/>
+          </a:p>
+        </p:txBody>
+      </p:sp>
+    </p:spTree>
+    <p:extLst>
+      <p:ext uri="{BB962C8B-B14F-4D97-AF65-F5344CB8AC3E}">
+        <p14:creationId xmlns:p14="http://schemas.microsoft.com/office/powerpoint/2010/main" val="4206110170"/>
+      </p:ext>
+    </p:extLst>
+  </p:cSld>
+  <p:clrMapOvr>
+    <a:masterClrMapping/>
+  </p:clrMapOvr>
+</p:notes>
+</file>
+
+<file path=ppt/notesSlides/notesSlide3.xml><?xml version="1.0" encoding="utf-8"?>
+<p:notes xmlns:a="http://schemas.openxmlformats.org/drawingml/2006/main" xmlns:r="http://schemas.openxmlformats.org/officeDocument/2006/relationships" xmlns:p="http://schemas.openxmlformats.org/presentationml/2006/main">
+  <p:cSld>
+    <p:spTree>
+      <p:nvGrpSpPr>
+        <p:cNvPr id="1" name=""/>
+        <p:cNvGrpSpPr/>
+        <p:nvPr/>
+      </p:nvGrpSpPr>
+      <p:grpSpPr>
+        <a:xfrm>
+          <a:off x="0" y="0"/>
+          <a:ext cx="0" cy="0"/>
+          <a:chOff x="0" y="0"/>
+          <a:chExt cx="0" cy="0"/>
+        </a:xfrm>
+      </p:grpSpPr>
+      <p:sp>
+        <p:nvSpPr>
+          <p:cNvPr id="2" name="Slide Image Placeholder 1"/>
+          <p:cNvSpPr>
+            <a:spLocks noGrp="1" noRot="1" noChangeAspect="1"/>
+          </p:cNvSpPr>
+          <p:nvPr>
+            <p:ph type="sldImg"/>
+          </p:nvPr>
+        </p:nvSpPr>
+        <p:spPr/>
+      </p:sp>
+      <p:sp>
+        <p:nvSpPr>
+          <p:cNvPr id="3" name="Notes Placeholder 2"/>
+          <p:cNvSpPr>
+            <a:spLocks noGrp="1"/>
+          </p:cNvSpPr>
+          <p:nvPr>
+            <p:ph type="body" idx="1"/>
+          </p:nvPr>
+        </p:nvSpPr>
+        <p:spPr/>
+        <p:txBody>
+          <a:bodyPr/>
+          <a:lstStyle/>
+          <a:p>
+            <a:r>
+              <a:rPr lang="en-US" dirty="0"/>
+              <a:t>B&amp;W Image from </a:t>
+            </a:r>
+            <a:r>
+              <a:rPr lang="en-US" dirty="0">
+                <a:hlinkClick r:id="rId3"/>
+              </a:rPr>
+              <a:t>https://scikit-learn.org/stable/auto_examples/linear_model/plot_logistic_l1_l2_sparsity.html</a:t>
+            </a:r>
+            <a:endParaRPr lang="en-US" dirty="0"/>
+          </a:p>
+          <a:p>
+            <a:endParaRPr lang="en-US" dirty="0"/>
+          </a:p>
+          <a:p>
+            <a:r>
+              <a:rPr lang="en-US" dirty="0"/>
+              <a:t>Looks like when you get the C value very low, the same variables come through for each feature: Num, threshold, </a:t>
+            </a:r>
+            <a:r>
+              <a:rPr lang="en-US" dirty="0" err="1"/>
+              <a:t>num_regions</a:t>
+            </a:r>
+            <a:r>
+              <a:rPr lang="en-US" dirty="0"/>
+              <a:t>, </a:t>
+            </a:r>
+            <a:r>
+              <a:rPr lang="en-US" dirty="0" err="1"/>
+              <a:t>est_len</a:t>
+            </a:r>
+            <a:r>
+              <a:rPr lang="en-US" dirty="0"/>
+              <a:t>, avgWidth-1, which are the </a:t>
+            </a:r>
+            <a:r>
+              <a:rPr lang="en-US"/>
+              <a:t>first couple </a:t>
+            </a:r>
+            <a:r>
+              <a:rPr lang="en-US" dirty="0"/>
+              <a:t>variables of the excel file (?). </a:t>
+            </a:r>
+            <a:r>
+              <a:rPr lang="en-US" b="1" dirty="0"/>
+              <a:t>C decreases sparsity of the resulting coefficient matrix.</a:t>
+            </a:r>
+            <a:endParaRPr lang="en-US" dirty="0"/>
+          </a:p>
+          <a:p>
+            <a:endParaRPr lang="en-US" dirty="0"/>
+          </a:p>
+          <a:p>
+            <a:endParaRPr lang="en-US" dirty="0"/>
+          </a:p>
+        </p:txBody>
+      </p:sp>
+      <p:sp>
+        <p:nvSpPr>
+          <p:cNvPr id="4" name="Slide Number Placeholder 3"/>
+          <p:cNvSpPr>
+            <a:spLocks noGrp="1"/>
+          </p:cNvSpPr>
+          <p:nvPr>
+            <p:ph type="sldNum" sz="quarter" idx="5"/>
+          </p:nvPr>
+        </p:nvSpPr>
+        <p:spPr/>
+        <p:txBody>
+          <a:bodyPr/>
+          <a:lstStyle/>
+          <a:p>
+            <a:fld id="{29A07F0B-DB57-4930-AA47-B2FCA5AF27F8}" type="slidenum">
+              <a:rPr lang="en-US" smtClean="0"/>
+              <a:t>8</a:t>
+            </a:fld>
+            <a:endParaRPr lang="en-US"/>
+          </a:p>
+        </p:txBody>
+      </p:sp>
+    </p:spTree>
+    <p:extLst>
+      <p:ext uri="{BB962C8B-B14F-4D97-AF65-F5344CB8AC3E}">
+        <p14:creationId xmlns:p14="http://schemas.microsoft.com/office/powerpoint/2010/main" val="3287111618"/>
+      </p:ext>
+    </p:extLst>
+  </p:cSld>
+  <p:clrMapOvr>
+    <a:masterClrMapping/>
+  </p:clrMapOvr>
+</p:notes>
+</file>
+
+<file path=ppt/notesSlides/notesSlide4.xml><?xml version="1.0" encoding="utf-8"?>
+<p:notes xmlns:a="http://schemas.openxmlformats.org/drawingml/2006/main" xmlns:r="http://schemas.openxmlformats.org/officeDocument/2006/relationships" xmlns:p="http://schemas.openxmlformats.org/presentationml/2006/main">
+  <p:cSld>
+    <p:spTree>
+      <p:nvGrpSpPr>
+        <p:cNvPr id="1" name=""/>
+        <p:cNvGrpSpPr/>
+        <p:nvPr/>
+      </p:nvGrpSpPr>
+      <p:grpSpPr>
+        <a:xfrm>
+          <a:off x="0" y="0"/>
+          <a:ext cx="0" cy="0"/>
+          <a:chOff x="0" y="0"/>
+          <a:chExt cx="0" cy="0"/>
+        </a:xfrm>
+      </p:grpSpPr>
+      <p:sp>
+        <p:nvSpPr>
+          <p:cNvPr id="2" name="Slide Image Placeholder 1"/>
+          <p:cNvSpPr>
+            <a:spLocks noGrp="1" noRot="1" noChangeAspect="1"/>
+          </p:cNvSpPr>
+          <p:nvPr>
+            <p:ph type="sldImg"/>
+          </p:nvPr>
+        </p:nvSpPr>
+        <p:spPr/>
+      </p:sp>
+      <p:sp>
+        <p:nvSpPr>
+          <p:cNvPr id="3" name="Notes Placeholder 2"/>
+          <p:cNvSpPr>
+            <a:spLocks noGrp="1"/>
+          </p:cNvSpPr>
+          <p:nvPr>
+            <p:ph type="body" idx="1"/>
+          </p:nvPr>
+        </p:nvSpPr>
+        <p:spPr/>
+        <p:txBody>
+          <a:bodyPr/>
+          <a:lstStyle/>
+          <a:p>
+            <a:r>
+              <a:rPr lang="en-US" dirty="0"/>
+              <a:t>Accuracy of the L1 regressor object on new testing data by value of C on the x axis</a:t>
+            </a:r>
+          </a:p>
+        </p:txBody>
+      </p:sp>
+      <p:sp>
+        <p:nvSpPr>
+          <p:cNvPr id="4" name="Slide Number Placeholder 3"/>
+          <p:cNvSpPr>
+            <a:spLocks noGrp="1"/>
+          </p:cNvSpPr>
+          <p:nvPr>
+            <p:ph type="sldNum" sz="quarter" idx="5"/>
+          </p:nvPr>
+        </p:nvSpPr>
+        <p:spPr/>
+        <p:txBody>
+          <a:bodyPr/>
+          <a:lstStyle/>
+          <a:p>
+            <a:fld id="{29A07F0B-DB57-4930-AA47-B2FCA5AF27F8}" type="slidenum">
+              <a:rPr lang="en-US" smtClean="0"/>
+              <a:t>9</a:t>
+            </a:fld>
+            <a:endParaRPr lang="en-US"/>
+          </a:p>
+        </p:txBody>
+      </p:sp>
+    </p:spTree>
+    <p:extLst>
+      <p:ext uri="{BB962C8B-B14F-4D97-AF65-F5344CB8AC3E}">
+        <p14:creationId xmlns:p14="http://schemas.microsoft.com/office/powerpoint/2010/main" val="3140554231"/>
+      </p:ext>
+    </p:extLst>
+  </p:cSld>
+  <p:clrMapOvr>
+    <a:masterClrMapping/>
+  </p:clrMapOvr>
+</p:notes>
+</file>
+
+<file path=ppt/notesSlides/notesSlide5.xml><?xml version="1.0" encoding="utf-8"?>
+<p:notes xmlns:a="http://schemas.openxmlformats.org/drawingml/2006/main" xmlns:r="http://schemas.openxmlformats.org/officeDocument/2006/relationships" xmlns:p="http://schemas.openxmlformats.org/presentationml/2006/main">
+  <p:cSld>
+    <p:spTree>
+      <p:nvGrpSpPr>
+        <p:cNvPr id="1" name=""/>
+        <p:cNvGrpSpPr/>
+        <p:nvPr/>
+      </p:nvGrpSpPr>
+      <p:grpSpPr>
+        <a:xfrm>
+          <a:off x="0" y="0"/>
+          <a:ext cx="0" cy="0"/>
+          <a:chOff x="0" y="0"/>
+          <a:chExt cx="0" cy="0"/>
+        </a:xfrm>
+      </p:grpSpPr>
+      <p:sp>
+        <p:nvSpPr>
+          <p:cNvPr id="2" name="Slide Image Placeholder 1"/>
+          <p:cNvSpPr>
+            <a:spLocks noGrp="1" noRot="1" noChangeAspect="1"/>
+          </p:cNvSpPr>
+          <p:nvPr>
+            <p:ph type="sldImg"/>
+          </p:nvPr>
+        </p:nvSpPr>
+        <p:spPr/>
+      </p:sp>
+      <p:sp>
+        <p:nvSpPr>
+          <p:cNvPr id="3" name="Notes Placeholder 2"/>
+          <p:cNvSpPr>
+            <a:spLocks noGrp="1"/>
+          </p:cNvSpPr>
+          <p:nvPr>
+            <p:ph type="body" idx="1"/>
+          </p:nvPr>
+        </p:nvSpPr>
+        <p:spPr/>
+        <p:txBody>
+          <a:bodyPr/>
+          <a:lstStyle/>
+          <a:p>
+            <a:r>
+              <a:rPr lang="en-US" dirty="0"/>
+              <a:t>Use </a:t>
+            </a:r>
+            <a:r>
+              <a:rPr lang="en-US" dirty="0" err="1"/>
+              <a:t>GridSearchCV</a:t>
+            </a:r>
+            <a:r>
+              <a:rPr lang="en-US" dirty="0"/>
+              <a:t> to test different alpha values (or different anything, really – quite a handy tool!)</a:t>
+            </a:r>
+          </a:p>
+        </p:txBody>
+      </p:sp>
+      <p:sp>
+        <p:nvSpPr>
+          <p:cNvPr id="4" name="Slide Number Placeholder 3"/>
+          <p:cNvSpPr>
+            <a:spLocks noGrp="1"/>
+          </p:cNvSpPr>
+          <p:nvPr>
+            <p:ph type="sldNum" sz="quarter" idx="5"/>
+          </p:nvPr>
+        </p:nvSpPr>
+        <p:spPr/>
+        <p:txBody>
+          <a:bodyPr/>
+          <a:lstStyle/>
+          <a:p>
+            <a:fld id="{29A07F0B-DB57-4930-AA47-B2FCA5AF27F8}" type="slidenum">
+              <a:rPr lang="en-US" smtClean="0"/>
+              <a:t>10</a:t>
+            </a:fld>
+            <a:endParaRPr lang="en-US"/>
+          </a:p>
+        </p:txBody>
+      </p:sp>
+    </p:spTree>
+    <p:extLst>
+      <p:ext uri="{BB962C8B-B14F-4D97-AF65-F5344CB8AC3E}">
+        <p14:creationId xmlns:p14="http://schemas.microsoft.com/office/powerpoint/2010/main" val="1728037777"/>
+      </p:ext>
+    </p:extLst>
+  </p:cSld>
+  <p:clrMapOvr>
+    <a:masterClrMapping/>
+  </p:clrMapOvr>
+</p:notes>
+</file>
+
+<file path=ppt/notesSlides/notesSlide6.xml><?xml version="1.0" encoding="utf-8"?>
+<p:notes xmlns:a="http://schemas.openxmlformats.org/drawingml/2006/main" xmlns:r="http://schemas.openxmlformats.org/officeDocument/2006/relationships" xmlns:p="http://schemas.openxmlformats.org/presentationml/2006/main">
+  <p:cSld>
+    <p:spTree>
+      <p:nvGrpSpPr>
+        <p:cNvPr id="1" name=""/>
+        <p:cNvGrpSpPr/>
+        <p:nvPr/>
+      </p:nvGrpSpPr>
+      <p:grpSpPr>
+        <a:xfrm>
+          <a:off x="0" y="0"/>
+          <a:ext cx="0" cy="0"/>
+          <a:chOff x="0" y="0"/>
+          <a:chExt cx="0" cy="0"/>
+        </a:xfrm>
+      </p:grpSpPr>
+      <p:sp>
+        <p:nvSpPr>
+          <p:cNvPr id="2" name="Slide Image Placeholder 1"/>
+          <p:cNvSpPr>
+            <a:spLocks noGrp="1" noRot="1" noChangeAspect="1"/>
+          </p:cNvSpPr>
+          <p:nvPr>
+            <p:ph type="sldImg"/>
+          </p:nvPr>
+        </p:nvSpPr>
+        <p:spPr/>
+      </p:sp>
+      <p:sp>
+        <p:nvSpPr>
+          <p:cNvPr id="3" name="Notes Placeholder 2"/>
+          <p:cNvSpPr>
+            <a:spLocks noGrp="1"/>
+          </p:cNvSpPr>
+          <p:nvPr>
+            <p:ph type="body" idx="1"/>
+          </p:nvPr>
+        </p:nvSpPr>
+        <p:spPr/>
+        <p:txBody>
+          <a:bodyPr/>
+          <a:lstStyle/>
+          <a:p>
+            <a:r>
+              <a:rPr lang="en-US" dirty="0"/>
+              <a:t>For lasso with optimal alpha value</a:t>
+            </a:r>
+          </a:p>
+        </p:txBody>
+      </p:sp>
+      <p:sp>
+        <p:nvSpPr>
+          <p:cNvPr id="4" name="Slide Number Placeholder 3"/>
+          <p:cNvSpPr>
+            <a:spLocks noGrp="1"/>
+          </p:cNvSpPr>
+          <p:nvPr>
+            <p:ph type="sldNum" sz="quarter" idx="5"/>
+          </p:nvPr>
+        </p:nvSpPr>
+        <p:spPr/>
+        <p:txBody>
+          <a:bodyPr/>
+          <a:lstStyle/>
+          <a:p>
+            <a:fld id="{29A07F0B-DB57-4930-AA47-B2FCA5AF27F8}" type="slidenum">
+              <a:rPr lang="en-US" smtClean="0"/>
+              <a:t>11</a:t>
+            </a:fld>
+            <a:endParaRPr lang="en-US"/>
+          </a:p>
+        </p:txBody>
+      </p:sp>
+    </p:spTree>
+    <p:extLst>
+      <p:ext uri="{BB962C8B-B14F-4D97-AF65-F5344CB8AC3E}">
+        <p14:creationId xmlns:p14="http://schemas.microsoft.com/office/powerpoint/2010/main" val="3969531326"/>
+      </p:ext>
+    </p:extLst>
+  </p:cSld>
+  <p:clrMapOvr>
+    <a:masterClrMapping/>
+  </p:clrMapOvr>
+</p:notes>
+</file>
+
+<file path=ppt/notesSlides/notesSlide7.xml><?xml version="1.0" encoding="utf-8"?>
+<p:notes xmlns:a="http://schemas.openxmlformats.org/drawingml/2006/main" xmlns:r="http://schemas.openxmlformats.org/officeDocument/2006/relationships" xmlns:p="http://schemas.openxmlformats.org/presentationml/2006/main">
+  <p:cSld>
+    <p:spTree>
+      <p:nvGrpSpPr>
+        <p:cNvPr id="1" name=""/>
+        <p:cNvGrpSpPr/>
+        <p:nvPr/>
+      </p:nvGrpSpPr>
+      <p:grpSpPr>
+        <a:xfrm>
+          <a:off x="0" y="0"/>
+          <a:ext cx="0" cy="0"/>
+          <a:chOff x="0" y="0"/>
+          <a:chExt cx="0" cy="0"/>
+        </a:xfrm>
+      </p:grpSpPr>
+      <p:sp>
+        <p:nvSpPr>
+          <p:cNvPr id="2" name="Slide Image Placeholder 1"/>
+          <p:cNvSpPr>
+            <a:spLocks noGrp="1" noRot="1" noChangeAspect="1"/>
+          </p:cNvSpPr>
+          <p:nvPr>
+            <p:ph type="sldImg"/>
+          </p:nvPr>
+        </p:nvSpPr>
+        <p:spPr/>
+      </p:sp>
+      <p:sp>
+        <p:nvSpPr>
+          <p:cNvPr id="3" name="Notes Placeholder 2"/>
+          <p:cNvSpPr>
+            <a:spLocks noGrp="1"/>
+          </p:cNvSpPr>
+          <p:nvPr>
+            <p:ph type="body" idx="1"/>
+          </p:nvPr>
+        </p:nvSpPr>
+        <p:spPr/>
+        <p:txBody>
+          <a:bodyPr/>
+          <a:lstStyle/>
+          <a:p>
+            <a:r>
+              <a:rPr lang="en-US" dirty="0"/>
+              <a:t>Illustrates the distributions of each feature according to the projection done by LDA on the training data.</a:t>
+            </a:r>
+          </a:p>
+        </p:txBody>
+      </p:sp>
+      <p:sp>
+        <p:nvSpPr>
+          <p:cNvPr id="4" name="Slide Number Placeholder 3"/>
+          <p:cNvSpPr>
+            <a:spLocks noGrp="1"/>
+          </p:cNvSpPr>
+          <p:nvPr>
+            <p:ph type="sldNum" sz="quarter" idx="5"/>
+          </p:nvPr>
+        </p:nvSpPr>
+        <p:spPr/>
+        <p:txBody>
+          <a:bodyPr/>
+          <a:lstStyle/>
+          <a:p>
+            <a:fld id="{29A07F0B-DB57-4930-AA47-B2FCA5AF27F8}" type="slidenum">
+              <a:rPr lang="en-US" smtClean="0"/>
+              <a:t>13</a:t>
+            </a:fld>
+            <a:endParaRPr lang="en-US"/>
+          </a:p>
+        </p:txBody>
+      </p:sp>
+    </p:spTree>
+    <p:extLst>
+      <p:ext uri="{BB962C8B-B14F-4D97-AF65-F5344CB8AC3E}">
+        <p14:creationId xmlns:p14="http://schemas.microsoft.com/office/powerpoint/2010/main" val="2357213107"/>
+      </p:ext>
+    </p:extLst>
+  </p:cSld>
+  <p:clrMapOvr>
+    <a:masterClrMapping/>
+  </p:clrMapOvr>
+</p:notes>
+</file>
+
+<file path=ppt/notesSlides/notesSlide8.xml><?xml version="1.0" encoding="utf-8"?>
+<p:notes xmlns:a="http://schemas.openxmlformats.org/drawingml/2006/main" xmlns:r="http://schemas.openxmlformats.org/officeDocument/2006/relationships" xmlns:p="http://schemas.openxmlformats.org/presentationml/2006/main">
+  <p:cSld>
+    <p:spTree>
+      <p:nvGrpSpPr>
+        <p:cNvPr id="1" name=""/>
+        <p:cNvGrpSpPr/>
+        <p:nvPr/>
+      </p:nvGrpSpPr>
+      <p:grpSpPr>
+        <a:xfrm>
+          <a:off x="0" y="0"/>
+          <a:ext cx="0" cy="0"/>
+          <a:chOff x="0" y="0"/>
+          <a:chExt cx="0" cy="0"/>
+        </a:xfrm>
+      </p:grpSpPr>
+      <p:sp>
+        <p:nvSpPr>
+          <p:cNvPr id="2" name="Slide Image Placeholder 1"/>
+          <p:cNvSpPr>
+            <a:spLocks noGrp="1" noRot="1" noChangeAspect="1"/>
+          </p:cNvSpPr>
+          <p:nvPr>
+            <p:ph type="sldImg"/>
+          </p:nvPr>
+        </p:nvSpPr>
+        <p:spPr/>
+      </p:sp>
+      <p:sp>
+        <p:nvSpPr>
+          <p:cNvPr id="3" name="Notes Placeholder 2"/>
+          <p:cNvSpPr>
+            <a:spLocks noGrp="1"/>
+          </p:cNvSpPr>
+          <p:nvPr>
+            <p:ph type="body" idx="1"/>
+          </p:nvPr>
+        </p:nvSpPr>
+        <p:spPr/>
+        <p:txBody>
+          <a:bodyPr/>
+          <a:lstStyle/>
+          <a:p>
+            <a:r>
+              <a:rPr lang="en-US" dirty="0"/>
+              <a:t>I thought SFS was very interesting because after you perform the SFS, you get a list of features which best model the classification. Then you can do logistic regression on your classification using JUST the recommended features and see how accurate that is. The above screenshot details this. For example, SFS identified avgWidth-1, sumInt-4, sumInt-6, sumInt-7, ad medianInt-1 as the most salient features for the classification of the </a:t>
+            </a:r>
+            <a:r>
+              <a:rPr lang="en-US" dirty="0" err="1"/>
+              <a:t>Single_Loaded</a:t>
+            </a:r>
+            <a:r>
+              <a:rPr lang="en-US" dirty="0"/>
+              <a:t> feature. When you generate a logistic regression object using solely these features and use it to fit and model your data, then you get very high accuracy for the classification of single loaded vs. multiple loads.</a:t>
+            </a:r>
+          </a:p>
+          <a:p>
+            <a:endParaRPr lang="en-US" dirty="0"/>
+          </a:p>
+          <a:p>
+            <a:r>
+              <a:rPr lang="en-US" dirty="0"/>
+              <a:t>Logistic regression notes:</a:t>
+            </a:r>
+          </a:p>
+          <a:p>
+            <a:pPr marL="171450" indent="-171450">
+              <a:buFont typeface="Arial" panose="020B0604020202020204" pitchFamily="34" charset="0"/>
+              <a:buChar char="•"/>
+            </a:pPr>
+            <a:r>
+              <a:rPr lang="en-US" dirty="0"/>
+              <a:t>Solvers: don’t seem to be a big deal as long as you standardize</a:t>
+            </a:r>
+          </a:p>
+          <a:p>
+            <a:pPr marL="628650" lvl="1" indent="-171450">
+              <a:buFont typeface="Arial" panose="020B0604020202020204" pitchFamily="34" charset="0"/>
+              <a:buChar char="•"/>
+            </a:pPr>
+            <a:r>
+              <a:rPr lang="en-US" dirty="0">
+                <a:hlinkClick r:id="rId3"/>
+              </a:rPr>
+              <a:t>https://stackoverflow.com/questions/38640109/logistic-regression-python-solvers-definitions</a:t>
+            </a:r>
+            <a:endParaRPr lang="en-US" dirty="0"/>
+          </a:p>
+          <a:p>
+            <a:pPr marL="628650" lvl="1" indent="-171450">
+              <a:buFont typeface="Arial" panose="020B0604020202020204" pitchFamily="34" charset="0"/>
+              <a:buChar char="•"/>
+            </a:pPr>
+            <a:r>
+              <a:rPr lang="en-US" dirty="0">
+                <a:hlinkClick r:id="rId4"/>
+              </a:rPr>
+              <a:t>https://towardsdatascience.com/dont-sweat-the-solver-stuff-aea7cddc3451</a:t>
+            </a:r>
+            <a:endParaRPr lang="en-US" dirty="0"/>
+          </a:p>
+          <a:p>
+            <a:pPr marL="171450" lvl="0" indent="-171450">
+              <a:buFont typeface="Arial" panose="020B0604020202020204" pitchFamily="34" charset="0"/>
+              <a:buChar char="•"/>
+            </a:pPr>
+            <a:r>
+              <a:rPr lang="en-US" dirty="0" err="1"/>
+              <a:t>Max_iter</a:t>
+            </a:r>
+            <a:r>
+              <a:rPr lang="en-US" dirty="0"/>
+              <a:t>: </a:t>
+            </a:r>
+            <a:r>
+              <a:rPr lang="en-US" dirty="0">
+                <a:hlinkClick r:id="rId5"/>
+              </a:rPr>
+              <a:t>https://www.naftaliharris.com/blog/visualizing-k-means-clustering/</a:t>
+            </a:r>
+            <a:endParaRPr lang="en-US" dirty="0"/>
+          </a:p>
+          <a:p>
+            <a:pPr marL="171450" lvl="0" indent="-171450">
+              <a:buFont typeface="Arial" panose="020B0604020202020204" pitchFamily="34" charset="0"/>
+              <a:buChar char="•"/>
+            </a:pPr>
+            <a:r>
+              <a:rPr lang="en-US" dirty="0" err="1"/>
+              <a:t>N_jobs</a:t>
+            </a:r>
+            <a:r>
+              <a:rPr lang="en-US" dirty="0"/>
+              <a:t>: -1 to use all processors, 1 for a single processor/core, 2 for two processors/cores, etc. – should just affect run time, not the results/outcome</a:t>
+            </a:r>
+          </a:p>
+          <a:p>
+            <a:pPr marL="171450" lvl="0" indent="-171450">
+              <a:buFont typeface="Arial" panose="020B0604020202020204" pitchFamily="34" charset="0"/>
+              <a:buChar char="•"/>
+            </a:pPr>
+            <a:r>
+              <a:rPr lang="en-US" dirty="0" err="1"/>
+              <a:t>Random_state</a:t>
+            </a:r>
+            <a:r>
+              <a:rPr lang="en-US" dirty="0"/>
+              <a:t>: make sure this is the same everything you run logistic regression, otherwise your results will be shuffled/outcome will be different – does not matter what you set </a:t>
+            </a:r>
+            <a:r>
+              <a:rPr lang="en-US" dirty="0" err="1"/>
+              <a:t>random_state</a:t>
+            </a:r>
+            <a:r>
+              <a:rPr lang="en-US" dirty="0"/>
+              <a:t> equal to as long as it’s the same number</a:t>
+            </a:r>
+          </a:p>
+        </p:txBody>
+      </p:sp>
+      <p:sp>
+        <p:nvSpPr>
+          <p:cNvPr id="4" name="Slide Number Placeholder 3"/>
+          <p:cNvSpPr>
+            <a:spLocks noGrp="1"/>
+          </p:cNvSpPr>
+          <p:nvPr>
+            <p:ph type="sldNum" sz="quarter" idx="5"/>
+          </p:nvPr>
+        </p:nvSpPr>
+        <p:spPr/>
+        <p:txBody>
+          <a:bodyPr/>
+          <a:lstStyle/>
+          <a:p>
+            <a:fld id="{29A07F0B-DB57-4930-AA47-B2FCA5AF27F8}" type="slidenum">
+              <a:rPr lang="en-US" smtClean="0"/>
+              <a:t>14</a:t>
+            </a:fld>
+            <a:endParaRPr lang="en-US"/>
+          </a:p>
+        </p:txBody>
+      </p:sp>
+    </p:spTree>
+    <p:extLst>
+      <p:ext uri="{BB962C8B-B14F-4D97-AF65-F5344CB8AC3E}">
+        <p14:creationId xmlns:p14="http://schemas.microsoft.com/office/powerpoint/2010/main" val="503332440"/>
+      </p:ext>
+    </p:extLst>
+  </p:cSld>
+  <p:clrMapOvr>
+    <a:masterClrMapping/>
+  </p:clrMapOvr>
+</p:notes>
+</file>
+
 <file path=ppt/slideLayouts/slideLayout1.xml><?xml version="1.0" encoding="utf-8"?>
 <p:sldLayout xmlns:a="http://schemas.openxmlformats.org/drawingml/2006/main" xmlns:r="http://schemas.openxmlformats.org/officeDocument/2006/relationships" xmlns:p="http://schemas.openxmlformats.org/presentationml/2006/main" type="title" preserve="1">
   <p:cSld name="Title Slide">
@@ -269,7 +2569,7 @@
           <a:p>
             <a:fld id="{D7DDD580-B00F-47BE-833C-6484723950AD}" type="datetimeFigureOut">
               <a:rPr lang="en-US" smtClean="0"/>
-              <a:t>6/30/2020</a:t>
+              <a:t>7/6/2020</a:t>
             </a:fld>
             <a:endParaRPr lang="en-US"/>
           </a:p>
@@ -467,7 +2767,7 @@
           <a:p>
             <a:fld id="{D7DDD580-B00F-47BE-833C-6484723950AD}" type="datetimeFigureOut">
               <a:rPr lang="en-US" smtClean="0"/>
-              <a:t>6/30/2020</a:t>
+              <a:t>7/6/2020</a:t>
             </a:fld>
             <a:endParaRPr lang="en-US"/>
           </a:p>
@@ -675,7 +2975,7 @@
           <a:p>
             <a:fld id="{D7DDD580-B00F-47BE-833C-6484723950AD}" type="datetimeFigureOut">
               <a:rPr lang="en-US" smtClean="0"/>
-              <a:t>6/30/2020</a:t>
+              <a:t>7/6/2020</a:t>
             </a:fld>
             <a:endParaRPr lang="en-US"/>
           </a:p>
@@ -873,7 +3173,7 @@
           <a:p>
             <a:fld id="{D7DDD580-B00F-47BE-833C-6484723950AD}" type="datetimeFigureOut">
               <a:rPr lang="en-US" smtClean="0"/>
-              <a:t>6/30/2020</a:t>
+              <a:t>7/6/2020</a:t>
             </a:fld>
             <a:endParaRPr lang="en-US"/>
           </a:p>
@@ -1148,7 +3448,7 @@
           <a:p>
             <a:fld id="{D7DDD580-B00F-47BE-833C-6484723950AD}" type="datetimeFigureOut">
               <a:rPr lang="en-US" smtClean="0"/>
-              <a:t>6/30/2020</a:t>
+              <a:t>7/6/2020</a:t>
             </a:fld>
             <a:endParaRPr lang="en-US"/>
           </a:p>
@@ -1413,7 +3713,7 @@
           <a:p>
             <a:fld id="{D7DDD580-B00F-47BE-833C-6484723950AD}" type="datetimeFigureOut">
               <a:rPr lang="en-US" smtClean="0"/>
-              <a:t>6/30/2020</a:t>
+              <a:t>7/6/2020</a:t>
             </a:fld>
             <a:endParaRPr lang="en-US"/>
           </a:p>
@@ -1825,7 +4125,7 @@
           <a:p>
             <a:fld id="{D7DDD580-B00F-47BE-833C-6484723950AD}" type="datetimeFigureOut">
               <a:rPr lang="en-US" smtClean="0"/>
-              <a:t>6/30/2020</a:t>
+              <a:t>7/6/2020</a:t>
             </a:fld>
             <a:endParaRPr lang="en-US"/>
           </a:p>
@@ -1966,7 +4266,7 @@
           <a:p>
             <a:fld id="{D7DDD580-B00F-47BE-833C-6484723950AD}" type="datetimeFigureOut">
               <a:rPr lang="en-US" smtClean="0"/>
-              <a:t>6/30/2020</a:t>
+              <a:t>7/6/2020</a:t>
             </a:fld>
             <a:endParaRPr lang="en-US"/>
           </a:p>
@@ -2079,7 +4379,7 @@
           <a:p>
             <a:fld id="{D7DDD580-B00F-47BE-833C-6484723950AD}" type="datetimeFigureOut">
               <a:rPr lang="en-US" smtClean="0"/>
-              <a:t>6/30/2020</a:t>
+              <a:t>7/6/2020</a:t>
             </a:fld>
             <a:endParaRPr lang="en-US"/>
           </a:p>
@@ -2390,7 +4690,7 @@
           <a:p>
             <a:fld id="{D7DDD580-B00F-47BE-833C-6484723950AD}" type="datetimeFigureOut">
               <a:rPr lang="en-US" smtClean="0"/>
-              <a:t>6/30/2020</a:t>
+              <a:t>7/6/2020</a:t>
             </a:fld>
             <a:endParaRPr lang="en-US"/>
           </a:p>
@@ -2678,7 +4978,7 @@
           <a:p>
             <a:fld id="{D7DDD580-B00F-47BE-833C-6484723950AD}" type="datetimeFigureOut">
               <a:rPr lang="en-US" smtClean="0"/>
-              <a:t>6/30/2020</a:t>
+              <a:t>7/6/2020</a:t>
             </a:fld>
             <a:endParaRPr lang="en-US"/>
           </a:p>
@@ -2919,7 +5219,7 @@
           <a:p>
             <a:fld id="{D7DDD580-B00F-47BE-833C-6484723950AD}" type="datetimeFigureOut">
               <a:rPr lang="en-US" smtClean="0"/>
-              <a:t>6/30/2020</a:t>
+              <a:t>7/6/2020</a:t>
             </a:fld>
             <a:endParaRPr lang="en-US"/>
           </a:p>
@@ -3424,7 +5724,7 @@
           <p:cNvPr id="2" name="Title 1">
             <a:extLst>
               <a:ext uri="{FF2B5EF4-FFF2-40B4-BE49-F238E27FC236}">
-                <a16:creationId xmlns:a16="http://schemas.microsoft.com/office/drawing/2014/main" id="{5F6F963F-04C2-4DDD-90B8-131C96CE0F03}"/>
+                <a16:creationId xmlns:a16="http://schemas.microsoft.com/office/drawing/2014/main" id="{C6E0C6EA-FBCF-4999-A0B8-4F6293763E6E}"/>
               </a:ext>
             </a:extLst>
           </p:cNvPr>
@@ -3452,7 +5752,7 @@
           <p:cNvPr id="3" name="Content Placeholder 2">
             <a:extLst>
               <a:ext uri="{FF2B5EF4-FFF2-40B4-BE49-F238E27FC236}">
-                <a16:creationId xmlns:a16="http://schemas.microsoft.com/office/drawing/2014/main" id="{75548424-8782-4CE7-81B5-23E697E3CCA7}"/>
+                <a16:creationId xmlns:a16="http://schemas.microsoft.com/office/drawing/2014/main" id="{EA8C04D5-69D9-4904-BE6A-A3C028B98547}"/>
               </a:ext>
             </a:extLst>
           </p:cNvPr>
@@ -3463,44 +5763,24 @@
             <p:ph idx="1"/>
           </p:nvPr>
         </p:nvSpPr>
-        <p:spPr>
-          <a:xfrm>
-            <a:off x="838200" y="1825625"/>
-            <a:ext cx="3475383" cy="4351338"/>
-          </a:xfrm>
-        </p:spPr>
+        <p:spPr/>
         <p:txBody>
           <a:bodyPr/>
           <a:lstStyle/>
           <a:p>
             <a:r>
               <a:rPr lang="en-US" dirty="0"/>
-              <a:t>Step forward logistic regression</a:t>
-            </a:r>
-          </a:p>
-          <a:p>
-            <a:r>
-              <a:rPr lang="en-US" dirty="0"/>
-              <a:t>Good training/testing accuracy for all</a:t>
-            </a:r>
-          </a:p>
-          <a:p>
-            <a:r>
-              <a:rPr lang="en-US" dirty="0"/>
-              <a:t>What type of classifier to use?</a:t>
-            </a:r>
-          </a:p>
-          <a:p>
-            <a:endParaRPr lang="en-US" dirty="0"/>
+              <a:t>Lasso</a:t>
+            </a:r>
           </a:p>
         </p:txBody>
       </p:sp>
       <p:pic>
         <p:nvPicPr>
-          <p:cNvPr id="21" name="Picture 20">
-            <a:extLst>
-              <a:ext uri="{FF2B5EF4-FFF2-40B4-BE49-F238E27FC236}">
-                <a16:creationId xmlns:a16="http://schemas.microsoft.com/office/drawing/2014/main" id="{C89E21F3-8F5B-4818-9E11-D445EB7F76DD}"/>
+          <p:cNvPr id="15" name="Picture 14" descr="A close up of a logo&#10;&#10;Description automatically generated">
+            <a:extLst>
+              <a:ext uri="{FF2B5EF4-FFF2-40B4-BE49-F238E27FC236}">
+                <a16:creationId xmlns:a16="http://schemas.microsoft.com/office/drawing/2014/main" id="{03CD3023-A36C-4D67-8A4A-4E697076AC45}"/>
               </a:ext>
             </a:extLst>
           </p:cNvPr>
@@ -3510,24 +5790,188 @@
           <p:nvPr/>
         </p:nvPicPr>
         <p:blipFill rotWithShape="1">
-          <a:blip r:embed="rId2"/>
-          <a:srcRect t="41512" r="62418" b="28683"/>
+          <a:blip r:embed="rId3">
+            <a:extLst>
+              <a:ext uri="{28A0092B-C50C-407E-A947-70E740481C1C}">
+                <a14:useLocalDpi xmlns:a14="http://schemas.microsoft.com/office/drawing/2010/main" val="0"/>
+              </a:ext>
+            </a:extLst>
+          </a:blip>
+          <a:srcRect l="7386" r="6735" b="20762"/>
           <a:stretch/>
         </p:blipFill>
         <p:spPr>
           <a:xfrm>
-            <a:off x="4741475" y="1690688"/>
-            <a:ext cx="6873071" cy="2924071"/>
+            <a:off x="-2639291" y="5650420"/>
+            <a:ext cx="10470287" cy="1207580"/>
           </a:xfrm>
           <a:prstGeom prst="rect">
             <a:avLst/>
           </a:prstGeom>
         </p:spPr>
       </p:pic>
+      <p:pic>
+        <p:nvPicPr>
+          <p:cNvPr id="16" name="Picture 15">
+            <a:extLst>
+              <a:ext uri="{FF2B5EF4-FFF2-40B4-BE49-F238E27FC236}">
+                <a16:creationId xmlns:a16="http://schemas.microsoft.com/office/drawing/2014/main" id="{258D9C39-6A71-4271-AA8D-D27AE82AC9C5}"/>
+              </a:ext>
+            </a:extLst>
+          </p:cNvPr>
+          <p:cNvPicPr>
+            <a:picLocks noChangeAspect="1"/>
+          </p:cNvPicPr>
+          <p:nvPr/>
+        </p:nvPicPr>
+        <p:blipFill>
+          <a:blip r:embed="rId4"/>
+          <a:stretch>
+            <a:fillRect/>
+          </a:stretch>
+        </p:blipFill>
+        <p:spPr>
+          <a:xfrm>
+            <a:off x="8899947" y="917334"/>
+            <a:ext cx="2848707" cy="6263616"/>
+          </a:xfrm>
+          <a:prstGeom prst="rect">
+            <a:avLst/>
+          </a:prstGeom>
+        </p:spPr>
+      </p:pic>
+      <p:pic>
+        <p:nvPicPr>
+          <p:cNvPr id="17" name="Picture 16">
+            <a:extLst>
+              <a:ext uri="{FF2B5EF4-FFF2-40B4-BE49-F238E27FC236}">
+                <a16:creationId xmlns:a16="http://schemas.microsoft.com/office/drawing/2014/main" id="{4628FF95-1BE9-4A91-93B0-EF20A10F858E}"/>
+              </a:ext>
+            </a:extLst>
+          </p:cNvPr>
+          <p:cNvPicPr>
+            <a:picLocks noChangeAspect="1"/>
+          </p:cNvPicPr>
+          <p:nvPr/>
+        </p:nvPicPr>
+        <p:blipFill rotWithShape="1">
+          <a:blip r:embed="rId5"/>
+          <a:srcRect b="75592"/>
+          <a:stretch/>
+        </p:blipFill>
+        <p:spPr>
+          <a:xfrm>
+            <a:off x="3958523" y="1690688"/>
+            <a:ext cx="2331441" cy="761567"/>
+          </a:xfrm>
+          <a:prstGeom prst="rect">
+            <a:avLst/>
+          </a:prstGeom>
+        </p:spPr>
+      </p:pic>
+      <p:pic>
+        <p:nvPicPr>
+          <p:cNvPr id="18" name="Picture 17">
+            <a:extLst>
+              <a:ext uri="{FF2B5EF4-FFF2-40B4-BE49-F238E27FC236}">
+                <a16:creationId xmlns:a16="http://schemas.microsoft.com/office/drawing/2014/main" id="{BF7FF49C-1C6C-47D7-AFF7-31D61AE13A22}"/>
+              </a:ext>
+            </a:extLst>
+          </p:cNvPr>
+          <p:cNvPicPr>
+            <a:picLocks noChangeAspect="1"/>
+          </p:cNvPicPr>
+          <p:nvPr/>
+        </p:nvPicPr>
+        <p:blipFill rotWithShape="1">
+          <a:blip r:embed="rId5"/>
+          <a:srcRect t="37599"/>
+          <a:stretch/>
+        </p:blipFill>
+        <p:spPr>
+          <a:xfrm>
+            <a:off x="3958523" y="2452255"/>
+            <a:ext cx="2331441" cy="1947024"/>
+          </a:xfrm>
+          <a:prstGeom prst="rect">
+            <a:avLst/>
+          </a:prstGeom>
+        </p:spPr>
+      </p:pic>
+      <p:sp>
+        <p:nvSpPr>
+          <p:cNvPr id="19" name="TextBox 18">
+            <a:extLst>
+              <a:ext uri="{FF2B5EF4-FFF2-40B4-BE49-F238E27FC236}">
+                <a16:creationId xmlns:a16="http://schemas.microsoft.com/office/drawing/2014/main" id="{37D29EC1-ADA0-434A-B568-B14B3F8D3ACC}"/>
+              </a:ext>
+            </a:extLst>
+          </p:cNvPr>
+          <p:cNvSpPr txBox="1"/>
+          <p:nvPr/>
+        </p:nvSpPr>
+        <p:spPr>
+          <a:xfrm>
+            <a:off x="4035436" y="4399279"/>
+            <a:ext cx="2060564" cy="369332"/>
+          </a:xfrm>
+          <a:prstGeom prst="rect">
+            <a:avLst/>
+          </a:prstGeom>
+          <a:noFill/>
+        </p:spPr>
+        <p:txBody>
+          <a:bodyPr wrap="none" rtlCol="0">
+            <a:spAutoFit/>
+          </a:bodyPr>
+          <a:lstStyle/>
+          <a:p>
+            <a:r>
+              <a:rPr lang="en-US" dirty="0"/>
+              <a:t>Optimal alpha value</a:t>
+            </a:r>
+          </a:p>
+        </p:txBody>
+      </p:sp>
+      <p:sp>
+        <p:nvSpPr>
+          <p:cNvPr id="20" name="TextBox 19">
+            <a:extLst>
+              <a:ext uri="{FF2B5EF4-FFF2-40B4-BE49-F238E27FC236}">
+                <a16:creationId xmlns:a16="http://schemas.microsoft.com/office/drawing/2014/main" id="{8FF1DA0B-AD2A-4B8F-838D-ACF8A2F00B09}"/>
+              </a:ext>
+            </a:extLst>
+          </p:cNvPr>
+          <p:cNvSpPr txBox="1"/>
+          <p:nvPr/>
+        </p:nvSpPr>
+        <p:spPr>
+          <a:xfrm>
+            <a:off x="8730635" y="-5996"/>
+            <a:ext cx="3018019" cy="923330"/>
+          </a:xfrm>
+          <a:prstGeom prst="rect">
+            <a:avLst/>
+          </a:prstGeom>
+          <a:noFill/>
+        </p:spPr>
+        <p:txBody>
+          <a:bodyPr wrap="square" rtlCol="0">
+            <a:spAutoFit/>
+          </a:bodyPr>
+          <a:lstStyle/>
+          <a:p>
+            <a:r>
+              <a:rPr lang="en-US" dirty="0"/>
+              <a:t>Highest weights for each feature with alpha value as 0.01</a:t>
+            </a:r>
+          </a:p>
+        </p:txBody>
+      </p:sp>
     </p:spTree>
     <p:extLst>
       <p:ext uri="{BB962C8B-B14F-4D97-AF65-F5344CB8AC3E}">
-        <p14:creationId xmlns:p14="http://schemas.microsoft.com/office/powerpoint/2010/main" val="28056639"/>
+        <p14:creationId xmlns:p14="http://schemas.microsoft.com/office/powerpoint/2010/main" val="867338692"/>
       </p:ext>
     </p:extLst>
   </p:cSld>
@@ -3554,37 +5998,12 @@
           <a:chExt cx="0" cy="0"/>
         </a:xfrm>
       </p:grpSpPr>
-      <p:sp>
-        <p:nvSpPr>
-          <p:cNvPr id="2" name="Title 1">
-            <a:extLst>
-              <a:ext uri="{FF2B5EF4-FFF2-40B4-BE49-F238E27FC236}">
-                <a16:creationId xmlns:a16="http://schemas.microsoft.com/office/drawing/2014/main" id="{5C8353A9-5D59-4D60-BF9A-CBF3E0EF84BF}"/>
-              </a:ext>
-            </a:extLst>
-          </p:cNvPr>
-          <p:cNvSpPr>
-            <a:spLocks noGrp="1"/>
-          </p:cNvSpPr>
-          <p:nvPr>
-            <p:ph type="title"/>
-          </p:nvPr>
-        </p:nvSpPr>
-        <p:spPr/>
-        <p:txBody>
-          <a:bodyPr/>
-          <a:lstStyle/>
-          <a:p>
-            <a:endParaRPr lang="en-US"/>
-          </a:p>
-        </p:txBody>
-      </p:sp>
       <p:pic>
         <p:nvPicPr>
-          <p:cNvPr id="5" name="Content Placeholder 4">
-            <a:extLst>
-              <a:ext uri="{FF2B5EF4-FFF2-40B4-BE49-F238E27FC236}">
-                <a16:creationId xmlns:a16="http://schemas.microsoft.com/office/drawing/2014/main" id="{E8B9DC02-E54F-4742-A3B5-9880C5DC3A0E}"/>
+          <p:cNvPr id="17" name="Content Placeholder 16" descr="A close up of a device&#10;&#10;Description automatically generated">
+            <a:extLst>
+              <a:ext uri="{FF2B5EF4-FFF2-40B4-BE49-F238E27FC236}">
+                <a16:creationId xmlns:a16="http://schemas.microsoft.com/office/drawing/2014/main" id="{36B7D367-32D3-48D6-B5A2-2AC1A9C841C1}"/>
               </a:ext>
             </a:extLst>
           </p:cNvPr>
@@ -3596,7 +6015,7 @@
           </p:nvPr>
         </p:nvPicPr>
         <p:blipFill>
-          <a:blip r:embed="rId2">
+          <a:blip r:embed="rId3">
             <a:extLst>
               <a:ext uri="{28A0092B-C50C-407E-A947-70E740481C1C}">
                 <a14:useLocalDpi xmlns:a14="http://schemas.microsoft.com/office/drawing/2010/main" val="0"/>
@@ -3609,17 +6028,1057 @@
         </p:blipFill>
         <p:spPr>
           <a:xfrm>
-            <a:off x="5601686" y="3189722"/>
-            <a:ext cx="4503093" cy="3377320"/>
+            <a:off x="6112026" y="3495582"/>
+            <a:ext cx="4265029" cy="3198772"/>
           </a:xfrm>
         </p:spPr>
       </p:pic>
       <p:pic>
         <p:nvPicPr>
-          <p:cNvPr id="7" name="Picture 6">
-            <a:extLst>
-              <a:ext uri="{FF2B5EF4-FFF2-40B4-BE49-F238E27FC236}">
-                <a16:creationId xmlns:a16="http://schemas.microsoft.com/office/drawing/2014/main" id="{C2C7DDD0-6B6F-4D50-B0C8-31E23ABE956A}"/>
+          <p:cNvPr id="19" name="Picture 18" descr="A close up of a map&#10;&#10;Description automatically generated">
+            <a:extLst>
+              <a:ext uri="{FF2B5EF4-FFF2-40B4-BE49-F238E27FC236}">
+                <a16:creationId xmlns:a16="http://schemas.microsoft.com/office/drawing/2014/main" id="{DD5E7F79-AFA2-462C-B009-F206BC8B376A}"/>
+              </a:ext>
+            </a:extLst>
+          </p:cNvPr>
+          <p:cNvPicPr>
+            <a:picLocks noChangeAspect="1"/>
+          </p:cNvPicPr>
+          <p:nvPr/>
+        </p:nvPicPr>
+        <p:blipFill>
+          <a:blip r:embed="rId4">
+            <a:extLst>
+              <a:ext uri="{28A0092B-C50C-407E-A947-70E740481C1C}">
+                <a14:useLocalDpi xmlns:a14="http://schemas.microsoft.com/office/drawing/2010/main" val="0"/>
+              </a:ext>
+            </a:extLst>
+          </a:blip>
+          <a:stretch>
+            <a:fillRect/>
+          </a:stretch>
+        </p:blipFill>
+        <p:spPr>
+          <a:xfrm>
+            <a:off x="1837537" y="3631447"/>
+            <a:ext cx="4302070" cy="3226553"/>
+          </a:xfrm>
+          <a:prstGeom prst="rect">
+            <a:avLst/>
+          </a:prstGeom>
+        </p:spPr>
+      </p:pic>
+      <p:pic>
+        <p:nvPicPr>
+          <p:cNvPr id="21" name="Picture 20" descr="A close up of a map&#10;&#10;Description automatically generated">
+            <a:extLst>
+              <a:ext uri="{FF2B5EF4-FFF2-40B4-BE49-F238E27FC236}">
+                <a16:creationId xmlns:a16="http://schemas.microsoft.com/office/drawing/2014/main" id="{AA1A7007-27ED-464E-B281-0EA795CE4B95}"/>
+              </a:ext>
+            </a:extLst>
+          </p:cNvPr>
+          <p:cNvPicPr>
+            <a:picLocks noChangeAspect="1"/>
+          </p:cNvPicPr>
+          <p:nvPr/>
+        </p:nvPicPr>
+        <p:blipFill>
+          <a:blip r:embed="rId5">
+            <a:extLst>
+              <a:ext uri="{28A0092B-C50C-407E-A947-70E740481C1C}">
+                <a14:useLocalDpi xmlns:a14="http://schemas.microsoft.com/office/drawing/2010/main" val="0"/>
+              </a:ext>
+            </a:extLst>
+          </a:blip>
+          <a:stretch>
+            <a:fillRect/>
+          </a:stretch>
+        </p:blipFill>
+        <p:spPr>
+          <a:xfrm>
+            <a:off x="8495180" y="167804"/>
+            <a:ext cx="4302070" cy="3226553"/>
+          </a:xfrm>
+          <a:prstGeom prst="rect">
+            <a:avLst/>
+          </a:prstGeom>
+        </p:spPr>
+      </p:pic>
+      <p:pic>
+        <p:nvPicPr>
+          <p:cNvPr id="23" name="Picture 22" descr="A close up of a device&#10;&#10;Description automatically generated">
+            <a:extLst>
+              <a:ext uri="{FF2B5EF4-FFF2-40B4-BE49-F238E27FC236}">
+                <a16:creationId xmlns:a16="http://schemas.microsoft.com/office/drawing/2014/main" id="{92E97752-EA62-4EA7-A694-5DDF0E7A8A78}"/>
+              </a:ext>
+            </a:extLst>
+          </p:cNvPr>
+          <p:cNvPicPr>
+            <a:picLocks noChangeAspect="1"/>
+          </p:cNvPicPr>
+          <p:nvPr/>
+        </p:nvPicPr>
+        <p:blipFill>
+          <a:blip r:embed="rId6">
+            <a:extLst>
+              <a:ext uri="{28A0092B-C50C-407E-A947-70E740481C1C}">
+                <a14:useLocalDpi xmlns:a14="http://schemas.microsoft.com/office/drawing/2010/main" val="0"/>
+              </a:ext>
+            </a:extLst>
+          </a:blip>
+          <a:stretch>
+            <a:fillRect/>
+          </a:stretch>
+        </p:blipFill>
+        <p:spPr>
+          <a:xfrm>
+            <a:off x="4234673" y="66580"/>
+            <a:ext cx="4302070" cy="3226553"/>
+          </a:xfrm>
+          <a:prstGeom prst="rect">
+            <a:avLst/>
+          </a:prstGeom>
+        </p:spPr>
+      </p:pic>
+      <p:pic>
+        <p:nvPicPr>
+          <p:cNvPr id="25" name="Picture 24" descr="A close up of a logo&#10;&#10;Description automatically generated">
+            <a:extLst>
+              <a:ext uri="{FF2B5EF4-FFF2-40B4-BE49-F238E27FC236}">
+                <a16:creationId xmlns:a16="http://schemas.microsoft.com/office/drawing/2014/main" id="{3D00815E-B525-4BCB-AEC0-F41068899FFC}"/>
+              </a:ext>
+            </a:extLst>
+          </p:cNvPr>
+          <p:cNvPicPr>
+            <a:picLocks noChangeAspect="1"/>
+          </p:cNvPicPr>
+          <p:nvPr/>
+        </p:nvPicPr>
+        <p:blipFill>
+          <a:blip r:embed="rId7">
+            <a:extLst>
+              <a:ext uri="{28A0092B-C50C-407E-A947-70E740481C1C}">
+                <a14:useLocalDpi xmlns:a14="http://schemas.microsoft.com/office/drawing/2010/main" val="0"/>
+              </a:ext>
+            </a:extLst>
+          </a:blip>
+          <a:stretch>
+            <a:fillRect/>
+          </a:stretch>
+        </p:blipFill>
+        <p:spPr>
+          <a:xfrm>
+            <a:off x="0" y="66582"/>
+            <a:ext cx="4302070" cy="3226553"/>
+          </a:xfrm>
+          <a:prstGeom prst="rect">
+            <a:avLst/>
+          </a:prstGeom>
+        </p:spPr>
+      </p:pic>
+    </p:spTree>
+    <p:extLst>
+      <p:ext uri="{BB962C8B-B14F-4D97-AF65-F5344CB8AC3E}">
+        <p14:creationId xmlns:p14="http://schemas.microsoft.com/office/powerpoint/2010/main" val="3592902966"/>
+      </p:ext>
+    </p:extLst>
+  </p:cSld>
+  <p:clrMapOvr>
+    <a:masterClrMapping/>
+  </p:clrMapOvr>
+</p:sld>
+</file>
+
+<file path=ppt/slides/slide12.xml><?xml version="1.0" encoding="utf-8"?>
+<p:sld xmlns:a="http://schemas.openxmlformats.org/drawingml/2006/main" xmlns:r="http://schemas.openxmlformats.org/officeDocument/2006/relationships" xmlns:p="http://schemas.openxmlformats.org/presentationml/2006/main">
+  <p:cSld>
+    <p:spTree>
+      <p:nvGrpSpPr>
+        <p:cNvPr id="1" name=""/>
+        <p:cNvGrpSpPr/>
+        <p:nvPr/>
+      </p:nvGrpSpPr>
+      <p:grpSpPr>
+        <a:xfrm>
+          <a:off x="0" y="0"/>
+          <a:ext cx="0" cy="0"/>
+          <a:chOff x="0" y="0"/>
+          <a:chExt cx="0" cy="0"/>
+        </a:xfrm>
+      </p:grpSpPr>
+      <p:sp>
+        <p:nvSpPr>
+          <p:cNvPr id="2" name="Title 1">
+            <a:extLst>
+              <a:ext uri="{FF2B5EF4-FFF2-40B4-BE49-F238E27FC236}">
+                <a16:creationId xmlns:a16="http://schemas.microsoft.com/office/drawing/2014/main" id="{157ACF7B-CEB9-44AE-A664-34EDEDC74EE0}"/>
+              </a:ext>
+            </a:extLst>
+          </p:cNvPr>
+          <p:cNvSpPr>
+            <a:spLocks noGrp="1"/>
+          </p:cNvSpPr>
+          <p:nvPr>
+            <p:ph type="title"/>
+          </p:nvPr>
+        </p:nvSpPr>
+        <p:spPr>
+          <a:xfrm>
+            <a:off x="344268" y="168772"/>
+            <a:ext cx="10515600" cy="1325563"/>
+          </a:xfrm>
+        </p:spPr>
+        <p:txBody>
+          <a:bodyPr/>
+          <a:lstStyle/>
+          <a:p>
+            <a:r>
+              <a:rPr lang="en-US" dirty="0"/>
+              <a:t>Feature Selection</a:t>
+            </a:r>
+          </a:p>
+        </p:txBody>
+      </p:sp>
+      <p:sp>
+        <p:nvSpPr>
+          <p:cNvPr id="3" name="Content Placeholder 2">
+            <a:extLst>
+              <a:ext uri="{FF2B5EF4-FFF2-40B4-BE49-F238E27FC236}">
+                <a16:creationId xmlns:a16="http://schemas.microsoft.com/office/drawing/2014/main" id="{56F346C2-C004-4E5C-9F44-48E03A463785}"/>
+              </a:ext>
+            </a:extLst>
+          </p:cNvPr>
+          <p:cNvSpPr>
+            <a:spLocks noGrp="1"/>
+          </p:cNvSpPr>
+          <p:nvPr>
+            <p:ph idx="1"/>
+          </p:nvPr>
+        </p:nvSpPr>
+        <p:spPr>
+          <a:xfrm>
+            <a:off x="838200" y="1825625"/>
+            <a:ext cx="3216190" cy="4351338"/>
+          </a:xfrm>
+        </p:spPr>
+        <p:txBody>
+          <a:bodyPr/>
+          <a:lstStyle/>
+          <a:p>
+            <a:r>
+              <a:rPr lang="en-US" dirty="0"/>
+              <a:t>Standard scaler </a:t>
+            </a:r>
+            <a:r>
+              <a:rPr lang="en-US" dirty="0">
+                <a:sym typeface="Wingdings" panose="05000000000000000000" pitchFamily="2" charset="2"/>
+              </a:rPr>
+              <a:t> LDA</a:t>
+            </a:r>
+            <a:endParaRPr lang="en-US" dirty="0"/>
+          </a:p>
+          <a:p>
+            <a:r>
+              <a:rPr lang="en-US" dirty="0"/>
+              <a:t>LDA on a binary classification (like ours) will only every project to one dimension</a:t>
+            </a:r>
+          </a:p>
+          <a:p>
+            <a:r>
+              <a:rPr lang="en-US" dirty="0"/>
+              <a:t>Good training/testing accuracy for all</a:t>
+            </a:r>
+          </a:p>
+        </p:txBody>
+      </p:sp>
+      <p:pic>
+        <p:nvPicPr>
+          <p:cNvPr id="5" name="Picture 4">
+            <a:extLst>
+              <a:ext uri="{FF2B5EF4-FFF2-40B4-BE49-F238E27FC236}">
+                <a16:creationId xmlns:a16="http://schemas.microsoft.com/office/drawing/2014/main" id="{17853404-B19A-4913-9675-465891EBDA55}"/>
+              </a:ext>
+            </a:extLst>
+          </p:cNvPr>
+          <p:cNvPicPr>
+            <a:picLocks noChangeAspect="1"/>
+          </p:cNvPicPr>
+          <p:nvPr/>
+        </p:nvPicPr>
+        <p:blipFill>
+          <a:blip r:embed="rId2"/>
+          <a:stretch>
+            <a:fillRect/>
+          </a:stretch>
+        </p:blipFill>
+        <p:spPr>
+          <a:xfrm>
+            <a:off x="4502328" y="81171"/>
+            <a:ext cx="3062254" cy="6683868"/>
+          </a:xfrm>
+          <a:prstGeom prst="rect">
+            <a:avLst/>
+          </a:prstGeom>
+        </p:spPr>
+      </p:pic>
+      <p:pic>
+        <p:nvPicPr>
+          <p:cNvPr id="8" name="Picture 7">
+            <a:extLst>
+              <a:ext uri="{FF2B5EF4-FFF2-40B4-BE49-F238E27FC236}">
+                <a16:creationId xmlns:a16="http://schemas.microsoft.com/office/drawing/2014/main" id="{81EC1EDC-77B1-43C3-9432-57BF7AB4BC8F}"/>
+              </a:ext>
+            </a:extLst>
+          </p:cNvPr>
+          <p:cNvPicPr>
+            <a:picLocks noChangeAspect="1"/>
+          </p:cNvPicPr>
+          <p:nvPr/>
+        </p:nvPicPr>
+        <p:blipFill rotWithShape="1">
+          <a:blip r:embed="rId3"/>
+          <a:srcRect b="81330"/>
+          <a:stretch/>
+        </p:blipFill>
+        <p:spPr>
+          <a:xfrm>
+            <a:off x="7689673" y="742717"/>
+            <a:ext cx="4164586" cy="826144"/>
+          </a:xfrm>
+          <a:prstGeom prst="rect">
+            <a:avLst/>
+          </a:prstGeom>
+        </p:spPr>
+      </p:pic>
+      <p:pic>
+        <p:nvPicPr>
+          <p:cNvPr id="9" name="Picture 8">
+            <a:extLst>
+              <a:ext uri="{FF2B5EF4-FFF2-40B4-BE49-F238E27FC236}">
+                <a16:creationId xmlns:a16="http://schemas.microsoft.com/office/drawing/2014/main" id="{1FF53033-C7B8-455E-857D-7C9D528D0243}"/>
+              </a:ext>
+            </a:extLst>
+          </p:cNvPr>
+          <p:cNvPicPr>
+            <a:picLocks noChangeAspect="1"/>
+          </p:cNvPicPr>
+          <p:nvPr/>
+        </p:nvPicPr>
+        <p:blipFill rotWithShape="1">
+          <a:blip r:embed="rId3"/>
+          <a:srcRect t="27625"/>
+          <a:stretch/>
+        </p:blipFill>
+        <p:spPr>
+          <a:xfrm>
+            <a:off x="7689672" y="1563470"/>
+            <a:ext cx="4164587" cy="3202494"/>
+          </a:xfrm>
+          <a:prstGeom prst="rect">
+            <a:avLst/>
+          </a:prstGeom>
+        </p:spPr>
+      </p:pic>
+    </p:spTree>
+    <p:extLst>
+      <p:ext uri="{BB962C8B-B14F-4D97-AF65-F5344CB8AC3E}">
+        <p14:creationId xmlns:p14="http://schemas.microsoft.com/office/powerpoint/2010/main" val="334573122"/>
+      </p:ext>
+    </p:extLst>
+  </p:cSld>
+  <p:clrMapOvr>
+    <a:masterClrMapping/>
+  </p:clrMapOvr>
+</p:sld>
+</file>
+
+<file path=ppt/slides/slide13.xml><?xml version="1.0" encoding="utf-8"?>
+<p:sld xmlns:a="http://schemas.openxmlformats.org/drawingml/2006/main" xmlns:r="http://schemas.openxmlformats.org/officeDocument/2006/relationships" xmlns:p="http://schemas.openxmlformats.org/presentationml/2006/main">
+  <p:cSld>
+    <p:spTree>
+      <p:nvGrpSpPr>
+        <p:cNvPr id="1" name=""/>
+        <p:cNvGrpSpPr/>
+        <p:nvPr/>
+      </p:nvGrpSpPr>
+      <p:grpSpPr>
+        <a:xfrm>
+          <a:off x="0" y="0"/>
+          <a:ext cx="0" cy="0"/>
+          <a:chOff x="0" y="0"/>
+          <a:chExt cx="0" cy="0"/>
+        </a:xfrm>
+      </p:grpSpPr>
+      <p:pic>
+        <p:nvPicPr>
+          <p:cNvPr id="23" name="Content Placeholder 22" descr="A screenshot of a cell phone&#10;&#10;Description automatically generated">
+            <a:extLst>
+              <a:ext uri="{FF2B5EF4-FFF2-40B4-BE49-F238E27FC236}">
+                <a16:creationId xmlns:a16="http://schemas.microsoft.com/office/drawing/2014/main" id="{586B0AB9-1087-4EA6-843E-29EED5A50558}"/>
+              </a:ext>
+            </a:extLst>
+          </p:cNvPr>
+          <p:cNvPicPr>
+            <a:picLocks noGrp="1" noChangeAspect="1"/>
+          </p:cNvPicPr>
+          <p:nvPr>
+            <p:ph idx="1"/>
+          </p:nvPr>
+        </p:nvPicPr>
+        <p:blipFill>
+          <a:blip r:embed="rId3">
+            <a:extLst>
+              <a:ext uri="{28A0092B-C50C-407E-A947-70E740481C1C}">
+                <a14:useLocalDpi xmlns:a14="http://schemas.microsoft.com/office/drawing/2010/main" val="0"/>
+              </a:ext>
+            </a:extLst>
+          </a:blip>
+          <a:stretch>
+            <a:fillRect/>
+          </a:stretch>
+        </p:blipFill>
+        <p:spPr>
+          <a:xfrm>
+            <a:off x="6218157" y="3429000"/>
+            <a:ext cx="4147801" cy="3110851"/>
+          </a:xfrm>
+        </p:spPr>
+      </p:pic>
+      <p:pic>
+        <p:nvPicPr>
+          <p:cNvPr id="25" name="Picture 24" descr="A screenshot of a cell phone&#10;&#10;Description automatically generated">
+            <a:extLst>
+              <a:ext uri="{FF2B5EF4-FFF2-40B4-BE49-F238E27FC236}">
+                <a16:creationId xmlns:a16="http://schemas.microsoft.com/office/drawing/2014/main" id="{65343E82-5009-4E95-A1B4-2161F435A7FC}"/>
+              </a:ext>
+            </a:extLst>
+          </p:cNvPr>
+          <p:cNvPicPr>
+            <a:picLocks noChangeAspect="1"/>
+          </p:cNvPicPr>
+          <p:nvPr/>
+        </p:nvPicPr>
+        <p:blipFill>
+          <a:blip r:embed="rId4">
+            <a:extLst>
+              <a:ext uri="{28A0092B-C50C-407E-A947-70E740481C1C}">
+                <a14:useLocalDpi xmlns:a14="http://schemas.microsoft.com/office/drawing/2010/main" val="0"/>
+              </a:ext>
+            </a:extLst>
+          </a:blip>
+          <a:stretch>
+            <a:fillRect/>
+          </a:stretch>
+        </p:blipFill>
+        <p:spPr>
+          <a:xfrm>
+            <a:off x="1826042" y="3374562"/>
+            <a:ext cx="4183824" cy="3137869"/>
+          </a:xfrm>
+          <a:prstGeom prst="rect">
+            <a:avLst/>
+          </a:prstGeom>
+        </p:spPr>
+      </p:pic>
+      <p:pic>
+        <p:nvPicPr>
+          <p:cNvPr id="27" name="Picture 26" descr="A screenshot of a cell phone&#10;&#10;Description automatically generated">
+            <a:extLst>
+              <a:ext uri="{FF2B5EF4-FFF2-40B4-BE49-F238E27FC236}">
+                <a16:creationId xmlns:a16="http://schemas.microsoft.com/office/drawing/2014/main" id="{799F50EB-8D63-4F13-B132-29AE8B092065}"/>
+              </a:ext>
+            </a:extLst>
+          </p:cNvPr>
+          <p:cNvPicPr>
+            <a:picLocks noChangeAspect="1"/>
+          </p:cNvPicPr>
+          <p:nvPr/>
+        </p:nvPicPr>
+        <p:blipFill>
+          <a:blip r:embed="rId5">
+            <a:extLst>
+              <a:ext uri="{28A0092B-C50C-407E-A947-70E740481C1C}">
+                <a14:useLocalDpi xmlns:a14="http://schemas.microsoft.com/office/drawing/2010/main" val="0"/>
+              </a:ext>
+            </a:extLst>
+          </a:blip>
+          <a:stretch>
+            <a:fillRect/>
+          </a:stretch>
+        </p:blipFill>
+        <p:spPr>
+          <a:xfrm>
+            <a:off x="7972636" y="-199144"/>
+            <a:ext cx="4183824" cy="3137869"/>
+          </a:xfrm>
+          <a:prstGeom prst="rect">
+            <a:avLst/>
+          </a:prstGeom>
+        </p:spPr>
+      </p:pic>
+      <p:pic>
+        <p:nvPicPr>
+          <p:cNvPr id="29" name="Picture 28" descr="A screenshot of a cell phone&#10;&#10;Description automatically generated">
+            <a:extLst>
+              <a:ext uri="{FF2B5EF4-FFF2-40B4-BE49-F238E27FC236}">
+                <a16:creationId xmlns:a16="http://schemas.microsoft.com/office/drawing/2014/main" id="{D5673816-0ED9-49F4-976F-554BEBE53434}"/>
+              </a:ext>
+            </a:extLst>
+          </p:cNvPr>
+          <p:cNvPicPr>
+            <a:picLocks noChangeAspect="1"/>
+          </p:cNvPicPr>
+          <p:nvPr/>
+        </p:nvPicPr>
+        <p:blipFill>
+          <a:blip r:embed="rId6">
+            <a:extLst>
+              <a:ext uri="{28A0092B-C50C-407E-A947-70E740481C1C}">
+                <a14:useLocalDpi xmlns:a14="http://schemas.microsoft.com/office/drawing/2010/main" val="0"/>
+              </a:ext>
+            </a:extLst>
+          </a:blip>
+          <a:stretch>
+            <a:fillRect/>
+          </a:stretch>
+        </p:blipFill>
+        <p:spPr>
+          <a:xfrm>
+            <a:off x="3957351" y="-199143"/>
+            <a:ext cx="4183824" cy="3137869"/>
+          </a:xfrm>
+          <a:prstGeom prst="rect">
+            <a:avLst/>
+          </a:prstGeom>
+        </p:spPr>
+      </p:pic>
+      <p:pic>
+        <p:nvPicPr>
+          <p:cNvPr id="31" name="Picture 30" descr="A screenshot of a cell phone&#10;&#10;Description automatically generated">
+            <a:extLst>
+              <a:ext uri="{FF2B5EF4-FFF2-40B4-BE49-F238E27FC236}">
+                <a16:creationId xmlns:a16="http://schemas.microsoft.com/office/drawing/2014/main" id="{116F058E-B794-4BDB-91C1-6C0ED70E7178}"/>
+              </a:ext>
+            </a:extLst>
+          </p:cNvPr>
+          <p:cNvPicPr>
+            <a:picLocks noChangeAspect="1"/>
+          </p:cNvPicPr>
+          <p:nvPr/>
+        </p:nvPicPr>
+        <p:blipFill>
+          <a:blip r:embed="rId7">
+            <a:extLst>
+              <a:ext uri="{28A0092B-C50C-407E-A947-70E740481C1C}">
+                <a14:useLocalDpi xmlns:a14="http://schemas.microsoft.com/office/drawing/2010/main" val="0"/>
+              </a:ext>
+            </a:extLst>
+          </a:blip>
+          <a:stretch>
+            <a:fillRect/>
+          </a:stretch>
+        </p:blipFill>
+        <p:spPr>
+          <a:xfrm>
+            <a:off x="0" y="-199142"/>
+            <a:ext cx="4183824" cy="3137869"/>
+          </a:xfrm>
+          <a:prstGeom prst="rect">
+            <a:avLst/>
+          </a:prstGeom>
+        </p:spPr>
+      </p:pic>
+    </p:spTree>
+    <p:extLst>
+      <p:ext uri="{BB962C8B-B14F-4D97-AF65-F5344CB8AC3E}">
+        <p14:creationId xmlns:p14="http://schemas.microsoft.com/office/powerpoint/2010/main" val="2717662667"/>
+      </p:ext>
+    </p:extLst>
+  </p:cSld>
+  <p:clrMapOvr>
+    <a:masterClrMapping/>
+  </p:clrMapOvr>
+</p:sld>
+</file>
+
+<file path=ppt/slides/slide14.xml><?xml version="1.0" encoding="utf-8"?>
+<p:sld xmlns:a="http://schemas.openxmlformats.org/drawingml/2006/main" xmlns:r="http://schemas.openxmlformats.org/officeDocument/2006/relationships" xmlns:p="http://schemas.openxmlformats.org/presentationml/2006/main">
+  <p:cSld>
+    <p:spTree>
+      <p:nvGrpSpPr>
+        <p:cNvPr id="1" name=""/>
+        <p:cNvGrpSpPr/>
+        <p:nvPr/>
+      </p:nvGrpSpPr>
+      <p:grpSpPr>
+        <a:xfrm>
+          <a:off x="0" y="0"/>
+          <a:ext cx="0" cy="0"/>
+          <a:chOff x="0" y="0"/>
+          <a:chExt cx="0" cy="0"/>
+        </a:xfrm>
+      </p:grpSpPr>
+      <p:sp>
+        <p:nvSpPr>
+          <p:cNvPr id="2" name="Title 1">
+            <a:extLst>
+              <a:ext uri="{FF2B5EF4-FFF2-40B4-BE49-F238E27FC236}">
+                <a16:creationId xmlns:a16="http://schemas.microsoft.com/office/drawing/2014/main" id="{5F6F963F-04C2-4DDD-90B8-131C96CE0F03}"/>
+              </a:ext>
+            </a:extLst>
+          </p:cNvPr>
+          <p:cNvSpPr>
+            <a:spLocks noGrp="1"/>
+          </p:cNvSpPr>
+          <p:nvPr>
+            <p:ph type="title"/>
+          </p:nvPr>
+        </p:nvSpPr>
+        <p:spPr/>
+        <p:txBody>
+          <a:bodyPr/>
+          <a:lstStyle/>
+          <a:p>
+            <a:r>
+              <a:rPr lang="en-US" dirty="0"/>
+              <a:t>Feature selection</a:t>
+            </a:r>
+          </a:p>
+        </p:txBody>
+      </p:sp>
+      <p:sp>
+        <p:nvSpPr>
+          <p:cNvPr id="3" name="Content Placeholder 2">
+            <a:extLst>
+              <a:ext uri="{FF2B5EF4-FFF2-40B4-BE49-F238E27FC236}">
+                <a16:creationId xmlns:a16="http://schemas.microsoft.com/office/drawing/2014/main" id="{75548424-8782-4CE7-81B5-23E697E3CCA7}"/>
+              </a:ext>
+            </a:extLst>
+          </p:cNvPr>
+          <p:cNvSpPr>
+            <a:spLocks noGrp="1"/>
+          </p:cNvSpPr>
+          <p:nvPr>
+            <p:ph idx="1"/>
+          </p:nvPr>
+        </p:nvSpPr>
+        <p:spPr>
+          <a:xfrm>
+            <a:off x="838200" y="1330036"/>
+            <a:ext cx="3475383" cy="4846927"/>
+          </a:xfrm>
+        </p:spPr>
+        <p:txBody>
+          <a:bodyPr>
+            <a:normAutofit fontScale="92500"/>
+          </a:bodyPr>
+          <a:lstStyle/>
+          <a:p>
+            <a:r>
+              <a:rPr lang="en-US" dirty="0"/>
+              <a:t>Step forward logistic regression</a:t>
+            </a:r>
+          </a:p>
+          <a:p>
+            <a:r>
+              <a:rPr lang="en-US" dirty="0"/>
+              <a:t>Good training/testing accuracy for all</a:t>
+            </a:r>
+          </a:p>
+          <a:p>
+            <a:r>
+              <a:rPr lang="en-US" dirty="0"/>
+              <a:t>Value of C for the logistic regression classifier – may want to change this, currently C = 0.1 but according to the L1 stuff we are doing, we can alter as desired</a:t>
+            </a:r>
+          </a:p>
+        </p:txBody>
+      </p:sp>
+      <p:pic>
+        <p:nvPicPr>
+          <p:cNvPr id="4" name="Picture 3">
+            <a:extLst>
+              <a:ext uri="{FF2B5EF4-FFF2-40B4-BE49-F238E27FC236}">
+                <a16:creationId xmlns:a16="http://schemas.microsoft.com/office/drawing/2014/main" id="{61E15420-F891-4380-AD57-B8CD52AC5BD9}"/>
+              </a:ext>
+            </a:extLst>
+          </p:cNvPr>
+          <p:cNvPicPr>
+            <a:picLocks noChangeAspect="1"/>
+          </p:cNvPicPr>
+          <p:nvPr/>
+        </p:nvPicPr>
+        <p:blipFill>
+          <a:blip r:embed="rId3"/>
+          <a:stretch>
+            <a:fillRect/>
+          </a:stretch>
+        </p:blipFill>
+        <p:spPr>
+          <a:xfrm>
+            <a:off x="5160584" y="681037"/>
+            <a:ext cx="9080056" cy="5519718"/>
+          </a:xfrm>
+          <a:prstGeom prst="rect">
+            <a:avLst/>
+          </a:prstGeom>
+        </p:spPr>
+      </p:pic>
+    </p:spTree>
+    <p:extLst>
+      <p:ext uri="{BB962C8B-B14F-4D97-AF65-F5344CB8AC3E}">
+        <p14:creationId xmlns:p14="http://schemas.microsoft.com/office/powerpoint/2010/main" val="28056639"/>
+      </p:ext>
+    </p:extLst>
+  </p:cSld>
+  <p:clrMapOvr>
+    <a:masterClrMapping/>
+  </p:clrMapOvr>
+</p:sld>
+</file>
+
+<file path=ppt/slides/slide15.xml><?xml version="1.0" encoding="utf-8"?>
+<p:sld xmlns:a="http://schemas.openxmlformats.org/drawingml/2006/main" xmlns:r="http://schemas.openxmlformats.org/officeDocument/2006/relationships" xmlns:p="http://schemas.openxmlformats.org/presentationml/2006/main">
+  <p:cSld>
+    <p:spTree>
+      <p:nvGrpSpPr>
+        <p:cNvPr id="1" name=""/>
+        <p:cNvGrpSpPr/>
+        <p:nvPr/>
+      </p:nvGrpSpPr>
+      <p:grpSpPr>
+        <a:xfrm>
+          <a:off x="0" y="0"/>
+          <a:ext cx="0" cy="0"/>
+          <a:chOff x="0" y="0"/>
+          <a:chExt cx="0" cy="0"/>
+        </a:xfrm>
+      </p:grpSpPr>
+      <p:sp>
+        <p:nvSpPr>
+          <p:cNvPr id="3" name="Content Placeholder 2">
+            <a:extLst>
+              <a:ext uri="{FF2B5EF4-FFF2-40B4-BE49-F238E27FC236}">
+                <a16:creationId xmlns:a16="http://schemas.microsoft.com/office/drawing/2014/main" id="{7996602D-52B5-42DD-BA0E-2A774D80D385}"/>
+              </a:ext>
+            </a:extLst>
+          </p:cNvPr>
+          <p:cNvSpPr>
+            <a:spLocks noGrp="1"/>
+          </p:cNvSpPr>
+          <p:nvPr>
+            <p:ph idx="1"/>
+          </p:nvPr>
+        </p:nvSpPr>
+        <p:spPr>
+          <a:xfrm>
+            <a:off x="838200" y="1825625"/>
+            <a:ext cx="2108185" cy="3674630"/>
+          </a:xfrm>
+        </p:spPr>
+        <p:txBody>
+          <a:bodyPr/>
+          <a:lstStyle/>
+          <a:p>
+            <a:r>
+              <a:rPr lang="en-US" dirty="0"/>
+              <a:t>Notes on logistic regressor solver type</a:t>
+            </a:r>
+          </a:p>
+        </p:txBody>
+      </p:sp>
+      <p:pic>
+        <p:nvPicPr>
+          <p:cNvPr id="4" name="Picture 3">
+            <a:extLst>
+              <a:ext uri="{FF2B5EF4-FFF2-40B4-BE49-F238E27FC236}">
+                <a16:creationId xmlns:a16="http://schemas.microsoft.com/office/drawing/2014/main" id="{CAE734E1-1F75-4DD5-81FC-4F930090C2D6}"/>
+              </a:ext>
+            </a:extLst>
+          </p:cNvPr>
+          <p:cNvPicPr>
+            <a:picLocks noChangeAspect="1"/>
+          </p:cNvPicPr>
+          <p:nvPr/>
+        </p:nvPicPr>
+        <p:blipFill>
+          <a:blip r:embed="rId2"/>
+          <a:stretch>
+            <a:fillRect/>
+          </a:stretch>
+        </p:blipFill>
+        <p:spPr>
+          <a:xfrm>
+            <a:off x="3511468" y="1139063"/>
+            <a:ext cx="7593050" cy="2717764"/>
+          </a:xfrm>
+          <a:prstGeom prst="rect">
+            <a:avLst/>
+          </a:prstGeom>
+        </p:spPr>
+      </p:pic>
+      <p:sp>
+        <p:nvSpPr>
+          <p:cNvPr id="5" name="TextBox 4">
+            <a:extLst>
+              <a:ext uri="{FF2B5EF4-FFF2-40B4-BE49-F238E27FC236}">
+                <a16:creationId xmlns:a16="http://schemas.microsoft.com/office/drawing/2014/main" id="{9E9ADB5A-DA3E-4B86-830B-B79E56BFFCF8}"/>
+              </a:ext>
+            </a:extLst>
+          </p:cNvPr>
+          <p:cNvSpPr txBox="1"/>
+          <p:nvPr/>
+        </p:nvSpPr>
+        <p:spPr>
+          <a:xfrm>
+            <a:off x="3809430" y="372052"/>
+            <a:ext cx="5348425" cy="369332"/>
+          </a:xfrm>
+          <a:prstGeom prst="rect">
+            <a:avLst/>
+          </a:prstGeom>
+          <a:noFill/>
+        </p:spPr>
+        <p:txBody>
+          <a:bodyPr wrap="square" rtlCol="0">
+            <a:spAutoFit/>
+          </a:bodyPr>
+          <a:lstStyle/>
+          <a:p>
+            <a:r>
+              <a:rPr lang="en-US" dirty="0"/>
+              <a:t>Logistic regression solver types</a:t>
+            </a:r>
+          </a:p>
+        </p:txBody>
+      </p:sp>
+      <p:pic>
+        <p:nvPicPr>
+          <p:cNvPr id="6" name="Picture 5">
+            <a:extLst>
+              <a:ext uri="{FF2B5EF4-FFF2-40B4-BE49-F238E27FC236}">
+                <a16:creationId xmlns:a16="http://schemas.microsoft.com/office/drawing/2014/main" id="{0D2E7BEA-D713-4587-A956-58A0CD5B097E}"/>
+              </a:ext>
+            </a:extLst>
+          </p:cNvPr>
+          <p:cNvPicPr>
+            <a:picLocks noChangeAspect="1"/>
+          </p:cNvPicPr>
+          <p:nvPr/>
+        </p:nvPicPr>
+        <p:blipFill>
+          <a:blip r:embed="rId3"/>
+          <a:stretch>
+            <a:fillRect/>
+          </a:stretch>
+        </p:blipFill>
+        <p:spPr>
+          <a:xfrm>
+            <a:off x="6490648" y="4543602"/>
+            <a:ext cx="2151662" cy="1503216"/>
+          </a:xfrm>
+          <a:prstGeom prst="rect">
+            <a:avLst/>
+          </a:prstGeom>
+        </p:spPr>
+      </p:pic>
+      <p:sp>
+        <p:nvSpPr>
+          <p:cNvPr id="7" name="TextBox 6">
+            <a:extLst>
+              <a:ext uri="{FF2B5EF4-FFF2-40B4-BE49-F238E27FC236}">
+                <a16:creationId xmlns:a16="http://schemas.microsoft.com/office/drawing/2014/main" id="{D08445B9-7506-4561-B3A4-7C5EBE05BAC1}"/>
+              </a:ext>
+            </a:extLst>
+          </p:cNvPr>
+          <p:cNvSpPr txBox="1"/>
+          <p:nvPr/>
+        </p:nvSpPr>
+        <p:spPr>
+          <a:xfrm>
+            <a:off x="3625359" y="4087318"/>
+            <a:ext cx="6059067" cy="369332"/>
+          </a:xfrm>
+          <a:prstGeom prst="rect">
+            <a:avLst/>
+          </a:prstGeom>
+          <a:noFill/>
+        </p:spPr>
+        <p:txBody>
+          <a:bodyPr wrap="square" rtlCol="0">
+            <a:spAutoFit/>
+          </a:bodyPr>
+          <a:lstStyle/>
+          <a:p>
+            <a:r>
+              <a:rPr lang="en-US" dirty="0"/>
+              <a:t>Accuracy by solver before and after data was standardized</a:t>
+            </a:r>
+          </a:p>
+        </p:txBody>
+      </p:sp>
+      <p:pic>
+        <p:nvPicPr>
+          <p:cNvPr id="8" name="Picture 7">
+            <a:extLst>
+              <a:ext uri="{FF2B5EF4-FFF2-40B4-BE49-F238E27FC236}">
+                <a16:creationId xmlns:a16="http://schemas.microsoft.com/office/drawing/2014/main" id="{4006A82B-B2EF-49F3-9BB7-9DE79D83C370}"/>
+              </a:ext>
+            </a:extLst>
+          </p:cNvPr>
+          <p:cNvPicPr>
+            <a:picLocks noChangeAspect="1"/>
+          </p:cNvPicPr>
+          <p:nvPr/>
+        </p:nvPicPr>
+        <p:blipFill>
+          <a:blip r:embed="rId4"/>
+          <a:stretch>
+            <a:fillRect/>
+          </a:stretch>
+        </p:blipFill>
+        <p:spPr>
+          <a:xfrm>
+            <a:off x="9576148" y="4254506"/>
+            <a:ext cx="1701552" cy="1050121"/>
+          </a:xfrm>
+          <a:prstGeom prst="rect">
+            <a:avLst/>
+          </a:prstGeom>
+        </p:spPr>
+      </p:pic>
+      <p:pic>
+        <p:nvPicPr>
+          <p:cNvPr id="9" name="Picture 8">
+            <a:extLst>
+              <a:ext uri="{FF2B5EF4-FFF2-40B4-BE49-F238E27FC236}">
+                <a16:creationId xmlns:a16="http://schemas.microsoft.com/office/drawing/2014/main" id="{C54BADD5-334A-487E-8047-F0DA3ABD74E4}"/>
+              </a:ext>
+            </a:extLst>
+          </p:cNvPr>
+          <p:cNvPicPr>
+            <a:picLocks noChangeAspect="1"/>
+          </p:cNvPicPr>
+          <p:nvPr/>
+        </p:nvPicPr>
+        <p:blipFill>
+          <a:blip r:embed="rId5"/>
+          <a:stretch>
+            <a:fillRect/>
+          </a:stretch>
+        </p:blipFill>
+        <p:spPr>
+          <a:xfrm>
+            <a:off x="3727976" y="4543602"/>
+            <a:ext cx="2133135" cy="1503216"/>
+          </a:xfrm>
+          <a:prstGeom prst="rect">
+            <a:avLst/>
+          </a:prstGeom>
+        </p:spPr>
+      </p:pic>
+      <p:pic>
+        <p:nvPicPr>
+          <p:cNvPr id="10" name="Picture 9">
+            <a:extLst>
+              <a:ext uri="{FF2B5EF4-FFF2-40B4-BE49-F238E27FC236}">
+                <a16:creationId xmlns:a16="http://schemas.microsoft.com/office/drawing/2014/main" id="{264A5D2B-6578-4E30-BA62-A491CC946891}"/>
+              </a:ext>
+            </a:extLst>
+          </p:cNvPr>
+          <p:cNvPicPr>
+            <a:picLocks noChangeAspect="1"/>
+          </p:cNvPicPr>
+          <p:nvPr/>
+        </p:nvPicPr>
+        <p:blipFill>
+          <a:blip r:embed="rId6"/>
+          <a:stretch>
+            <a:fillRect/>
+          </a:stretch>
+        </p:blipFill>
+        <p:spPr>
+          <a:xfrm>
+            <a:off x="11277700" y="1139765"/>
+            <a:ext cx="6081287" cy="1371719"/>
+          </a:xfrm>
+          <a:prstGeom prst="rect">
+            <a:avLst/>
+          </a:prstGeom>
+        </p:spPr>
+      </p:pic>
+    </p:spTree>
+    <p:extLst>
+      <p:ext uri="{BB962C8B-B14F-4D97-AF65-F5344CB8AC3E}">
+        <p14:creationId xmlns:p14="http://schemas.microsoft.com/office/powerpoint/2010/main" val="708186323"/>
+      </p:ext>
+    </p:extLst>
+  </p:cSld>
+  <p:clrMapOvr>
+    <a:masterClrMapping/>
+  </p:clrMapOvr>
+</p:sld>
+</file>
+
+<file path=ppt/slides/slide16.xml><?xml version="1.0" encoding="utf-8"?>
+<p:sld xmlns:a="http://schemas.openxmlformats.org/drawingml/2006/main" xmlns:r="http://schemas.openxmlformats.org/officeDocument/2006/relationships" xmlns:p="http://schemas.openxmlformats.org/presentationml/2006/main">
+  <p:cSld>
+    <p:spTree>
+      <p:nvGrpSpPr>
+        <p:cNvPr id="1" name=""/>
+        <p:cNvGrpSpPr/>
+        <p:nvPr/>
+      </p:nvGrpSpPr>
+      <p:grpSpPr>
+        <a:xfrm>
+          <a:off x="0" y="0"/>
+          <a:ext cx="0" cy="0"/>
+          <a:chOff x="0" y="0"/>
+          <a:chExt cx="0" cy="0"/>
+        </a:xfrm>
+      </p:grpSpPr>
+      <p:pic>
+        <p:nvPicPr>
+          <p:cNvPr id="4" name="Picture 3">
+            <a:extLst>
+              <a:ext uri="{FF2B5EF4-FFF2-40B4-BE49-F238E27FC236}">
+                <a16:creationId xmlns:a16="http://schemas.microsoft.com/office/drawing/2014/main" id="{55AA94A8-7A47-4F14-935B-5AE1A4F0793F}"/>
+              </a:ext>
+            </a:extLst>
+          </p:cNvPr>
+          <p:cNvPicPr>
+            <a:picLocks noChangeAspect="1"/>
+          </p:cNvPicPr>
+          <p:nvPr/>
+        </p:nvPicPr>
+        <p:blipFill>
+          <a:blip r:embed="rId2">
+            <a:extLst>
+              <a:ext uri="{28A0092B-C50C-407E-A947-70E740481C1C}">
+                <a14:useLocalDpi xmlns:a14="http://schemas.microsoft.com/office/drawing/2010/main" val="0"/>
+              </a:ext>
+            </a:extLst>
+          </a:blip>
+          <a:stretch>
+            <a:fillRect/>
+          </a:stretch>
+        </p:blipFill>
+        <p:spPr>
+          <a:xfrm>
+            <a:off x="1167531" y="3429002"/>
+            <a:ext cx="4123896" cy="3092922"/>
+          </a:xfrm>
+          <a:prstGeom prst="rect">
+            <a:avLst/>
+          </a:prstGeom>
+        </p:spPr>
+      </p:pic>
+      <p:pic>
+        <p:nvPicPr>
+          <p:cNvPr id="8" name="Picture 7">
+            <a:extLst>
+              <a:ext uri="{FF2B5EF4-FFF2-40B4-BE49-F238E27FC236}">
+                <a16:creationId xmlns:a16="http://schemas.microsoft.com/office/drawing/2014/main" id="{CDE6FF3D-2D8E-4395-B30A-5A175AD87B6D}"/>
               </a:ext>
             </a:extLst>
           </p:cNvPr>
@@ -3642,8 +7101,8 @@
         </p:blipFill>
         <p:spPr>
           <a:xfrm>
-            <a:off x="1098593" y="3189722"/>
-            <a:ext cx="4503093" cy="3377320"/>
+            <a:off x="6191892" y="3429001"/>
+            <a:ext cx="4123896" cy="3092922"/>
           </a:xfrm>
           <a:prstGeom prst="rect">
             <a:avLst/>
@@ -3652,10 +7111,10 @@
       </p:pic>
       <p:pic>
         <p:nvPicPr>
-          <p:cNvPr id="9" name="Picture 8">
-            <a:extLst>
-              <a:ext uri="{FF2B5EF4-FFF2-40B4-BE49-F238E27FC236}">
-                <a16:creationId xmlns:a16="http://schemas.microsoft.com/office/drawing/2014/main" id="{427F1ACE-5616-4C55-A6CA-7D3D396DC1F8}"/>
+          <p:cNvPr id="12" name="Picture 11">
+            <a:extLst>
+              <a:ext uri="{FF2B5EF4-FFF2-40B4-BE49-F238E27FC236}">
+                <a16:creationId xmlns:a16="http://schemas.microsoft.com/office/drawing/2014/main" id="{E795F53F-2A3C-4AB8-8466-E738E625007D}"/>
               </a:ext>
             </a:extLst>
           </p:cNvPr>
@@ -3678,8 +7137,8 @@
         </p:blipFill>
         <p:spPr>
           <a:xfrm>
-            <a:off x="8240208" y="-2000"/>
-            <a:ext cx="4075713" cy="3056785"/>
+            <a:off x="8197495" y="408916"/>
+            <a:ext cx="4123896" cy="3092922"/>
           </a:xfrm>
           <a:prstGeom prst="rect">
             <a:avLst/>
@@ -3688,10 +7147,10 @@
       </p:pic>
       <p:pic>
         <p:nvPicPr>
-          <p:cNvPr id="11" name="Picture 10">
-            <a:extLst>
-              <a:ext uri="{FF2B5EF4-FFF2-40B4-BE49-F238E27FC236}">
-                <a16:creationId xmlns:a16="http://schemas.microsoft.com/office/drawing/2014/main" id="{36C59590-4899-458D-8FC7-4AB5FA413E62}"/>
+          <p:cNvPr id="15" name="Picture 14" descr="A screenshot of a cell phone&#10;&#10;Description automatically generated">
+            <a:extLst>
+              <a:ext uri="{FF2B5EF4-FFF2-40B4-BE49-F238E27FC236}">
+                <a16:creationId xmlns:a16="http://schemas.microsoft.com/office/drawing/2014/main" id="{C1AB0AD9-B533-4907-B88E-785206367D43}"/>
               </a:ext>
             </a:extLst>
           </p:cNvPr>
@@ -3714,8 +7173,8 @@
         </p:blipFill>
         <p:spPr>
           <a:xfrm>
-            <a:off x="4164496" y="-2000"/>
-            <a:ext cx="4075713" cy="3056785"/>
+            <a:off x="4144891" y="408916"/>
+            <a:ext cx="4123896" cy="3092922"/>
           </a:xfrm>
           <a:prstGeom prst="rect">
             <a:avLst/>
@@ -3724,10 +7183,10 @@
       </p:pic>
       <p:pic>
         <p:nvPicPr>
-          <p:cNvPr id="13" name="Picture 12">
-            <a:extLst>
-              <a:ext uri="{FF2B5EF4-FFF2-40B4-BE49-F238E27FC236}">
-                <a16:creationId xmlns:a16="http://schemas.microsoft.com/office/drawing/2014/main" id="{997ED031-55CF-4C36-97AB-4B7663B1F67D}"/>
+          <p:cNvPr id="17" name="Picture 16">
+            <a:extLst>
+              <a:ext uri="{FF2B5EF4-FFF2-40B4-BE49-F238E27FC236}">
+                <a16:creationId xmlns:a16="http://schemas.microsoft.com/office/drawing/2014/main" id="{04BE8443-A278-4B6F-834B-26DABB751A13}"/>
               </a:ext>
             </a:extLst>
           </p:cNvPr>
@@ -3750,8 +7209,8 @@
         </p:blipFill>
         <p:spPr>
           <a:xfrm>
-            <a:off x="88784" y="1"/>
-            <a:ext cx="4075712" cy="3056784"/>
+            <a:off x="92287" y="336076"/>
+            <a:ext cx="4123896" cy="3092922"/>
           </a:xfrm>
           <a:prstGeom prst="rect">
             <a:avLst/>
@@ -4539,10 +7998,43 @@
           <a:bodyPr/>
           <a:lstStyle/>
           <a:p>
-            <a:endParaRPr lang="en-US"/>
-          </a:p>
-        </p:txBody>
-      </p:sp>
+            <a:r>
+              <a:rPr lang="en-US" dirty="0"/>
+              <a:t>Fourier transformation</a:t>
+            </a:r>
+          </a:p>
+        </p:txBody>
+      </p:sp>
+      <p:pic>
+        <p:nvPicPr>
+          <p:cNvPr id="4" name="Picture 3">
+            <a:extLst>
+              <a:ext uri="{FF2B5EF4-FFF2-40B4-BE49-F238E27FC236}">
+                <a16:creationId xmlns:a16="http://schemas.microsoft.com/office/drawing/2014/main" id="{3826D302-03DD-40A2-BBB6-FE4A0AA37980}"/>
+              </a:ext>
+            </a:extLst>
+          </p:cNvPr>
+          <p:cNvPicPr>
+            <a:picLocks noChangeAspect="1"/>
+          </p:cNvPicPr>
+          <p:nvPr/>
+        </p:nvPicPr>
+        <p:blipFill>
+          <a:blip r:embed="rId2"/>
+          <a:stretch>
+            <a:fillRect/>
+          </a:stretch>
+        </p:blipFill>
+        <p:spPr>
+          <a:xfrm>
+            <a:off x="-1396376" y="2353481"/>
+            <a:ext cx="16843960" cy="1841327"/>
+          </a:xfrm>
+          <a:prstGeom prst="rect">
+            <a:avLst/>
+          </a:prstGeom>
+        </p:spPr>
+      </p:pic>
     </p:spTree>
     <p:extLst>
       <p:ext uri="{BB962C8B-B14F-4D97-AF65-F5344CB8AC3E}">
@@ -4596,7 +8088,7 @@
           <a:p>
             <a:r>
               <a:rPr lang="en-US" dirty="0"/>
-              <a:t>Feature Exploration</a:t>
+              <a:t>Feature Exploration: Correlation</a:t>
             </a:r>
           </a:p>
         </p:txBody>
@@ -4622,10 +8114,7 @@
           <a:bodyPr/>
           <a:lstStyle/>
           <a:p>
-            <a:r>
-              <a:rPr lang="en-US" dirty="0"/>
-              <a:t>PCA/correlation, a few graphs</a:t>
-            </a:r>
+            <a:endParaRPr lang="en-US" dirty="0"/>
           </a:p>
         </p:txBody>
       </p:sp>
@@ -4664,7 +8153,7 @@
           <p:cNvPr id="2" name="Title 1">
             <a:extLst>
               <a:ext uri="{FF2B5EF4-FFF2-40B4-BE49-F238E27FC236}">
-                <a16:creationId xmlns:a16="http://schemas.microsoft.com/office/drawing/2014/main" id="{51E12537-A5CF-4DA3-9E7B-13ED2817CFA4}"/>
+                <a16:creationId xmlns:a16="http://schemas.microsoft.com/office/drawing/2014/main" id="{C1C13D8F-69E4-479F-BF8E-7A1A049D2E7D}"/>
               </a:ext>
             </a:extLst>
           </p:cNvPr>
@@ -4682,7 +8171,7 @@
           <a:p>
             <a:r>
               <a:rPr lang="en-US" dirty="0"/>
-              <a:t>Feature Selection</a:t>
+              <a:t>Feature Exploration: PCA</a:t>
             </a:r>
           </a:p>
         </p:txBody>
@@ -4692,7 +8181,7 @@
           <p:cNvPr id="3" name="Content Placeholder 2">
             <a:extLst>
               <a:ext uri="{FF2B5EF4-FFF2-40B4-BE49-F238E27FC236}">
-                <a16:creationId xmlns:a16="http://schemas.microsoft.com/office/drawing/2014/main" id="{0F5DEB2C-95CE-4CC5-9991-A2CF6161605A}"/>
+                <a16:creationId xmlns:a16="http://schemas.microsoft.com/office/drawing/2014/main" id="{9D1DE377-D529-4E8E-8A36-3EDBE6E8EC32}"/>
               </a:ext>
             </a:extLst>
           </p:cNvPr>
@@ -4706,7 +8195,7 @@
         <p:spPr>
           <a:xfrm>
             <a:off x="838200" y="1825625"/>
-            <a:ext cx="2980174" cy="4351338"/>
+            <a:ext cx="3401291" cy="4351338"/>
           </a:xfrm>
         </p:spPr>
         <p:txBody>
@@ -4715,15 +8204,195 @@
           <a:p>
             <a:r>
               <a:rPr lang="en-US" dirty="0"/>
-              <a:t>L1 logistic regression</a:t>
-            </a:r>
-          </a:p>
-        </p:txBody>
-      </p:sp>
+              <a:t>PCA with pc1 and pc2 for each feature</a:t>
+            </a:r>
+          </a:p>
+        </p:txBody>
+      </p:sp>
+      <p:pic>
+        <p:nvPicPr>
+          <p:cNvPr id="5" name="Picture 4" descr="A close up of a map&#10;&#10;Description automatically generated">
+            <a:extLst>
+              <a:ext uri="{FF2B5EF4-FFF2-40B4-BE49-F238E27FC236}">
+                <a16:creationId xmlns:a16="http://schemas.microsoft.com/office/drawing/2014/main" id="{8FF29981-A5A6-4282-A552-ECC19656D01C}"/>
+              </a:ext>
+            </a:extLst>
+          </p:cNvPr>
+          <p:cNvPicPr>
+            <a:picLocks noChangeAspect="1"/>
+          </p:cNvPicPr>
+          <p:nvPr/>
+        </p:nvPicPr>
+        <p:blipFill>
+          <a:blip r:embed="rId3">
+            <a:extLst>
+              <a:ext uri="{28A0092B-C50C-407E-A947-70E740481C1C}">
+                <a14:useLocalDpi xmlns:a14="http://schemas.microsoft.com/office/drawing/2010/main" val="0"/>
+              </a:ext>
+            </a:extLst>
+          </a:blip>
+          <a:stretch>
+            <a:fillRect/>
+          </a:stretch>
+        </p:blipFill>
+        <p:spPr>
+          <a:xfrm>
+            <a:off x="4225636" y="3365573"/>
+            <a:ext cx="2808720" cy="2808720"/>
+          </a:xfrm>
+          <a:prstGeom prst="rect">
+            <a:avLst/>
+          </a:prstGeom>
+        </p:spPr>
+      </p:pic>
+      <p:pic>
+        <p:nvPicPr>
+          <p:cNvPr id="7" name="Picture 6" descr="A screenshot of a cell phone&#10;&#10;Description automatically generated">
+            <a:extLst>
+              <a:ext uri="{FF2B5EF4-FFF2-40B4-BE49-F238E27FC236}">
+                <a16:creationId xmlns:a16="http://schemas.microsoft.com/office/drawing/2014/main" id="{063F8196-9400-4568-A293-4F74806CBA5F}"/>
+              </a:ext>
+            </a:extLst>
+          </p:cNvPr>
+          <p:cNvPicPr>
+            <a:picLocks noChangeAspect="1"/>
+          </p:cNvPicPr>
+          <p:nvPr/>
+        </p:nvPicPr>
+        <p:blipFill>
+          <a:blip r:embed="rId4">
+            <a:extLst>
+              <a:ext uri="{28A0092B-C50C-407E-A947-70E740481C1C}">
+                <a14:useLocalDpi xmlns:a14="http://schemas.microsoft.com/office/drawing/2010/main" val="0"/>
+              </a:ext>
+            </a:extLst>
+          </a:blip>
+          <a:stretch>
+            <a:fillRect/>
+          </a:stretch>
+        </p:blipFill>
+        <p:spPr>
+          <a:xfrm>
+            <a:off x="9545783" y="3440980"/>
+            <a:ext cx="2808720" cy="2808720"/>
+          </a:xfrm>
+          <a:prstGeom prst="rect">
+            <a:avLst/>
+          </a:prstGeom>
+        </p:spPr>
+      </p:pic>
+      <p:pic>
+        <p:nvPicPr>
+          <p:cNvPr id="9" name="Picture 8" descr="A close up of a map&#10;&#10;Description automatically generated">
+            <a:extLst>
+              <a:ext uri="{FF2B5EF4-FFF2-40B4-BE49-F238E27FC236}">
+                <a16:creationId xmlns:a16="http://schemas.microsoft.com/office/drawing/2014/main" id="{F1E42476-C9C6-4494-9533-721971107EDF}"/>
+              </a:ext>
+            </a:extLst>
+          </p:cNvPr>
+          <p:cNvPicPr>
+            <a:picLocks noChangeAspect="1"/>
+          </p:cNvPicPr>
+          <p:nvPr/>
+        </p:nvPicPr>
+        <p:blipFill>
+          <a:blip r:embed="rId5">
+            <a:extLst>
+              <a:ext uri="{28A0092B-C50C-407E-A947-70E740481C1C}">
+                <a14:useLocalDpi xmlns:a14="http://schemas.microsoft.com/office/drawing/2010/main" val="0"/>
+              </a:ext>
+            </a:extLst>
+          </a:blip>
+          <a:stretch>
+            <a:fillRect/>
+          </a:stretch>
+        </p:blipFill>
+        <p:spPr>
+          <a:xfrm>
+            <a:off x="6548151" y="495591"/>
+            <a:ext cx="2808720" cy="2808720"/>
+          </a:xfrm>
+          <a:prstGeom prst="rect">
+            <a:avLst/>
+          </a:prstGeom>
+        </p:spPr>
+      </p:pic>
+      <p:pic>
+        <p:nvPicPr>
+          <p:cNvPr id="13" name="Picture 12">
+            <a:extLst>
+              <a:ext uri="{FF2B5EF4-FFF2-40B4-BE49-F238E27FC236}">
+                <a16:creationId xmlns:a16="http://schemas.microsoft.com/office/drawing/2014/main" id="{75B19338-1833-417E-A493-0EB8418C785D}"/>
+              </a:ext>
+            </a:extLst>
+          </p:cNvPr>
+          <p:cNvPicPr>
+            <a:picLocks noChangeAspect="1"/>
+          </p:cNvPicPr>
+          <p:nvPr/>
+        </p:nvPicPr>
+        <p:blipFill>
+          <a:blip r:embed="rId6">
+            <a:extLst>
+              <a:ext uri="{28A0092B-C50C-407E-A947-70E740481C1C}">
+                <a14:useLocalDpi xmlns:a14="http://schemas.microsoft.com/office/drawing/2010/main" val="0"/>
+              </a:ext>
+            </a:extLst>
+          </a:blip>
+          <a:stretch>
+            <a:fillRect/>
+          </a:stretch>
+        </p:blipFill>
+        <p:spPr>
+          <a:xfrm>
+            <a:off x="6750918" y="3368243"/>
+            <a:ext cx="2808720" cy="2808720"/>
+          </a:xfrm>
+          <a:prstGeom prst="rect">
+            <a:avLst/>
+          </a:prstGeom>
+        </p:spPr>
+      </p:pic>
+      <p:pic>
+        <p:nvPicPr>
+          <p:cNvPr id="15" name="Picture 14" descr="A close up of a map&#10;&#10;Description automatically generated">
+            <a:extLst>
+              <a:ext uri="{FF2B5EF4-FFF2-40B4-BE49-F238E27FC236}">
+                <a16:creationId xmlns:a16="http://schemas.microsoft.com/office/drawing/2014/main" id="{C3E4955B-FD75-4B9D-BCD5-82DE6CC0D8C0}"/>
+              </a:ext>
+            </a:extLst>
+          </p:cNvPr>
+          <p:cNvPicPr>
+            <a:picLocks noChangeAspect="1"/>
+          </p:cNvPicPr>
+          <p:nvPr/>
+        </p:nvPicPr>
+        <p:blipFill>
+          <a:blip r:embed="rId7">
+            <a:extLst>
+              <a:ext uri="{28A0092B-C50C-407E-A947-70E740481C1C}">
+                <a14:useLocalDpi xmlns:a14="http://schemas.microsoft.com/office/drawing/2010/main" val="0"/>
+              </a:ext>
+            </a:extLst>
+          </a:blip>
+          <a:stretch>
+            <a:fillRect/>
+          </a:stretch>
+        </p:blipFill>
+        <p:spPr>
+          <a:xfrm>
+            <a:off x="9354923" y="495375"/>
+            <a:ext cx="2808720" cy="2808720"/>
+          </a:xfrm>
+          <a:prstGeom prst="rect">
+            <a:avLst/>
+          </a:prstGeom>
+        </p:spPr>
+      </p:pic>
     </p:spTree>
     <p:extLst>
       <p:ext uri="{BB962C8B-B14F-4D97-AF65-F5344CB8AC3E}">
-        <p14:creationId xmlns:p14="http://schemas.microsoft.com/office/powerpoint/2010/main" val="4041342621"/>
+        <p14:creationId xmlns:p14="http://schemas.microsoft.com/office/powerpoint/2010/main" val="2484176784"/>
       </p:ext>
     </p:extLst>
   </p:cSld>
@@ -4755,7 +8424,7 @@
           <p:cNvPr id="2" name="Title 1">
             <a:extLst>
               <a:ext uri="{FF2B5EF4-FFF2-40B4-BE49-F238E27FC236}">
-                <a16:creationId xmlns:a16="http://schemas.microsoft.com/office/drawing/2014/main" id="{EDB81D70-5F81-481C-9363-0E7C5EFF06A5}"/>
+                <a16:creationId xmlns:a16="http://schemas.microsoft.com/office/drawing/2014/main" id="{6FD281A4-3CAD-43A5-883B-836A9D3C6CA9}"/>
               </a:ext>
             </a:extLst>
           </p:cNvPr>
@@ -4771,51 +8440,72 @@
           <a:bodyPr/>
           <a:lstStyle/>
           <a:p>
-            <a:endParaRPr lang="en-US"/>
+            <a:r>
+              <a:rPr lang="en-US" dirty="0"/>
+              <a:t>Feature Exploration: PCA</a:t>
+            </a:r>
+          </a:p>
+        </p:txBody>
+      </p:sp>
+      <p:sp>
+        <p:nvSpPr>
+          <p:cNvPr id="3" name="Content Placeholder 2">
+            <a:extLst>
+              <a:ext uri="{FF2B5EF4-FFF2-40B4-BE49-F238E27FC236}">
+                <a16:creationId xmlns:a16="http://schemas.microsoft.com/office/drawing/2014/main" id="{F11E926C-EF87-4126-8FB0-C8A302DC3455}"/>
+              </a:ext>
+            </a:extLst>
+          </p:cNvPr>
+          <p:cNvSpPr>
+            <a:spLocks noGrp="1"/>
+          </p:cNvSpPr>
+          <p:nvPr>
+            <p:ph idx="1"/>
+          </p:nvPr>
+        </p:nvSpPr>
+        <p:spPr>
+          <a:xfrm>
+            <a:off x="838200" y="1825625"/>
+            <a:ext cx="5954591" cy="2327215"/>
+          </a:xfrm>
+        </p:spPr>
+        <p:txBody>
+          <a:bodyPr/>
+          <a:lstStyle/>
+          <a:p>
+            <a:r>
+              <a:rPr lang="en-US" dirty="0"/>
+              <a:t>PCA with most highly correlated pcs</a:t>
+            </a:r>
+          </a:p>
+          <a:p>
+            <a:r>
+              <a:rPr lang="en-US" dirty="0"/>
+              <a:t>PCA on all data where </a:t>
+            </a:r>
+            <a:r>
+              <a:rPr lang="en-US" dirty="0" err="1"/>
+              <a:t>n_components</a:t>
+            </a:r>
+            <a:r>
+              <a:rPr lang="en-US" dirty="0"/>
+              <a:t> = 8-10</a:t>
+            </a:r>
+          </a:p>
+          <a:p>
+            <a:r>
+              <a:rPr lang="en-US" dirty="0"/>
+              <a:t>Not much better than just doing pc1/pc2 for everything</a:t>
+            </a:r>
           </a:p>
         </p:txBody>
       </p:sp>
       <p:pic>
         <p:nvPicPr>
-          <p:cNvPr id="5" name="Content Placeholder 4" descr="A screenshot of a cell phone&#10;&#10;Description automatically generated">
-            <a:extLst>
-              <a:ext uri="{FF2B5EF4-FFF2-40B4-BE49-F238E27FC236}">
-                <a16:creationId xmlns:a16="http://schemas.microsoft.com/office/drawing/2014/main" id="{CBA057C6-A41E-43B3-8525-9ABE5160BC97}"/>
-              </a:ext>
-            </a:extLst>
-          </p:cNvPr>
-          <p:cNvPicPr>
-            <a:picLocks noGrp="1" noChangeAspect="1"/>
-          </p:cNvPicPr>
-          <p:nvPr>
-            <p:ph idx="1"/>
-          </p:nvPr>
-        </p:nvPicPr>
-        <p:blipFill>
-          <a:blip r:embed="rId2">
-            <a:extLst>
-              <a:ext uri="{28A0092B-C50C-407E-A947-70E740481C1C}">
-                <a14:useLocalDpi xmlns:a14="http://schemas.microsoft.com/office/drawing/2010/main" val="0"/>
-              </a:ext>
-            </a:extLst>
-          </a:blip>
-          <a:stretch>
-            <a:fillRect/>
-          </a:stretch>
-        </p:blipFill>
-        <p:spPr>
-          <a:xfrm>
-            <a:off x="5436704" y="3270663"/>
-            <a:ext cx="4760844" cy="3570633"/>
-          </a:xfrm>
-        </p:spPr>
-      </p:pic>
-      <p:pic>
-        <p:nvPicPr>
-          <p:cNvPr id="7" name="Picture 6" descr="A screenshot of a cell phone&#10;&#10;Description automatically generated">
-            <a:extLst>
-              <a:ext uri="{FF2B5EF4-FFF2-40B4-BE49-F238E27FC236}">
-                <a16:creationId xmlns:a16="http://schemas.microsoft.com/office/drawing/2014/main" id="{980884A5-310E-43C0-A5DB-F84ECFDDC524}"/>
+          <p:cNvPr id="5" name="Picture 4" descr="A close up of a map&#10;&#10;Description automatically generated">
+            <a:extLst>
+              <a:ext uri="{FF2B5EF4-FFF2-40B4-BE49-F238E27FC236}">
+                <a16:creationId xmlns:a16="http://schemas.microsoft.com/office/drawing/2014/main" id="{D8BF8DB2-4E8C-4842-BB00-8905498C8DCB}"/>
               </a:ext>
             </a:extLst>
           </p:cNvPr>
@@ -4838,8 +8528,8 @@
         </p:blipFill>
         <p:spPr>
           <a:xfrm>
-            <a:off x="801088" y="3275988"/>
-            <a:ext cx="4635616" cy="3476712"/>
+            <a:off x="9582831" y="1510124"/>
+            <a:ext cx="2642716" cy="2642716"/>
           </a:xfrm>
           <a:prstGeom prst="rect">
             <a:avLst/>
@@ -4848,10 +8538,10 @@
       </p:pic>
       <p:pic>
         <p:nvPicPr>
-          <p:cNvPr id="9" name="Picture 8" descr="A screenshot of a cell phone&#10;&#10;Description automatically generated">
-            <a:extLst>
-              <a:ext uri="{FF2B5EF4-FFF2-40B4-BE49-F238E27FC236}">
-                <a16:creationId xmlns:a16="http://schemas.microsoft.com/office/drawing/2014/main" id="{0E69468C-1BB5-43A3-9655-F57BAE2C45CE}"/>
+          <p:cNvPr id="7" name="Picture 6">
+            <a:extLst>
+              <a:ext uri="{FF2B5EF4-FFF2-40B4-BE49-F238E27FC236}">
+                <a16:creationId xmlns:a16="http://schemas.microsoft.com/office/drawing/2014/main" id="{E73D54A7-6A86-4103-8A5C-061119608D72}"/>
               </a:ext>
             </a:extLst>
           </p:cNvPr>
@@ -4874,8 +8564,8 @@
         </p:blipFill>
         <p:spPr>
           <a:xfrm>
-            <a:off x="7930089" y="-1"/>
-            <a:ext cx="3896807" cy="2922605"/>
+            <a:off x="7087439" y="4026518"/>
+            <a:ext cx="2642716" cy="2642716"/>
           </a:xfrm>
           <a:prstGeom prst="rect">
             <a:avLst/>
@@ -4884,10 +8574,10 @@
       </p:pic>
       <p:pic>
         <p:nvPicPr>
-          <p:cNvPr id="11" name="Picture 10" descr="A screenshot of a cell phone&#10;&#10;Description automatically generated">
-            <a:extLst>
-              <a:ext uri="{FF2B5EF4-FFF2-40B4-BE49-F238E27FC236}">
-                <a16:creationId xmlns:a16="http://schemas.microsoft.com/office/drawing/2014/main" id="{F28D11AA-8F70-455D-A67B-29394E585F01}"/>
+          <p:cNvPr id="9" name="Picture 8" descr="A screenshot of a cell phone&#10;&#10;Description automatically generated">
+            <a:extLst>
+              <a:ext uri="{FF2B5EF4-FFF2-40B4-BE49-F238E27FC236}">
+                <a16:creationId xmlns:a16="http://schemas.microsoft.com/office/drawing/2014/main" id="{15D8861B-FD2F-449D-8EA1-83FC86ED3773}"/>
               </a:ext>
             </a:extLst>
           </p:cNvPr>
@@ -4910,8 +8600,8 @@
         </p:blipFill>
         <p:spPr>
           <a:xfrm>
-            <a:off x="3880228" y="16703"/>
-            <a:ext cx="3896807" cy="2922605"/>
+            <a:off x="4470066" y="3989899"/>
+            <a:ext cx="2642716" cy="2642716"/>
           </a:xfrm>
           <a:prstGeom prst="rect">
             <a:avLst/>
@@ -4920,10 +8610,10 @@
       </p:pic>
       <p:pic>
         <p:nvPicPr>
-          <p:cNvPr id="13" name="Picture 12" descr="A screenshot of a cell phone&#10;&#10;Description automatically generated">
-            <a:extLst>
-              <a:ext uri="{FF2B5EF4-FFF2-40B4-BE49-F238E27FC236}">
-                <a16:creationId xmlns:a16="http://schemas.microsoft.com/office/drawing/2014/main" id="{3610F377-D2FE-4146-A921-94309FA603A0}"/>
+          <p:cNvPr id="11" name="Picture 10">
+            <a:extLst>
+              <a:ext uri="{FF2B5EF4-FFF2-40B4-BE49-F238E27FC236}">
+                <a16:creationId xmlns:a16="http://schemas.microsoft.com/office/drawing/2014/main" id="{D9C881A1-59BA-497C-9EC0-1F7ACF4437E0}"/>
               </a:ext>
             </a:extLst>
           </p:cNvPr>
@@ -4946,8 +8636,44 @@
         </p:blipFill>
         <p:spPr>
           <a:xfrm>
-            <a:off x="118601" y="61001"/>
-            <a:ext cx="3896807" cy="2922605"/>
+            <a:off x="9730155" y="4072556"/>
+            <a:ext cx="2642716" cy="2642716"/>
+          </a:xfrm>
+          <a:prstGeom prst="rect">
+            <a:avLst/>
+          </a:prstGeom>
+        </p:spPr>
+      </p:pic>
+      <p:pic>
+        <p:nvPicPr>
+          <p:cNvPr id="13" name="Picture 12">
+            <a:extLst>
+              <a:ext uri="{FF2B5EF4-FFF2-40B4-BE49-F238E27FC236}">
+                <a16:creationId xmlns:a16="http://schemas.microsoft.com/office/drawing/2014/main" id="{1C80A80B-FB29-4E13-A799-2A9E20496AE1}"/>
+              </a:ext>
+            </a:extLst>
+          </p:cNvPr>
+          <p:cNvPicPr>
+            <a:picLocks noChangeAspect="1"/>
+          </p:cNvPicPr>
+          <p:nvPr/>
+        </p:nvPicPr>
+        <p:blipFill>
+          <a:blip r:embed="rId7">
+            <a:extLst>
+              <a:ext uri="{28A0092B-C50C-407E-A947-70E740481C1C}">
+                <a14:useLocalDpi xmlns:a14="http://schemas.microsoft.com/office/drawing/2010/main" val="0"/>
+              </a:ext>
+            </a:extLst>
+          </a:blip>
+          <a:stretch>
+            <a:fillRect/>
+          </a:stretch>
+        </p:blipFill>
+        <p:spPr>
+          <a:xfrm>
+            <a:off x="6940115" y="1510124"/>
+            <a:ext cx="2642716" cy="2642716"/>
           </a:xfrm>
           <a:prstGeom prst="rect">
             <a:avLst/>
@@ -4957,7 +8683,7 @@
     </p:spTree>
     <p:extLst>
       <p:ext uri="{BB962C8B-B14F-4D97-AF65-F5344CB8AC3E}">
-        <p14:creationId xmlns:p14="http://schemas.microsoft.com/office/powerpoint/2010/main" val="3654017256"/>
+        <p14:creationId xmlns:p14="http://schemas.microsoft.com/office/powerpoint/2010/main" val="3366457058"/>
       </p:ext>
     </p:extLst>
   </p:cSld>
@@ -4989,7 +8715,7 @@
           <p:cNvPr id="2" name="Title 1">
             <a:extLst>
               <a:ext uri="{FF2B5EF4-FFF2-40B4-BE49-F238E27FC236}">
-                <a16:creationId xmlns:a16="http://schemas.microsoft.com/office/drawing/2014/main" id="{157ACF7B-CEB9-44AE-A664-34EDEDC74EE0}"/>
+                <a16:creationId xmlns:a16="http://schemas.microsoft.com/office/drawing/2014/main" id="{51E12537-A5CF-4DA3-9E7B-13ED2817CFA4}"/>
               </a:ext>
             </a:extLst>
           </p:cNvPr>
@@ -5000,12 +8726,7 @@
             <p:ph type="title"/>
           </p:nvPr>
         </p:nvSpPr>
-        <p:spPr>
-          <a:xfrm>
-            <a:off x="344268" y="168772"/>
-            <a:ext cx="10515600" cy="1325563"/>
-          </a:xfrm>
-        </p:spPr>
+        <p:spPr/>
         <p:txBody>
           <a:bodyPr/>
           <a:lstStyle/>
@@ -5022,7 +8743,7 @@
           <p:cNvPr id="3" name="Content Placeholder 2">
             <a:extLst>
               <a:ext uri="{FF2B5EF4-FFF2-40B4-BE49-F238E27FC236}">
-                <a16:creationId xmlns:a16="http://schemas.microsoft.com/office/drawing/2014/main" id="{56F346C2-C004-4E5C-9F44-48E03A463785}"/>
+                <a16:creationId xmlns:a16="http://schemas.microsoft.com/office/drawing/2014/main" id="{0F5DEB2C-95CE-4CC5-9991-A2CF6161605A}"/>
               </a:ext>
             </a:extLst>
           </p:cNvPr>
@@ -5036,7 +8757,7 @@
         <p:spPr>
           <a:xfrm>
             <a:off x="838200" y="1825625"/>
-            <a:ext cx="3216190" cy="4351338"/>
+            <a:ext cx="2980174" cy="4351338"/>
           </a:xfrm>
         </p:spPr>
         <p:txBody>
@@ -5045,23 +8766,7 @@
           <a:p>
             <a:r>
               <a:rPr lang="en-US" dirty="0"/>
-              <a:t>LDA: only one component?</a:t>
-            </a:r>
-          </a:p>
-          <a:p>
-            <a:r>
-              <a:rPr lang="en-US" dirty="0" err="1"/>
-              <a:t>lda.explained_variance_ratio</a:t>
-            </a:r>
-            <a:r>
-              <a:rPr lang="en-US" dirty="0"/>
-              <a:t>_ = [1.] for all five main features</a:t>
-            </a:r>
-          </a:p>
-          <a:p>
-            <a:r>
-              <a:rPr lang="en-US" dirty="0"/>
-              <a:t>Good training/testing accuracy for all</a:t>
+              <a:t>L1 logistic regression</a:t>
             </a:r>
           </a:p>
         </p:txBody>
@@ -5071,36 +8776,7 @@
           <p:cNvPr id="4" name="Picture 3">
             <a:extLst>
               <a:ext uri="{FF2B5EF4-FFF2-40B4-BE49-F238E27FC236}">
-                <a16:creationId xmlns:a16="http://schemas.microsoft.com/office/drawing/2014/main" id="{DA0A0F70-4095-41C1-A374-0DE8F0560CE2}"/>
-              </a:ext>
-            </a:extLst>
-          </p:cNvPr>
-          <p:cNvPicPr>
-            <a:picLocks noChangeAspect="1"/>
-          </p:cNvPicPr>
-          <p:nvPr/>
-        </p:nvPicPr>
-        <p:blipFill rotWithShape="1">
-          <a:blip r:embed="rId2"/>
-          <a:srcRect t="13333" r="70792" b="8278"/>
-          <a:stretch/>
-        </p:blipFill>
-        <p:spPr>
-          <a:xfrm>
-            <a:off x="4162297" y="1130480"/>
-            <a:ext cx="2479719" cy="5375868"/>
-          </a:xfrm>
-          <a:prstGeom prst="rect">
-            <a:avLst/>
-          </a:prstGeom>
-        </p:spPr>
-      </p:pic>
-      <p:pic>
-        <p:nvPicPr>
-          <p:cNvPr id="6" name="Picture 5">
-            <a:extLst>
-              <a:ext uri="{FF2B5EF4-FFF2-40B4-BE49-F238E27FC236}">
-                <a16:creationId xmlns:a16="http://schemas.microsoft.com/office/drawing/2014/main" id="{8E719778-B57C-4B45-8034-9F491512F1B9}"/>
+                <a16:creationId xmlns:a16="http://schemas.microsoft.com/office/drawing/2014/main" id="{1873E50E-AE3D-4140-A924-58F393D6ADBB}"/>
               </a:ext>
             </a:extLst>
           </p:cNvPr>
@@ -5111,13 +8787,13 @@
         </p:nvPicPr>
         <p:blipFill rotWithShape="1">
           <a:blip r:embed="rId3"/>
-          <a:srcRect t="6791" r="62994" b="87125"/>
+          <a:srcRect l="4918" t="5759" r="69363" b="4156"/>
           <a:stretch/>
         </p:blipFill>
         <p:spPr>
           <a:xfrm>
-            <a:off x="6749924" y="2022667"/>
-            <a:ext cx="5289768" cy="466533"/>
+            <a:off x="6863136" y="609599"/>
+            <a:ext cx="1324899" cy="3823855"/>
           </a:xfrm>
           <a:prstGeom prst="rect">
             <a:avLst/>
@@ -5126,10 +8802,10 @@
       </p:pic>
       <p:pic>
         <p:nvPicPr>
-          <p:cNvPr id="7" name="Picture 6">
-            <a:extLst>
-              <a:ext uri="{FF2B5EF4-FFF2-40B4-BE49-F238E27FC236}">
-                <a16:creationId xmlns:a16="http://schemas.microsoft.com/office/drawing/2014/main" id="{2151E180-6636-4DA2-837B-7640E4654507}"/>
+          <p:cNvPr id="5" name="Picture 4">
+            <a:extLst>
+              <a:ext uri="{FF2B5EF4-FFF2-40B4-BE49-F238E27FC236}">
+                <a16:creationId xmlns:a16="http://schemas.microsoft.com/office/drawing/2014/main" id="{82E8FDFA-5BE1-494C-B2BB-36DA3E78008B}"/>
               </a:ext>
             </a:extLst>
           </p:cNvPr>
@@ -5138,25 +8814,211 @@
           </p:cNvPicPr>
           <p:nvPr/>
         </p:nvPicPr>
-        <p:blipFill rotWithShape="1">
-          <a:blip r:embed="rId3"/>
-          <a:srcRect t="16449" r="62994" b="60025"/>
-          <a:stretch/>
+        <p:blipFill>
+          <a:blip r:embed="rId4"/>
+          <a:stretch>
+            <a:fillRect/>
+          </a:stretch>
         </p:blipFill>
         <p:spPr>
           <a:xfrm>
-            <a:off x="6749924" y="2443480"/>
-            <a:ext cx="5289768" cy="1804114"/>
+            <a:off x="202680" y="3129239"/>
+            <a:ext cx="6660457" cy="3619814"/>
           </a:xfrm>
           <a:prstGeom prst="rect">
             <a:avLst/>
           </a:prstGeom>
         </p:spPr>
       </p:pic>
+      <p:pic>
+        <p:nvPicPr>
+          <p:cNvPr id="6" name="Picture 5">
+            <a:extLst>
+              <a:ext uri="{FF2B5EF4-FFF2-40B4-BE49-F238E27FC236}">
+                <a16:creationId xmlns:a16="http://schemas.microsoft.com/office/drawing/2014/main" id="{3EE9E781-8D61-4131-A95E-3399238540EB}"/>
+              </a:ext>
+            </a:extLst>
+          </p:cNvPr>
+          <p:cNvPicPr>
+            <a:picLocks noChangeAspect="1"/>
+          </p:cNvPicPr>
+          <p:nvPr/>
+        </p:nvPicPr>
+        <p:blipFill>
+          <a:blip r:embed="rId5"/>
+          <a:stretch>
+            <a:fillRect/>
+          </a:stretch>
+        </p:blipFill>
+        <p:spPr>
+          <a:xfrm>
+            <a:off x="8253057" y="0"/>
+            <a:ext cx="701319" cy="6246630"/>
+          </a:xfrm>
+          <a:prstGeom prst="rect">
+            <a:avLst/>
+          </a:prstGeom>
+        </p:spPr>
+      </p:pic>
+      <p:pic>
+        <p:nvPicPr>
+          <p:cNvPr id="9" name="Picture 8">
+            <a:extLst>
+              <a:ext uri="{FF2B5EF4-FFF2-40B4-BE49-F238E27FC236}">
+                <a16:creationId xmlns:a16="http://schemas.microsoft.com/office/drawing/2014/main" id="{FC098599-FFAC-43C2-87EA-AE1547B69E70}"/>
+              </a:ext>
+            </a:extLst>
+          </p:cNvPr>
+          <p:cNvPicPr>
+            <a:picLocks noChangeAspect="1"/>
+          </p:cNvPicPr>
+          <p:nvPr/>
+        </p:nvPicPr>
+        <p:blipFill>
+          <a:blip r:embed="rId6"/>
+          <a:stretch>
+            <a:fillRect/>
+          </a:stretch>
+        </p:blipFill>
+        <p:spPr>
+          <a:xfrm>
+            <a:off x="8915480" y="40955"/>
+            <a:ext cx="618896" cy="6390099"/>
+          </a:xfrm>
+          <a:prstGeom prst="rect">
+            <a:avLst/>
+          </a:prstGeom>
+        </p:spPr>
+      </p:pic>
+      <p:pic>
+        <p:nvPicPr>
+          <p:cNvPr id="12" name="Picture 11">
+            <a:extLst>
+              <a:ext uri="{FF2B5EF4-FFF2-40B4-BE49-F238E27FC236}">
+                <a16:creationId xmlns:a16="http://schemas.microsoft.com/office/drawing/2014/main" id="{825EA269-BC55-4C5A-9F03-E9EA9B9C55DD}"/>
+              </a:ext>
+            </a:extLst>
+          </p:cNvPr>
+          <p:cNvPicPr>
+            <a:picLocks noChangeAspect="1"/>
+          </p:cNvPicPr>
+          <p:nvPr/>
+        </p:nvPicPr>
+        <p:blipFill>
+          <a:blip r:embed="rId7"/>
+          <a:stretch>
+            <a:fillRect/>
+          </a:stretch>
+        </p:blipFill>
+        <p:spPr>
+          <a:xfrm>
+            <a:off x="9460723" y="40955"/>
+            <a:ext cx="703994" cy="6428781"/>
+          </a:xfrm>
+          <a:prstGeom prst="rect">
+            <a:avLst/>
+          </a:prstGeom>
+        </p:spPr>
+      </p:pic>
+      <p:pic>
+        <p:nvPicPr>
+          <p:cNvPr id="13" name="Picture 12">
+            <a:extLst>
+              <a:ext uri="{FF2B5EF4-FFF2-40B4-BE49-F238E27FC236}">
+                <a16:creationId xmlns:a16="http://schemas.microsoft.com/office/drawing/2014/main" id="{6AFF437D-DD80-4895-9A9C-0CD9C385193B}"/>
+              </a:ext>
+            </a:extLst>
+          </p:cNvPr>
+          <p:cNvPicPr>
+            <a:picLocks noChangeAspect="1"/>
+          </p:cNvPicPr>
+          <p:nvPr/>
+        </p:nvPicPr>
+        <p:blipFill>
+          <a:blip r:embed="rId8"/>
+          <a:stretch>
+            <a:fillRect/>
+          </a:stretch>
+        </p:blipFill>
+        <p:spPr>
+          <a:xfrm>
+            <a:off x="10058019" y="40955"/>
+            <a:ext cx="680785" cy="6274054"/>
+          </a:xfrm>
+          <a:prstGeom prst="rect">
+            <a:avLst/>
+          </a:prstGeom>
+        </p:spPr>
+      </p:pic>
+      <p:pic>
+        <p:nvPicPr>
+          <p:cNvPr id="14" name="Picture 13">
+            <a:extLst>
+              <a:ext uri="{FF2B5EF4-FFF2-40B4-BE49-F238E27FC236}">
+                <a16:creationId xmlns:a16="http://schemas.microsoft.com/office/drawing/2014/main" id="{745C8BB0-D0DC-4CAE-B729-ECDE3FFAC116}"/>
+              </a:ext>
+            </a:extLst>
+          </p:cNvPr>
+          <p:cNvPicPr>
+            <a:picLocks noChangeAspect="1"/>
+          </p:cNvPicPr>
+          <p:nvPr/>
+        </p:nvPicPr>
+        <p:blipFill>
+          <a:blip r:embed="rId9"/>
+          <a:stretch>
+            <a:fillRect/>
+          </a:stretch>
+        </p:blipFill>
+        <p:spPr>
+          <a:xfrm>
+            <a:off x="10719432" y="45723"/>
+            <a:ext cx="634368" cy="6343682"/>
+          </a:xfrm>
+          <a:prstGeom prst="rect">
+            <a:avLst/>
+          </a:prstGeom>
+        </p:spPr>
+      </p:pic>
+      <p:sp>
+        <p:nvSpPr>
+          <p:cNvPr id="16" name="TextBox 15">
+            <a:extLst>
+              <a:ext uri="{FF2B5EF4-FFF2-40B4-BE49-F238E27FC236}">
+                <a16:creationId xmlns:a16="http://schemas.microsoft.com/office/drawing/2014/main" id="{A2FDFFA6-711E-4BCB-A071-EE6348D3C731}"/>
+              </a:ext>
+            </a:extLst>
+          </p:cNvPr>
+          <p:cNvSpPr txBox="1"/>
+          <p:nvPr/>
+        </p:nvSpPr>
+        <p:spPr>
+          <a:xfrm>
+            <a:off x="8736121" y="6411907"/>
+            <a:ext cx="1428596" cy="369332"/>
+          </a:xfrm>
+          <a:prstGeom prst="rect">
+            <a:avLst/>
+          </a:prstGeom>
+          <a:noFill/>
+        </p:spPr>
+        <p:txBody>
+          <a:bodyPr wrap="none" rtlCol="0">
+            <a:spAutoFit/>
+          </a:bodyPr>
+          <a:lstStyle/>
+          <a:p>
+            <a:r>
+              <a:rPr lang="en-US" dirty="0"/>
+              <a:t>C = [10,1,0.1]</a:t>
+            </a:r>
+          </a:p>
+        </p:txBody>
+      </p:sp>
     </p:spTree>
     <p:extLst>
       <p:ext uri="{BB962C8B-B14F-4D97-AF65-F5344CB8AC3E}">
-        <p14:creationId xmlns:p14="http://schemas.microsoft.com/office/powerpoint/2010/main" val="334573122"/>
+        <p14:creationId xmlns:p14="http://schemas.microsoft.com/office/powerpoint/2010/main" val="4041342621"/>
       </p:ext>
     </p:extLst>
   </p:cSld>
@@ -5183,37 +9045,12 @@
           <a:chExt cx="0" cy="0"/>
         </a:xfrm>
       </p:grpSpPr>
-      <p:sp>
-        <p:nvSpPr>
-          <p:cNvPr id="2" name="Title 1">
-            <a:extLst>
-              <a:ext uri="{FF2B5EF4-FFF2-40B4-BE49-F238E27FC236}">
-                <a16:creationId xmlns:a16="http://schemas.microsoft.com/office/drawing/2014/main" id="{CDFBB37B-A718-4873-930C-3A2B92474D26}"/>
-              </a:ext>
-            </a:extLst>
-          </p:cNvPr>
-          <p:cNvSpPr>
-            <a:spLocks noGrp="1"/>
-          </p:cNvSpPr>
-          <p:nvPr>
-            <p:ph type="title"/>
-          </p:nvPr>
-        </p:nvSpPr>
-        <p:spPr/>
-        <p:txBody>
-          <a:bodyPr/>
-          <a:lstStyle/>
-          <a:p>
-            <a:endParaRPr lang="en-US"/>
-          </a:p>
-        </p:txBody>
-      </p:sp>
       <p:pic>
         <p:nvPicPr>
-          <p:cNvPr id="5" name="Content Placeholder 4" descr="A screenshot of a social media post&#10;&#10;Description automatically generated">
-            <a:extLst>
-              <a:ext uri="{FF2B5EF4-FFF2-40B4-BE49-F238E27FC236}">
-                <a16:creationId xmlns:a16="http://schemas.microsoft.com/office/drawing/2014/main" id="{45CE1FA2-29FD-43FD-9DFB-773B9D2E04F7}"/>
+          <p:cNvPr id="8" name="Content Placeholder 7" descr="A screenshot of a social media post&#10;&#10;Description automatically generated">
+            <a:extLst>
+              <a:ext uri="{FF2B5EF4-FFF2-40B4-BE49-F238E27FC236}">
+                <a16:creationId xmlns:a16="http://schemas.microsoft.com/office/drawing/2014/main" id="{34CEC197-2A79-4CBA-AE95-D03D24AF7E96}"/>
               </a:ext>
             </a:extLst>
           </p:cNvPr>
@@ -5225,7 +9062,7 @@
           </p:nvPr>
         </p:nvPicPr>
         <p:blipFill>
-          <a:blip r:embed="rId2">
+          <a:blip r:embed="rId3">
             <a:extLst>
               <a:ext uri="{28A0092B-C50C-407E-A947-70E740481C1C}">
                 <a14:useLocalDpi xmlns:a14="http://schemas.microsoft.com/office/drawing/2010/main" val="0"/>
@@ -5238,53 +9075,17 @@
         </p:blipFill>
         <p:spPr>
           <a:xfrm>
-            <a:off x="4921409" y="3625606"/>
-            <a:ext cx="4206909" cy="3155182"/>
+            <a:off x="6559565" y="3457370"/>
+            <a:ext cx="4532634" cy="3399476"/>
           </a:xfrm>
         </p:spPr>
       </p:pic>
       <p:pic>
         <p:nvPicPr>
-          <p:cNvPr id="7" name="Picture 6" descr="A screenshot of a social media post&#10;&#10;Description automatically generated">
-            <a:extLst>
-              <a:ext uri="{FF2B5EF4-FFF2-40B4-BE49-F238E27FC236}">
-                <a16:creationId xmlns:a16="http://schemas.microsoft.com/office/drawing/2014/main" id="{3182D60F-8DE1-4B36-83DE-5E0306D18C4D}"/>
-              </a:ext>
-            </a:extLst>
-          </p:cNvPr>
-          <p:cNvPicPr>
-            <a:picLocks noChangeAspect="1"/>
-          </p:cNvPicPr>
-          <p:nvPr/>
-        </p:nvPicPr>
-        <p:blipFill>
-          <a:blip r:embed="rId3">
-            <a:extLst>
-              <a:ext uri="{28A0092B-C50C-407E-A947-70E740481C1C}">
-                <a14:useLocalDpi xmlns:a14="http://schemas.microsoft.com/office/drawing/2010/main" val="0"/>
-              </a:ext>
-            </a:extLst>
-          </a:blip>
-          <a:stretch>
-            <a:fillRect/>
-          </a:stretch>
-        </p:blipFill>
-        <p:spPr>
-          <a:xfrm>
-            <a:off x="517149" y="3457758"/>
-            <a:ext cx="4537172" cy="3402879"/>
-          </a:xfrm>
-          <a:prstGeom prst="rect">
-            <a:avLst/>
-          </a:prstGeom>
-        </p:spPr>
-      </p:pic>
-      <p:pic>
-        <p:nvPicPr>
-          <p:cNvPr id="9" name="Picture 8" descr="A screenshot of a social media post&#10;&#10;Description automatically generated">
-            <a:extLst>
-              <a:ext uri="{FF2B5EF4-FFF2-40B4-BE49-F238E27FC236}">
-                <a16:creationId xmlns:a16="http://schemas.microsoft.com/office/drawing/2014/main" id="{A90A8276-CB59-4A23-ABF8-8AA9E0D1A9AA}"/>
+          <p:cNvPr id="12" name="Picture 11" descr="A screenshot of a cell phone&#10;&#10;Description automatically generated">
+            <a:extLst>
+              <a:ext uri="{FF2B5EF4-FFF2-40B4-BE49-F238E27FC236}">
+                <a16:creationId xmlns:a16="http://schemas.microsoft.com/office/drawing/2014/main" id="{B88B3E7E-81E6-4C75-B901-88D9E87F6785}"/>
               </a:ext>
             </a:extLst>
           </p:cNvPr>
@@ -5307,8 +9108,8 @@
         </p:blipFill>
         <p:spPr>
           <a:xfrm>
-            <a:off x="7822301" y="77212"/>
-            <a:ext cx="4206909" cy="3155182"/>
+            <a:off x="1618205" y="3347162"/>
+            <a:ext cx="4572000" cy="3429000"/>
           </a:xfrm>
           <a:prstGeom prst="rect">
             <a:avLst/>
@@ -5317,10 +9118,10 @@
       </p:pic>
       <p:pic>
         <p:nvPicPr>
-          <p:cNvPr id="11" name="Picture 10" descr="A screenshot of a social media post&#10;&#10;Description automatically generated">
-            <a:extLst>
-              <a:ext uri="{FF2B5EF4-FFF2-40B4-BE49-F238E27FC236}">
-                <a16:creationId xmlns:a16="http://schemas.microsoft.com/office/drawing/2014/main" id="{028A21BC-0684-43B4-9561-1EF85C96A3E5}"/>
+          <p:cNvPr id="19" name="Picture 18" descr="A screenshot of a cell phone&#10;&#10;Description automatically generated">
+            <a:extLst>
+              <a:ext uri="{FF2B5EF4-FFF2-40B4-BE49-F238E27FC236}">
+                <a16:creationId xmlns:a16="http://schemas.microsoft.com/office/drawing/2014/main" id="{862C3BD1-1FAF-4017-8BF8-D6EA4E988796}"/>
               </a:ext>
             </a:extLst>
           </p:cNvPr>
@@ -5343,8 +9144,8 @@
         </p:blipFill>
         <p:spPr>
           <a:xfrm>
-            <a:off x="3992545" y="0"/>
-            <a:ext cx="4206909" cy="3155182"/>
+            <a:off x="-41565" y="0"/>
+            <a:ext cx="4572000" cy="3429000"/>
           </a:xfrm>
           <a:prstGeom prst="rect">
             <a:avLst/>
@@ -5353,10 +9154,10 @@
       </p:pic>
       <p:pic>
         <p:nvPicPr>
-          <p:cNvPr id="13" name="Picture 12" descr="A screenshot of a social media post&#10;&#10;Description automatically generated">
-            <a:extLst>
-              <a:ext uri="{FF2B5EF4-FFF2-40B4-BE49-F238E27FC236}">
-                <a16:creationId xmlns:a16="http://schemas.microsoft.com/office/drawing/2014/main" id="{B4B199F8-A380-4862-B742-5C67527FCC9D}"/>
+          <p:cNvPr id="17" name="Picture 16" descr="A screenshot of a cell phone&#10;&#10;Description automatically generated">
+            <a:extLst>
+              <a:ext uri="{FF2B5EF4-FFF2-40B4-BE49-F238E27FC236}">
+                <a16:creationId xmlns:a16="http://schemas.microsoft.com/office/drawing/2014/main" id="{7BEC175D-7467-438C-8E18-F23B2FB165E6}"/>
               </a:ext>
             </a:extLst>
           </p:cNvPr>
@@ -5379,8 +9180,44 @@
         </p:blipFill>
         <p:spPr>
           <a:xfrm>
-            <a:off x="0" y="1"/>
-            <a:ext cx="4206909" cy="3155182"/>
+            <a:off x="4088885" y="-40919"/>
+            <a:ext cx="4572000" cy="3429000"/>
+          </a:xfrm>
+          <a:prstGeom prst="rect">
+            <a:avLst/>
+          </a:prstGeom>
+        </p:spPr>
+      </p:pic>
+      <p:pic>
+        <p:nvPicPr>
+          <p:cNvPr id="15" name="Picture 14" descr="A screenshot of a cell phone&#10;&#10;Description automatically generated">
+            <a:extLst>
+              <a:ext uri="{FF2B5EF4-FFF2-40B4-BE49-F238E27FC236}">
+                <a16:creationId xmlns:a16="http://schemas.microsoft.com/office/drawing/2014/main" id="{889B713E-6329-4E50-ACD5-3FA18C6C94E1}"/>
+              </a:ext>
+            </a:extLst>
+          </p:cNvPr>
+          <p:cNvPicPr>
+            <a:picLocks noChangeAspect="1"/>
+          </p:cNvPicPr>
+          <p:nvPr/>
+        </p:nvPicPr>
+        <p:blipFill>
+          <a:blip r:embed="rId7">
+            <a:extLst>
+              <a:ext uri="{28A0092B-C50C-407E-A947-70E740481C1C}">
+                <a14:useLocalDpi xmlns:a14="http://schemas.microsoft.com/office/drawing/2010/main" val="0"/>
+              </a:ext>
+            </a:extLst>
+          </a:blip>
+          <a:stretch>
+            <a:fillRect/>
+          </a:stretch>
+        </p:blipFill>
+        <p:spPr>
+          <a:xfrm>
+            <a:off x="8287795" y="-40919"/>
+            <a:ext cx="4056605" cy="3042454"/>
           </a:xfrm>
           <a:prstGeom prst="rect">
             <a:avLst/>
@@ -5390,7 +9227,7 @@
     </p:spTree>
     <p:extLst>
       <p:ext uri="{BB962C8B-B14F-4D97-AF65-F5344CB8AC3E}">
-        <p14:creationId xmlns:p14="http://schemas.microsoft.com/office/powerpoint/2010/main" val="2717662667"/>
+        <p14:creationId xmlns:p14="http://schemas.microsoft.com/office/powerpoint/2010/main" val="3654017256"/>
       </p:ext>
     </p:extLst>
   </p:cSld>
@@ -5693,4 +9530,299 @@
     </a:ext>
   </a:extLst>
 </a:theme>
+</file>
+
+<file path=ppt/theme/theme2.xml><?xml version="1.0" encoding="utf-8"?>
+<a:theme xmlns:a="http://schemas.openxmlformats.org/drawingml/2006/main" name="Office Theme">
+  <a:themeElements>
+    <a:clrScheme name="Office">
+      <a:dk1>
+        <a:sysClr val="windowText" lastClr="000000"/>
+      </a:dk1>
+      <a:lt1>
+        <a:sysClr val="window" lastClr="FFFFFF"/>
+      </a:lt1>
+      <a:dk2>
+        <a:srgbClr val="44546A"/>
+      </a:dk2>
+      <a:lt2>
+        <a:srgbClr val="E7E6E6"/>
+      </a:lt2>
+      <a:accent1>
+        <a:srgbClr val="4472C4"/>
+      </a:accent1>
+      <a:accent2>
+        <a:srgbClr val="ED7D31"/>
+      </a:accent2>
+      <a:accent3>
+        <a:srgbClr val="A5A5A5"/>
+      </a:accent3>
+      <a:accent4>
+        <a:srgbClr val="FFC000"/>
+      </a:accent4>
+      <a:accent5>
+        <a:srgbClr val="5B9BD5"/>
+      </a:accent5>
+      <a:accent6>
+        <a:srgbClr val="70AD47"/>
+      </a:accent6>
+      <a:hlink>
+        <a:srgbClr val="0563C1"/>
+      </a:hlink>
+      <a:folHlink>
+        <a:srgbClr val="954F72"/>
+      </a:folHlink>
+    </a:clrScheme>
+    <a:fontScheme name="Office">
+      <a:majorFont>
+        <a:latin typeface="Calibri Light" panose="020F0302020204030204"/>
+        <a:ea typeface=""/>
+        <a:cs typeface=""/>
+        <a:font script="Jpan" typeface="游ゴシック Light"/>
+        <a:font script="Hang" typeface="맑은 고딕"/>
+        <a:font script="Hans" typeface="等线 Light"/>
+        <a:font script="Hant" typeface="新細明體"/>
+        <a:font script="Arab" typeface="Times New Roman"/>
+        <a:font script="Hebr" typeface="Times New Roman"/>
+        <a:font script="Thai" typeface="Angsana New"/>
+        <a:font script="Ethi" typeface="Nyala"/>
+        <a:font script="Beng" typeface="Vrinda"/>
+        <a:font script="Gujr" typeface="Shruti"/>
+        <a:font script="Khmr" typeface="MoolBoran"/>
+        <a:font script="Knda" typeface="Tunga"/>
+        <a:font script="Guru" typeface="Raavi"/>
+        <a:font script="Cans" typeface="Euphemia"/>
+        <a:font script="Cher" typeface="Plantagenet Cherokee"/>
+        <a:font script="Yiii" typeface="Microsoft Yi Baiti"/>
+        <a:font script="Tibt" typeface="Microsoft Himalaya"/>
+        <a:font script="Thaa" typeface="MV Boli"/>
+        <a:font script="Deva" typeface="Mangal"/>
+        <a:font script="Telu" typeface="Gautami"/>
+        <a:font script="Taml" typeface="Latha"/>
+        <a:font script="Syrc" typeface="Estrangelo Edessa"/>
+        <a:font script="Orya" typeface="Kalinga"/>
+        <a:font script="Mlym" typeface="Kartika"/>
+        <a:font script="Laoo" typeface="DokChampa"/>
+        <a:font script="Sinh" typeface="Iskoola Pota"/>
+        <a:font script="Mong" typeface="Mongolian Baiti"/>
+        <a:font script="Viet" typeface="Times New Roman"/>
+        <a:font script="Uigh" typeface="Microsoft Uighur"/>
+        <a:font script="Geor" typeface="Sylfaen"/>
+        <a:font script="Armn" typeface="Arial"/>
+        <a:font script="Bugi" typeface="Leelawadee UI"/>
+        <a:font script="Bopo" typeface="Microsoft JhengHei"/>
+        <a:font script="Java" typeface="Javanese Text"/>
+        <a:font script="Lisu" typeface="Segoe UI"/>
+        <a:font script="Mymr" typeface="Myanmar Text"/>
+        <a:font script="Nkoo" typeface="Ebrima"/>
+        <a:font script="Olck" typeface="Nirmala UI"/>
+        <a:font script="Osma" typeface="Ebrima"/>
+        <a:font script="Phag" typeface="Phagspa"/>
+        <a:font script="Syrn" typeface="Estrangelo Edessa"/>
+        <a:font script="Syrj" typeface="Estrangelo Edessa"/>
+        <a:font script="Syre" typeface="Estrangelo Edessa"/>
+        <a:font script="Sora" typeface="Nirmala UI"/>
+        <a:font script="Tale" typeface="Microsoft Tai Le"/>
+        <a:font script="Talu" typeface="Microsoft New Tai Lue"/>
+        <a:font script="Tfng" typeface="Ebrima"/>
+      </a:majorFont>
+      <a:minorFont>
+        <a:latin typeface="Calibri" panose="020F0502020204030204"/>
+        <a:ea typeface=""/>
+        <a:cs typeface=""/>
+        <a:font script="Jpan" typeface="游ゴシック"/>
+        <a:font script="Hang" typeface="맑은 고딕"/>
+        <a:font script="Hans" typeface="等线"/>
+        <a:font script="Hant" typeface="新細明體"/>
+        <a:font script="Arab" typeface="Arial"/>
+        <a:font script="Hebr" typeface="Arial"/>
+        <a:font script="Thai" typeface="Cordia New"/>
+        <a:font script="Ethi" typeface="Nyala"/>
+        <a:font script="Beng" typeface="Vrinda"/>
+        <a:font script="Gujr" typeface="Shruti"/>
+        <a:font script="Khmr" typeface="DaunPenh"/>
+        <a:font script="Knda" typeface="Tunga"/>
+        <a:font script="Guru" typeface="Raavi"/>
+        <a:font script="Cans" typeface="Euphemia"/>
+        <a:font script="Cher" typeface="Plantagenet Cherokee"/>
+        <a:font script="Yiii" typeface="Microsoft Yi Baiti"/>
+        <a:font script="Tibt" typeface="Microsoft Himalaya"/>
+        <a:font script="Thaa" typeface="MV Boli"/>
+        <a:font script="Deva" typeface="Mangal"/>
+        <a:font script="Telu" typeface="Gautami"/>
+        <a:font script="Taml" typeface="Latha"/>
+        <a:font script="Syrc" typeface="Estrangelo Edessa"/>
+        <a:font script="Orya" typeface="Kalinga"/>
+        <a:font script="Mlym" typeface="Kartika"/>
+        <a:font script="Laoo" typeface="DokChampa"/>
+        <a:font script="Sinh" typeface="Iskoola Pota"/>
+        <a:font script="Mong" typeface="Mongolian Baiti"/>
+        <a:font script="Viet" typeface="Arial"/>
+        <a:font script="Uigh" typeface="Microsoft Uighur"/>
+        <a:font script="Geor" typeface="Sylfaen"/>
+        <a:font script="Armn" typeface="Arial"/>
+        <a:font script="Bugi" typeface="Leelawadee UI"/>
+        <a:font script="Bopo" typeface="Microsoft JhengHei"/>
+        <a:font script="Java" typeface="Javanese Text"/>
+        <a:font script="Lisu" typeface="Segoe UI"/>
+        <a:font script="Mymr" typeface="Myanmar Text"/>
+        <a:font script="Nkoo" typeface="Ebrima"/>
+        <a:font script="Olck" typeface="Nirmala UI"/>
+        <a:font script="Osma" typeface="Ebrima"/>
+        <a:font script="Phag" typeface="Phagspa"/>
+        <a:font script="Syrn" typeface="Estrangelo Edessa"/>
+        <a:font script="Syrj" typeface="Estrangelo Edessa"/>
+        <a:font script="Syre" typeface="Estrangelo Edessa"/>
+        <a:font script="Sora" typeface="Nirmala UI"/>
+        <a:font script="Tale" typeface="Microsoft Tai Le"/>
+        <a:font script="Talu" typeface="Microsoft New Tai Lue"/>
+        <a:font script="Tfng" typeface="Ebrima"/>
+      </a:minorFont>
+    </a:fontScheme>
+    <a:fmtScheme name="Office">
+      <a:fillStyleLst>
+        <a:solidFill>
+          <a:schemeClr val="phClr"/>
+        </a:solidFill>
+        <a:gradFill rotWithShape="1">
+          <a:gsLst>
+            <a:gs pos="0">
+              <a:schemeClr val="phClr">
+                <a:lumMod val="110000"/>
+                <a:satMod val="105000"/>
+                <a:tint val="67000"/>
+              </a:schemeClr>
+            </a:gs>
+            <a:gs pos="50000">
+              <a:schemeClr val="phClr">
+                <a:lumMod val="105000"/>
+                <a:satMod val="103000"/>
+                <a:tint val="73000"/>
+              </a:schemeClr>
+            </a:gs>
+            <a:gs pos="100000">
+              <a:schemeClr val="phClr">
+                <a:lumMod val="105000"/>
+                <a:satMod val="109000"/>
+                <a:tint val="81000"/>
+              </a:schemeClr>
+            </a:gs>
+          </a:gsLst>
+          <a:lin ang="5400000" scaled="0"/>
+        </a:gradFill>
+        <a:gradFill rotWithShape="1">
+          <a:gsLst>
+            <a:gs pos="0">
+              <a:schemeClr val="phClr">
+                <a:satMod val="103000"/>
+                <a:lumMod val="102000"/>
+                <a:tint val="94000"/>
+              </a:schemeClr>
+            </a:gs>
+            <a:gs pos="50000">
+              <a:schemeClr val="phClr">
+                <a:satMod val="110000"/>
+                <a:lumMod val="100000"/>
+                <a:shade val="100000"/>
+              </a:schemeClr>
+            </a:gs>
+            <a:gs pos="100000">
+              <a:schemeClr val="phClr">
+                <a:lumMod val="99000"/>
+                <a:satMod val="120000"/>
+                <a:shade val="78000"/>
+              </a:schemeClr>
+            </a:gs>
+          </a:gsLst>
+          <a:lin ang="5400000" scaled="0"/>
+        </a:gradFill>
+      </a:fillStyleLst>
+      <a:lnStyleLst>
+        <a:ln w="6350" cap="flat" cmpd="sng" algn="ctr">
+          <a:solidFill>
+            <a:schemeClr val="phClr"/>
+          </a:solidFill>
+          <a:prstDash val="solid"/>
+          <a:miter lim="800000"/>
+        </a:ln>
+        <a:ln w="12700" cap="flat" cmpd="sng" algn="ctr">
+          <a:solidFill>
+            <a:schemeClr val="phClr"/>
+          </a:solidFill>
+          <a:prstDash val="solid"/>
+          <a:miter lim="800000"/>
+        </a:ln>
+        <a:ln w="19050" cap="flat" cmpd="sng" algn="ctr">
+          <a:solidFill>
+            <a:schemeClr val="phClr"/>
+          </a:solidFill>
+          <a:prstDash val="solid"/>
+          <a:miter lim="800000"/>
+        </a:ln>
+      </a:lnStyleLst>
+      <a:effectStyleLst>
+        <a:effectStyle>
+          <a:effectLst/>
+        </a:effectStyle>
+        <a:effectStyle>
+          <a:effectLst/>
+        </a:effectStyle>
+        <a:effectStyle>
+          <a:effectLst>
+            <a:outerShdw blurRad="57150" dist="19050" dir="5400000" algn="ctr" rotWithShape="0">
+              <a:srgbClr val="000000">
+                <a:alpha val="63000"/>
+              </a:srgbClr>
+            </a:outerShdw>
+          </a:effectLst>
+        </a:effectStyle>
+      </a:effectStyleLst>
+      <a:bgFillStyleLst>
+        <a:solidFill>
+          <a:schemeClr val="phClr"/>
+        </a:solidFill>
+        <a:solidFill>
+          <a:schemeClr val="phClr">
+            <a:tint val="95000"/>
+            <a:satMod val="170000"/>
+          </a:schemeClr>
+        </a:solidFill>
+        <a:gradFill rotWithShape="1">
+          <a:gsLst>
+            <a:gs pos="0">
+              <a:schemeClr val="phClr">
+                <a:tint val="93000"/>
+                <a:satMod val="150000"/>
+                <a:shade val="98000"/>
+                <a:lumMod val="102000"/>
+              </a:schemeClr>
+            </a:gs>
+            <a:gs pos="50000">
+              <a:schemeClr val="phClr">
+                <a:tint val="98000"/>
+                <a:satMod val="130000"/>
+                <a:shade val="90000"/>
+                <a:lumMod val="103000"/>
+              </a:schemeClr>
+            </a:gs>
+            <a:gs pos="100000">
+              <a:schemeClr val="phClr">
+                <a:shade val="63000"/>
+                <a:satMod val="120000"/>
+              </a:schemeClr>
+            </a:gs>
+          </a:gsLst>
+          <a:lin ang="5400000" scaled="0"/>
+        </a:gradFill>
+      </a:bgFillStyleLst>
+    </a:fmtScheme>
+  </a:themeElements>
+  <a:objectDefaults/>
+  <a:extraClrSchemeLst/>
+  <a:extLst>
+    <a:ext uri="{05A4C25C-085E-4340-85A3-A5531E510DB2}">
+      <thm15:themeFamily xmlns:thm15="http://schemas.microsoft.com/office/thememl/2012/main" name="Office Theme" id="{62F939B6-93AF-4DB8-9C6B-D6C7DFDC589F}" vid="{4A3C46E8-61CC-4603-A589-7422A47A8E4A}"/>
+    </a:ext>
+  </a:extLst>
+</a:theme>
 </file>
--- a/Image Processing Presentation.pptx
+++ b/Image Processing Presentation.pptx
@@ -5,25 +5,29 @@
     <p:sldMasterId id="2147483648" r:id="rId1"/>
   </p:sldMasterIdLst>
   <p:notesMasterIdLst>
-    <p:notesMasterId r:id="rId18"/>
+    <p:notesMasterId r:id="rId22"/>
   </p:notesMasterIdLst>
   <p:sldIdLst>
     <p:sldId id="256" r:id="rId2"/>
     <p:sldId id="260" r:id="rId3"/>
     <p:sldId id="257" r:id="rId4"/>
     <p:sldId id="261" r:id="rId5"/>
-    <p:sldId id="258" r:id="rId6"/>
-    <p:sldId id="267" r:id="rId7"/>
-    <p:sldId id="268" r:id="rId8"/>
-    <p:sldId id="263" r:id="rId9"/>
-    <p:sldId id="266" r:id="rId10"/>
-    <p:sldId id="269" r:id="rId11"/>
-    <p:sldId id="271" r:id="rId12"/>
+    <p:sldId id="276" r:id="rId6"/>
+    <p:sldId id="258" r:id="rId7"/>
+    <p:sldId id="267" r:id="rId8"/>
+    <p:sldId id="268" r:id="rId9"/>
+    <p:sldId id="269" r:id="rId10"/>
+    <p:sldId id="263" r:id="rId11"/>
+    <p:sldId id="277" r:id="rId12"/>
     <p:sldId id="259" r:id="rId13"/>
     <p:sldId id="265" r:id="rId14"/>
     <p:sldId id="262" r:id="rId15"/>
     <p:sldId id="270" r:id="rId16"/>
     <p:sldId id="264" r:id="rId17"/>
+    <p:sldId id="273" r:id="rId18"/>
+    <p:sldId id="274" r:id="rId19"/>
+    <p:sldId id="272" r:id="rId20"/>
+    <p:sldId id="275" r:id="rId21"/>
   </p:sldIdLst>
   <p:sldSz cx="12192000" cy="6858000"/>
   <p:notesSz cx="6858000" cy="9144000"/>
@@ -130,6 +134,2848 @@
 </p:presentation>
 </file>
 
+<file path=ppt/charts/chartEx1.xml><?xml version="1.0" encoding="utf-8"?>
+<cx:chartSpace xmlns:a="http://schemas.openxmlformats.org/drawingml/2006/main" xmlns:r="http://schemas.openxmlformats.org/officeDocument/2006/relationships" xmlns:cx="http://schemas.microsoft.com/office/drawing/2014/chartex">
+  <cx:chartData>
+    <cx:externalData r:id="rId1" cx:autoUpdate="0"/>
+    <cx:data id="0">
+      <cx:numDim type="val">
+        <cx:f>extracted_features!$F$2:$F$801</cx:f>
+        <cx:lvl ptCount="800" formatCode="General">
+          <cx:pt idx="0">0.21484375</cx:pt>
+          <cx:pt idx="1">0.076171875</cx:pt>
+          <cx:pt idx="2">0.046875</cx:pt>
+          <cx:pt idx="3">0.06640625</cx:pt>
+          <cx:pt idx="4">0.05859375</cx:pt>
+          <cx:pt idx="5">0.0546875</cx:pt>
+          <cx:pt idx="6">0.0859375</cx:pt>
+          <cx:pt idx="7">0.080078125</cx:pt>
+          <cx:pt idx="8">0.0859375</cx:pt>
+          <cx:pt idx="9">0.060546875</cx:pt>
+          <cx:pt idx="10">0.068359375</cx:pt>
+          <cx:pt idx="11">0.0703125</cx:pt>
+          <cx:pt idx="12">0.07421875</cx:pt>
+          <cx:pt idx="13">0.03125</cx:pt>
+          <cx:pt idx="14">0.078125</cx:pt>
+          <cx:pt idx="15">0.068359375</cx:pt>
+          <cx:pt idx="16">0.048828125</cx:pt>
+          <cx:pt idx="17">0.072265625</cx:pt>
+          <cx:pt idx="18">0.05859375</cx:pt>
+          <cx:pt idx="19">0.05859375</cx:pt>
+          <cx:pt idx="20">0.0546875</cx:pt>
+          <cx:pt idx="21">0.072265625</cx:pt>
+          <cx:pt idx="22">0.0625</cx:pt>
+          <cx:pt idx="23">0.056640625</cx:pt>
+          <cx:pt idx="24">0.044921875</cx:pt>
+          <cx:pt idx="25">0.05859375</cx:pt>
+          <cx:pt idx="26">0.083984375</cx:pt>
+          <cx:pt idx="27">0.044921875</cx:pt>
+          <cx:pt idx="28">0.0859375</cx:pt>
+          <cx:pt idx="29">1.064453125</cx:pt>
+          <cx:pt idx="30">0.072265625</cx:pt>
+          <cx:pt idx="31">0.046875</cx:pt>
+          <cx:pt idx="32">0.0625</cx:pt>
+          <cx:pt idx="33">0.041015625</cx:pt>
+          <cx:pt idx="34">0.068359375</cx:pt>
+          <cx:pt idx="35">0.07421875</cx:pt>
+          <cx:pt idx="36">0.0625</cx:pt>
+          <cx:pt idx="37">0.064453125</cx:pt>
+          <cx:pt idx="38">0.072265625</cx:pt>
+          <cx:pt idx="39">0.0625</cx:pt>
+          <cx:pt idx="40">1.087890625</cx:pt>
+          <cx:pt idx="41">1.322265625</cx:pt>
+          <cx:pt idx="42">0.05859375</cx:pt>
+          <cx:pt idx="43">0.0390625</cx:pt>
+          <cx:pt idx="44">0.078125</cx:pt>
+          <cx:pt idx="45">0.06640625</cx:pt>
+          <cx:pt idx="46">0.064453125</cx:pt>
+          <cx:pt idx="47">0.064453125</cx:pt>
+          <cx:pt idx="48">0.064453125</cx:pt>
+          <cx:pt idx="49">0.064453125</cx:pt>
+          <cx:pt idx="50">0.056640625</cx:pt>
+          <cx:pt idx="51">0.060546875</cx:pt>
+          <cx:pt idx="52">0.046875</cx:pt>
+          <cx:pt idx="53">0.05859375</cx:pt>
+          <cx:pt idx="54">0.044921875</cx:pt>
+          <cx:pt idx="55">0.044921875</cx:pt>
+          <cx:pt idx="56">0.08203125</cx:pt>
+          <cx:pt idx="57">0.060546875</cx:pt>
+          <cx:pt idx="58">0.05078125</cx:pt>
+          <cx:pt idx="59">0.0546875</cx:pt>
+          <cx:pt idx="60">0.044921875</cx:pt>
+          <cx:pt idx="61">0.05078125</cx:pt>
+          <cx:pt idx="62">0.0625</cx:pt>
+          <cx:pt idx="63">0.0546875</cx:pt>
+          <cx:pt idx="64">0.048828125</cx:pt>
+          <cx:pt idx="65">0.064453125</cx:pt>
+          <cx:pt idx="66">0.046875</cx:pt>
+          <cx:pt idx="67">0.068359375</cx:pt>
+          <cx:pt idx="68">0.0625</cx:pt>
+          <cx:pt idx="69">0.71875</cx:pt>
+          <cx:pt idx="70">0.068359375</cx:pt>
+          <cx:pt idx="71">0.857421875</cx:pt>
+          <cx:pt idx="72">0.041015625</cx:pt>
+          <cx:pt idx="73">0.064453125</cx:pt>
+          <cx:pt idx="74">0.080078125</cx:pt>
+          <cx:pt idx="75">0.064453125</cx:pt>
+          <cx:pt idx="76">0.068359375</cx:pt>
+          <cx:pt idx="77">0.064453125</cx:pt>
+          <cx:pt idx="78">0.064453125</cx:pt>
+          <cx:pt idx="79">0.05078125</cx:pt>
+          <cx:pt idx="80">0.056640625</cx:pt>
+          <cx:pt idx="81">0.0390625</cx:pt>
+          <cx:pt idx="82">0.068359375</cx:pt>
+          <cx:pt idx="83">0.044921875</cx:pt>
+          <cx:pt idx="84">0.05078125</cx:pt>
+          <cx:pt idx="85">0.048828125</cx:pt>
+          <cx:pt idx="86">0.068359375</cx:pt>
+          <cx:pt idx="87">0.029296875</cx:pt>
+          <cx:pt idx="88">0.052734375</cx:pt>
+          <cx:pt idx="89">0.095703125</cx:pt>
+          <cx:pt idx="90">0.0546875</cx:pt>
+          <cx:pt idx="91">0.037109375</cx:pt>
+          <cx:pt idx="92">0.083984375</cx:pt>
+          <cx:pt idx="93">0.05859375</cx:pt>
+          <cx:pt idx="94">0.07421875</cx:pt>
+          <cx:pt idx="95">0.048828125</cx:pt>
+          <cx:pt idx="96">0.064453125</cx:pt>
+          <cx:pt idx="97">1.0546875</cx:pt>
+          <cx:pt idx="98">0.04296875</cx:pt>
+          <cx:pt idx="99">1.552734375</cx:pt>
+          <cx:pt idx="100">0.22265625</cx:pt>
+          <cx:pt idx="101">0.19140625</cx:pt>
+          <cx:pt idx="102">0.1796875</cx:pt>
+          <cx:pt idx="103">0.20703125</cx:pt>
+          <cx:pt idx="104">0.19921875</cx:pt>
+          <cx:pt idx="105">0.16796875</cx:pt>
+          <cx:pt idx="106">0.181640625</cx:pt>
+          <cx:pt idx="107">0.181640625</cx:pt>
+          <cx:pt idx="108">0.232421875</cx:pt>
+          <cx:pt idx="109">0.173828125</cx:pt>
+          <cx:pt idx="110">0.1875</cx:pt>
+          <cx:pt idx="111">0.220703125</cx:pt>
+          <cx:pt idx="112">0.330078125</cx:pt>
+          <cx:pt idx="113">0.177734375</cx:pt>
+          <cx:pt idx="114">0.1796875</cx:pt>
+          <cx:pt idx="115">0.1875</cx:pt>
+          <cx:pt idx="116">0.169921875</cx:pt>
+          <cx:pt idx="117">0.435546875</cx:pt>
+          <cx:pt idx="118">0.1796875</cx:pt>
+          <cx:pt idx="119">0.203125</cx:pt>
+          <cx:pt idx="120">0.20703125</cx:pt>
+          <cx:pt idx="121">1.373046875</cx:pt>
+          <cx:pt idx="122">0.189453125</cx:pt>
+          <cx:pt idx="123">0.171875</cx:pt>
+          <cx:pt idx="124">0.189453125</cx:pt>
+          <cx:pt idx="125">0.17578125</cx:pt>
+          <cx:pt idx="126">0.1953125</cx:pt>
+          <cx:pt idx="127">0.17578125</cx:pt>
+          <cx:pt idx="128">0.169921875</cx:pt>
+          <cx:pt idx="129">0.216796875</cx:pt>
+          <cx:pt idx="130">0.173828125</cx:pt>
+          <cx:pt idx="131">0.173828125</cx:pt>
+          <cx:pt idx="132">0.421875</cx:pt>
+          <cx:pt idx="133">0.208984375</cx:pt>
+          <cx:pt idx="134">0.234375</cx:pt>
+          <cx:pt idx="135">0.21484375</cx:pt>
+          <cx:pt idx="136">0.166015625</cx:pt>
+          <cx:pt idx="137">0.177734375</cx:pt>
+          <cx:pt idx="138">0.173828125</cx:pt>
+          <cx:pt idx="139">0.220703125</cx:pt>
+          <cx:pt idx="140">0.189453125</cx:pt>
+          <cx:pt idx="141">0.19921875</cx:pt>
+          <cx:pt idx="142">0.1796875</cx:pt>
+          <cx:pt idx="143">0.150390625</cx:pt>
+          <cx:pt idx="144">0.2265625</cx:pt>
+          <cx:pt idx="145">0.224609375</cx:pt>
+          <cx:pt idx="146">0.212890625</cx:pt>
+          <cx:pt idx="147">0.158203125</cx:pt>
+          <cx:pt idx="148">0.1484375</cx:pt>
+          <cx:pt idx="149">0.181640625</cx:pt>
+          <cx:pt idx="150">0.4921875</cx:pt>
+          <cx:pt idx="151">0.181640625</cx:pt>
+          <cx:pt idx="152">1.03515625</cx:pt>
+          <cx:pt idx="153">0.3359375</cx:pt>
+          <cx:pt idx="154">0.138671875</cx:pt>
+          <cx:pt idx="155">0.1640625</cx:pt>
+          <cx:pt idx="156">0.189453125</cx:pt>
+          <cx:pt idx="157">0.169921875</cx:pt>
+          <cx:pt idx="158">0.138671875</cx:pt>
+          <cx:pt idx="159">0.169921875</cx:pt>
+          <cx:pt idx="160">0.19140625</cx:pt>
+          <cx:pt idx="161">1.369140625</cx:pt>
+          <cx:pt idx="162">0.140625</cx:pt>
+          <cx:pt idx="163">0.171875</cx:pt>
+          <cx:pt idx="164">0.15234375</cx:pt>
+          <cx:pt idx="165">0.1875</cx:pt>
+          <cx:pt idx="166">0.142578125</cx:pt>
+          <cx:pt idx="167">0.177734375</cx:pt>
+          <cx:pt idx="168">0.1484375</cx:pt>
+          <cx:pt idx="169">1.099609375</cx:pt>
+          <cx:pt idx="170">0.14453125</cx:pt>
+          <cx:pt idx="171">0.154296875</cx:pt>
+          <cx:pt idx="172">0.166015625</cx:pt>
+          <cx:pt idx="173">0.373046875</cx:pt>
+          <cx:pt idx="174">0.16015625</cx:pt>
+          <cx:pt idx="175">0.166015625</cx:pt>
+          <cx:pt idx="176">0.185546875</cx:pt>
+          <cx:pt idx="177">0.18359375</cx:pt>
+          <cx:pt idx="178">0.212890625</cx:pt>
+          <cx:pt idx="179">0.16015625</cx:pt>
+          <cx:pt idx="180">0.162109375</cx:pt>
+          <cx:pt idx="181">0.158203125</cx:pt>
+          <cx:pt idx="182">0.14453125</cx:pt>
+          <cx:pt idx="183">0.16796875</cx:pt>
+          <cx:pt idx="184">0.146484375</cx:pt>
+          <cx:pt idx="185">0.1484375</cx:pt>
+          <cx:pt idx="186">0.1796875</cx:pt>
+          <cx:pt idx="187">0.16015625</cx:pt>
+          <cx:pt idx="188">0.15234375</cx:pt>
+          <cx:pt idx="189">0.302734375</cx:pt>
+          <cx:pt idx="190">0.142578125</cx:pt>
+          <cx:pt idx="191">0.166015625</cx:pt>
+          <cx:pt idx="192">0.15234375</cx:pt>
+          <cx:pt idx="193">0.18359375</cx:pt>
+          <cx:pt idx="194">0.17578125</cx:pt>
+          <cx:pt idx="195">0.130859375</cx:pt>
+          <cx:pt idx="196">0.14453125</cx:pt>
+          <cx:pt idx="197">0.14453125</cx:pt>
+          <cx:pt idx="198">0.1796875</cx:pt>
+          <cx:pt idx="199">0.119140625</cx:pt>
+          <cx:pt idx="200">-5.53e-17</cx:pt>
+          <cx:pt idx="201">-5.2600000000000001e-17</cx:pt>
+          <cx:pt idx="202">0.001953125</cx:pt>
+          <cx:pt idx="203">0.0078125</cx:pt>
+          <cx:pt idx="204">7.7800000000000002e-18</cx:pt>
+          <cx:pt idx="205">7.1000000000000007e-18</cx:pt>
+          <cx:pt idx="206">2.3000000000000001e-18</cx:pt>
+          <cx:pt idx="207">-2.8100000000000003e-17</cx:pt>
+          <cx:pt idx="208">-3.2199999999999998e-17</cx:pt>
+          <cx:pt idx="209">-6.7399999999999996e-17</cx:pt>
+          <cx:pt idx="210">5.7300000000000003e-18</cx:pt>
+          <cx:pt idx="211">0.001953125</cx:pt>
+          <cx:pt idx="212">0.033203125</cx:pt>
+          <cx:pt idx="213">4.5800000000000003e-18</cx:pt>
+          <cx:pt idx="214">-7.9499999999999998e-17</cx:pt>
+          <cx:pt idx="215">0.01171875</cx:pt>
+          <cx:pt idx="216">2.61e-18</cx:pt>
+          <cx:pt idx="217">4.0499999999999999e-17</cx:pt>
+          <cx:pt idx="218">-1.5299999999999999e-18</cx:pt>
+          <cx:pt idx="219">-4.0300000000000003e-17</cx:pt>
+          <cx:pt idx="220">4.8899999999999997e-17</cx:pt>
+          <cx:pt idx="221">2.35e-17</cx:pt>
+          <cx:pt idx="222">-8.8100000000000001e-18</cx:pt>
+          <cx:pt idx="223">0.013671875</cx:pt>
+          <cx:pt idx="224">0.115234375</cx:pt>
+          <cx:pt idx="225">-6.2700000000000001e-17</cx:pt>
+          <cx:pt idx="226">-2.6199999999999999e-17</cx:pt>
+          <cx:pt idx="227">1.62e-17</cx:pt>
+          <cx:pt idx="228">1.7899999999999999e-17</cx:pt>
+          <cx:pt idx="229">-1.68e-17</cx:pt>
+          <cx:pt idx="230">-1.9099999999999999e-17</cx:pt>
+          <cx:pt idx="231">-9.7700000000000002e-17</cx:pt>
+          <cx:pt idx="232">-5.5e-17</cx:pt>
+          <cx:pt idx="233">0.005859375</cx:pt>
+          <cx:pt idx="234">0.001953125</cx:pt>
+          <cx:pt idx="235">0.0078125</cx:pt>
+          <cx:pt idx="236">3.5999999999999999e-17</cx:pt>
+          <cx:pt idx="237">-7.2400000000000003e-17</cx:pt>
+          <cx:pt idx="238">0.001953125</cx:pt>
+          <cx:pt idx="239">1.6300000000000001e-17</cx:pt>
+          <cx:pt idx="240">2.1899999999999999e-17</cx:pt>
+          <cx:pt idx="241">-3.2300000000000002e-17</cx:pt>
+          <cx:pt idx="242">4.0900000000000003e-17</cx:pt>
+          <cx:pt idx="243">0.01171875</cx:pt>
+          <cx:pt idx="244">-3.6599999999999999e-17</cx:pt>
+          <cx:pt idx="245">2.6100000000000001e-17</cx:pt>
+          <cx:pt idx="246">0.033203125</cx:pt>
+          <cx:pt idx="247">0.001953125</cx:pt>
+          <cx:pt idx="248">0.001953125</cx:pt>
+          <cx:pt idx="249">-1.34e-17</cx:pt>
+          <cx:pt idx="250">1.0000000000000001e-17</cx:pt>
+          <cx:pt idx="251">2.5800000000000001e-17</cx:pt>
+          <cx:pt idx="252">7.9300000000000002e-17</cx:pt>
+          <cx:pt idx="253">0.001953125</cx:pt>
+          <cx:pt idx="254">0.001953125</cx:pt>
+          <cx:pt idx="255">0.001953125</cx:pt>
+          <cx:pt idx="256">1.62e-17</cx:pt>
+          <cx:pt idx="257">0.001953125</cx:pt>
+          <cx:pt idx="258">0.001953125</cx:pt>
+          <cx:pt idx="259">0.74609375</cx:pt>
+          <cx:pt idx="260">-5.41e-17</cx:pt>
+          <cx:pt idx="261">-4.7500000000000001e-18</cx:pt>
+          <cx:pt idx="262">0.001953125</cx:pt>
+          <cx:pt idx="263">-1.9099999999999999e-17</cx:pt>
+          <cx:pt idx="264">-1.01e-16</cx:pt>
+          <cx:pt idx="265">1.8100000000000001e-17</cx:pt>
+          <cx:pt idx="266">3.6599999999999999e-17</cx:pt>
+          <cx:pt idx="267">3.5499999999999998e-17</cx:pt>
+          <cx:pt idx="268">-5.7499999999999998e-17</cx:pt>
+          <cx:pt idx="269">8.0699999999999997e-17</cx:pt>
+          <cx:pt idx="270">-4.4e-17</cx:pt>
+          <cx:pt idx="271">-4.6199999999999998e-17</cx:pt>
+          <cx:pt idx="272">2.1299999999999999e-17</cx:pt>
+          <cx:pt idx="273">0.001953125</cx:pt>
+          <cx:pt idx="274">0.001953125</cx:pt>
+          <cx:pt idx="275">-2.6700000000000001e-17</cx:pt>
+          <cx:pt idx="276">0.001953125</cx:pt>
+          <cx:pt idx="277">0.001953125</cx:pt>
+          <cx:pt idx="278">6.8599999999999996e-17</cx:pt>
+          <cx:pt idx="279">0.001953125</cx:pt>
+          <cx:pt idx="280">0.001953125</cx:pt>
+          <cx:pt idx="281">0.001953125</cx:pt>
+          <cx:pt idx="282">0.001953125</cx:pt>
+          <cx:pt idx="283">-3.48e-17</cx:pt>
+          <cx:pt idx="284">3.9700000000000003e-17</cx:pt>
+          <cx:pt idx="285">-1.5499999999999999e-17</cx:pt>
+          <cx:pt idx="286">0.001953125</cx:pt>
+          <cx:pt idx="287">4.2599999999999997e-18</cx:pt>
+          <cx:pt idx="288">0.001953125</cx:pt>
+          <cx:pt idx="289">-7.2999999999999997e-18</cx:pt>
+          <cx:pt idx="290">1.271484375</cx:pt>
+          <cx:pt idx="291">0.015625</cx:pt>
+          <cx:pt idx="292">0.00390625</cx:pt>
+          <cx:pt idx="293">1.0900000000000001e-17</cx:pt>
+          <cx:pt idx="294">0.001953125</cx:pt>
+          <cx:pt idx="295">4.8499999999999999e-17</cx:pt>
+          <cx:pt idx="296">0.001953125</cx:pt>
+          <cx:pt idx="297">0.001953125</cx:pt>
+          <cx:pt idx="298">6.4199999999999997e-18</cx:pt>
+          <cx:pt idx="299">1.27e-17</cx:pt>
+          <cx:pt idx="300">0.595703125</cx:pt>
+          <cx:pt idx="301">0.62890625</cx:pt>
+          <cx:pt idx="302">0.8984375</cx:pt>
+          <cx:pt idx="303">0.5390625</cx:pt>
+          <cx:pt idx="304">0.580078125</cx:pt>
+          <cx:pt idx="305">0.623046875</cx:pt>
+          <cx:pt idx="306">1.662109375</cx:pt>
+          <cx:pt idx="307">0.55859375</cx:pt>
+          <cx:pt idx="308">0.57421875</cx:pt>
+          <cx:pt idx="309">1.7734375</cx:pt>
+          <cx:pt idx="310">0.583984375</cx:pt>
+          <cx:pt idx="311">0.626953125</cx:pt>
+          <cx:pt idx="312">0.57421875</cx:pt>
+          <cx:pt idx="313">0.5703125</cx:pt>
+          <cx:pt idx="314">0.578125</cx:pt>
+          <cx:pt idx="315">0.5546875</cx:pt>
+          <cx:pt idx="316">1.8671875</cx:pt>
+          <cx:pt idx="317">0.515625</cx:pt>
+          <cx:pt idx="318">1.955078125</cx:pt>
+          <cx:pt idx="319">0.501953125</cx:pt>
+          <cx:pt idx="320">0.51953125</cx:pt>
+          <cx:pt idx="321">0.6875</cx:pt>
+          <cx:pt idx="322">0.814453125</cx:pt>
+          <cx:pt idx="323">0.54296875</cx:pt>
+          <cx:pt idx="324">2.083984375</cx:pt>
+          <cx:pt idx="325">1.83203125</cx:pt>
+          <cx:pt idx="326">2.111328125</cx:pt>
+          <cx:pt idx="327">1.611328125</cx:pt>
+          <cx:pt idx="328">0.974609375</cx:pt>
+          <cx:pt idx="329">0.56640625</cx:pt>
+          <cx:pt idx="330">2.01171875</cx:pt>
+          <cx:pt idx="331">1.146484375</cx:pt>
+          <cx:pt idx="332">0.59765625</cx:pt>
+          <cx:pt idx="333">1.552734375</cx:pt>
+          <cx:pt idx="334">0.591796875</cx:pt>
+          <cx:pt idx="335">0.572265625</cx:pt>
+          <cx:pt idx="336">0.83203125</cx:pt>
+          <cx:pt idx="337">0.541015625</cx:pt>
+          <cx:pt idx="338">0.62109375</cx:pt>
+          <cx:pt idx="339">0.517578125</cx:pt>
+          <cx:pt idx="340">0.837890625</cx:pt>
+          <cx:pt idx="341">0.56640625</cx:pt>
+          <cx:pt idx="342">1.99609375</cx:pt>
+          <cx:pt idx="343">0.53515625</cx:pt>
+          <cx:pt idx="344">0.537109375</cx:pt>
+          <cx:pt idx="345">0.5703125</cx:pt>
+          <cx:pt idx="346">0.494140625</cx:pt>
+          <cx:pt idx="347">0.529296875</cx:pt>
+          <cx:pt idx="348">0.501953125</cx:pt>
+          <cx:pt idx="349">0.5703125</cx:pt>
+          <cx:pt idx="350">0.541015625</cx:pt>
+          <cx:pt idx="351">0.68359375</cx:pt>
+          <cx:pt idx="352">1.041015625</cx:pt>
+          <cx:pt idx="353">1.13671875</cx:pt>
+          <cx:pt idx="354">1.701171875</cx:pt>
+          <cx:pt idx="355">0.556640625</cx:pt>
+          <cx:pt idx="356">0.5703125</cx:pt>
+          <cx:pt idx="357">0.5859375</cx:pt>
+          <cx:pt idx="358">1.923828125</cx:pt>
+          <cx:pt idx="359">1.369140625</cx:pt>
+          <cx:pt idx="360">2.001953125</cx:pt>
+          <cx:pt idx="361">0.587890625</cx:pt>
+          <cx:pt idx="362">0.501953125</cx:pt>
+          <cx:pt idx="363">0.634765625</cx:pt>
+          <cx:pt idx="364">0.669921875</cx:pt>
+          <cx:pt idx="365">0.564453125</cx:pt>
+          <cx:pt idx="366">2.37890625</cx:pt>
+          <cx:pt idx="367">0.53125</cx:pt>
+          <cx:pt idx="368">0.5234375</cx:pt>
+          <cx:pt idx="369">0.5625</cx:pt>
+          <cx:pt idx="370">0.46875</cx:pt>
+          <cx:pt idx="371">1.9140625</cx:pt>
+          <cx:pt idx="372">0.478515625</cx:pt>
+          <cx:pt idx="373">0.501953125</cx:pt>
+          <cx:pt idx="374">0.51953125</cx:pt>
+          <cx:pt idx="375">0.47265625</cx:pt>
+          <cx:pt idx="376">0.4609375</cx:pt>
+          <cx:pt idx="377">0.43359375</cx:pt>
+          <cx:pt idx="378">0.58203125</cx:pt>
+          <cx:pt idx="379">1.029296875</cx:pt>
+          <cx:pt idx="380">1.87890625</cx:pt>
+          <cx:pt idx="381">0.47265625</cx:pt>
+          <cx:pt idx="382">0.64453125</cx:pt>
+          <cx:pt idx="383">0.5078125</cx:pt>
+          <cx:pt idx="384">0.48828125</cx:pt>
+          <cx:pt idx="385">0.486328125</cx:pt>
+          <cx:pt idx="386">0.48828125</cx:pt>
+          <cx:pt idx="387">0.41796875</cx:pt>
+          <cx:pt idx="388">0.447265625</cx:pt>
+          <cx:pt idx="389">0.5625</cx:pt>
+          <cx:pt idx="390">0.458984375</cx:pt>
+          <cx:pt idx="391">0.443359375</cx:pt>
+          <cx:pt idx="392">0.474609375</cx:pt>
+          <cx:pt idx="393">0.517578125</cx:pt>
+          <cx:pt idx="394">2.08203125</cx:pt>
+          <cx:pt idx="395">0.47265625</cx:pt>
+          <cx:pt idx="396">0.431640625</cx:pt>
+          <cx:pt idx="397">0.48046875</cx:pt>
+          <cx:pt idx="398">0.466796875</cx:pt>
+          <cx:pt idx="399">0.46484375</cx:pt>
+          <cx:pt idx="400">1.3359375</cx:pt>
+          <cx:pt idx="401">0.033203125</cx:pt>
+          <cx:pt idx="402">0.025390625</cx:pt>
+          <cx:pt idx="403">0.013671875</cx:pt>
+          <cx:pt idx="404">0.0234375</cx:pt>
+          <cx:pt idx="405">0.58984375</cx:pt>
+          <cx:pt idx="406">0.74609375</cx:pt>
+          <cx:pt idx="407">0.0078125</cx:pt>
+          <cx:pt idx="408">0.017578125</cx:pt>
+          <cx:pt idx="409">0.017578125</cx:pt>
+          <cx:pt idx="410">0.025390625</cx:pt>
+          <cx:pt idx="411">0.01953125</cx:pt>
+          <cx:pt idx="412">0.7578125</cx:pt>
+          <cx:pt idx="413">0.0234375</cx:pt>
+          <cx:pt idx="414">0.01953125</cx:pt>
+          <cx:pt idx="415">0.015625</cx:pt>
+          <cx:pt idx="416">0.021484375</cx:pt>
+          <cx:pt idx="417">0.01953125</cx:pt>
+          <cx:pt idx="418">0.01953125</cx:pt>
+          <cx:pt idx="419">0.017578125</cx:pt>
+          <cx:pt idx="420">0.6796875</cx:pt>
+          <cx:pt idx="421">0.0234375</cx:pt>
+          <cx:pt idx="422">0.02734375</cx:pt>
+          <cx:pt idx="423">1.673828125</cx:pt>
+          <cx:pt idx="424">0.0078125</cx:pt>
+          <cx:pt idx="425">0.0234375</cx:pt>
+          <cx:pt idx="426">0.009765625</cx:pt>
+          <cx:pt idx="427">0.01953125</cx:pt>
+          <cx:pt idx="428">0.0234375</cx:pt>
+          <cx:pt idx="429">0.017578125</cx:pt>
+          <cx:pt idx="430">0.017578125</cx:pt>
+          <cx:pt idx="431">0.01953125</cx:pt>
+          <cx:pt idx="432">0.013671875</cx:pt>
+          <cx:pt idx="433">0.015625</cx:pt>
+          <cx:pt idx="434">0.013671875</cx:pt>
+          <cx:pt idx="435">0.015625</cx:pt>
+          <cx:pt idx="436">0.013671875</cx:pt>
+          <cx:pt idx="437">0.009765625</cx:pt>
+          <cx:pt idx="438">0.01953125</cx:pt>
+          <cx:pt idx="439">0.015625</cx:pt>
+          <cx:pt idx="440">0.015625</cx:pt>
+          <cx:pt idx="441">0.015625</cx:pt>
+          <cx:pt idx="442">0.017578125</cx:pt>
+          <cx:pt idx="443">0.01953125</cx:pt>
+          <cx:pt idx="444">0.013671875</cx:pt>
+          <cx:pt idx="445">0.021484375</cx:pt>
+          <cx:pt idx="446">0.73046875</cx:pt>
+          <cx:pt idx="447">0.017578125</cx:pt>
+          <cx:pt idx="448">0.017578125</cx:pt>
+          <cx:pt idx="449">0.015625</cx:pt>
+          <cx:pt idx="450">0.0234375</cx:pt>
+          <cx:pt idx="451">0.017578125</cx:pt>
+          <cx:pt idx="452">0.021484375</cx:pt>
+          <cx:pt idx="453">0.01171875</cx:pt>
+          <cx:pt idx="454">0.01953125</cx:pt>
+          <cx:pt idx="455">0.27734375</cx:pt>
+          <cx:pt idx="456">0.0234375</cx:pt>
+          <cx:pt idx="457">0.025390625</cx:pt>
+          <cx:pt idx="458">0.017578125</cx:pt>
+          <cx:pt idx="459">0.0234375</cx:pt>
+          <cx:pt idx="460">0.015625</cx:pt>
+          <cx:pt idx="461">0.0234375</cx:pt>
+          <cx:pt idx="462">0.01171875</cx:pt>
+          <cx:pt idx="463">0.017578125</cx:pt>
+          <cx:pt idx="464">0.015625</cx:pt>
+          <cx:pt idx="465">0.01953125</cx:pt>
+          <cx:pt idx="466">0.017578125</cx:pt>
+          <cx:pt idx="467">0.0234375</cx:pt>
+          <cx:pt idx="468">0.01171875</cx:pt>
+          <cx:pt idx="469">0.015625</cx:pt>
+          <cx:pt idx="470">0.01171875</cx:pt>
+          <cx:pt idx="471">0.013671875</cx:pt>
+          <cx:pt idx="472">0.021484375</cx:pt>
+          <cx:pt idx="473">0.017578125</cx:pt>
+          <cx:pt idx="474">0.009765625</cx:pt>
+          <cx:pt idx="475">0.021484375</cx:pt>
+          <cx:pt idx="476">0.02734375</cx:pt>
+          <cx:pt idx="477">0.017578125</cx:pt>
+          <cx:pt idx="478">0.013671875</cx:pt>
+          <cx:pt idx="479">0.015625</cx:pt>
+          <cx:pt idx="480">0.171875</cx:pt>
+          <cx:pt idx="481">0.0234375</cx:pt>
+          <cx:pt idx="482">0.029296875</cx:pt>
+          <cx:pt idx="483">0.025390625</cx:pt>
+          <cx:pt idx="484">0.01171875</cx:pt>
+          <cx:pt idx="485">0.025390625</cx:pt>
+          <cx:pt idx="486">0.013671875</cx:pt>
+          <cx:pt idx="487">0.009765625</cx:pt>
+          <cx:pt idx="488">0.017578125</cx:pt>
+          <cx:pt idx="489">0.021484375</cx:pt>
+          <cx:pt idx="490">0.017578125</cx:pt>
+          <cx:pt idx="491">0.017578125</cx:pt>
+          <cx:pt idx="492">0.021484375</cx:pt>
+          <cx:pt idx="493">0.01953125</cx:pt>
+          <cx:pt idx="494">0.017578125</cx:pt>
+          <cx:pt idx="495">0.013671875</cx:pt>
+          <cx:pt idx="496">0.009765625</cx:pt>
+          <cx:pt idx="497">0.03515625</cx:pt>
+          <cx:pt idx="498">0.013671875</cx:pt>
+          <cx:pt idx="499">0.0234375</cx:pt>
+          <cx:pt idx="500">0.001953125</cx:pt>
+          <cx:pt idx="501">2.7999999999999999e-17</cx:pt>
+          <cx:pt idx="502">2.2400000000000001e-17</cx:pt>
+          <cx:pt idx="503">0.001953125</cx:pt>
+          <cx:pt idx="504">-1.1e-16</cx:pt>
+          <cx:pt idx="505">0.001953125</cx:pt>
+          <cx:pt idx="506">-5.2999999999999997e-19</cx:pt>
+          <cx:pt idx="507">-2.5899999999999999e-17</cx:pt>
+          <cx:pt idx="508">-1.6999999999999999e-17</cx:pt>
+          <cx:pt idx="509">-2.0999999999999999e-17</cx:pt>
+          <cx:pt idx="510">-1.0200000000000001e-16</cx:pt>
+          <cx:pt idx="511">6.39e-17</cx:pt>
+          <cx:pt idx="512">-1.4599999999999999e-17</cx:pt>
+          <cx:pt idx="513">-5.2000000000000001e-17</cx:pt>
+          <cx:pt idx="514">1.060546875</cx:pt>
+          <cx:pt idx="515">3.8399999999999999e-17</cx:pt>
+          <cx:pt idx="516">2.9000000000000003e-17</cx:pt>
+          <cx:pt idx="517">6.6e-17</cx:pt>
+          <cx:pt idx="518">1.4800000000000001e-17</cx:pt>
+          <cx:pt idx="519">0.001953125</cx:pt>
+          <cx:pt idx="520">0.001953125</cx:pt>
+          <cx:pt idx="521">0.001953125</cx:pt>
+          <cx:pt idx="522">-6.2500000000000005e-17</cx:pt>
+          <cx:pt idx="523">3.2900000000000002e-17</cx:pt>
+          <cx:pt idx="524">3.9100000000000003e-17</cx:pt>
+          <cx:pt idx="525">1.53e-17</cx:pt>
+          <cx:pt idx="526">4.7299999999999999e-17</cx:pt>
+          <cx:pt idx="527">-8.5600000000000001e-17</cx:pt>
+          <cx:pt idx="528">-3.8199999999999997e-17</cx:pt>
+          <cx:pt idx="529">4.8400000000000001e-17</cx:pt>
+          <cx:pt idx="530">0.001953125</cx:pt>
+          <cx:pt idx="531">1.3800000000000001e-17</cx:pt>
+          <cx:pt idx="532">0.001953125</cx:pt>
+          <cx:pt idx="533">0.001953125</cx:pt>
+          <cx:pt idx="534">-5.0800000000000001e-17</cx:pt>
+          <cx:pt idx="535">0.001953125</cx:pt>
+          <cx:pt idx="536">0.001953125</cx:pt>
+          <cx:pt idx="537">0.90625</cx:pt>
+          <cx:pt idx="538">7.7000000000000004e-19</cx:pt>
+          <cx:pt idx="539">6.2500000000000005e-17</cx:pt>
+          <cx:pt idx="540">0.849609375</cx:pt>
+          <cx:pt idx="541">-2.63e-17</cx:pt>
+          <cx:pt idx="542">0.001953125</cx:pt>
+          <cx:pt idx="543">1.9375</cx:pt>
+          <cx:pt idx="544">4.49e-17</cx:pt>
+          <cx:pt idx="545">4.46e-17</cx:pt>
+          <cx:pt idx="546">-3.5199999999999998e-17</cx:pt>
+          <cx:pt idx="547">1.3900000000000002e-17</cx:pt>
+          <cx:pt idx="548">3.0699999999999998e-17</cx:pt>
+          <cx:pt idx="549">-5.8499999999999997e-18</cx:pt>
+          <cx:pt idx="550">0.001953125</cx:pt>
+          <cx:pt idx="551">-3.6699999999999997e-17</cx:pt>
+          <cx:pt idx="552">1.65e-17</cx:pt>
+          <cx:pt idx="553">-1.24e-17</cx:pt>
+          <cx:pt idx="554">-6.2499999999999999e-18</cx:pt>
+          <cx:pt idx="555">6.8800000000000004e-17</cx:pt>
+          <cx:pt idx="556">0.001953125</cx:pt>
+          <cx:pt idx="557">0.001953125</cx:pt>
+          <cx:pt idx="558">0.001953125</cx:pt>
+          <cx:pt idx="559">-3.0000000000000001e-17</cx:pt>
+          <cx:pt idx="560">0.001953125</cx:pt>
+          <cx:pt idx="561">4.1500000000000003e-17</cx:pt>
+          <cx:pt idx="562">0.00390625</cx:pt>
+          <cx:pt idx="563">0.001953125</cx:pt>
+          <cx:pt idx="564">6.2700000000000001e-17</cx:pt>
+          <cx:pt idx="565">1.08e-17</cx:pt>
+          <cx:pt idx="566">-4.3799999999999998e-17</cx:pt>
+          <cx:pt idx="567">0.001953125</cx:pt>
+          <cx:pt idx="568">6.3200000000000003e-18</cx:pt>
+          <cx:pt idx="569">0.001953125</cx:pt>
+          <cx:pt idx="570">0.001953125</cx:pt>
+          <cx:pt idx="571">0.00390625</cx:pt>
+          <cx:pt idx="572">0.001953125</cx:pt>
+          <cx:pt idx="573">0.001953125</cx:pt>
+          <cx:pt idx="574">2.7800000000000003e-17</cx:pt>
+          <cx:pt idx="575">0.001953125</cx:pt>
+          <cx:pt idx="576">-1.02e-17</cx:pt>
+          <cx:pt idx="577">0.001953125</cx:pt>
+          <cx:pt idx="578">-4.0799999999999999e-18</cx:pt>
+          <cx:pt idx="579">2.11e-17</cx:pt>
+          <cx:pt idx="580">9.2099999999999995e-17</cx:pt>
+          <cx:pt idx="581">1.31e-18</cx:pt>
+          <cx:pt idx="582">0.001953125</cx:pt>
+          <cx:pt idx="583">0.001953125</cx:pt>
+          <cx:pt idx="584">-2.6700000000000001e-17</cx:pt>
+          <cx:pt idx="585">0.001953125</cx:pt>
+          <cx:pt idx="586">-6.2800000000000005e-17</cx:pt>
+          <cx:pt idx="587">0.001953125</cx:pt>
+          <cx:pt idx="588">0.001953125</cx:pt>
+          <cx:pt idx="589">0.015625</cx:pt>
+          <cx:pt idx="590">-1.7899999999999999e-17</cx:pt>
+          <cx:pt idx="591">2.4899999999999998e-17</cx:pt>
+          <cx:pt idx="592">6.9499999999999995e-17</cx:pt>
+          <cx:pt idx="593">-2.8700000000000003e-17</cx:pt>
+          <cx:pt idx="594">2.7000000000000001e-17</cx:pt>
+          <cx:pt idx="595">0.001953125</cx:pt>
+          <cx:pt idx="596">1.048828125</cx:pt>
+          <cx:pt idx="597">0.427734375</cx:pt>
+          <cx:pt idx="598">4.7500000000000001e-18</cx:pt>
+          <cx:pt idx="599">-3.8199999999999997e-17</cx:pt>
+          <cx:pt idx="600">2.486328125</cx:pt>
+          <cx:pt idx="601">0.00390625</cx:pt>
+          <cx:pt idx="602">0.0078125</cx:pt>
+          <cx:pt idx="603">0.001953125</cx:pt>
+          <cx:pt idx="604">0.00390625</cx:pt>
+          <cx:pt idx="605">0.001953125</cx:pt>
+          <cx:pt idx="606">0.00390625</cx:pt>
+          <cx:pt idx="607">0.01171875</cx:pt>
+          <cx:pt idx="608">0.00390625</cx:pt>
+          <cx:pt idx="609">0.00390625</cx:pt>
+          <cx:pt idx="610">0.005859375</cx:pt>
+          <cx:pt idx="611">0.001953125</cx:pt>
+          <cx:pt idx="612">0.095703125</cx:pt>
+          <cx:pt idx="613">0.001953125</cx:pt>
+          <cx:pt idx="614">0.001953125</cx:pt>
+          <cx:pt idx="615">2.544921875</cx:pt>
+          <cx:pt idx="616">2.474609375</cx:pt>
+          <cx:pt idx="617">2.20703125</cx:pt>
+          <cx:pt idx="618">0.005859375</cx:pt>
+          <cx:pt idx="619">0.11328125</cx:pt>
+          <cx:pt idx="620">0.033203125</cx:pt>
+          <cx:pt idx="621">8.4200000000000005e-17</cx:pt>
+          <cx:pt idx="622">0.001953125</cx:pt>
+          <cx:pt idx="623">0.0078125</cx:pt>
+          <cx:pt idx="624">0.005859375</cx:pt>
+          <cx:pt idx="625">2.4200000000000001e-17</cx:pt>
+          <cx:pt idx="626">0.001953125</cx:pt>
+          <cx:pt idx="627">3.009765625</cx:pt>
+          <cx:pt idx="628">0.005859375</cx:pt>
+          <cx:pt idx="629">0.00390625</cx:pt>
+          <cx:pt idx="630">0.001953125</cx:pt>
+          <cx:pt idx="631">0.001953125</cx:pt>
+          <cx:pt idx="632">0.001953125</cx:pt>
+          <cx:pt idx="633">0.00390625</cx:pt>
+          <cx:pt idx="634">0.00390625</cx:pt>
+          <cx:pt idx="635">0.009765625</cx:pt>
+          <cx:pt idx="636">0.00390625</cx:pt>
+          <cx:pt idx="637">0.00390625</cx:pt>
+          <cx:pt idx="638">0.00390625</cx:pt>
+          <cx:pt idx="639">2.318359375</cx:pt>
+          <cx:pt idx="640">0.001953125</cx:pt>
+          <cx:pt idx="641">1.322265625</cx:pt>
+          <cx:pt idx="642">0.0234375</cx:pt>
+          <cx:pt idx="643">-4.3600000000000002e-17</cx:pt>
+          <cx:pt idx="644">0.001953125</cx:pt>
+          <cx:pt idx="645">-8.3000000000000005e-18</cx:pt>
+          <cx:pt idx="646">0.00390625</cx:pt>
+          <cx:pt idx="647">0.00390625</cx:pt>
+          <cx:pt idx="648">0.001953125</cx:pt>
+          <cx:pt idx="649">2.33984375</cx:pt>
+          <cx:pt idx="650">0.00390625</cx:pt>
+          <cx:pt idx="651">0.001953125</cx:pt>
+          <cx:pt idx="652">7.7500000000000002e-17</cx:pt>
+          <cx:pt idx="653">0.001953125</cx:pt>
+          <cx:pt idx="654">0.00390625</cx:pt>
+          <cx:pt idx="655">0.001953125</cx:pt>
+          <cx:pt idx="656">-2.53e-18</cx:pt>
+          <cx:pt idx="657">0.001953125</cx:pt>
+          <cx:pt idx="658">0.001953125</cx:pt>
+          <cx:pt idx="659">0.11328125</cx:pt>
+          <cx:pt idx="660">3.640625</cx:pt>
+          <cx:pt idx="661">0.001953125</cx:pt>
+          <cx:pt idx="662">0.005859375</cx:pt>
+          <cx:pt idx="663">0.001953125</cx:pt>
+          <cx:pt idx="664">0.00390625</cx:pt>
+          <cx:pt idx="665">-1.1e-16</cx:pt>
+          <cx:pt idx="666">0.001953125</cx:pt>
+          <cx:pt idx="667">0.001953125</cx:pt>
+          <cx:pt idx="668">0.001953125</cx:pt>
+          <cx:pt idx="669">0.001953125</cx:pt>
+          <cx:pt idx="670">1.8100000000000001e-16</cx:pt>
+          <cx:pt idx="671">0.068359375</cx:pt>
+          <cx:pt idx="672">0.00390625</cx:pt>
+          <cx:pt idx="673">0.001953125</cx:pt>
+          <cx:pt idx="674">0.001953125</cx:pt>
+          <cx:pt idx="675">0.001953125</cx:pt>
+          <cx:pt idx="676">0.001953125</cx:pt>
+          <cx:pt idx="677">0.00390625</cx:pt>
+          <cx:pt idx="678">0.00390625</cx:pt>
+          <cx:pt idx="679">0.072265625</cx:pt>
+          <cx:pt idx="680">0.001953125</cx:pt>
+          <cx:pt idx="681">0.005859375</cx:pt>
+          <cx:pt idx="682">-4.7e-17</cx:pt>
+          <cx:pt idx="683">0.001953125</cx:pt>
+          <cx:pt idx="684">0.00390625</cx:pt>
+          <cx:pt idx="685">0.00390625</cx:pt>
+          <cx:pt idx="686">0.00390625</cx:pt>
+          <cx:pt idx="687">0.00390625</cx:pt>
+          <cx:pt idx="688">0.001953125</cx:pt>
+          <cx:pt idx="689">0.001953125</cx:pt>
+          <cx:pt idx="690">0.001953125</cx:pt>
+          <cx:pt idx="691">3.7109375</cx:pt>
+          <cx:pt idx="692">0.005859375</cx:pt>
+          <cx:pt idx="693">0.021484375</cx:pt>
+          <cx:pt idx="694">0.001953125</cx:pt>
+          <cx:pt idx="695">0.001953125</cx:pt>
+          <cx:pt idx="696">0.00390625</cx:pt>
+          <cx:pt idx="697">0.005859375</cx:pt>
+          <cx:pt idx="698">0.005859375</cx:pt>
+          <cx:pt idx="699">3.861328125</cx:pt>
+          <cx:pt idx="700">0.251953125</cx:pt>
+          <cx:pt idx="701">0.298828125</cx:pt>
+          <cx:pt idx="702">0.5859375</cx:pt>
+          <cx:pt idx="703">0.208984375</cx:pt>
+          <cx:pt idx="704">1.435546875</cx:pt>
+          <cx:pt idx="705">0.19140625</cx:pt>
+          <cx:pt idx="706">0.255859375</cx:pt>
+          <cx:pt idx="707">0.759765625</cx:pt>
+          <cx:pt idx="708">0.21875</cx:pt>
+          <cx:pt idx="709">0.2578125</cx:pt>
+          <cx:pt idx="710">0.2265625</cx:pt>
+          <cx:pt idx="711">0.232421875</cx:pt>
+          <cx:pt idx="712">1.08984375</cx:pt>
+          <cx:pt idx="713">0.21875</cx:pt>
+          <cx:pt idx="714">0.2734375</cx:pt>
+          <cx:pt idx="715">0.2109375</cx:pt>
+          <cx:pt idx="716">0.271484375</cx:pt>
+          <cx:pt idx="717">0.552734375</cx:pt>
+          <cx:pt idx="718">0.2421875</cx:pt>
+          <cx:pt idx="719">0.2109375</cx:pt>
+          <cx:pt idx="720">0.220703125</cx:pt>
+          <cx:pt idx="721">0.826171875</cx:pt>
+          <cx:pt idx="722">0.650390625</cx:pt>
+          <cx:pt idx="723">1.30078125</cx:pt>
+          <cx:pt idx="724">1.1484375</cx:pt>
+          <cx:pt idx="725">0.251953125</cx:pt>
+          <cx:pt idx="726">0.236328125</cx:pt>
+          <cx:pt idx="727">0.26171875</cx:pt>
+          <cx:pt idx="728">0.306640625</cx:pt>
+          <cx:pt idx="729">0.1875</cx:pt>
+          <cx:pt idx="730">1.509765625</cx:pt>
+          <cx:pt idx="731">0.177734375</cx:pt>
+          <cx:pt idx="732">0.2109375</cx:pt>
+          <cx:pt idx="733">0.50390625</cx:pt>
+          <cx:pt idx="734">0.23828125</cx:pt>
+          <cx:pt idx="735">0.169921875</cx:pt>
+          <cx:pt idx="736">0.166015625</cx:pt>
+          <cx:pt idx="737">0.154296875</cx:pt>
+          <cx:pt idx="738">0.171875</cx:pt>
+          <cx:pt idx="739">0.306640625</cx:pt>
+          <cx:pt idx="740">0.173828125</cx:pt>
+          <cx:pt idx="741">0.162109375</cx:pt>
+          <cx:pt idx="742">0.16796875</cx:pt>
+          <cx:pt idx="743">0.248046875</cx:pt>
+          <cx:pt idx="744">0.158203125</cx:pt>
+          <cx:pt idx="745">0.234375</cx:pt>
+          <cx:pt idx="746">0.158203125</cx:pt>
+          <cx:pt idx="747">0.142578125</cx:pt>
+          <cx:pt idx="748">0.18359375</cx:pt>
+          <cx:pt idx="749">0.12890625</cx:pt>
+          <cx:pt idx="750">0.154296875</cx:pt>
+          <cx:pt idx="751">0.185546875</cx:pt>
+          <cx:pt idx="752">1.171875</cx:pt>
+          <cx:pt idx="753">0.181640625</cx:pt>
+          <cx:pt idx="754">0.18359375</cx:pt>
+          <cx:pt idx="755">0.9765625</cx:pt>
+          <cx:pt idx="756">0.232421875</cx:pt>
+          <cx:pt idx="757">0.216796875</cx:pt>
+          <cx:pt idx="758">0.267578125</cx:pt>
+          <cx:pt idx="759">1.880859375</cx:pt>
+          <cx:pt idx="760">0.216796875</cx:pt>
+          <cx:pt idx="761">0.357421875</cx:pt>
+          <cx:pt idx="762">0.19921875</cx:pt>
+          <cx:pt idx="763">0.330078125</cx:pt>
+          <cx:pt idx="764">1.23828125</cx:pt>
+          <cx:pt idx="765">0.224609375</cx:pt>
+          <cx:pt idx="766">0.41796875</cx:pt>
+          <cx:pt idx="767">0.99609375</cx:pt>
+          <cx:pt idx="768">1.66796875</cx:pt>
+          <cx:pt idx="769">0.2265625</cx:pt>
+          <cx:pt idx="770">0.203125</cx:pt>
+          <cx:pt idx="771">1.509765625</cx:pt>
+          <cx:pt idx="772">0.1953125</cx:pt>
+          <cx:pt idx="773">0.189453125</cx:pt>
+          <cx:pt idx="774">0.15234375</cx:pt>
+          <cx:pt idx="775">0.140625</cx:pt>
+          <cx:pt idx="776">0.16015625</cx:pt>
+          <cx:pt idx="777">0.162109375</cx:pt>
+          <cx:pt idx="778">0.689453125</cx:pt>
+          <cx:pt idx="779">0.1484375</cx:pt>
+          <cx:pt idx="780">0.166015625</cx:pt>
+          <cx:pt idx="781">0.16015625</cx:pt>
+          <cx:pt idx="782">0.177734375</cx:pt>
+          <cx:pt idx="783">0.142578125</cx:pt>
+          <cx:pt idx="784">0.14453125</cx:pt>
+          <cx:pt idx="785">0.154296875</cx:pt>
+          <cx:pt idx="786">0.146484375</cx:pt>
+          <cx:pt idx="787">0.119140625</cx:pt>
+          <cx:pt idx="788">0.15625</cx:pt>
+          <cx:pt idx="789">0.2578125</cx:pt>
+          <cx:pt idx="790">1.248046875</cx:pt>
+          <cx:pt idx="791">0.65625</cx:pt>
+          <cx:pt idx="792">0.203125</cx:pt>
+          <cx:pt idx="793">1.341796875</cx:pt>
+          <cx:pt idx="794">0.64453125</cx:pt>
+          <cx:pt idx="795">0.15625</cx:pt>
+          <cx:pt idx="796">0.15234375</cx:pt>
+          <cx:pt idx="797">2.716796875</cx:pt>
+          <cx:pt idx="798">0.1875</cx:pt>
+          <cx:pt idx="799">1.07421875</cx:pt>
+        </cx:lvl>
+      </cx:numDim>
+    </cx:data>
+  </cx:chartData>
+  <cx:chart>
+    <cx:title pos="t" align="ctr" overlay="0">
+      <cx:tx>
+        <cx:rich>
+          <a:bodyPr spcFirstLastPara="1" vertOverflow="ellipsis" horzOverflow="overflow" wrap="square" lIns="0" tIns="0" rIns="0" bIns="0" anchor="ctr" anchorCtr="1"/>
+          <a:lstStyle/>
+          <a:p>
+            <a:pPr algn="ctr" rtl="0">
+              <a:defRPr/>
+            </a:pPr>
+            <a:r>
+              <a:rPr lang="en-US" sz="1400" b="0" i="0" u="none" strike="noStrike" baseline="0" dirty="0">
+                <a:solidFill>
+                  <a:prstClr val="black">
+                    <a:lumMod val="65000"/>
+                    <a:lumOff val="35000"/>
+                  </a:prstClr>
+                </a:solidFill>
+                <a:latin typeface="Calibri" panose="020F0502020204030204"/>
+              </a:rPr>
+              <a:t>Real: all images</a:t>
+            </a:r>
+          </a:p>
+        </cx:rich>
+      </cx:tx>
+    </cx:title>
+    <cx:plotArea>
+      <cx:plotAreaRegion>
+        <cx:series layoutId="clusteredColumn" uniqueId="{F5EA36B0-1C2E-4EED-A1B6-ABBB2C870A26}">
+          <cx:tx>
+            <cx:txData>
+              <cx:f>extracted_features!$F$1</cx:f>
+              <cx:v>mean_fourier_freq_real</cx:v>
+            </cx:txData>
+          </cx:tx>
+          <cx:dataId val="0"/>
+          <cx:layoutPr>
+            <cx:binning intervalClosed="r"/>
+          </cx:layoutPr>
+        </cx:series>
+      </cx:plotAreaRegion>
+      <cx:axis id="0">
+        <cx:catScaling gapWidth="0"/>
+        <cx:tickLabels/>
+      </cx:axis>
+      <cx:axis id="1">
+        <cx:valScaling/>
+        <cx:majorGridlines/>
+        <cx:tickLabels/>
+      </cx:axis>
+    </cx:plotArea>
+  </cx:chart>
+</cx:chartSpace>
+</file>
+
+<file path=ppt/charts/chartEx2.xml><?xml version="1.0" encoding="utf-8"?>
+<cx:chartSpace xmlns:a="http://schemas.openxmlformats.org/drawingml/2006/main" xmlns:r="http://schemas.openxmlformats.org/officeDocument/2006/relationships" xmlns:cx="http://schemas.microsoft.com/office/drawing/2014/chartex">
+  <cx:chartData>
+    <cx:externalData r:id="rId1" cx:autoUpdate="0"/>
+    <cx:data id="0">
+      <cx:numDim type="val">
+        <cx:f>extracted_features!$G$2:$G$801</cx:f>
+        <cx:lvl ptCount="800" formatCode="0.00E+00">
+          <cx:pt idx="0">-2.1299999999999999e-17</cx:pt>
+          <cx:pt idx="1">-3.7100000000000001e-17</cx:pt>
+          <cx:pt idx="2">-9.8999999999999994e-17</cx:pt>
+          <cx:pt idx="3">3.0500000000000003e-17</cx:pt>
+          <cx:pt idx="4">5.4499999999999998e-17</cx:pt>
+          <cx:pt idx="5">2.02e-17</cx:pt>
+          <cx:pt idx="6">8.7199999999999998e-18</cx:pt>
+          <cx:pt idx="7">3.8600000000000001e-17</cx:pt>
+          <cx:pt idx="8">-2.9799999999999999e-17</cx:pt>
+          <cx:pt idx="9">2.32e-18</cx:pt>
+          <cx:pt idx="10">-7.0399999999999995e-18</cx:pt>
+          <cx:pt idx="11">-6.5100000000000004e-19</cx:pt>
+          <cx:pt idx="12">1.77e-17</cx:pt>
+          <cx:pt idx="13">-2.8899999999999999e-17</cx:pt>
+          <cx:pt idx="14">1.5199999999999999e-17</cx:pt>
+          <cx:pt idx="15">2.8599999999999999e-17</cx:pt>
+          <cx:pt idx="16">-1.71e-17</cx:pt>
+          <cx:pt idx="17">9.84e-18</cx:pt>
+          <cx:pt idx="18">-2.6500000000000002e-18</cx:pt>
+          <cx:pt idx="19">-1.96e-17</cx:pt>
+          <cx:pt idx="20">1.13e-17</cx:pt>
+          <cx:pt idx="21">-1.95e-18</cx:pt>
+          <cx:pt idx="22">3.9199999999999999e-18</cx:pt>
+          <cx:pt idx="23">-4.4200000000000004e-18</cx:pt>
+          <cx:pt idx="24">-2.7200000000000002e-18</cx:pt>
+          <cx:pt idx="25">2.0000000000000001e-17</cx:pt>
+          <cx:pt idx="26">-3.33e-17</cx:pt>
+          <cx:pt idx="27">2.8400000000000003e-17</cx:pt>
+          <cx:pt idx="28">-3.36e-17</cx:pt>
+          <cx:pt idx="29">3.06e-17</cx:pt>
+          <cx:pt idx="30">-1.4500000000000001e-17</cx:pt>
+          <cx:pt idx="31">-3.36e-17</cx:pt>
+          <cx:pt idx="32">2.0700000000000002e-18</cx:pt>
+          <cx:pt idx="33">-1.08e-18</cx:pt>
+          <cx:pt idx="34">2.3999999999999999e-17</cx:pt>
+          <cx:pt idx="35">3.6299999999999999e-18</cx:pt>
+          <cx:pt idx="36">2.7900000000000001e-17</cx:pt>
+          <cx:pt idx="37">2.1899999999999999e-17</cx:pt>
+          <cx:pt idx="38">-2.23e-17</cx:pt>
+          <cx:pt idx="39">-3.09e-17</cx:pt>
+          <cx:pt idx="40">1.4999999999999999e-18</cx:pt>
+          <cx:pt idx="41">-1.18e-17</cx:pt>
+          <cx:pt idx="42">3.1700000000000001e-18</cx:pt>
+          <cx:pt idx="43">1.6300000000000001e-17</cx:pt>
+          <cx:pt idx="44">9.1899999999999996e-18</cx:pt>
+          <cx:pt idx="45">-9.6500000000000003e-18</cx:pt>
+          <cx:pt idx="46">-1.4500000000000001e-17</cx:pt>
+          <cx:pt idx="47">1.22e-17</cx:pt>
+          <cx:pt idx="48">-1.6600000000000001e-17</cx:pt>
+          <cx:pt idx="49">2.0900000000000001e-17</cx:pt>
+          <cx:pt idx="50">-3.1899999999999998e-17</cx:pt>
+          <cx:pt idx="51">-6.1000000000000005e-17</cx:pt>
+          <cx:pt idx="52">2.3999999999999999e-17</cx:pt>
+          <cx:pt idx="53">2.8299999999999999e-17</cx:pt>
+          <cx:pt idx="54">-3.4899999999999998e-17</cx:pt>
+          <cx:pt idx="55">1.3500000000000001e-17</cx:pt>
+          <cx:pt idx="56">2.6700000000000001e-17</cx:pt>
+          <cx:pt idx="57">2.8599999999999999e-17</cx:pt>
+          <cx:pt idx="58">-1.86e-17</cx:pt>
+          <cx:pt idx="59">-1.4599999999999999e-18</cx:pt>
+          <cx:pt idx="60">1.6799999999999999e-18</cx:pt>
+          <cx:pt idx="61">-2.08e-17</cx:pt>
+          <cx:pt idx="62">-3.48e-17</cx:pt>
+          <cx:pt idx="63">3.5800000000000002e-18</cx:pt>
+          <cx:pt idx="64">1.31e-17</cx:pt>
+          <cx:pt idx="65">-1.13e-18</cx:pt>
+          <cx:pt idx="66">-5.6999999999999995e-19</cx:pt>
+          <cx:pt idx="67">-2.7399999999999999e-17</cx:pt>
+          <cx:pt idx="68">1.56e-17</cx:pt>
+          <cx:pt idx="69">6.09e-18</cx:pt>
+          <cx:pt idx="70">1.1999999999999999e-17</cx:pt>
+          <cx:pt idx="71">-8.7100000000000006e-18</cx:pt>
+          <cx:pt idx="72">5.1100000000000001e-17</cx:pt>
+          <cx:pt idx="73">9.3900000000000001e-18</cx:pt>
+          <cx:pt idx="74">5.65e-18</cx:pt>
+          <cx:pt idx="75">-2.7699999999999999e-17</cx:pt>
+          <cx:pt idx="76">2.4899999999999998e-18</cx:pt>
+          <cx:pt idx="77">-1.1e-17</cx:pt>
+          <cx:pt idx="78">-1.0300000000000001e-17</cx:pt>
+          <cx:pt idx="79">-2.5800000000000001e-17</cx:pt>
+          <cx:pt idx="80">1.3900000000000002e-17</cx:pt>
+          <cx:pt idx="81">1.7899999999999999e-17</cx:pt>
+          <cx:pt idx="82">-2.5200000000000001e-18</cx:pt>
+          <cx:pt idx="83">-8.2399999999999993e-18</cx:pt>
+          <cx:pt idx="84">-3.4899999999999998e-17</cx:pt>
+          <cx:pt idx="85">2.6799999999999999e-17</cx:pt>
+          <cx:pt idx="86">-5.35e-18</cx:pt>
+          <cx:pt idx="87">-1.6099999999999999e-17</cx:pt>
+          <cx:pt idx="88">-2.2400000000000001e-17</cx:pt>
+          <cx:pt idx="89">-1.8799999999999999e-17</cx:pt>
+          <cx:pt idx="90">-1.5e-17</cx:pt>
+          <cx:pt idx="91">4.06e-18</cx:pt>
+          <cx:pt idx="92">2.47e-17</cx:pt>
+          <cx:pt idx="93">-3.4400000000000002e-17</cx:pt>
+          <cx:pt idx="94">3.54e-17</cx:pt>
+          <cx:pt idx="95">-1.6000000000000001e-17</cx:pt>
+          <cx:pt idx="96">-2.6400000000000001e-17</cx:pt>
+          <cx:pt idx="97">4.1600000000000002e-18</cx:pt>
+          <cx:pt idx="98">-2.3399999999999999e-17</cx:pt>
+          <cx:pt idx="99">3.0000000000000001e-17</cx:pt>
+          <cx:pt idx="100">1.9e-19</cx:pt>
+          <cx:pt idx="101">-2.3399999999999999e-17</cx:pt>
+          <cx:pt idx="102">-1.6699999999999999e-17</cx:pt>
+          <cx:pt idx="103">-7.9800000000000007e-18</cx:pt>
+          <cx:pt idx="104">-1.8000000000000001e-18</cx:pt>
+          <cx:pt idx="105">-1.62e-17</cx:pt>
+          <cx:pt idx="106">-3.9899999999999999e-17</cx:pt>
+          <cx:pt idx="107">1.19e-17</cx:pt>
+          <cx:pt idx="108">3.6399999999999997e-17</cx:pt>
+          <cx:pt idx="109">-8.8100000000000001e-18</cx:pt>
+          <cx:pt idx="110">1.6600000000000001e-17</cx:pt>
+          <cx:pt idx="111">-4.34e-17</cx:pt>
+          <cx:pt idx="112">1.13e-17</cx:pt>
+          <cx:pt idx="113">-1.1699999999999999e-17</cx:pt>
+          <cx:pt idx="114">-1.83e-17</cx:pt>
+          <cx:pt idx="115">3.3e-17</cx:pt>
+          <cx:pt idx="116">1.16e-17</cx:pt>
+          <cx:pt idx="117">1.3999999999999999e-17</cx:pt>
+          <cx:pt idx="118">9.4699999999999997e-18</cx:pt>
+          <cx:pt idx="119">4.1399999999999998e-17</cx:pt>
+          <cx:pt idx="120">-2.7699999999999999e-17</cx:pt>
+          <cx:pt idx="121">1.9399999999999998e-17</cx:pt>
+          <cx:pt idx="122">-2.3099999999999999e-17</cx:pt>
+          <cx:pt idx="123">-3.5900000000000002e-17</cx:pt>
+          <cx:pt idx="124">-3.1299999999999999e-18</cx:pt>
+          <cx:pt idx="125">5.6899999999999998e-18</cx:pt>
+          <cx:pt idx="126">-2.3399999999999999e-17</cx:pt>
+          <cx:pt idx="127">-2.25e-18</cx:pt>
+          <cx:pt idx="128">2.4300000000000002e-18</cx:pt>
+          <cx:pt idx="129">-5.8399999999999997e-17</cx:pt>
+          <cx:pt idx="130">9.5499999999999993e-19</cx:pt>
+          <cx:pt idx="131">-4.0100000000000001e-17</cx:pt>
+          <cx:pt idx="132">-1.44e-17</cx:pt>
+          <cx:pt idx="133">2.26e-17</cx:pt>
+          <cx:pt idx="134">-2.7000000000000001e-17</cx:pt>
+          <cx:pt idx="135">-4.64e-17</cx:pt>
+          <cx:pt idx="136">4.4699999999999998e-17</cx:pt>
+          <cx:pt idx="137">1.8199999999999999e-17</cx:pt>
+          <cx:pt idx="138">-1.18e-17</cx:pt>
+          <cx:pt idx="139">1.3500000000000001e-17</cx:pt>
+          <cx:pt idx="140">2.3600000000000001e-17</cx:pt>
+          <cx:pt idx="141">-4.5900000000000002e-18</cx:pt>
+          <cx:pt idx="142">4.8400000000000001e-17</cx:pt>
+          <cx:pt idx="143">-4.8799999999999999e-17</cx:pt>
+          <cx:pt idx="144">-2.8100000000000003e-17</cx:pt>
+          <cx:pt idx="145">-2.7399999999999999e-17</cx:pt>
+          <cx:pt idx="146">-1.9499999999999999e-17</cx:pt>
+          <cx:pt idx="147">-4.6499999999999998e-17</cx:pt>
+          <cx:pt idx="148">1.6900000000000001e-17</cx:pt>
+          <cx:pt idx="149">2.7800000000000003e-17</cx:pt>
+          <cx:pt idx="150">-1.62e-17</cx:pt>
+          <cx:pt idx="151">3.6899999999999999e-17</cx:pt>
+          <cx:pt idx="152">-1.28e-17</cx:pt>
+          <cx:pt idx="153">-1.9700000000000001e-17</cx:pt>
+          <cx:pt idx="154">-3.9299999999999999e-17</cx:pt>
+          <cx:pt idx="155">2.4999999999999999e-17</cx:pt>
+          <cx:pt idx="156">2.2499999999999999e-17</cx:pt>
+          <cx:pt idx="157">-2.8299999999999999e-17</cx:pt>
+          <cx:pt idx="158">-3.5000000000000002e-17</cx:pt>
+          <cx:pt idx="159">-1.1999999999999999e-17</cx:pt>
+          <cx:pt idx="160">7.9300000000000002e-18</cx:pt>
+          <cx:pt idx="161">9.3599999999999995e-18</cx:pt>
+          <cx:pt idx="162">1.7500000000000001e-17</cx:pt>
+          <cx:pt idx="163">4.8700000000000001e-17</cx:pt>
+          <cx:pt idx="164">-3.9799999999999996e-18</cx:pt>
+          <cx:pt idx="165">2.1299999999999999e-17</cx:pt>
+          <cx:pt idx="166">2.6e-17</cx:pt>
+          <cx:pt idx="167">1.8199999999999999e-17</cx:pt>
+          <cx:pt idx="168">-8.0800000000000001e-18</cx:pt>
+          <cx:pt idx="169">-5.0100000000000003e-18</cx:pt>
+          <cx:pt idx="170">1.1999999999999999e-17</cx:pt>
+          <cx:pt idx="171">-2.3600000000000001e-17</cx:pt>
+          <cx:pt idx="172">-9.2000000000000004e-18</cx:pt>
+          <cx:pt idx="173">-1.83e-17</cx:pt>
+          <cx:pt idx="174">-1.9700000000000001e-17</cx:pt>
+          <cx:pt idx="175">1.04e-17</cx:pt>
+          <cx:pt idx="176">7.4299999999999998e-18</cx:pt>
+          <cx:pt idx="177">-1.18e-17</cx:pt>
+          <cx:pt idx="178">7.0599999999999994e-18</cx:pt>
+          <cx:pt idx="179">4.1699999999999998e-17</cx:pt>
+          <cx:pt idx="180">4.4700000000000001e-18</cx:pt>
+          <cx:pt idx="181">2.6399999999999998e-18</cx:pt>
+          <cx:pt idx="182">1.7500000000000001e-17</cx:pt>
+          <cx:pt idx="183">-1.5499999999999999e-17</cx:pt>
+          <cx:pt idx="184">-9.5400000000000001e-18</cx:pt>
+          <cx:pt idx="185">4.6200000000000001e-18</cx:pt>
+          <cx:pt idx="186">-9.6399999999999995e-18</cx:pt>
+          <cx:pt idx="187">-1.6900000000000001e-17</cx:pt>
+          <cx:pt idx="188">1.8799999999999999e-17</cx:pt>
+          <cx:pt idx="189">1.5199999999999999e-17</cx:pt>
+          <cx:pt idx="190">-5.0800000000000001e-17</cx:pt>
+          <cx:pt idx="191">1.44e-18</cx:pt>
+          <cx:pt idx="192">1.07e-17</cx:pt>
+          <cx:pt idx="193">-1.2299999999999999e-17</cx:pt>
+          <cx:pt idx="194">-6.7400000000000003e-18</cx:pt>
+          <cx:pt idx="195">-2.0399999999999999e-17</cx:pt>
+          <cx:pt idx="196">-1.2900000000000001e-17</cx:pt>
+          <cx:pt idx="197">-8.5399999999999992e-18</cx:pt>
+          <cx:pt idx="198">1.77e-17</cx:pt>
+          <cx:pt idx="199">-8.6299999999999995e-18</cx:pt>
+          <cx:pt idx="200">-3.6500000000000001e-17</cx:pt>
+          <cx:pt idx="201">5.22e-18</cx:pt>
+          <cx:pt idx="202">-2.8800000000000001e-18</cx:pt>
+          <cx:pt idx="203">-2.2100000000000001e-17</cx:pt>
+          <cx:pt idx="204">4.7300000000000003e-18</cx:pt>
+          <cx:pt idx="205">4.1500000000000003e-17</cx:pt>
+          <cx:pt idx="206">1.4899999999999999e-17</cx:pt>
+          <cx:pt idx="207">1.24e-17</cx:pt>
+          <cx:pt idx="208">2.3900000000000001e-17</cx:pt>
+          <cx:pt idx="209">1.15e-17</cx:pt>
+          <cx:pt idx="210">-2.9499999999999999e-17</cx:pt>
+          <cx:pt idx="211">7.24e-18</cx:pt>
+          <cx:pt idx="212">-1.22e-17</cx:pt>
+          <cx:pt idx="213">2.7999999999999999e-17</cx:pt>
+          <cx:pt idx="214">7.6100000000000003e-18</cx:pt>
+          <cx:pt idx="215">-5.6899999999999998e-18</cx:pt>
+          <cx:pt idx="216">-2.4200000000000001e-17</cx:pt>
+          <cx:pt idx="217">2.7699999999999999e-17</cx:pt>
+          <cx:pt idx="218">4.2400000000000002e-17</cx:pt>
+          <cx:pt idx="219">1.02e-17</cx:pt>
+          <cx:pt idx="220">-7.2500000000000007e-18</cx:pt>
+          <cx:pt idx="221">1.26e-18</cx:pt>
+          <cx:pt idx="222">4.67e-17</cx:pt>
+          <cx:pt idx="223">1.4299999999999999e-17</cx:pt>
+          <cx:pt idx="224">-2.08e-17</cx:pt>
+          <cx:pt idx="225">4.48e-18</cx:pt>
+          <cx:pt idx="226">1.5700000000000001e-17</cx:pt>
+          <cx:pt idx="227">3.9800000000000001e-17</cx:pt>
+          <cx:pt idx="228">5.9999999999999997e-18</cx:pt>
+          <cx:pt idx="229">3.1599999999999998e-17</cx:pt>
+          <cx:pt idx="230">1.6999999999999999e-17</cx:pt>
+          <cx:pt idx="231">2.2300000000000001e-18</cx:pt>
+          <cx:pt idx="232">-2.2900000000000001e-18</cx:pt>
+          <cx:pt idx="233">-1.7200000000000001e-17</cx:pt>
+          <cx:pt idx="234">-2.6799999999999999e-17</cx:pt>
+          <cx:pt idx="235">1.77e-17</cx:pt>
+          <cx:pt idx="236">5.4300000000000004e-18</cx:pt>
+          <cx:pt idx="237">-4.1800000000000003e-17</cx:pt>
+          <cx:pt idx="238">-1.3500000000000001e-17</cx:pt>
+          <cx:pt idx="239">-1.0300000000000001e-17</cx:pt>
+          <cx:pt idx="240">-4.58e-17</cx:pt>
+          <cx:pt idx="241">2.47e-17</cx:pt>
+          <cx:pt idx="242">3.24e-17</cx:pt>
+          <cx:pt idx="243">-5.1600000000000003e-18</cx:pt>
+          <cx:pt idx="244">-7.6100000000000003e-18</cx:pt>
+          <cx:pt idx="245">4.4400000000000003e-18</cx:pt>
+          <cx:pt idx="246">-1.07e-17</cx:pt>
+          <cx:pt idx="247">6.1299999999999997e-18</cx:pt>
+          <cx:pt idx="248">2.72e-17</cx:pt>
+          <cx:pt idx="249">-5.5499999999999997e-18</cx:pt>
+          <cx:pt idx="250">2.8800000000000001e-17</cx:pt>
+          <cx:pt idx="251">-1.0000000000000001e-17</cx:pt>
+          <cx:pt idx="252">-7.7600000000000003e-18</cx:pt>
+          <cx:pt idx="253">-4.3199999999999998e-17</cx:pt>
+          <cx:pt idx="254">-3.2300000000000002e-17</cx:pt>
+          <cx:pt idx="255">-2.9500000000000001e-18</cx:pt>
+          <cx:pt idx="256">-1.6699999999999999e-17</cx:pt>
+          <cx:pt idx="257">5.5599999999999997e-18</cx:pt>
+          <cx:pt idx="258">-1.53e-17</cx:pt>
+          <cx:pt idx="259">8.2400000000000005e-17</cx:pt>
+          <cx:pt idx="260">1.4299999999999999e-17</cx:pt>
+          <cx:pt idx="261">3.6999999999999997e-17</cx:pt>
+          <cx:pt idx="262">-9.6500000000000003e-18</cx:pt>
+          <cx:pt idx="263">1.3e-17</cx:pt>
+          <cx:pt idx="264">1.56e-18</cx:pt>
+          <cx:pt idx="265">1.8100000000000001e-17</cx:pt>
+          <cx:pt idx="266">-1.47e-17</cx:pt>
+          <cx:pt idx="267">2.0399999999999999e-17</cx:pt>
+          <cx:pt idx="268">1.18e-17</cx:pt>
+          <cx:pt idx="269">1.5100000000000001e-17</cx:pt>
+          <cx:pt idx="270">-9.5499999999999993e-18</cx:pt>
+          <cx:pt idx="271">-1.3999999999999999e-17</cx:pt>
+          <cx:pt idx="272">-3.7499999999999999e-17</cx:pt>
+          <cx:pt idx="273">4.2699999999999996e-18</cx:pt>
+          <cx:pt idx="274">-2.41e-17</cx:pt>
+          <cx:pt idx="275">-1.6999999999999999e-17</cx:pt>
+          <cx:pt idx="276">7.1200000000000006e-18</cx:pt>
+          <cx:pt idx="277">-2.38e-18</cx:pt>
+          <cx:pt idx="278">-6.5499999999999998e-18</cx:pt>
+          <cx:pt idx="279">-1.18e-17</cx:pt>
+          <cx:pt idx="280">-1.62e-17</cx:pt>
+          <cx:pt idx="281">7.5899999999999998e-17</cx:pt>
+          <cx:pt idx="282">-7.2799999999999998e-18</cx:pt>
+          <cx:pt idx="283">4.1399999999999998e-17</cx:pt>
+          <cx:pt idx="284">1.7599999999999999e-18</cx:pt>
+          <cx:pt idx="285">-2.41e-17</cx:pt>
+          <cx:pt idx="286">-5.5299999999999998e-18</cx:pt>
+          <cx:pt idx="287">1.15e-17</cx:pt>
+          <cx:pt idx="288">4.6300000000000002e-17</cx:pt>
+          <cx:pt idx="289">3.06e-17</cx:pt>
+          <cx:pt idx="290">1.5499999999999999e-17</cx:pt>
+          <cx:pt idx="291">2.5299999999999999e-17</cx:pt>
+          <cx:pt idx="292">-1.01e-17</cx:pt>
+          <cx:pt idx="293">-3.12e-17</cx:pt>
+          <cx:pt idx="294">9.5900000000000006e-18</cx:pt>
+          <cx:pt idx="295">1.33e-17</cx:pt>
+          <cx:pt idx="296">-2.7300000000000001e-17</cx:pt>
+          <cx:pt idx="297">5.9999999999999997e-18</cx:pt>
+          <cx:pt idx="298">-1.65e-17</cx:pt>
+          <cx:pt idx="299">9.4899999999999996e-18</cx:pt>
+          <cx:pt idx="300">1.8199999999999999e-17</cx:pt>
+          <cx:pt idx="301">5.06e-18</cx:pt>
+          <cx:pt idx="302">4.9599999999999998e-18</cx:pt>
+          <cx:pt idx="303">1.1e-17</cx:pt>
+          <cx:pt idx="304">2.0999999999999999e-17</cx:pt>
+          <cx:pt idx="305">-7.5499999999999994e-17</cx:pt>
+          <cx:pt idx="306">-1.2900000000000001e-17</cx:pt>
+          <cx:pt idx="307">3.0800000000000003e-17</cx:pt>
+          <cx:pt idx="308">2.0700000000000002e-18</cx:pt>
+          <cx:pt idx="309">-5.3299999999999998e-17</cx:pt>
+          <cx:pt idx="310">4.0900000000000003e-17</cx:pt>
+          <cx:pt idx="311">3.0399999999999998e-17</cx:pt>
+          <cx:pt idx="312">-6.2500000000000005e-17</cx:pt>
+          <cx:pt idx="313">-2.0699999999999999e-17</cx:pt>
+          <cx:pt idx="314">-5.2399999999999999e-18</cx:pt>
+          <cx:pt idx="315">-1.96e-17</cx:pt>
+          <cx:pt idx="316">-1.13e-17</cx:pt>
+          <cx:pt idx="317">1.6999999999999999e-17</cx:pt>
+          <cx:pt idx="318">-1.0300000000000001e-17</cx:pt>
+          <cx:pt idx="319">-3.1899999999999998e-17</cx:pt>
+          <cx:pt idx="320">2.5899999999999999e-17</cx:pt>
+          <cx:pt idx="321">2.9999999999999998e-18</cx:pt>
+          <cx:pt idx="322">1.05e-17</cx:pt>
+          <cx:pt idx="323">-1.5499999999999999e-17</cx:pt>
+          <cx:pt idx="324">-1.4599999999999999e-17</cx:pt>
+          <cx:pt idx="325">-9.9199999999999996e-18</cx:pt>
+          <cx:pt idx="326">4.1800000000000003e-17</cx:pt>
+          <cx:pt idx="327">1.68e-17</cx:pt>
+          <cx:pt idx="328">-2.3999999999999999e-17</cx:pt>
+          <cx:pt idx="329">9.8900000000000009e-19</cx:pt>
+          <cx:pt idx="330">8.4100000000000007e-18</cx:pt>
+          <cx:pt idx="331">1.8799999999999999e-17</cx:pt>
+          <cx:pt idx="332">-5.4500000000000003e-18</cx:pt>
+          <cx:pt idx="333">1.4899999999999999e-17</cx:pt>
+          <cx:pt idx="334">-7.67e-18</cx:pt>
+          <cx:pt idx="335">1.9699999999999999e-18</cx:pt>
+          <cx:pt idx="336">6.2100000000000001e-18</cx:pt>
+          <cx:pt idx="337">-1.4200000000000001e-17</cx:pt>
+          <cx:pt idx="338">-1.0700000000000001e-18</cx:pt>
+          <cx:pt idx="339">2.4500000000000001e-17</cx:pt>
+          <cx:pt idx="340">2.2400000000000002e-19</cx:pt>
+          <cx:pt idx="341">-2.1500000000000001e-19</cx:pt>
+          <cx:pt idx="342">1.9399999999999998e-17</cx:pt>
+          <cx:pt idx="343">-3.4199999999999999e-18</cx:pt>
+          <cx:pt idx="344">-1.3e-17</cx:pt>
+          <cx:pt idx="345">-8.7199999999999998e-18</cx:pt>
+          <cx:pt idx="346">-1.3e-18</cx:pt>
+          <cx:pt idx="347">-5.7099999999999997e-18</cx:pt>
+          <cx:pt idx="348">-2.0099999999999999e-17</cx:pt>
+          <cx:pt idx="349">-9.5999999999999998e-18</cx:pt>
+          <cx:pt idx="350">-5.2699999999999998e-17</cx:pt>
+          <cx:pt idx="351">1.6699999999999999e-17</cx:pt>
+          <cx:pt idx="352">-7.9100000000000003e-18</cx:pt>
+          <cx:pt idx="353">4.7399999999999997e-17</cx:pt>
+          <cx:pt idx="354">-3.6299999999999999e-17</cx:pt>
+          <cx:pt idx="355">2.26e-17</cx:pt>
+          <cx:pt idx="356">1.15e-18</cx:pt>
+          <cx:pt idx="357">-1.41e-17</cx:pt>
+          <cx:pt idx="358">-1.01e-17</cx:pt>
+          <cx:pt idx="359">-5.3899999999999998e-18</cx:pt>
+          <cx:pt idx="360">5.6100000000000002e-17</cx:pt>
+          <cx:pt idx="361">-7.5599999999999998e-18</cx:pt>
+          <cx:pt idx="362">4.2599999999999998e-17</cx:pt>
+          <cx:pt idx="363">1.6099999999999999e-17</cx:pt>
+          <cx:pt idx="364">-8.4599999999999997e-18</cx:pt>
+          <cx:pt idx="365">2.8700000000000003e-17</cx:pt>
+          <cx:pt idx="366">-2.51e-17</cx:pt>
+          <cx:pt idx="367">-3.9100000000000003e-17</cx:pt>
+          <cx:pt idx="368">2.7099999999999999e-17</cx:pt>
+          <cx:pt idx="369">2.1599999999999999e-17</cx:pt>
+          <cx:pt idx="370">-2.38e-17</cx:pt>
+          <cx:pt idx="371">-8.83e-17</cx:pt>
+          <cx:pt idx="372">-4.3399999999999996e-19</cx:pt>
+          <cx:pt idx="373">-8.2399999999999993e-18</cx:pt>
+          <cx:pt idx="374">-2.8499999999999999e-18</cx:pt>
+          <cx:pt idx="375">-9.5000000000000003e-18</cx:pt>
+          <cx:pt idx="376">-1.5e-17</cx:pt>
+          <cx:pt idx="377">3.5799999999999997e-17</cx:pt>
+          <cx:pt idx="378">1.6099999999999999e-17</cx:pt>
+          <cx:pt idx="379">-2.6100000000000001e-17</cx:pt>
+          <cx:pt idx="380">-8.5800000000000006e-18</cx:pt>
+          <cx:pt idx="381">-5.9800000000000005e-17</cx:pt>
+          <cx:pt idx="382">1.8199999999999999e-17</cx:pt>
+          <cx:pt idx="383">-1.4599999999999999e-18</cx:pt>
+          <cx:pt idx="384">2.1699999999999998e-19</cx:pt>
+          <cx:pt idx="385">1.9799999999999999e-17</cx:pt>
+          <cx:pt idx="386">2.1800000000000001e-17</cx:pt>
+          <cx:pt idx="387">1.68e-17</cx:pt>
+          <cx:pt idx="388">-3.4100000000000002e-17</cx:pt>
+          <cx:pt idx="389">8.0099999999999997e-18</cx:pt>
+          <cx:pt idx="390">3.6800000000000001e-17</cx:pt>
+          <cx:pt idx="391">-2.6199999999999999e-17</cx:pt>
+          <cx:pt idx="392">2.6e-17</cx:pt>
+          <cx:pt idx="393">-6.8199999999999999e-18</cx:pt>
+          <cx:pt idx="394">-4.1300000000000001e-17</cx:pt>
+          <cx:pt idx="395">-2.5500000000000001e-17</cx:pt>
+          <cx:pt idx="396">-9.1100000000000001e-18</cx:pt>
+          <cx:pt idx="397">-7.9399999999999994e-18</cx:pt>
+          <cx:pt idx="398">8.25e-18</cx:pt>
+          <cx:pt idx="399">-2.7399999999999999e-17</cx:pt>
+          <cx:pt idx="400">-1.8400000000000001e-17</cx:pt>
+          <cx:pt idx="401">-2.32e-17</cx:pt>
+          <cx:pt idx="402">-2.38e-17</cx:pt>
+          <cx:pt idx="403">5.6700000000000002e-17</cx:pt>
+          <cx:pt idx="404">-5.1700000000000001e-17</cx:pt>
+          <cx:pt idx="405">3.5099999999999998e-18</cx:pt>
+          <cx:pt idx="406">-2.3300000000000001e-17</cx:pt>
+          <cx:pt idx="407">-1.6300000000000001e-17</cx:pt>
+          <cx:pt idx="408">-6.7500000000000003e-18</cx:pt>
+          <cx:pt idx="409">2.41e-17</cx:pt>
+          <cx:pt idx="410">-7.4499999999999996e-18</cx:pt>
+          <cx:pt idx="411">3.6999999999999997e-17</cx:pt>
+          <cx:pt idx="412">1.05e-17</cx:pt>
+          <cx:pt idx="413">-1.3999999999999999e-17</cx:pt>
+          <cx:pt idx="414">-1.0999999999999999e-18</cx:pt>
+          <cx:pt idx="415">1.36e-17</cx:pt>
+          <cx:pt idx="416">2.7800000000000003e-17</cx:pt>
+          <cx:pt idx="417">1.68e-17</cx:pt>
+          <cx:pt idx="418">1.6099999999999999e-17</cx:pt>
+          <cx:pt idx="419">-6.9100000000000002e-19</cx:pt>
+          <cx:pt idx="420">2.2300000000000001e-18</cx:pt>
+          <cx:pt idx="421">-1.6900000000000001e-18</cx:pt>
+          <cx:pt idx="422">2.8800000000000001e-18</cx:pt>
+          <cx:pt idx="423">-3.9899999999999999e-17</cx:pt>
+          <cx:pt idx="424">-2.2499999999999999e-17</cx:pt>
+          <cx:pt idx="425">2.0499999999999999e-18</cx:pt>
+          <cx:pt idx="426">3.3999999999999998e-17</cx:pt>
+          <cx:pt idx="427">2.2199999999999999e-17</cx:pt>
+          <cx:pt idx="428">1.89e-17</cx:pt>
+          <cx:pt idx="429">-5.5800000000000004e-18</cx:pt>
+          <cx:pt idx="430">4.8700000000000003e-18</cx:pt>
+          <cx:pt idx="431">3.3999999999999998e-17</cx:pt>
+          <cx:pt idx="432">2.4299999999999999e-17</cx:pt>
+          <cx:pt idx="433">-2.7999999999999999e-17</cx:pt>
+          <cx:pt idx="434">2.31e-18</cx:pt>
+          <cx:pt idx="435">5.5900000000000006e-17</cx:pt>
+          <cx:pt idx="436">3.15e-17</cx:pt>
+          <cx:pt idx="437">-3.0699999999999998e-17</cx:pt>
+          <cx:pt idx="438">-9.7699999999999996e-18</cx:pt>
+          <cx:pt idx="439">-3.1299999999999999e-18</cx:pt>
+          <cx:pt idx="440">1.5799999999999999e-17</cx:pt>
+          <cx:pt idx="441">2.17e-17</cx:pt>
+          <cx:pt idx="442">3.51e-17</cx:pt>
+          <cx:pt idx="443">6.0300000000000001e-17</cx:pt>
+          <cx:pt idx="444">4.6099999999999999e-19</cx:pt>
+          <cx:pt idx="445">-4.0600000000000003e-17</cx:pt>
+          <cx:pt idx="446">3.18e-17</cx:pt>
+          <cx:pt idx="447">-5.7600000000000002e-18</cx:pt>
+          <cx:pt idx="448">-1.5700000000000001e-17</cx:pt>
+          <cx:pt idx="449">-2.7099999999999999e-17</cx:pt>
+          <cx:pt idx="450">-4.7699999999999997e-17</cx:pt>
+          <cx:pt idx="451">1.16e-17</cx:pt>
+          <cx:pt idx="452">4.6599999999999999e-18</cx:pt>
+          <cx:pt idx="453">1.6000000000000001e-17</cx:pt>
+          <cx:pt idx="454">8.7399999999999997e-18</cx:pt>
+          <cx:pt idx="455">-3.09e-17</cx:pt>
+          <cx:pt idx="456">-1.1999999999999999e-17</cx:pt>
+          <cx:pt idx="457">-2.9099999999999999e-18</cx:pt>
+          <cx:pt idx="458">-8.1900000000000003e-18</cx:pt>
+          <cx:pt idx="459">2.1800000000000001e-17</cx:pt>
+          <cx:pt idx="460">-3.3399999999999999e-18</cx:pt>
+          <cx:pt idx="461">1.16e-17</cx:pt>
+          <cx:pt idx="462">-1.1999999999999999e-17</cx:pt>
+          <cx:pt idx="463">2.8599999999999999e-17</cx:pt>
+          <cx:pt idx="464">3.51e-17</cx:pt>
+          <cx:pt idx="465">-2.7900000000000001e-17</cx:pt>
+          <cx:pt idx="466">8.9200000000000003e-18</cx:pt>
+          <cx:pt idx="467">-1.6399999999999999e-17</cx:pt>
+          <cx:pt idx="468">-7.8599999999999998e-18</cx:pt>
+          <cx:pt idx="469">-2.5500000000000001e-17</cx:pt>
+          <cx:pt idx="470">6.3999999999999996e-19</cx:pt>
+          <cx:pt idx="471">-7.9899999999999999e-18</cx:pt>
+          <cx:pt idx="472">7.3700000000000001e-18</cx:pt>
+          <cx:pt idx="473">-2.5599999999999999e-17</cx:pt>
+          <cx:pt idx="474">2.05e-17</cx:pt>
+          <cx:pt idx="475">-1.9700000000000001e-17</cx:pt>
+          <cx:pt idx="476">-1.07e-17</cx:pt>
+          <cx:pt idx="477">5.3799999999999999e-18</cx:pt>
+          <cx:pt idx="478">-2.4599999999999999e-17</cx:pt>
+          <cx:pt idx="479">-1.74e-17</cx:pt>
+          <cx:pt idx="480">-5.1799999999999999e-17</cx:pt>
+          <cx:pt idx="481">6.51e-18</cx:pt>
+          <cx:pt idx="482">-1.12e-17</cx:pt>
+          <cx:pt idx="483">6.0199999999999997e-17</cx:pt>
+          <cx:pt idx="484">1.21e-17</cx:pt>
+          <cx:pt idx="485">-8.1000000000000002e-19</cx:pt>
+          <cx:pt idx="486">3.5600000000000002e-17</cx:pt>
+          <cx:pt idx="487">1.3200000000000001e-17</cx:pt>
+          <cx:pt idx="488">-2.1200000000000001e-17</cx:pt>
+          <cx:pt idx="489">1.12e-17</cx:pt>
+          <cx:pt idx="490">3.7899999999999999e-18</cx:pt>
+          <cx:pt idx="491">-2.4800000000000001e-17</cx:pt>
+          <cx:pt idx="492">5.8599999999999996e-18</cx:pt>
+          <cx:pt idx="493">-3.4e-18</cx:pt>
+          <cx:pt idx="494">-2.8399999999999999e-18</cx:pt>
+          <cx:pt idx="495">1.41e-18</cx:pt>
+          <cx:pt idx="496">1.41e-17</cx:pt>
+          <cx:pt idx="497">1.8400000000000001e-17</cx:pt>
+          <cx:pt idx="498">1.5299999999999999e-18</cx:pt>
+          <cx:pt idx="499">3.6299999999999999e-17</cx:pt>
+          <cx:pt idx="500">-7.4500000000000003e-17</cx:pt>
+          <cx:pt idx="501">2.0600000000000001e-17</cx:pt>
+          <cx:pt idx="502">4.2400000000000002e-17</cx:pt>
+          <cx:pt idx="503">2.7300000000000001e-17</cx:pt>
+          <cx:pt idx="504">7.0799999999999999e-17</cx:pt>
+          <cx:pt idx="505">1.8e-17</cx:pt>
+          <cx:pt idx="506">4.2299999999999998e-18</cx:pt>
+          <cx:pt idx="507">3.3699999999999998e-17</cx:pt>
+          <cx:pt idx="508">2.0399999999999999e-17</cx:pt>
+          <cx:pt idx="509">-2.9100000000000001e-17</cx:pt>
+          <cx:pt idx="510">-1.34e-17</cx:pt>
+          <cx:pt idx="511">2.9000000000000003e-17</cx:pt>
+          <cx:pt idx="512">6.51e-17</cx:pt>
+          <cx:pt idx="513">-1.2299999999999999e-17</cx:pt>
+          <cx:pt idx="514">-1.4299999999999999e-17</cx:pt>
+          <cx:pt idx="515">-4.1000000000000001e-17</cx:pt>
+          <cx:pt idx="516">-1.7800000000000001e-17</cx:pt>
+          <cx:pt idx="517">-2.11e-17</cx:pt>
+          <cx:pt idx="518">4.3200000000000001e-18</cx:pt>
+          <cx:pt idx="519">-1.96e-18</cx:pt>
+          <cx:pt idx="520">4.9300000000000001e-17</cx:pt>
+          <cx:pt idx="521">6.81e-18</cx:pt>
+          <cx:pt idx="522">3.2099999999999999e-18</cx:pt>
+          <cx:pt idx="523">-3.0300000000000001e-17</cx:pt>
+          <cx:pt idx="524">2.44e-17</cx:pt>
+          <cx:pt idx="525">-6.9700000000000007e-18</cx:pt>
+          <cx:pt idx="526">6.4900000000000004e-17</cx:pt>
+          <cx:pt idx="527">2.4200000000000001e-17</cx:pt>
+          <cx:pt idx="528">4.2299999999999998e-17</cx:pt>
+          <cx:pt idx="529">4.1500000000000003e-18</cx:pt>
+          <cx:pt idx="530">-1.8400000000000001e-17</cx:pt>
+          <cx:pt idx="531">4.2099999999999999e-18</cx:pt>
+          <cx:pt idx="532">-7.6899999999999999e-18</cx:pt>
+          <cx:pt idx="533">1.05e-17</cx:pt>
+          <cx:pt idx="534">-1.9700000000000001e-17</cx:pt>
+          <cx:pt idx="535">2.9700000000000001e-17</cx:pt>
+          <cx:pt idx="536">-6.1699999999999997e-17</cx:pt>
+          <cx:pt idx="537">-5.2099999999999999e-17</cx:pt>
+          <cx:pt idx="538">6.2700000000000001e-17</cx:pt>
+          <cx:pt idx="539">5.3899999999999998e-18</cx:pt>
+          <cx:pt idx="540">-1.1099999999999999e-17</cx:pt>
+          <cx:pt idx="541">5.7199999999999998e-17</cx:pt>
+          <cx:pt idx="542">-2.2700000000000001e-17</cx:pt>
+          <cx:pt idx="543">-7.3100000000000004e-18</cx:pt>
+          <cx:pt idx="544">-1.4899999999999999e-17</cx:pt>
+          <cx:pt idx="545">2.5100000000000001e-18</cx:pt>
+          <cx:pt idx="546">-3.45e-17</cx:pt>
+          <cx:pt idx="547">1.05e-17</cx:pt>
+          <cx:pt idx="548">7.0699999999999995e-17</cx:pt>
+          <cx:pt idx="549">-1.65e-17</cx:pt>
+          <cx:pt idx="550">6.7900000000000001e-18</cx:pt>
+          <cx:pt idx="551">-3.48e-17</cx:pt>
+          <cx:pt idx="552">-3.2499999999999998e-17</cx:pt>
+          <cx:pt idx="553">-2.9300000000000003e-17</cx:pt>
+          <cx:pt idx="554">1.5499999999999999e-17</cx:pt>
+          <cx:pt idx="555">-6.2699999999999998e-18</cx:pt>
+          <cx:pt idx="556">1.01e-17</cx:pt>
+          <cx:pt idx="557">-4.0499999999999999e-17</cx:pt>
+          <cx:pt idx="558">1.5799999999999999e-17</cx:pt>
+          <cx:pt idx="559">2.14e-17</cx:pt>
+          <cx:pt idx="560">-1.8999999999999999e-18</cx:pt>
+          <cx:pt idx="561">4.0700000000000001e-17</cx:pt>
+          <cx:pt idx="562">-3.7899999999999999e-18</cx:pt>
+          <cx:pt idx="563">-1.3999999999999999e-17</cx:pt>
+          <cx:pt idx="564">1.08e-17</cx:pt>
+          <cx:pt idx="565">-3.54e-17</cx:pt>
+          <cx:pt idx="566">3.1299999999999998e-17</cx:pt>
+          <cx:pt idx="567">-4.78e-18</cx:pt>
+          <cx:pt idx="568">-5.6200000000000006e-17</cx:pt>
+          <cx:pt idx="569">4.7200000000000002e-17</cx:pt>
+          <cx:pt idx="570">8.1300000000000007e-18</cx:pt>
+          <cx:pt idx="571">2.4999999999999999e-17</cx:pt>
+          <cx:pt idx="572">1.7800000000000001e-17</cx:pt>
+          <cx:pt idx="573">-3.27e-17</cx:pt>
+          <cx:pt idx="574">6.4900000000000001e-18</cx:pt>
+          <cx:pt idx="575">1.6999999999999999e-17</cx:pt>
+          <cx:pt idx="576">-3.1899999999999998e-17</cx:pt>
+          <cx:pt idx="577">-2.3600000000000001e-17</cx:pt>
+          <cx:pt idx="578">-1.3800000000000001e-17</cx:pt>
+          <cx:pt idx="579">2.3699999999999999e-17</cx:pt>
+          <cx:pt idx="580">-3.5900000000000002e-17</cx:pt>
+          <cx:pt idx="581">-1.1999999999999999e-17</cx:pt>
+          <cx:pt idx="582">2.6400000000000001e-17</cx:pt>
+          <cx:pt idx="583">6.2599999999999998e-18</cx:pt>
+          <cx:pt idx="584">4.25e-17</cx:pt>
+          <cx:pt idx="585">-2.3699999999999999e-17</cx:pt>
+          <cx:pt idx="586">8.1799999999999996e-18</cx:pt>
+          <cx:pt idx="587">-6.2699999999999998e-18</cx:pt>
+          <cx:pt idx="588">2.8100000000000003e-17</cx:pt>
+          <cx:pt idx="589">4.5100000000000002e-17</cx:pt>
+          <cx:pt idx="590">4.0799999999999999e-17</cx:pt>
+          <cx:pt idx="591">-2.1800000000000001e-17</cx:pt>
+          <cx:pt idx="592">-4.43e-17</cx:pt>
+          <cx:pt idx="593">2.2799999999999999e-17</cx:pt>
+          <cx:pt idx="594">-7.2000000000000002e-18</cx:pt>
+          <cx:pt idx="595">2.4500000000000001e-17</cx:pt>
+          <cx:pt idx="596">2.69e-17</cx:pt>
+          <cx:pt idx="597">2.5500000000000001e-17</cx:pt>
+          <cx:pt idx="598">-3.3500000000000002e-17</cx:pt>
+          <cx:pt idx="599">-7.8999999999999996e-18</cx:pt>
+          <cx:pt idx="600">-1.8799999999999999e-17</cx:pt>
+          <cx:pt idx="601">5.5200000000000003e-19</cx:pt>
+          <cx:pt idx="602">-4.3600000000000002e-17</cx:pt>
+          <cx:pt idx="603">-7.5799999999999994e-17</cx:pt>
+          <cx:pt idx="604">-2.8100000000000003e-17</cx:pt>
+          <cx:pt idx="605">5.41e-17</cx:pt>
+          <cx:pt idx="606">-2.57e-17</cx:pt>
+          <cx:pt idx="607">1.9300000000000001e-17</cx:pt>
+          <cx:pt idx="608">-4.93e-18</cx:pt>
+          <cx:pt idx="609">2.3399999999999999e-17</cx:pt>
+          <cx:pt idx="610">3.6800000000000001e-17</cx:pt>
+          <cx:pt idx="611">-3.5000000000000002e-17</cx:pt>
+          <cx:pt idx="612">-1.6399999999999999e-17</cx:pt>
+          <cx:pt idx="613">1.8100000000000001e-17</cx:pt>
+          <cx:pt idx="614">-1.9099999999999999e-17</cx:pt>
+          <cx:pt idx="615">-2.1599999999999999e-17</cx:pt>
+          <cx:pt idx="616">7.4899999999999994e-17</cx:pt>
+          <cx:pt idx="617">-1.1900000000000001e-16</cx:pt>
+          <cx:pt idx="618">4.8299999999999997e-17</cx:pt>
+          <cx:pt idx="619">-7.1800000000000003e-18</cx:pt>
+          <cx:pt idx="620">1.18e-17</cx:pt>
+          <cx:pt idx="621">-1.6500000000000001e-18</cx:pt>
+          <cx:pt idx="622">2.66e-17</cx:pt>
+          <cx:pt idx="623">3.1299999999999999e-18</cx:pt>
+          <cx:pt idx="624">2.2e-17</cx:pt>
+          <cx:pt idx="625">1.77e-17</cx:pt>
+          <cx:pt idx="626">1.16e-17</cx:pt>
+          <cx:pt idx="627">-1.47e-17</cx:pt>
+          <cx:pt idx="628">1.05e-17</cx:pt>
+          <cx:pt idx="629">3.6800000000000001e-17</cx:pt>
+          <cx:pt idx="630">-7.9399999999999994e-18</cx:pt>
+          <cx:pt idx="631">7.0399999999999995e-18</cx:pt>
+          <cx:pt idx="632">3.21e-17</cx:pt>
+          <cx:pt idx="633">-2.5500000000000001e-17</cx:pt>
+          <cx:pt idx="634">-2.4299999999999999e-17</cx:pt>
+          <cx:pt idx="635">-3.8099999999999999e-17</cx:pt>
+          <cx:pt idx="636">1.7800000000000001e-17</cx:pt>
+          <cx:pt idx="637">-6.7999999999999996e-17</cx:pt>
+          <cx:pt idx="638">-1.37e-17</cx:pt>
+          <cx:pt idx="639">-4.3000000000000002e-18</cx:pt>
+          <cx:pt idx="640">-2.7399999999999999e-17</cx:pt>
+          <cx:pt idx="641">3.5900000000000002e-18</cx:pt>
+          <cx:pt idx="642">-3.0699999999999998e-17</cx:pt>
+          <cx:pt idx="643">-3.8799999999999997e-17</cx:pt>
+          <cx:pt idx="644">-3.4400000000000002e-17</cx:pt>
+          <cx:pt idx="645">1.5499999999999999e-17</cx:pt>
+          <cx:pt idx="646">2.2400000000000001e-17</cx:pt>
+          <cx:pt idx="647">3.6699999999999997e-17</cx:pt>
+          <cx:pt idx="648">3.77e-18</cx:pt>
+          <cx:pt idx="649">-1.65e-17</cx:pt>
+          <cx:pt idx="650">-2.14e-17</cx:pt>
+          <cx:pt idx="651">-7.8399999999999999e-18</cx:pt>
+          <cx:pt idx="652">-2.2499999999999999e-17</cx:pt>
+          <cx:pt idx="653">1.6399999999999999e-17</cx:pt>
+          <cx:pt idx="654">3.5799999999999997e-17</cx:pt>
+          <cx:pt idx="655">3.5999999999999999e-17</cx:pt>
+          <cx:pt idx="656">2.5299999999999999e-17</cx:pt>
+          <cx:pt idx="657">-2.9799999999999999e-18</cx:pt>
+          <cx:pt idx="658">-4.19e-17</cx:pt>
+          <cx:pt idx="659">-2.5599999999999999e-17</cx:pt>
+          <cx:pt idx="660">-3.48e-17</cx:pt>
+          <cx:pt idx="661">-3.9299999999999999e-17</cx:pt>
+          <cx:pt idx="662">-9.0700000000000003e-18</cx:pt>
+          <cx:pt idx="663">-2.1200000000000001e-17</cx:pt>
+          <cx:pt idx="664">-4.2499999999999997e-18</cx:pt>
+          <cx:pt idx="665">-1.2299999999999999e-17</cx:pt>
+          <cx:pt idx="666">1.8400000000000001e-17</cx:pt>
+          <cx:pt idx="667">3.8399999999999999e-17</cx:pt>
+          <cx:pt idx="668">-4.5100000000000002e-17</cx:pt>
+          <cx:pt idx="669">-2.7399999999999999e-17</cx:pt>
+          <cx:pt idx="670">1.8100000000000001e-17</cx:pt>
+          <cx:pt idx="671">2.4999999999999999e-17</cx:pt>
+          <cx:pt idx="672">-1.56e-17</cx:pt>
+          <cx:pt idx="673">1.7599999999999999e-17</cx:pt>
+          <cx:pt idx="674">-2.4999999999999999e-17</cx:pt>
+          <cx:pt idx="675">-4.1200000000000003e-17</cx:pt>
+          <cx:pt idx="676">4.7599999999999999e-17</cx:pt>
+          <cx:pt idx="677">3.51e-17</cx:pt>
+          <cx:pt idx="678">-3.5000000000000002e-17</cx:pt>
+          <cx:pt idx="679">-1.1399999999999999e-17</cx:pt>
+          <cx:pt idx="680">2.6799999999999999e-17</cx:pt>
+          <cx:pt idx="681">-2.7999999999999999e-17</cx:pt>
+          <cx:pt idx="682">2.3399999999999999e-17</cx:pt>
+          <cx:pt idx="683">-6.4900000000000001e-18</cx:pt>
+          <cx:pt idx="684">-3.6099999999999997e-17</cx:pt>
+          <cx:pt idx="685">7.9500000000000001e-18</cx:pt>
+          <cx:pt idx="686">8.6600000000000001e-18</cx:pt>
+          <cx:pt idx="687">-1.41e-17</cx:pt>
+          <cx:pt idx="688">-1.6900000000000001e-17</cx:pt>
+          <cx:pt idx="689">1.31e-17</cx:pt>
+          <cx:pt idx="690">2.3399999999999999e-17</cx:pt>
+          <cx:pt idx="691">6.4600000000000004e-17</cx:pt>
+          <cx:pt idx="692">7.0300000000000003e-17</cx:pt>
+          <cx:pt idx="693">-5.36e-18</cx:pt>
+          <cx:pt idx="694">3.2499999999999998e-17</cx:pt>
+          <cx:pt idx="695">-3.8499999999999997e-17</cx:pt>
+          <cx:pt idx="696">-2.17e-17</cx:pt>
+          <cx:pt idx="697">3.2900000000000002e-17</cx:pt>
+          <cx:pt idx="698">3.1899999999999998e-17</cx:pt>
+          <cx:pt idx="699">3.19e-18</cx:pt>
+          <cx:pt idx="700">-2.03e-18</cx:pt>
+          <cx:pt idx="701">-4.8800000000000002e-19</cx:pt>
+          <cx:pt idx="702">-2.3699999999999999e-17</cx:pt>
+          <cx:pt idx="703">-2.2499999999999999e-17</cx:pt>
+          <cx:pt idx="704">-2.0600000000000001e-17</cx:pt>
+          <cx:pt idx="705">-1.8499999999999999e-17</cx:pt>
+          <cx:pt idx="706">4.1999999999999998e-17</cx:pt>
+          <cx:pt idx="707">-2.1800000000000001e-17</cx:pt>
+          <cx:pt idx="708">-2.9499999999999999e-17</cx:pt>
+          <cx:pt idx="709">9.0799999999999991e-19</cx:pt>
+          <cx:pt idx="710">-1.3800000000000001e-17</cx:pt>
+          <cx:pt idx="711">-2.47e-17</cx:pt>
+          <cx:pt idx="712">-3.57e-17</cx:pt>
+          <cx:pt idx="713">-1.02e-17</cx:pt>
+          <cx:pt idx="714">-2.51e-17</cx:pt>
+          <cx:pt idx="715">5.07e-18</cx:pt>
+          <cx:pt idx="716">-2.6400000000000001e-17</cx:pt>
+          <cx:pt idx="717">-1.8e-17</cx:pt>
+          <cx:pt idx="718">-5.4499999999999998e-17</cx:pt>
+          <cx:pt idx="719">-1.8499999999999999e-17</cx:pt>
+          <cx:pt idx="720">7.86e-19</cx:pt>
+          <cx:pt idx="721">-2.41e-17</cx:pt>
+          <cx:pt idx="722">1.62e-17</cx:pt>
+          <cx:pt idx="723">-4.6000000000000002e-17</cx:pt>
+          <cx:pt idx="724">-1.13e-17</cx:pt>
+          <cx:pt idx="725">-3.42e-17</cx:pt>
+          <cx:pt idx="726">1.36e-17</cx:pt>
+          <cx:pt idx="727">4.0000000000000003e-17</cx:pt>
+          <cx:pt idx="728">-7.97e-18</cx:pt>
+          <cx:pt idx="729">-1.7800000000000001e-17</cx:pt>
+          <cx:pt idx="730">5.8299999999999998e-18</cx:pt>
+          <cx:pt idx="731">2.47e-17</cx:pt>
+          <cx:pt idx="732">-1.1099999999999999e-17</cx:pt>
+          <cx:pt idx="733">2.39e-18</cx:pt>
+          <cx:pt idx="734">-1.7200000000000001e-18</cx:pt>
+          <cx:pt idx="735">2.2799999999999999e-17</cx:pt>
+          <cx:pt idx="736">-1.19e-17</cx:pt>
+          <cx:pt idx="737">-2.32e-17</cx:pt>
+          <cx:pt idx="738">2.29e-17</cx:pt>
+          <cx:pt idx="739">-5.22e-18</cx:pt>
+          <cx:pt idx="740">3.2000000000000002e-17</cx:pt>
+          <cx:pt idx="741">-5.35e-17</cx:pt>
+          <cx:pt idx="742">7.8500000000000006e-18</cx:pt>
+          <cx:pt idx="743">1.7899999999999999e-17</cx:pt>
+          <cx:pt idx="744">-6.5499999999999998e-18</cx:pt>
+          <cx:pt idx="745">2.35e-17</cx:pt>
+          <cx:pt idx="746">5.35e-18</cx:pt>
+          <cx:pt idx="747">-5.64e-18</cx:pt>
+          <cx:pt idx="748">7.0700000000000001e-18</cx:pt>
+          <cx:pt idx="749">-1.4599999999999999e-17</cx:pt>
+          <cx:pt idx="750">-2.47e-17</cx:pt>
+          <cx:pt idx="751">-2.7900000000000001e-17</cx:pt>
+          <cx:pt idx="752">2.7999999999999999e-17</cx:pt>
+          <cx:pt idx="753">1.8400000000000001e-17</cx:pt>
+          <cx:pt idx="754">3.7100000000000003e-18</cx:pt>
+          <cx:pt idx="755">-8.7300000000000005e-18</cx:pt>
+          <cx:pt idx="756">5.7600000000000002e-18</cx:pt>
+          <cx:pt idx="757">-2.09e-18</cx:pt>
+          <cx:pt idx="758">4.34e-18</cx:pt>
+          <cx:pt idx="759">-2.5000000000000002e-18</cx:pt>
+          <cx:pt idx="760">1.68e-17</cx:pt>
+          <cx:pt idx="761">-1.4800000000000001e-17</cx:pt>
+          <cx:pt idx="762">-2.7600000000000001e-17</cx:pt>
+          <cx:pt idx="763">-1.2600000000000001e-17</cx:pt>
+          <cx:pt idx="764">-9.2900000000000006e-18</cx:pt>
+          <cx:pt idx="765">-1.3599999999999999e-19</cx:pt>
+          <cx:pt idx="766">1.83e-17</cx:pt>
+          <cx:pt idx="767">7.3199999999999996e-18</cx:pt>
+          <cx:pt idx="768">-1.8799999999999999e-17</cx:pt>
+          <cx:pt idx="769">-9.2400000000000001e-18</cx:pt>
+          <cx:pt idx="770">3.4600000000000001e-18</cx:pt>
+          <cx:pt idx="771">-2.69e-17</cx:pt>
+          <cx:pt idx="772">-2.9000000000000003e-17</cx:pt>
+          <cx:pt idx="773">-1.12e-17</cx:pt>
+          <cx:pt idx="774">2.2e-17</cx:pt>
+          <cx:pt idx="775">2.11e-17</cx:pt>
+          <cx:pt idx="776">-1.7500000000000001e-17</cx:pt>
+          <cx:pt idx="777">-2.11e-17</cx:pt>
+          <cx:pt idx="778">-1.7299999999999999e-17</cx:pt>
+          <cx:pt idx="779">-7.8599999999999998e-18</cx:pt>
+          <cx:pt idx="780">1.05e-17</cx:pt>
+          <cx:pt idx="781">-3.3999999999999998e-17</cx:pt>
+          <cx:pt idx="782">1.34e-17</cx:pt>
+          <cx:pt idx="783">-3.2900000000000002e-17</cx:pt>
+          <cx:pt idx="784">1.4200000000000001e-17</cx:pt>
+          <cx:pt idx="785">4.9699999999999997e-18</cx:pt>
+          <cx:pt idx="786">-3.6999999999999997e-17</cx:pt>
+          <cx:pt idx="787">-9.26e-18</cx:pt>
+          <cx:pt idx="788">3.3499999999999999e-18</cx:pt>
+          <cx:pt idx="789">9.5099999999999995e-18</cx:pt>
+          <cx:pt idx="790">-2.26e-17</cx:pt>
+          <cx:pt idx="791">-5.9599999999999999e-18</cx:pt>
+          <cx:pt idx="792">-7.8900000000000004e-18</cx:pt>
+          <cx:pt idx="793">1.5199999999999999e-17</cx:pt>
+          <cx:pt idx="794">1.5100000000000001e-17</cx:pt>
+          <cx:pt idx="795">4.4300000000000003e-18</cx:pt>
+          <cx:pt idx="796">1.18e-17</cx:pt>
+          <cx:pt idx="797">-6.4000000000000005e-17</cx:pt>
+          <cx:pt idx="798">6.3600000000000001e-17</cx:pt>
+          <cx:pt idx="799">2.5200000000000001e-17</cx:pt>
+        </cx:lvl>
+      </cx:numDim>
+    </cx:data>
+  </cx:chartData>
+  <cx:chart>
+    <cx:title pos="t" align="ctr" overlay="0">
+      <cx:tx>
+        <cx:rich>
+          <a:bodyPr spcFirstLastPara="1" vertOverflow="ellipsis" horzOverflow="overflow" wrap="square" lIns="0" tIns="0" rIns="0" bIns="0" anchor="ctr" anchorCtr="1"/>
+          <a:lstStyle/>
+          <a:p>
+            <a:pPr algn="ctr" rtl="0">
+              <a:defRPr/>
+            </a:pPr>
+            <a:r>
+              <a:rPr lang="en-US" sz="1400" b="0" i="0" u="none" strike="noStrike" baseline="0" dirty="0" err="1">
+                <a:solidFill>
+                  <a:prstClr val="black">
+                    <a:lumMod val="65000"/>
+                    <a:lumOff val="35000"/>
+                  </a:prstClr>
+                </a:solidFill>
+                <a:latin typeface="Calibri" panose="020F0502020204030204"/>
+              </a:rPr>
+              <a:t>Imag</a:t>
+            </a:r>
+            <a:r>
+              <a:rPr lang="en-US" sz="1400" b="0" i="0" u="none" strike="noStrike" baseline="0" dirty="0">
+                <a:solidFill>
+                  <a:prstClr val="black">
+                    <a:lumMod val="65000"/>
+                    <a:lumOff val="35000"/>
+                  </a:prstClr>
+                </a:solidFill>
+                <a:latin typeface="Calibri" panose="020F0502020204030204"/>
+              </a:rPr>
+              <a:t>: all images</a:t>
+            </a:r>
+          </a:p>
+        </cx:rich>
+      </cx:tx>
+    </cx:title>
+    <cx:plotArea>
+      <cx:plotAreaRegion>
+        <cx:series layoutId="clusteredColumn" uniqueId="{76FEDAEB-3702-47D1-A6F2-6DC4F63EEABB}">
+          <cx:tx>
+            <cx:txData>
+              <cx:f>extracted_features!$G$1</cx:f>
+              <cx:v>mean_fourier_freq_imag</cx:v>
+            </cx:txData>
+          </cx:tx>
+          <cx:dataId val="0"/>
+          <cx:layoutPr>
+            <cx:binning intervalClosed="r"/>
+          </cx:layoutPr>
+        </cx:series>
+      </cx:plotAreaRegion>
+      <cx:axis id="0">
+        <cx:catScaling gapWidth="0"/>
+        <cx:tickLabels/>
+      </cx:axis>
+      <cx:axis id="1">
+        <cx:valScaling/>
+        <cx:majorGridlines/>
+        <cx:tickLabels/>
+      </cx:axis>
+    </cx:plotArea>
+  </cx:chart>
+</cx:chartSpace>
+</file>
+
+<file path=ppt/charts/colors1.xml><?xml version="1.0" encoding="utf-8"?>
+<cs:colorStyle xmlns:cs="http://schemas.microsoft.com/office/drawing/2012/chartStyle" xmlns:a="http://schemas.openxmlformats.org/drawingml/2006/main" meth="cycle" id="10">
+  <a:schemeClr val="accent1"/>
+  <a:schemeClr val="accent2"/>
+  <a:schemeClr val="accent3"/>
+  <a:schemeClr val="accent4"/>
+  <a:schemeClr val="accent5"/>
+  <a:schemeClr val="accent6"/>
+  <cs:variation/>
+  <cs:variation>
+    <a:lumMod val="60000"/>
+  </cs:variation>
+  <cs:variation>
+    <a:lumMod val="80000"/>
+    <a:lumOff val="20000"/>
+  </cs:variation>
+  <cs:variation>
+    <a:lumMod val="80000"/>
+  </cs:variation>
+  <cs:variation>
+    <a:lumMod val="60000"/>
+    <a:lumOff val="40000"/>
+  </cs:variation>
+  <cs:variation>
+    <a:lumMod val="50000"/>
+  </cs:variation>
+  <cs:variation>
+    <a:lumMod val="70000"/>
+    <a:lumOff val="30000"/>
+  </cs:variation>
+  <cs:variation>
+    <a:lumMod val="70000"/>
+  </cs:variation>
+  <cs:variation>
+    <a:lumMod val="50000"/>
+    <a:lumOff val="50000"/>
+  </cs:variation>
+</cs:colorStyle>
+</file>
+
+<file path=ppt/charts/colors2.xml><?xml version="1.0" encoding="utf-8"?>
+<cs:colorStyle xmlns:cs="http://schemas.microsoft.com/office/drawing/2012/chartStyle" xmlns:a="http://schemas.openxmlformats.org/drawingml/2006/main" meth="cycle" id="10">
+  <a:schemeClr val="accent1"/>
+  <a:schemeClr val="accent2"/>
+  <a:schemeClr val="accent3"/>
+  <a:schemeClr val="accent4"/>
+  <a:schemeClr val="accent5"/>
+  <a:schemeClr val="accent6"/>
+  <cs:variation/>
+  <cs:variation>
+    <a:lumMod val="60000"/>
+  </cs:variation>
+  <cs:variation>
+    <a:lumMod val="80000"/>
+    <a:lumOff val="20000"/>
+  </cs:variation>
+  <cs:variation>
+    <a:lumMod val="80000"/>
+  </cs:variation>
+  <cs:variation>
+    <a:lumMod val="60000"/>
+    <a:lumOff val="40000"/>
+  </cs:variation>
+  <cs:variation>
+    <a:lumMod val="50000"/>
+  </cs:variation>
+  <cs:variation>
+    <a:lumMod val="70000"/>
+    <a:lumOff val="30000"/>
+  </cs:variation>
+  <cs:variation>
+    <a:lumMod val="70000"/>
+  </cs:variation>
+  <cs:variation>
+    <a:lumMod val="50000"/>
+    <a:lumOff val="50000"/>
+  </cs:variation>
+</cs:colorStyle>
+</file>
+
+<file path=ppt/charts/style1.xml><?xml version="1.0" encoding="utf-8"?>
+<cs:chartStyle xmlns:cs="http://schemas.microsoft.com/office/drawing/2012/chartStyle" xmlns:a="http://schemas.openxmlformats.org/drawingml/2006/main" id="366">
+  <cs:axisTitle>
+    <cs:lnRef idx="0"/>
+    <cs:fillRef idx="0"/>
+    <cs:effectRef idx="0"/>
+    <cs:fontRef idx="minor">
+      <a:schemeClr val="tx1">
+        <a:lumMod val="65000"/>
+        <a:lumOff val="35000"/>
+      </a:schemeClr>
+    </cs:fontRef>
+    <cs:defRPr sz="900"/>
+  </cs:axisTitle>
+  <cs:categoryAxis>
+    <cs:lnRef idx="0"/>
+    <cs:fillRef idx="0"/>
+    <cs:effectRef idx="0"/>
+    <cs:fontRef idx="minor">
+      <a:schemeClr val="tx1">
+        <a:lumMod val="65000"/>
+        <a:lumOff val="35000"/>
+      </a:schemeClr>
+    </cs:fontRef>
+    <cs:spPr>
+      <a:ln w="9525" cap="flat" cmpd="sng" algn="ctr">
+        <a:solidFill>
+          <a:schemeClr val="tx1">
+            <a:lumMod val="15000"/>
+            <a:lumOff val="85000"/>
+          </a:schemeClr>
+        </a:solidFill>
+        <a:round/>
+      </a:ln>
+    </cs:spPr>
+    <cs:defRPr sz="900"/>
+  </cs:categoryAxis>
+  <cs:chartArea mods="allowNoFillOverride allowNoLineOverride">
+    <cs:lnRef idx="0"/>
+    <cs:fillRef idx="0"/>
+    <cs:effectRef idx="0"/>
+    <cs:fontRef idx="minor">
+      <a:schemeClr val="tx1"/>
+    </cs:fontRef>
+    <cs:spPr>
+      <a:solidFill>
+        <a:schemeClr val="bg1"/>
+      </a:solidFill>
+      <a:ln w="9525" cap="flat" cmpd="sng" algn="ctr">
+        <a:solidFill>
+          <a:schemeClr val="tx1">
+            <a:lumMod val="15000"/>
+            <a:lumOff val="85000"/>
+          </a:schemeClr>
+        </a:solidFill>
+        <a:round/>
+      </a:ln>
+    </cs:spPr>
+    <cs:defRPr sz="1000"/>
+  </cs:chartArea>
+  <cs:dataLabel>
+    <cs:lnRef idx="0"/>
+    <cs:fillRef idx="0"/>
+    <cs:effectRef idx="0"/>
+    <cs:fontRef idx="minor">
+      <a:schemeClr val="tx1">
+        <a:lumMod val="65000"/>
+        <a:lumOff val="35000"/>
+      </a:schemeClr>
+    </cs:fontRef>
+    <cs:defRPr sz="900"/>
+  </cs:dataLabel>
+  <cs:dataLabelCallout>
+    <cs:lnRef idx="0"/>
+    <cs:fillRef idx="0"/>
+    <cs:effectRef idx="0"/>
+    <cs:fontRef idx="minor">
+      <a:schemeClr val="dk1">
+        <a:lumMod val="65000"/>
+        <a:lumOff val="35000"/>
+      </a:schemeClr>
+    </cs:fontRef>
+    <cs:spPr>
+      <a:solidFill>
+        <a:schemeClr val="lt1"/>
+      </a:solidFill>
+      <a:ln>
+        <a:solidFill>
+          <a:schemeClr val="dk1">
+            <a:lumMod val="25000"/>
+            <a:lumOff val="75000"/>
+          </a:schemeClr>
+        </a:solidFill>
+      </a:ln>
+    </cs:spPr>
+    <cs:defRPr sz="900"/>
+    <cs:bodyPr rot="0" spcFirstLastPara="1" vertOverflow="clip" horzOverflow="clip" vert="horz" wrap="square" lIns="36576" tIns="18288" rIns="36576" bIns="18288" anchor="ctr" anchorCtr="1">
+      <a:spAutoFit/>
+    </cs:bodyPr>
+  </cs:dataLabelCallout>
+  <cs:dataPoint>
+    <cs:lnRef idx="0"/>
+    <cs:fillRef idx="0">
+      <cs:styleClr val="auto"/>
+    </cs:fillRef>
+    <cs:effectRef idx="0"/>
+    <cs:fontRef idx="minor">
+      <a:schemeClr val="tx1"/>
+    </cs:fontRef>
+    <cs:spPr>
+      <a:solidFill>
+        <a:schemeClr val="phClr"/>
+      </a:solidFill>
+    </cs:spPr>
+  </cs:dataPoint>
+  <cs:dataPoint3D>
+    <cs:lnRef idx="0"/>
+    <cs:fillRef idx="0">
+      <cs:styleClr val="auto"/>
+    </cs:fillRef>
+    <cs:effectRef idx="0"/>
+    <cs:fontRef idx="minor">
+      <a:schemeClr val="tx1"/>
+    </cs:fontRef>
+    <cs:spPr>
+      <a:solidFill>
+        <a:schemeClr val="phClr"/>
+      </a:solidFill>
+    </cs:spPr>
+  </cs:dataPoint3D>
+  <cs:dataPointLine>
+    <cs:lnRef idx="0">
+      <cs:styleClr val="auto"/>
+    </cs:lnRef>
+    <cs:fillRef idx="0"/>
+    <cs:effectRef idx="0"/>
+    <cs:fontRef idx="minor">
+      <a:schemeClr val="tx1"/>
+    </cs:fontRef>
+    <cs:spPr>
+      <a:ln w="28575" cap="rnd">
+        <a:solidFill>
+          <a:schemeClr val="phClr"/>
+        </a:solidFill>
+        <a:round/>
+      </a:ln>
+    </cs:spPr>
+  </cs:dataPointLine>
+  <cs:dataPointMarker>
+    <cs:lnRef idx="0"/>
+    <cs:fillRef idx="0">
+      <cs:styleClr val="auto"/>
+    </cs:fillRef>
+    <cs:effectRef idx="0"/>
+    <cs:fontRef idx="minor">
+      <a:schemeClr val="tx1"/>
+    </cs:fontRef>
+    <cs:spPr>
+      <a:solidFill>
+        <a:schemeClr val="phClr"/>
+      </a:solidFill>
+      <a:ln w="9525">
+        <a:solidFill>
+          <a:schemeClr val="lt1"/>
+        </a:solidFill>
+      </a:ln>
+    </cs:spPr>
+  </cs:dataPointMarker>
+  <cs:dataPointMarkerLayout symbol="circle" size="5"/>
+  <cs:dataPointWireframe>
+    <cs:lnRef idx="0">
+      <cs:styleClr val="auto"/>
+    </cs:lnRef>
+    <cs:fillRef idx="0"/>
+    <cs:effectRef idx="0"/>
+    <cs:fontRef idx="minor">
+      <a:schemeClr val="tx1"/>
+    </cs:fontRef>
+    <cs:spPr>
+      <a:ln w="28575" cap="rnd">
+        <a:solidFill>
+          <a:schemeClr val="phClr"/>
+        </a:solidFill>
+        <a:round/>
+      </a:ln>
+    </cs:spPr>
+  </cs:dataPointWireframe>
+  <cs:dataTable>
+    <cs:lnRef idx="0"/>
+    <cs:fillRef idx="0"/>
+    <cs:effectRef idx="0"/>
+    <cs:fontRef idx="minor">
+      <a:schemeClr val="tx1">
+        <a:lumMod val="65000"/>
+        <a:lumOff val="35000"/>
+      </a:schemeClr>
+    </cs:fontRef>
+    <cs:spPr>
+      <a:ln w="9525">
+        <a:solidFill>
+          <a:schemeClr val="tx1">
+            <a:lumMod val="15000"/>
+            <a:lumOff val="85000"/>
+          </a:schemeClr>
+        </a:solidFill>
+      </a:ln>
+    </cs:spPr>
+    <cs:defRPr sz="900"/>
+  </cs:dataTable>
+  <cs:downBar>
+    <cs:lnRef idx="0"/>
+    <cs:fillRef idx="0"/>
+    <cs:effectRef idx="0"/>
+    <cs:fontRef idx="minor">
+      <a:schemeClr val="dk1"/>
+    </cs:fontRef>
+    <cs:spPr>
+      <a:solidFill>
+        <a:schemeClr val="dk1">
+          <a:lumMod val="65000"/>
+          <a:lumOff val="35000"/>
+        </a:schemeClr>
+      </a:solidFill>
+      <a:ln w="9525">
+        <a:solidFill>
+          <a:schemeClr val="tx1">
+            <a:lumMod val="65000"/>
+            <a:lumOff val="35000"/>
+          </a:schemeClr>
+        </a:solidFill>
+      </a:ln>
+    </cs:spPr>
+  </cs:downBar>
+  <cs:dropLine>
+    <cs:lnRef idx="0"/>
+    <cs:fillRef idx="0"/>
+    <cs:effectRef idx="0"/>
+    <cs:fontRef idx="minor">
+      <a:schemeClr val="tx1"/>
+    </cs:fontRef>
+    <cs:spPr>
+      <a:ln w="9525" cap="flat" cmpd="sng" algn="ctr">
+        <a:solidFill>
+          <a:schemeClr val="tx1">
+            <a:lumMod val="35000"/>
+            <a:lumOff val="65000"/>
+          </a:schemeClr>
+        </a:solidFill>
+        <a:round/>
+      </a:ln>
+    </cs:spPr>
+  </cs:dropLine>
+  <cs:errorBar>
+    <cs:lnRef idx="0"/>
+    <cs:fillRef idx="0"/>
+    <cs:effectRef idx="0"/>
+    <cs:fontRef idx="minor">
+      <a:schemeClr val="tx1"/>
+    </cs:fontRef>
+    <cs:spPr>
+      <a:ln w="9525" cap="flat" cmpd="sng" algn="ctr">
+        <a:solidFill>
+          <a:schemeClr val="tx1">
+            <a:lumMod val="65000"/>
+            <a:lumOff val="35000"/>
+          </a:schemeClr>
+        </a:solidFill>
+        <a:round/>
+      </a:ln>
+    </cs:spPr>
+  </cs:errorBar>
+  <cs:floor>
+    <cs:lnRef idx="0"/>
+    <cs:fillRef idx="0"/>
+    <cs:effectRef idx="0"/>
+    <cs:fontRef idx="minor">
+      <a:schemeClr val="tx1"/>
+    </cs:fontRef>
+  </cs:floor>
+  <cs:gridlineMajor>
+    <cs:lnRef idx="0"/>
+    <cs:fillRef idx="0"/>
+    <cs:effectRef idx="0"/>
+    <cs:fontRef idx="minor">
+      <a:schemeClr val="tx1"/>
+    </cs:fontRef>
+    <cs:spPr>
+      <a:ln w="9525" cap="flat" cmpd="sng" algn="ctr">
+        <a:solidFill>
+          <a:schemeClr val="tx1">
+            <a:lumMod val="15000"/>
+            <a:lumOff val="85000"/>
+          </a:schemeClr>
+        </a:solidFill>
+        <a:round/>
+      </a:ln>
+    </cs:spPr>
+  </cs:gridlineMajor>
+  <cs:gridlineMinor>
+    <cs:lnRef idx="0"/>
+    <cs:fillRef idx="0"/>
+    <cs:effectRef idx="0"/>
+    <cs:fontRef idx="minor">
+      <a:schemeClr val="tx1"/>
+    </cs:fontRef>
+    <cs:spPr>
+      <a:ln w="9525" cap="flat" cmpd="sng" algn="ctr">
+        <a:solidFill>
+          <a:schemeClr val="tx1">
+            <a:lumMod val="15000"/>
+            <a:lumOff val="85000"/>
+          </a:schemeClr>
+        </a:solidFill>
+        <a:round/>
+      </a:ln>
+    </cs:spPr>
+  </cs:gridlineMinor>
+  <cs:hiLoLine>
+    <cs:lnRef idx="0"/>
+    <cs:fillRef idx="0"/>
+    <cs:effectRef idx="0"/>
+    <cs:fontRef idx="minor">
+      <a:schemeClr val="tx1"/>
+    </cs:fontRef>
+    <cs:spPr>
+      <a:ln w="9525" cap="flat" cmpd="sng" algn="ctr">
+        <a:solidFill>
+          <a:schemeClr val="tx1">
+            <a:lumMod val="75000"/>
+            <a:lumOff val="25000"/>
+          </a:schemeClr>
+        </a:solidFill>
+        <a:round/>
+      </a:ln>
+    </cs:spPr>
+  </cs:hiLoLine>
+  <cs:leaderLine>
+    <cs:lnRef idx="0"/>
+    <cs:fillRef idx="0"/>
+    <cs:effectRef idx="0"/>
+    <cs:fontRef idx="minor">
+      <a:schemeClr val="tx1"/>
+    </cs:fontRef>
+    <cs:spPr>
+      <a:ln w="9525" cap="flat" cmpd="sng" algn="ctr">
+        <a:solidFill>
+          <a:schemeClr val="tx1">
+            <a:lumMod val="35000"/>
+            <a:lumOff val="65000"/>
+          </a:schemeClr>
+        </a:solidFill>
+        <a:round/>
+      </a:ln>
+    </cs:spPr>
+  </cs:leaderLine>
+  <cs:legend>
+    <cs:lnRef idx="0"/>
+    <cs:fillRef idx="0"/>
+    <cs:effectRef idx="0"/>
+    <cs:fontRef idx="minor">
+      <a:schemeClr val="tx1">
+        <a:lumMod val="65000"/>
+        <a:lumOff val="35000"/>
+      </a:schemeClr>
+    </cs:fontRef>
+    <cs:defRPr sz="900"/>
+  </cs:legend>
+  <cs:plotArea mods="allowNoFillOverride allowNoLineOverride">
+    <cs:lnRef idx="0"/>
+    <cs:fillRef idx="0"/>
+    <cs:effectRef idx="0"/>
+    <cs:fontRef idx="minor">
+      <a:schemeClr val="tx1"/>
+    </cs:fontRef>
+  </cs:plotArea>
+  <cs:plotArea3D mods="allowNoFillOverride allowNoLineOverride">
+    <cs:lnRef idx="0"/>
+    <cs:fillRef idx="0"/>
+    <cs:effectRef idx="0"/>
+    <cs:fontRef idx="minor">
+      <a:schemeClr val="tx1"/>
+    </cs:fontRef>
+  </cs:plotArea3D>
+  <cs:seriesAxis>
+    <cs:lnRef idx="0"/>
+    <cs:fillRef idx="0"/>
+    <cs:effectRef idx="0"/>
+    <cs:fontRef idx="minor">
+      <a:schemeClr val="tx1">
+        <a:lumMod val="65000"/>
+        <a:lumOff val="35000"/>
+      </a:schemeClr>
+    </cs:fontRef>
+    <cs:spPr>
+      <a:ln w="9525" cap="flat" cmpd="sng" algn="ctr">
+        <a:solidFill>
+          <a:schemeClr val="tx1">
+            <a:lumMod val="15000"/>
+            <a:lumOff val="85000"/>
+          </a:schemeClr>
+        </a:solidFill>
+        <a:round/>
+      </a:ln>
+    </cs:spPr>
+    <cs:defRPr sz="900"/>
+  </cs:seriesAxis>
+  <cs:seriesLine>
+    <cs:lnRef idx="0"/>
+    <cs:fillRef idx="0"/>
+    <cs:effectRef idx="0"/>
+    <cs:fontRef idx="minor">
+      <a:schemeClr val="tx1"/>
+    </cs:fontRef>
+    <cs:spPr>
+      <a:ln w="9525" cap="flat">
+        <a:solidFill>
+          <a:srgbClr val="D9D9D9"/>
+        </a:solidFill>
+        <a:round/>
+      </a:ln>
+    </cs:spPr>
+  </cs:seriesLine>
+  <cs:title>
+    <cs:lnRef idx="0"/>
+    <cs:fillRef idx="0"/>
+    <cs:effectRef idx="0"/>
+    <cs:fontRef idx="minor">
+      <a:schemeClr val="tx1">
+        <a:lumMod val="65000"/>
+        <a:lumOff val="35000"/>
+      </a:schemeClr>
+    </cs:fontRef>
+    <cs:defRPr sz="1400"/>
+  </cs:title>
+  <cs:trendline>
+    <cs:lnRef idx="0">
+      <cs:styleClr val="auto"/>
+    </cs:lnRef>
+    <cs:fillRef idx="0"/>
+    <cs:effectRef idx="0"/>
+    <cs:fontRef idx="minor">
+      <a:schemeClr val="tx1"/>
+    </cs:fontRef>
+    <cs:spPr>
+      <a:ln w="19050" cap="rnd">
+        <a:solidFill>
+          <a:schemeClr val="phClr"/>
+        </a:solidFill>
+        <a:prstDash val="sysDash"/>
+      </a:ln>
+    </cs:spPr>
+  </cs:trendline>
+  <cs:trendlineLabel>
+    <cs:lnRef idx="0"/>
+    <cs:fillRef idx="0"/>
+    <cs:effectRef idx="0"/>
+    <cs:fontRef idx="minor">
+      <a:schemeClr val="tx1">
+        <a:lumMod val="65000"/>
+        <a:lumOff val="35000"/>
+      </a:schemeClr>
+    </cs:fontRef>
+    <cs:defRPr sz="900"/>
+  </cs:trendlineLabel>
+  <cs:upBar>
+    <cs:lnRef idx="0"/>
+    <cs:fillRef idx="0"/>
+    <cs:effectRef idx="0"/>
+    <cs:fontRef idx="minor">
+      <a:schemeClr val="dk1"/>
+    </cs:fontRef>
+    <cs:spPr>
+      <a:solidFill>
+        <a:schemeClr val="lt1"/>
+      </a:solidFill>
+      <a:ln w="9525">
+        <a:solidFill>
+          <a:schemeClr val="tx1">
+            <a:lumMod val="15000"/>
+            <a:lumOff val="85000"/>
+          </a:schemeClr>
+        </a:solidFill>
+      </a:ln>
+    </cs:spPr>
+  </cs:upBar>
+  <cs:valueAxis>
+    <cs:lnRef idx="0"/>
+    <cs:fillRef idx="0"/>
+    <cs:effectRef idx="0"/>
+    <cs:fontRef idx="minor">
+      <a:schemeClr val="tx1">
+        <a:lumMod val="65000"/>
+        <a:lumOff val="35000"/>
+      </a:schemeClr>
+    </cs:fontRef>
+    <cs:defRPr sz="900"/>
+  </cs:valueAxis>
+  <cs:wall>
+    <cs:lnRef idx="0"/>
+    <cs:fillRef idx="0"/>
+    <cs:effectRef idx="0"/>
+    <cs:fontRef idx="minor">
+      <a:schemeClr val="tx1"/>
+    </cs:fontRef>
+  </cs:wall>
+</cs:chartStyle>
+</file>
+
+<file path=ppt/charts/style2.xml><?xml version="1.0" encoding="utf-8"?>
+<cs:chartStyle xmlns:cs="http://schemas.microsoft.com/office/drawing/2012/chartStyle" xmlns:a="http://schemas.openxmlformats.org/drawingml/2006/main" id="366">
+  <cs:axisTitle>
+    <cs:lnRef idx="0"/>
+    <cs:fillRef idx="0"/>
+    <cs:effectRef idx="0"/>
+    <cs:fontRef idx="minor">
+      <a:schemeClr val="tx1">
+        <a:lumMod val="65000"/>
+        <a:lumOff val="35000"/>
+      </a:schemeClr>
+    </cs:fontRef>
+    <cs:defRPr sz="900"/>
+  </cs:axisTitle>
+  <cs:categoryAxis>
+    <cs:lnRef idx="0"/>
+    <cs:fillRef idx="0"/>
+    <cs:effectRef idx="0"/>
+    <cs:fontRef idx="minor">
+      <a:schemeClr val="tx1">
+        <a:lumMod val="65000"/>
+        <a:lumOff val="35000"/>
+      </a:schemeClr>
+    </cs:fontRef>
+    <cs:spPr>
+      <a:ln w="9525" cap="flat" cmpd="sng" algn="ctr">
+        <a:solidFill>
+          <a:schemeClr val="tx1">
+            <a:lumMod val="15000"/>
+            <a:lumOff val="85000"/>
+          </a:schemeClr>
+        </a:solidFill>
+        <a:round/>
+      </a:ln>
+    </cs:spPr>
+    <cs:defRPr sz="900"/>
+  </cs:categoryAxis>
+  <cs:chartArea mods="allowNoFillOverride allowNoLineOverride">
+    <cs:lnRef idx="0"/>
+    <cs:fillRef idx="0"/>
+    <cs:effectRef idx="0"/>
+    <cs:fontRef idx="minor">
+      <a:schemeClr val="tx1"/>
+    </cs:fontRef>
+    <cs:spPr>
+      <a:solidFill>
+        <a:schemeClr val="bg1"/>
+      </a:solidFill>
+      <a:ln w="9525" cap="flat" cmpd="sng" algn="ctr">
+        <a:solidFill>
+          <a:schemeClr val="tx1">
+            <a:lumMod val="15000"/>
+            <a:lumOff val="85000"/>
+          </a:schemeClr>
+        </a:solidFill>
+        <a:round/>
+      </a:ln>
+    </cs:spPr>
+    <cs:defRPr sz="1000"/>
+  </cs:chartArea>
+  <cs:dataLabel>
+    <cs:lnRef idx="0"/>
+    <cs:fillRef idx="0"/>
+    <cs:effectRef idx="0"/>
+    <cs:fontRef idx="minor">
+      <a:schemeClr val="tx1">
+        <a:lumMod val="65000"/>
+        <a:lumOff val="35000"/>
+      </a:schemeClr>
+    </cs:fontRef>
+    <cs:defRPr sz="900"/>
+  </cs:dataLabel>
+  <cs:dataLabelCallout>
+    <cs:lnRef idx="0"/>
+    <cs:fillRef idx="0"/>
+    <cs:effectRef idx="0"/>
+    <cs:fontRef idx="minor">
+      <a:schemeClr val="dk1">
+        <a:lumMod val="65000"/>
+        <a:lumOff val="35000"/>
+      </a:schemeClr>
+    </cs:fontRef>
+    <cs:spPr>
+      <a:solidFill>
+        <a:schemeClr val="lt1"/>
+      </a:solidFill>
+      <a:ln>
+        <a:solidFill>
+          <a:schemeClr val="dk1">
+            <a:lumMod val="25000"/>
+            <a:lumOff val="75000"/>
+          </a:schemeClr>
+        </a:solidFill>
+      </a:ln>
+    </cs:spPr>
+    <cs:defRPr sz="900"/>
+    <cs:bodyPr rot="0" spcFirstLastPara="1" vertOverflow="clip" horzOverflow="clip" vert="horz" wrap="square" lIns="36576" tIns="18288" rIns="36576" bIns="18288" anchor="ctr" anchorCtr="1">
+      <a:spAutoFit/>
+    </cs:bodyPr>
+  </cs:dataLabelCallout>
+  <cs:dataPoint>
+    <cs:lnRef idx="0"/>
+    <cs:fillRef idx="0">
+      <cs:styleClr val="auto"/>
+    </cs:fillRef>
+    <cs:effectRef idx="0"/>
+    <cs:fontRef idx="minor">
+      <a:schemeClr val="tx1"/>
+    </cs:fontRef>
+    <cs:spPr>
+      <a:solidFill>
+        <a:schemeClr val="phClr"/>
+      </a:solidFill>
+    </cs:spPr>
+  </cs:dataPoint>
+  <cs:dataPoint3D>
+    <cs:lnRef idx="0"/>
+    <cs:fillRef idx="0">
+      <cs:styleClr val="auto"/>
+    </cs:fillRef>
+    <cs:effectRef idx="0"/>
+    <cs:fontRef idx="minor">
+      <a:schemeClr val="tx1"/>
+    </cs:fontRef>
+    <cs:spPr>
+      <a:solidFill>
+        <a:schemeClr val="phClr"/>
+      </a:solidFill>
+    </cs:spPr>
+  </cs:dataPoint3D>
+  <cs:dataPointLine>
+    <cs:lnRef idx="0">
+      <cs:styleClr val="auto"/>
+    </cs:lnRef>
+    <cs:fillRef idx="0"/>
+    <cs:effectRef idx="0"/>
+    <cs:fontRef idx="minor">
+      <a:schemeClr val="tx1"/>
+    </cs:fontRef>
+    <cs:spPr>
+      <a:ln w="28575" cap="rnd">
+        <a:solidFill>
+          <a:schemeClr val="phClr"/>
+        </a:solidFill>
+        <a:round/>
+      </a:ln>
+    </cs:spPr>
+  </cs:dataPointLine>
+  <cs:dataPointMarker>
+    <cs:lnRef idx="0"/>
+    <cs:fillRef idx="0">
+      <cs:styleClr val="auto"/>
+    </cs:fillRef>
+    <cs:effectRef idx="0"/>
+    <cs:fontRef idx="minor">
+      <a:schemeClr val="tx1"/>
+    </cs:fontRef>
+    <cs:spPr>
+      <a:solidFill>
+        <a:schemeClr val="phClr"/>
+      </a:solidFill>
+      <a:ln w="9525">
+        <a:solidFill>
+          <a:schemeClr val="lt1"/>
+        </a:solidFill>
+      </a:ln>
+    </cs:spPr>
+  </cs:dataPointMarker>
+  <cs:dataPointMarkerLayout symbol="circle" size="5"/>
+  <cs:dataPointWireframe>
+    <cs:lnRef idx="0">
+      <cs:styleClr val="auto"/>
+    </cs:lnRef>
+    <cs:fillRef idx="0"/>
+    <cs:effectRef idx="0"/>
+    <cs:fontRef idx="minor">
+      <a:schemeClr val="tx1"/>
+    </cs:fontRef>
+    <cs:spPr>
+      <a:ln w="28575" cap="rnd">
+        <a:solidFill>
+          <a:schemeClr val="phClr"/>
+        </a:solidFill>
+        <a:round/>
+      </a:ln>
+    </cs:spPr>
+  </cs:dataPointWireframe>
+  <cs:dataTable>
+    <cs:lnRef idx="0"/>
+    <cs:fillRef idx="0"/>
+    <cs:effectRef idx="0"/>
+    <cs:fontRef idx="minor">
+      <a:schemeClr val="tx1">
+        <a:lumMod val="65000"/>
+        <a:lumOff val="35000"/>
+      </a:schemeClr>
+    </cs:fontRef>
+    <cs:spPr>
+      <a:ln w="9525">
+        <a:solidFill>
+          <a:schemeClr val="tx1">
+            <a:lumMod val="15000"/>
+            <a:lumOff val="85000"/>
+          </a:schemeClr>
+        </a:solidFill>
+      </a:ln>
+    </cs:spPr>
+    <cs:defRPr sz="900"/>
+  </cs:dataTable>
+  <cs:downBar>
+    <cs:lnRef idx="0"/>
+    <cs:fillRef idx="0"/>
+    <cs:effectRef idx="0"/>
+    <cs:fontRef idx="minor">
+      <a:schemeClr val="dk1"/>
+    </cs:fontRef>
+    <cs:spPr>
+      <a:solidFill>
+        <a:schemeClr val="dk1">
+          <a:lumMod val="65000"/>
+          <a:lumOff val="35000"/>
+        </a:schemeClr>
+      </a:solidFill>
+      <a:ln w="9525">
+        <a:solidFill>
+          <a:schemeClr val="tx1">
+            <a:lumMod val="65000"/>
+            <a:lumOff val="35000"/>
+          </a:schemeClr>
+        </a:solidFill>
+      </a:ln>
+    </cs:spPr>
+  </cs:downBar>
+  <cs:dropLine>
+    <cs:lnRef idx="0"/>
+    <cs:fillRef idx="0"/>
+    <cs:effectRef idx="0"/>
+    <cs:fontRef idx="minor">
+      <a:schemeClr val="tx1"/>
+    </cs:fontRef>
+    <cs:spPr>
+      <a:ln w="9525" cap="flat" cmpd="sng" algn="ctr">
+        <a:solidFill>
+          <a:schemeClr val="tx1">
+            <a:lumMod val="35000"/>
+            <a:lumOff val="65000"/>
+          </a:schemeClr>
+        </a:solidFill>
+        <a:round/>
+      </a:ln>
+    </cs:spPr>
+  </cs:dropLine>
+  <cs:errorBar>
+    <cs:lnRef idx="0"/>
+    <cs:fillRef idx="0"/>
+    <cs:effectRef idx="0"/>
+    <cs:fontRef idx="minor">
+      <a:schemeClr val="tx1"/>
+    </cs:fontRef>
+    <cs:spPr>
+      <a:ln w="9525" cap="flat" cmpd="sng" algn="ctr">
+        <a:solidFill>
+          <a:schemeClr val="tx1">
+            <a:lumMod val="65000"/>
+            <a:lumOff val="35000"/>
+          </a:schemeClr>
+        </a:solidFill>
+        <a:round/>
+      </a:ln>
+    </cs:spPr>
+  </cs:errorBar>
+  <cs:floor>
+    <cs:lnRef idx="0"/>
+    <cs:fillRef idx="0"/>
+    <cs:effectRef idx="0"/>
+    <cs:fontRef idx="minor">
+      <a:schemeClr val="tx1"/>
+    </cs:fontRef>
+  </cs:floor>
+  <cs:gridlineMajor>
+    <cs:lnRef idx="0"/>
+    <cs:fillRef idx="0"/>
+    <cs:effectRef idx="0"/>
+    <cs:fontRef idx="minor">
+      <a:schemeClr val="tx1"/>
+    </cs:fontRef>
+    <cs:spPr>
+      <a:ln w="9525" cap="flat" cmpd="sng" algn="ctr">
+        <a:solidFill>
+          <a:schemeClr val="tx1">
+            <a:lumMod val="15000"/>
+            <a:lumOff val="85000"/>
+          </a:schemeClr>
+        </a:solidFill>
+        <a:round/>
+      </a:ln>
+    </cs:spPr>
+  </cs:gridlineMajor>
+  <cs:gridlineMinor>
+    <cs:lnRef idx="0"/>
+    <cs:fillRef idx="0"/>
+    <cs:effectRef idx="0"/>
+    <cs:fontRef idx="minor">
+      <a:schemeClr val="tx1"/>
+    </cs:fontRef>
+    <cs:spPr>
+      <a:ln w="9525" cap="flat" cmpd="sng" algn="ctr">
+        <a:solidFill>
+          <a:schemeClr val="tx1">
+            <a:lumMod val="15000"/>
+            <a:lumOff val="85000"/>
+          </a:schemeClr>
+        </a:solidFill>
+        <a:round/>
+      </a:ln>
+    </cs:spPr>
+  </cs:gridlineMinor>
+  <cs:hiLoLine>
+    <cs:lnRef idx="0"/>
+    <cs:fillRef idx="0"/>
+    <cs:effectRef idx="0"/>
+    <cs:fontRef idx="minor">
+      <a:schemeClr val="tx1"/>
+    </cs:fontRef>
+    <cs:spPr>
+      <a:ln w="9525" cap="flat" cmpd="sng" algn="ctr">
+        <a:solidFill>
+          <a:schemeClr val="tx1">
+            <a:lumMod val="75000"/>
+            <a:lumOff val="25000"/>
+          </a:schemeClr>
+        </a:solidFill>
+        <a:round/>
+      </a:ln>
+    </cs:spPr>
+  </cs:hiLoLine>
+  <cs:leaderLine>
+    <cs:lnRef idx="0"/>
+    <cs:fillRef idx="0"/>
+    <cs:effectRef idx="0"/>
+    <cs:fontRef idx="minor">
+      <a:schemeClr val="tx1"/>
+    </cs:fontRef>
+    <cs:spPr>
+      <a:ln w="9525" cap="flat" cmpd="sng" algn="ctr">
+        <a:solidFill>
+          <a:schemeClr val="tx1">
+            <a:lumMod val="35000"/>
+            <a:lumOff val="65000"/>
+          </a:schemeClr>
+        </a:solidFill>
+        <a:round/>
+      </a:ln>
+    </cs:spPr>
+  </cs:leaderLine>
+  <cs:legend>
+    <cs:lnRef idx="0"/>
+    <cs:fillRef idx="0"/>
+    <cs:effectRef idx="0"/>
+    <cs:fontRef idx="minor">
+      <a:schemeClr val="tx1">
+        <a:lumMod val="65000"/>
+        <a:lumOff val="35000"/>
+      </a:schemeClr>
+    </cs:fontRef>
+    <cs:defRPr sz="900"/>
+  </cs:legend>
+  <cs:plotArea mods="allowNoFillOverride allowNoLineOverride">
+    <cs:lnRef idx="0"/>
+    <cs:fillRef idx="0"/>
+    <cs:effectRef idx="0"/>
+    <cs:fontRef idx="minor">
+      <a:schemeClr val="tx1"/>
+    </cs:fontRef>
+  </cs:plotArea>
+  <cs:plotArea3D mods="allowNoFillOverride allowNoLineOverride">
+    <cs:lnRef idx="0"/>
+    <cs:fillRef idx="0"/>
+    <cs:effectRef idx="0"/>
+    <cs:fontRef idx="minor">
+      <a:schemeClr val="tx1"/>
+    </cs:fontRef>
+  </cs:plotArea3D>
+  <cs:seriesAxis>
+    <cs:lnRef idx="0"/>
+    <cs:fillRef idx="0"/>
+    <cs:effectRef idx="0"/>
+    <cs:fontRef idx="minor">
+      <a:schemeClr val="tx1">
+        <a:lumMod val="65000"/>
+        <a:lumOff val="35000"/>
+      </a:schemeClr>
+    </cs:fontRef>
+    <cs:spPr>
+      <a:ln w="9525" cap="flat" cmpd="sng" algn="ctr">
+        <a:solidFill>
+          <a:schemeClr val="tx1">
+            <a:lumMod val="15000"/>
+            <a:lumOff val="85000"/>
+          </a:schemeClr>
+        </a:solidFill>
+        <a:round/>
+      </a:ln>
+    </cs:spPr>
+    <cs:defRPr sz="900"/>
+  </cs:seriesAxis>
+  <cs:seriesLine>
+    <cs:lnRef idx="0"/>
+    <cs:fillRef idx="0"/>
+    <cs:effectRef idx="0"/>
+    <cs:fontRef idx="minor">
+      <a:schemeClr val="tx1"/>
+    </cs:fontRef>
+    <cs:spPr>
+      <a:ln w="9525" cap="flat">
+        <a:solidFill>
+          <a:srgbClr val="D9D9D9"/>
+        </a:solidFill>
+        <a:round/>
+      </a:ln>
+    </cs:spPr>
+  </cs:seriesLine>
+  <cs:title>
+    <cs:lnRef idx="0"/>
+    <cs:fillRef idx="0"/>
+    <cs:effectRef idx="0"/>
+    <cs:fontRef idx="minor">
+      <a:schemeClr val="tx1">
+        <a:lumMod val="65000"/>
+        <a:lumOff val="35000"/>
+      </a:schemeClr>
+    </cs:fontRef>
+    <cs:defRPr sz="1400"/>
+  </cs:title>
+  <cs:trendline>
+    <cs:lnRef idx="0">
+      <cs:styleClr val="auto"/>
+    </cs:lnRef>
+    <cs:fillRef idx="0"/>
+    <cs:effectRef idx="0"/>
+    <cs:fontRef idx="minor">
+      <a:schemeClr val="tx1"/>
+    </cs:fontRef>
+    <cs:spPr>
+      <a:ln w="19050" cap="rnd">
+        <a:solidFill>
+          <a:schemeClr val="phClr"/>
+        </a:solidFill>
+        <a:prstDash val="sysDash"/>
+      </a:ln>
+    </cs:spPr>
+  </cs:trendline>
+  <cs:trendlineLabel>
+    <cs:lnRef idx="0"/>
+    <cs:fillRef idx="0"/>
+    <cs:effectRef idx="0"/>
+    <cs:fontRef idx="minor">
+      <a:schemeClr val="tx1">
+        <a:lumMod val="65000"/>
+        <a:lumOff val="35000"/>
+      </a:schemeClr>
+    </cs:fontRef>
+    <cs:defRPr sz="900"/>
+  </cs:trendlineLabel>
+  <cs:upBar>
+    <cs:lnRef idx="0"/>
+    <cs:fillRef idx="0"/>
+    <cs:effectRef idx="0"/>
+    <cs:fontRef idx="minor">
+      <a:schemeClr val="dk1"/>
+    </cs:fontRef>
+    <cs:spPr>
+      <a:solidFill>
+        <a:schemeClr val="lt1"/>
+      </a:solidFill>
+      <a:ln w="9525">
+        <a:solidFill>
+          <a:schemeClr val="tx1">
+            <a:lumMod val="15000"/>
+            <a:lumOff val="85000"/>
+          </a:schemeClr>
+        </a:solidFill>
+      </a:ln>
+    </cs:spPr>
+  </cs:upBar>
+  <cs:valueAxis>
+    <cs:lnRef idx="0"/>
+    <cs:fillRef idx="0"/>
+    <cs:effectRef idx="0"/>
+    <cs:fontRef idx="minor">
+      <a:schemeClr val="tx1">
+        <a:lumMod val="65000"/>
+        <a:lumOff val="35000"/>
+      </a:schemeClr>
+    </cs:fontRef>
+    <cs:defRPr sz="900"/>
+  </cs:valueAxis>
+  <cs:wall>
+    <cs:lnRef idx="0"/>
+    <cs:fillRef idx="0"/>
+    <cs:effectRef idx="0"/>
+    <cs:fontRef idx="minor">
+      <a:schemeClr val="tx1"/>
+    </cs:fontRef>
+  </cs:wall>
+</cs:chartStyle>
+</file>
+
 <file path=ppt/notesMasters/notesMaster1.xml><?xml version="1.0" encoding="utf-8"?>
 <p:notesMaster xmlns:a="http://schemas.openxmlformats.org/drawingml/2006/main" xmlns:r="http://schemas.openxmlformats.org/officeDocument/2006/relationships" xmlns:p="http://schemas.openxmlformats.org/presentationml/2006/main">
   <p:cSld>
@@ -212,7 +3058,7 @@
           <a:p>
             <a:fld id="{A40E7DE1-637E-4C16-BDAC-A63ABFC9CBFF}" type="datetimeFigureOut">
               <a:rPr lang="en-US" smtClean="0"/>
-              <a:t>7/6/2020</a:t>
+              <a:t>7/13/2020</a:t>
             </a:fld>
             <a:endParaRPr lang="en-US"/>
           </a:p>
@@ -523,7 +3369,10 @@
           <a:bodyPr/>
           <a:lstStyle/>
           <a:p>
-            <a:endParaRPr lang="en-US" dirty="0"/>
+            <a:r>
+              <a:rPr lang="en-US" dirty="0"/>
+              <a:t>Done along columns (x-axis) because that’s where we would expect the most differences</a:t>
+            </a:r>
           </a:p>
         </p:txBody>
       </p:sp>
@@ -544,7 +3393,7 @@
           <a:p>
             <a:fld id="{29A07F0B-DB57-4930-AA47-B2FCA5AF27F8}" type="slidenum">
               <a:rPr lang="en-US" smtClean="0"/>
-              <a:t>6</a:t>
+              <a:t>4</a:t>
             </a:fld>
             <a:endParaRPr lang="en-US"/>
           </a:p>
@@ -553,7 +3402,97 @@
     </p:spTree>
     <p:extLst>
       <p:ext uri="{BB962C8B-B14F-4D97-AF65-F5344CB8AC3E}">
-        <p14:creationId xmlns:p14="http://schemas.microsoft.com/office/powerpoint/2010/main" val="2223936534"/>
+        <p14:creationId xmlns:p14="http://schemas.microsoft.com/office/powerpoint/2010/main" val="4116033455"/>
+      </p:ext>
+    </p:extLst>
+  </p:cSld>
+  <p:clrMapOvr>
+    <a:masterClrMapping/>
+  </p:clrMapOvr>
+</p:notes>
+</file>
+
+<file path=ppt/notesSlides/notesSlide10.xml><?xml version="1.0" encoding="utf-8"?>
+<p:notes xmlns:a="http://schemas.openxmlformats.org/drawingml/2006/main" xmlns:r="http://schemas.openxmlformats.org/officeDocument/2006/relationships" xmlns:p="http://schemas.openxmlformats.org/presentationml/2006/main">
+  <p:cSld>
+    <p:spTree>
+      <p:nvGrpSpPr>
+        <p:cNvPr id="1" name=""/>
+        <p:cNvGrpSpPr/>
+        <p:nvPr/>
+      </p:nvGrpSpPr>
+      <p:grpSpPr>
+        <a:xfrm>
+          <a:off x="0" y="0"/>
+          <a:ext cx="0" cy="0"/>
+          <a:chOff x="0" y="0"/>
+          <a:chExt cx="0" cy="0"/>
+        </a:xfrm>
+      </p:grpSpPr>
+      <p:sp>
+        <p:nvSpPr>
+          <p:cNvPr id="2" name="Slide Image Placeholder 1"/>
+          <p:cNvSpPr>
+            <a:spLocks noGrp="1" noRot="1" noChangeAspect="1"/>
+          </p:cNvSpPr>
+          <p:nvPr>
+            <p:ph type="sldImg"/>
+          </p:nvPr>
+        </p:nvSpPr>
+        <p:spPr/>
+      </p:sp>
+      <p:sp>
+        <p:nvSpPr>
+          <p:cNvPr id="3" name="Notes Placeholder 2"/>
+          <p:cNvSpPr>
+            <a:spLocks noGrp="1"/>
+          </p:cNvSpPr>
+          <p:nvPr>
+            <p:ph type="body" idx="1"/>
+          </p:nvPr>
+        </p:nvSpPr>
+        <p:spPr/>
+        <p:txBody>
+          <a:bodyPr/>
+          <a:lstStyle/>
+          <a:p>
+            <a:r>
+              <a:rPr lang="en-US" dirty="0"/>
+              <a:t>Lots of different thresholds used and a different number of thresholds used for each – why?</a:t>
+            </a:r>
+          </a:p>
+          <a:p>
+            <a:endParaRPr lang="en-US" dirty="0"/>
+          </a:p>
+        </p:txBody>
+      </p:sp>
+      <p:sp>
+        <p:nvSpPr>
+          <p:cNvPr id="4" name="Slide Number Placeholder 3"/>
+          <p:cNvSpPr>
+            <a:spLocks noGrp="1"/>
+          </p:cNvSpPr>
+          <p:nvPr>
+            <p:ph type="sldNum" sz="quarter" idx="5"/>
+          </p:nvPr>
+        </p:nvSpPr>
+        <p:spPr/>
+        <p:txBody>
+          <a:bodyPr/>
+          <a:lstStyle/>
+          <a:p>
+            <a:fld id="{29A07F0B-DB57-4930-AA47-B2FCA5AF27F8}" type="slidenum">
+              <a:rPr lang="en-US" smtClean="0"/>
+              <a:t>19</a:t>
+            </a:fld>
+            <a:endParaRPr lang="en-US"/>
+          </a:p>
+        </p:txBody>
+      </p:sp>
+    </p:spTree>
+    <p:extLst>
+      <p:ext uri="{BB962C8B-B14F-4D97-AF65-F5344CB8AC3E}">
+        <p14:creationId xmlns:p14="http://schemas.microsoft.com/office/powerpoint/2010/main" val="2392986750"/>
       </p:ext>
     </p:extLst>
   </p:cSld>
@@ -607,1091 +3546,7 @@
           <a:bodyPr/>
           <a:lstStyle/>
           <a:p>
-            <a:r>
-              <a:rPr lang="en-US" dirty="0" err="1"/>
-              <a:t>Whole_animal</a:t>
-            </a:r>
-            <a:r>
-              <a:rPr lang="en-US" dirty="0"/>
-              <a:t>: pc2/1</a:t>
-            </a:r>
-          </a:p>
-          <a:p>
-            <a:r>
-              <a:rPr lang="en-US" dirty="0"/>
-              <a:t>Clear: pc2/4</a:t>
-            </a:r>
-          </a:p>
-          <a:p>
-            <a:r>
-              <a:rPr lang="en-US" dirty="0" err="1"/>
-              <a:t>Single_Loaded</a:t>
-            </a:r>
-            <a:r>
-              <a:rPr lang="en-US" dirty="0"/>
-              <a:t>: pc3/1</a:t>
-            </a:r>
-          </a:p>
-          <a:p>
-            <a:r>
-              <a:rPr lang="en-US" dirty="0" err="1"/>
-              <a:t>Head_First</a:t>
-            </a:r>
-            <a:r>
-              <a:rPr lang="en-US" dirty="0"/>
-              <a:t>: pc2/3</a:t>
-            </a:r>
-          </a:p>
-          <a:p>
-            <a:r>
-              <a:rPr lang="en-US" dirty="0"/>
-              <a:t>Straight: pc3/7</a:t>
-            </a:r>
-          </a:p>
-          <a:p>
             <a:endParaRPr lang="en-US" dirty="0"/>
-          </a:p>
-          <a:p>
-            <a:r>
-              <a:rPr lang="en-US" dirty="0"/>
-              <a:t>Features: </a:t>
-            </a:r>
-            <a:r>
-              <a:rPr lang="en-US" sz="1800" b="0" i="0" u="none" strike="noStrike" dirty="0">
-                <a:solidFill>
-                  <a:srgbClr val="000000"/>
-                </a:solidFill>
-                <a:effectLst/>
-                <a:latin typeface="Calibri" panose="020F0502020204030204" pitchFamily="34" charset="0"/>
-              </a:rPr>
-              <a:t>Num</a:t>
-            </a:r>
-            <a:r>
-              <a:rPr lang="en-US" b="0" dirty="0"/>
-              <a:t> </a:t>
-            </a:r>
-            <a:r>
-              <a:rPr lang="en-US" sz="1800" b="0" i="0" u="none" strike="noStrike" dirty="0">
-                <a:solidFill>
-                  <a:srgbClr val="000000"/>
-                </a:solidFill>
-                <a:effectLst/>
-                <a:latin typeface="Calibri" panose="020F0502020204030204" pitchFamily="34" charset="0"/>
-              </a:rPr>
-              <a:t>threshold</a:t>
-            </a:r>
-            <a:r>
-              <a:rPr lang="en-US" b="0" dirty="0"/>
-              <a:t> </a:t>
-            </a:r>
-            <a:r>
-              <a:rPr lang="en-US" sz="1800" b="0" i="0" u="none" strike="noStrike" dirty="0" err="1">
-                <a:solidFill>
-                  <a:srgbClr val="000000"/>
-                </a:solidFill>
-                <a:effectLst/>
-                <a:latin typeface="Calibri" panose="020F0502020204030204" pitchFamily="34" charset="0"/>
-              </a:rPr>
-              <a:t>num_regions</a:t>
-            </a:r>
-            <a:r>
-              <a:rPr lang="en-US" b="0" dirty="0"/>
-              <a:t> </a:t>
-            </a:r>
-            <a:r>
-              <a:rPr lang="en-US" sz="1800" b="0" i="0" u="none" strike="noStrike" dirty="0" err="1">
-                <a:solidFill>
-                  <a:srgbClr val="000000"/>
-                </a:solidFill>
-                <a:effectLst/>
-                <a:latin typeface="Calibri" panose="020F0502020204030204" pitchFamily="34" charset="0"/>
-              </a:rPr>
-              <a:t>est_len</a:t>
-            </a:r>
-            <a:r>
-              <a:rPr lang="en-US" b="0" dirty="0"/>
-              <a:t> </a:t>
-            </a:r>
-            <a:r>
-              <a:rPr lang="en-US" sz="1800" b="0" i="0" u="none" strike="noStrike" dirty="0">
-                <a:solidFill>
-                  <a:srgbClr val="000000"/>
-                </a:solidFill>
-                <a:effectLst/>
-                <a:latin typeface="Calibri" panose="020F0502020204030204" pitchFamily="34" charset="0"/>
-              </a:rPr>
-              <a:t>MeanInt-1</a:t>
-            </a:r>
-            <a:r>
-              <a:rPr lang="en-US" b="0" dirty="0"/>
-              <a:t> </a:t>
-            </a:r>
-            <a:r>
-              <a:rPr lang="en-US" sz="1800" b="0" i="0" u="none" strike="noStrike" dirty="0">
-                <a:solidFill>
-                  <a:srgbClr val="000000"/>
-                </a:solidFill>
-                <a:effectLst/>
-                <a:latin typeface="Calibri" panose="020F0502020204030204" pitchFamily="34" charset="0"/>
-              </a:rPr>
-              <a:t>avgWidth-1</a:t>
-            </a:r>
-            <a:r>
-              <a:rPr lang="en-US" b="0" dirty="0"/>
-              <a:t> </a:t>
-            </a:r>
-            <a:r>
-              <a:rPr lang="en-US" sz="1800" b="0" i="0" u="none" strike="noStrike" dirty="0">
-                <a:solidFill>
-                  <a:srgbClr val="000000"/>
-                </a:solidFill>
-                <a:effectLst/>
-                <a:latin typeface="Calibri" panose="020F0502020204030204" pitchFamily="34" charset="0"/>
-              </a:rPr>
-              <a:t>stdInt-1</a:t>
-            </a:r>
-            <a:r>
-              <a:rPr lang="en-US" b="0" dirty="0"/>
-              <a:t> </a:t>
-            </a:r>
-            <a:r>
-              <a:rPr lang="en-US" sz="1800" b="0" i="0" u="none" strike="noStrike" dirty="0">
-                <a:solidFill>
-                  <a:srgbClr val="000000"/>
-                </a:solidFill>
-                <a:effectLst/>
-                <a:latin typeface="Calibri" panose="020F0502020204030204" pitchFamily="34" charset="0"/>
-              </a:rPr>
-              <a:t>perct95-1</a:t>
-            </a:r>
-            <a:r>
-              <a:rPr lang="en-US" b="0" dirty="0"/>
-              <a:t> </a:t>
-            </a:r>
-            <a:r>
-              <a:rPr lang="en-US" sz="1800" b="0" i="0" u="none" strike="noStrike" dirty="0">
-                <a:solidFill>
-                  <a:srgbClr val="000000"/>
-                </a:solidFill>
-                <a:effectLst/>
-                <a:latin typeface="Calibri" panose="020F0502020204030204" pitchFamily="34" charset="0"/>
-              </a:rPr>
-              <a:t>medianInt-1</a:t>
-            </a:r>
-            <a:r>
-              <a:rPr lang="en-US" b="0" dirty="0"/>
-              <a:t> </a:t>
-            </a:r>
-            <a:r>
-              <a:rPr lang="en-US" sz="1800" b="0" i="0" u="none" strike="noStrike" dirty="0">
-                <a:solidFill>
-                  <a:srgbClr val="000000"/>
-                </a:solidFill>
-                <a:effectLst/>
-                <a:latin typeface="Calibri" panose="020F0502020204030204" pitchFamily="34" charset="0"/>
-              </a:rPr>
-              <a:t>sumInt-1</a:t>
-            </a:r>
-            <a:r>
-              <a:rPr lang="en-US" b="0" dirty="0"/>
-              <a:t> </a:t>
-            </a:r>
-            <a:r>
-              <a:rPr lang="en-US" sz="1800" b="0" i="0" u="none" strike="noStrike" dirty="0">
-                <a:solidFill>
-                  <a:srgbClr val="000000"/>
-                </a:solidFill>
-                <a:effectLst/>
-                <a:latin typeface="Calibri" panose="020F0502020204030204" pitchFamily="34" charset="0"/>
-              </a:rPr>
-              <a:t>MeanInt-2</a:t>
-            </a:r>
-            <a:r>
-              <a:rPr lang="en-US" b="0" dirty="0"/>
-              <a:t> </a:t>
-            </a:r>
-            <a:r>
-              <a:rPr lang="en-US" sz="1800" b="0" i="0" u="none" strike="noStrike" dirty="0">
-                <a:solidFill>
-                  <a:srgbClr val="000000"/>
-                </a:solidFill>
-                <a:effectLst/>
-                <a:latin typeface="Calibri" panose="020F0502020204030204" pitchFamily="34" charset="0"/>
-              </a:rPr>
-              <a:t>avgWidth-2</a:t>
-            </a:r>
-            <a:r>
-              <a:rPr lang="en-US" b="0" dirty="0"/>
-              <a:t> </a:t>
-            </a:r>
-            <a:r>
-              <a:rPr lang="en-US" sz="1800" b="0" i="0" u="none" strike="noStrike" dirty="0">
-                <a:solidFill>
-                  <a:srgbClr val="000000"/>
-                </a:solidFill>
-                <a:effectLst/>
-                <a:latin typeface="Calibri" panose="020F0502020204030204" pitchFamily="34" charset="0"/>
-              </a:rPr>
-              <a:t>stdInt-2</a:t>
-            </a:r>
-            <a:r>
-              <a:rPr lang="en-US" b="0" dirty="0"/>
-              <a:t> </a:t>
-            </a:r>
-            <a:r>
-              <a:rPr lang="en-US" sz="1800" b="0" i="0" u="none" strike="noStrike" dirty="0">
-                <a:solidFill>
-                  <a:srgbClr val="000000"/>
-                </a:solidFill>
-                <a:effectLst/>
-                <a:latin typeface="Calibri" panose="020F0502020204030204" pitchFamily="34" charset="0"/>
-              </a:rPr>
-              <a:t>perct95-2</a:t>
-            </a:r>
-            <a:r>
-              <a:rPr lang="en-US" b="0" dirty="0"/>
-              <a:t> </a:t>
-            </a:r>
-            <a:r>
-              <a:rPr lang="en-US" sz="1800" b="0" i="0" u="none" strike="noStrike" dirty="0">
-                <a:solidFill>
-                  <a:srgbClr val="000000"/>
-                </a:solidFill>
-                <a:effectLst/>
-                <a:latin typeface="Calibri" panose="020F0502020204030204" pitchFamily="34" charset="0"/>
-              </a:rPr>
-              <a:t>medianInt-2</a:t>
-            </a:r>
-            <a:r>
-              <a:rPr lang="en-US" b="0" dirty="0"/>
-              <a:t> </a:t>
-            </a:r>
-            <a:r>
-              <a:rPr lang="en-US" sz="1800" b="0" i="0" u="none" strike="noStrike" dirty="0">
-                <a:solidFill>
-                  <a:srgbClr val="000000"/>
-                </a:solidFill>
-                <a:effectLst/>
-                <a:latin typeface="Calibri" panose="020F0502020204030204" pitchFamily="34" charset="0"/>
-              </a:rPr>
-              <a:t>sumInt-2</a:t>
-            </a:r>
-            <a:r>
-              <a:rPr lang="en-US" b="0" dirty="0"/>
-              <a:t> </a:t>
-            </a:r>
-            <a:r>
-              <a:rPr lang="en-US" sz="1800" b="0" i="0" u="none" strike="noStrike" dirty="0">
-                <a:solidFill>
-                  <a:srgbClr val="000000"/>
-                </a:solidFill>
-                <a:effectLst/>
-                <a:latin typeface="Calibri" panose="020F0502020204030204" pitchFamily="34" charset="0"/>
-              </a:rPr>
-              <a:t>MeanInt-3</a:t>
-            </a:r>
-            <a:r>
-              <a:rPr lang="en-US" b="0" dirty="0"/>
-              <a:t> </a:t>
-            </a:r>
-            <a:r>
-              <a:rPr lang="en-US" sz="1800" b="0" i="0" u="none" strike="noStrike" dirty="0">
-                <a:solidFill>
-                  <a:srgbClr val="000000"/>
-                </a:solidFill>
-                <a:effectLst/>
-                <a:latin typeface="Calibri" panose="020F0502020204030204" pitchFamily="34" charset="0"/>
-              </a:rPr>
-              <a:t>avgWidth-3</a:t>
-            </a:r>
-            <a:r>
-              <a:rPr lang="en-US" b="0" dirty="0"/>
-              <a:t> </a:t>
-            </a:r>
-            <a:r>
-              <a:rPr lang="en-US" sz="1800" b="0" i="0" u="none" strike="noStrike" dirty="0">
-                <a:solidFill>
-                  <a:srgbClr val="000000"/>
-                </a:solidFill>
-                <a:effectLst/>
-                <a:latin typeface="Calibri" panose="020F0502020204030204" pitchFamily="34" charset="0"/>
-              </a:rPr>
-              <a:t>stdInt-3</a:t>
-            </a:r>
-            <a:r>
-              <a:rPr lang="en-US" b="0" dirty="0"/>
-              <a:t> </a:t>
-            </a:r>
-            <a:r>
-              <a:rPr lang="en-US" sz="1800" b="0" i="0" u="none" strike="noStrike" dirty="0">
-                <a:solidFill>
-                  <a:srgbClr val="000000"/>
-                </a:solidFill>
-                <a:effectLst/>
-                <a:latin typeface="Calibri" panose="020F0502020204030204" pitchFamily="34" charset="0"/>
-              </a:rPr>
-              <a:t>perct95-3</a:t>
-            </a:r>
-            <a:r>
-              <a:rPr lang="en-US" b="0" dirty="0"/>
-              <a:t> </a:t>
-            </a:r>
-            <a:r>
-              <a:rPr lang="en-US" sz="1800" b="0" i="0" u="none" strike="noStrike" dirty="0">
-                <a:solidFill>
-                  <a:srgbClr val="000000"/>
-                </a:solidFill>
-                <a:effectLst/>
-                <a:latin typeface="Calibri" panose="020F0502020204030204" pitchFamily="34" charset="0"/>
-              </a:rPr>
-              <a:t>medianInt-3</a:t>
-            </a:r>
-            <a:r>
-              <a:rPr lang="en-US" b="0" dirty="0"/>
-              <a:t> </a:t>
-            </a:r>
-            <a:r>
-              <a:rPr lang="en-US" sz="1800" b="0" i="0" u="none" strike="noStrike" dirty="0">
-                <a:solidFill>
-                  <a:srgbClr val="000000"/>
-                </a:solidFill>
-                <a:effectLst/>
-                <a:latin typeface="Calibri" panose="020F0502020204030204" pitchFamily="34" charset="0"/>
-              </a:rPr>
-              <a:t>sumInt-3</a:t>
-            </a:r>
-            <a:r>
-              <a:rPr lang="en-US" b="0" dirty="0"/>
-              <a:t> </a:t>
-            </a:r>
-            <a:r>
-              <a:rPr lang="en-US" sz="1800" b="0" i="0" u="none" strike="noStrike" dirty="0">
-                <a:solidFill>
-                  <a:srgbClr val="000000"/>
-                </a:solidFill>
-                <a:effectLst/>
-                <a:latin typeface="Calibri" panose="020F0502020204030204" pitchFamily="34" charset="0"/>
-              </a:rPr>
-              <a:t>MeanInt-4</a:t>
-            </a:r>
-            <a:r>
-              <a:rPr lang="en-US" b="0" dirty="0"/>
-              <a:t> </a:t>
-            </a:r>
-            <a:r>
-              <a:rPr lang="en-US" sz="1800" b="0" i="0" u="none" strike="noStrike" dirty="0">
-                <a:solidFill>
-                  <a:srgbClr val="000000"/>
-                </a:solidFill>
-                <a:effectLst/>
-                <a:latin typeface="Calibri" panose="020F0502020204030204" pitchFamily="34" charset="0"/>
-              </a:rPr>
-              <a:t>avgWidth-4</a:t>
-            </a:r>
-            <a:r>
-              <a:rPr lang="en-US" b="0" dirty="0"/>
-              <a:t> </a:t>
-            </a:r>
-            <a:r>
-              <a:rPr lang="en-US" sz="1800" b="0" i="0" u="none" strike="noStrike" dirty="0">
-                <a:solidFill>
-                  <a:srgbClr val="000000"/>
-                </a:solidFill>
-                <a:effectLst/>
-                <a:latin typeface="Calibri" panose="020F0502020204030204" pitchFamily="34" charset="0"/>
-              </a:rPr>
-              <a:t>stdInt-4</a:t>
-            </a:r>
-            <a:r>
-              <a:rPr lang="en-US" b="0" dirty="0"/>
-              <a:t> </a:t>
-            </a:r>
-            <a:r>
-              <a:rPr lang="en-US" sz="1800" b="0" i="0" u="none" strike="noStrike" dirty="0">
-                <a:solidFill>
-                  <a:srgbClr val="000000"/>
-                </a:solidFill>
-                <a:effectLst/>
-                <a:latin typeface="Calibri" panose="020F0502020204030204" pitchFamily="34" charset="0"/>
-              </a:rPr>
-              <a:t>perct95-4</a:t>
-            </a:r>
-            <a:r>
-              <a:rPr lang="en-US" b="0" dirty="0"/>
-              <a:t> </a:t>
-            </a:r>
-            <a:r>
-              <a:rPr lang="en-US" sz="1800" b="0" i="0" u="none" strike="noStrike" dirty="0">
-                <a:solidFill>
-                  <a:srgbClr val="000000"/>
-                </a:solidFill>
-                <a:effectLst/>
-                <a:latin typeface="Calibri" panose="020F0502020204030204" pitchFamily="34" charset="0"/>
-              </a:rPr>
-              <a:t>medianInt-4</a:t>
-            </a:r>
-            <a:r>
-              <a:rPr lang="en-US" b="0" dirty="0"/>
-              <a:t> </a:t>
-            </a:r>
-            <a:r>
-              <a:rPr lang="en-US" sz="1800" b="0" i="0" u="none" strike="noStrike" dirty="0">
-                <a:solidFill>
-                  <a:srgbClr val="000000"/>
-                </a:solidFill>
-                <a:effectLst/>
-                <a:latin typeface="Calibri" panose="020F0502020204030204" pitchFamily="34" charset="0"/>
-              </a:rPr>
-              <a:t>sumInt-4</a:t>
-            </a:r>
-            <a:r>
-              <a:rPr lang="en-US" b="0" dirty="0"/>
-              <a:t> </a:t>
-            </a:r>
-            <a:r>
-              <a:rPr lang="en-US" sz="1800" b="0" i="0" u="none" strike="noStrike" dirty="0">
-                <a:solidFill>
-                  <a:srgbClr val="000000"/>
-                </a:solidFill>
-                <a:effectLst/>
-                <a:latin typeface="Calibri" panose="020F0502020204030204" pitchFamily="34" charset="0"/>
-              </a:rPr>
-              <a:t>MeanInt-5</a:t>
-            </a:r>
-            <a:r>
-              <a:rPr lang="en-US" b="0" dirty="0"/>
-              <a:t> </a:t>
-            </a:r>
-            <a:r>
-              <a:rPr lang="en-US" sz="1800" b="0" i="0" u="none" strike="noStrike" dirty="0">
-                <a:solidFill>
-                  <a:srgbClr val="000000"/>
-                </a:solidFill>
-                <a:effectLst/>
-                <a:latin typeface="Calibri" panose="020F0502020204030204" pitchFamily="34" charset="0"/>
-              </a:rPr>
-              <a:t>avgWidth-5</a:t>
-            </a:r>
-            <a:r>
-              <a:rPr lang="en-US" b="0" dirty="0"/>
-              <a:t> </a:t>
-            </a:r>
-            <a:r>
-              <a:rPr lang="en-US" sz="1800" b="0" i="0" u="none" strike="noStrike" dirty="0">
-                <a:solidFill>
-                  <a:srgbClr val="000000"/>
-                </a:solidFill>
-                <a:effectLst/>
-                <a:latin typeface="Calibri" panose="020F0502020204030204" pitchFamily="34" charset="0"/>
-              </a:rPr>
-              <a:t>stdInt-5</a:t>
-            </a:r>
-            <a:r>
-              <a:rPr lang="en-US" b="0" dirty="0"/>
-              <a:t> </a:t>
-            </a:r>
-            <a:r>
-              <a:rPr lang="en-US" sz="1800" b="0" i="0" u="none" strike="noStrike" dirty="0">
-                <a:solidFill>
-                  <a:srgbClr val="000000"/>
-                </a:solidFill>
-                <a:effectLst/>
-                <a:latin typeface="Calibri" panose="020F0502020204030204" pitchFamily="34" charset="0"/>
-              </a:rPr>
-              <a:t>perct95-5</a:t>
-            </a:r>
-            <a:r>
-              <a:rPr lang="en-US" b="0" dirty="0"/>
-              <a:t> </a:t>
-            </a:r>
-            <a:r>
-              <a:rPr lang="en-US" sz="1800" b="0" i="0" u="none" strike="noStrike" dirty="0">
-                <a:solidFill>
-                  <a:srgbClr val="000000"/>
-                </a:solidFill>
-                <a:effectLst/>
-                <a:latin typeface="Calibri" panose="020F0502020204030204" pitchFamily="34" charset="0"/>
-              </a:rPr>
-              <a:t>medianInt-5</a:t>
-            </a:r>
-            <a:r>
-              <a:rPr lang="en-US" b="0" dirty="0"/>
-              <a:t> </a:t>
-            </a:r>
-            <a:r>
-              <a:rPr lang="en-US" sz="1800" b="0" i="0" u="none" strike="noStrike" dirty="0">
-                <a:solidFill>
-                  <a:srgbClr val="000000"/>
-                </a:solidFill>
-                <a:effectLst/>
-                <a:latin typeface="Calibri" panose="020F0502020204030204" pitchFamily="34" charset="0"/>
-              </a:rPr>
-              <a:t>sumInt-5</a:t>
-            </a:r>
-            <a:r>
-              <a:rPr lang="en-US" b="0" dirty="0"/>
-              <a:t> </a:t>
-            </a:r>
-            <a:r>
-              <a:rPr lang="en-US" sz="1800" b="0" i="0" u="none" strike="noStrike" dirty="0">
-                <a:solidFill>
-                  <a:srgbClr val="000000"/>
-                </a:solidFill>
-                <a:effectLst/>
-                <a:latin typeface="Calibri" panose="020F0502020204030204" pitchFamily="34" charset="0"/>
-              </a:rPr>
-              <a:t>MeanInt-6</a:t>
-            </a:r>
-            <a:r>
-              <a:rPr lang="en-US" b="0" dirty="0"/>
-              <a:t> </a:t>
-            </a:r>
-            <a:r>
-              <a:rPr lang="en-US" sz="1800" b="0" i="0" u="none" strike="noStrike" dirty="0">
-                <a:solidFill>
-                  <a:srgbClr val="000000"/>
-                </a:solidFill>
-                <a:effectLst/>
-                <a:latin typeface="Calibri" panose="020F0502020204030204" pitchFamily="34" charset="0"/>
-              </a:rPr>
-              <a:t>avgWidth-6</a:t>
-            </a:r>
-            <a:r>
-              <a:rPr lang="en-US" b="0" dirty="0"/>
-              <a:t> </a:t>
-            </a:r>
-            <a:r>
-              <a:rPr lang="en-US" sz="1800" b="0" i="0" u="none" strike="noStrike" dirty="0">
-                <a:solidFill>
-                  <a:srgbClr val="000000"/>
-                </a:solidFill>
-                <a:effectLst/>
-                <a:latin typeface="Calibri" panose="020F0502020204030204" pitchFamily="34" charset="0"/>
-              </a:rPr>
-              <a:t>stdInt-6</a:t>
-            </a:r>
-            <a:r>
-              <a:rPr lang="en-US" b="0" dirty="0"/>
-              <a:t> </a:t>
-            </a:r>
-            <a:r>
-              <a:rPr lang="en-US" sz="1800" b="0" i="0" u="none" strike="noStrike" dirty="0">
-                <a:solidFill>
-                  <a:srgbClr val="000000"/>
-                </a:solidFill>
-                <a:effectLst/>
-                <a:latin typeface="Calibri" panose="020F0502020204030204" pitchFamily="34" charset="0"/>
-              </a:rPr>
-              <a:t>perct95-6</a:t>
-            </a:r>
-            <a:r>
-              <a:rPr lang="en-US" b="0" dirty="0"/>
-              <a:t> </a:t>
-            </a:r>
-            <a:r>
-              <a:rPr lang="en-US" sz="1800" b="0" i="0" u="none" strike="noStrike" dirty="0">
-                <a:solidFill>
-                  <a:srgbClr val="000000"/>
-                </a:solidFill>
-                <a:effectLst/>
-                <a:latin typeface="Calibri" panose="020F0502020204030204" pitchFamily="34" charset="0"/>
-              </a:rPr>
-              <a:t>medianInt-6</a:t>
-            </a:r>
-            <a:r>
-              <a:rPr lang="en-US" b="0" dirty="0"/>
-              <a:t> </a:t>
-            </a:r>
-            <a:r>
-              <a:rPr lang="en-US" sz="1800" b="0" i="0" u="none" strike="noStrike" dirty="0">
-                <a:solidFill>
-                  <a:srgbClr val="000000"/>
-                </a:solidFill>
-                <a:effectLst/>
-                <a:latin typeface="Calibri" panose="020F0502020204030204" pitchFamily="34" charset="0"/>
-              </a:rPr>
-              <a:t>sumInt-6</a:t>
-            </a:r>
-            <a:r>
-              <a:rPr lang="en-US" b="0" dirty="0"/>
-              <a:t> </a:t>
-            </a:r>
-            <a:r>
-              <a:rPr lang="en-US" sz="1800" b="0" i="0" u="none" strike="noStrike" dirty="0">
-                <a:solidFill>
-                  <a:srgbClr val="000000"/>
-                </a:solidFill>
-                <a:effectLst/>
-                <a:latin typeface="Calibri" panose="020F0502020204030204" pitchFamily="34" charset="0"/>
-              </a:rPr>
-              <a:t>MeanInt-7</a:t>
-            </a:r>
-            <a:r>
-              <a:rPr lang="en-US" b="0" dirty="0"/>
-              <a:t> </a:t>
-            </a:r>
-            <a:r>
-              <a:rPr lang="en-US" sz="1800" b="0" i="0" u="none" strike="noStrike" dirty="0">
-                <a:solidFill>
-                  <a:srgbClr val="000000"/>
-                </a:solidFill>
-                <a:effectLst/>
-                <a:latin typeface="Calibri" panose="020F0502020204030204" pitchFamily="34" charset="0"/>
-              </a:rPr>
-              <a:t>avgWidth-7</a:t>
-            </a:r>
-            <a:r>
-              <a:rPr lang="en-US" b="0" dirty="0"/>
-              <a:t> </a:t>
-            </a:r>
-            <a:r>
-              <a:rPr lang="en-US" sz="1800" b="0" i="0" u="none" strike="noStrike" dirty="0">
-                <a:solidFill>
-                  <a:srgbClr val="000000"/>
-                </a:solidFill>
-                <a:effectLst/>
-                <a:latin typeface="Calibri" panose="020F0502020204030204" pitchFamily="34" charset="0"/>
-              </a:rPr>
-              <a:t>stdInt-7</a:t>
-            </a:r>
-            <a:r>
-              <a:rPr lang="en-US" b="0" dirty="0"/>
-              <a:t> </a:t>
-            </a:r>
-            <a:r>
-              <a:rPr lang="en-US" sz="1800" b="0" i="0" u="none" strike="noStrike" dirty="0">
-                <a:solidFill>
-                  <a:srgbClr val="000000"/>
-                </a:solidFill>
-                <a:effectLst/>
-                <a:latin typeface="Calibri" panose="020F0502020204030204" pitchFamily="34" charset="0"/>
-              </a:rPr>
-              <a:t>perct95-7</a:t>
-            </a:r>
-            <a:r>
-              <a:rPr lang="en-US" b="0" dirty="0"/>
-              <a:t> </a:t>
-            </a:r>
-            <a:r>
-              <a:rPr lang="en-US" sz="1800" b="0" i="0" u="none" strike="noStrike" dirty="0">
-                <a:solidFill>
-                  <a:srgbClr val="000000"/>
-                </a:solidFill>
-                <a:effectLst/>
-                <a:latin typeface="Calibri" panose="020F0502020204030204" pitchFamily="34" charset="0"/>
-              </a:rPr>
-              <a:t>medianInt-7</a:t>
-            </a:r>
-            <a:r>
-              <a:rPr lang="en-US" b="0" dirty="0"/>
-              <a:t> </a:t>
-            </a:r>
-            <a:r>
-              <a:rPr lang="en-US" sz="1800" b="0" i="0" u="none" strike="noStrike" dirty="0">
-                <a:solidFill>
-                  <a:srgbClr val="000000"/>
-                </a:solidFill>
-                <a:effectLst/>
-                <a:latin typeface="Calibri" panose="020F0502020204030204" pitchFamily="34" charset="0"/>
-              </a:rPr>
-              <a:t>sumInt-7</a:t>
-            </a:r>
-            <a:r>
-              <a:rPr lang="en-US" b="0" dirty="0"/>
-              <a:t> </a:t>
-            </a:r>
-            <a:r>
-              <a:rPr lang="en-US" sz="1800" b="0" i="0" u="none" strike="noStrike" dirty="0">
-                <a:solidFill>
-                  <a:srgbClr val="000000"/>
-                </a:solidFill>
-                <a:effectLst/>
-                <a:latin typeface="Calibri" panose="020F0502020204030204" pitchFamily="34" charset="0"/>
-              </a:rPr>
-              <a:t>MeanInt-8</a:t>
-            </a:r>
-            <a:r>
-              <a:rPr lang="en-US" b="0" dirty="0"/>
-              <a:t> </a:t>
-            </a:r>
-            <a:r>
-              <a:rPr lang="en-US" sz="1800" b="0" i="0" u="none" strike="noStrike" dirty="0">
-                <a:solidFill>
-                  <a:srgbClr val="000000"/>
-                </a:solidFill>
-                <a:effectLst/>
-                <a:latin typeface="Calibri" panose="020F0502020204030204" pitchFamily="34" charset="0"/>
-              </a:rPr>
-              <a:t>avgWidth-8</a:t>
-            </a:r>
-            <a:r>
-              <a:rPr lang="en-US" b="0" dirty="0"/>
-              <a:t> </a:t>
-            </a:r>
-            <a:r>
-              <a:rPr lang="en-US" sz="1800" b="0" i="0" u="none" strike="noStrike" dirty="0">
-                <a:solidFill>
-                  <a:srgbClr val="000000"/>
-                </a:solidFill>
-                <a:effectLst/>
-                <a:latin typeface="Calibri" panose="020F0502020204030204" pitchFamily="34" charset="0"/>
-              </a:rPr>
-              <a:t>stdInt-8</a:t>
-            </a:r>
-            <a:r>
-              <a:rPr lang="en-US" b="0" dirty="0"/>
-              <a:t> </a:t>
-            </a:r>
-            <a:r>
-              <a:rPr lang="en-US" sz="1800" b="0" i="0" u="none" strike="noStrike" dirty="0">
-                <a:solidFill>
-                  <a:srgbClr val="000000"/>
-                </a:solidFill>
-                <a:effectLst/>
-                <a:latin typeface="Calibri" panose="020F0502020204030204" pitchFamily="34" charset="0"/>
-              </a:rPr>
-              <a:t>perct95-8</a:t>
-            </a:r>
-            <a:r>
-              <a:rPr lang="en-US" b="0" dirty="0"/>
-              <a:t> </a:t>
-            </a:r>
-            <a:r>
-              <a:rPr lang="en-US" sz="1800" b="0" i="0" u="none" strike="noStrike" dirty="0">
-                <a:solidFill>
-                  <a:srgbClr val="000000"/>
-                </a:solidFill>
-                <a:effectLst/>
-                <a:latin typeface="Calibri" panose="020F0502020204030204" pitchFamily="34" charset="0"/>
-              </a:rPr>
-              <a:t>medianInt-8</a:t>
-            </a:r>
-            <a:r>
-              <a:rPr lang="en-US" b="0" dirty="0"/>
-              <a:t> </a:t>
-            </a:r>
-            <a:r>
-              <a:rPr lang="en-US" sz="1800" b="0" i="0" u="none" strike="noStrike" dirty="0">
-                <a:solidFill>
-                  <a:srgbClr val="000000"/>
-                </a:solidFill>
-                <a:effectLst/>
-                <a:latin typeface="Calibri" panose="020F0502020204030204" pitchFamily="34" charset="0"/>
-              </a:rPr>
-              <a:t>sumInt-8</a:t>
-            </a:r>
-            <a:r>
-              <a:rPr lang="en-US" b="0" dirty="0"/>
-              <a:t> </a:t>
-            </a:r>
-            <a:r>
-              <a:rPr lang="en-US" sz="1800" b="0" i="0" u="none" strike="noStrike" dirty="0">
-                <a:solidFill>
-                  <a:srgbClr val="000000"/>
-                </a:solidFill>
-                <a:effectLst/>
-                <a:latin typeface="Calibri" panose="020F0502020204030204" pitchFamily="34" charset="0"/>
-              </a:rPr>
-              <a:t>MeanInt-9</a:t>
-            </a:r>
-            <a:r>
-              <a:rPr lang="en-US" b="0" dirty="0"/>
-              <a:t> </a:t>
-            </a:r>
-            <a:r>
-              <a:rPr lang="en-US" sz="1800" b="0" i="0" u="none" strike="noStrike" dirty="0">
-                <a:solidFill>
-                  <a:srgbClr val="000000"/>
-                </a:solidFill>
-                <a:effectLst/>
-                <a:latin typeface="Calibri" panose="020F0502020204030204" pitchFamily="34" charset="0"/>
-              </a:rPr>
-              <a:t>avgWidth-9</a:t>
-            </a:r>
-            <a:r>
-              <a:rPr lang="en-US" b="0" dirty="0"/>
-              <a:t> </a:t>
-            </a:r>
-            <a:r>
-              <a:rPr lang="en-US" sz="1800" b="0" i="0" u="none" strike="noStrike" dirty="0">
-                <a:solidFill>
-                  <a:srgbClr val="000000"/>
-                </a:solidFill>
-                <a:effectLst/>
-                <a:latin typeface="Calibri" panose="020F0502020204030204" pitchFamily="34" charset="0"/>
-              </a:rPr>
-              <a:t>stdInt-9</a:t>
-            </a:r>
-            <a:r>
-              <a:rPr lang="en-US" b="0" dirty="0"/>
-              <a:t> </a:t>
-            </a:r>
-            <a:r>
-              <a:rPr lang="en-US" sz="1800" b="0" i="0" u="none" strike="noStrike" dirty="0">
-                <a:solidFill>
-                  <a:srgbClr val="000000"/>
-                </a:solidFill>
-                <a:effectLst/>
-                <a:latin typeface="Calibri" panose="020F0502020204030204" pitchFamily="34" charset="0"/>
-              </a:rPr>
-              <a:t>perct95-9</a:t>
-            </a:r>
-            <a:r>
-              <a:rPr lang="en-US" b="0" dirty="0"/>
-              <a:t> </a:t>
-            </a:r>
-            <a:r>
-              <a:rPr lang="en-US" sz="1800" b="0" i="0" u="none" strike="noStrike" dirty="0">
-                <a:solidFill>
-                  <a:srgbClr val="000000"/>
-                </a:solidFill>
-                <a:effectLst/>
-                <a:latin typeface="Calibri" panose="020F0502020204030204" pitchFamily="34" charset="0"/>
-              </a:rPr>
-              <a:t>medianInt-9</a:t>
-            </a:r>
-            <a:r>
-              <a:rPr lang="en-US" b="0" dirty="0"/>
-              <a:t> </a:t>
-            </a:r>
-            <a:r>
-              <a:rPr lang="en-US" sz="1800" b="0" i="0" u="none" strike="noStrike" dirty="0">
-                <a:solidFill>
-                  <a:srgbClr val="000000"/>
-                </a:solidFill>
-                <a:effectLst/>
-                <a:latin typeface="Calibri" panose="020F0502020204030204" pitchFamily="34" charset="0"/>
-              </a:rPr>
-              <a:t>sumInt-9</a:t>
-            </a:r>
-            <a:r>
-              <a:rPr lang="en-US" b="0" dirty="0"/>
-              <a:t> </a:t>
-            </a:r>
-            <a:r>
-              <a:rPr lang="en-US" sz="1800" b="0" i="0" u="none" strike="noStrike" dirty="0">
-                <a:solidFill>
-                  <a:srgbClr val="000000"/>
-                </a:solidFill>
-                <a:effectLst/>
-                <a:latin typeface="Calibri" panose="020F0502020204030204" pitchFamily="34" charset="0"/>
-              </a:rPr>
-              <a:t>MeanInt-10</a:t>
-            </a:r>
-            <a:r>
-              <a:rPr lang="en-US" b="0" dirty="0"/>
-              <a:t> </a:t>
-            </a:r>
-            <a:r>
-              <a:rPr lang="en-US" sz="1800" b="0" i="0" u="none" strike="noStrike" dirty="0">
-                <a:solidFill>
-                  <a:srgbClr val="000000"/>
-                </a:solidFill>
-                <a:effectLst/>
-                <a:latin typeface="Calibri" panose="020F0502020204030204" pitchFamily="34" charset="0"/>
-              </a:rPr>
-              <a:t>avgWidth-10</a:t>
-            </a:r>
-            <a:r>
-              <a:rPr lang="en-US" b="0" dirty="0"/>
-              <a:t> </a:t>
-            </a:r>
-            <a:r>
-              <a:rPr lang="en-US" sz="1800" b="0" i="0" u="none" strike="noStrike" dirty="0">
-                <a:solidFill>
-                  <a:srgbClr val="000000"/>
-                </a:solidFill>
-                <a:effectLst/>
-                <a:latin typeface="Calibri" panose="020F0502020204030204" pitchFamily="34" charset="0"/>
-              </a:rPr>
-              <a:t>stdInt-10</a:t>
-            </a:r>
-            <a:r>
-              <a:rPr lang="en-US" b="0" dirty="0"/>
-              <a:t> </a:t>
-            </a:r>
-            <a:r>
-              <a:rPr lang="en-US" sz="1800" b="0" i="0" u="none" strike="noStrike" dirty="0">
-                <a:solidFill>
-                  <a:srgbClr val="000000"/>
-                </a:solidFill>
-                <a:effectLst/>
-                <a:latin typeface="Calibri" panose="020F0502020204030204" pitchFamily="34" charset="0"/>
-              </a:rPr>
-              <a:t>perct95-10</a:t>
-            </a:r>
-            <a:r>
-              <a:rPr lang="en-US" b="0" dirty="0"/>
-              <a:t> </a:t>
-            </a:r>
-            <a:r>
-              <a:rPr lang="en-US" sz="1800" b="0" i="0" u="none" strike="noStrike" dirty="0">
-                <a:solidFill>
-                  <a:srgbClr val="000000"/>
-                </a:solidFill>
-                <a:effectLst/>
-                <a:latin typeface="Calibri" panose="020F0502020204030204" pitchFamily="34" charset="0"/>
-              </a:rPr>
-              <a:t>medianInt-10</a:t>
-            </a:r>
-            <a:r>
-              <a:rPr lang="en-US" b="0" dirty="0"/>
-              <a:t> </a:t>
-            </a:r>
-            <a:r>
-              <a:rPr lang="en-US" sz="1800" b="0" i="0" u="none" strike="noStrike" dirty="0">
-                <a:solidFill>
-                  <a:srgbClr val="000000"/>
-                </a:solidFill>
-                <a:effectLst/>
-                <a:latin typeface="Calibri" panose="020F0502020204030204" pitchFamily="34" charset="0"/>
-              </a:rPr>
-              <a:t>sumInt-10</a:t>
-            </a:r>
-            <a:r>
-              <a:rPr lang="en-US" b="0" dirty="0"/>
-              <a:t> </a:t>
-            </a:r>
-            <a:r>
-              <a:rPr lang="en-US" sz="1800" b="0" i="0" u="none" strike="noStrike" dirty="0" err="1">
-                <a:solidFill>
-                  <a:srgbClr val="000000"/>
-                </a:solidFill>
-                <a:effectLst/>
-                <a:latin typeface="Calibri" panose="020F0502020204030204" pitchFamily="34" charset="0"/>
-              </a:rPr>
-              <a:t>aspect_ratio</a:t>
-            </a:r>
-            <a:r>
-              <a:rPr lang="en-US" b="0" dirty="0"/>
-              <a:t> </a:t>
-            </a:r>
-            <a:r>
-              <a:rPr lang="en-US" sz="1800" b="0" i="0" u="none" strike="noStrike" dirty="0">
-                <a:solidFill>
-                  <a:srgbClr val="000000"/>
-                </a:solidFill>
-                <a:effectLst/>
-                <a:latin typeface="Calibri" panose="020F0502020204030204" pitchFamily="34" charset="0"/>
-              </a:rPr>
-              <a:t>intRatio2-9</a:t>
-            </a:r>
-            <a:r>
-              <a:rPr lang="en-US" b="0" dirty="0"/>
-              <a:t> </a:t>
-            </a:r>
-            <a:r>
-              <a:rPr lang="en-US" sz="1800" b="0" i="0" u="none" strike="noStrike" dirty="0" err="1">
-                <a:solidFill>
-                  <a:srgbClr val="000000"/>
-                </a:solidFill>
-                <a:effectLst/>
-                <a:latin typeface="Calibri" panose="020F0502020204030204" pitchFamily="34" charset="0"/>
-              </a:rPr>
-              <a:t>tipWidthRatio</a:t>
-            </a:r>
-            <a:r>
-              <a:rPr lang="en-US" b="0" dirty="0"/>
-              <a:t> </a:t>
-            </a:r>
-            <a:r>
-              <a:rPr lang="en-US" sz="1800" b="0" i="0" u="none" strike="noStrike" dirty="0" err="1">
-                <a:solidFill>
-                  <a:srgbClr val="000000"/>
-                </a:solidFill>
-                <a:effectLst/>
-                <a:latin typeface="Calibri" panose="020F0502020204030204" pitchFamily="34" charset="0"/>
-              </a:rPr>
-              <a:t>BodMeanInt</a:t>
-            </a:r>
-            <a:r>
-              <a:rPr lang="en-US" b="0" dirty="0"/>
-              <a:t> </a:t>
-            </a:r>
-            <a:r>
-              <a:rPr lang="en-US" sz="1800" b="0" i="0" u="none" strike="noStrike" dirty="0" err="1">
-                <a:solidFill>
-                  <a:srgbClr val="000000"/>
-                </a:solidFill>
-                <a:effectLst/>
-                <a:latin typeface="Calibri" panose="020F0502020204030204" pitchFamily="34" charset="0"/>
-              </a:rPr>
-              <a:t>BodAvgWidth</a:t>
-            </a:r>
-            <a:r>
-              <a:rPr lang="en-US" b="0" dirty="0"/>
-              <a:t> </a:t>
-            </a:r>
-            <a:r>
-              <a:rPr lang="en-US" sz="1800" b="0" i="0" u="none" strike="noStrike" dirty="0" err="1">
-                <a:solidFill>
-                  <a:srgbClr val="000000"/>
-                </a:solidFill>
-                <a:effectLst/>
-                <a:latin typeface="Calibri" panose="020F0502020204030204" pitchFamily="34" charset="0"/>
-              </a:rPr>
-              <a:t>BodStdInt</a:t>
-            </a:r>
-            <a:r>
-              <a:rPr lang="en-US" b="0" dirty="0"/>
-              <a:t> </a:t>
-            </a:r>
-            <a:r>
-              <a:rPr lang="en-US" sz="1800" b="0" i="0" u="none" strike="noStrike" dirty="0">
-                <a:solidFill>
-                  <a:srgbClr val="000000"/>
-                </a:solidFill>
-                <a:effectLst/>
-                <a:latin typeface="Calibri" panose="020F0502020204030204" pitchFamily="34" charset="0"/>
-              </a:rPr>
-              <a:t>BodPerct95</a:t>
-            </a:r>
-            <a:r>
-              <a:rPr lang="en-US" b="0" dirty="0"/>
-              <a:t> </a:t>
-            </a:r>
-            <a:r>
-              <a:rPr lang="en-US" sz="1800" b="0" i="0" u="none" strike="noStrike" dirty="0" err="1">
-                <a:solidFill>
-                  <a:srgbClr val="000000"/>
-                </a:solidFill>
-                <a:effectLst/>
-                <a:latin typeface="Calibri" panose="020F0502020204030204" pitchFamily="34" charset="0"/>
-              </a:rPr>
-              <a:t>BodMedianInt</a:t>
-            </a:r>
-            <a:r>
-              <a:rPr lang="en-US" b="0" dirty="0"/>
-              <a:t> </a:t>
-            </a:r>
-            <a:r>
-              <a:rPr lang="en-US" sz="1800" b="0" i="0" u="none" strike="noStrike" dirty="0" err="1">
-                <a:solidFill>
-                  <a:srgbClr val="000000"/>
-                </a:solidFill>
-                <a:effectLst/>
-                <a:latin typeface="Calibri" panose="020F0502020204030204" pitchFamily="34" charset="0"/>
-              </a:rPr>
-              <a:t>BodSumInt</a:t>
-            </a:r>
-            <a:r>
-              <a:rPr lang="en-US" b="0" dirty="0"/>
-              <a:t> </a:t>
-            </a:r>
-            <a:r>
-              <a:rPr lang="en-US" sz="1800" b="0" i="0" u="none" strike="noStrike" dirty="0" err="1">
-                <a:solidFill>
-                  <a:srgbClr val="000000"/>
-                </a:solidFill>
-                <a:effectLst/>
-                <a:latin typeface="Calibri" panose="020F0502020204030204" pitchFamily="34" charset="0"/>
-              </a:rPr>
-              <a:t>BKMeanInt</a:t>
-            </a:r>
-            <a:r>
-              <a:rPr lang="en-US" b="0" dirty="0"/>
-              <a:t> </a:t>
-            </a:r>
           </a:p>
         </p:txBody>
       </p:sp>
@@ -1721,7 +3576,7 @@
     </p:spTree>
     <p:extLst>
       <p:ext uri="{BB962C8B-B14F-4D97-AF65-F5344CB8AC3E}">
-        <p14:creationId xmlns:p14="http://schemas.microsoft.com/office/powerpoint/2010/main" val="4206110170"/>
+        <p14:creationId xmlns:p14="http://schemas.microsoft.com/office/powerpoint/2010/main" val="2223936534"/>
       </p:ext>
     </p:extLst>
   </p:cSld>
@@ -1776,60 +3631,1090 @@
           <a:lstStyle/>
           <a:p>
             <a:r>
+              <a:rPr lang="en-US" dirty="0" err="1"/>
+              <a:t>Whole_animal</a:t>
+            </a:r>
+            <a:r>
               <a:rPr lang="en-US" dirty="0"/>
-              <a:t>B&amp;W Image from </a:t>
-            </a:r>
-            <a:r>
-              <a:rPr lang="en-US" dirty="0">
-                <a:hlinkClick r:id="rId3"/>
+              <a:t>: pc2/1</a:t>
+            </a:r>
+          </a:p>
+          <a:p>
+            <a:r>
+              <a:rPr lang="en-US" dirty="0"/>
+              <a:t>Clear: pc2/4</a:t>
+            </a:r>
+          </a:p>
+          <a:p>
+            <a:r>
+              <a:rPr lang="en-US" dirty="0" err="1"/>
+              <a:t>Single_Loaded</a:t>
+            </a:r>
+            <a:r>
+              <a:rPr lang="en-US" dirty="0"/>
+              <a:t>: pc3/1</a:t>
+            </a:r>
+          </a:p>
+          <a:p>
+            <a:r>
+              <a:rPr lang="en-US" dirty="0" err="1"/>
+              <a:t>Head_First</a:t>
+            </a:r>
+            <a:r>
+              <a:rPr lang="en-US" dirty="0"/>
+              <a:t>: pc2/3</a:t>
+            </a:r>
+          </a:p>
+          <a:p>
+            <a:r>
+              <a:rPr lang="en-US" dirty="0"/>
+              <a:t>Straight: pc3/7</a:t>
+            </a:r>
+          </a:p>
+          <a:p>
+            <a:endParaRPr lang="en-US" dirty="0"/>
+          </a:p>
+          <a:p>
+            <a:r>
+              <a:rPr lang="en-US" dirty="0"/>
+              <a:t>Features: </a:t>
+            </a:r>
+            <a:r>
+              <a:rPr lang="en-US" sz="1800" b="0" i="0" u="none" strike="noStrike" dirty="0">
+                <a:solidFill>
+                  <a:srgbClr val="000000"/>
+                </a:solidFill>
+                <a:effectLst/>
+                <a:latin typeface="Calibri" panose="020F0502020204030204" pitchFamily="34" charset="0"/>
               </a:rPr>
-              <a:t>https://scikit-learn.org/stable/auto_examples/linear_model/plot_logistic_l1_l2_sparsity.html</a:t>
-            </a:r>
-            <a:endParaRPr lang="en-US" dirty="0"/>
-          </a:p>
-          <a:p>
-            <a:endParaRPr lang="en-US" dirty="0"/>
-          </a:p>
-          <a:p>
-            <a:r>
-              <a:rPr lang="en-US" dirty="0"/>
-              <a:t>Looks like when you get the C value very low, the same variables come through for each feature: Num, threshold, </a:t>
-            </a:r>
-            <a:r>
-              <a:rPr lang="en-US" dirty="0" err="1"/>
+              <a:t>Num</a:t>
+            </a:r>
+            <a:r>
+              <a:rPr lang="en-US" b="0" dirty="0"/>
+              <a:t> </a:t>
+            </a:r>
+            <a:r>
+              <a:rPr lang="en-US" sz="1800" b="0" i="0" u="none" strike="noStrike" dirty="0">
+                <a:solidFill>
+                  <a:srgbClr val="000000"/>
+                </a:solidFill>
+                <a:effectLst/>
+                <a:latin typeface="Calibri" panose="020F0502020204030204" pitchFamily="34" charset="0"/>
+              </a:rPr>
+              <a:t>threshold</a:t>
+            </a:r>
+            <a:r>
+              <a:rPr lang="en-US" b="0" dirty="0"/>
+              <a:t> </a:t>
+            </a:r>
+            <a:r>
+              <a:rPr lang="en-US" sz="1800" b="0" i="0" u="none" strike="noStrike" dirty="0" err="1">
+                <a:solidFill>
+                  <a:srgbClr val="000000"/>
+                </a:solidFill>
+                <a:effectLst/>
+                <a:latin typeface="Calibri" panose="020F0502020204030204" pitchFamily="34" charset="0"/>
+              </a:rPr>
               <a:t>num_regions</a:t>
             </a:r>
             <a:r>
-              <a:rPr lang="en-US" dirty="0"/>
-              <a:t>, </a:t>
-            </a:r>
-            <a:r>
-              <a:rPr lang="en-US" dirty="0" err="1"/>
+              <a:rPr lang="en-US" b="0" dirty="0"/>
+              <a:t> </a:t>
+            </a:r>
+            <a:r>
+              <a:rPr lang="en-US" sz="1800" b="0" i="0" u="none" strike="noStrike" dirty="0" err="1">
+                <a:solidFill>
+                  <a:srgbClr val="000000"/>
+                </a:solidFill>
+                <a:effectLst/>
+                <a:latin typeface="Calibri" panose="020F0502020204030204" pitchFamily="34" charset="0"/>
+              </a:rPr>
               <a:t>est_len</a:t>
             </a:r>
             <a:r>
-              <a:rPr lang="en-US" dirty="0"/>
-              <a:t>, avgWidth-1, which are the </a:t>
-            </a:r>
-            <a:r>
-              <a:rPr lang="en-US"/>
-              <a:t>first couple </a:t>
-            </a:r>
-            <a:r>
-              <a:rPr lang="en-US" dirty="0"/>
-              <a:t>variables of the excel file (?). </a:t>
-            </a:r>
-            <a:r>
-              <a:rPr lang="en-US" b="1" dirty="0"/>
-              <a:t>C decreases sparsity of the resulting coefficient matrix.</a:t>
-            </a:r>
-            <a:endParaRPr lang="en-US" dirty="0"/>
-          </a:p>
-          <a:p>
-            <a:endParaRPr lang="en-US" dirty="0"/>
-          </a:p>
-          <a:p>
-            <a:endParaRPr lang="en-US" dirty="0"/>
+              <a:rPr lang="en-US" b="0" dirty="0"/>
+              <a:t> </a:t>
+            </a:r>
+            <a:r>
+              <a:rPr lang="en-US" sz="1800" b="0" i="0" u="none" strike="noStrike" dirty="0">
+                <a:solidFill>
+                  <a:srgbClr val="000000"/>
+                </a:solidFill>
+                <a:effectLst/>
+                <a:latin typeface="Calibri" panose="020F0502020204030204" pitchFamily="34" charset="0"/>
+              </a:rPr>
+              <a:t>MeanInt-1</a:t>
+            </a:r>
+            <a:r>
+              <a:rPr lang="en-US" b="0" dirty="0"/>
+              <a:t> </a:t>
+            </a:r>
+            <a:r>
+              <a:rPr lang="en-US" sz="1800" b="0" i="0" u="none" strike="noStrike" dirty="0">
+                <a:solidFill>
+                  <a:srgbClr val="000000"/>
+                </a:solidFill>
+                <a:effectLst/>
+                <a:latin typeface="Calibri" panose="020F0502020204030204" pitchFamily="34" charset="0"/>
+              </a:rPr>
+              <a:t>avgWidth-1</a:t>
+            </a:r>
+            <a:r>
+              <a:rPr lang="en-US" b="0" dirty="0"/>
+              <a:t> </a:t>
+            </a:r>
+            <a:r>
+              <a:rPr lang="en-US" sz="1800" b="0" i="0" u="none" strike="noStrike" dirty="0">
+                <a:solidFill>
+                  <a:srgbClr val="000000"/>
+                </a:solidFill>
+                <a:effectLst/>
+                <a:latin typeface="Calibri" panose="020F0502020204030204" pitchFamily="34" charset="0"/>
+              </a:rPr>
+              <a:t>stdInt-1</a:t>
+            </a:r>
+            <a:r>
+              <a:rPr lang="en-US" b="0" dirty="0"/>
+              <a:t> </a:t>
+            </a:r>
+            <a:r>
+              <a:rPr lang="en-US" sz="1800" b="0" i="0" u="none" strike="noStrike" dirty="0">
+                <a:solidFill>
+                  <a:srgbClr val="000000"/>
+                </a:solidFill>
+                <a:effectLst/>
+                <a:latin typeface="Calibri" panose="020F0502020204030204" pitchFamily="34" charset="0"/>
+              </a:rPr>
+              <a:t>perct95-1</a:t>
+            </a:r>
+            <a:r>
+              <a:rPr lang="en-US" b="0" dirty="0"/>
+              <a:t> </a:t>
+            </a:r>
+            <a:r>
+              <a:rPr lang="en-US" sz="1800" b="0" i="0" u="none" strike="noStrike" dirty="0">
+                <a:solidFill>
+                  <a:srgbClr val="000000"/>
+                </a:solidFill>
+                <a:effectLst/>
+                <a:latin typeface="Calibri" panose="020F0502020204030204" pitchFamily="34" charset="0"/>
+              </a:rPr>
+              <a:t>medianInt-1</a:t>
+            </a:r>
+            <a:r>
+              <a:rPr lang="en-US" b="0" dirty="0"/>
+              <a:t> </a:t>
+            </a:r>
+            <a:r>
+              <a:rPr lang="en-US" sz="1800" b="0" i="0" u="none" strike="noStrike" dirty="0">
+                <a:solidFill>
+                  <a:srgbClr val="000000"/>
+                </a:solidFill>
+                <a:effectLst/>
+                <a:latin typeface="Calibri" panose="020F0502020204030204" pitchFamily="34" charset="0"/>
+              </a:rPr>
+              <a:t>sumInt-1</a:t>
+            </a:r>
+            <a:r>
+              <a:rPr lang="en-US" b="0" dirty="0"/>
+              <a:t> </a:t>
+            </a:r>
+            <a:r>
+              <a:rPr lang="en-US" sz="1800" b="0" i="0" u="none" strike="noStrike" dirty="0">
+                <a:solidFill>
+                  <a:srgbClr val="000000"/>
+                </a:solidFill>
+                <a:effectLst/>
+                <a:latin typeface="Calibri" panose="020F0502020204030204" pitchFamily="34" charset="0"/>
+              </a:rPr>
+              <a:t>MeanInt-2</a:t>
+            </a:r>
+            <a:r>
+              <a:rPr lang="en-US" b="0" dirty="0"/>
+              <a:t> </a:t>
+            </a:r>
+            <a:r>
+              <a:rPr lang="en-US" sz="1800" b="0" i="0" u="none" strike="noStrike" dirty="0">
+                <a:solidFill>
+                  <a:srgbClr val="000000"/>
+                </a:solidFill>
+                <a:effectLst/>
+                <a:latin typeface="Calibri" panose="020F0502020204030204" pitchFamily="34" charset="0"/>
+              </a:rPr>
+              <a:t>avgWidth-2</a:t>
+            </a:r>
+            <a:r>
+              <a:rPr lang="en-US" b="0" dirty="0"/>
+              <a:t> </a:t>
+            </a:r>
+            <a:r>
+              <a:rPr lang="en-US" sz="1800" b="0" i="0" u="none" strike="noStrike" dirty="0">
+                <a:solidFill>
+                  <a:srgbClr val="000000"/>
+                </a:solidFill>
+                <a:effectLst/>
+                <a:latin typeface="Calibri" panose="020F0502020204030204" pitchFamily="34" charset="0"/>
+              </a:rPr>
+              <a:t>stdInt-2</a:t>
+            </a:r>
+            <a:r>
+              <a:rPr lang="en-US" b="0" dirty="0"/>
+              <a:t> </a:t>
+            </a:r>
+            <a:r>
+              <a:rPr lang="en-US" sz="1800" b="0" i="0" u="none" strike="noStrike" dirty="0">
+                <a:solidFill>
+                  <a:srgbClr val="000000"/>
+                </a:solidFill>
+                <a:effectLst/>
+                <a:latin typeface="Calibri" panose="020F0502020204030204" pitchFamily="34" charset="0"/>
+              </a:rPr>
+              <a:t>perct95-2</a:t>
+            </a:r>
+            <a:r>
+              <a:rPr lang="en-US" b="0" dirty="0"/>
+              <a:t> </a:t>
+            </a:r>
+            <a:r>
+              <a:rPr lang="en-US" sz="1800" b="0" i="0" u="none" strike="noStrike" dirty="0">
+                <a:solidFill>
+                  <a:srgbClr val="000000"/>
+                </a:solidFill>
+                <a:effectLst/>
+                <a:latin typeface="Calibri" panose="020F0502020204030204" pitchFamily="34" charset="0"/>
+              </a:rPr>
+              <a:t>medianInt-2</a:t>
+            </a:r>
+            <a:r>
+              <a:rPr lang="en-US" b="0" dirty="0"/>
+              <a:t> </a:t>
+            </a:r>
+            <a:r>
+              <a:rPr lang="en-US" sz="1800" b="0" i="0" u="none" strike="noStrike" dirty="0">
+                <a:solidFill>
+                  <a:srgbClr val="000000"/>
+                </a:solidFill>
+                <a:effectLst/>
+                <a:latin typeface="Calibri" panose="020F0502020204030204" pitchFamily="34" charset="0"/>
+              </a:rPr>
+              <a:t>sumInt-2</a:t>
+            </a:r>
+            <a:r>
+              <a:rPr lang="en-US" b="0" dirty="0"/>
+              <a:t> </a:t>
+            </a:r>
+            <a:r>
+              <a:rPr lang="en-US" sz="1800" b="0" i="0" u="none" strike="noStrike" dirty="0">
+                <a:solidFill>
+                  <a:srgbClr val="000000"/>
+                </a:solidFill>
+                <a:effectLst/>
+                <a:latin typeface="Calibri" panose="020F0502020204030204" pitchFamily="34" charset="0"/>
+              </a:rPr>
+              <a:t>MeanInt-3</a:t>
+            </a:r>
+            <a:r>
+              <a:rPr lang="en-US" b="0" dirty="0"/>
+              <a:t> </a:t>
+            </a:r>
+            <a:r>
+              <a:rPr lang="en-US" sz="1800" b="0" i="0" u="none" strike="noStrike" dirty="0">
+                <a:solidFill>
+                  <a:srgbClr val="000000"/>
+                </a:solidFill>
+                <a:effectLst/>
+                <a:latin typeface="Calibri" panose="020F0502020204030204" pitchFamily="34" charset="0"/>
+              </a:rPr>
+              <a:t>avgWidth-3</a:t>
+            </a:r>
+            <a:r>
+              <a:rPr lang="en-US" b="0" dirty="0"/>
+              <a:t> </a:t>
+            </a:r>
+            <a:r>
+              <a:rPr lang="en-US" sz="1800" b="0" i="0" u="none" strike="noStrike" dirty="0">
+                <a:solidFill>
+                  <a:srgbClr val="000000"/>
+                </a:solidFill>
+                <a:effectLst/>
+                <a:latin typeface="Calibri" panose="020F0502020204030204" pitchFamily="34" charset="0"/>
+              </a:rPr>
+              <a:t>stdInt-3</a:t>
+            </a:r>
+            <a:r>
+              <a:rPr lang="en-US" b="0" dirty="0"/>
+              <a:t> </a:t>
+            </a:r>
+            <a:r>
+              <a:rPr lang="en-US" sz="1800" b="0" i="0" u="none" strike="noStrike" dirty="0">
+                <a:solidFill>
+                  <a:srgbClr val="000000"/>
+                </a:solidFill>
+                <a:effectLst/>
+                <a:latin typeface="Calibri" panose="020F0502020204030204" pitchFamily="34" charset="0"/>
+              </a:rPr>
+              <a:t>perct95-3</a:t>
+            </a:r>
+            <a:r>
+              <a:rPr lang="en-US" b="0" dirty="0"/>
+              <a:t> </a:t>
+            </a:r>
+            <a:r>
+              <a:rPr lang="en-US" sz="1800" b="0" i="0" u="none" strike="noStrike" dirty="0">
+                <a:solidFill>
+                  <a:srgbClr val="000000"/>
+                </a:solidFill>
+                <a:effectLst/>
+                <a:latin typeface="Calibri" panose="020F0502020204030204" pitchFamily="34" charset="0"/>
+              </a:rPr>
+              <a:t>medianInt-3</a:t>
+            </a:r>
+            <a:r>
+              <a:rPr lang="en-US" b="0" dirty="0"/>
+              <a:t> </a:t>
+            </a:r>
+            <a:r>
+              <a:rPr lang="en-US" sz="1800" b="0" i="0" u="none" strike="noStrike" dirty="0">
+                <a:solidFill>
+                  <a:srgbClr val="000000"/>
+                </a:solidFill>
+                <a:effectLst/>
+                <a:latin typeface="Calibri" panose="020F0502020204030204" pitchFamily="34" charset="0"/>
+              </a:rPr>
+              <a:t>sumInt-3</a:t>
+            </a:r>
+            <a:r>
+              <a:rPr lang="en-US" b="0" dirty="0"/>
+              <a:t> </a:t>
+            </a:r>
+            <a:r>
+              <a:rPr lang="en-US" sz="1800" b="0" i="0" u="none" strike="noStrike" dirty="0">
+                <a:solidFill>
+                  <a:srgbClr val="000000"/>
+                </a:solidFill>
+                <a:effectLst/>
+                <a:latin typeface="Calibri" panose="020F0502020204030204" pitchFamily="34" charset="0"/>
+              </a:rPr>
+              <a:t>MeanInt-4</a:t>
+            </a:r>
+            <a:r>
+              <a:rPr lang="en-US" b="0" dirty="0"/>
+              <a:t> </a:t>
+            </a:r>
+            <a:r>
+              <a:rPr lang="en-US" sz="1800" b="0" i="0" u="none" strike="noStrike" dirty="0">
+                <a:solidFill>
+                  <a:srgbClr val="000000"/>
+                </a:solidFill>
+                <a:effectLst/>
+                <a:latin typeface="Calibri" panose="020F0502020204030204" pitchFamily="34" charset="0"/>
+              </a:rPr>
+              <a:t>avgWidth-4</a:t>
+            </a:r>
+            <a:r>
+              <a:rPr lang="en-US" b="0" dirty="0"/>
+              <a:t> </a:t>
+            </a:r>
+            <a:r>
+              <a:rPr lang="en-US" sz="1800" b="0" i="0" u="none" strike="noStrike" dirty="0">
+                <a:solidFill>
+                  <a:srgbClr val="000000"/>
+                </a:solidFill>
+                <a:effectLst/>
+                <a:latin typeface="Calibri" panose="020F0502020204030204" pitchFamily="34" charset="0"/>
+              </a:rPr>
+              <a:t>stdInt-4</a:t>
+            </a:r>
+            <a:r>
+              <a:rPr lang="en-US" b="0" dirty="0"/>
+              <a:t> </a:t>
+            </a:r>
+            <a:r>
+              <a:rPr lang="en-US" sz="1800" b="0" i="0" u="none" strike="noStrike" dirty="0">
+                <a:solidFill>
+                  <a:srgbClr val="000000"/>
+                </a:solidFill>
+                <a:effectLst/>
+                <a:latin typeface="Calibri" panose="020F0502020204030204" pitchFamily="34" charset="0"/>
+              </a:rPr>
+              <a:t>perct95-4</a:t>
+            </a:r>
+            <a:r>
+              <a:rPr lang="en-US" b="0" dirty="0"/>
+              <a:t> </a:t>
+            </a:r>
+            <a:r>
+              <a:rPr lang="en-US" sz="1800" b="0" i="0" u="none" strike="noStrike" dirty="0">
+                <a:solidFill>
+                  <a:srgbClr val="000000"/>
+                </a:solidFill>
+                <a:effectLst/>
+                <a:latin typeface="Calibri" panose="020F0502020204030204" pitchFamily="34" charset="0"/>
+              </a:rPr>
+              <a:t>medianInt-4</a:t>
+            </a:r>
+            <a:r>
+              <a:rPr lang="en-US" b="0" dirty="0"/>
+              <a:t> </a:t>
+            </a:r>
+            <a:r>
+              <a:rPr lang="en-US" sz="1800" b="0" i="0" u="none" strike="noStrike" dirty="0">
+                <a:solidFill>
+                  <a:srgbClr val="000000"/>
+                </a:solidFill>
+                <a:effectLst/>
+                <a:latin typeface="Calibri" panose="020F0502020204030204" pitchFamily="34" charset="0"/>
+              </a:rPr>
+              <a:t>sumInt-4</a:t>
+            </a:r>
+            <a:r>
+              <a:rPr lang="en-US" b="0" dirty="0"/>
+              <a:t> </a:t>
+            </a:r>
+            <a:r>
+              <a:rPr lang="en-US" sz="1800" b="0" i="0" u="none" strike="noStrike" dirty="0">
+                <a:solidFill>
+                  <a:srgbClr val="000000"/>
+                </a:solidFill>
+                <a:effectLst/>
+                <a:latin typeface="Calibri" panose="020F0502020204030204" pitchFamily="34" charset="0"/>
+              </a:rPr>
+              <a:t>MeanInt-5</a:t>
+            </a:r>
+            <a:r>
+              <a:rPr lang="en-US" b="0" dirty="0"/>
+              <a:t> </a:t>
+            </a:r>
+            <a:r>
+              <a:rPr lang="en-US" sz="1800" b="0" i="0" u="none" strike="noStrike" dirty="0">
+                <a:solidFill>
+                  <a:srgbClr val="000000"/>
+                </a:solidFill>
+                <a:effectLst/>
+                <a:latin typeface="Calibri" panose="020F0502020204030204" pitchFamily="34" charset="0"/>
+              </a:rPr>
+              <a:t>avgWidth-5</a:t>
+            </a:r>
+            <a:r>
+              <a:rPr lang="en-US" b="0" dirty="0"/>
+              <a:t> </a:t>
+            </a:r>
+            <a:r>
+              <a:rPr lang="en-US" sz="1800" b="0" i="0" u="none" strike="noStrike" dirty="0">
+                <a:solidFill>
+                  <a:srgbClr val="000000"/>
+                </a:solidFill>
+                <a:effectLst/>
+                <a:latin typeface="Calibri" panose="020F0502020204030204" pitchFamily="34" charset="0"/>
+              </a:rPr>
+              <a:t>stdInt-5</a:t>
+            </a:r>
+            <a:r>
+              <a:rPr lang="en-US" b="0" dirty="0"/>
+              <a:t> </a:t>
+            </a:r>
+            <a:r>
+              <a:rPr lang="en-US" sz="1800" b="0" i="0" u="none" strike="noStrike" dirty="0">
+                <a:solidFill>
+                  <a:srgbClr val="000000"/>
+                </a:solidFill>
+                <a:effectLst/>
+                <a:latin typeface="Calibri" panose="020F0502020204030204" pitchFamily="34" charset="0"/>
+              </a:rPr>
+              <a:t>perct95-5</a:t>
+            </a:r>
+            <a:r>
+              <a:rPr lang="en-US" b="0" dirty="0"/>
+              <a:t> </a:t>
+            </a:r>
+            <a:r>
+              <a:rPr lang="en-US" sz="1800" b="0" i="0" u="none" strike="noStrike" dirty="0">
+                <a:solidFill>
+                  <a:srgbClr val="000000"/>
+                </a:solidFill>
+                <a:effectLst/>
+                <a:latin typeface="Calibri" panose="020F0502020204030204" pitchFamily="34" charset="0"/>
+              </a:rPr>
+              <a:t>medianInt-5</a:t>
+            </a:r>
+            <a:r>
+              <a:rPr lang="en-US" b="0" dirty="0"/>
+              <a:t> </a:t>
+            </a:r>
+            <a:r>
+              <a:rPr lang="en-US" sz="1800" b="0" i="0" u="none" strike="noStrike" dirty="0">
+                <a:solidFill>
+                  <a:srgbClr val="000000"/>
+                </a:solidFill>
+                <a:effectLst/>
+                <a:latin typeface="Calibri" panose="020F0502020204030204" pitchFamily="34" charset="0"/>
+              </a:rPr>
+              <a:t>sumInt-5</a:t>
+            </a:r>
+            <a:r>
+              <a:rPr lang="en-US" b="0" dirty="0"/>
+              <a:t> </a:t>
+            </a:r>
+            <a:r>
+              <a:rPr lang="en-US" sz="1800" b="0" i="0" u="none" strike="noStrike" dirty="0">
+                <a:solidFill>
+                  <a:srgbClr val="000000"/>
+                </a:solidFill>
+                <a:effectLst/>
+                <a:latin typeface="Calibri" panose="020F0502020204030204" pitchFamily="34" charset="0"/>
+              </a:rPr>
+              <a:t>MeanInt-6</a:t>
+            </a:r>
+            <a:r>
+              <a:rPr lang="en-US" b="0" dirty="0"/>
+              <a:t> </a:t>
+            </a:r>
+            <a:r>
+              <a:rPr lang="en-US" sz="1800" b="0" i="0" u="none" strike="noStrike" dirty="0">
+                <a:solidFill>
+                  <a:srgbClr val="000000"/>
+                </a:solidFill>
+                <a:effectLst/>
+                <a:latin typeface="Calibri" panose="020F0502020204030204" pitchFamily="34" charset="0"/>
+              </a:rPr>
+              <a:t>avgWidth-6</a:t>
+            </a:r>
+            <a:r>
+              <a:rPr lang="en-US" b="0" dirty="0"/>
+              <a:t> </a:t>
+            </a:r>
+            <a:r>
+              <a:rPr lang="en-US" sz="1800" b="0" i="0" u="none" strike="noStrike" dirty="0">
+                <a:solidFill>
+                  <a:srgbClr val="000000"/>
+                </a:solidFill>
+                <a:effectLst/>
+                <a:latin typeface="Calibri" panose="020F0502020204030204" pitchFamily="34" charset="0"/>
+              </a:rPr>
+              <a:t>stdInt-6</a:t>
+            </a:r>
+            <a:r>
+              <a:rPr lang="en-US" b="0" dirty="0"/>
+              <a:t> </a:t>
+            </a:r>
+            <a:r>
+              <a:rPr lang="en-US" sz="1800" b="0" i="0" u="none" strike="noStrike" dirty="0">
+                <a:solidFill>
+                  <a:srgbClr val="000000"/>
+                </a:solidFill>
+                <a:effectLst/>
+                <a:latin typeface="Calibri" panose="020F0502020204030204" pitchFamily="34" charset="0"/>
+              </a:rPr>
+              <a:t>perct95-6</a:t>
+            </a:r>
+            <a:r>
+              <a:rPr lang="en-US" b="0" dirty="0"/>
+              <a:t> </a:t>
+            </a:r>
+            <a:r>
+              <a:rPr lang="en-US" sz="1800" b="0" i="0" u="none" strike="noStrike" dirty="0">
+                <a:solidFill>
+                  <a:srgbClr val="000000"/>
+                </a:solidFill>
+                <a:effectLst/>
+                <a:latin typeface="Calibri" panose="020F0502020204030204" pitchFamily="34" charset="0"/>
+              </a:rPr>
+              <a:t>medianInt-6</a:t>
+            </a:r>
+            <a:r>
+              <a:rPr lang="en-US" b="0" dirty="0"/>
+              <a:t> </a:t>
+            </a:r>
+            <a:r>
+              <a:rPr lang="en-US" sz="1800" b="0" i="0" u="none" strike="noStrike" dirty="0">
+                <a:solidFill>
+                  <a:srgbClr val="000000"/>
+                </a:solidFill>
+                <a:effectLst/>
+                <a:latin typeface="Calibri" panose="020F0502020204030204" pitchFamily="34" charset="0"/>
+              </a:rPr>
+              <a:t>sumInt-6</a:t>
+            </a:r>
+            <a:r>
+              <a:rPr lang="en-US" b="0" dirty="0"/>
+              <a:t> </a:t>
+            </a:r>
+            <a:r>
+              <a:rPr lang="en-US" sz="1800" b="0" i="0" u="none" strike="noStrike" dirty="0">
+                <a:solidFill>
+                  <a:srgbClr val="000000"/>
+                </a:solidFill>
+                <a:effectLst/>
+                <a:latin typeface="Calibri" panose="020F0502020204030204" pitchFamily="34" charset="0"/>
+              </a:rPr>
+              <a:t>MeanInt-7</a:t>
+            </a:r>
+            <a:r>
+              <a:rPr lang="en-US" b="0" dirty="0"/>
+              <a:t> </a:t>
+            </a:r>
+            <a:r>
+              <a:rPr lang="en-US" sz="1800" b="0" i="0" u="none" strike="noStrike" dirty="0">
+                <a:solidFill>
+                  <a:srgbClr val="000000"/>
+                </a:solidFill>
+                <a:effectLst/>
+                <a:latin typeface="Calibri" panose="020F0502020204030204" pitchFamily="34" charset="0"/>
+              </a:rPr>
+              <a:t>avgWidth-7</a:t>
+            </a:r>
+            <a:r>
+              <a:rPr lang="en-US" b="0" dirty="0"/>
+              <a:t> </a:t>
+            </a:r>
+            <a:r>
+              <a:rPr lang="en-US" sz="1800" b="0" i="0" u="none" strike="noStrike" dirty="0">
+                <a:solidFill>
+                  <a:srgbClr val="000000"/>
+                </a:solidFill>
+                <a:effectLst/>
+                <a:latin typeface="Calibri" panose="020F0502020204030204" pitchFamily="34" charset="0"/>
+              </a:rPr>
+              <a:t>stdInt-7</a:t>
+            </a:r>
+            <a:r>
+              <a:rPr lang="en-US" b="0" dirty="0"/>
+              <a:t> </a:t>
+            </a:r>
+            <a:r>
+              <a:rPr lang="en-US" sz="1800" b="0" i="0" u="none" strike="noStrike" dirty="0">
+                <a:solidFill>
+                  <a:srgbClr val="000000"/>
+                </a:solidFill>
+                <a:effectLst/>
+                <a:latin typeface="Calibri" panose="020F0502020204030204" pitchFamily="34" charset="0"/>
+              </a:rPr>
+              <a:t>perct95-7</a:t>
+            </a:r>
+            <a:r>
+              <a:rPr lang="en-US" b="0" dirty="0"/>
+              <a:t> </a:t>
+            </a:r>
+            <a:r>
+              <a:rPr lang="en-US" sz="1800" b="0" i="0" u="none" strike="noStrike" dirty="0">
+                <a:solidFill>
+                  <a:srgbClr val="000000"/>
+                </a:solidFill>
+                <a:effectLst/>
+                <a:latin typeface="Calibri" panose="020F0502020204030204" pitchFamily="34" charset="0"/>
+              </a:rPr>
+              <a:t>medianInt-7</a:t>
+            </a:r>
+            <a:r>
+              <a:rPr lang="en-US" b="0" dirty="0"/>
+              <a:t> </a:t>
+            </a:r>
+            <a:r>
+              <a:rPr lang="en-US" sz="1800" b="0" i="0" u="none" strike="noStrike" dirty="0">
+                <a:solidFill>
+                  <a:srgbClr val="000000"/>
+                </a:solidFill>
+                <a:effectLst/>
+                <a:latin typeface="Calibri" panose="020F0502020204030204" pitchFamily="34" charset="0"/>
+              </a:rPr>
+              <a:t>sumInt-7</a:t>
+            </a:r>
+            <a:r>
+              <a:rPr lang="en-US" b="0" dirty="0"/>
+              <a:t> </a:t>
+            </a:r>
+            <a:r>
+              <a:rPr lang="en-US" sz="1800" b="0" i="0" u="none" strike="noStrike" dirty="0">
+                <a:solidFill>
+                  <a:srgbClr val="000000"/>
+                </a:solidFill>
+                <a:effectLst/>
+                <a:latin typeface="Calibri" panose="020F0502020204030204" pitchFamily="34" charset="0"/>
+              </a:rPr>
+              <a:t>MeanInt-8</a:t>
+            </a:r>
+            <a:r>
+              <a:rPr lang="en-US" b="0" dirty="0"/>
+              <a:t> </a:t>
+            </a:r>
+            <a:r>
+              <a:rPr lang="en-US" sz="1800" b="0" i="0" u="none" strike="noStrike" dirty="0">
+                <a:solidFill>
+                  <a:srgbClr val="000000"/>
+                </a:solidFill>
+                <a:effectLst/>
+                <a:latin typeface="Calibri" panose="020F0502020204030204" pitchFamily="34" charset="0"/>
+              </a:rPr>
+              <a:t>avgWidth-8</a:t>
+            </a:r>
+            <a:r>
+              <a:rPr lang="en-US" b="0" dirty="0"/>
+              <a:t> </a:t>
+            </a:r>
+            <a:r>
+              <a:rPr lang="en-US" sz="1800" b="0" i="0" u="none" strike="noStrike" dirty="0">
+                <a:solidFill>
+                  <a:srgbClr val="000000"/>
+                </a:solidFill>
+                <a:effectLst/>
+                <a:latin typeface="Calibri" panose="020F0502020204030204" pitchFamily="34" charset="0"/>
+              </a:rPr>
+              <a:t>stdInt-8</a:t>
+            </a:r>
+            <a:r>
+              <a:rPr lang="en-US" b="0" dirty="0"/>
+              <a:t> </a:t>
+            </a:r>
+            <a:r>
+              <a:rPr lang="en-US" sz="1800" b="0" i="0" u="none" strike="noStrike" dirty="0">
+                <a:solidFill>
+                  <a:srgbClr val="000000"/>
+                </a:solidFill>
+                <a:effectLst/>
+                <a:latin typeface="Calibri" panose="020F0502020204030204" pitchFamily="34" charset="0"/>
+              </a:rPr>
+              <a:t>perct95-8</a:t>
+            </a:r>
+            <a:r>
+              <a:rPr lang="en-US" b="0" dirty="0"/>
+              <a:t> </a:t>
+            </a:r>
+            <a:r>
+              <a:rPr lang="en-US" sz="1800" b="0" i="0" u="none" strike="noStrike" dirty="0">
+                <a:solidFill>
+                  <a:srgbClr val="000000"/>
+                </a:solidFill>
+                <a:effectLst/>
+                <a:latin typeface="Calibri" panose="020F0502020204030204" pitchFamily="34" charset="0"/>
+              </a:rPr>
+              <a:t>medianInt-8</a:t>
+            </a:r>
+            <a:r>
+              <a:rPr lang="en-US" b="0" dirty="0"/>
+              <a:t> </a:t>
+            </a:r>
+            <a:r>
+              <a:rPr lang="en-US" sz="1800" b="0" i="0" u="none" strike="noStrike" dirty="0">
+                <a:solidFill>
+                  <a:srgbClr val="000000"/>
+                </a:solidFill>
+                <a:effectLst/>
+                <a:latin typeface="Calibri" panose="020F0502020204030204" pitchFamily="34" charset="0"/>
+              </a:rPr>
+              <a:t>sumInt-8</a:t>
+            </a:r>
+            <a:r>
+              <a:rPr lang="en-US" b="0" dirty="0"/>
+              <a:t> </a:t>
+            </a:r>
+            <a:r>
+              <a:rPr lang="en-US" sz="1800" b="0" i="0" u="none" strike="noStrike" dirty="0">
+                <a:solidFill>
+                  <a:srgbClr val="000000"/>
+                </a:solidFill>
+                <a:effectLst/>
+                <a:latin typeface="Calibri" panose="020F0502020204030204" pitchFamily="34" charset="0"/>
+              </a:rPr>
+              <a:t>MeanInt-9</a:t>
+            </a:r>
+            <a:r>
+              <a:rPr lang="en-US" b="0" dirty="0"/>
+              <a:t> </a:t>
+            </a:r>
+            <a:r>
+              <a:rPr lang="en-US" sz="1800" b="0" i="0" u="none" strike="noStrike" dirty="0">
+                <a:solidFill>
+                  <a:srgbClr val="000000"/>
+                </a:solidFill>
+                <a:effectLst/>
+                <a:latin typeface="Calibri" panose="020F0502020204030204" pitchFamily="34" charset="0"/>
+              </a:rPr>
+              <a:t>avgWidth-9</a:t>
+            </a:r>
+            <a:r>
+              <a:rPr lang="en-US" b="0" dirty="0"/>
+              <a:t> </a:t>
+            </a:r>
+            <a:r>
+              <a:rPr lang="en-US" sz="1800" b="0" i="0" u="none" strike="noStrike" dirty="0">
+                <a:solidFill>
+                  <a:srgbClr val="000000"/>
+                </a:solidFill>
+                <a:effectLst/>
+                <a:latin typeface="Calibri" panose="020F0502020204030204" pitchFamily="34" charset="0"/>
+              </a:rPr>
+              <a:t>stdInt-9</a:t>
+            </a:r>
+            <a:r>
+              <a:rPr lang="en-US" b="0" dirty="0"/>
+              <a:t> </a:t>
+            </a:r>
+            <a:r>
+              <a:rPr lang="en-US" sz="1800" b="0" i="0" u="none" strike="noStrike" dirty="0">
+                <a:solidFill>
+                  <a:srgbClr val="000000"/>
+                </a:solidFill>
+                <a:effectLst/>
+                <a:latin typeface="Calibri" panose="020F0502020204030204" pitchFamily="34" charset="0"/>
+              </a:rPr>
+              <a:t>perct95-9</a:t>
+            </a:r>
+            <a:r>
+              <a:rPr lang="en-US" b="0" dirty="0"/>
+              <a:t> </a:t>
+            </a:r>
+            <a:r>
+              <a:rPr lang="en-US" sz="1800" b="0" i="0" u="none" strike="noStrike" dirty="0">
+                <a:solidFill>
+                  <a:srgbClr val="000000"/>
+                </a:solidFill>
+                <a:effectLst/>
+                <a:latin typeface="Calibri" panose="020F0502020204030204" pitchFamily="34" charset="0"/>
+              </a:rPr>
+              <a:t>medianInt-9</a:t>
+            </a:r>
+            <a:r>
+              <a:rPr lang="en-US" b="0" dirty="0"/>
+              <a:t> </a:t>
+            </a:r>
+            <a:r>
+              <a:rPr lang="en-US" sz="1800" b="0" i="0" u="none" strike="noStrike" dirty="0">
+                <a:solidFill>
+                  <a:srgbClr val="000000"/>
+                </a:solidFill>
+                <a:effectLst/>
+                <a:latin typeface="Calibri" panose="020F0502020204030204" pitchFamily="34" charset="0"/>
+              </a:rPr>
+              <a:t>sumInt-9</a:t>
+            </a:r>
+            <a:r>
+              <a:rPr lang="en-US" b="0" dirty="0"/>
+              <a:t> </a:t>
+            </a:r>
+            <a:r>
+              <a:rPr lang="en-US" sz="1800" b="0" i="0" u="none" strike="noStrike" dirty="0">
+                <a:solidFill>
+                  <a:srgbClr val="000000"/>
+                </a:solidFill>
+                <a:effectLst/>
+                <a:latin typeface="Calibri" panose="020F0502020204030204" pitchFamily="34" charset="0"/>
+              </a:rPr>
+              <a:t>MeanInt-10</a:t>
+            </a:r>
+            <a:r>
+              <a:rPr lang="en-US" b="0" dirty="0"/>
+              <a:t> </a:t>
+            </a:r>
+            <a:r>
+              <a:rPr lang="en-US" sz="1800" b="0" i="0" u="none" strike="noStrike" dirty="0">
+                <a:solidFill>
+                  <a:srgbClr val="000000"/>
+                </a:solidFill>
+                <a:effectLst/>
+                <a:latin typeface="Calibri" panose="020F0502020204030204" pitchFamily="34" charset="0"/>
+              </a:rPr>
+              <a:t>avgWidth-10</a:t>
+            </a:r>
+            <a:r>
+              <a:rPr lang="en-US" b="0" dirty="0"/>
+              <a:t> </a:t>
+            </a:r>
+            <a:r>
+              <a:rPr lang="en-US" sz="1800" b="0" i="0" u="none" strike="noStrike" dirty="0">
+                <a:solidFill>
+                  <a:srgbClr val="000000"/>
+                </a:solidFill>
+                <a:effectLst/>
+                <a:latin typeface="Calibri" panose="020F0502020204030204" pitchFamily="34" charset="0"/>
+              </a:rPr>
+              <a:t>stdInt-10</a:t>
+            </a:r>
+            <a:r>
+              <a:rPr lang="en-US" b="0" dirty="0"/>
+              <a:t> </a:t>
+            </a:r>
+            <a:r>
+              <a:rPr lang="en-US" sz="1800" b="0" i="0" u="none" strike="noStrike" dirty="0">
+                <a:solidFill>
+                  <a:srgbClr val="000000"/>
+                </a:solidFill>
+                <a:effectLst/>
+                <a:latin typeface="Calibri" panose="020F0502020204030204" pitchFamily="34" charset="0"/>
+              </a:rPr>
+              <a:t>perct95-10</a:t>
+            </a:r>
+            <a:r>
+              <a:rPr lang="en-US" b="0" dirty="0"/>
+              <a:t> </a:t>
+            </a:r>
+            <a:r>
+              <a:rPr lang="en-US" sz="1800" b="0" i="0" u="none" strike="noStrike" dirty="0">
+                <a:solidFill>
+                  <a:srgbClr val="000000"/>
+                </a:solidFill>
+                <a:effectLst/>
+                <a:latin typeface="Calibri" panose="020F0502020204030204" pitchFamily="34" charset="0"/>
+              </a:rPr>
+              <a:t>medianInt-10</a:t>
+            </a:r>
+            <a:r>
+              <a:rPr lang="en-US" b="0" dirty="0"/>
+              <a:t> </a:t>
+            </a:r>
+            <a:r>
+              <a:rPr lang="en-US" sz="1800" b="0" i="0" u="none" strike="noStrike" dirty="0">
+                <a:solidFill>
+                  <a:srgbClr val="000000"/>
+                </a:solidFill>
+                <a:effectLst/>
+                <a:latin typeface="Calibri" panose="020F0502020204030204" pitchFamily="34" charset="0"/>
+              </a:rPr>
+              <a:t>sumInt-10</a:t>
+            </a:r>
+            <a:r>
+              <a:rPr lang="en-US" b="0" dirty="0"/>
+              <a:t> </a:t>
+            </a:r>
+            <a:r>
+              <a:rPr lang="en-US" sz="1800" b="0" i="0" u="none" strike="noStrike" dirty="0" err="1">
+                <a:solidFill>
+                  <a:srgbClr val="000000"/>
+                </a:solidFill>
+                <a:effectLst/>
+                <a:latin typeface="Calibri" panose="020F0502020204030204" pitchFamily="34" charset="0"/>
+              </a:rPr>
+              <a:t>aspect_ratio</a:t>
+            </a:r>
+            <a:r>
+              <a:rPr lang="en-US" b="0" dirty="0"/>
+              <a:t> </a:t>
+            </a:r>
+            <a:r>
+              <a:rPr lang="en-US" sz="1800" b="0" i="0" u="none" strike="noStrike" dirty="0">
+                <a:solidFill>
+                  <a:srgbClr val="000000"/>
+                </a:solidFill>
+                <a:effectLst/>
+                <a:latin typeface="Calibri" panose="020F0502020204030204" pitchFamily="34" charset="0"/>
+              </a:rPr>
+              <a:t>intRatio2-9</a:t>
+            </a:r>
+            <a:r>
+              <a:rPr lang="en-US" b="0" dirty="0"/>
+              <a:t> </a:t>
+            </a:r>
+            <a:r>
+              <a:rPr lang="en-US" sz="1800" b="0" i="0" u="none" strike="noStrike" dirty="0" err="1">
+                <a:solidFill>
+                  <a:srgbClr val="000000"/>
+                </a:solidFill>
+                <a:effectLst/>
+                <a:latin typeface="Calibri" panose="020F0502020204030204" pitchFamily="34" charset="0"/>
+              </a:rPr>
+              <a:t>tipWidthRatio</a:t>
+            </a:r>
+            <a:r>
+              <a:rPr lang="en-US" b="0" dirty="0"/>
+              <a:t> </a:t>
+            </a:r>
+            <a:r>
+              <a:rPr lang="en-US" sz="1800" b="0" i="0" u="none" strike="noStrike" dirty="0" err="1">
+                <a:solidFill>
+                  <a:srgbClr val="000000"/>
+                </a:solidFill>
+                <a:effectLst/>
+                <a:latin typeface="Calibri" panose="020F0502020204030204" pitchFamily="34" charset="0"/>
+              </a:rPr>
+              <a:t>BodMeanInt</a:t>
+            </a:r>
+            <a:r>
+              <a:rPr lang="en-US" b="0" dirty="0"/>
+              <a:t> </a:t>
+            </a:r>
+            <a:r>
+              <a:rPr lang="en-US" sz="1800" b="0" i="0" u="none" strike="noStrike" dirty="0" err="1">
+                <a:solidFill>
+                  <a:srgbClr val="000000"/>
+                </a:solidFill>
+                <a:effectLst/>
+                <a:latin typeface="Calibri" panose="020F0502020204030204" pitchFamily="34" charset="0"/>
+              </a:rPr>
+              <a:t>BodAvgWidth</a:t>
+            </a:r>
+            <a:r>
+              <a:rPr lang="en-US" b="0" dirty="0"/>
+              <a:t> </a:t>
+            </a:r>
+            <a:r>
+              <a:rPr lang="en-US" sz="1800" b="0" i="0" u="none" strike="noStrike" dirty="0" err="1">
+                <a:solidFill>
+                  <a:srgbClr val="000000"/>
+                </a:solidFill>
+                <a:effectLst/>
+                <a:latin typeface="Calibri" panose="020F0502020204030204" pitchFamily="34" charset="0"/>
+              </a:rPr>
+              <a:t>BodStdInt</a:t>
+            </a:r>
+            <a:r>
+              <a:rPr lang="en-US" b="0" dirty="0"/>
+              <a:t> </a:t>
+            </a:r>
+            <a:r>
+              <a:rPr lang="en-US" sz="1800" b="0" i="0" u="none" strike="noStrike" dirty="0">
+                <a:solidFill>
+                  <a:srgbClr val="000000"/>
+                </a:solidFill>
+                <a:effectLst/>
+                <a:latin typeface="Calibri" panose="020F0502020204030204" pitchFamily="34" charset="0"/>
+              </a:rPr>
+              <a:t>BodPerct95</a:t>
+            </a:r>
+            <a:r>
+              <a:rPr lang="en-US" b="0" dirty="0"/>
+              <a:t> </a:t>
+            </a:r>
+            <a:r>
+              <a:rPr lang="en-US" sz="1800" b="0" i="0" u="none" strike="noStrike" dirty="0" err="1">
+                <a:solidFill>
+                  <a:srgbClr val="000000"/>
+                </a:solidFill>
+                <a:effectLst/>
+                <a:latin typeface="Calibri" panose="020F0502020204030204" pitchFamily="34" charset="0"/>
+              </a:rPr>
+              <a:t>BodMedianInt</a:t>
+            </a:r>
+            <a:r>
+              <a:rPr lang="en-US" b="0" dirty="0"/>
+              <a:t> </a:t>
+            </a:r>
+            <a:r>
+              <a:rPr lang="en-US" sz="1800" b="0" i="0" u="none" strike="noStrike" dirty="0" err="1">
+                <a:solidFill>
+                  <a:srgbClr val="000000"/>
+                </a:solidFill>
+                <a:effectLst/>
+                <a:latin typeface="Calibri" panose="020F0502020204030204" pitchFamily="34" charset="0"/>
+              </a:rPr>
+              <a:t>BodSumInt</a:t>
+            </a:r>
+            <a:r>
+              <a:rPr lang="en-US" b="0" dirty="0"/>
+              <a:t> </a:t>
+            </a:r>
+            <a:r>
+              <a:rPr lang="en-US" sz="1800" b="0" i="0" u="none" strike="noStrike" dirty="0" err="1">
+                <a:solidFill>
+                  <a:srgbClr val="000000"/>
+                </a:solidFill>
+                <a:effectLst/>
+                <a:latin typeface="Calibri" panose="020F0502020204030204" pitchFamily="34" charset="0"/>
+              </a:rPr>
+              <a:t>BKMeanInt</a:t>
+            </a:r>
+            <a:r>
+              <a:rPr lang="en-US" b="0" dirty="0"/>
+              <a:t> </a:t>
+            </a:r>
           </a:p>
         </p:txBody>
       </p:sp>
@@ -1859,7 +4744,7 @@
     </p:spTree>
     <p:extLst>
       <p:ext uri="{BB962C8B-B14F-4D97-AF65-F5344CB8AC3E}">
-        <p14:creationId xmlns:p14="http://schemas.microsoft.com/office/powerpoint/2010/main" val="3287111618"/>
+        <p14:creationId xmlns:p14="http://schemas.microsoft.com/office/powerpoint/2010/main" val="4206110170"/>
       </p:ext>
     </p:extLst>
   </p:cSld>
@@ -1915,7 +4800,15 @@
           <a:p>
             <a:r>
               <a:rPr lang="en-US" dirty="0"/>
-              <a:t>Accuracy of the L1 regressor object on new testing data by value of C on the x axis</a:t>
+              <a:t>Use </a:t>
+            </a:r>
+            <a:r>
+              <a:rPr lang="en-US" dirty="0" err="1"/>
+              <a:t>GridSearchCV</a:t>
+            </a:r>
+            <a:r>
+              <a:rPr lang="en-US" dirty="0"/>
+              <a:t> to test different alpha values (or different anything, really – quite a handy tool!)</a:t>
             </a:r>
           </a:p>
         </p:txBody>
@@ -1946,7 +4839,7 @@
     </p:spTree>
     <p:extLst>
       <p:ext uri="{BB962C8B-B14F-4D97-AF65-F5344CB8AC3E}">
-        <p14:creationId xmlns:p14="http://schemas.microsoft.com/office/powerpoint/2010/main" val="3140554231"/>
+        <p14:creationId xmlns:p14="http://schemas.microsoft.com/office/powerpoint/2010/main" val="1728037777"/>
       </p:ext>
     </p:extLst>
   </p:cSld>
@@ -2002,16 +4895,51 @@
           <a:p>
             <a:r>
               <a:rPr lang="en-US" dirty="0"/>
-              <a:t>Use </a:t>
+              <a:t>B&amp;W Image from </a:t>
+            </a:r>
+            <a:r>
+              <a:rPr lang="en-US" dirty="0">
+                <a:hlinkClick r:id="rId3"/>
+              </a:rPr>
+              <a:t>https://scikit-learn.org/stable/auto_examples/linear_model/plot_logistic_l1_l2_sparsity.html</a:t>
+            </a:r>
+            <a:endParaRPr lang="en-US" dirty="0"/>
+          </a:p>
+          <a:p>
+            <a:endParaRPr lang="en-US" dirty="0"/>
+          </a:p>
+          <a:p>
+            <a:r>
+              <a:rPr lang="en-US" dirty="0"/>
+              <a:t>Looks like when you get the C value very low, the same variables come through for each feature: Num, threshold, </a:t>
             </a:r>
             <a:r>
               <a:rPr lang="en-US" dirty="0" err="1"/>
-              <a:t>GridSearchCV</a:t>
+              <a:t>num_regions</a:t>
             </a:r>
             <a:r>
               <a:rPr lang="en-US" dirty="0"/>
-              <a:t> to test different alpha values (or different anything, really – quite a handy tool!)</a:t>
-            </a:r>
+              <a:t>, </a:t>
+            </a:r>
+            <a:r>
+              <a:rPr lang="en-US" dirty="0" err="1"/>
+              <a:t>est_len</a:t>
+            </a:r>
+            <a:r>
+              <a:rPr lang="en-US" dirty="0"/>
+              <a:t>, avgWidth-1, which are the first couple variables of the excel file (?). </a:t>
+            </a:r>
+            <a:r>
+              <a:rPr lang="en-US" b="1" dirty="0"/>
+              <a:t>C decreases sparsity of the resulting coefficient matrix.</a:t>
+            </a:r>
+            <a:endParaRPr lang="en-US" dirty="0"/>
+          </a:p>
+          <a:p>
+            <a:endParaRPr lang="en-US" dirty="0"/>
+          </a:p>
+          <a:p>
+            <a:endParaRPr lang="en-US" dirty="0"/>
           </a:p>
         </p:txBody>
       </p:sp>
@@ -2041,7 +4969,7 @@
     </p:spTree>
     <p:extLst>
       <p:ext uri="{BB962C8B-B14F-4D97-AF65-F5344CB8AC3E}">
-        <p14:creationId xmlns:p14="http://schemas.microsoft.com/office/powerpoint/2010/main" val="1728037777"/>
+        <p14:creationId xmlns:p14="http://schemas.microsoft.com/office/powerpoint/2010/main" val="3287111618"/>
       </p:ext>
     </p:extLst>
   </p:cSld>
@@ -2097,7 +5025,7 @@
           <a:p>
             <a:r>
               <a:rPr lang="en-US" dirty="0"/>
-              <a:t>For lasso with optimal alpha value</a:t>
+              <a:t>Illustrates the distributions of each feature according to the projection done by LDA on the training and testing data.</a:t>
             </a:r>
           </a:p>
         </p:txBody>
@@ -2119,7 +5047,7 @@
           <a:p>
             <a:fld id="{29A07F0B-DB57-4930-AA47-B2FCA5AF27F8}" type="slidenum">
               <a:rPr lang="en-US" smtClean="0"/>
-              <a:t>11</a:t>
+              <a:t>13</a:t>
             </a:fld>
             <a:endParaRPr lang="en-US"/>
           </a:p>
@@ -2128,7 +5056,7 @@
     </p:spTree>
     <p:extLst>
       <p:ext uri="{BB962C8B-B14F-4D97-AF65-F5344CB8AC3E}">
-        <p14:creationId xmlns:p14="http://schemas.microsoft.com/office/powerpoint/2010/main" val="3969531326"/>
+        <p14:creationId xmlns:p14="http://schemas.microsoft.com/office/powerpoint/2010/main" val="2357213107"/>
       </p:ext>
     </p:extLst>
   </p:cSld>
@@ -2184,7 +5112,117 @@
           <a:p>
             <a:r>
               <a:rPr lang="en-US" dirty="0"/>
-              <a:t>Illustrates the distributions of each feature according to the projection done by LDA on the training data.</a:t>
+              <a:t>I thought SFS was very interesting because after you perform the SFS, you get a list of features which best model the classification. Then you can do logistic regression on your classification using JUST the recommended features and see how accurate that is. The above screenshot details this. For example, SFS identified avgWidth-1, sumInt-4, sumInt-6, sumInt-7, ad medianInt-1 as the most salient features for the classification of the </a:t>
+            </a:r>
+            <a:r>
+              <a:rPr lang="en-US" dirty="0" err="1"/>
+              <a:t>Single_Loaded</a:t>
+            </a:r>
+            <a:r>
+              <a:rPr lang="en-US" dirty="0"/>
+              <a:t> feature. When you generate a logistic regression object using solely these features and use it to fit and model your data, then you get very high accuracy for the classification of single loaded vs. multiple loads.</a:t>
+            </a:r>
+          </a:p>
+          <a:p>
+            <a:endParaRPr lang="en-US" dirty="0"/>
+          </a:p>
+          <a:p>
+            <a:r>
+              <a:rPr lang="en-US" dirty="0"/>
+              <a:t>Logistic regression notes:</a:t>
+            </a:r>
+          </a:p>
+          <a:p>
+            <a:pPr marL="171450" indent="-171450">
+              <a:buFont typeface="Arial" panose="020B0604020202020204" pitchFamily="34" charset="0"/>
+              <a:buChar char="•"/>
+            </a:pPr>
+            <a:r>
+              <a:rPr lang="en-US" dirty="0"/>
+              <a:t>Solvers: don’t seem to be a big deal as long as you standardize</a:t>
+            </a:r>
+          </a:p>
+          <a:p>
+            <a:pPr marL="628650" lvl="1" indent="-171450">
+              <a:buFont typeface="Arial" panose="020B0604020202020204" pitchFamily="34" charset="0"/>
+              <a:buChar char="•"/>
+            </a:pPr>
+            <a:r>
+              <a:rPr lang="en-US" dirty="0">
+                <a:hlinkClick r:id="rId3"/>
+              </a:rPr>
+              <a:t>https://stackoverflow.com/questions/38640109/logistic-regression-python-solvers-definitions</a:t>
+            </a:r>
+            <a:endParaRPr lang="en-US" dirty="0"/>
+          </a:p>
+          <a:p>
+            <a:pPr marL="628650" lvl="1" indent="-171450">
+              <a:buFont typeface="Arial" panose="020B0604020202020204" pitchFamily="34" charset="0"/>
+              <a:buChar char="•"/>
+            </a:pPr>
+            <a:r>
+              <a:rPr lang="en-US" dirty="0">
+                <a:hlinkClick r:id="rId4"/>
+              </a:rPr>
+              <a:t>https://towardsdatascience.com/dont-sweat-the-solver-stuff-aea7cddc3451</a:t>
+            </a:r>
+            <a:endParaRPr lang="en-US" dirty="0"/>
+          </a:p>
+          <a:p>
+            <a:pPr marL="171450" lvl="0" indent="-171450">
+              <a:buFont typeface="Arial" panose="020B0604020202020204" pitchFamily="34" charset="0"/>
+              <a:buChar char="•"/>
+            </a:pPr>
+            <a:r>
+              <a:rPr lang="en-US" dirty="0" err="1"/>
+              <a:t>Max_iter</a:t>
+            </a:r>
+            <a:r>
+              <a:rPr lang="en-US" dirty="0"/>
+              <a:t>: </a:t>
+            </a:r>
+            <a:r>
+              <a:rPr lang="en-US" dirty="0">
+                <a:hlinkClick r:id="rId5"/>
+              </a:rPr>
+              <a:t>https://www.naftaliharris.com/blog/visualizing-k-means-clustering/</a:t>
+            </a:r>
+            <a:endParaRPr lang="en-US" dirty="0"/>
+          </a:p>
+          <a:p>
+            <a:pPr marL="171450" lvl="0" indent="-171450">
+              <a:buFont typeface="Arial" panose="020B0604020202020204" pitchFamily="34" charset="0"/>
+              <a:buChar char="•"/>
+            </a:pPr>
+            <a:r>
+              <a:rPr lang="en-US" dirty="0" err="1"/>
+              <a:t>N_jobs</a:t>
+            </a:r>
+            <a:r>
+              <a:rPr lang="en-US" dirty="0"/>
+              <a:t>: -1 to use all processors, 1 for a single processor/core, 2 for two processors/cores, etc. – should just affect run time, not the results/outcome</a:t>
+            </a:r>
+          </a:p>
+          <a:p>
+            <a:pPr marL="171450" lvl="0" indent="-171450">
+              <a:buFont typeface="Arial" panose="020B0604020202020204" pitchFamily="34" charset="0"/>
+              <a:buChar char="•"/>
+            </a:pPr>
+            <a:r>
+              <a:rPr lang="en-US" dirty="0" err="1"/>
+              <a:t>Random_state</a:t>
+            </a:r>
+            <a:r>
+              <a:rPr lang="en-US" dirty="0"/>
+              <a:t>: make sure this is the same everything you run logistic regression, otherwise your results will be shuffled/outcome will be different – does not matter what you set </a:t>
+            </a:r>
+            <a:r>
+              <a:rPr lang="en-US" dirty="0" err="1"/>
+              <a:t>random_state</a:t>
+            </a:r>
+            <a:r>
+              <a:rPr lang="en-US" dirty="0"/>
+              <a:t> equal to as long as it’s the same number</a:t>
             </a:r>
           </a:p>
         </p:txBody>
@@ -2206,7 +5244,7 @@
           <a:p>
             <a:fld id="{29A07F0B-DB57-4930-AA47-B2FCA5AF27F8}" type="slidenum">
               <a:rPr lang="en-US" smtClean="0"/>
-              <a:t>13</a:t>
+              <a:t>14</a:t>
             </a:fld>
             <a:endParaRPr lang="en-US"/>
           </a:p>
@@ -2215,7 +5253,7 @@
     </p:spTree>
     <p:extLst>
       <p:ext uri="{BB962C8B-B14F-4D97-AF65-F5344CB8AC3E}">
-        <p14:creationId xmlns:p14="http://schemas.microsoft.com/office/powerpoint/2010/main" val="2357213107"/>
+        <p14:creationId xmlns:p14="http://schemas.microsoft.com/office/powerpoint/2010/main" val="503332440"/>
       </p:ext>
     </p:extLst>
   </p:cSld>
@@ -2271,117 +5309,7 @@
           <a:p>
             <a:r>
               <a:rPr lang="en-US" dirty="0"/>
-              <a:t>I thought SFS was very interesting because after you perform the SFS, you get a list of features which best model the classification. Then you can do logistic regression on your classification using JUST the recommended features and see how accurate that is. The above screenshot details this. For example, SFS identified avgWidth-1, sumInt-4, sumInt-6, sumInt-7, ad medianInt-1 as the most salient features for the classification of the </a:t>
-            </a:r>
-            <a:r>
-              <a:rPr lang="en-US" dirty="0" err="1"/>
-              <a:t>Single_Loaded</a:t>
-            </a:r>
-            <a:r>
-              <a:rPr lang="en-US" dirty="0"/>
-              <a:t> feature. When you generate a logistic regression object using solely these features and use it to fit and model your data, then you get very high accuracy for the classification of single loaded vs. multiple loads.</a:t>
-            </a:r>
-          </a:p>
-          <a:p>
-            <a:endParaRPr lang="en-US" dirty="0"/>
-          </a:p>
-          <a:p>
-            <a:r>
-              <a:rPr lang="en-US" dirty="0"/>
-              <a:t>Logistic regression notes:</a:t>
-            </a:r>
-          </a:p>
-          <a:p>
-            <a:pPr marL="171450" indent="-171450">
-              <a:buFont typeface="Arial" panose="020B0604020202020204" pitchFamily="34" charset="0"/>
-              <a:buChar char="•"/>
-            </a:pPr>
-            <a:r>
-              <a:rPr lang="en-US" dirty="0"/>
-              <a:t>Solvers: don’t seem to be a big deal as long as you standardize</a:t>
-            </a:r>
-          </a:p>
-          <a:p>
-            <a:pPr marL="628650" lvl="1" indent="-171450">
-              <a:buFont typeface="Arial" panose="020B0604020202020204" pitchFamily="34" charset="0"/>
-              <a:buChar char="•"/>
-            </a:pPr>
-            <a:r>
-              <a:rPr lang="en-US" dirty="0">
-                <a:hlinkClick r:id="rId3"/>
-              </a:rPr>
-              <a:t>https://stackoverflow.com/questions/38640109/logistic-regression-python-solvers-definitions</a:t>
-            </a:r>
-            <a:endParaRPr lang="en-US" dirty="0"/>
-          </a:p>
-          <a:p>
-            <a:pPr marL="628650" lvl="1" indent="-171450">
-              <a:buFont typeface="Arial" panose="020B0604020202020204" pitchFamily="34" charset="0"/>
-              <a:buChar char="•"/>
-            </a:pPr>
-            <a:r>
-              <a:rPr lang="en-US" dirty="0">
-                <a:hlinkClick r:id="rId4"/>
-              </a:rPr>
-              <a:t>https://towardsdatascience.com/dont-sweat-the-solver-stuff-aea7cddc3451</a:t>
-            </a:r>
-            <a:endParaRPr lang="en-US" dirty="0"/>
-          </a:p>
-          <a:p>
-            <a:pPr marL="171450" lvl="0" indent="-171450">
-              <a:buFont typeface="Arial" panose="020B0604020202020204" pitchFamily="34" charset="0"/>
-              <a:buChar char="•"/>
-            </a:pPr>
-            <a:r>
-              <a:rPr lang="en-US" dirty="0" err="1"/>
-              <a:t>Max_iter</a:t>
-            </a:r>
-            <a:r>
-              <a:rPr lang="en-US" dirty="0"/>
-              <a:t>: </a:t>
-            </a:r>
-            <a:r>
-              <a:rPr lang="en-US" dirty="0">
-                <a:hlinkClick r:id="rId5"/>
-              </a:rPr>
-              <a:t>https://www.naftaliharris.com/blog/visualizing-k-means-clustering/</a:t>
-            </a:r>
-            <a:endParaRPr lang="en-US" dirty="0"/>
-          </a:p>
-          <a:p>
-            <a:pPr marL="171450" lvl="0" indent="-171450">
-              <a:buFont typeface="Arial" panose="020B0604020202020204" pitchFamily="34" charset="0"/>
-              <a:buChar char="•"/>
-            </a:pPr>
-            <a:r>
-              <a:rPr lang="en-US" dirty="0" err="1"/>
-              <a:t>N_jobs</a:t>
-            </a:r>
-            <a:r>
-              <a:rPr lang="en-US" dirty="0"/>
-              <a:t>: -1 to use all processors, 1 for a single processor/core, 2 for two processors/cores, etc. – should just affect run time, not the results/outcome</a:t>
-            </a:r>
-          </a:p>
-          <a:p>
-            <a:pPr marL="171450" lvl="0" indent="-171450">
-              <a:buFont typeface="Arial" panose="020B0604020202020204" pitchFamily="34" charset="0"/>
-              <a:buChar char="•"/>
-            </a:pPr>
-            <a:r>
-              <a:rPr lang="en-US" dirty="0" err="1"/>
-              <a:t>Random_state</a:t>
-            </a:r>
-            <a:r>
-              <a:rPr lang="en-US" dirty="0"/>
-              <a:t>: make sure this is the same everything you run logistic regression, otherwise your results will be shuffled/outcome will be different – does not matter what you set </a:t>
-            </a:r>
-            <a:r>
-              <a:rPr lang="en-US" dirty="0" err="1"/>
-              <a:t>random_state</a:t>
-            </a:r>
-            <a:r>
-              <a:rPr lang="en-US" dirty="0"/>
-              <a:t> equal to as long as it’s the same number</a:t>
+              <a:t>Performance is the average cross-validated score and the std dev shading represents standard deviation of those cv scores.</a:t>
             </a:r>
           </a:p>
         </p:txBody>
@@ -2403,7 +5331,7 @@
           <a:p>
             <a:fld id="{29A07F0B-DB57-4930-AA47-B2FCA5AF27F8}" type="slidenum">
               <a:rPr lang="en-US" smtClean="0"/>
-              <a:t>14</a:t>
+              <a:t>16</a:t>
             </a:fld>
             <a:endParaRPr lang="en-US"/>
           </a:p>
@@ -2412,7 +5340,112 @@
     </p:spTree>
     <p:extLst>
       <p:ext uri="{BB962C8B-B14F-4D97-AF65-F5344CB8AC3E}">
-        <p14:creationId xmlns:p14="http://schemas.microsoft.com/office/powerpoint/2010/main" val="503332440"/>
+        <p14:creationId xmlns:p14="http://schemas.microsoft.com/office/powerpoint/2010/main" val="764209915"/>
+      </p:ext>
+    </p:extLst>
+  </p:cSld>
+  <p:clrMapOvr>
+    <a:masterClrMapping/>
+  </p:clrMapOvr>
+</p:notes>
+</file>
+
+<file path=ppt/notesSlides/notesSlide9.xml><?xml version="1.0" encoding="utf-8"?>
+<p:notes xmlns:a="http://schemas.openxmlformats.org/drawingml/2006/main" xmlns:r="http://schemas.openxmlformats.org/officeDocument/2006/relationships" xmlns:p="http://schemas.openxmlformats.org/presentationml/2006/main">
+  <p:cSld>
+    <p:spTree>
+      <p:nvGrpSpPr>
+        <p:cNvPr id="1" name=""/>
+        <p:cNvGrpSpPr/>
+        <p:nvPr/>
+      </p:nvGrpSpPr>
+      <p:grpSpPr>
+        <a:xfrm>
+          <a:off x="0" y="0"/>
+          <a:ext cx="0" cy="0"/>
+          <a:chOff x="0" y="0"/>
+          <a:chExt cx="0" cy="0"/>
+        </a:xfrm>
+      </p:grpSpPr>
+      <p:sp>
+        <p:nvSpPr>
+          <p:cNvPr id="2" name="Slide Image Placeholder 1"/>
+          <p:cNvSpPr>
+            <a:spLocks noGrp="1" noRot="1" noChangeAspect="1"/>
+          </p:cNvSpPr>
+          <p:nvPr>
+            <p:ph type="sldImg"/>
+          </p:nvPr>
+        </p:nvSpPr>
+        <p:spPr/>
+      </p:sp>
+      <p:sp>
+        <p:nvSpPr>
+          <p:cNvPr id="3" name="Notes Placeholder 2"/>
+          <p:cNvSpPr>
+            <a:spLocks noGrp="1"/>
+          </p:cNvSpPr>
+          <p:nvPr>
+            <p:ph type="body" idx="1"/>
+          </p:nvPr>
+        </p:nvSpPr>
+        <p:spPr/>
+        <p:txBody>
+          <a:bodyPr/>
+          <a:lstStyle/>
+          <a:p>
+            <a:r>
+              <a:rPr lang="en-US" dirty="0"/>
+              <a:t>Classification accuracy only works well if there is an equal number of samples belonging to each class (same issue with ROC-AUC) and logarithmic loss work well for multiclass classifications, neither of which sound like they would be the best accuracy metric.</a:t>
+            </a:r>
+          </a:p>
+          <a:p>
+            <a:endParaRPr lang="en-US" dirty="0"/>
+          </a:p>
+          <a:p>
+            <a:r>
+              <a:rPr lang="en-US" dirty="0"/>
+              <a:t>F1 score and PR-AUC both focus on TPs and not TNs, but we definitely want to get the TNs counted, so I don’t think that would be right for our data.</a:t>
+            </a:r>
+          </a:p>
+          <a:p>
+            <a:endParaRPr lang="en-US" dirty="0"/>
+          </a:p>
+          <a:p>
+            <a:r>
+              <a:rPr lang="en-US" dirty="0"/>
+              <a:t>Mean squared error won’t give us any more info than mean absolute error because it squares the difference between actual and predicted classifications. This is advantageous for data sets with errors of different sizes because it magnifies the larger errors so that those can be focused on. Having binary classifications means that error for any given point will have the same amount of error, if any at all (we have binary data and binary error, either zero or one). This means there is no point to using MSE because its proclaimed advantage does not apply to us.</a:t>
+            </a:r>
+          </a:p>
+        </p:txBody>
+      </p:sp>
+      <p:sp>
+        <p:nvSpPr>
+          <p:cNvPr id="4" name="Slide Number Placeholder 3"/>
+          <p:cNvSpPr>
+            <a:spLocks noGrp="1"/>
+          </p:cNvSpPr>
+          <p:nvPr>
+            <p:ph type="sldNum" sz="quarter" idx="5"/>
+          </p:nvPr>
+        </p:nvSpPr>
+        <p:spPr/>
+        <p:txBody>
+          <a:bodyPr/>
+          <a:lstStyle/>
+          <a:p>
+            <a:fld id="{29A07F0B-DB57-4930-AA47-B2FCA5AF27F8}" type="slidenum">
+              <a:rPr lang="en-US" smtClean="0"/>
+              <a:t>17</a:t>
+            </a:fld>
+            <a:endParaRPr lang="en-US"/>
+          </a:p>
+        </p:txBody>
+      </p:sp>
+    </p:spTree>
+    <p:extLst>
+      <p:ext uri="{BB962C8B-B14F-4D97-AF65-F5344CB8AC3E}">
+        <p14:creationId xmlns:p14="http://schemas.microsoft.com/office/powerpoint/2010/main" val="37941097"/>
       </p:ext>
     </p:extLst>
   </p:cSld>
@@ -2569,7 +5602,7 @@
           <a:p>
             <a:fld id="{D7DDD580-B00F-47BE-833C-6484723950AD}" type="datetimeFigureOut">
               <a:rPr lang="en-US" smtClean="0"/>
-              <a:t>7/6/2020</a:t>
+              <a:t>7/13/2020</a:t>
             </a:fld>
             <a:endParaRPr lang="en-US"/>
           </a:p>
@@ -2767,7 +5800,7 @@
           <a:p>
             <a:fld id="{D7DDD580-B00F-47BE-833C-6484723950AD}" type="datetimeFigureOut">
               <a:rPr lang="en-US" smtClean="0"/>
-              <a:t>7/6/2020</a:t>
+              <a:t>7/13/2020</a:t>
             </a:fld>
             <a:endParaRPr lang="en-US"/>
           </a:p>
@@ -2975,7 +6008,7 @@
           <a:p>
             <a:fld id="{D7DDD580-B00F-47BE-833C-6484723950AD}" type="datetimeFigureOut">
               <a:rPr lang="en-US" smtClean="0"/>
-              <a:t>7/6/2020</a:t>
+              <a:t>7/13/2020</a:t>
             </a:fld>
             <a:endParaRPr lang="en-US"/>
           </a:p>
@@ -3173,7 +6206,7 @@
           <a:p>
             <a:fld id="{D7DDD580-B00F-47BE-833C-6484723950AD}" type="datetimeFigureOut">
               <a:rPr lang="en-US" smtClean="0"/>
-              <a:t>7/6/2020</a:t>
+              <a:t>7/13/2020</a:t>
             </a:fld>
             <a:endParaRPr lang="en-US"/>
           </a:p>
@@ -3448,7 +6481,7 @@
           <a:p>
             <a:fld id="{D7DDD580-B00F-47BE-833C-6484723950AD}" type="datetimeFigureOut">
               <a:rPr lang="en-US" smtClean="0"/>
-              <a:t>7/6/2020</a:t>
+              <a:t>7/13/2020</a:t>
             </a:fld>
             <a:endParaRPr lang="en-US"/>
           </a:p>
@@ -3713,7 +6746,7 @@
           <a:p>
             <a:fld id="{D7DDD580-B00F-47BE-833C-6484723950AD}" type="datetimeFigureOut">
               <a:rPr lang="en-US" smtClean="0"/>
-              <a:t>7/6/2020</a:t>
+              <a:t>7/13/2020</a:t>
             </a:fld>
             <a:endParaRPr lang="en-US"/>
           </a:p>
@@ -4125,7 +7158,7 @@
           <a:p>
             <a:fld id="{D7DDD580-B00F-47BE-833C-6484723950AD}" type="datetimeFigureOut">
               <a:rPr lang="en-US" smtClean="0"/>
-              <a:t>7/6/2020</a:t>
+              <a:t>7/13/2020</a:t>
             </a:fld>
             <a:endParaRPr lang="en-US"/>
           </a:p>
@@ -4266,7 +7299,7 @@
           <a:p>
             <a:fld id="{D7DDD580-B00F-47BE-833C-6484723950AD}" type="datetimeFigureOut">
               <a:rPr lang="en-US" smtClean="0"/>
-              <a:t>7/6/2020</a:t>
+              <a:t>7/13/2020</a:t>
             </a:fld>
             <a:endParaRPr lang="en-US"/>
           </a:p>
@@ -4379,7 +7412,7 @@
           <a:p>
             <a:fld id="{D7DDD580-B00F-47BE-833C-6484723950AD}" type="datetimeFigureOut">
               <a:rPr lang="en-US" smtClean="0"/>
-              <a:t>7/6/2020</a:t>
+              <a:t>7/13/2020</a:t>
             </a:fld>
             <a:endParaRPr lang="en-US"/>
           </a:p>
@@ -4690,7 +7723,7 @@
           <a:p>
             <a:fld id="{D7DDD580-B00F-47BE-833C-6484723950AD}" type="datetimeFigureOut">
               <a:rPr lang="en-US" smtClean="0"/>
-              <a:t>7/6/2020</a:t>
+              <a:t>7/13/2020</a:t>
             </a:fld>
             <a:endParaRPr lang="en-US"/>
           </a:p>
@@ -4978,7 +8011,7 @@
           <a:p>
             <a:fld id="{D7DDD580-B00F-47BE-833C-6484723950AD}" type="datetimeFigureOut">
               <a:rPr lang="en-US" smtClean="0"/>
-              <a:t>7/6/2020</a:t>
+              <a:t>7/13/2020</a:t>
             </a:fld>
             <a:endParaRPr lang="en-US"/>
           </a:p>
@@ -5219,7 +8252,7 @@
           <a:p>
             <a:fld id="{D7DDD580-B00F-47BE-833C-6484723950AD}" type="datetimeFigureOut">
               <a:rPr lang="en-US" smtClean="0"/>
-              <a:t>7/6/2020</a:t>
+              <a:t>7/13/2020</a:t>
             </a:fld>
             <a:endParaRPr lang="en-US"/>
           </a:p>
@@ -5724,7 +8757,7 @@
           <p:cNvPr id="2" name="Title 1">
             <a:extLst>
               <a:ext uri="{FF2B5EF4-FFF2-40B4-BE49-F238E27FC236}">
-                <a16:creationId xmlns:a16="http://schemas.microsoft.com/office/drawing/2014/main" id="{C6E0C6EA-FBCF-4999-A0B8-4F6293763E6E}"/>
+                <a16:creationId xmlns:a16="http://schemas.microsoft.com/office/drawing/2014/main" id="{51E12537-A5CF-4DA3-9E7B-13ED2817CFA4}"/>
               </a:ext>
             </a:extLst>
           </p:cNvPr>
@@ -5742,7 +8775,7 @@
           <a:p>
             <a:r>
               <a:rPr lang="en-US" dirty="0"/>
-              <a:t>Feature selection</a:t>
+              <a:t>Feature Selection</a:t>
             </a:r>
           </a:p>
         </p:txBody>
@@ -5752,7 +8785,7 @@
           <p:cNvPr id="3" name="Content Placeholder 2">
             <a:extLst>
               <a:ext uri="{FF2B5EF4-FFF2-40B4-BE49-F238E27FC236}">
-                <a16:creationId xmlns:a16="http://schemas.microsoft.com/office/drawing/2014/main" id="{EA8C04D5-69D9-4904-BE6A-A3C028B98547}"/>
+                <a16:creationId xmlns:a16="http://schemas.microsoft.com/office/drawing/2014/main" id="{0F5DEB2C-95CE-4CC5-9991-A2CF6161605A}"/>
               </a:ext>
             </a:extLst>
           </p:cNvPr>
@@ -5763,24 +8796,29 @@
             <p:ph idx="1"/>
           </p:nvPr>
         </p:nvSpPr>
-        <p:spPr/>
+        <p:spPr>
+          <a:xfrm>
+            <a:off x="838200" y="1825625"/>
+            <a:ext cx="2980174" cy="4351338"/>
+          </a:xfrm>
+        </p:spPr>
         <p:txBody>
           <a:bodyPr/>
           <a:lstStyle/>
           <a:p>
             <a:r>
               <a:rPr lang="en-US" dirty="0"/>
-              <a:t>Lasso</a:t>
+              <a:t>L1 logistic regression</a:t>
             </a:r>
           </a:p>
         </p:txBody>
       </p:sp>
       <p:pic>
         <p:nvPicPr>
-          <p:cNvPr id="15" name="Picture 14" descr="A close up of a logo&#10;&#10;Description automatically generated">
-            <a:extLst>
-              <a:ext uri="{FF2B5EF4-FFF2-40B4-BE49-F238E27FC236}">
-                <a16:creationId xmlns:a16="http://schemas.microsoft.com/office/drawing/2014/main" id="{03CD3023-A36C-4D67-8A4A-4E697076AC45}"/>
+          <p:cNvPr id="4" name="Picture 3">
+            <a:extLst>
+              <a:ext uri="{FF2B5EF4-FFF2-40B4-BE49-F238E27FC236}">
+                <a16:creationId xmlns:a16="http://schemas.microsoft.com/office/drawing/2014/main" id="{1873E50E-AE3D-4140-A924-58F393D6ADBB}"/>
               </a:ext>
             </a:extLst>
           </p:cNvPr>
@@ -5790,32 +8828,61 @@
           <p:nvPr/>
         </p:nvPicPr>
         <p:blipFill rotWithShape="1">
-          <a:blip r:embed="rId3">
-            <a:extLst>
-              <a:ext uri="{28A0092B-C50C-407E-A947-70E740481C1C}">
-                <a14:useLocalDpi xmlns:a14="http://schemas.microsoft.com/office/drawing/2010/main" val="0"/>
-              </a:ext>
-            </a:extLst>
-          </a:blip>
-          <a:srcRect l="7386" r="6735" b="20762"/>
+          <a:blip r:embed="rId3"/>
+          <a:srcRect l="4918" t="5759" r="69363" b="4156"/>
           <a:stretch/>
         </p:blipFill>
         <p:spPr>
           <a:xfrm>
-            <a:off x="-2639291" y="5650420"/>
-            <a:ext cx="10470287" cy="1207580"/>
+            <a:off x="3818374" y="1517072"/>
+            <a:ext cx="1324899" cy="3823855"/>
           </a:xfrm>
           <a:prstGeom prst="rect">
             <a:avLst/>
           </a:prstGeom>
         </p:spPr>
       </p:pic>
+      <p:sp>
+        <p:nvSpPr>
+          <p:cNvPr id="16" name="TextBox 15">
+            <a:extLst>
+              <a:ext uri="{FF2B5EF4-FFF2-40B4-BE49-F238E27FC236}">
+                <a16:creationId xmlns:a16="http://schemas.microsoft.com/office/drawing/2014/main" id="{A2FDFFA6-711E-4BCB-A071-EE6348D3C731}"/>
+              </a:ext>
+            </a:extLst>
+          </p:cNvPr>
+          <p:cNvSpPr txBox="1"/>
+          <p:nvPr/>
+        </p:nvSpPr>
+        <p:spPr>
+          <a:xfrm>
+            <a:off x="6526288" y="4846266"/>
+            <a:ext cx="6686446" cy="369332"/>
+          </a:xfrm>
+          <a:prstGeom prst="rect">
+            <a:avLst/>
+          </a:prstGeom>
+          <a:noFill/>
+        </p:spPr>
+        <p:txBody>
+          <a:bodyPr wrap="none" rtlCol="0">
+            <a:spAutoFit/>
+          </a:bodyPr>
+          <a:lstStyle/>
+          <a:p>
+            <a:r>
+              <a:rPr lang="en-US" dirty="0"/>
+              <a:t>C = [10, 5, 2, 1.75, 1.5, 1.4, 1.3, 1.2, 1.1, 1, .9, .8, .7, .6, .5, .4, .3, .2, .1]</a:t>
+            </a:r>
+          </a:p>
+        </p:txBody>
+      </p:sp>
       <p:pic>
         <p:nvPicPr>
-          <p:cNvPr id="16" name="Picture 15">
-            <a:extLst>
-              <a:ext uri="{FF2B5EF4-FFF2-40B4-BE49-F238E27FC236}">
-                <a16:creationId xmlns:a16="http://schemas.microsoft.com/office/drawing/2014/main" id="{258D9C39-6A71-4271-AA8D-D27AE82AC9C5}"/>
+          <p:cNvPr id="8" name="Picture 7">
+            <a:extLst>
+              <a:ext uri="{FF2B5EF4-FFF2-40B4-BE49-F238E27FC236}">
+                <a16:creationId xmlns:a16="http://schemas.microsoft.com/office/drawing/2014/main" id="{F4A0C705-8227-4D76-B9BC-FA6DF014B58F}"/>
               </a:ext>
             </a:extLst>
           </p:cNvPr>
@@ -5832,8 +8899,38 @@
         </p:blipFill>
         <p:spPr>
           <a:xfrm>
-            <a:off x="8899947" y="917334"/>
-            <a:ext cx="2848707" cy="6263616"/>
+            <a:off x="5056131" y="180459"/>
+            <a:ext cx="4591779" cy="4626003"/>
+          </a:xfrm>
+          <a:prstGeom prst="rect">
+            <a:avLst/>
+          </a:prstGeom>
+        </p:spPr>
+      </p:pic>
+      <p:pic>
+        <p:nvPicPr>
+          <p:cNvPr id="11" name="Picture 10">
+            <a:extLst>
+              <a:ext uri="{FF2B5EF4-FFF2-40B4-BE49-F238E27FC236}">
+                <a16:creationId xmlns:a16="http://schemas.microsoft.com/office/drawing/2014/main" id="{047B72A2-C3BD-443A-B7ED-DDD423F53092}"/>
+              </a:ext>
+            </a:extLst>
+          </p:cNvPr>
+          <p:cNvPicPr>
+            <a:picLocks noChangeAspect="1"/>
+          </p:cNvPicPr>
+          <p:nvPr/>
+        </p:nvPicPr>
+        <p:blipFill>
+          <a:blip r:embed="rId5"/>
+          <a:stretch>
+            <a:fillRect/>
+          </a:stretch>
+        </p:blipFill>
+        <p:spPr>
+          <a:xfrm>
+            <a:off x="9537807" y="92366"/>
+            <a:ext cx="4869744" cy="4802187"/>
           </a:xfrm>
           <a:prstGeom prst="rect">
             <a:avLst/>
@@ -5845,7 +8942,7 @@
           <p:cNvPr id="17" name="Picture 16">
             <a:extLst>
               <a:ext uri="{FF2B5EF4-FFF2-40B4-BE49-F238E27FC236}">
-                <a16:creationId xmlns:a16="http://schemas.microsoft.com/office/drawing/2014/main" id="{4628FF95-1BE9-4A91-93B0-EF20A10F858E}"/>
+                <a16:creationId xmlns:a16="http://schemas.microsoft.com/office/drawing/2014/main" id="{DF7CEF04-FD1D-4CC1-8E50-425FC7608F83}"/>
               </a:ext>
             </a:extLst>
           </p:cNvPr>
@@ -5854,15 +8951,16 @@
           </p:cNvPicPr>
           <p:nvPr/>
         </p:nvPicPr>
-        <p:blipFill rotWithShape="1">
-          <a:blip r:embed="rId5"/>
-          <a:srcRect b="75592"/>
-          <a:stretch/>
+        <p:blipFill>
+          <a:blip r:embed="rId6"/>
+          <a:stretch>
+            <a:fillRect/>
+          </a:stretch>
         </p:blipFill>
         <p:spPr>
           <a:xfrm>
-            <a:off x="3958523" y="1690688"/>
-            <a:ext cx="2331441" cy="761567"/>
+            <a:off x="14455098" y="92366"/>
+            <a:ext cx="4434129" cy="4689092"/>
           </a:xfrm>
           <a:prstGeom prst="rect">
             <a:avLst/>
@@ -5871,10 +8969,70 @@
       </p:pic>
       <p:pic>
         <p:nvPicPr>
-          <p:cNvPr id="18" name="Picture 17">
-            <a:extLst>
-              <a:ext uri="{FF2B5EF4-FFF2-40B4-BE49-F238E27FC236}">
-                <a16:creationId xmlns:a16="http://schemas.microsoft.com/office/drawing/2014/main" id="{BF7FF49C-1C6C-47D7-AFF7-31D61AE13A22}"/>
+          <p:cNvPr id="19" name="Picture 18">
+            <a:extLst>
+              <a:ext uri="{FF2B5EF4-FFF2-40B4-BE49-F238E27FC236}">
+                <a16:creationId xmlns:a16="http://schemas.microsoft.com/office/drawing/2014/main" id="{693E2010-F016-4C2D-857A-728531F48302}"/>
+              </a:ext>
+            </a:extLst>
+          </p:cNvPr>
+          <p:cNvPicPr>
+            <a:picLocks noChangeAspect="1"/>
+          </p:cNvPicPr>
+          <p:nvPr/>
+        </p:nvPicPr>
+        <p:blipFill>
+          <a:blip r:embed="rId7"/>
+          <a:stretch>
+            <a:fillRect/>
+          </a:stretch>
+        </p:blipFill>
+        <p:spPr>
+          <a:xfrm>
+            <a:off x="8123447" y="5271924"/>
+            <a:ext cx="4344709" cy="4536226"/>
+          </a:xfrm>
+          <a:prstGeom prst="rect">
+            <a:avLst/>
+          </a:prstGeom>
+        </p:spPr>
+      </p:pic>
+      <p:pic>
+        <p:nvPicPr>
+          <p:cNvPr id="21" name="Picture 20">
+            <a:extLst>
+              <a:ext uri="{FF2B5EF4-FFF2-40B4-BE49-F238E27FC236}">
+                <a16:creationId xmlns:a16="http://schemas.microsoft.com/office/drawing/2014/main" id="{6EADE707-6FE1-4806-A738-78357594CF5D}"/>
+              </a:ext>
+            </a:extLst>
+          </p:cNvPr>
+          <p:cNvPicPr>
+            <a:picLocks noChangeAspect="1"/>
+          </p:cNvPicPr>
+          <p:nvPr/>
+        </p:nvPicPr>
+        <p:blipFill>
+          <a:blip r:embed="rId8"/>
+          <a:stretch>
+            <a:fillRect/>
+          </a:stretch>
+        </p:blipFill>
+        <p:spPr>
+          <a:xfrm>
+            <a:off x="12579366" y="5255402"/>
+            <a:ext cx="4434129" cy="4488402"/>
+          </a:xfrm>
+          <a:prstGeom prst="rect">
+            <a:avLst/>
+          </a:prstGeom>
+        </p:spPr>
+      </p:pic>
+      <p:pic>
+        <p:nvPicPr>
+          <p:cNvPr id="22" name="Picture 21">
+            <a:extLst>
+              <a:ext uri="{FF2B5EF4-FFF2-40B4-BE49-F238E27FC236}">
+                <a16:creationId xmlns:a16="http://schemas.microsoft.com/office/drawing/2014/main" id="{88D17F3C-7AB0-4E89-A013-CEA69302815E}"/>
               </a:ext>
             </a:extLst>
           </p:cNvPr>
@@ -5884,94 +9042,24 @@
           <p:nvPr/>
         </p:nvPicPr>
         <p:blipFill rotWithShape="1">
-          <a:blip r:embed="rId5"/>
-          <a:srcRect t="37599"/>
+          <a:blip r:embed="rId9"/>
+          <a:srcRect t="849"/>
           <a:stretch/>
         </p:blipFill>
         <p:spPr>
           <a:xfrm>
-            <a:off x="3958523" y="2452255"/>
-            <a:ext cx="2331441" cy="1947024"/>
+            <a:off x="-1646918" y="1553535"/>
+            <a:ext cx="5197290" cy="6294087"/>
           </a:xfrm>
           <a:prstGeom prst="rect">
             <a:avLst/>
           </a:prstGeom>
         </p:spPr>
       </p:pic>
-      <p:sp>
-        <p:nvSpPr>
-          <p:cNvPr id="19" name="TextBox 18">
-            <a:extLst>
-              <a:ext uri="{FF2B5EF4-FFF2-40B4-BE49-F238E27FC236}">
-                <a16:creationId xmlns:a16="http://schemas.microsoft.com/office/drawing/2014/main" id="{37D29EC1-ADA0-434A-B568-B14B3F8D3ACC}"/>
-              </a:ext>
-            </a:extLst>
-          </p:cNvPr>
-          <p:cNvSpPr txBox="1"/>
-          <p:nvPr/>
-        </p:nvSpPr>
-        <p:spPr>
-          <a:xfrm>
-            <a:off x="4035436" y="4399279"/>
-            <a:ext cx="2060564" cy="369332"/>
-          </a:xfrm>
-          <a:prstGeom prst="rect">
-            <a:avLst/>
-          </a:prstGeom>
-          <a:noFill/>
-        </p:spPr>
-        <p:txBody>
-          <a:bodyPr wrap="none" rtlCol="0">
-            <a:spAutoFit/>
-          </a:bodyPr>
-          <a:lstStyle/>
-          <a:p>
-            <a:r>
-              <a:rPr lang="en-US" dirty="0"/>
-              <a:t>Optimal alpha value</a:t>
-            </a:r>
-          </a:p>
-        </p:txBody>
-      </p:sp>
-      <p:sp>
-        <p:nvSpPr>
-          <p:cNvPr id="20" name="TextBox 19">
-            <a:extLst>
-              <a:ext uri="{FF2B5EF4-FFF2-40B4-BE49-F238E27FC236}">
-                <a16:creationId xmlns:a16="http://schemas.microsoft.com/office/drawing/2014/main" id="{8FF1DA0B-AD2A-4B8F-838D-ACF8A2F00B09}"/>
-              </a:ext>
-            </a:extLst>
-          </p:cNvPr>
-          <p:cNvSpPr txBox="1"/>
-          <p:nvPr/>
-        </p:nvSpPr>
-        <p:spPr>
-          <a:xfrm>
-            <a:off x="8730635" y="-5996"/>
-            <a:ext cx="3018019" cy="923330"/>
-          </a:xfrm>
-          <a:prstGeom prst="rect">
-            <a:avLst/>
-          </a:prstGeom>
-          <a:noFill/>
-        </p:spPr>
-        <p:txBody>
-          <a:bodyPr wrap="square" rtlCol="0">
-            <a:spAutoFit/>
-          </a:bodyPr>
-          <a:lstStyle/>
-          <a:p>
-            <a:r>
-              <a:rPr lang="en-US" dirty="0"/>
-              <a:t>Highest weights for each feature with alpha value as 0.01</a:t>
-            </a:r>
-          </a:p>
-        </p:txBody>
-      </p:sp>
     </p:spTree>
     <p:extLst>
       <p:ext uri="{BB962C8B-B14F-4D97-AF65-F5344CB8AC3E}">
-        <p14:creationId xmlns:p14="http://schemas.microsoft.com/office/powerpoint/2010/main" val="867338692"/>
+        <p14:creationId xmlns:p14="http://schemas.microsoft.com/office/powerpoint/2010/main" val="4041342621"/>
       </p:ext>
     </p:extLst>
   </p:cSld>
@@ -5998,24 +9086,64 @@
           <a:chExt cx="0" cy="0"/>
         </a:xfrm>
       </p:grpSpPr>
-      <p:pic>
-        <p:nvPicPr>
-          <p:cNvPr id="17" name="Content Placeholder 16" descr="A close up of a device&#10;&#10;Description automatically generated">
-            <a:extLst>
-              <a:ext uri="{FF2B5EF4-FFF2-40B4-BE49-F238E27FC236}">
-                <a16:creationId xmlns:a16="http://schemas.microsoft.com/office/drawing/2014/main" id="{36B7D367-32D3-48D6-B5A2-2AC1A9C841C1}"/>
-              </a:ext>
-            </a:extLst>
-          </p:cNvPr>
-          <p:cNvPicPr>
-            <a:picLocks noGrp="1" noChangeAspect="1"/>
-          </p:cNvPicPr>
+      <p:sp>
+        <p:nvSpPr>
+          <p:cNvPr id="3" name="Content Placeholder 2">
+            <a:extLst>
+              <a:ext uri="{FF2B5EF4-FFF2-40B4-BE49-F238E27FC236}">
+                <a16:creationId xmlns:a16="http://schemas.microsoft.com/office/drawing/2014/main" id="{9E21B7BC-B59F-4F10-ADA6-B5C36E36029A}"/>
+              </a:ext>
+            </a:extLst>
+          </p:cNvPr>
+          <p:cNvSpPr>
+            <a:spLocks noGrp="1"/>
+          </p:cNvSpPr>
           <p:nvPr>
             <p:ph idx="1"/>
           </p:nvPr>
+        </p:nvSpPr>
+        <p:spPr>
+          <a:xfrm>
+            <a:off x="-791308" y="1954578"/>
+            <a:ext cx="6142524" cy="2669611"/>
+          </a:xfrm>
+        </p:spPr>
+        <p:txBody>
+          <a:bodyPr/>
+          <a:lstStyle/>
+          <a:p>
+            <a:r>
+              <a:rPr lang="en-US" dirty="0"/>
+              <a:t>L1 feature selection: sorry these axes are messed up but from left to right, they are values of C</a:t>
+            </a:r>
+          </a:p>
+          <a:p>
+            <a:r>
+              <a:rPr lang="en-US" dirty="0"/>
+              <a:t>C = [10, 5, 2, 1.75, 1.5, 1.4, 1.3, 1.2, 1.1, 1, .9, .8, .7, .6, .5, .4, .3, .2, .1]</a:t>
+            </a:r>
+          </a:p>
+          <a:p>
+            <a:endParaRPr lang="en-US" dirty="0"/>
+          </a:p>
+        </p:txBody>
+      </p:sp>
+      <p:pic>
+        <p:nvPicPr>
+          <p:cNvPr id="5" name="Picture 4" descr="A screenshot of a cell phone&#10;&#10;Description automatically generated">
+            <a:extLst>
+              <a:ext uri="{FF2B5EF4-FFF2-40B4-BE49-F238E27FC236}">
+                <a16:creationId xmlns:a16="http://schemas.microsoft.com/office/drawing/2014/main" id="{FAA1CF14-E50F-4F71-820B-F2E7D21AE5B1}"/>
+              </a:ext>
+            </a:extLst>
+          </p:cNvPr>
+          <p:cNvPicPr>
+            <a:picLocks noChangeAspect="1"/>
+          </p:cNvPicPr>
+          <p:nvPr/>
         </p:nvPicPr>
         <p:blipFill>
-          <a:blip r:embed="rId3">
+          <a:blip r:embed="rId2">
             <a:extLst>
               <a:ext uri="{28A0092B-C50C-407E-A947-70E740481C1C}">
                 <a14:useLocalDpi xmlns:a14="http://schemas.microsoft.com/office/drawing/2010/main" val="0"/>
@@ -6028,41 +9156,8 @@
         </p:blipFill>
         <p:spPr>
           <a:xfrm>
-            <a:off x="6112026" y="3495582"/>
-            <a:ext cx="4265029" cy="3198772"/>
-          </a:xfrm>
-        </p:spPr>
-      </p:pic>
-      <p:pic>
-        <p:nvPicPr>
-          <p:cNvPr id="19" name="Picture 18" descr="A close up of a map&#10;&#10;Description automatically generated">
-            <a:extLst>
-              <a:ext uri="{FF2B5EF4-FFF2-40B4-BE49-F238E27FC236}">
-                <a16:creationId xmlns:a16="http://schemas.microsoft.com/office/drawing/2014/main" id="{DD5E7F79-AFA2-462C-B009-F206BC8B376A}"/>
-              </a:ext>
-            </a:extLst>
-          </p:cNvPr>
-          <p:cNvPicPr>
-            <a:picLocks noChangeAspect="1"/>
-          </p:cNvPicPr>
-          <p:nvPr/>
-        </p:nvPicPr>
-        <p:blipFill>
-          <a:blip r:embed="rId4">
-            <a:extLst>
-              <a:ext uri="{28A0092B-C50C-407E-A947-70E740481C1C}">
-                <a14:useLocalDpi xmlns:a14="http://schemas.microsoft.com/office/drawing/2010/main" val="0"/>
-              </a:ext>
-            </a:extLst>
-          </a:blip>
-          <a:stretch>
-            <a:fillRect/>
-          </a:stretch>
-        </p:blipFill>
-        <p:spPr>
-          <a:xfrm>
-            <a:off x="1837537" y="3631447"/>
-            <a:ext cx="4302070" cy="3226553"/>
+            <a:off x="11070679" y="2766647"/>
+            <a:ext cx="3590395" cy="2692796"/>
           </a:xfrm>
           <a:prstGeom prst="rect">
             <a:avLst/>
@@ -6071,10 +9166,10 @@
       </p:pic>
       <p:pic>
         <p:nvPicPr>
-          <p:cNvPr id="21" name="Picture 20" descr="A close up of a map&#10;&#10;Description automatically generated">
-            <a:extLst>
-              <a:ext uri="{FF2B5EF4-FFF2-40B4-BE49-F238E27FC236}">
-                <a16:creationId xmlns:a16="http://schemas.microsoft.com/office/drawing/2014/main" id="{AA1A7007-27ED-464E-B281-0EA795CE4B95}"/>
+          <p:cNvPr id="7" name="Picture 6" descr="A close up of a map&#10;&#10;Description automatically generated">
+            <a:extLst>
+              <a:ext uri="{FF2B5EF4-FFF2-40B4-BE49-F238E27FC236}">
+                <a16:creationId xmlns:a16="http://schemas.microsoft.com/office/drawing/2014/main" id="{6663121B-D582-4B41-B055-81EB1E9B3A72}"/>
               </a:ext>
             </a:extLst>
           </p:cNvPr>
@@ -6084,7 +9179,7 @@
           <p:nvPr/>
         </p:nvPicPr>
         <p:blipFill>
-          <a:blip r:embed="rId5">
+          <a:blip r:embed="rId3">
             <a:extLst>
               <a:ext uri="{28A0092B-C50C-407E-A947-70E740481C1C}">
                 <a14:useLocalDpi xmlns:a14="http://schemas.microsoft.com/office/drawing/2010/main" val="0"/>
@@ -6097,8 +9192,8 @@
         </p:blipFill>
         <p:spPr>
           <a:xfrm>
-            <a:off x="8495180" y="167804"/>
-            <a:ext cx="4302070" cy="3226553"/>
+            <a:off x="7444746" y="2821749"/>
+            <a:ext cx="3590395" cy="2692796"/>
           </a:xfrm>
           <a:prstGeom prst="rect">
             <a:avLst/>
@@ -6107,10 +9202,10 @@
       </p:pic>
       <p:pic>
         <p:nvPicPr>
-          <p:cNvPr id="23" name="Picture 22" descr="A close up of a device&#10;&#10;Description automatically generated">
-            <a:extLst>
-              <a:ext uri="{FF2B5EF4-FFF2-40B4-BE49-F238E27FC236}">
-                <a16:creationId xmlns:a16="http://schemas.microsoft.com/office/drawing/2014/main" id="{92E97752-EA62-4EA7-A694-5DDF0E7A8A78}"/>
+          <p:cNvPr id="9" name="Picture 8" descr="A screenshot of a social media post&#10;&#10;Description automatically generated">
+            <a:extLst>
+              <a:ext uri="{FF2B5EF4-FFF2-40B4-BE49-F238E27FC236}">
+                <a16:creationId xmlns:a16="http://schemas.microsoft.com/office/drawing/2014/main" id="{4016B20C-139C-4DE2-AEEA-B375ABB1A824}"/>
               </a:ext>
             </a:extLst>
           </p:cNvPr>
@@ -6120,7 +9215,7 @@
           <p:nvPr/>
         </p:nvPicPr>
         <p:blipFill>
-          <a:blip r:embed="rId6">
+          <a:blip r:embed="rId4">
             <a:extLst>
               <a:ext uri="{28A0092B-C50C-407E-A947-70E740481C1C}">
                 <a14:useLocalDpi xmlns:a14="http://schemas.microsoft.com/office/drawing/2010/main" val="0"/>
@@ -6133,8 +9228,8 @@
         </p:blipFill>
         <p:spPr>
           <a:xfrm>
-            <a:off x="4234673" y="66580"/>
-            <a:ext cx="4302070" cy="3226553"/>
+            <a:off x="3872120" y="2717998"/>
+            <a:ext cx="3590395" cy="2692796"/>
           </a:xfrm>
           <a:prstGeom prst="rect">
             <a:avLst/>
@@ -6143,10 +9238,10 @@
       </p:pic>
       <p:pic>
         <p:nvPicPr>
-          <p:cNvPr id="25" name="Picture 24" descr="A close up of a logo&#10;&#10;Description automatically generated">
-            <a:extLst>
-              <a:ext uri="{FF2B5EF4-FFF2-40B4-BE49-F238E27FC236}">
-                <a16:creationId xmlns:a16="http://schemas.microsoft.com/office/drawing/2014/main" id="{3D00815E-B525-4BCB-AEC0-F41068899FFC}"/>
+          <p:cNvPr id="11" name="Picture 10" descr="A screenshot of a cell phone&#10;&#10;Description automatically generated">
+            <a:extLst>
+              <a:ext uri="{FF2B5EF4-FFF2-40B4-BE49-F238E27FC236}">
+                <a16:creationId xmlns:a16="http://schemas.microsoft.com/office/drawing/2014/main" id="{8729A75F-8A8D-4DC9-AA71-EB8D3EC1D281}"/>
               </a:ext>
             </a:extLst>
           </p:cNvPr>
@@ -6156,7 +9251,7 @@
           <p:nvPr/>
         </p:nvPicPr>
         <p:blipFill>
-          <a:blip r:embed="rId7">
+          <a:blip r:embed="rId5">
             <a:extLst>
               <a:ext uri="{28A0092B-C50C-407E-A947-70E740481C1C}">
                 <a14:useLocalDpi xmlns:a14="http://schemas.microsoft.com/office/drawing/2010/main" val="0"/>
@@ -6169,8 +9264,44 @@
         </p:blipFill>
         <p:spPr>
           <a:xfrm>
-            <a:off x="0" y="66582"/>
-            <a:ext cx="4302070" cy="3226553"/>
+            <a:off x="7462515" y="128953"/>
+            <a:ext cx="3590395" cy="2692796"/>
+          </a:xfrm>
+          <a:prstGeom prst="rect">
+            <a:avLst/>
+          </a:prstGeom>
+        </p:spPr>
+      </p:pic>
+      <p:pic>
+        <p:nvPicPr>
+          <p:cNvPr id="13" name="Picture 12" descr="A screenshot of a cell phone&#10;&#10;Description automatically generated">
+            <a:extLst>
+              <a:ext uri="{FF2B5EF4-FFF2-40B4-BE49-F238E27FC236}">
+                <a16:creationId xmlns:a16="http://schemas.microsoft.com/office/drawing/2014/main" id="{70320FDC-8BA7-4D31-8769-41A7BE467DA2}"/>
+              </a:ext>
+            </a:extLst>
+          </p:cNvPr>
+          <p:cNvPicPr>
+            <a:picLocks noChangeAspect="1"/>
+          </p:cNvPicPr>
+          <p:nvPr/>
+        </p:nvPicPr>
+        <p:blipFill>
+          <a:blip r:embed="rId6">
+            <a:extLst>
+              <a:ext uri="{28A0092B-C50C-407E-A947-70E740481C1C}">
+                <a14:useLocalDpi xmlns:a14="http://schemas.microsoft.com/office/drawing/2010/main" val="0"/>
+              </a:ext>
+            </a:extLst>
+          </a:blip>
+          <a:stretch>
+            <a:fillRect/>
+          </a:stretch>
+        </p:blipFill>
+        <p:spPr>
+          <a:xfrm>
+            <a:off x="3872120" y="128953"/>
+            <a:ext cx="3590395" cy="2692796"/>
           </a:xfrm>
           <a:prstGeom prst="rect">
             <a:avLst/>
@@ -6180,7 +9311,7 @@
     </p:spTree>
     <p:extLst>
       <p:ext uri="{BB962C8B-B14F-4D97-AF65-F5344CB8AC3E}">
-        <p14:creationId xmlns:p14="http://schemas.microsoft.com/office/powerpoint/2010/main" val="3592902966"/>
+        <p14:creationId xmlns:p14="http://schemas.microsoft.com/office/powerpoint/2010/main" val="2321939802"/>
       </p:ext>
     </p:extLst>
   </p:cSld>
@@ -6258,7 +9389,7 @@
         </p:nvSpPr>
         <p:spPr>
           <a:xfrm>
-            <a:off x="838200" y="1825625"/>
+            <a:off x="0" y="1357493"/>
             <a:ext cx="3216190" cy="4351338"/>
           </a:xfrm>
         </p:spPr>
@@ -6294,10 +9425,10 @@
       </p:sp>
       <p:pic>
         <p:nvPicPr>
-          <p:cNvPr id="5" name="Picture 4">
-            <a:extLst>
-              <a:ext uri="{FF2B5EF4-FFF2-40B4-BE49-F238E27FC236}">
-                <a16:creationId xmlns:a16="http://schemas.microsoft.com/office/drawing/2014/main" id="{17853404-B19A-4913-9675-465891EBDA55}"/>
+          <p:cNvPr id="6" name="Picture 5">
+            <a:extLst>
+              <a:ext uri="{FF2B5EF4-FFF2-40B4-BE49-F238E27FC236}">
+                <a16:creationId xmlns:a16="http://schemas.microsoft.com/office/drawing/2014/main" id="{521B5782-05D3-41E3-989C-0E42359324BF}"/>
               </a:ext>
             </a:extLst>
           </p:cNvPr>
@@ -6306,16 +9437,15 @@
           </p:cNvPicPr>
           <p:nvPr/>
         </p:nvPicPr>
-        <p:blipFill>
+        <p:blipFill rotWithShape="1">
           <a:blip r:embed="rId2"/>
-          <a:stretch>
-            <a:fillRect/>
-          </a:stretch>
+          <a:srcRect t="7527" r="4327" b="13943"/>
+          <a:stretch/>
         </p:blipFill>
         <p:spPr>
           <a:xfrm>
-            <a:off x="4502328" y="81171"/>
-            <a:ext cx="3062254" cy="6683868"/>
+            <a:off x="4558166" y="118088"/>
+            <a:ext cx="11664462" cy="3415074"/>
           </a:xfrm>
           <a:prstGeom prst="rect">
             <a:avLst/>
@@ -6324,10 +9454,10 @@
       </p:pic>
       <p:pic>
         <p:nvPicPr>
-          <p:cNvPr id="8" name="Picture 7">
-            <a:extLst>
-              <a:ext uri="{FF2B5EF4-FFF2-40B4-BE49-F238E27FC236}">
-                <a16:creationId xmlns:a16="http://schemas.microsoft.com/office/drawing/2014/main" id="{81EC1EDC-77B1-43C3-9432-57BF7AB4BC8F}"/>
+          <p:cNvPr id="12" name="Picture 11">
+            <a:extLst>
+              <a:ext uri="{FF2B5EF4-FFF2-40B4-BE49-F238E27FC236}">
+                <a16:creationId xmlns:a16="http://schemas.microsoft.com/office/drawing/2014/main" id="{E67960DD-E551-4AE5-B4A2-4380C1A8DE45}"/>
               </a:ext>
             </a:extLst>
           </p:cNvPr>
@@ -6336,15 +9466,16 @@
           </p:cNvPicPr>
           <p:nvPr/>
         </p:nvPicPr>
-        <p:blipFill rotWithShape="1">
+        <p:blipFill>
           <a:blip r:embed="rId3"/>
-          <a:srcRect b="81330"/>
-          <a:stretch/>
+          <a:stretch>
+            <a:fillRect/>
+          </a:stretch>
         </p:blipFill>
         <p:spPr>
           <a:xfrm>
-            <a:off x="7689673" y="742717"/>
-            <a:ext cx="4164586" cy="826144"/>
+            <a:off x="4558166" y="3706857"/>
+            <a:ext cx="4968671" cy="6302286"/>
           </a:xfrm>
           <a:prstGeom prst="rect">
             <a:avLst/>
@@ -6353,10 +9484,10 @@
       </p:pic>
       <p:pic>
         <p:nvPicPr>
-          <p:cNvPr id="9" name="Picture 8">
-            <a:extLst>
-              <a:ext uri="{FF2B5EF4-FFF2-40B4-BE49-F238E27FC236}">
-                <a16:creationId xmlns:a16="http://schemas.microsoft.com/office/drawing/2014/main" id="{1FF53033-C7B8-455E-857D-7C9D528D0243}"/>
+          <p:cNvPr id="14" name="Picture 13">
+            <a:extLst>
+              <a:ext uri="{FF2B5EF4-FFF2-40B4-BE49-F238E27FC236}">
+                <a16:creationId xmlns:a16="http://schemas.microsoft.com/office/drawing/2014/main" id="{CC155FBC-77AA-4C84-8C5C-F1FF3A7519DF}"/>
               </a:ext>
             </a:extLst>
           </p:cNvPr>
@@ -6365,15 +9496,16 @@
           </p:cNvPicPr>
           <p:nvPr/>
         </p:nvPicPr>
-        <p:blipFill rotWithShape="1">
-          <a:blip r:embed="rId3"/>
-          <a:srcRect t="27625"/>
-          <a:stretch/>
+        <p:blipFill>
+          <a:blip r:embed="rId4"/>
+          <a:stretch>
+            <a:fillRect/>
+          </a:stretch>
         </p:blipFill>
         <p:spPr>
           <a:xfrm>
-            <a:off x="7689672" y="1563470"/>
-            <a:ext cx="4164587" cy="3202494"/>
+            <a:off x="9791492" y="3712361"/>
+            <a:ext cx="2400508" cy="6104149"/>
           </a:xfrm>
           <a:prstGeom prst="rect">
             <a:avLst/>
@@ -6412,19 +9544,17 @@
       </p:grpSpPr>
       <p:pic>
         <p:nvPicPr>
-          <p:cNvPr id="23" name="Content Placeholder 22" descr="A screenshot of a cell phone&#10;&#10;Description automatically generated">
-            <a:extLst>
-              <a:ext uri="{FF2B5EF4-FFF2-40B4-BE49-F238E27FC236}">
-                <a16:creationId xmlns:a16="http://schemas.microsoft.com/office/drawing/2014/main" id="{586B0AB9-1087-4EA6-843E-29EED5A50558}"/>
+          <p:cNvPr id="4" name="Picture 3" descr="A screenshot of a cell phone&#10;&#10;Description automatically generated">
+            <a:extLst>
+              <a:ext uri="{FF2B5EF4-FFF2-40B4-BE49-F238E27FC236}">
+                <a16:creationId xmlns:a16="http://schemas.microsoft.com/office/drawing/2014/main" id="{36BE36A0-86D4-4E69-A181-2A31574EA05C}"/>
               </a:ext>
             </a:extLst>
           </p:cNvPr>
           <p:cNvPicPr>
-            <a:picLocks noGrp="1" noChangeAspect="1"/>
+            <a:picLocks noChangeAspect="1"/>
           </p:cNvPicPr>
-          <p:nvPr>
-            <p:ph idx="1"/>
-          </p:nvPr>
+          <p:nvPr/>
         </p:nvPicPr>
         <p:blipFill>
           <a:blip r:embed="rId3">
@@ -6440,41 +9570,8 @@
         </p:blipFill>
         <p:spPr>
           <a:xfrm>
-            <a:off x="6218157" y="3429000"/>
-            <a:ext cx="4147801" cy="3110851"/>
-          </a:xfrm>
-        </p:spPr>
-      </p:pic>
-      <p:pic>
-        <p:nvPicPr>
-          <p:cNvPr id="25" name="Picture 24" descr="A screenshot of a cell phone&#10;&#10;Description automatically generated">
-            <a:extLst>
-              <a:ext uri="{FF2B5EF4-FFF2-40B4-BE49-F238E27FC236}">
-                <a16:creationId xmlns:a16="http://schemas.microsoft.com/office/drawing/2014/main" id="{65343E82-5009-4E95-A1B4-2161F435A7FC}"/>
-              </a:ext>
-            </a:extLst>
-          </p:cNvPr>
-          <p:cNvPicPr>
-            <a:picLocks noChangeAspect="1"/>
-          </p:cNvPicPr>
-          <p:nvPr/>
-        </p:nvPicPr>
-        <p:blipFill>
-          <a:blip r:embed="rId4">
-            <a:extLst>
-              <a:ext uri="{28A0092B-C50C-407E-A947-70E740481C1C}">
-                <a14:useLocalDpi xmlns:a14="http://schemas.microsoft.com/office/drawing/2010/main" val="0"/>
-              </a:ext>
-            </a:extLst>
-          </a:blip>
-          <a:stretch>
-            <a:fillRect/>
-          </a:stretch>
-        </p:blipFill>
-        <p:spPr>
-          <a:xfrm>
-            <a:off x="1826042" y="3374562"/>
-            <a:ext cx="4183824" cy="3137869"/>
+            <a:off x="6171006" y="3132411"/>
+            <a:ext cx="4262517" cy="3196888"/>
           </a:xfrm>
           <a:prstGeom prst="rect">
             <a:avLst/>
@@ -6483,10 +9580,10 @@
       </p:pic>
       <p:pic>
         <p:nvPicPr>
-          <p:cNvPr id="27" name="Picture 26" descr="A screenshot of a cell phone&#10;&#10;Description automatically generated">
-            <a:extLst>
-              <a:ext uri="{FF2B5EF4-FFF2-40B4-BE49-F238E27FC236}">
-                <a16:creationId xmlns:a16="http://schemas.microsoft.com/office/drawing/2014/main" id="{799F50EB-8D63-4F13-B132-29AE8B092065}"/>
+          <p:cNvPr id="8" name="Picture 7" descr="A screenshot of a cell phone&#10;&#10;Description automatically generated">
+            <a:extLst>
+              <a:ext uri="{FF2B5EF4-FFF2-40B4-BE49-F238E27FC236}">
+                <a16:creationId xmlns:a16="http://schemas.microsoft.com/office/drawing/2014/main" id="{6D65510B-5566-46D9-939F-1E4AE231CA26}"/>
               </a:ext>
             </a:extLst>
           </p:cNvPr>
@@ -6496,7 +9593,7 @@
           <p:nvPr/>
         </p:nvPicPr>
         <p:blipFill>
-          <a:blip r:embed="rId5">
+          <a:blip r:embed="rId4">
             <a:extLst>
               <a:ext uri="{28A0092B-C50C-407E-A947-70E740481C1C}">
                 <a14:useLocalDpi xmlns:a14="http://schemas.microsoft.com/office/drawing/2010/main" val="0"/>
@@ -6509,8 +9606,8 @@
         </p:blipFill>
         <p:spPr>
           <a:xfrm>
-            <a:off x="7972636" y="-199144"/>
-            <a:ext cx="4183824" cy="3137869"/>
+            <a:off x="1962437" y="3309421"/>
+            <a:ext cx="4262517" cy="3196888"/>
           </a:xfrm>
           <a:prstGeom prst="rect">
             <a:avLst/>
@@ -6519,10 +9616,10 @@
       </p:pic>
       <p:pic>
         <p:nvPicPr>
-          <p:cNvPr id="29" name="Picture 28" descr="A screenshot of a cell phone&#10;&#10;Description automatically generated">
-            <a:extLst>
-              <a:ext uri="{FF2B5EF4-FFF2-40B4-BE49-F238E27FC236}">
-                <a16:creationId xmlns:a16="http://schemas.microsoft.com/office/drawing/2014/main" id="{D5673816-0ED9-49F4-976F-554BEBE53434}"/>
+          <p:cNvPr id="12" name="Picture 11" descr="A screenshot of a cell phone&#10;&#10;Description automatically generated">
+            <a:extLst>
+              <a:ext uri="{FF2B5EF4-FFF2-40B4-BE49-F238E27FC236}">
+                <a16:creationId xmlns:a16="http://schemas.microsoft.com/office/drawing/2014/main" id="{94241ADF-C89E-4A88-BDE3-B2C63A110697}"/>
               </a:ext>
             </a:extLst>
           </p:cNvPr>
@@ -6532,7 +9629,7 @@
           <p:nvPr/>
         </p:nvPicPr>
         <p:blipFill>
-          <a:blip r:embed="rId6">
+          <a:blip r:embed="rId5">
             <a:extLst>
               <a:ext uri="{28A0092B-C50C-407E-A947-70E740481C1C}">
                 <a14:useLocalDpi xmlns:a14="http://schemas.microsoft.com/office/drawing/2010/main" val="0"/>
@@ -6545,8 +9642,8 @@
         </p:blipFill>
         <p:spPr>
           <a:xfrm>
-            <a:off x="3957351" y="-199143"/>
-            <a:ext cx="4183824" cy="3137869"/>
+            <a:off x="8471086" y="-64477"/>
+            <a:ext cx="4262517" cy="3196888"/>
           </a:xfrm>
           <a:prstGeom prst="rect">
             <a:avLst/>
@@ -6555,10 +9652,46 @@
       </p:pic>
       <p:pic>
         <p:nvPicPr>
-          <p:cNvPr id="31" name="Picture 30" descr="A screenshot of a cell phone&#10;&#10;Description automatically generated">
-            <a:extLst>
-              <a:ext uri="{FF2B5EF4-FFF2-40B4-BE49-F238E27FC236}">
-                <a16:creationId xmlns:a16="http://schemas.microsoft.com/office/drawing/2014/main" id="{116F058E-B794-4BDB-91C1-6C0ED70E7178}"/>
+          <p:cNvPr id="14" name="Picture 13" descr="A screenshot of a cell phone&#10;&#10;Description automatically generated">
+            <a:extLst>
+              <a:ext uri="{FF2B5EF4-FFF2-40B4-BE49-F238E27FC236}">
+                <a16:creationId xmlns:a16="http://schemas.microsoft.com/office/drawing/2014/main" id="{9DB247E0-9C3C-4951-87B3-B830DDEEAB8E}"/>
+              </a:ext>
+            </a:extLst>
+          </p:cNvPr>
+          <p:cNvPicPr>
+            <a:picLocks noChangeAspect="1"/>
+          </p:cNvPicPr>
+          <p:nvPr/>
+        </p:nvPicPr>
+        <p:blipFill>
+          <a:blip r:embed="rId6">
+            <a:extLst>
+              <a:ext uri="{28A0092B-C50C-407E-A947-70E740481C1C}">
+                <a14:useLocalDpi xmlns:a14="http://schemas.microsoft.com/office/drawing/2010/main" val="0"/>
+              </a:ext>
+            </a:extLst>
+          </a:blip>
+          <a:stretch>
+            <a:fillRect/>
+          </a:stretch>
+        </p:blipFill>
+        <p:spPr>
+          <a:xfrm>
+            <a:off x="4262517" y="-64477"/>
+            <a:ext cx="4262517" cy="3196888"/>
+          </a:xfrm>
+          <a:prstGeom prst="rect">
+            <a:avLst/>
+          </a:prstGeom>
+        </p:spPr>
+      </p:pic>
+      <p:pic>
+        <p:nvPicPr>
+          <p:cNvPr id="16" name="Picture 15" descr="A screenshot of a cell phone&#10;&#10;Description automatically generated">
+            <a:extLst>
+              <a:ext uri="{FF2B5EF4-FFF2-40B4-BE49-F238E27FC236}">
+                <a16:creationId xmlns:a16="http://schemas.microsoft.com/office/drawing/2014/main" id="{11C0564B-2B02-4F8F-BA7A-A15D91D5C65F}"/>
               </a:ext>
             </a:extLst>
           </p:cNvPr>
@@ -6581,8 +9714,8 @@
         </p:blipFill>
         <p:spPr>
           <a:xfrm>
-            <a:off x="0" y="-199142"/>
-            <a:ext cx="4183824" cy="3137869"/>
+            <a:off x="0" y="-64477"/>
+            <a:ext cx="4262517" cy="3196888"/>
           </a:xfrm>
           <a:prstGeom prst="rect">
             <a:avLst/>
@@ -6696,10 +9829,97 @@
       </p:sp>
       <p:pic>
         <p:nvPicPr>
-          <p:cNvPr id="4" name="Picture 3">
-            <a:extLst>
-              <a:ext uri="{FF2B5EF4-FFF2-40B4-BE49-F238E27FC236}">
-                <a16:creationId xmlns:a16="http://schemas.microsoft.com/office/drawing/2014/main" id="{61E15420-F891-4380-AD57-B8CD52AC5BD9}"/>
+          <p:cNvPr id="9" name="Picture 8">
+            <a:extLst>
+              <a:ext uri="{FF2B5EF4-FFF2-40B4-BE49-F238E27FC236}">
+                <a16:creationId xmlns:a16="http://schemas.microsoft.com/office/drawing/2014/main" id="{1D352435-1EF2-4F92-8F44-7E6A2A054064}"/>
+              </a:ext>
+            </a:extLst>
+          </p:cNvPr>
+          <p:cNvPicPr>
+            <a:picLocks noChangeAspect="1"/>
+          </p:cNvPicPr>
+          <p:nvPr/>
+        </p:nvPicPr>
+        <p:blipFill rotWithShape="1">
+          <a:blip r:embed="rId3"/>
+          <a:srcRect t="59506" b="19390"/>
+          <a:stretch/>
+        </p:blipFill>
+        <p:spPr>
+          <a:xfrm>
+            <a:off x="4895548" y="2805915"/>
+            <a:ext cx="6972904" cy="1418493"/>
+          </a:xfrm>
+          <a:prstGeom prst="rect">
+            <a:avLst/>
+          </a:prstGeom>
+        </p:spPr>
+      </p:pic>
+      <p:pic>
+        <p:nvPicPr>
+          <p:cNvPr id="10" name="Picture 9">
+            <a:extLst>
+              <a:ext uri="{FF2B5EF4-FFF2-40B4-BE49-F238E27FC236}">
+                <a16:creationId xmlns:a16="http://schemas.microsoft.com/office/drawing/2014/main" id="{2001CE3A-8513-41B1-994D-4B40EF153268}"/>
+              </a:ext>
+            </a:extLst>
+          </p:cNvPr>
+          <p:cNvPicPr>
+            <a:picLocks noChangeAspect="1"/>
+          </p:cNvPicPr>
+          <p:nvPr/>
+        </p:nvPicPr>
+        <p:blipFill rotWithShape="1">
+          <a:blip r:embed="rId3"/>
+          <a:srcRect t="33692" b="45204"/>
+          <a:stretch/>
+        </p:blipFill>
+        <p:spPr>
+          <a:xfrm>
+            <a:off x="4895548" y="1397096"/>
+            <a:ext cx="6972904" cy="1418493"/>
+          </a:xfrm>
+          <a:prstGeom prst="rect">
+            <a:avLst/>
+          </a:prstGeom>
+        </p:spPr>
+      </p:pic>
+      <p:pic>
+        <p:nvPicPr>
+          <p:cNvPr id="11" name="Picture 10">
+            <a:extLst>
+              <a:ext uri="{FF2B5EF4-FFF2-40B4-BE49-F238E27FC236}">
+                <a16:creationId xmlns:a16="http://schemas.microsoft.com/office/drawing/2014/main" id="{566EACDB-C9B6-46CA-9B80-D7269C943A25}"/>
+              </a:ext>
+            </a:extLst>
+          </p:cNvPr>
+          <p:cNvPicPr>
+            <a:picLocks noChangeAspect="1"/>
+          </p:cNvPicPr>
+          <p:nvPr/>
+        </p:nvPicPr>
+        <p:blipFill rotWithShape="1">
+          <a:blip r:embed="rId3"/>
+          <a:srcRect t="91188"/>
+          <a:stretch/>
+        </p:blipFill>
+        <p:spPr>
+          <a:xfrm>
+            <a:off x="4895548" y="4126523"/>
+            <a:ext cx="6972904" cy="592303"/>
+          </a:xfrm>
+          <a:prstGeom prst="rect">
+            <a:avLst/>
+          </a:prstGeom>
+        </p:spPr>
+      </p:pic>
+      <p:pic>
+        <p:nvPicPr>
+          <p:cNvPr id="13" name="Picture 12">
+            <a:extLst>
+              <a:ext uri="{FF2B5EF4-FFF2-40B4-BE49-F238E27FC236}">
+                <a16:creationId xmlns:a16="http://schemas.microsoft.com/office/drawing/2014/main" id="{798BD9C5-4071-4AA1-822E-9162CDED49EA}"/>
               </a:ext>
             </a:extLst>
           </p:cNvPr>
@@ -6709,15 +9929,44 @@
           <p:nvPr/>
         </p:nvPicPr>
         <p:blipFill>
-          <a:blip r:embed="rId3"/>
+          <a:blip r:embed="rId4"/>
           <a:stretch>
             <a:fillRect/>
           </a:stretch>
         </p:blipFill>
         <p:spPr>
           <a:xfrm>
-            <a:off x="5160584" y="681037"/>
-            <a:ext cx="9080056" cy="5519718"/>
+            <a:off x="4895548" y="4718826"/>
+            <a:ext cx="6591871" cy="2118544"/>
+          </a:xfrm>
+          <a:prstGeom prst="rect">
+            <a:avLst/>
+          </a:prstGeom>
+        </p:spPr>
+      </p:pic>
+      <p:pic>
+        <p:nvPicPr>
+          <p:cNvPr id="8" name="Picture 7">
+            <a:extLst>
+              <a:ext uri="{FF2B5EF4-FFF2-40B4-BE49-F238E27FC236}">
+                <a16:creationId xmlns:a16="http://schemas.microsoft.com/office/drawing/2014/main" id="{92E4C830-CCF9-41F9-AEC0-F5522F6C3AD1}"/>
+              </a:ext>
+            </a:extLst>
+          </p:cNvPr>
+          <p:cNvPicPr>
+            <a:picLocks noChangeAspect="1"/>
+          </p:cNvPicPr>
+          <p:nvPr/>
+        </p:nvPicPr>
+        <p:blipFill rotWithShape="1">
+          <a:blip r:embed="rId3"/>
+          <a:srcRect b="79040"/>
+          <a:stretch/>
+        </p:blipFill>
+        <p:spPr>
+          <a:xfrm>
+            <a:off x="4895548" y="11723"/>
+            <a:ext cx="6972904" cy="1408819"/>
           </a:xfrm>
           <a:prstGeom prst="rect">
             <a:avLst/>
@@ -7039,10 +10288,10 @@
       </p:grpSpPr>
       <p:pic>
         <p:nvPicPr>
-          <p:cNvPr id="4" name="Picture 3">
-            <a:extLst>
-              <a:ext uri="{FF2B5EF4-FFF2-40B4-BE49-F238E27FC236}">
-                <a16:creationId xmlns:a16="http://schemas.microsoft.com/office/drawing/2014/main" id="{55AA94A8-7A47-4F14-935B-5AE1A4F0793F}"/>
+          <p:cNvPr id="3" name="Picture 2">
+            <a:extLst>
+              <a:ext uri="{FF2B5EF4-FFF2-40B4-BE49-F238E27FC236}">
+                <a16:creationId xmlns:a16="http://schemas.microsoft.com/office/drawing/2014/main" id="{08D78311-E5BD-41F0-9B12-B1495BD2AE7F}"/>
               </a:ext>
             </a:extLst>
           </p:cNvPr>
@@ -7052,7 +10301,7 @@
           <p:nvPr/>
         </p:nvPicPr>
         <p:blipFill>
-          <a:blip r:embed="rId2">
+          <a:blip r:embed="rId3">
             <a:extLst>
               <a:ext uri="{28A0092B-C50C-407E-A947-70E740481C1C}">
                 <a14:useLocalDpi xmlns:a14="http://schemas.microsoft.com/office/drawing/2010/main" val="0"/>
@@ -7065,8 +10314,8 @@
         </p:blipFill>
         <p:spPr>
           <a:xfrm>
-            <a:off x="1167531" y="3429002"/>
-            <a:ext cx="4123896" cy="3092922"/>
+            <a:off x="2091391" y="3352800"/>
+            <a:ext cx="3254332" cy="2440749"/>
           </a:xfrm>
           <a:prstGeom prst="rect">
             <a:avLst/>
@@ -7075,10 +10324,10 @@
       </p:pic>
       <p:pic>
         <p:nvPicPr>
-          <p:cNvPr id="8" name="Picture 7">
-            <a:extLst>
-              <a:ext uri="{FF2B5EF4-FFF2-40B4-BE49-F238E27FC236}">
-                <a16:creationId xmlns:a16="http://schemas.microsoft.com/office/drawing/2014/main" id="{CDE6FF3D-2D8E-4395-B30A-5A175AD87B6D}"/>
+          <p:cNvPr id="6" name="Picture 5" descr="A screenshot of a cell phone&#10;&#10;Description automatically generated">
+            <a:extLst>
+              <a:ext uri="{FF2B5EF4-FFF2-40B4-BE49-F238E27FC236}">
+                <a16:creationId xmlns:a16="http://schemas.microsoft.com/office/drawing/2014/main" id="{CC982755-5885-4A01-A65C-58BB89FED3C1}"/>
               </a:ext>
             </a:extLst>
           </p:cNvPr>
@@ -7088,7 +10337,7 @@
           <p:nvPr/>
         </p:nvPicPr>
         <p:blipFill>
-          <a:blip r:embed="rId3">
+          <a:blip r:embed="rId4">
             <a:extLst>
               <a:ext uri="{28A0092B-C50C-407E-A947-70E740481C1C}">
                 <a14:useLocalDpi xmlns:a14="http://schemas.microsoft.com/office/drawing/2010/main" val="0"/>
@@ -7101,8 +10350,8 @@
         </p:blipFill>
         <p:spPr>
           <a:xfrm>
-            <a:off x="6191892" y="3429001"/>
-            <a:ext cx="4123896" cy="3092922"/>
+            <a:off x="7568411" y="298939"/>
+            <a:ext cx="3254332" cy="2440749"/>
           </a:xfrm>
           <a:prstGeom prst="rect">
             <a:avLst/>
@@ -7111,10 +10360,10 @@
       </p:pic>
       <p:pic>
         <p:nvPicPr>
-          <p:cNvPr id="12" name="Picture 11">
-            <a:extLst>
-              <a:ext uri="{FF2B5EF4-FFF2-40B4-BE49-F238E27FC236}">
-                <a16:creationId xmlns:a16="http://schemas.microsoft.com/office/drawing/2014/main" id="{E795F53F-2A3C-4AB8-8466-E738E625007D}"/>
+          <p:cNvPr id="9" name="Picture 8">
+            <a:extLst>
+              <a:ext uri="{FF2B5EF4-FFF2-40B4-BE49-F238E27FC236}">
+                <a16:creationId xmlns:a16="http://schemas.microsoft.com/office/drawing/2014/main" id="{2496742D-4E01-4BE5-B796-53DFE38C5AFD}"/>
               </a:ext>
             </a:extLst>
           </p:cNvPr>
@@ -7124,7 +10373,7 @@
           <p:nvPr/>
         </p:nvPicPr>
         <p:blipFill>
-          <a:blip r:embed="rId4">
+          <a:blip r:embed="rId5">
             <a:extLst>
               <a:ext uri="{28A0092B-C50C-407E-A947-70E740481C1C}">
                 <a14:useLocalDpi xmlns:a14="http://schemas.microsoft.com/office/drawing/2010/main" val="0"/>
@@ -7137,8 +10386,8 @@
         </p:blipFill>
         <p:spPr>
           <a:xfrm>
-            <a:off x="8197495" y="408916"/>
-            <a:ext cx="4123896" cy="3092922"/>
+            <a:off x="4154653" y="109019"/>
+            <a:ext cx="3254332" cy="2440749"/>
           </a:xfrm>
           <a:prstGeom prst="rect">
             <a:avLst/>
@@ -7147,10 +10396,10 @@
       </p:pic>
       <p:pic>
         <p:nvPicPr>
-          <p:cNvPr id="15" name="Picture 14" descr="A screenshot of a cell phone&#10;&#10;Description automatically generated">
-            <a:extLst>
-              <a:ext uri="{FF2B5EF4-FFF2-40B4-BE49-F238E27FC236}">
-                <a16:creationId xmlns:a16="http://schemas.microsoft.com/office/drawing/2014/main" id="{C1AB0AD9-B533-4907-B88E-785206367D43}"/>
+          <p:cNvPr id="11" name="Picture 10">
+            <a:extLst>
+              <a:ext uri="{FF2B5EF4-FFF2-40B4-BE49-F238E27FC236}">
+                <a16:creationId xmlns:a16="http://schemas.microsoft.com/office/drawing/2014/main" id="{2291B677-0568-4647-8E15-237B7BEE71C7}"/>
               </a:ext>
             </a:extLst>
           </p:cNvPr>
@@ -7160,7 +10409,7 @@
           <p:nvPr/>
         </p:nvPicPr>
         <p:blipFill>
-          <a:blip r:embed="rId5">
+          <a:blip r:embed="rId6">
             <a:extLst>
               <a:ext uri="{28A0092B-C50C-407E-A947-70E740481C1C}">
                 <a14:useLocalDpi xmlns:a14="http://schemas.microsoft.com/office/drawing/2010/main" val="0"/>
@@ -7173,8 +10422,8 @@
         </p:blipFill>
         <p:spPr>
           <a:xfrm>
-            <a:off x="4144891" y="408916"/>
-            <a:ext cx="4123896" cy="3092922"/>
+            <a:off x="684621" y="109020"/>
+            <a:ext cx="3254332" cy="2440749"/>
           </a:xfrm>
           <a:prstGeom prst="rect">
             <a:avLst/>
@@ -7183,10 +10432,10 @@
       </p:pic>
       <p:pic>
         <p:nvPicPr>
-          <p:cNvPr id="17" name="Picture 16">
-            <a:extLst>
-              <a:ext uri="{FF2B5EF4-FFF2-40B4-BE49-F238E27FC236}">
-                <a16:creationId xmlns:a16="http://schemas.microsoft.com/office/drawing/2014/main" id="{04BE8443-A278-4B6F-834B-26DABB751A13}"/>
+          <p:cNvPr id="14" name="Picture 13" descr="A screenshot of a cell phone&#10;&#10;Description automatically generated">
+            <a:extLst>
+              <a:ext uri="{FF2B5EF4-FFF2-40B4-BE49-F238E27FC236}">
+                <a16:creationId xmlns:a16="http://schemas.microsoft.com/office/drawing/2014/main" id="{E5D540F2-CD08-4ABC-B1B0-74CA306739CA}"/>
               </a:ext>
             </a:extLst>
           </p:cNvPr>
@@ -7196,7 +10445,7 @@
           <p:nvPr/>
         </p:nvPicPr>
         <p:blipFill>
-          <a:blip r:embed="rId6">
+          <a:blip r:embed="rId7">
             <a:extLst>
               <a:ext uri="{28A0092B-C50C-407E-A947-70E740481C1C}">
                 <a14:useLocalDpi xmlns:a14="http://schemas.microsoft.com/office/drawing/2010/main" val="0"/>
@@ -7209,8 +10458,8 @@
         </p:blipFill>
         <p:spPr>
           <a:xfrm>
-            <a:off x="92287" y="336076"/>
-            <a:ext cx="4123896" cy="3092922"/>
+            <a:off x="6096000" y="3352800"/>
+            <a:ext cx="3254332" cy="2440749"/>
           </a:xfrm>
           <a:prstGeom prst="rect">
             <a:avLst/>
@@ -7221,6 +10470,1074 @@
     <p:extLst>
       <p:ext uri="{BB962C8B-B14F-4D97-AF65-F5344CB8AC3E}">
         <p14:creationId xmlns:p14="http://schemas.microsoft.com/office/powerpoint/2010/main" val="856805122"/>
+      </p:ext>
+    </p:extLst>
+  </p:cSld>
+  <p:clrMapOvr>
+    <a:masterClrMapping/>
+  </p:clrMapOvr>
+</p:sld>
+</file>
+
+<file path=ppt/slides/slide17.xml><?xml version="1.0" encoding="utf-8"?>
+<p:sld xmlns:a="http://schemas.openxmlformats.org/drawingml/2006/main" xmlns:r="http://schemas.openxmlformats.org/officeDocument/2006/relationships" xmlns:p="http://schemas.openxmlformats.org/presentationml/2006/main">
+  <p:cSld>
+    <p:spTree>
+      <p:nvGrpSpPr>
+        <p:cNvPr id="1" name=""/>
+        <p:cNvGrpSpPr/>
+        <p:nvPr/>
+      </p:nvGrpSpPr>
+      <p:grpSpPr>
+        <a:xfrm>
+          <a:off x="0" y="0"/>
+          <a:ext cx="0" cy="0"/>
+          <a:chOff x="0" y="0"/>
+          <a:chExt cx="0" cy="0"/>
+        </a:xfrm>
+      </p:grpSpPr>
+      <p:sp>
+        <p:nvSpPr>
+          <p:cNvPr id="2" name="Title 1">
+            <a:extLst>
+              <a:ext uri="{FF2B5EF4-FFF2-40B4-BE49-F238E27FC236}">
+                <a16:creationId xmlns:a16="http://schemas.microsoft.com/office/drawing/2014/main" id="{6E2E04BF-8690-4AA1-BCB1-BA300D8B5306}"/>
+              </a:ext>
+            </a:extLst>
+          </p:cNvPr>
+          <p:cNvSpPr>
+            <a:spLocks noGrp="1"/>
+          </p:cNvSpPr>
+          <p:nvPr>
+            <p:ph type="title"/>
+          </p:nvPr>
+        </p:nvSpPr>
+        <p:spPr/>
+        <p:txBody>
+          <a:bodyPr/>
+          <a:lstStyle/>
+          <a:p>
+            <a:r>
+              <a:rPr lang="en-US" dirty="0"/>
+              <a:t>Accuracy Metrics for Binary Classifications</a:t>
+            </a:r>
+          </a:p>
+        </p:txBody>
+      </p:sp>
+      <p:sp>
+        <p:nvSpPr>
+          <p:cNvPr id="3" name="Content Placeholder 2">
+            <a:extLst>
+              <a:ext uri="{FF2B5EF4-FFF2-40B4-BE49-F238E27FC236}">
+                <a16:creationId xmlns:a16="http://schemas.microsoft.com/office/drawing/2014/main" id="{DCC78F51-BE82-4B25-A91F-98F389CB8EDA}"/>
+              </a:ext>
+            </a:extLst>
+          </p:cNvPr>
+          <p:cNvSpPr>
+            <a:spLocks noGrp="1"/>
+          </p:cNvSpPr>
+          <p:nvPr>
+            <p:ph idx="1"/>
+          </p:nvPr>
+        </p:nvSpPr>
+        <p:spPr/>
+        <p:txBody>
+          <a:bodyPr>
+            <a:normAutofit fontScale="92500" lnSpcReduction="10000"/>
+          </a:bodyPr>
+          <a:lstStyle/>
+          <a:p>
+            <a:r>
+              <a:rPr lang="en-US" dirty="0"/>
+              <a:t>Classification accuracy</a:t>
+            </a:r>
+          </a:p>
+          <a:p>
+            <a:r>
+              <a:rPr lang="en-US" dirty="0"/>
+              <a:t>Logarithmic loss</a:t>
+            </a:r>
+          </a:p>
+          <a:p>
+            <a:r>
+              <a:rPr lang="en-US" b="1" dirty="0"/>
+              <a:t>Confusion matrix accuracy – avoids classification accuracy drawbacks and is very straightforward and intuitive</a:t>
+            </a:r>
+          </a:p>
+          <a:p>
+            <a:r>
+              <a:rPr lang="en-US" dirty="0"/>
+              <a:t>AUC</a:t>
+            </a:r>
+          </a:p>
+          <a:p>
+            <a:pPr lvl="1"/>
+            <a:r>
+              <a:rPr lang="en-US" b="1" dirty="0"/>
+              <a:t>ROC-AUC – intuitive, good for when you care equally about both of your classes, but is not so great for heavily imbalanced datasets</a:t>
+            </a:r>
+          </a:p>
+          <a:p>
+            <a:pPr lvl="1"/>
+            <a:r>
+              <a:rPr lang="en-US" dirty="0"/>
+              <a:t>PR-AUC</a:t>
+            </a:r>
+          </a:p>
+          <a:p>
+            <a:r>
+              <a:rPr lang="en-US" dirty="0"/>
+              <a:t>F1 score</a:t>
+            </a:r>
+          </a:p>
+          <a:p>
+            <a:r>
+              <a:rPr lang="en-US" b="1" dirty="0"/>
+              <a:t>Mean Absolute Error – simple calculation</a:t>
+            </a:r>
+          </a:p>
+          <a:p>
+            <a:r>
+              <a:rPr lang="en-US" dirty="0"/>
+              <a:t>Mean Squared Error</a:t>
+            </a:r>
+          </a:p>
+        </p:txBody>
+      </p:sp>
+    </p:spTree>
+    <p:extLst>
+      <p:ext uri="{BB962C8B-B14F-4D97-AF65-F5344CB8AC3E}">
+        <p14:creationId xmlns:p14="http://schemas.microsoft.com/office/powerpoint/2010/main" val="59322255"/>
+      </p:ext>
+    </p:extLst>
+  </p:cSld>
+  <p:clrMapOvr>
+    <a:masterClrMapping/>
+  </p:clrMapOvr>
+</p:sld>
+</file>
+
+<file path=ppt/slides/slide18.xml><?xml version="1.0" encoding="utf-8"?>
+<p:sld xmlns:a="http://schemas.openxmlformats.org/drawingml/2006/main" xmlns:r="http://schemas.openxmlformats.org/officeDocument/2006/relationships" xmlns:p="http://schemas.openxmlformats.org/presentationml/2006/main">
+  <p:cSld>
+    <p:spTree>
+      <p:nvGrpSpPr>
+        <p:cNvPr id="1" name=""/>
+        <p:cNvGrpSpPr/>
+        <p:nvPr/>
+      </p:nvGrpSpPr>
+      <p:grpSpPr>
+        <a:xfrm>
+          <a:off x="0" y="0"/>
+          <a:ext cx="0" cy="0"/>
+          <a:chOff x="0" y="0"/>
+          <a:chExt cx="0" cy="0"/>
+        </a:xfrm>
+      </p:grpSpPr>
+      <p:sp>
+        <p:nvSpPr>
+          <p:cNvPr id="2" name="Title 1">
+            <a:extLst>
+              <a:ext uri="{FF2B5EF4-FFF2-40B4-BE49-F238E27FC236}">
+                <a16:creationId xmlns:a16="http://schemas.microsoft.com/office/drawing/2014/main" id="{826EA320-5976-4246-A770-48CC5B978C55}"/>
+              </a:ext>
+            </a:extLst>
+          </p:cNvPr>
+          <p:cNvSpPr>
+            <a:spLocks noGrp="1"/>
+          </p:cNvSpPr>
+          <p:nvPr>
+            <p:ph type="title"/>
+          </p:nvPr>
+        </p:nvSpPr>
+        <p:spPr>
+          <a:xfrm>
+            <a:off x="838200" y="365125"/>
+            <a:ext cx="6828692" cy="1156980"/>
+          </a:xfrm>
+        </p:spPr>
+        <p:txBody>
+          <a:bodyPr/>
+          <a:lstStyle/>
+          <a:p>
+            <a:r>
+              <a:rPr lang="en-US" dirty="0"/>
+              <a:t>Accuracy metrics</a:t>
+            </a:r>
+          </a:p>
+        </p:txBody>
+      </p:sp>
+      <p:sp>
+        <p:nvSpPr>
+          <p:cNvPr id="3" name="Content Placeholder 2">
+            <a:extLst>
+              <a:ext uri="{FF2B5EF4-FFF2-40B4-BE49-F238E27FC236}">
+                <a16:creationId xmlns:a16="http://schemas.microsoft.com/office/drawing/2014/main" id="{0C4CB997-B4DC-428A-9976-9D66147F0735}"/>
+              </a:ext>
+            </a:extLst>
+          </p:cNvPr>
+          <p:cNvSpPr>
+            <a:spLocks noGrp="1"/>
+          </p:cNvSpPr>
+          <p:nvPr>
+            <p:ph idx="1"/>
+          </p:nvPr>
+        </p:nvSpPr>
+        <p:spPr>
+          <a:xfrm>
+            <a:off x="838200" y="1825625"/>
+            <a:ext cx="6828692" cy="3797940"/>
+          </a:xfrm>
+        </p:spPr>
+        <p:txBody>
+          <a:bodyPr/>
+          <a:lstStyle/>
+          <a:p>
+            <a:r>
+              <a:rPr lang="en-US" dirty="0"/>
+              <a:t>Confusion matrix accuracy</a:t>
+            </a:r>
+          </a:p>
+        </p:txBody>
+      </p:sp>
+      <p:pic>
+        <p:nvPicPr>
+          <p:cNvPr id="35" name="Picture 34" descr="A screenshot of a cell phone&#10;&#10;Description automatically generated">
+            <a:extLst>
+              <a:ext uri="{FF2B5EF4-FFF2-40B4-BE49-F238E27FC236}">
+                <a16:creationId xmlns:a16="http://schemas.microsoft.com/office/drawing/2014/main" id="{DBEF6A1F-1E34-4600-97C6-BFC25D6FD536}"/>
+              </a:ext>
+            </a:extLst>
+          </p:cNvPr>
+          <p:cNvPicPr>
+            <a:picLocks noChangeAspect="1"/>
+          </p:cNvPicPr>
+          <p:nvPr/>
+        </p:nvPicPr>
+        <p:blipFill>
+          <a:blip r:embed="rId2">
+            <a:extLst>
+              <a:ext uri="{28A0092B-C50C-407E-A947-70E740481C1C}">
+                <a14:useLocalDpi xmlns:a14="http://schemas.microsoft.com/office/drawing/2010/main" val="0"/>
+              </a:ext>
+            </a:extLst>
+          </a:blip>
+          <a:stretch>
+            <a:fillRect/>
+          </a:stretch>
+        </p:blipFill>
+        <p:spPr>
+          <a:xfrm>
+            <a:off x="0" y="2174062"/>
+            <a:ext cx="3465348" cy="2599011"/>
+          </a:xfrm>
+          <a:prstGeom prst="rect">
+            <a:avLst/>
+          </a:prstGeom>
+        </p:spPr>
+      </p:pic>
+      <p:pic>
+        <p:nvPicPr>
+          <p:cNvPr id="37" name="Picture 36" descr="A screenshot of a cell phone&#10;&#10;Description automatically generated">
+            <a:extLst>
+              <a:ext uri="{FF2B5EF4-FFF2-40B4-BE49-F238E27FC236}">
+                <a16:creationId xmlns:a16="http://schemas.microsoft.com/office/drawing/2014/main" id="{9F64FFBE-5A00-4466-A1C6-0774CC73C59E}"/>
+              </a:ext>
+            </a:extLst>
+          </p:cNvPr>
+          <p:cNvPicPr>
+            <a:picLocks noChangeAspect="1"/>
+          </p:cNvPicPr>
+          <p:nvPr/>
+        </p:nvPicPr>
+        <p:blipFill>
+          <a:blip r:embed="rId3">
+            <a:extLst>
+              <a:ext uri="{28A0092B-C50C-407E-A947-70E740481C1C}">
+                <a14:useLocalDpi xmlns:a14="http://schemas.microsoft.com/office/drawing/2010/main" val="0"/>
+              </a:ext>
+            </a:extLst>
+          </a:blip>
+          <a:stretch>
+            <a:fillRect/>
+          </a:stretch>
+        </p:blipFill>
+        <p:spPr>
+          <a:xfrm>
+            <a:off x="6357380" y="2248875"/>
+            <a:ext cx="3465348" cy="2599011"/>
+          </a:xfrm>
+          <a:prstGeom prst="rect">
+            <a:avLst/>
+          </a:prstGeom>
+        </p:spPr>
+      </p:pic>
+      <p:pic>
+        <p:nvPicPr>
+          <p:cNvPr id="39" name="Picture 38" descr="A screenshot of a cell phone&#10;&#10;Description automatically generated">
+            <a:extLst>
+              <a:ext uri="{FF2B5EF4-FFF2-40B4-BE49-F238E27FC236}">
+                <a16:creationId xmlns:a16="http://schemas.microsoft.com/office/drawing/2014/main" id="{88810659-C28E-46A3-9699-0E2CB2389525}"/>
+              </a:ext>
+            </a:extLst>
+          </p:cNvPr>
+          <p:cNvPicPr>
+            <a:picLocks noChangeAspect="1"/>
+          </p:cNvPicPr>
+          <p:nvPr/>
+        </p:nvPicPr>
+        <p:blipFill>
+          <a:blip r:embed="rId4">
+            <a:extLst>
+              <a:ext uri="{28A0092B-C50C-407E-A947-70E740481C1C}">
+                <a14:useLocalDpi xmlns:a14="http://schemas.microsoft.com/office/drawing/2010/main" val="0"/>
+              </a:ext>
+            </a:extLst>
+          </a:blip>
+          <a:stretch>
+            <a:fillRect/>
+          </a:stretch>
+        </p:blipFill>
+        <p:spPr>
+          <a:xfrm>
+            <a:off x="3106018" y="2217219"/>
+            <a:ext cx="3465348" cy="2599011"/>
+          </a:xfrm>
+          <a:prstGeom prst="rect">
+            <a:avLst/>
+          </a:prstGeom>
+        </p:spPr>
+      </p:pic>
+      <p:pic>
+        <p:nvPicPr>
+          <p:cNvPr id="41" name="Picture 40" descr="A screenshot of a cell phone&#10;&#10;Description automatically generated">
+            <a:extLst>
+              <a:ext uri="{FF2B5EF4-FFF2-40B4-BE49-F238E27FC236}">
+                <a16:creationId xmlns:a16="http://schemas.microsoft.com/office/drawing/2014/main" id="{5C911B4A-A45B-4020-B2CD-7B235D12B010}"/>
+              </a:ext>
+            </a:extLst>
+          </p:cNvPr>
+          <p:cNvPicPr>
+            <a:picLocks noChangeAspect="1"/>
+          </p:cNvPicPr>
+          <p:nvPr/>
+        </p:nvPicPr>
+        <p:blipFill>
+          <a:blip r:embed="rId5">
+            <a:extLst>
+              <a:ext uri="{28A0092B-C50C-407E-A947-70E740481C1C}">
+                <a14:useLocalDpi xmlns:a14="http://schemas.microsoft.com/office/drawing/2010/main" val="0"/>
+              </a:ext>
+            </a:extLst>
+          </a:blip>
+          <a:stretch>
+            <a:fillRect/>
+          </a:stretch>
+        </p:blipFill>
+        <p:spPr>
+          <a:xfrm>
+            <a:off x="3038004" y="4288467"/>
+            <a:ext cx="3465348" cy="2599011"/>
+          </a:xfrm>
+          <a:prstGeom prst="rect">
+            <a:avLst/>
+          </a:prstGeom>
+        </p:spPr>
+      </p:pic>
+      <p:pic>
+        <p:nvPicPr>
+          <p:cNvPr id="43" name="Picture 42" descr="A screenshot of a cell phone&#10;&#10;Description automatically generated">
+            <a:extLst>
+              <a:ext uri="{FF2B5EF4-FFF2-40B4-BE49-F238E27FC236}">
+                <a16:creationId xmlns:a16="http://schemas.microsoft.com/office/drawing/2014/main" id="{FE820D1C-9189-410D-B4F0-1E6896D404E2}"/>
+              </a:ext>
+            </a:extLst>
+          </p:cNvPr>
+          <p:cNvPicPr>
+            <a:picLocks noChangeAspect="1"/>
+          </p:cNvPicPr>
+          <p:nvPr/>
+        </p:nvPicPr>
+        <p:blipFill>
+          <a:blip r:embed="rId6">
+            <a:extLst>
+              <a:ext uri="{28A0092B-C50C-407E-A947-70E740481C1C}">
+                <a14:useLocalDpi xmlns:a14="http://schemas.microsoft.com/office/drawing/2010/main" val="0"/>
+              </a:ext>
+            </a:extLst>
+          </a:blip>
+          <a:stretch>
+            <a:fillRect/>
+          </a:stretch>
+        </p:blipFill>
+        <p:spPr>
+          <a:xfrm>
+            <a:off x="9822728" y="2316111"/>
+            <a:ext cx="3465348" cy="2599011"/>
+          </a:xfrm>
+          <a:prstGeom prst="rect">
+            <a:avLst/>
+          </a:prstGeom>
+        </p:spPr>
+      </p:pic>
+      <p:pic>
+        <p:nvPicPr>
+          <p:cNvPr id="45" name="Picture 44">
+            <a:extLst>
+              <a:ext uri="{FF2B5EF4-FFF2-40B4-BE49-F238E27FC236}">
+                <a16:creationId xmlns:a16="http://schemas.microsoft.com/office/drawing/2014/main" id="{543BEBD3-637C-438F-9C6C-5F8F321458A3}"/>
+              </a:ext>
+            </a:extLst>
+          </p:cNvPr>
+          <p:cNvPicPr>
+            <a:picLocks noChangeAspect="1"/>
+          </p:cNvPicPr>
+          <p:nvPr/>
+        </p:nvPicPr>
+        <p:blipFill>
+          <a:blip r:embed="rId7">
+            <a:extLst>
+              <a:ext uri="{28A0092B-C50C-407E-A947-70E740481C1C}">
+                <a14:useLocalDpi xmlns:a14="http://schemas.microsoft.com/office/drawing/2010/main" val="0"/>
+              </a:ext>
+            </a:extLst>
+          </a:blip>
+          <a:stretch>
+            <a:fillRect/>
+          </a:stretch>
+        </p:blipFill>
+        <p:spPr>
+          <a:xfrm>
+            <a:off x="6324599" y="4371138"/>
+            <a:ext cx="3465348" cy="2599011"/>
+          </a:xfrm>
+          <a:prstGeom prst="rect">
+            <a:avLst/>
+          </a:prstGeom>
+        </p:spPr>
+      </p:pic>
+      <p:pic>
+        <p:nvPicPr>
+          <p:cNvPr id="47" name="Picture 46" descr="A screenshot of a cell phone&#10;&#10;Description automatically generated">
+            <a:extLst>
+              <a:ext uri="{FF2B5EF4-FFF2-40B4-BE49-F238E27FC236}">
+                <a16:creationId xmlns:a16="http://schemas.microsoft.com/office/drawing/2014/main" id="{3F18B22A-4D15-4FAB-897D-8BB906F2C645}"/>
+              </a:ext>
+            </a:extLst>
+          </p:cNvPr>
+          <p:cNvPicPr>
+            <a:picLocks noChangeAspect="1"/>
+          </p:cNvPicPr>
+          <p:nvPr/>
+        </p:nvPicPr>
+        <p:blipFill>
+          <a:blip r:embed="rId8">
+            <a:extLst>
+              <a:ext uri="{28A0092B-C50C-407E-A947-70E740481C1C}">
+                <a14:useLocalDpi xmlns:a14="http://schemas.microsoft.com/office/drawing/2010/main" val="0"/>
+              </a:ext>
+            </a:extLst>
+          </a:blip>
+          <a:stretch>
+            <a:fillRect/>
+          </a:stretch>
+        </p:blipFill>
+        <p:spPr>
+          <a:xfrm>
+            <a:off x="0" y="4245310"/>
+            <a:ext cx="3465348" cy="2599011"/>
+          </a:xfrm>
+          <a:prstGeom prst="rect">
+            <a:avLst/>
+          </a:prstGeom>
+        </p:spPr>
+      </p:pic>
+      <p:pic>
+        <p:nvPicPr>
+          <p:cNvPr id="49" name="Picture 48" descr="A screenshot of a cell phone&#10;&#10;Description automatically generated">
+            <a:extLst>
+              <a:ext uri="{FF2B5EF4-FFF2-40B4-BE49-F238E27FC236}">
+                <a16:creationId xmlns:a16="http://schemas.microsoft.com/office/drawing/2014/main" id="{C98AF14A-D41C-4601-B590-F1D1D74622D0}"/>
+              </a:ext>
+            </a:extLst>
+          </p:cNvPr>
+          <p:cNvPicPr>
+            <a:picLocks noChangeAspect="1"/>
+          </p:cNvPicPr>
+          <p:nvPr/>
+        </p:nvPicPr>
+        <p:blipFill>
+          <a:blip r:embed="rId9">
+            <a:extLst>
+              <a:ext uri="{28A0092B-C50C-407E-A947-70E740481C1C}">
+                <a14:useLocalDpi xmlns:a14="http://schemas.microsoft.com/office/drawing/2010/main" val="0"/>
+              </a:ext>
+            </a:extLst>
+          </a:blip>
+          <a:stretch>
+            <a:fillRect/>
+          </a:stretch>
+        </p:blipFill>
+        <p:spPr>
+          <a:xfrm>
+            <a:off x="9822728" y="4395560"/>
+            <a:ext cx="3465348" cy="2599011"/>
+          </a:xfrm>
+          <a:prstGeom prst="rect">
+            <a:avLst/>
+          </a:prstGeom>
+        </p:spPr>
+      </p:pic>
+      <p:pic>
+        <p:nvPicPr>
+          <p:cNvPr id="51" name="Picture 50" descr="A screenshot of a cell phone&#10;&#10;Description automatically generated">
+            <a:extLst>
+              <a:ext uri="{FF2B5EF4-FFF2-40B4-BE49-F238E27FC236}">
+                <a16:creationId xmlns:a16="http://schemas.microsoft.com/office/drawing/2014/main" id="{7726DA62-217B-45EF-9B1C-111726F42EB0}"/>
+              </a:ext>
+            </a:extLst>
+          </p:cNvPr>
+          <p:cNvPicPr>
+            <a:picLocks noChangeAspect="1"/>
+          </p:cNvPicPr>
+          <p:nvPr/>
+        </p:nvPicPr>
+        <p:blipFill>
+          <a:blip r:embed="rId10">
+            <a:extLst>
+              <a:ext uri="{28A0092B-C50C-407E-A947-70E740481C1C}">
+                <a14:useLocalDpi xmlns:a14="http://schemas.microsoft.com/office/drawing/2010/main" val="0"/>
+              </a:ext>
+            </a:extLst>
+          </a:blip>
+          <a:stretch>
+            <a:fillRect/>
+          </a:stretch>
+        </p:blipFill>
+        <p:spPr>
+          <a:xfrm>
+            <a:off x="8693808" y="-256128"/>
+            <a:ext cx="3465348" cy="2599011"/>
+          </a:xfrm>
+          <a:prstGeom prst="rect">
+            <a:avLst/>
+          </a:prstGeom>
+        </p:spPr>
+      </p:pic>
+      <p:pic>
+        <p:nvPicPr>
+          <p:cNvPr id="53" name="Picture 52" descr="A screenshot of a cell phone&#10;&#10;Description automatically generated">
+            <a:extLst>
+              <a:ext uri="{FF2B5EF4-FFF2-40B4-BE49-F238E27FC236}">
+                <a16:creationId xmlns:a16="http://schemas.microsoft.com/office/drawing/2014/main" id="{564DBC0D-637E-496D-96F9-83DC9BBB7C59}"/>
+              </a:ext>
+            </a:extLst>
+          </p:cNvPr>
+          <p:cNvPicPr>
+            <a:picLocks noChangeAspect="1"/>
+          </p:cNvPicPr>
+          <p:nvPr/>
+        </p:nvPicPr>
+        <p:blipFill>
+          <a:blip r:embed="rId11">
+            <a:extLst>
+              <a:ext uri="{28A0092B-C50C-407E-A947-70E740481C1C}">
+                <a14:useLocalDpi xmlns:a14="http://schemas.microsoft.com/office/drawing/2010/main" val="0"/>
+              </a:ext>
+            </a:extLst>
+          </a:blip>
+          <a:stretch>
+            <a:fillRect/>
+          </a:stretch>
+        </p:blipFill>
+        <p:spPr>
+          <a:xfrm>
+            <a:off x="5330464" y="-220005"/>
+            <a:ext cx="3465348" cy="2599011"/>
+          </a:xfrm>
+          <a:prstGeom prst="rect">
+            <a:avLst/>
+          </a:prstGeom>
+        </p:spPr>
+      </p:pic>
+    </p:spTree>
+    <p:extLst>
+      <p:ext uri="{BB962C8B-B14F-4D97-AF65-F5344CB8AC3E}">
+        <p14:creationId xmlns:p14="http://schemas.microsoft.com/office/powerpoint/2010/main" val="1281084382"/>
+      </p:ext>
+    </p:extLst>
+  </p:cSld>
+  <p:clrMapOvr>
+    <a:masterClrMapping/>
+  </p:clrMapOvr>
+</p:sld>
+</file>
+
+<file path=ppt/slides/slide19.xml><?xml version="1.0" encoding="utf-8"?>
+<p:sld xmlns:a="http://schemas.openxmlformats.org/drawingml/2006/main" xmlns:r="http://schemas.openxmlformats.org/officeDocument/2006/relationships" xmlns:p="http://schemas.openxmlformats.org/presentationml/2006/main">
+  <p:cSld>
+    <p:spTree>
+      <p:nvGrpSpPr>
+        <p:cNvPr id="1" name=""/>
+        <p:cNvGrpSpPr/>
+        <p:nvPr/>
+      </p:nvGrpSpPr>
+      <p:grpSpPr>
+        <a:xfrm>
+          <a:off x="0" y="0"/>
+          <a:ext cx="0" cy="0"/>
+          <a:chOff x="0" y="0"/>
+          <a:chExt cx="0" cy="0"/>
+        </a:xfrm>
+      </p:grpSpPr>
+      <p:sp>
+        <p:nvSpPr>
+          <p:cNvPr id="2" name="Title 1">
+            <a:extLst>
+              <a:ext uri="{FF2B5EF4-FFF2-40B4-BE49-F238E27FC236}">
+                <a16:creationId xmlns:a16="http://schemas.microsoft.com/office/drawing/2014/main" id="{C4536EE6-7AF7-489E-9427-9C8112033042}"/>
+              </a:ext>
+            </a:extLst>
+          </p:cNvPr>
+          <p:cNvSpPr>
+            <a:spLocks noGrp="1"/>
+          </p:cNvSpPr>
+          <p:nvPr>
+            <p:ph type="title"/>
+          </p:nvPr>
+        </p:nvSpPr>
+        <p:spPr>
+          <a:xfrm>
+            <a:off x="838200" y="365126"/>
+            <a:ext cx="6837665" cy="954872"/>
+          </a:xfrm>
+        </p:spPr>
+        <p:txBody>
+          <a:bodyPr/>
+          <a:lstStyle/>
+          <a:p>
+            <a:r>
+              <a:rPr lang="en-US" dirty="0"/>
+              <a:t>Accuracy Metrics</a:t>
+            </a:r>
+          </a:p>
+        </p:txBody>
+      </p:sp>
+      <p:sp>
+        <p:nvSpPr>
+          <p:cNvPr id="14" name="TextBox 13">
+            <a:extLst>
+              <a:ext uri="{FF2B5EF4-FFF2-40B4-BE49-F238E27FC236}">
+                <a16:creationId xmlns:a16="http://schemas.microsoft.com/office/drawing/2014/main" id="{093C001E-C882-47ED-80F8-9B01917E9DE2}"/>
+              </a:ext>
+            </a:extLst>
+          </p:cNvPr>
+          <p:cNvSpPr txBox="1"/>
+          <p:nvPr/>
+        </p:nvSpPr>
+        <p:spPr>
+          <a:xfrm>
+            <a:off x="838200" y="1690688"/>
+            <a:ext cx="2888207" cy="2246769"/>
+          </a:xfrm>
+          <a:prstGeom prst="rect">
+            <a:avLst/>
+          </a:prstGeom>
+          <a:noFill/>
+        </p:spPr>
+        <p:txBody>
+          <a:bodyPr wrap="square" rtlCol="0">
+            <a:spAutoFit/>
+          </a:bodyPr>
+          <a:lstStyle/>
+          <a:p>
+            <a:r>
+              <a:rPr lang="en-US" sz="2000" dirty="0"/>
+              <a:t>ROC-AUC: graph </a:t>
+            </a:r>
+            <a:r>
+              <a:rPr lang="en-US" sz="2000" dirty="0" err="1"/>
+              <a:t>tpr</a:t>
+            </a:r>
+            <a:r>
+              <a:rPr lang="en-US" sz="2000" dirty="0"/>
+              <a:t> vs </a:t>
+            </a:r>
+            <a:r>
+              <a:rPr lang="en-US" sz="2000" dirty="0" err="1"/>
+              <a:t>fpr</a:t>
+            </a:r>
+            <a:r>
+              <a:rPr lang="en-US" sz="2000" dirty="0"/>
+              <a:t> and find AUC. Larger AUC is better because it means higher true positive rate and lower false positive rate for various threshold values.</a:t>
+            </a:r>
+          </a:p>
+        </p:txBody>
+      </p:sp>
+      <p:pic>
+        <p:nvPicPr>
+          <p:cNvPr id="16" name="Picture 15" descr="A screenshot of a cell phone&#10;&#10;Description automatically generated">
+            <a:extLst>
+              <a:ext uri="{FF2B5EF4-FFF2-40B4-BE49-F238E27FC236}">
+                <a16:creationId xmlns:a16="http://schemas.microsoft.com/office/drawing/2014/main" id="{D5D20588-1131-4AD6-B46E-C9CAE0B2BA2A}"/>
+              </a:ext>
+            </a:extLst>
+          </p:cNvPr>
+          <p:cNvPicPr>
+            <a:picLocks noChangeAspect="1"/>
+          </p:cNvPicPr>
+          <p:nvPr/>
+        </p:nvPicPr>
+        <p:blipFill>
+          <a:blip r:embed="rId3">
+            <a:extLst>
+              <a:ext uri="{28A0092B-C50C-407E-A947-70E740481C1C}">
+                <a14:useLocalDpi xmlns:a14="http://schemas.microsoft.com/office/drawing/2010/main" val="0"/>
+              </a:ext>
+            </a:extLst>
+          </a:blip>
+          <a:stretch>
+            <a:fillRect/>
+          </a:stretch>
+        </p:blipFill>
+        <p:spPr>
+          <a:xfrm>
+            <a:off x="7534284" y="10286642"/>
+            <a:ext cx="2952813" cy="2214610"/>
+          </a:xfrm>
+          <a:prstGeom prst="rect">
+            <a:avLst/>
+          </a:prstGeom>
+        </p:spPr>
+      </p:pic>
+      <p:pic>
+        <p:nvPicPr>
+          <p:cNvPr id="18" name="Picture 17" descr="A close up of a map&#10;&#10;Description automatically generated">
+            <a:extLst>
+              <a:ext uri="{FF2B5EF4-FFF2-40B4-BE49-F238E27FC236}">
+                <a16:creationId xmlns:a16="http://schemas.microsoft.com/office/drawing/2014/main" id="{6C5B9C87-4D2C-441D-A17F-DD81CBB88DBF}"/>
+              </a:ext>
+            </a:extLst>
+          </p:cNvPr>
+          <p:cNvPicPr>
+            <a:picLocks noChangeAspect="1"/>
+          </p:cNvPicPr>
+          <p:nvPr/>
+        </p:nvPicPr>
+        <p:blipFill>
+          <a:blip r:embed="rId4">
+            <a:extLst>
+              <a:ext uri="{28A0092B-C50C-407E-A947-70E740481C1C}">
+                <a14:useLocalDpi xmlns:a14="http://schemas.microsoft.com/office/drawing/2010/main" val="0"/>
+              </a:ext>
+            </a:extLst>
+          </a:blip>
+          <a:stretch>
+            <a:fillRect/>
+          </a:stretch>
+        </p:blipFill>
+        <p:spPr>
+          <a:xfrm>
+            <a:off x="3435160" y="10286642"/>
+            <a:ext cx="2952813" cy="2214610"/>
+          </a:xfrm>
+          <a:prstGeom prst="rect">
+            <a:avLst/>
+          </a:prstGeom>
+        </p:spPr>
+      </p:pic>
+      <p:pic>
+        <p:nvPicPr>
+          <p:cNvPr id="20" name="Picture 19" descr="A screenshot of a cell phone&#10;&#10;Description automatically generated">
+            <a:extLst>
+              <a:ext uri="{FF2B5EF4-FFF2-40B4-BE49-F238E27FC236}">
+                <a16:creationId xmlns:a16="http://schemas.microsoft.com/office/drawing/2014/main" id="{B9496926-D043-4D90-B7AA-58A7D87591D8}"/>
+              </a:ext>
+            </a:extLst>
+          </p:cNvPr>
+          <p:cNvPicPr>
+            <a:picLocks noChangeAspect="1"/>
+          </p:cNvPicPr>
+          <p:nvPr/>
+        </p:nvPicPr>
+        <p:blipFill>
+          <a:blip r:embed="rId5">
+            <a:extLst>
+              <a:ext uri="{28A0092B-C50C-407E-A947-70E740481C1C}">
+                <a14:useLocalDpi xmlns:a14="http://schemas.microsoft.com/office/drawing/2010/main" val="0"/>
+              </a:ext>
+            </a:extLst>
+          </a:blip>
+          <a:stretch>
+            <a:fillRect/>
+          </a:stretch>
+        </p:blipFill>
+        <p:spPr>
+          <a:xfrm>
+            <a:off x="9526750" y="7126129"/>
+            <a:ext cx="2952813" cy="2214610"/>
+          </a:xfrm>
+          <a:prstGeom prst="rect">
+            <a:avLst/>
+          </a:prstGeom>
+        </p:spPr>
+      </p:pic>
+      <p:pic>
+        <p:nvPicPr>
+          <p:cNvPr id="22" name="Picture 21" descr="A screenshot of a cell phone&#10;&#10;Description automatically generated">
+            <a:extLst>
+              <a:ext uri="{FF2B5EF4-FFF2-40B4-BE49-F238E27FC236}">
+                <a16:creationId xmlns:a16="http://schemas.microsoft.com/office/drawing/2014/main" id="{E8806626-BC46-42CD-83BA-F20E0A5C73F4}"/>
+              </a:ext>
+            </a:extLst>
+          </p:cNvPr>
+          <p:cNvPicPr>
+            <a:picLocks noChangeAspect="1"/>
+          </p:cNvPicPr>
+          <p:nvPr/>
+        </p:nvPicPr>
+        <p:blipFill>
+          <a:blip r:embed="rId6">
+            <a:extLst>
+              <a:ext uri="{28A0092B-C50C-407E-A947-70E740481C1C}">
+                <a14:useLocalDpi xmlns:a14="http://schemas.microsoft.com/office/drawing/2010/main" val="0"/>
+              </a:ext>
+            </a:extLst>
+          </a:blip>
+          <a:stretch>
+            <a:fillRect/>
+          </a:stretch>
+        </p:blipFill>
+        <p:spPr>
+          <a:xfrm>
+            <a:off x="5378267" y="7106766"/>
+            <a:ext cx="2952813" cy="2214610"/>
+          </a:xfrm>
+          <a:prstGeom prst="rect">
+            <a:avLst/>
+          </a:prstGeom>
+        </p:spPr>
+      </p:pic>
+      <p:pic>
+        <p:nvPicPr>
+          <p:cNvPr id="24" name="Picture 23" descr="A screenshot of a cell phone&#10;&#10;Description automatically generated">
+            <a:extLst>
+              <a:ext uri="{FF2B5EF4-FFF2-40B4-BE49-F238E27FC236}">
+                <a16:creationId xmlns:a16="http://schemas.microsoft.com/office/drawing/2014/main" id="{39DCBEC5-BAA0-4342-BC1A-D744D132EABF}"/>
+              </a:ext>
+            </a:extLst>
+          </p:cNvPr>
+          <p:cNvPicPr>
+            <a:picLocks noChangeAspect="1"/>
+          </p:cNvPicPr>
+          <p:nvPr/>
+        </p:nvPicPr>
+        <p:blipFill>
+          <a:blip r:embed="rId7">
+            <a:extLst>
+              <a:ext uri="{28A0092B-C50C-407E-A947-70E740481C1C}">
+                <a14:useLocalDpi xmlns:a14="http://schemas.microsoft.com/office/drawing/2010/main" val="0"/>
+              </a:ext>
+            </a:extLst>
+          </a:blip>
+          <a:stretch>
+            <a:fillRect/>
+          </a:stretch>
+        </p:blipFill>
+        <p:spPr>
+          <a:xfrm>
+            <a:off x="1229784" y="7106765"/>
+            <a:ext cx="2952813" cy="2214610"/>
+          </a:xfrm>
+          <a:prstGeom prst="rect">
+            <a:avLst/>
+          </a:prstGeom>
+        </p:spPr>
+      </p:pic>
+      <p:pic>
+        <p:nvPicPr>
+          <p:cNvPr id="8" name="Picture 7" descr="A close up of a map&#10;&#10;Description automatically generated">
+            <a:extLst>
+              <a:ext uri="{FF2B5EF4-FFF2-40B4-BE49-F238E27FC236}">
+                <a16:creationId xmlns:a16="http://schemas.microsoft.com/office/drawing/2014/main" id="{A99D3A5A-5F4A-4B15-BB32-E6A69F50D481}"/>
+              </a:ext>
+            </a:extLst>
+          </p:cNvPr>
+          <p:cNvPicPr>
+            <a:picLocks noChangeAspect="1"/>
+          </p:cNvPicPr>
+          <p:nvPr/>
+        </p:nvPicPr>
+        <p:blipFill>
+          <a:blip r:embed="rId8">
+            <a:extLst>
+              <a:ext uri="{28A0092B-C50C-407E-A947-70E740481C1C}">
+                <a14:useLocalDpi xmlns:a14="http://schemas.microsoft.com/office/drawing/2010/main" val="0"/>
+              </a:ext>
+            </a:extLst>
+          </a:blip>
+          <a:stretch>
+            <a:fillRect/>
+          </a:stretch>
+        </p:blipFill>
+        <p:spPr>
+          <a:xfrm>
+            <a:off x="9599430" y="3945046"/>
+            <a:ext cx="4215625" cy="3161719"/>
+          </a:xfrm>
+          <a:prstGeom prst="rect">
+            <a:avLst/>
+          </a:prstGeom>
+        </p:spPr>
+      </p:pic>
+      <p:pic>
+        <p:nvPicPr>
+          <p:cNvPr id="12" name="Picture 11" descr="A close up of a map&#10;&#10;Description automatically generated">
+            <a:extLst>
+              <a:ext uri="{FF2B5EF4-FFF2-40B4-BE49-F238E27FC236}">
+                <a16:creationId xmlns:a16="http://schemas.microsoft.com/office/drawing/2014/main" id="{4F35319F-517E-4508-8155-3CC2E3418957}"/>
+              </a:ext>
+            </a:extLst>
+          </p:cNvPr>
+          <p:cNvPicPr>
+            <a:picLocks noChangeAspect="1"/>
+          </p:cNvPicPr>
+          <p:nvPr/>
+        </p:nvPicPr>
+        <p:blipFill>
+          <a:blip r:embed="rId9">
+            <a:extLst>
+              <a:ext uri="{28A0092B-C50C-407E-A947-70E740481C1C}">
+                <a14:useLocalDpi xmlns:a14="http://schemas.microsoft.com/office/drawing/2010/main" val="0"/>
+              </a:ext>
+            </a:extLst>
+          </a:blip>
+          <a:stretch>
+            <a:fillRect/>
+          </a:stretch>
+        </p:blipFill>
+        <p:spPr>
+          <a:xfrm>
+            <a:off x="5568052" y="3929811"/>
+            <a:ext cx="4215625" cy="3161719"/>
+          </a:xfrm>
+          <a:prstGeom prst="rect">
+            <a:avLst/>
+          </a:prstGeom>
+        </p:spPr>
+      </p:pic>
+      <p:pic>
+        <p:nvPicPr>
+          <p:cNvPr id="17" name="Picture 16" descr="A close up of a map&#10;&#10;Description automatically generated">
+            <a:extLst>
+              <a:ext uri="{FF2B5EF4-FFF2-40B4-BE49-F238E27FC236}">
+                <a16:creationId xmlns:a16="http://schemas.microsoft.com/office/drawing/2014/main" id="{C293B45C-5F14-4FDA-BEC6-F921925714EE}"/>
+              </a:ext>
+            </a:extLst>
+          </p:cNvPr>
+          <p:cNvPicPr>
+            <a:picLocks noChangeAspect="1"/>
+          </p:cNvPicPr>
+          <p:nvPr/>
+        </p:nvPicPr>
+        <p:blipFill>
+          <a:blip r:embed="rId10">
+            <a:extLst>
+              <a:ext uri="{28A0092B-C50C-407E-A947-70E740481C1C}">
+                <a14:useLocalDpi xmlns:a14="http://schemas.microsoft.com/office/drawing/2010/main" val="0"/>
+              </a:ext>
+            </a:extLst>
+          </a:blip>
+          <a:stretch>
+            <a:fillRect/>
+          </a:stretch>
+        </p:blipFill>
+        <p:spPr>
+          <a:xfrm>
+            <a:off x="1493514" y="3929811"/>
+            <a:ext cx="4215625" cy="3161719"/>
+          </a:xfrm>
+          <a:prstGeom prst="rect">
+            <a:avLst/>
+          </a:prstGeom>
+        </p:spPr>
+      </p:pic>
+      <p:pic>
+        <p:nvPicPr>
+          <p:cNvPr id="21" name="Picture 20" descr="A close up of a map&#10;&#10;Description automatically generated">
+            <a:extLst>
+              <a:ext uri="{FF2B5EF4-FFF2-40B4-BE49-F238E27FC236}">
+                <a16:creationId xmlns:a16="http://schemas.microsoft.com/office/drawing/2014/main" id="{BE3B37DB-6B43-4DD1-B11C-B8855D6B42BA}"/>
+              </a:ext>
+            </a:extLst>
+          </p:cNvPr>
+          <p:cNvPicPr>
+            <a:picLocks noChangeAspect="1"/>
+          </p:cNvPicPr>
+          <p:nvPr/>
+        </p:nvPicPr>
+        <p:blipFill>
+          <a:blip r:embed="rId11">
+            <a:extLst>
+              <a:ext uri="{28A0092B-C50C-407E-A947-70E740481C1C}">
+                <a14:useLocalDpi xmlns:a14="http://schemas.microsoft.com/office/drawing/2010/main" val="0"/>
+              </a:ext>
+            </a:extLst>
+          </a:blip>
+          <a:stretch>
+            <a:fillRect/>
+          </a:stretch>
+        </p:blipFill>
+        <p:spPr>
+          <a:xfrm>
+            <a:off x="9378462" y="365126"/>
+            <a:ext cx="4215625" cy="3161719"/>
+          </a:xfrm>
+          <a:prstGeom prst="rect">
+            <a:avLst/>
+          </a:prstGeom>
+        </p:spPr>
+      </p:pic>
+      <p:pic>
+        <p:nvPicPr>
+          <p:cNvPr id="25" name="Picture 24" descr="A close up of a map&#10;&#10;Description automatically generated">
+            <a:extLst>
+              <a:ext uri="{FF2B5EF4-FFF2-40B4-BE49-F238E27FC236}">
+                <a16:creationId xmlns:a16="http://schemas.microsoft.com/office/drawing/2014/main" id="{74EC1726-13B8-4D85-8C4B-BF44F241D55D}"/>
+              </a:ext>
+            </a:extLst>
+          </p:cNvPr>
+          <p:cNvPicPr>
+            <a:picLocks noChangeAspect="1"/>
+          </p:cNvPicPr>
+          <p:nvPr/>
+        </p:nvPicPr>
+        <p:blipFill>
+          <a:blip r:embed="rId12">
+            <a:extLst>
+              <a:ext uri="{28A0092B-C50C-407E-A947-70E740481C1C}">
+                <a14:useLocalDpi xmlns:a14="http://schemas.microsoft.com/office/drawing/2010/main" val="0"/>
+              </a:ext>
+            </a:extLst>
+          </a:blip>
+          <a:stretch>
+            <a:fillRect/>
+          </a:stretch>
+        </p:blipFill>
+        <p:spPr>
+          <a:xfrm>
+            <a:off x="5162837" y="267281"/>
+            <a:ext cx="4215625" cy="3161719"/>
+          </a:xfrm>
+          <a:prstGeom prst="rect">
+            <a:avLst/>
+          </a:prstGeom>
+        </p:spPr>
+      </p:pic>
+    </p:spTree>
+    <p:extLst>
+      <p:ext uri="{BB962C8B-B14F-4D97-AF65-F5344CB8AC3E}">
+        <p14:creationId xmlns:p14="http://schemas.microsoft.com/office/powerpoint/2010/main" val="2028298095"/>
       </p:ext>
     </p:extLst>
   </p:cSld>
@@ -7646,6 +11963,92 @@
     <p:extLst>
       <p:ext uri="{BB962C8B-B14F-4D97-AF65-F5344CB8AC3E}">
         <p14:creationId xmlns:p14="http://schemas.microsoft.com/office/powerpoint/2010/main" val="1694264622"/>
+      </p:ext>
+    </p:extLst>
+  </p:cSld>
+  <p:clrMapOvr>
+    <a:masterClrMapping/>
+  </p:clrMapOvr>
+</p:sld>
+</file>
+
+<file path=ppt/slides/slide20.xml><?xml version="1.0" encoding="utf-8"?>
+<p:sld xmlns:a="http://schemas.openxmlformats.org/drawingml/2006/main" xmlns:r="http://schemas.openxmlformats.org/officeDocument/2006/relationships" xmlns:p="http://schemas.openxmlformats.org/presentationml/2006/main">
+  <p:cSld>
+    <p:spTree>
+      <p:nvGrpSpPr>
+        <p:cNvPr id="1" name=""/>
+        <p:cNvGrpSpPr/>
+        <p:nvPr/>
+      </p:nvGrpSpPr>
+      <p:grpSpPr>
+        <a:xfrm>
+          <a:off x="0" y="0"/>
+          <a:ext cx="0" cy="0"/>
+          <a:chOff x="0" y="0"/>
+          <a:chExt cx="0" cy="0"/>
+        </a:xfrm>
+      </p:grpSpPr>
+      <p:sp>
+        <p:nvSpPr>
+          <p:cNvPr id="2" name="Title 1">
+            <a:extLst>
+              <a:ext uri="{FF2B5EF4-FFF2-40B4-BE49-F238E27FC236}">
+                <a16:creationId xmlns:a16="http://schemas.microsoft.com/office/drawing/2014/main" id="{826EA320-5976-4246-A770-48CC5B978C55}"/>
+              </a:ext>
+            </a:extLst>
+          </p:cNvPr>
+          <p:cNvSpPr>
+            <a:spLocks noGrp="1"/>
+          </p:cNvSpPr>
+          <p:nvPr>
+            <p:ph type="title"/>
+          </p:nvPr>
+        </p:nvSpPr>
+        <p:spPr/>
+        <p:txBody>
+          <a:bodyPr/>
+          <a:lstStyle/>
+          <a:p>
+            <a:r>
+              <a:rPr lang="en-US" dirty="0"/>
+              <a:t>Accuracy metrics</a:t>
+            </a:r>
+          </a:p>
+        </p:txBody>
+      </p:sp>
+      <p:sp>
+        <p:nvSpPr>
+          <p:cNvPr id="3" name="Content Placeholder 2">
+            <a:extLst>
+              <a:ext uri="{FF2B5EF4-FFF2-40B4-BE49-F238E27FC236}">
+                <a16:creationId xmlns:a16="http://schemas.microsoft.com/office/drawing/2014/main" id="{0C4CB997-B4DC-428A-9976-9D66147F0735}"/>
+              </a:ext>
+            </a:extLst>
+          </p:cNvPr>
+          <p:cNvSpPr>
+            <a:spLocks noGrp="1"/>
+          </p:cNvSpPr>
+          <p:nvPr>
+            <p:ph idx="1"/>
+          </p:nvPr>
+        </p:nvSpPr>
+        <p:spPr/>
+        <p:txBody>
+          <a:bodyPr/>
+          <a:lstStyle/>
+          <a:p>
+            <a:r>
+              <a:rPr lang="en-US" dirty="0"/>
+              <a:t>Mean absolute error</a:t>
+            </a:r>
+          </a:p>
+        </p:txBody>
+      </p:sp>
+    </p:spTree>
+    <p:extLst>
+      <p:ext uri="{BB962C8B-B14F-4D97-AF65-F5344CB8AC3E}">
+        <p14:creationId xmlns:p14="http://schemas.microsoft.com/office/powerpoint/2010/main" val="1775691441"/>
       </p:ext>
     </p:extLst>
   </p:cSld>
@@ -7993,14 +12396,19 @@
             <p:ph idx="1"/>
           </p:nvPr>
         </p:nvSpPr>
-        <p:spPr/>
+        <p:spPr>
+          <a:xfrm>
+            <a:off x="838200" y="1825625"/>
+            <a:ext cx="4178643" cy="4351338"/>
+          </a:xfrm>
+        </p:spPr>
         <p:txBody>
           <a:bodyPr/>
           <a:lstStyle/>
           <a:p>
             <a:r>
               <a:rPr lang="en-US" dirty="0"/>
-              <a:t>Fourier transformation</a:t>
+              <a:t>Fourier transformation preliminary</a:t>
             </a:r>
           </a:p>
         </p:txBody>
@@ -8020,21 +12428,214 @@
           <p:nvPr/>
         </p:nvPicPr>
         <p:blipFill>
-          <a:blip r:embed="rId2"/>
+          <a:blip r:embed="rId3"/>
           <a:stretch>
             <a:fillRect/>
           </a:stretch>
         </p:blipFill>
         <p:spPr>
           <a:xfrm>
-            <a:off x="-1396376" y="2353481"/>
-            <a:ext cx="16843960" cy="1841327"/>
+            <a:off x="5715489" y="-352459"/>
+            <a:ext cx="19216960" cy="2100735"/>
           </a:xfrm>
           <a:prstGeom prst="rect">
             <a:avLst/>
           </a:prstGeom>
         </p:spPr>
       </p:pic>
+      <mc:AlternateContent xmlns:mc="http://schemas.openxmlformats.org/markup-compatibility/2006">
+        <mc:Choice xmlns:cx1="http://schemas.microsoft.com/office/drawing/2015/9/8/chartex" Requires="cx1">
+          <p:graphicFrame>
+            <p:nvGraphicFramePr>
+              <p:cNvPr id="5" name="Chart 4">
+                <a:extLst>
+                  <a:ext uri="{FF2B5EF4-FFF2-40B4-BE49-F238E27FC236}">
+                    <a16:creationId xmlns:a16="http://schemas.microsoft.com/office/drawing/2014/main" id="{A2BAC077-B84A-4DF9-B016-EA6FFBD554DF}"/>
+                  </a:ext>
+                </a:extLst>
+              </p:cNvPr>
+              <p:cNvGraphicFramePr/>
+              <p:nvPr>
+                <p:extLst>
+                  <p:ext uri="{D42A27DB-BD31-4B8C-83A1-F6EECF244321}">
+                    <p14:modId xmlns:p14="http://schemas.microsoft.com/office/powerpoint/2010/main" val="600844583"/>
+                  </p:ext>
+                </p:extLst>
+              </p:nvPr>
+            </p:nvGraphicFramePr>
+            <p:xfrm>
+              <a:off x="457689" y="2972495"/>
+              <a:ext cx="5257800" cy="3284220"/>
+            </p:xfrm>
+            <a:graphic>
+              <a:graphicData uri="http://schemas.microsoft.com/office/drawing/2014/chartex">
+                <cx:chart xmlns:cx="http://schemas.microsoft.com/office/drawing/2014/chartex" xmlns:r="http://schemas.openxmlformats.org/officeDocument/2006/relationships" r:id="rId4"/>
+              </a:graphicData>
+            </a:graphic>
+          </p:graphicFrame>
+        </mc:Choice>
+        <mc:Fallback>
+          <p:pic>
+            <p:nvPicPr>
+              <p:cNvPr id="5" name="Chart 4">
+                <a:extLst>
+                  <a:ext uri="{FF2B5EF4-FFF2-40B4-BE49-F238E27FC236}">
+                    <a16:creationId xmlns:a16="http://schemas.microsoft.com/office/drawing/2014/main" id="{A2BAC077-B84A-4DF9-B016-EA6FFBD554DF}"/>
+                  </a:ext>
+                </a:extLst>
+              </p:cNvPr>
+              <p:cNvPicPr>
+                <a:picLocks noGrp="1" noRot="1" noChangeAspect="1" noMove="1" noResize="1" noEditPoints="1" noAdjustHandles="1" noChangeArrowheads="1" noChangeShapeType="1"/>
+              </p:cNvPicPr>
+              <p:nvPr/>
+            </p:nvPicPr>
+            <p:blipFill>
+              <a:blip r:embed="rId5"/>
+              <a:stretch>
+                <a:fillRect/>
+              </a:stretch>
+            </p:blipFill>
+            <p:spPr>
+              <a:xfrm>
+                <a:off x="457689" y="2972495"/>
+                <a:ext cx="5257800" cy="3284220"/>
+              </a:xfrm>
+              <a:prstGeom prst="rect">
+                <a:avLst/>
+              </a:prstGeom>
+            </p:spPr>
+          </p:pic>
+        </mc:Fallback>
+      </mc:AlternateContent>
+      <mc:AlternateContent xmlns:mc="http://schemas.openxmlformats.org/markup-compatibility/2006">
+        <mc:Choice xmlns:cx1="http://schemas.microsoft.com/office/drawing/2015/9/8/chartex" Requires="cx1">
+          <p:graphicFrame>
+            <p:nvGraphicFramePr>
+              <p:cNvPr id="6" name="Chart 5">
+                <a:extLst>
+                  <a:ext uri="{FF2B5EF4-FFF2-40B4-BE49-F238E27FC236}">
+                    <a16:creationId xmlns:a16="http://schemas.microsoft.com/office/drawing/2014/main" id="{0CCE63A5-1B86-4EBA-81AD-E0927A293E17}"/>
+                  </a:ext>
+                </a:extLst>
+              </p:cNvPr>
+              <p:cNvGraphicFramePr/>
+              <p:nvPr>
+                <p:extLst>
+                  <p:ext uri="{D42A27DB-BD31-4B8C-83A1-F6EECF244321}">
+                    <p14:modId xmlns:p14="http://schemas.microsoft.com/office/powerpoint/2010/main" val="1141634761"/>
+                  </p:ext>
+                </p:extLst>
+              </p:nvPr>
+            </p:nvGraphicFramePr>
+            <p:xfrm>
+              <a:off x="6096000" y="2914899"/>
+              <a:ext cx="5257800" cy="3577976"/>
+            </p:xfrm>
+            <a:graphic>
+              <a:graphicData uri="http://schemas.microsoft.com/office/drawing/2014/chartex">
+                <cx:chart xmlns:cx="http://schemas.microsoft.com/office/drawing/2014/chartex" xmlns:r="http://schemas.openxmlformats.org/officeDocument/2006/relationships" r:id="rId6"/>
+              </a:graphicData>
+            </a:graphic>
+          </p:graphicFrame>
+        </mc:Choice>
+        <mc:Fallback>
+          <p:pic>
+            <p:nvPicPr>
+              <p:cNvPr id="6" name="Chart 5">
+                <a:extLst>
+                  <a:ext uri="{FF2B5EF4-FFF2-40B4-BE49-F238E27FC236}">
+                    <a16:creationId xmlns:a16="http://schemas.microsoft.com/office/drawing/2014/main" id="{0CCE63A5-1B86-4EBA-81AD-E0927A293E17}"/>
+                  </a:ext>
+                </a:extLst>
+              </p:cNvPr>
+              <p:cNvPicPr>
+                <a:picLocks noGrp="1" noRot="1" noChangeAspect="1" noMove="1" noResize="1" noEditPoints="1" noAdjustHandles="1" noChangeArrowheads="1" noChangeShapeType="1"/>
+              </p:cNvPicPr>
+              <p:nvPr/>
+            </p:nvPicPr>
+            <p:blipFill>
+              <a:blip r:embed="rId7"/>
+              <a:stretch>
+                <a:fillRect/>
+              </a:stretch>
+            </p:blipFill>
+            <p:spPr>
+              <a:xfrm>
+                <a:off x="6096000" y="2914899"/>
+                <a:ext cx="5257800" cy="3577976"/>
+              </a:xfrm>
+              <a:prstGeom prst="rect">
+                <a:avLst/>
+              </a:prstGeom>
+            </p:spPr>
+          </p:pic>
+        </mc:Fallback>
+      </mc:AlternateContent>
+      <p:pic>
+        <p:nvPicPr>
+          <p:cNvPr id="19" name="Picture 18">
+            <a:extLst>
+              <a:ext uri="{FF2B5EF4-FFF2-40B4-BE49-F238E27FC236}">
+                <a16:creationId xmlns:a16="http://schemas.microsoft.com/office/drawing/2014/main" id="{0BBF158A-BD45-4EB3-BB5D-4C1EA366A2E0}"/>
+              </a:ext>
+            </a:extLst>
+          </p:cNvPr>
+          <p:cNvPicPr>
+            <a:picLocks noChangeAspect="1"/>
+          </p:cNvPicPr>
+          <p:nvPr/>
+        </p:nvPicPr>
+        <p:blipFill>
+          <a:blip r:embed="rId8"/>
+          <a:stretch>
+            <a:fillRect/>
+          </a:stretch>
+        </p:blipFill>
+        <p:spPr>
+          <a:xfrm>
+            <a:off x="12192000" y="2679677"/>
+            <a:ext cx="5555461" cy="4145639"/>
+          </a:xfrm>
+          <a:prstGeom prst="rect">
+            <a:avLst/>
+          </a:prstGeom>
+        </p:spPr>
+      </p:pic>
+      <p:sp>
+        <p:nvSpPr>
+          <p:cNvPr id="17" name="TextBox 16">
+            <a:extLst>
+              <a:ext uri="{FF2B5EF4-FFF2-40B4-BE49-F238E27FC236}">
+                <a16:creationId xmlns:a16="http://schemas.microsoft.com/office/drawing/2014/main" id="{7686C730-52D0-4547-B9B2-71697FD29DAC}"/>
+              </a:ext>
+            </a:extLst>
+          </p:cNvPr>
+          <p:cNvSpPr txBox="1"/>
+          <p:nvPr/>
+        </p:nvSpPr>
+        <p:spPr>
+          <a:xfrm>
+            <a:off x="15323970" y="3059668"/>
+            <a:ext cx="2197912" cy="646331"/>
+          </a:xfrm>
+          <a:prstGeom prst="rect">
+            <a:avLst/>
+          </a:prstGeom>
+          <a:noFill/>
+        </p:spPr>
+        <p:txBody>
+          <a:bodyPr wrap="square" rtlCol="0">
+            <a:spAutoFit/>
+          </a:bodyPr>
+          <a:lstStyle/>
+          <a:p>
+            <a:r>
+              <a:rPr lang="en-US" dirty="0"/>
+              <a:t>FFT for single worm image</a:t>
+            </a:r>
+          </a:p>
+        </p:txBody>
+      </p:sp>
     </p:spTree>
     <p:extLst>
       <p:ext uri="{BB962C8B-B14F-4D97-AF65-F5344CB8AC3E}">
@@ -8070,6 +12671,241 @@
           <p:cNvPr id="2" name="Title 1">
             <a:extLst>
               <a:ext uri="{FF2B5EF4-FFF2-40B4-BE49-F238E27FC236}">
+                <a16:creationId xmlns:a16="http://schemas.microsoft.com/office/drawing/2014/main" id="{B27DEBE6-930A-48D8-9239-820599168EDF}"/>
+              </a:ext>
+            </a:extLst>
+          </p:cNvPr>
+          <p:cNvSpPr>
+            <a:spLocks noGrp="1"/>
+          </p:cNvSpPr>
+          <p:nvPr>
+            <p:ph type="title"/>
+          </p:nvPr>
+        </p:nvSpPr>
+        <p:spPr>
+          <a:xfrm>
+            <a:off x="-87923" y="175549"/>
+            <a:ext cx="10515600" cy="1325563"/>
+          </a:xfrm>
+        </p:spPr>
+        <p:txBody>
+          <a:bodyPr/>
+          <a:lstStyle/>
+          <a:p>
+            <a:r>
+              <a:rPr lang="en-US" dirty="0"/>
+              <a:t>Feature Extraction</a:t>
+            </a:r>
+          </a:p>
+        </p:txBody>
+      </p:sp>
+      <p:sp>
+        <p:nvSpPr>
+          <p:cNvPr id="3" name="Content Placeholder 2">
+            <a:extLst>
+              <a:ext uri="{FF2B5EF4-FFF2-40B4-BE49-F238E27FC236}">
+                <a16:creationId xmlns:a16="http://schemas.microsoft.com/office/drawing/2014/main" id="{6A8C03A2-5444-4BBB-AEDF-037773CE2FB6}"/>
+              </a:ext>
+            </a:extLst>
+          </p:cNvPr>
+          <p:cNvSpPr>
+            <a:spLocks noGrp="1"/>
+          </p:cNvSpPr>
+          <p:nvPr>
+            <p:ph idx="1"/>
+          </p:nvPr>
+        </p:nvSpPr>
+        <p:spPr/>
+        <p:txBody>
+          <a:bodyPr/>
+          <a:lstStyle/>
+          <a:p>
+            <a:r>
+              <a:rPr lang="en-US" dirty="0"/>
+              <a:t>Fourier Frequency</a:t>
+            </a:r>
+          </a:p>
+        </p:txBody>
+      </p:sp>
+      <p:pic>
+        <p:nvPicPr>
+          <p:cNvPr id="4" name="Picture 3" descr="A screenshot of a cell phone&#10;&#10;Description automatically generated">
+            <a:extLst>
+              <a:ext uri="{FF2B5EF4-FFF2-40B4-BE49-F238E27FC236}">
+                <a16:creationId xmlns:a16="http://schemas.microsoft.com/office/drawing/2014/main" id="{4A36AB29-04FD-479A-BEF3-1F45831CB108}"/>
+              </a:ext>
+            </a:extLst>
+          </p:cNvPr>
+          <p:cNvPicPr>
+            <a:picLocks noChangeAspect="1"/>
+          </p:cNvPicPr>
+          <p:nvPr/>
+        </p:nvPicPr>
+        <p:blipFill>
+          <a:blip r:embed="rId2">
+            <a:extLst>
+              <a:ext uri="{28A0092B-C50C-407E-A947-70E740481C1C}">
+                <a14:useLocalDpi xmlns:a14="http://schemas.microsoft.com/office/drawing/2010/main" val="0"/>
+              </a:ext>
+            </a:extLst>
+          </a:blip>
+          <a:stretch>
+            <a:fillRect/>
+          </a:stretch>
+        </p:blipFill>
+        <p:spPr>
+          <a:xfrm>
+            <a:off x="9022018" y="140389"/>
+            <a:ext cx="4493962" cy="3370472"/>
+          </a:xfrm>
+          <a:prstGeom prst="rect">
+            <a:avLst/>
+          </a:prstGeom>
+        </p:spPr>
+      </p:pic>
+      <p:pic>
+        <p:nvPicPr>
+          <p:cNvPr id="5" name="Picture 4" descr="A screenshot of a cell phone&#10;&#10;Description automatically generated">
+            <a:extLst>
+              <a:ext uri="{FF2B5EF4-FFF2-40B4-BE49-F238E27FC236}">
+                <a16:creationId xmlns:a16="http://schemas.microsoft.com/office/drawing/2014/main" id="{2EE7570E-9157-4A29-9C6D-214CE32F1D30}"/>
+              </a:ext>
+            </a:extLst>
+          </p:cNvPr>
+          <p:cNvPicPr>
+            <a:picLocks noChangeAspect="1"/>
+          </p:cNvPicPr>
+          <p:nvPr/>
+        </p:nvPicPr>
+        <p:blipFill>
+          <a:blip r:embed="rId3">
+            <a:extLst>
+              <a:ext uri="{28A0092B-C50C-407E-A947-70E740481C1C}">
+                <a14:useLocalDpi xmlns:a14="http://schemas.microsoft.com/office/drawing/2010/main" val="0"/>
+              </a:ext>
+            </a:extLst>
+          </a:blip>
+          <a:stretch>
+            <a:fillRect/>
+          </a:stretch>
+        </p:blipFill>
+        <p:spPr>
+          <a:xfrm>
+            <a:off x="4665309" y="3429000"/>
+            <a:ext cx="4493962" cy="3370472"/>
+          </a:xfrm>
+          <a:prstGeom prst="rect">
+            <a:avLst/>
+          </a:prstGeom>
+        </p:spPr>
+      </p:pic>
+      <p:pic>
+        <p:nvPicPr>
+          <p:cNvPr id="6" name="Picture 5" descr="A screenshot of a cell phone&#10;&#10;Description automatically generated">
+            <a:extLst>
+              <a:ext uri="{FF2B5EF4-FFF2-40B4-BE49-F238E27FC236}">
+                <a16:creationId xmlns:a16="http://schemas.microsoft.com/office/drawing/2014/main" id="{23073DB2-ADE9-4E6B-B991-E0DB2FFE2AFE}"/>
+              </a:ext>
+            </a:extLst>
+          </p:cNvPr>
+          <p:cNvPicPr>
+            <a:picLocks noChangeAspect="1"/>
+          </p:cNvPicPr>
+          <p:nvPr/>
+        </p:nvPicPr>
+        <p:blipFill>
+          <a:blip r:embed="rId4">
+            <a:extLst>
+              <a:ext uri="{28A0092B-C50C-407E-A947-70E740481C1C}">
+                <a14:useLocalDpi xmlns:a14="http://schemas.microsoft.com/office/drawing/2010/main" val="0"/>
+              </a:ext>
+            </a:extLst>
+          </a:blip>
+          <a:stretch>
+            <a:fillRect/>
+          </a:stretch>
+        </p:blipFill>
+        <p:spPr>
+          <a:xfrm>
+            <a:off x="4665309" y="175549"/>
+            <a:ext cx="4493962" cy="3370472"/>
+          </a:xfrm>
+          <a:prstGeom prst="rect">
+            <a:avLst/>
+          </a:prstGeom>
+        </p:spPr>
+      </p:pic>
+      <p:pic>
+        <p:nvPicPr>
+          <p:cNvPr id="7" name="Picture 6" descr="A picture containing pencil&#10;&#10;Description automatically generated">
+            <a:extLst>
+              <a:ext uri="{FF2B5EF4-FFF2-40B4-BE49-F238E27FC236}">
+                <a16:creationId xmlns:a16="http://schemas.microsoft.com/office/drawing/2014/main" id="{4327C7F5-E9B2-4B92-9392-825F996D4682}"/>
+              </a:ext>
+            </a:extLst>
+          </p:cNvPr>
+          <p:cNvPicPr>
+            <a:picLocks noChangeAspect="1"/>
+          </p:cNvPicPr>
+          <p:nvPr/>
+        </p:nvPicPr>
+        <p:blipFill>
+          <a:blip r:embed="rId5">
+            <a:extLst>
+              <a:ext uri="{28A0092B-C50C-407E-A947-70E740481C1C}">
+                <a14:useLocalDpi xmlns:a14="http://schemas.microsoft.com/office/drawing/2010/main" val="0"/>
+              </a:ext>
+            </a:extLst>
+          </a:blip>
+          <a:stretch>
+            <a:fillRect/>
+          </a:stretch>
+        </p:blipFill>
+        <p:spPr>
+          <a:xfrm>
+            <a:off x="9022018" y="3429000"/>
+            <a:ext cx="4493962" cy="3370472"/>
+          </a:xfrm>
+          <a:prstGeom prst="rect">
+            <a:avLst/>
+          </a:prstGeom>
+        </p:spPr>
+      </p:pic>
+    </p:spTree>
+    <p:extLst>
+      <p:ext uri="{BB962C8B-B14F-4D97-AF65-F5344CB8AC3E}">
+        <p14:creationId xmlns:p14="http://schemas.microsoft.com/office/powerpoint/2010/main" val="3385555161"/>
+      </p:ext>
+    </p:extLst>
+  </p:cSld>
+  <p:clrMapOvr>
+    <a:masterClrMapping/>
+  </p:clrMapOvr>
+</p:sld>
+</file>
+
+<file path=ppt/slides/slide6.xml><?xml version="1.0" encoding="utf-8"?>
+<p:sld xmlns:a="http://schemas.openxmlformats.org/drawingml/2006/main" xmlns:r="http://schemas.openxmlformats.org/officeDocument/2006/relationships" xmlns:p="http://schemas.openxmlformats.org/presentationml/2006/main">
+  <p:cSld>
+    <p:spTree>
+      <p:nvGrpSpPr>
+        <p:cNvPr id="1" name=""/>
+        <p:cNvGrpSpPr/>
+        <p:nvPr/>
+      </p:nvGrpSpPr>
+      <p:grpSpPr>
+        <a:xfrm>
+          <a:off x="0" y="0"/>
+          <a:ext cx="0" cy="0"/>
+          <a:chOff x="0" y="0"/>
+          <a:chExt cx="0" cy="0"/>
+        </a:xfrm>
+      </p:grpSpPr>
+      <p:sp>
+        <p:nvSpPr>
+          <p:cNvPr id="2" name="Title 1">
+            <a:extLst>
+              <a:ext uri="{FF2B5EF4-FFF2-40B4-BE49-F238E27FC236}">
                 <a16:creationId xmlns:a16="http://schemas.microsoft.com/office/drawing/2014/main" id="{FE6E7D77-BF51-4650-A583-E3EBA980E9A8}"/>
               </a:ext>
             </a:extLst>
@@ -8131,7 +12967,7 @@
 </p:sld>
 </file>
 
-<file path=ppt/slides/slide6.xml><?xml version="1.0" encoding="utf-8"?>
+<file path=ppt/slides/slide7.xml><?xml version="1.0" encoding="utf-8"?>
 <p:sld xmlns:a="http://schemas.openxmlformats.org/drawingml/2006/main" xmlns:r="http://schemas.openxmlformats.org/officeDocument/2006/relationships" xmlns:p="http://schemas.openxmlformats.org/presentationml/2006/main">
   <p:cSld>
     <p:spTree>
@@ -8402,297 +13238,6 @@
 </p:sld>
 </file>
 
-<file path=ppt/slides/slide7.xml><?xml version="1.0" encoding="utf-8"?>
-<p:sld xmlns:a="http://schemas.openxmlformats.org/drawingml/2006/main" xmlns:r="http://schemas.openxmlformats.org/officeDocument/2006/relationships" xmlns:p="http://schemas.openxmlformats.org/presentationml/2006/main">
-  <p:cSld>
-    <p:spTree>
-      <p:nvGrpSpPr>
-        <p:cNvPr id="1" name=""/>
-        <p:cNvGrpSpPr/>
-        <p:nvPr/>
-      </p:nvGrpSpPr>
-      <p:grpSpPr>
-        <a:xfrm>
-          <a:off x="0" y="0"/>
-          <a:ext cx="0" cy="0"/>
-          <a:chOff x="0" y="0"/>
-          <a:chExt cx="0" cy="0"/>
-        </a:xfrm>
-      </p:grpSpPr>
-      <p:sp>
-        <p:nvSpPr>
-          <p:cNvPr id="2" name="Title 1">
-            <a:extLst>
-              <a:ext uri="{FF2B5EF4-FFF2-40B4-BE49-F238E27FC236}">
-                <a16:creationId xmlns:a16="http://schemas.microsoft.com/office/drawing/2014/main" id="{6FD281A4-3CAD-43A5-883B-836A9D3C6CA9}"/>
-              </a:ext>
-            </a:extLst>
-          </p:cNvPr>
-          <p:cNvSpPr>
-            <a:spLocks noGrp="1"/>
-          </p:cNvSpPr>
-          <p:nvPr>
-            <p:ph type="title"/>
-          </p:nvPr>
-        </p:nvSpPr>
-        <p:spPr/>
-        <p:txBody>
-          <a:bodyPr/>
-          <a:lstStyle/>
-          <a:p>
-            <a:r>
-              <a:rPr lang="en-US" dirty="0"/>
-              <a:t>Feature Exploration: PCA</a:t>
-            </a:r>
-          </a:p>
-        </p:txBody>
-      </p:sp>
-      <p:sp>
-        <p:nvSpPr>
-          <p:cNvPr id="3" name="Content Placeholder 2">
-            <a:extLst>
-              <a:ext uri="{FF2B5EF4-FFF2-40B4-BE49-F238E27FC236}">
-                <a16:creationId xmlns:a16="http://schemas.microsoft.com/office/drawing/2014/main" id="{F11E926C-EF87-4126-8FB0-C8A302DC3455}"/>
-              </a:ext>
-            </a:extLst>
-          </p:cNvPr>
-          <p:cNvSpPr>
-            <a:spLocks noGrp="1"/>
-          </p:cNvSpPr>
-          <p:nvPr>
-            <p:ph idx="1"/>
-          </p:nvPr>
-        </p:nvSpPr>
-        <p:spPr>
-          <a:xfrm>
-            <a:off x="838200" y="1825625"/>
-            <a:ext cx="5954591" cy="2327215"/>
-          </a:xfrm>
-        </p:spPr>
-        <p:txBody>
-          <a:bodyPr/>
-          <a:lstStyle/>
-          <a:p>
-            <a:r>
-              <a:rPr lang="en-US" dirty="0"/>
-              <a:t>PCA with most highly correlated pcs</a:t>
-            </a:r>
-          </a:p>
-          <a:p>
-            <a:r>
-              <a:rPr lang="en-US" dirty="0"/>
-              <a:t>PCA on all data where </a:t>
-            </a:r>
-            <a:r>
-              <a:rPr lang="en-US" dirty="0" err="1"/>
-              <a:t>n_components</a:t>
-            </a:r>
-            <a:r>
-              <a:rPr lang="en-US" dirty="0"/>
-              <a:t> = 8-10</a:t>
-            </a:r>
-          </a:p>
-          <a:p>
-            <a:r>
-              <a:rPr lang="en-US" dirty="0"/>
-              <a:t>Not much better than just doing pc1/pc2 for everything</a:t>
-            </a:r>
-          </a:p>
-        </p:txBody>
-      </p:sp>
-      <p:pic>
-        <p:nvPicPr>
-          <p:cNvPr id="5" name="Picture 4" descr="A close up of a map&#10;&#10;Description automatically generated">
-            <a:extLst>
-              <a:ext uri="{FF2B5EF4-FFF2-40B4-BE49-F238E27FC236}">
-                <a16:creationId xmlns:a16="http://schemas.microsoft.com/office/drawing/2014/main" id="{D8BF8DB2-4E8C-4842-BB00-8905498C8DCB}"/>
-              </a:ext>
-            </a:extLst>
-          </p:cNvPr>
-          <p:cNvPicPr>
-            <a:picLocks noChangeAspect="1"/>
-          </p:cNvPicPr>
-          <p:nvPr/>
-        </p:nvPicPr>
-        <p:blipFill>
-          <a:blip r:embed="rId3">
-            <a:extLst>
-              <a:ext uri="{28A0092B-C50C-407E-A947-70E740481C1C}">
-                <a14:useLocalDpi xmlns:a14="http://schemas.microsoft.com/office/drawing/2010/main" val="0"/>
-              </a:ext>
-            </a:extLst>
-          </a:blip>
-          <a:stretch>
-            <a:fillRect/>
-          </a:stretch>
-        </p:blipFill>
-        <p:spPr>
-          <a:xfrm>
-            <a:off x="9582831" y="1510124"/>
-            <a:ext cx="2642716" cy="2642716"/>
-          </a:xfrm>
-          <a:prstGeom prst="rect">
-            <a:avLst/>
-          </a:prstGeom>
-        </p:spPr>
-      </p:pic>
-      <p:pic>
-        <p:nvPicPr>
-          <p:cNvPr id="7" name="Picture 6">
-            <a:extLst>
-              <a:ext uri="{FF2B5EF4-FFF2-40B4-BE49-F238E27FC236}">
-                <a16:creationId xmlns:a16="http://schemas.microsoft.com/office/drawing/2014/main" id="{E73D54A7-6A86-4103-8A5C-061119608D72}"/>
-              </a:ext>
-            </a:extLst>
-          </p:cNvPr>
-          <p:cNvPicPr>
-            <a:picLocks noChangeAspect="1"/>
-          </p:cNvPicPr>
-          <p:nvPr/>
-        </p:nvPicPr>
-        <p:blipFill>
-          <a:blip r:embed="rId4">
-            <a:extLst>
-              <a:ext uri="{28A0092B-C50C-407E-A947-70E740481C1C}">
-                <a14:useLocalDpi xmlns:a14="http://schemas.microsoft.com/office/drawing/2010/main" val="0"/>
-              </a:ext>
-            </a:extLst>
-          </a:blip>
-          <a:stretch>
-            <a:fillRect/>
-          </a:stretch>
-        </p:blipFill>
-        <p:spPr>
-          <a:xfrm>
-            <a:off x="7087439" y="4026518"/>
-            <a:ext cx="2642716" cy="2642716"/>
-          </a:xfrm>
-          <a:prstGeom prst="rect">
-            <a:avLst/>
-          </a:prstGeom>
-        </p:spPr>
-      </p:pic>
-      <p:pic>
-        <p:nvPicPr>
-          <p:cNvPr id="9" name="Picture 8" descr="A screenshot of a cell phone&#10;&#10;Description automatically generated">
-            <a:extLst>
-              <a:ext uri="{FF2B5EF4-FFF2-40B4-BE49-F238E27FC236}">
-                <a16:creationId xmlns:a16="http://schemas.microsoft.com/office/drawing/2014/main" id="{15D8861B-FD2F-449D-8EA1-83FC86ED3773}"/>
-              </a:ext>
-            </a:extLst>
-          </p:cNvPr>
-          <p:cNvPicPr>
-            <a:picLocks noChangeAspect="1"/>
-          </p:cNvPicPr>
-          <p:nvPr/>
-        </p:nvPicPr>
-        <p:blipFill>
-          <a:blip r:embed="rId5">
-            <a:extLst>
-              <a:ext uri="{28A0092B-C50C-407E-A947-70E740481C1C}">
-                <a14:useLocalDpi xmlns:a14="http://schemas.microsoft.com/office/drawing/2010/main" val="0"/>
-              </a:ext>
-            </a:extLst>
-          </a:blip>
-          <a:stretch>
-            <a:fillRect/>
-          </a:stretch>
-        </p:blipFill>
-        <p:spPr>
-          <a:xfrm>
-            <a:off x="4470066" y="3989899"/>
-            <a:ext cx="2642716" cy="2642716"/>
-          </a:xfrm>
-          <a:prstGeom prst="rect">
-            <a:avLst/>
-          </a:prstGeom>
-        </p:spPr>
-      </p:pic>
-      <p:pic>
-        <p:nvPicPr>
-          <p:cNvPr id="11" name="Picture 10">
-            <a:extLst>
-              <a:ext uri="{FF2B5EF4-FFF2-40B4-BE49-F238E27FC236}">
-                <a16:creationId xmlns:a16="http://schemas.microsoft.com/office/drawing/2014/main" id="{D9C881A1-59BA-497C-9EC0-1F7ACF4437E0}"/>
-              </a:ext>
-            </a:extLst>
-          </p:cNvPr>
-          <p:cNvPicPr>
-            <a:picLocks noChangeAspect="1"/>
-          </p:cNvPicPr>
-          <p:nvPr/>
-        </p:nvPicPr>
-        <p:blipFill>
-          <a:blip r:embed="rId6">
-            <a:extLst>
-              <a:ext uri="{28A0092B-C50C-407E-A947-70E740481C1C}">
-                <a14:useLocalDpi xmlns:a14="http://schemas.microsoft.com/office/drawing/2010/main" val="0"/>
-              </a:ext>
-            </a:extLst>
-          </a:blip>
-          <a:stretch>
-            <a:fillRect/>
-          </a:stretch>
-        </p:blipFill>
-        <p:spPr>
-          <a:xfrm>
-            <a:off x="9730155" y="4072556"/>
-            <a:ext cx="2642716" cy="2642716"/>
-          </a:xfrm>
-          <a:prstGeom prst="rect">
-            <a:avLst/>
-          </a:prstGeom>
-        </p:spPr>
-      </p:pic>
-      <p:pic>
-        <p:nvPicPr>
-          <p:cNvPr id="13" name="Picture 12">
-            <a:extLst>
-              <a:ext uri="{FF2B5EF4-FFF2-40B4-BE49-F238E27FC236}">
-                <a16:creationId xmlns:a16="http://schemas.microsoft.com/office/drawing/2014/main" id="{1C80A80B-FB29-4E13-A799-2A9E20496AE1}"/>
-              </a:ext>
-            </a:extLst>
-          </p:cNvPr>
-          <p:cNvPicPr>
-            <a:picLocks noChangeAspect="1"/>
-          </p:cNvPicPr>
-          <p:nvPr/>
-        </p:nvPicPr>
-        <p:blipFill>
-          <a:blip r:embed="rId7">
-            <a:extLst>
-              <a:ext uri="{28A0092B-C50C-407E-A947-70E740481C1C}">
-                <a14:useLocalDpi xmlns:a14="http://schemas.microsoft.com/office/drawing/2010/main" val="0"/>
-              </a:ext>
-            </a:extLst>
-          </a:blip>
-          <a:stretch>
-            <a:fillRect/>
-          </a:stretch>
-        </p:blipFill>
-        <p:spPr>
-          <a:xfrm>
-            <a:off x="6940115" y="1510124"/>
-            <a:ext cx="2642716" cy="2642716"/>
-          </a:xfrm>
-          <a:prstGeom prst="rect">
-            <a:avLst/>
-          </a:prstGeom>
-        </p:spPr>
-      </p:pic>
-    </p:spTree>
-    <p:extLst>
-      <p:ext uri="{BB962C8B-B14F-4D97-AF65-F5344CB8AC3E}">
-        <p14:creationId xmlns:p14="http://schemas.microsoft.com/office/powerpoint/2010/main" val="3366457058"/>
-      </p:ext>
-    </p:extLst>
-  </p:cSld>
-  <p:clrMapOvr>
-    <a:masterClrMapping/>
-  </p:clrMapOvr>
-</p:sld>
-</file>
-
 <file path=ppt/slides/slide8.xml><?xml version="1.0" encoding="utf-8"?>
 <p:sld xmlns:a="http://schemas.openxmlformats.org/drawingml/2006/main" xmlns:r="http://schemas.openxmlformats.org/officeDocument/2006/relationships" xmlns:p="http://schemas.openxmlformats.org/presentationml/2006/main">
   <p:cSld>
@@ -8715,7 +13260,7 @@
           <p:cNvPr id="2" name="Title 1">
             <a:extLst>
               <a:ext uri="{FF2B5EF4-FFF2-40B4-BE49-F238E27FC236}">
-                <a16:creationId xmlns:a16="http://schemas.microsoft.com/office/drawing/2014/main" id="{51E12537-A5CF-4DA3-9E7B-13ED2817CFA4}"/>
+                <a16:creationId xmlns:a16="http://schemas.microsoft.com/office/drawing/2014/main" id="{6FD281A4-3CAD-43A5-883B-836A9D3C6CA9}"/>
               </a:ext>
             </a:extLst>
           </p:cNvPr>
@@ -8733,7 +13278,7 @@
           <a:p>
             <a:r>
               <a:rPr lang="en-US" dirty="0"/>
-              <a:t>Feature Selection</a:t>
+              <a:t>Feature Exploration: PCA</a:t>
             </a:r>
           </a:p>
         </p:txBody>
@@ -8743,7 +13288,7 @@
           <p:cNvPr id="3" name="Content Placeholder 2">
             <a:extLst>
               <a:ext uri="{FF2B5EF4-FFF2-40B4-BE49-F238E27FC236}">
-                <a16:creationId xmlns:a16="http://schemas.microsoft.com/office/drawing/2014/main" id="{0F5DEB2C-95CE-4CC5-9991-A2CF6161605A}"/>
+                <a16:creationId xmlns:a16="http://schemas.microsoft.com/office/drawing/2014/main" id="{F11E926C-EF87-4126-8FB0-C8A302DC3455}"/>
               </a:ext>
             </a:extLst>
           </p:cNvPr>
@@ -8757,7 +13302,7 @@
         <p:spPr>
           <a:xfrm>
             <a:off x="838200" y="1825625"/>
-            <a:ext cx="2980174" cy="4351338"/>
+            <a:ext cx="5954591" cy="2327215"/>
           </a:xfrm>
         </p:spPr>
         <p:txBody>
@@ -8766,17 +13311,37 @@
           <a:p>
             <a:r>
               <a:rPr lang="en-US" dirty="0"/>
-              <a:t>L1 logistic regression</a:t>
+              <a:t>PCA with most highly correlated pcs</a:t>
+            </a:r>
+          </a:p>
+          <a:p>
+            <a:r>
+              <a:rPr lang="en-US" dirty="0"/>
+              <a:t>PCA on all data where </a:t>
+            </a:r>
+            <a:r>
+              <a:rPr lang="en-US" dirty="0" err="1"/>
+              <a:t>n_components</a:t>
+            </a:r>
+            <a:r>
+              <a:rPr lang="en-US" dirty="0"/>
+              <a:t> = 8-10</a:t>
+            </a:r>
+          </a:p>
+          <a:p>
+            <a:r>
+              <a:rPr lang="en-US" dirty="0"/>
+              <a:t>Not much better than just doing pc1/pc2 for everything</a:t>
             </a:r>
           </a:p>
         </p:txBody>
       </p:sp>
       <p:pic>
         <p:nvPicPr>
-          <p:cNvPr id="4" name="Picture 3">
-            <a:extLst>
-              <a:ext uri="{FF2B5EF4-FFF2-40B4-BE49-F238E27FC236}">
-                <a16:creationId xmlns:a16="http://schemas.microsoft.com/office/drawing/2014/main" id="{1873E50E-AE3D-4140-A924-58F393D6ADBB}"/>
+          <p:cNvPr id="5" name="Picture 4" descr="A close up of a map&#10;&#10;Description automatically generated">
+            <a:extLst>
+              <a:ext uri="{FF2B5EF4-FFF2-40B4-BE49-F238E27FC236}">
+                <a16:creationId xmlns:a16="http://schemas.microsoft.com/office/drawing/2014/main" id="{D8BF8DB2-4E8C-4842-BB00-8905498C8DCB}"/>
               </a:ext>
             </a:extLst>
           </p:cNvPr>
@@ -8785,15 +13350,22 @@
           </p:cNvPicPr>
           <p:nvPr/>
         </p:nvPicPr>
-        <p:blipFill rotWithShape="1">
-          <a:blip r:embed="rId3"/>
-          <a:srcRect l="4918" t="5759" r="69363" b="4156"/>
-          <a:stretch/>
+        <p:blipFill>
+          <a:blip r:embed="rId3">
+            <a:extLst>
+              <a:ext uri="{28A0092B-C50C-407E-A947-70E740481C1C}">
+                <a14:useLocalDpi xmlns:a14="http://schemas.microsoft.com/office/drawing/2010/main" val="0"/>
+              </a:ext>
+            </a:extLst>
+          </a:blip>
+          <a:stretch>
+            <a:fillRect/>
+          </a:stretch>
         </p:blipFill>
         <p:spPr>
           <a:xfrm>
-            <a:off x="6863136" y="609599"/>
-            <a:ext cx="1324899" cy="3823855"/>
+            <a:off x="10266605" y="598610"/>
+            <a:ext cx="3058331" cy="3058331"/>
           </a:xfrm>
           <a:prstGeom prst="rect">
             <a:avLst/>
@@ -8802,10 +13374,10 @@
       </p:pic>
       <p:pic>
         <p:nvPicPr>
-          <p:cNvPr id="5" name="Picture 4">
-            <a:extLst>
-              <a:ext uri="{FF2B5EF4-FFF2-40B4-BE49-F238E27FC236}">
-                <a16:creationId xmlns:a16="http://schemas.microsoft.com/office/drawing/2014/main" id="{82E8FDFA-5BE1-494C-B2BB-36DA3E78008B}"/>
+          <p:cNvPr id="7" name="Picture 6">
+            <a:extLst>
+              <a:ext uri="{FF2B5EF4-FFF2-40B4-BE49-F238E27FC236}">
+                <a16:creationId xmlns:a16="http://schemas.microsoft.com/office/drawing/2014/main" id="{E73D54A7-6A86-4103-8A5C-061119608D72}"/>
               </a:ext>
             </a:extLst>
           </p:cNvPr>
@@ -8815,15 +13387,21 @@
           <p:nvPr/>
         </p:nvPicPr>
         <p:blipFill>
-          <a:blip r:embed="rId4"/>
+          <a:blip r:embed="rId4">
+            <a:extLst>
+              <a:ext uri="{28A0092B-C50C-407E-A947-70E740481C1C}">
+                <a14:useLocalDpi xmlns:a14="http://schemas.microsoft.com/office/drawing/2010/main" val="0"/>
+              </a:ext>
+            </a:extLst>
+          </a:blip>
           <a:stretch>
             <a:fillRect/>
           </a:stretch>
         </p:blipFill>
         <p:spPr>
           <a:xfrm>
-            <a:off x="202680" y="3129239"/>
-            <a:ext cx="6660457" cy="3619814"/>
+            <a:off x="7618655" y="3574283"/>
+            <a:ext cx="3058331" cy="3058331"/>
           </a:xfrm>
           <a:prstGeom prst="rect">
             <a:avLst/>
@@ -8832,10 +13410,10 @@
       </p:pic>
       <p:pic>
         <p:nvPicPr>
-          <p:cNvPr id="6" name="Picture 5">
-            <a:extLst>
-              <a:ext uri="{FF2B5EF4-FFF2-40B4-BE49-F238E27FC236}">
-                <a16:creationId xmlns:a16="http://schemas.microsoft.com/office/drawing/2014/main" id="{3EE9E781-8D61-4131-A95E-3399238540EB}"/>
+          <p:cNvPr id="9" name="Picture 8" descr="A screenshot of a cell phone&#10;&#10;Description automatically generated">
+            <a:extLst>
+              <a:ext uri="{FF2B5EF4-FFF2-40B4-BE49-F238E27FC236}">
+                <a16:creationId xmlns:a16="http://schemas.microsoft.com/office/drawing/2014/main" id="{15D8861B-FD2F-449D-8EA1-83FC86ED3773}"/>
               </a:ext>
             </a:extLst>
           </p:cNvPr>
@@ -8845,15 +13423,21 @@
           <p:nvPr/>
         </p:nvPicPr>
         <p:blipFill>
-          <a:blip r:embed="rId5"/>
+          <a:blip r:embed="rId5">
+            <a:extLst>
+              <a:ext uri="{28A0092B-C50C-407E-A947-70E740481C1C}">
+                <a14:useLocalDpi xmlns:a14="http://schemas.microsoft.com/office/drawing/2010/main" val="0"/>
+              </a:ext>
+            </a:extLst>
+          </a:blip>
           <a:stretch>
             <a:fillRect/>
           </a:stretch>
         </p:blipFill>
         <p:spPr>
           <a:xfrm>
-            <a:off x="8253057" y="0"/>
-            <a:ext cx="701319" cy="6246630"/>
+            <a:off x="4470065" y="3574284"/>
+            <a:ext cx="3058331" cy="3058331"/>
           </a:xfrm>
           <a:prstGeom prst="rect">
             <a:avLst/>
@@ -8862,10 +13446,10 @@
       </p:pic>
       <p:pic>
         <p:nvPicPr>
-          <p:cNvPr id="9" name="Picture 8">
-            <a:extLst>
-              <a:ext uri="{FF2B5EF4-FFF2-40B4-BE49-F238E27FC236}">
-                <a16:creationId xmlns:a16="http://schemas.microsoft.com/office/drawing/2014/main" id="{FC098599-FFAC-43C2-87EA-AE1547B69E70}"/>
+          <p:cNvPr id="11" name="Picture 10">
+            <a:extLst>
+              <a:ext uri="{FF2B5EF4-FFF2-40B4-BE49-F238E27FC236}">
+                <a16:creationId xmlns:a16="http://schemas.microsoft.com/office/drawing/2014/main" id="{D9C881A1-59BA-497C-9EC0-1F7ACF4437E0}"/>
               </a:ext>
             </a:extLst>
           </p:cNvPr>
@@ -8875,45 +13459,21 @@
           <p:nvPr/>
         </p:nvPicPr>
         <p:blipFill>
-          <a:blip r:embed="rId6"/>
+          <a:blip r:embed="rId6">
+            <a:extLst>
+              <a:ext uri="{28A0092B-C50C-407E-A947-70E740481C1C}">
+                <a14:useLocalDpi xmlns:a14="http://schemas.microsoft.com/office/drawing/2010/main" val="0"/>
+              </a:ext>
+            </a:extLst>
+          </a:blip>
           <a:stretch>
             <a:fillRect/>
           </a:stretch>
         </p:blipFill>
         <p:spPr>
           <a:xfrm>
-            <a:off x="8915480" y="40955"/>
-            <a:ext cx="618896" cy="6390099"/>
-          </a:xfrm>
-          <a:prstGeom prst="rect">
-            <a:avLst/>
-          </a:prstGeom>
-        </p:spPr>
-      </p:pic>
-      <p:pic>
-        <p:nvPicPr>
-          <p:cNvPr id="12" name="Picture 11">
-            <a:extLst>
-              <a:ext uri="{FF2B5EF4-FFF2-40B4-BE49-F238E27FC236}">
-                <a16:creationId xmlns:a16="http://schemas.microsoft.com/office/drawing/2014/main" id="{825EA269-BC55-4C5A-9F03-E9EA9B9C55DD}"/>
-              </a:ext>
-            </a:extLst>
-          </p:cNvPr>
-          <p:cNvPicPr>
-            <a:picLocks noChangeAspect="1"/>
-          </p:cNvPicPr>
-          <p:nvPr/>
-        </p:nvPicPr>
-        <p:blipFill>
-          <a:blip r:embed="rId7"/>
-          <a:stretch>
-            <a:fillRect/>
-          </a:stretch>
-        </p:blipFill>
-        <p:spPr>
-          <a:xfrm>
-            <a:off x="9460723" y="40955"/>
-            <a:ext cx="703994" cy="6428781"/>
+            <a:off x="10662834" y="3656941"/>
+            <a:ext cx="3058331" cy="3058331"/>
           </a:xfrm>
           <a:prstGeom prst="rect">
             <a:avLst/>
@@ -8925,7 +13485,7 @@
           <p:cNvPr id="13" name="Picture 12">
             <a:extLst>
               <a:ext uri="{FF2B5EF4-FFF2-40B4-BE49-F238E27FC236}">
-                <a16:creationId xmlns:a16="http://schemas.microsoft.com/office/drawing/2014/main" id="{6AFF437D-DD80-4895-9A9C-0CD9C385193B}"/>
+                <a16:creationId xmlns:a16="http://schemas.microsoft.com/office/drawing/2014/main" id="{1C80A80B-FB29-4E13-A799-2A9E20496AE1}"/>
               </a:ext>
             </a:extLst>
           </p:cNvPr>
@@ -8935,90 +13495,31 @@
           <p:nvPr/>
         </p:nvPicPr>
         <p:blipFill>
-          <a:blip r:embed="rId8"/>
+          <a:blip r:embed="rId7">
+            <a:extLst>
+              <a:ext uri="{28A0092B-C50C-407E-A947-70E740481C1C}">
+                <a14:useLocalDpi xmlns:a14="http://schemas.microsoft.com/office/drawing/2010/main" val="0"/>
+              </a:ext>
+            </a:extLst>
+          </a:blip>
           <a:stretch>
             <a:fillRect/>
           </a:stretch>
         </p:blipFill>
         <p:spPr>
           <a:xfrm>
-            <a:off x="10058019" y="40955"/>
-            <a:ext cx="680785" cy="6274054"/>
+            <a:off x="6913627" y="598610"/>
+            <a:ext cx="3058331" cy="3058331"/>
           </a:xfrm>
           <a:prstGeom prst="rect">
             <a:avLst/>
           </a:prstGeom>
         </p:spPr>
       </p:pic>
-      <p:pic>
-        <p:nvPicPr>
-          <p:cNvPr id="14" name="Picture 13">
-            <a:extLst>
-              <a:ext uri="{FF2B5EF4-FFF2-40B4-BE49-F238E27FC236}">
-                <a16:creationId xmlns:a16="http://schemas.microsoft.com/office/drawing/2014/main" id="{745C8BB0-D0DC-4CAE-B729-ECDE3FFAC116}"/>
-              </a:ext>
-            </a:extLst>
-          </p:cNvPr>
-          <p:cNvPicPr>
-            <a:picLocks noChangeAspect="1"/>
-          </p:cNvPicPr>
-          <p:nvPr/>
-        </p:nvPicPr>
-        <p:blipFill>
-          <a:blip r:embed="rId9"/>
-          <a:stretch>
-            <a:fillRect/>
-          </a:stretch>
-        </p:blipFill>
-        <p:spPr>
-          <a:xfrm>
-            <a:off x="10719432" y="45723"/>
-            <a:ext cx="634368" cy="6343682"/>
-          </a:xfrm>
-          <a:prstGeom prst="rect">
-            <a:avLst/>
-          </a:prstGeom>
-        </p:spPr>
-      </p:pic>
-      <p:sp>
-        <p:nvSpPr>
-          <p:cNvPr id="16" name="TextBox 15">
-            <a:extLst>
-              <a:ext uri="{FF2B5EF4-FFF2-40B4-BE49-F238E27FC236}">
-                <a16:creationId xmlns:a16="http://schemas.microsoft.com/office/drawing/2014/main" id="{A2FDFFA6-711E-4BCB-A071-EE6348D3C731}"/>
-              </a:ext>
-            </a:extLst>
-          </p:cNvPr>
-          <p:cNvSpPr txBox="1"/>
-          <p:nvPr/>
-        </p:nvSpPr>
-        <p:spPr>
-          <a:xfrm>
-            <a:off x="8736121" y="6411907"/>
-            <a:ext cx="1428596" cy="369332"/>
-          </a:xfrm>
-          <a:prstGeom prst="rect">
-            <a:avLst/>
-          </a:prstGeom>
-          <a:noFill/>
-        </p:spPr>
-        <p:txBody>
-          <a:bodyPr wrap="none" rtlCol="0">
-            <a:spAutoFit/>
-          </a:bodyPr>
-          <a:lstStyle/>
-          <a:p>
-            <a:r>
-              <a:rPr lang="en-US" dirty="0"/>
-              <a:t>C = [10,1,0.1]</a:t>
-            </a:r>
-          </a:p>
-        </p:txBody>
-      </p:sp>
     </p:spTree>
     <p:extLst>
       <p:ext uri="{BB962C8B-B14F-4D97-AF65-F5344CB8AC3E}">
-        <p14:creationId xmlns:p14="http://schemas.microsoft.com/office/powerpoint/2010/main" val="4041342621"/>
+        <p14:creationId xmlns:p14="http://schemas.microsoft.com/office/powerpoint/2010/main" val="3366457058"/>
       </p:ext>
     </p:extLst>
   </p:cSld>
@@ -9045,47 +13546,68 @@
           <a:chExt cx="0" cy="0"/>
         </a:xfrm>
       </p:grpSpPr>
-      <p:pic>
-        <p:nvPicPr>
-          <p:cNvPr id="8" name="Content Placeholder 7" descr="A screenshot of a social media post&#10;&#10;Description automatically generated">
-            <a:extLst>
-              <a:ext uri="{FF2B5EF4-FFF2-40B4-BE49-F238E27FC236}">
-                <a16:creationId xmlns:a16="http://schemas.microsoft.com/office/drawing/2014/main" id="{34CEC197-2A79-4CBA-AE95-D03D24AF7E96}"/>
-              </a:ext>
-            </a:extLst>
-          </p:cNvPr>
-          <p:cNvPicPr>
-            <a:picLocks noGrp="1" noChangeAspect="1"/>
-          </p:cNvPicPr>
+      <p:sp>
+        <p:nvSpPr>
+          <p:cNvPr id="2" name="Title 1">
+            <a:extLst>
+              <a:ext uri="{FF2B5EF4-FFF2-40B4-BE49-F238E27FC236}">
+                <a16:creationId xmlns:a16="http://schemas.microsoft.com/office/drawing/2014/main" id="{C6E0C6EA-FBCF-4999-A0B8-4F6293763E6E}"/>
+              </a:ext>
+            </a:extLst>
+          </p:cNvPr>
+          <p:cNvSpPr>
+            <a:spLocks noGrp="1"/>
+          </p:cNvSpPr>
+          <p:nvPr>
+            <p:ph type="title"/>
+          </p:nvPr>
+        </p:nvSpPr>
+        <p:spPr/>
+        <p:txBody>
+          <a:bodyPr/>
+          <a:lstStyle/>
+          <a:p>
+            <a:r>
+              <a:rPr lang="en-US" dirty="0"/>
+              <a:t>Feature selection</a:t>
+            </a:r>
+          </a:p>
+        </p:txBody>
+      </p:sp>
+      <p:sp>
+        <p:nvSpPr>
+          <p:cNvPr id="3" name="Content Placeholder 2">
+            <a:extLst>
+              <a:ext uri="{FF2B5EF4-FFF2-40B4-BE49-F238E27FC236}">
+                <a16:creationId xmlns:a16="http://schemas.microsoft.com/office/drawing/2014/main" id="{EA8C04D5-69D9-4904-BE6A-A3C028B98547}"/>
+              </a:ext>
+            </a:extLst>
+          </p:cNvPr>
+          <p:cNvSpPr>
+            <a:spLocks noGrp="1"/>
+          </p:cNvSpPr>
           <p:nvPr>
             <p:ph idx="1"/>
           </p:nvPr>
-        </p:nvPicPr>
-        <p:blipFill>
-          <a:blip r:embed="rId3">
-            <a:extLst>
-              <a:ext uri="{28A0092B-C50C-407E-A947-70E740481C1C}">
-                <a14:useLocalDpi xmlns:a14="http://schemas.microsoft.com/office/drawing/2010/main" val="0"/>
-              </a:ext>
-            </a:extLst>
-          </a:blip>
-          <a:stretch>
-            <a:fillRect/>
-          </a:stretch>
-        </p:blipFill>
-        <p:spPr>
-          <a:xfrm>
-            <a:off x="6559565" y="3457370"/>
-            <a:ext cx="4532634" cy="3399476"/>
-          </a:xfrm>
-        </p:spPr>
-      </p:pic>
+        </p:nvSpPr>
+        <p:spPr/>
+        <p:txBody>
+          <a:bodyPr/>
+          <a:lstStyle/>
+          <a:p>
+            <a:r>
+              <a:rPr lang="en-US" dirty="0"/>
+              <a:t>Lasso</a:t>
+            </a:r>
+          </a:p>
+        </p:txBody>
+      </p:sp>
       <p:pic>
         <p:nvPicPr>
-          <p:cNvPr id="12" name="Picture 11" descr="A screenshot of a cell phone&#10;&#10;Description automatically generated">
-            <a:extLst>
-              <a:ext uri="{FF2B5EF4-FFF2-40B4-BE49-F238E27FC236}">
-                <a16:creationId xmlns:a16="http://schemas.microsoft.com/office/drawing/2014/main" id="{B88B3E7E-81E6-4C75-B901-88D9E87F6785}"/>
+          <p:cNvPr id="9" name="Picture 8">
+            <a:extLst>
+              <a:ext uri="{FF2B5EF4-FFF2-40B4-BE49-F238E27FC236}">
+                <a16:creationId xmlns:a16="http://schemas.microsoft.com/office/drawing/2014/main" id="{A0E5B21C-2CD9-403D-A583-45F4222E2121}"/>
               </a:ext>
             </a:extLst>
           </p:cNvPr>
@@ -9094,22 +13616,15 @@
           </p:cNvPicPr>
           <p:nvPr/>
         </p:nvPicPr>
-        <p:blipFill>
-          <a:blip r:embed="rId4">
-            <a:extLst>
-              <a:ext uri="{28A0092B-C50C-407E-A947-70E740481C1C}">
-                <a14:useLocalDpi xmlns:a14="http://schemas.microsoft.com/office/drawing/2010/main" val="0"/>
-              </a:ext>
-            </a:extLst>
-          </a:blip>
-          <a:stretch>
-            <a:fillRect/>
-          </a:stretch>
+        <p:blipFill rotWithShape="1">
+          <a:blip r:embed="rId3"/>
+          <a:srcRect t="12857"/>
+          <a:stretch/>
         </p:blipFill>
         <p:spPr>
           <a:xfrm>
-            <a:off x="1618205" y="3347162"/>
-            <a:ext cx="4572000" cy="3429000"/>
+            <a:off x="0" y="2355776"/>
+            <a:ext cx="12192000" cy="3532906"/>
           </a:xfrm>
           <a:prstGeom prst="rect">
             <a:avLst/>
@@ -9118,10 +13633,10 @@
       </p:pic>
       <p:pic>
         <p:nvPicPr>
-          <p:cNvPr id="19" name="Picture 18" descr="A screenshot of a cell phone&#10;&#10;Description automatically generated">
-            <a:extLst>
-              <a:ext uri="{FF2B5EF4-FFF2-40B4-BE49-F238E27FC236}">
-                <a16:creationId xmlns:a16="http://schemas.microsoft.com/office/drawing/2014/main" id="{862C3BD1-1FAF-4017-8BF8-D6EA4E988796}"/>
+          <p:cNvPr id="11" name="Picture 10">
+            <a:extLst>
+              <a:ext uri="{FF2B5EF4-FFF2-40B4-BE49-F238E27FC236}">
+                <a16:creationId xmlns:a16="http://schemas.microsoft.com/office/drawing/2014/main" id="{ABCB251D-5167-4168-A4F1-03E9091AE5A7}"/>
               </a:ext>
             </a:extLst>
           </p:cNvPr>
@@ -9131,21 +13646,15 @@
           <p:nvPr/>
         </p:nvPicPr>
         <p:blipFill>
-          <a:blip r:embed="rId5">
-            <a:extLst>
-              <a:ext uri="{28A0092B-C50C-407E-A947-70E740481C1C}">
-                <a14:useLocalDpi xmlns:a14="http://schemas.microsoft.com/office/drawing/2010/main" val="0"/>
-              </a:ext>
-            </a:extLst>
-          </a:blip>
+          <a:blip r:embed="rId4"/>
           <a:stretch>
             <a:fillRect/>
           </a:stretch>
         </p:blipFill>
         <p:spPr>
           <a:xfrm>
-            <a:off x="-41565" y="0"/>
-            <a:ext cx="4572000" cy="3429000"/>
+            <a:off x="12287312" y="188293"/>
+            <a:ext cx="5319221" cy="3574090"/>
           </a:xfrm>
           <a:prstGeom prst="rect">
             <a:avLst/>
@@ -9154,10 +13663,10 @@
       </p:pic>
       <p:pic>
         <p:nvPicPr>
-          <p:cNvPr id="17" name="Picture 16" descr="A screenshot of a cell phone&#10;&#10;Description automatically generated">
-            <a:extLst>
-              <a:ext uri="{FF2B5EF4-FFF2-40B4-BE49-F238E27FC236}">
-                <a16:creationId xmlns:a16="http://schemas.microsoft.com/office/drawing/2014/main" id="{7BEC175D-7467-438C-8E18-F23B2FB165E6}"/>
+          <p:cNvPr id="13" name="Picture 12">
+            <a:extLst>
+              <a:ext uri="{FF2B5EF4-FFF2-40B4-BE49-F238E27FC236}">
+                <a16:creationId xmlns:a16="http://schemas.microsoft.com/office/drawing/2014/main" id="{DBE380C8-EF90-4850-BF53-F408277C4596}"/>
               </a:ext>
             </a:extLst>
           </p:cNvPr>
@@ -9167,57 +13676,15 @@
           <p:nvPr/>
         </p:nvPicPr>
         <p:blipFill>
-          <a:blip r:embed="rId6">
-            <a:extLst>
-              <a:ext uri="{28A0092B-C50C-407E-A947-70E740481C1C}">
-                <a14:useLocalDpi xmlns:a14="http://schemas.microsoft.com/office/drawing/2010/main" val="0"/>
-              </a:ext>
-            </a:extLst>
-          </a:blip>
+          <a:blip r:embed="rId5"/>
           <a:stretch>
             <a:fillRect/>
           </a:stretch>
         </p:blipFill>
         <p:spPr>
           <a:xfrm>
-            <a:off x="4088885" y="-40919"/>
-            <a:ext cx="4572000" cy="3429000"/>
-          </a:xfrm>
-          <a:prstGeom prst="rect">
-            <a:avLst/>
-          </a:prstGeom>
-        </p:spPr>
-      </p:pic>
-      <p:pic>
-        <p:nvPicPr>
-          <p:cNvPr id="15" name="Picture 14" descr="A screenshot of a cell phone&#10;&#10;Description automatically generated">
-            <a:extLst>
-              <a:ext uri="{FF2B5EF4-FFF2-40B4-BE49-F238E27FC236}">
-                <a16:creationId xmlns:a16="http://schemas.microsoft.com/office/drawing/2014/main" id="{889B713E-6329-4E50-ACD5-3FA18C6C94E1}"/>
-              </a:ext>
-            </a:extLst>
-          </p:cNvPr>
-          <p:cNvPicPr>
-            <a:picLocks noChangeAspect="1"/>
-          </p:cNvPicPr>
-          <p:nvPr/>
-        </p:nvPicPr>
-        <p:blipFill>
-          <a:blip r:embed="rId7">
-            <a:extLst>
-              <a:ext uri="{28A0092B-C50C-407E-A947-70E740481C1C}">
-                <a14:useLocalDpi xmlns:a14="http://schemas.microsoft.com/office/drawing/2010/main" val="0"/>
-              </a:ext>
-            </a:extLst>
-          </a:blip>
-          <a:stretch>
-            <a:fillRect/>
-          </a:stretch>
-        </p:blipFill>
-        <p:spPr>
-          <a:xfrm>
-            <a:off x="8287795" y="-40919"/>
-            <a:ext cx="4056605" cy="3042454"/>
+            <a:off x="13234491" y="4122229"/>
+            <a:ext cx="2552921" cy="5471634"/>
           </a:xfrm>
           <a:prstGeom prst="rect">
             <a:avLst/>
@@ -9227,7 +13694,7 @@
     </p:spTree>
     <p:extLst>
       <p:ext uri="{BB962C8B-B14F-4D97-AF65-F5344CB8AC3E}">
-        <p14:creationId xmlns:p14="http://schemas.microsoft.com/office/powerpoint/2010/main" val="3654017256"/>
+        <p14:creationId xmlns:p14="http://schemas.microsoft.com/office/powerpoint/2010/main" val="867338692"/>
       </p:ext>
     </p:extLst>
   </p:cSld>

--- a/Image Processing Presentation.pptx
+++ b/Image Processing Presentation.pptx
@@ -5,11 +5,26 @@
     <p:sldMasterId id="2147483648" r:id="rId1"/>
   </p:sldMasterIdLst>
   <p:notesMasterIdLst>
-    <p:notesMasterId r:id="rId4"/>
+    <p:notesMasterId r:id="rId19"/>
   </p:notesMasterIdLst>
   <p:sldIdLst>
     <p:sldId id="256" r:id="rId2"/>
     <p:sldId id="260" r:id="rId3"/>
+    <p:sldId id="261" r:id="rId4"/>
+    <p:sldId id="262" r:id="rId5"/>
+    <p:sldId id="263" r:id="rId6"/>
+    <p:sldId id="265" r:id="rId7"/>
+    <p:sldId id="264" r:id="rId8"/>
+    <p:sldId id="267" r:id="rId9"/>
+    <p:sldId id="266" r:id="rId10"/>
+    <p:sldId id="269" r:id="rId11"/>
+    <p:sldId id="268" r:id="rId12"/>
+    <p:sldId id="273" r:id="rId13"/>
+    <p:sldId id="270" r:id="rId14"/>
+    <p:sldId id="271" r:id="rId15"/>
+    <p:sldId id="272" r:id="rId16"/>
+    <p:sldId id="274" r:id="rId17"/>
+    <p:sldId id="275" r:id="rId18"/>
   </p:sldIdLst>
   <p:sldSz cx="12192000" cy="6858000"/>
   <p:notesSz cx="6858000" cy="9144000"/>
@@ -198,7 +213,7 @@
           <a:p>
             <a:fld id="{A40E7DE1-637E-4C16-BDAC-A63ABFC9CBFF}" type="datetimeFigureOut">
               <a:rPr lang="en-US" smtClean="0"/>
-              <a:t>8/7/2020</a:t>
+              <a:t>8/13/2020</a:t>
             </a:fld>
             <a:endParaRPr lang="en-US"/>
           </a:p>
@@ -465,6 +480,233 @@
 </p:notesMaster>
 </file>
 
+<file path=ppt/notesSlides/notesSlide1.xml><?xml version="1.0" encoding="utf-8"?>
+<p:notes xmlns:a="http://schemas.openxmlformats.org/drawingml/2006/main" xmlns:r="http://schemas.openxmlformats.org/officeDocument/2006/relationships" xmlns:p="http://schemas.openxmlformats.org/presentationml/2006/main">
+  <p:cSld>
+    <p:spTree>
+      <p:nvGrpSpPr>
+        <p:cNvPr id="1" name=""/>
+        <p:cNvGrpSpPr/>
+        <p:nvPr/>
+      </p:nvGrpSpPr>
+      <p:grpSpPr>
+        <a:xfrm>
+          <a:off x="0" y="0"/>
+          <a:ext cx="0" cy="0"/>
+          <a:chOff x="0" y="0"/>
+          <a:chExt cx="0" cy="0"/>
+        </a:xfrm>
+      </p:grpSpPr>
+      <p:sp>
+        <p:nvSpPr>
+          <p:cNvPr id="2" name="Slide Image Placeholder 1"/>
+          <p:cNvSpPr>
+            <a:spLocks noGrp="1" noRot="1" noChangeAspect="1"/>
+          </p:cNvSpPr>
+          <p:nvPr>
+            <p:ph type="sldImg"/>
+          </p:nvPr>
+        </p:nvSpPr>
+        <p:spPr/>
+      </p:sp>
+      <p:sp>
+        <p:nvSpPr>
+          <p:cNvPr id="3" name="Notes Placeholder 2"/>
+          <p:cNvSpPr>
+            <a:spLocks noGrp="1"/>
+          </p:cNvSpPr>
+          <p:nvPr>
+            <p:ph type="body" idx="1"/>
+          </p:nvPr>
+        </p:nvSpPr>
+        <p:spPr/>
+        <p:txBody>
+          <a:bodyPr/>
+          <a:lstStyle/>
+          <a:p>
+            <a:r>
+              <a:rPr lang="en-US" dirty="0"/>
+              <a:t>Otsu’s thresholding: identifies the ideal threshold at which the image matrix can be binarized into background (0) and foreground (1)</a:t>
+            </a:r>
+          </a:p>
+          <a:p>
+            <a:endParaRPr lang="en-US" dirty="0"/>
+          </a:p>
+          <a:p>
+            <a:r>
+              <a:rPr lang="en-US" dirty="0"/>
+              <a:t>Take Otsu’s threshold value and make it smaller by a factor of 0.475 (determined by trial and error of which threshold factor value worked the best – don’t want too much lenience but also don’t want too many holes).</a:t>
+            </a:r>
+          </a:p>
+          <a:p>
+            <a:endParaRPr lang="en-US" dirty="0"/>
+          </a:p>
+          <a:p>
+            <a:r>
+              <a:rPr lang="en-US" dirty="0"/>
+              <a:t>Dilate and open the image to remove small figures or holes but maintain the overall body of the worm. Then fill holes (all done with CV2 and </a:t>
+            </a:r>
+            <a:r>
+              <a:rPr lang="en-US" dirty="0" err="1"/>
+              <a:t>scipy</a:t>
+            </a:r>
+            <a:r>
+              <a:rPr lang="en-US" dirty="0"/>
+              <a:t>).</a:t>
+            </a:r>
+          </a:p>
+          <a:p>
+            <a:endParaRPr lang="en-US" dirty="0"/>
+          </a:p>
+          <a:p>
+            <a:r>
+              <a:rPr lang="en-US" dirty="0"/>
+              <a:t>Then select the largest region of foreground (1s) and can multiple that image by the original image. All background will have a value of 0 and all foreground (or worm body) will have the original image value. Mask  * original = worm only</a:t>
+            </a:r>
+          </a:p>
+          <a:p>
+            <a:r>
+              <a:rPr lang="en-US" dirty="0"/>
+              <a:t>	          [0 0 0] * [0 0 0] = [0 0 0]</a:t>
+            </a:r>
+          </a:p>
+          <a:p>
+            <a:r>
+              <a:rPr lang="en-US" dirty="0"/>
+              <a:t>	          [0 1 1] * [0 2 1] = [0 2 1]</a:t>
+            </a:r>
+          </a:p>
+          <a:p>
+            <a:r>
+              <a:rPr lang="en-US" dirty="0"/>
+              <a:t>                                  [0 1 0] * [2 3 0] = [0 3 0]</a:t>
+            </a:r>
+          </a:p>
+        </p:txBody>
+      </p:sp>
+      <p:sp>
+        <p:nvSpPr>
+          <p:cNvPr id="4" name="Slide Number Placeholder 3"/>
+          <p:cNvSpPr>
+            <a:spLocks noGrp="1"/>
+          </p:cNvSpPr>
+          <p:nvPr>
+            <p:ph type="sldNum" sz="quarter" idx="5"/>
+          </p:nvPr>
+        </p:nvSpPr>
+        <p:spPr/>
+        <p:txBody>
+          <a:bodyPr/>
+          <a:lstStyle/>
+          <a:p>
+            <a:fld id="{29A07F0B-DB57-4930-AA47-B2FCA5AF27F8}" type="slidenum">
+              <a:rPr lang="en-US" smtClean="0"/>
+              <a:t>4</a:t>
+            </a:fld>
+            <a:endParaRPr lang="en-US"/>
+          </a:p>
+        </p:txBody>
+      </p:sp>
+    </p:spTree>
+    <p:extLst>
+      <p:ext uri="{BB962C8B-B14F-4D97-AF65-F5344CB8AC3E}">
+        <p14:creationId xmlns:p14="http://schemas.microsoft.com/office/powerpoint/2010/main" val="3818369067"/>
+      </p:ext>
+    </p:extLst>
+  </p:cSld>
+  <p:clrMapOvr>
+    <a:masterClrMapping/>
+  </p:clrMapOvr>
+</p:notes>
+</file>
+
+<file path=ppt/notesSlides/notesSlide2.xml><?xml version="1.0" encoding="utf-8"?>
+<p:notes xmlns:a="http://schemas.openxmlformats.org/drawingml/2006/main" xmlns:r="http://schemas.openxmlformats.org/officeDocument/2006/relationships" xmlns:p="http://schemas.openxmlformats.org/presentationml/2006/main">
+  <p:cSld>
+    <p:spTree>
+      <p:nvGrpSpPr>
+        <p:cNvPr id="1" name=""/>
+        <p:cNvGrpSpPr/>
+        <p:nvPr/>
+      </p:nvGrpSpPr>
+      <p:grpSpPr>
+        <a:xfrm>
+          <a:off x="0" y="0"/>
+          <a:ext cx="0" cy="0"/>
+          <a:chOff x="0" y="0"/>
+          <a:chExt cx="0" cy="0"/>
+        </a:xfrm>
+      </p:grpSpPr>
+      <p:sp>
+        <p:nvSpPr>
+          <p:cNvPr id="2" name="Slide Image Placeholder 1"/>
+          <p:cNvSpPr>
+            <a:spLocks noGrp="1" noRot="1" noChangeAspect="1"/>
+          </p:cNvSpPr>
+          <p:nvPr>
+            <p:ph type="sldImg"/>
+          </p:nvPr>
+        </p:nvSpPr>
+        <p:spPr/>
+      </p:sp>
+      <p:sp>
+        <p:nvSpPr>
+          <p:cNvPr id="3" name="Notes Placeholder 2"/>
+          <p:cNvSpPr>
+            <a:spLocks noGrp="1"/>
+          </p:cNvSpPr>
+          <p:nvPr>
+            <p:ph type="body" idx="1"/>
+          </p:nvPr>
+        </p:nvSpPr>
+        <p:spPr/>
+        <p:txBody>
+          <a:bodyPr/>
+          <a:lstStyle/>
+          <a:p>
+            <a:r>
+              <a:rPr lang="en-US" dirty="0"/>
+              <a:t>Accuracy in figures is the number of true pos/neg divided by the total number of predictions</a:t>
+            </a:r>
+          </a:p>
+        </p:txBody>
+      </p:sp>
+      <p:sp>
+        <p:nvSpPr>
+          <p:cNvPr id="4" name="Slide Number Placeholder 3"/>
+          <p:cNvSpPr>
+            <a:spLocks noGrp="1"/>
+          </p:cNvSpPr>
+          <p:nvPr>
+            <p:ph type="sldNum" sz="quarter" idx="5"/>
+          </p:nvPr>
+        </p:nvSpPr>
+        <p:spPr/>
+        <p:txBody>
+          <a:bodyPr/>
+          <a:lstStyle/>
+          <a:p>
+            <a:fld id="{29A07F0B-DB57-4930-AA47-B2FCA5AF27F8}" type="slidenum">
+              <a:rPr lang="en-US" smtClean="0"/>
+              <a:t>15</a:t>
+            </a:fld>
+            <a:endParaRPr lang="en-US"/>
+          </a:p>
+        </p:txBody>
+      </p:sp>
+    </p:spTree>
+    <p:extLst>
+      <p:ext uri="{BB962C8B-B14F-4D97-AF65-F5344CB8AC3E}">
+        <p14:creationId xmlns:p14="http://schemas.microsoft.com/office/powerpoint/2010/main" val="2205955805"/>
+      </p:ext>
+    </p:extLst>
+  </p:cSld>
+  <p:clrMapOvr>
+    <a:masterClrMapping/>
+  </p:clrMapOvr>
+</p:notes>
+</file>
+
 <file path=ppt/slideLayouts/slideLayout1.xml><?xml version="1.0" encoding="utf-8"?>
 <p:sldLayout xmlns:a="http://schemas.openxmlformats.org/drawingml/2006/main" xmlns:r="http://schemas.openxmlformats.org/officeDocument/2006/relationships" xmlns:p="http://schemas.openxmlformats.org/presentationml/2006/main" type="title" preserve="1">
   <p:cSld name="Title Slide">
@@ -612,7 +854,7 @@
           <a:p>
             <a:fld id="{D7DDD580-B00F-47BE-833C-6484723950AD}" type="datetimeFigureOut">
               <a:rPr lang="en-US" smtClean="0"/>
-              <a:t>8/7/2020</a:t>
+              <a:t>8/13/2020</a:t>
             </a:fld>
             <a:endParaRPr lang="en-US"/>
           </a:p>
@@ -810,7 +1052,7 @@
           <a:p>
             <a:fld id="{D7DDD580-B00F-47BE-833C-6484723950AD}" type="datetimeFigureOut">
               <a:rPr lang="en-US" smtClean="0"/>
-              <a:t>8/7/2020</a:t>
+              <a:t>8/13/2020</a:t>
             </a:fld>
             <a:endParaRPr lang="en-US"/>
           </a:p>
@@ -1018,7 +1260,7 @@
           <a:p>
             <a:fld id="{D7DDD580-B00F-47BE-833C-6484723950AD}" type="datetimeFigureOut">
               <a:rPr lang="en-US" smtClean="0"/>
-              <a:t>8/7/2020</a:t>
+              <a:t>8/13/2020</a:t>
             </a:fld>
             <a:endParaRPr lang="en-US"/>
           </a:p>
@@ -1216,7 +1458,7 @@
           <a:p>
             <a:fld id="{D7DDD580-B00F-47BE-833C-6484723950AD}" type="datetimeFigureOut">
               <a:rPr lang="en-US" smtClean="0"/>
-              <a:t>8/7/2020</a:t>
+              <a:t>8/13/2020</a:t>
             </a:fld>
             <a:endParaRPr lang="en-US"/>
           </a:p>
@@ -1491,7 +1733,7 @@
           <a:p>
             <a:fld id="{D7DDD580-B00F-47BE-833C-6484723950AD}" type="datetimeFigureOut">
               <a:rPr lang="en-US" smtClean="0"/>
-              <a:t>8/7/2020</a:t>
+              <a:t>8/13/2020</a:t>
             </a:fld>
             <a:endParaRPr lang="en-US"/>
           </a:p>
@@ -1756,7 +1998,7 @@
           <a:p>
             <a:fld id="{D7DDD580-B00F-47BE-833C-6484723950AD}" type="datetimeFigureOut">
               <a:rPr lang="en-US" smtClean="0"/>
-              <a:t>8/7/2020</a:t>
+              <a:t>8/13/2020</a:t>
             </a:fld>
             <a:endParaRPr lang="en-US"/>
           </a:p>
@@ -2168,7 +2410,7 @@
           <a:p>
             <a:fld id="{D7DDD580-B00F-47BE-833C-6484723950AD}" type="datetimeFigureOut">
               <a:rPr lang="en-US" smtClean="0"/>
-              <a:t>8/7/2020</a:t>
+              <a:t>8/13/2020</a:t>
             </a:fld>
             <a:endParaRPr lang="en-US"/>
           </a:p>
@@ -2309,7 +2551,7 @@
           <a:p>
             <a:fld id="{D7DDD580-B00F-47BE-833C-6484723950AD}" type="datetimeFigureOut">
               <a:rPr lang="en-US" smtClean="0"/>
-              <a:t>8/7/2020</a:t>
+              <a:t>8/13/2020</a:t>
             </a:fld>
             <a:endParaRPr lang="en-US"/>
           </a:p>
@@ -2422,7 +2664,7 @@
           <a:p>
             <a:fld id="{D7DDD580-B00F-47BE-833C-6484723950AD}" type="datetimeFigureOut">
               <a:rPr lang="en-US" smtClean="0"/>
-              <a:t>8/7/2020</a:t>
+              <a:t>8/13/2020</a:t>
             </a:fld>
             <a:endParaRPr lang="en-US"/>
           </a:p>
@@ -2733,7 +2975,7 @@
           <a:p>
             <a:fld id="{D7DDD580-B00F-47BE-833C-6484723950AD}" type="datetimeFigureOut">
               <a:rPr lang="en-US" smtClean="0"/>
-              <a:t>8/7/2020</a:t>
+              <a:t>8/13/2020</a:t>
             </a:fld>
             <a:endParaRPr lang="en-US"/>
           </a:p>
@@ -3021,7 +3263,7 @@
           <a:p>
             <a:fld id="{D7DDD580-B00F-47BE-833C-6484723950AD}" type="datetimeFigureOut">
               <a:rPr lang="en-US" smtClean="0"/>
-              <a:t>8/7/2020</a:t>
+              <a:t>8/13/2020</a:t>
             </a:fld>
             <a:endParaRPr lang="en-US"/>
           </a:p>
@@ -3262,7 +3504,7 @@
           <a:p>
             <a:fld id="{D7DDD580-B00F-47BE-833C-6484723950AD}" type="datetimeFigureOut">
               <a:rPr lang="en-US" smtClean="0"/>
-              <a:t>8/7/2020</a:t>
+              <a:t>8/13/2020</a:t>
             </a:fld>
             <a:endParaRPr lang="en-US"/>
           </a:p>
@@ -3702,7 +3944,7 @@
           <a:p>
             <a:r>
               <a:rPr lang="en-US" dirty="0"/>
-              <a:t>Image Processing</a:t>
+              <a:t>Python Image Processing &amp; Machine Learning</a:t>
             </a:r>
           </a:p>
         </p:txBody>
@@ -3728,7 +3970,10 @@
           <a:bodyPr/>
           <a:lstStyle/>
           <a:p>
-            <a:endParaRPr lang="en-US"/>
+            <a:r>
+              <a:rPr lang="en-US" dirty="0"/>
+              <a:t>Summer 2020 Project</a:t>
+            </a:r>
           </a:p>
         </p:txBody>
       </p:sp>
@@ -3736,6 +3981,2105 @@
     <p:extLst>
       <p:ext uri="{BB962C8B-B14F-4D97-AF65-F5344CB8AC3E}">
         <p14:creationId xmlns:p14="http://schemas.microsoft.com/office/powerpoint/2010/main" val="3618256158"/>
+      </p:ext>
+    </p:extLst>
+  </p:cSld>
+  <p:clrMapOvr>
+    <a:masterClrMapping/>
+  </p:clrMapOvr>
+</p:sld>
+</file>
+
+<file path=ppt/slides/slide10.xml><?xml version="1.0" encoding="utf-8"?>
+<p:sld xmlns:a="http://schemas.openxmlformats.org/drawingml/2006/main" xmlns:r="http://schemas.openxmlformats.org/officeDocument/2006/relationships" xmlns:p="http://schemas.openxmlformats.org/presentationml/2006/main">
+  <p:cSld>
+    <p:spTree>
+      <p:nvGrpSpPr>
+        <p:cNvPr id="1" name=""/>
+        <p:cNvGrpSpPr/>
+        <p:nvPr/>
+      </p:nvGrpSpPr>
+      <p:grpSpPr>
+        <a:xfrm>
+          <a:off x="0" y="0"/>
+          <a:ext cx="0" cy="0"/>
+          <a:chOff x="0" y="0"/>
+          <a:chExt cx="0" cy="0"/>
+        </a:xfrm>
+      </p:grpSpPr>
+      <p:sp>
+        <p:nvSpPr>
+          <p:cNvPr id="2" name="Title 1">
+            <a:extLst>
+              <a:ext uri="{FF2B5EF4-FFF2-40B4-BE49-F238E27FC236}">
+                <a16:creationId xmlns:a16="http://schemas.microsoft.com/office/drawing/2014/main" id="{E2800B2C-C8DE-4327-A9EE-60C4B887E656}"/>
+              </a:ext>
+            </a:extLst>
+          </p:cNvPr>
+          <p:cNvSpPr>
+            <a:spLocks noGrp="1"/>
+          </p:cNvSpPr>
+          <p:nvPr>
+            <p:ph type="title"/>
+          </p:nvPr>
+        </p:nvSpPr>
+        <p:spPr/>
+        <p:txBody>
+          <a:bodyPr/>
+          <a:lstStyle/>
+          <a:p>
+            <a:r>
+              <a:rPr lang="en-US" dirty="0"/>
+              <a:t>PCA</a:t>
+            </a:r>
+          </a:p>
+        </p:txBody>
+      </p:sp>
+      <p:sp>
+        <p:nvSpPr>
+          <p:cNvPr id="3" name="Content Placeholder 2">
+            <a:extLst>
+              <a:ext uri="{FF2B5EF4-FFF2-40B4-BE49-F238E27FC236}">
+                <a16:creationId xmlns:a16="http://schemas.microsoft.com/office/drawing/2014/main" id="{19644FAA-B898-428B-B84B-6E9D53CDC130}"/>
+              </a:ext>
+            </a:extLst>
+          </p:cNvPr>
+          <p:cNvSpPr>
+            <a:spLocks noGrp="1"/>
+          </p:cNvSpPr>
+          <p:nvPr>
+            <p:ph idx="1"/>
+          </p:nvPr>
+        </p:nvSpPr>
+        <p:spPr>
+          <a:xfrm>
+            <a:off x="838200" y="1825625"/>
+            <a:ext cx="5435600" cy="4351338"/>
+          </a:xfrm>
+        </p:spPr>
+        <p:txBody>
+          <a:bodyPr>
+            <a:normAutofit lnSpcReduction="10000"/>
+          </a:bodyPr>
+          <a:lstStyle/>
+          <a:p>
+            <a:r>
+              <a:rPr lang="en-US" dirty="0"/>
+              <a:t>PCA projects your data onto a given number of orthogonal principal components (PCs), where PC1 describes the most variance in the data, PC2 describes the second most variance in the data, etc.</a:t>
+            </a:r>
+          </a:p>
+          <a:p>
+            <a:r>
+              <a:rPr lang="en-US" dirty="0"/>
+              <a:t>We computed eight PCs from the extracted features and correlated those to each of our five target features to determine which PCs</a:t>
+            </a:r>
+          </a:p>
+        </p:txBody>
+      </p:sp>
+    </p:spTree>
+    <p:extLst>
+      <p:ext uri="{BB962C8B-B14F-4D97-AF65-F5344CB8AC3E}">
+        <p14:creationId xmlns:p14="http://schemas.microsoft.com/office/powerpoint/2010/main" val="1837526537"/>
+      </p:ext>
+    </p:extLst>
+  </p:cSld>
+  <p:clrMapOvr>
+    <a:masterClrMapping/>
+  </p:clrMapOvr>
+</p:sld>
+</file>
+
+<file path=ppt/slides/slide11.xml><?xml version="1.0" encoding="utf-8"?>
+<p:sld xmlns:a="http://schemas.openxmlformats.org/drawingml/2006/main" xmlns:r="http://schemas.openxmlformats.org/officeDocument/2006/relationships" xmlns:p="http://schemas.openxmlformats.org/presentationml/2006/main">
+  <p:cSld>
+    <p:spTree>
+      <p:nvGrpSpPr>
+        <p:cNvPr id="1" name=""/>
+        <p:cNvGrpSpPr/>
+        <p:nvPr/>
+      </p:nvGrpSpPr>
+      <p:grpSpPr>
+        <a:xfrm>
+          <a:off x="0" y="0"/>
+          <a:ext cx="0" cy="0"/>
+          <a:chOff x="0" y="0"/>
+          <a:chExt cx="0" cy="0"/>
+        </a:xfrm>
+      </p:grpSpPr>
+      <p:sp>
+        <p:nvSpPr>
+          <p:cNvPr id="2" name="Title 1">
+            <a:extLst>
+              <a:ext uri="{FF2B5EF4-FFF2-40B4-BE49-F238E27FC236}">
+                <a16:creationId xmlns:a16="http://schemas.microsoft.com/office/drawing/2014/main" id="{E3C299BD-FE62-41BD-8302-5274A051EDFD}"/>
+              </a:ext>
+            </a:extLst>
+          </p:cNvPr>
+          <p:cNvSpPr>
+            <a:spLocks noGrp="1"/>
+          </p:cNvSpPr>
+          <p:nvPr>
+            <p:ph type="title"/>
+          </p:nvPr>
+        </p:nvSpPr>
+        <p:spPr/>
+        <p:txBody>
+          <a:bodyPr/>
+          <a:lstStyle/>
+          <a:p>
+            <a:r>
+              <a:rPr lang="en-US" dirty="0"/>
+              <a:t>Workflow</a:t>
+            </a:r>
+          </a:p>
+        </p:txBody>
+      </p:sp>
+      <p:pic>
+        <p:nvPicPr>
+          <p:cNvPr id="7" name="Picture 6" descr="A close up of a device&#10;&#10;Description automatically generated">
+            <a:extLst>
+              <a:ext uri="{FF2B5EF4-FFF2-40B4-BE49-F238E27FC236}">
+                <a16:creationId xmlns:a16="http://schemas.microsoft.com/office/drawing/2014/main" id="{19DF049C-80BD-4908-9DF6-DAE093A8E5C9}"/>
+              </a:ext>
+            </a:extLst>
+          </p:cNvPr>
+          <p:cNvPicPr>
+            <a:picLocks noChangeAspect="1"/>
+          </p:cNvPicPr>
+          <p:nvPr/>
+        </p:nvPicPr>
+        <p:blipFill>
+          <a:blip r:embed="rId2">
+            <a:extLst>
+              <a:ext uri="{28A0092B-C50C-407E-A947-70E740481C1C}">
+                <a14:useLocalDpi xmlns:a14="http://schemas.microsoft.com/office/drawing/2010/main" val="0"/>
+              </a:ext>
+            </a:extLst>
+          </a:blip>
+          <a:stretch>
+            <a:fillRect/>
+          </a:stretch>
+        </p:blipFill>
+        <p:spPr>
+          <a:xfrm>
+            <a:off x="48751" y="2459389"/>
+            <a:ext cx="3138070" cy="711625"/>
+          </a:xfrm>
+          <a:prstGeom prst="rect">
+            <a:avLst/>
+          </a:prstGeom>
+        </p:spPr>
+      </p:pic>
+      <p:sp>
+        <p:nvSpPr>
+          <p:cNvPr id="8" name="TextBox 7">
+            <a:extLst>
+              <a:ext uri="{FF2B5EF4-FFF2-40B4-BE49-F238E27FC236}">
+                <a16:creationId xmlns:a16="http://schemas.microsoft.com/office/drawing/2014/main" id="{A17AD4BD-6603-42CE-ABD4-E3E90ADF6F58}"/>
+              </a:ext>
+            </a:extLst>
+          </p:cNvPr>
+          <p:cNvSpPr txBox="1"/>
+          <p:nvPr/>
+        </p:nvSpPr>
+        <p:spPr>
+          <a:xfrm>
+            <a:off x="920511" y="2090057"/>
+            <a:ext cx="1394549" cy="369332"/>
+          </a:xfrm>
+          <a:prstGeom prst="rect">
+            <a:avLst/>
+          </a:prstGeom>
+          <a:noFill/>
+        </p:spPr>
+        <p:txBody>
+          <a:bodyPr wrap="none" rtlCol="0">
+            <a:spAutoFit/>
+          </a:bodyPr>
+          <a:lstStyle/>
+          <a:p>
+            <a:r>
+              <a:rPr lang="en-US" dirty="0"/>
+              <a:t>Worm Image</a:t>
+            </a:r>
+          </a:p>
+        </p:txBody>
+      </p:sp>
+      <p:sp>
+        <p:nvSpPr>
+          <p:cNvPr id="9" name="Arrow: Right 8">
+            <a:extLst>
+              <a:ext uri="{FF2B5EF4-FFF2-40B4-BE49-F238E27FC236}">
+                <a16:creationId xmlns:a16="http://schemas.microsoft.com/office/drawing/2014/main" id="{9AF7AF5C-B9AD-438F-8DA2-D1535BC43287}"/>
+              </a:ext>
+            </a:extLst>
+          </p:cNvPr>
+          <p:cNvSpPr/>
+          <p:nvPr/>
+        </p:nvSpPr>
+        <p:spPr>
+          <a:xfrm>
+            <a:off x="3321417" y="2572885"/>
+            <a:ext cx="2035773" cy="484632"/>
+          </a:xfrm>
+          <a:prstGeom prst="rightArrow">
+            <a:avLst/>
+          </a:prstGeom>
+        </p:spPr>
+        <p:style>
+          <a:lnRef idx="2">
+            <a:schemeClr val="accent1">
+              <a:shade val="50000"/>
+            </a:schemeClr>
+          </a:lnRef>
+          <a:fillRef idx="1">
+            <a:schemeClr val="accent1"/>
+          </a:fillRef>
+          <a:effectRef idx="0">
+            <a:schemeClr val="accent1"/>
+          </a:effectRef>
+          <a:fontRef idx="minor">
+            <a:schemeClr val="lt1"/>
+          </a:fontRef>
+        </p:style>
+        <p:txBody>
+          <a:bodyPr rtlCol="0" anchor="ctr"/>
+          <a:lstStyle/>
+          <a:p>
+            <a:pPr algn="ctr"/>
+            <a:r>
+              <a:rPr lang="en-US" dirty="0"/>
+              <a:t>Feature Extraction</a:t>
+            </a:r>
+          </a:p>
+        </p:txBody>
+      </p:sp>
+      <p:pic>
+        <p:nvPicPr>
+          <p:cNvPr id="10" name="Picture 9">
+            <a:extLst>
+              <a:ext uri="{FF2B5EF4-FFF2-40B4-BE49-F238E27FC236}">
+                <a16:creationId xmlns:a16="http://schemas.microsoft.com/office/drawing/2014/main" id="{2A7E915C-C46C-4C57-A4E6-37FD78E5607C}"/>
+              </a:ext>
+            </a:extLst>
+          </p:cNvPr>
+          <p:cNvPicPr>
+            <a:picLocks noChangeAspect="1"/>
+          </p:cNvPicPr>
+          <p:nvPr/>
+        </p:nvPicPr>
+        <p:blipFill rotWithShape="1">
+          <a:blip r:embed="rId3"/>
+          <a:srcRect l="1896" t="30343" r="50811" b="49062"/>
+          <a:stretch/>
+        </p:blipFill>
+        <p:spPr>
+          <a:xfrm>
+            <a:off x="5491786" y="2459389"/>
+            <a:ext cx="6087864" cy="1325563"/>
+          </a:xfrm>
+          <a:prstGeom prst="rect">
+            <a:avLst/>
+          </a:prstGeom>
+        </p:spPr>
+      </p:pic>
+      <p:sp>
+        <p:nvSpPr>
+          <p:cNvPr id="11" name="Arrow: Down 10">
+            <a:extLst>
+              <a:ext uri="{FF2B5EF4-FFF2-40B4-BE49-F238E27FC236}">
+                <a16:creationId xmlns:a16="http://schemas.microsoft.com/office/drawing/2014/main" id="{C9867F5C-A768-41F3-9A15-8CC49C5AB434}"/>
+              </a:ext>
+            </a:extLst>
+          </p:cNvPr>
+          <p:cNvSpPr/>
+          <p:nvPr/>
+        </p:nvSpPr>
+        <p:spPr>
+          <a:xfrm>
+            <a:off x="7587132" y="949160"/>
+            <a:ext cx="1897172" cy="1325563"/>
+          </a:xfrm>
+          <a:prstGeom prst="downArrow">
+            <a:avLst/>
+          </a:prstGeom>
+        </p:spPr>
+        <p:style>
+          <a:lnRef idx="2">
+            <a:schemeClr val="accent1">
+              <a:shade val="50000"/>
+            </a:schemeClr>
+          </a:lnRef>
+          <a:fillRef idx="1">
+            <a:schemeClr val="accent1"/>
+          </a:fillRef>
+          <a:effectRef idx="0">
+            <a:schemeClr val="accent1"/>
+          </a:effectRef>
+          <a:fontRef idx="minor">
+            <a:schemeClr val="lt1"/>
+          </a:fontRef>
+        </p:style>
+        <p:txBody>
+          <a:bodyPr rtlCol="0" anchor="ctr"/>
+          <a:lstStyle/>
+          <a:p>
+            <a:pPr algn="ctr"/>
+            <a:r>
+              <a:rPr lang="en-US" dirty="0"/>
+              <a:t>Ground Truth</a:t>
+            </a:r>
+          </a:p>
+        </p:txBody>
+      </p:sp>
+      <p:sp>
+        <p:nvSpPr>
+          <p:cNvPr id="12" name="Arrow: Down 11">
+            <a:extLst>
+              <a:ext uri="{FF2B5EF4-FFF2-40B4-BE49-F238E27FC236}">
+                <a16:creationId xmlns:a16="http://schemas.microsoft.com/office/drawing/2014/main" id="{72F22777-0C2F-4BDA-B995-F8AB5A87A3D8}"/>
+              </a:ext>
+            </a:extLst>
+          </p:cNvPr>
+          <p:cNvSpPr/>
+          <p:nvPr/>
+        </p:nvSpPr>
+        <p:spPr>
+          <a:xfrm>
+            <a:off x="5678025" y="3813432"/>
+            <a:ext cx="2521757" cy="1325563"/>
+          </a:xfrm>
+          <a:prstGeom prst="downArrow">
+            <a:avLst/>
+          </a:prstGeom>
+        </p:spPr>
+        <p:style>
+          <a:lnRef idx="2">
+            <a:schemeClr val="accent1">
+              <a:shade val="50000"/>
+            </a:schemeClr>
+          </a:lnRef>
+          <a:fillRef idx="1">
+            <a:schemeClr val="accent1"/>
+          </a:fillRef>
+          <a:effectRef idx="0">
+            <a:schemeClr val="accent1"/>
+          </a:effectRef>
+          <a:fontRef idx="minor">
+            <a:schemeClr val="lt1"/>
+          </a:fontRef>
+        </p:style>
+        <p:txBody>
+          <a:bodyPr rtlCol="0" anchor="ctr"/>
+          <a:lstStyle/>
+          <a:p>
+            <a:pPr algn="ctr"/>
+            <a:r>
+              <a:rPr lang="en-US" dirty="0"/>
+              <a:t>Feature Exploration</a:t>
+            </a:r>
+          </a:p>
+        </p:txBody>
+      </p:sp>
+      <p:sp>
+        <p:nvSpPr>
+          <p:cNvPr id="13" name="Arrow: Down 12">
+            <a:extLst>
+              <a:ext uri="{FF2B5EF4-FFF2-40B4-BE49-F238E27FC236}">
+                <a16:creationId xmlns:a16="http://schemas.microsoft.com/office/drawing/2014/main" id="{B55820A6-15B4-41C1-B0DC-33ABD9673EA9}"/>
+              </a:ext>
+            </a:extLst>
+          </p:cNvPr>
+          <p:cNvSpPr/>
+          <p:nvPr/>
+        </p:nvSpPr>
+        <p:spPr>
+          <a:xfrm>
+            <a:off x="9144261" y="3813432"/>
+            <a:ext cx="2096895" cy="1325563"/>
+          </a:xfrm>
+          <a:prstGeom prst="downArrow">
+            <a:avLst/>
+          </a:prstGeom>
+        </p:spPr>
+        <p:style>
+          <a:lnRef idx="2">
+            <a:schemeClr val="accent1">
+              <a:shade val="50000"/>
+            </a:schemeClr>
+          </a:lnRef>
+          <a:fillRef idx="1">
+            <a:schemeClr val="accent1"/>
+          </a:fillRef>
+          <a:effectRef idx="0">
+            <a:schemeClr val="accent1"/>
+          </a:effectRef>
+          <a:fontRef idx="minor">
+            <a:schemeClr val="lt1"/>
+          </a:fontRef>
+        </p:style>
+        <p:txBody>
+          <a:bodyPr rtlCol="0" anchor="ctr"/>
+          <a:lstStyle/>
+          <a:p>
+            <a:pPr algn="ctr"/>
+            <a:r>
+              <a:rPr lang="en-US" dirty="0"/>
+              <a:t>Feature Selection</a:t>
+            </a:r>
+          </a:p>
+        </p:txBody>
+      </p:sp>
+      <p:sp>
+        <p:nvSpPr>
+          <p:cNvPr id="14" name="TextBox 13">
+            <a:extLst>
+              <a:ext uri="{FF2B5EF4-FFF2-40B4-BE49-F238E27FC236}">
+                <a16:creationId xmlns:a16="http://schemas.microsoft.com/office/drawing/2014/main" id="{0E3BCD4E-B12E-4E03-AA68-BE2EA74C581F}"/>
+              </a:ext>
+            </a:extLst>
+          </p:cNvPr>
+          <p:cNvSpPr txBox="1"/>
+          <p:nvPr/>
+        </p:nvSpPr>
+        <p:spPr>
+          <a:xfrm>
+            <a:off x="5897367" y="5167475"/>
+            <a:ext cx="2083071" cy="369332"/>
+          </a:xfrm>
+          <a:prstGeom prst="rect">
+            <a:avLst/>
+          </a:prstGeom>
+          <a:noFill/>
+        </p:spPr>
+        <p:txBody>
+          <a:bodyPr wrap="none" rtlCol="0">
+            <a:spAutoFit/>
+          </a:bodyPr>
+          <a:lstStyle/>
+          <a:p>
+            <a:r>
+              <a:rPr lang="en-US" dirty="0"/>
+              <a:t>PCA and Heat Maps</a:t>
+            </a:r>
+          </a:p>
+        </p:txBody>
+      </p:sp>
+      <p:sp>
+        <p:nvSpPr>
+          <p:cNvPr id="15" name="TextBox 14">
+            <a:extLst>
+              <a:ext uri="{FF2B5EF4-FFF2-40B4-BE49-F238E27FC236}">
+                <a16:creationId xmlns:a16="http://schemas.microsoft.com/office/drawing/2014/main" id="{ADAB01F8-ECC7-4A00-AA00-01FF1378B613}"/>
+              </a:ext>
+            </a:extLst>
+          </p:cNvPr>
+          <p:cNvSpPr txBox="1"/>
+          <p:nvPr/>
+        </p:nvSpPr>
+        <p:spPr>
+          <a:xfrm>
+            <a:off x="8388756" y="5167475"/>
+            <a:ext cx="3607904" cy="369332"/>
+          </a:xfrm>
+          <a:prstGeom prst="rect">
+            <a:avLst/>
+          </a:prstGeom>
+          <a:noFill/>
+        </p:spPr>
+        <p:txBody>
+          <a:bodyPr wrap="square" rtlCol="0">
+            <a:spAutoFit/>
+          </a:bodyPr>
+          <a:lstStyle/>
+          <a:p>
+            <a:pPr algn="ctr"/>
+            <a:r>
+              <a:rPr lang="en-US" dirty="0"/>
+              <a:t>LDA, Stepwise Logistic Regression</a:t>
+            </a:r>
+          </a:p>
+        </p:txBody>
+      </p:sp>
+      <p:sp>
+        <p:nvSpPr>
+          <p:cNvPr id="3" name="TextBox 2">
+            <a:extLst>
+              <a:ext uri="{FF2B5EF4-FFF2-40B4-BE49-F238E27FC236}">
+                <a16:creationId xmlns:a16="http://schemas.microsoft.com/office/drawing/2014/main" id="{ABCED66C-9FCA-4022-9596-37D3F94D5B50}"/>
+              </a:ext>
+            </a:extLst>
+          </p:cNvPr>
+          <p:cNvSpPr txBox="1"/>
+          <p:nvPr/>
+        </p:nvSpPr>
+        <p:spPr>
+          <a:xfrm>
+            <a:off x="596901" y="3813432"/>
+            <a:ext cx="4318000" cy="1477328"/>
+          </a:xfrm>
+          <a:prstGeom prst="rect">
+            <a:avLst/>
+          </a:prstGeom>
+          <a:noFill/>
+        </p:spPr>
+        <p:txBody>
+          <a:bodyPr wrap="square" rtlCol="0">
+            <a:spAutoFit/>
+          </a:bodyPr>
+          <a:lstStyle/>
+          <a:p>
+            <a:r>
+              <a:rPr lang="en-US" b="1" dirty="0"/>
+              <a:t>Goal:</a:t>
+            </a:r>
+            <a:r>
+              <a:rPr lang="en-US" dirty="0"/>
+              <a:t> Train a model/classifier to use features extracted from each image in order to predict five target features – single loaded, whole animal, straight, headfirst, and clear.</a:t>
+            </a:r>
+            <a:endParaRPr lang="en-US" b="1" dirty="0"/>
+          </a:p>
+        </p:txBody>
+      </p:sp>
+      <p:sp>
+        <p:nvSpPr>
+          <p:cNvPr id="4" name="Oval 3">
+            <a:extLst>
+              <a:ext uri="{FF2B5EF4-FFF2-40B4-BE49-F238E27FC236}">
+                <a16:creationId xmlns:a16="http://schemas.microsoft.com/office/drawing/2014/main" id="{192595D4-87E6-4045-8E7B-6596A12656D5}"/>
+              </a:ext>
+            </a:extLst>
+          </p:cNvPr>
+          <p:cNvSpPr/>
+          <p:nvPr/>
+        </p:nvSpPr>
+        <p:spPr>
+          <a:xfrm>
+            <a:off x="8736204" y="3800475"/>
+            <a:ext cx="2913007" cy="2640274"/>
+          </a:xfrm>
+          <a:prstGeom prst="ellipse">
+            <a:avLst/>
+          </a:prstGeom>
+          <a:noFill/>
+          <a:ln>
+            <a:solidFill>
+              <a:srgbClr val="C00000"/>
+            </a:solidFill>
+          </a:ln>
+        </p:spPr>
+        <p:style>
+          <a:lnRef idx="2">
+            <a:schemeClr val="accent1">
+              <a:shade val="50000"/>
+            </a:schemeClr>
+          </a:lnRef>
+          <a:fillRef idx="1">
+            <a:schemeClr val="accent1"/>
+          </a:fillRef>
+          <a:effectRef idx="0">
+            <a:schemeClr val="accent1"/>
+          </a:effectRef>
+          <a:fontRef idx="minor">
+            <a:schemeClr val="lt1"/>
+          </a:fontRef>
+        </p:style>
+        <p:txBody>
+          <a:bodyPr rtlCol="0" anchor="ctr"/>
+          <a:lstStyle/>
+          <a:p>
+            <a:pPr algn="ctr"/>
+            <a:endParaRPr lang="en-US"/>
+          </a:p>
+        </p:txBody>
+      </p:sp>
+    </p:spTree>
+    <p:extLst>
+      <p:ext uri="{BB962C8B-B14F-4D97-AF65-F5344CB8AC3E}">
+        <p14:creationId xmlns:p14="http://schemas.microsoft.com/office/powerpoint/2010/main" val="4126154710"/>
+      </p:ext>
+    </p:extLst>
+  </p:cSld>
+  <p:clrMapOvr>
+    <a:masterClrMapping/>
+  </p:clrMapOvr>
+  <p:timing>
+    <p:tnLst>
+      <p:par>
+        <p:cTn id="1" dur="indefinite" restart="never" nodeType="tmRoot">
+          <p:childTnLst>
+            <p:seq concurrent="1" nextAc="seek">
+              <p:cTn id="2" dur="indefinite" nodeType="mainSeq">
+                <p:childTnLst>
+                  <p:par>
+                    <p:cTn id="3" fill="hold">
+                      <p:stCondLst>
+                        <p:cond delay="indefinite"/>
+                      </p:stCondLst>
+                      <p:childTnLst>
+                        <p:par>
+                          <p:cTn id="4" fill="hold">
+                            <p:stCondLst>
+                              <p:cond delay="0"/>
+                            </p:stCondLst>
+                            <p:childTnLst>
+                              <p:par>
+                                <p:cTn id="5" presetID="1" presetClass="entr" presetSubtype="0" fill="hold" grpId="0" nodeType="clickEffect">
+                                  <p:stCondLst>
+                                    <p:cond delay="0"/>
+                                  </p:stCondLst>
+                                  <p:childTnLst>
+                                    <p:set>
+                                      <p:cBhvr>
+                                        <p:cTn id="6" dur="1" fill="hold">
+                                          <p:stCondLst>
+                                            <p:cond delay="0"/>
+                                          </p:stCondLst>
+                                        </p:cTn>
+                                        <p:tgtEl>
+                                          <p:spTgt spid="4"/>
+                                        </p:tgtEl>
+                                        <p:attrNameLst>
+                                          <p:attrName>style.visibility</p:attrName>
+                                        </p:attrNameLst>
+                                      </p:cBhvr>
+                                      <p:to>
+                                        <p:strVal val="visible"/>
+                                      </p:to>
+                                    </p:set>
+                                  </p:childTnLst>
+                                </p:cTn>
+                              </p:par>
+                            </p:childTnLst>
+                          </p:cTn>
+                        </p:par>
+                      </p:childTnLst>
+                    </p:cTn>
+                  </p:par>
+                </p:childTnLst>
+              </p:cTn>
+              <p:prevCondLst>
+                <p:cond evt="onPrev" delay="0">
+                  <p:tgtEl>
+                    <p:sldTgt/>
+                  </p:tgtEl>
+                </p:cond>
+              </p:prevCondLst>
+              <p:nextCondLst>
+                <p:cond evt="onNext" delay="0">
+                  <p:tgtEl>
+                    <p:sldTgt/>
+                  </p:tgtEl>
+                </p:cond>
+              </p:nextCondLst>
+            </p:seq>
+          </p:childTnLst>
+        </p:cTn>
+      </p:par>
+    </p:tnLst>
+    <p:bldLst>
+      <p:bldP spid="4" grpId="0" animBg="1"/>
+    </p:bldLst>
+  </p:timing>
+</p:sld>
+</file>
+
+<file path=ppt/slides/slide12.xml><?xml version="1.0" encoding="utf-8"?>
+<p:sld xmlns:a="http://schemas.openxmlformats.org/drawingml/2006/main" xmlns:r="http://schemas.openxmlformats.org/officeDocument/2006/relationships" xmlns:p="http://schemas.openxmlformats.org/presentationml/2006/main">
+  <p:cSld>
+    <p:spTree>
+      <p:nvGrpSpPr>
+        <p:cNvPr id="1" name=""/>
+        <p:cNvGrpSpPr/>
+        <p:nvPr/>
+      </p:nvGrpSpPr>
+      <p:grpSpPr>
+        <a:xfrm>
+          <a:off x="0" y="0"/>
+          <a:ext cx="0" cy="0"/>
+          <a:chOff x="0" y="0"/>
+          <a:chExt cx="0" cy="0"/>
+        </a:xfrm>
+      </p:grpSpPr>
+      <p:sp>
+        <p:nvSpPr>
+          <p:cNvPr id="2" name="Title 1">
+            <a:extLst>
+              <a:ext uri="{FF2B5EF4-FFF2-40B4-BE49-F238E27FC236}">
+                <a16:creationId xmlns:a16="http://schemas.microsoft.com/office/drawing/2014/main" id="{762D3F3A-E14F-45F6-B7C8-01563374B3C1}"/>
+              </a:ext>
+            </a:extLst>
+          </p:cNvPr>
+          <p:cNvSpPr>
+            <a:spLocks noGrp="1"/>
+          </p:cNvSpPr>
+          <p:nvPr>
+            <p:ph type="title"/>
+          </p:nvPr>
+        </p:nvSpPr>
+        <p:spPr/>
+        <p:txBody>
+          <a:bodyPr/>
+          <a:lstStyle/>
+          <a:p>
+            <a:r>
+              <a:rPr lang="en-US" dirty="0"/>
+              <a:t>Test-train-split</a:t>
+            </a:r>
+          </a:p>
+        </p:txBody>
+      </p:sp>
+      <p:sp>
+        <p:nvSpPr>
+          <p:cNvPr id="3" name="Content Placeholder 2">
+            <a:extLst>
+              <a:ext uri="{FF2B5EF4-FFF2-40B4-BE49-F238E27FC236}">
+                <a16:creationId xmlns:a16="http://schemas.microsoft.com/office/drawing/2014/main" id="{31851155-DADC-4C81-B1A9-D884C21C6952}"/>
+              </a:ext>
+            </a:extLst>
+          </p:cNvPr>
+          <p:cNvSpPr>
+            <a:spLocks noGrp="1"/>
+          </p:cNvSpPr>
+          <p:nvPr>
+            <p:ph idx="1"/>
+          </p:nvPr>
+        </p:nvSpPr>
+        <p:spPr/>
+        <p:txBody>
+          <a:bodyPr/>
+          <a:lstStyle/>
+          <a:p>
+            <a:r>
+              <a:rPr lang="en-US" dirty="0"/>
+              <a:t>Before doing training any classifiers, use </a:t>
+            </a:r>
+            <a:r>
+              <a:rPr lang="en-US" dirty="0" err="1"/>
+              <a:t>sklearn’s</a:t>
+            </a:r>
+            <a:r>
+              <a:rPr lang="en-US" dirty="0"/>
+              <a:t> test-train-split function, which splits your data into testing and training sets (can set desired size of these data).</a:t>
+            </a:r>
+          </a:p>
+        </p:txBody>
+      </p:sp>
+      <p:pic>
+        <p:nvPicPr>
+          <p:cNvPr id="5" name="Picture 4">
+            <a:extLst>
+              <a:ext uri="{FF2B5EF4-FFF2-40B4-BE49-F238E27FC236}">
+                <a16:creationId xmlns:a16="http://schemas.microsoft.com/office/drawing/2014/main" id="{AE6C995F-9CC9-4286-8D3A-F269F8AA7D72}"/>
+              </a:ext>
+            </a:extLst>
+          </p:cNvPr>
+          <p:cNvPicPr>
+            <a:picLocks noChangeAspect="1"/>
+          </p:cNvPicPr>
+          <p:nvPr/>
+        </p:nvPicPr>
+        <p:blipFill rotWithShape="1">
+          <a:blip r:embed="rId2"/>
+          <a:srcRect l="1896" t="30343" r="50811" b="49062"/>
+          <a:stretch/>
+        </p:blipFill>
+        <p:spPr>
+          <a:xfrm>
+            <a:off x="1662353" y="3429000"/>
+            <a:ext cx="8867293" cy="1930752"/>
+          </a:xfrm>
+          <a:prstGeom prst="rect">
+            <a:avLst/>
+          </a:prstGeom>
+        </p:spPr>
+      </p:pic>
+      <p:sp>
+        <p:nvSpPr>
+          <p:cNvPr id="6" name="Rectangle 5">
+            <a:extLst>
+              <a:ext uri="{FF2B5EF4-FFF2-40B4-BE49-F238E27FC236}">
+                <a16:creationId xmlns:a16="http://schemas.microsoft.com/office/drawing/2014/main" id="{26FBD6D6-C528-4428-81E7-8139A6C1FFF8}"/>
+              </a:ext>
+            </a:extLst>
+          </p:cNvPr>
+          <p:cNvSpPr/>
+          <p:nvPr/>
+        </p:nvSpPr>
+        <p:spPr>
+          <a:xfrm>
+            <a:off x="1662353" y="3619500"/>
+            <a:ext cx="8867293" cy="1270000"/>
+          </a:xfrm>
+          <a:prstGeom prst="rect">
+            <a:avLst/>
+          </a:prstGeom>
+          <a:noFill/>
+          <a:ln w="28575">
+            <a:solidFill>
+              <a:srgbClr val="C00000"/>
+            </a:solidFill>
+          </a:ln>
+        </p:spPr>
+        <p:style>
+          <a:lnRef idx="2">
+            <a:schemeClr val="accent1">
+              <a:shade val="50000"/>
+            </a:schemeClr>
+          </a:lnRef>
+          <a:fillRef idx="1">
+            <a:schemeClr val="accent1"/>
+          </a:fillRef>
+          <a:effectRef idx="0">
+            <a:schemeClr val="accent1"/>
+          </a:effectRef>
+          <a:fontRef idx="minor">
+            <a:schemeClr val="lt1"/>
+          </a:fontRef>
+        </p:style>
+        <p:txBody>
+          <a:bodyPr rtlCol="0" anchor="ctr"/>
+          <a:lstStyle/>
+          <a:p>
+            <a:pPr algn="ctr"/>
+            <a:endParaRPr lang="en-US"/>
+          </a:p>
+        </p:txBody>
+      </p:sp>
+      <p:sp>
+        <p:nvSpPr>
+          <p:cNvPr id="8" name="Rectangle 7">
+            <a:extLst>
+              <a:ext uri="{FF2B5EF4-FFF2-40B4-BE49-F238E27FC236}">
+                <a16:creationId xmlns:a16="http://schemas.microsoft.com/office/drawing/2014/main" id="{8C9B3E87-601C-4F50-9DF7-F398E2D2F998}"/>
+              </a:ext>
+            </a:extLst>
+          </p:cNvPr>
+          <p:cNvSpPr/>
+          <p:nvPr/>
+        </p:nvSpPr>
+        <p:spPr>
+          <a:xfrm>
+            <a:off x="1662353" y="4914900"/>
+            <a:ext cx="8867293" cy="444852"/>
+          </a:xfrm>
+          <a:prstGeom prst="rect">
+            <a:avLst/>
+          </a:prstGeom>
+          <a:noFill/>
+          <a:ln w="28575">
+            <a:solidFill>
+              <a:schemeClr val="accent1"/>
+            </a:solidFill>
+          </a:ln>
+        </p:spPr>
+        <p:style>
+          <a:lnRef idx="2">
+            <a:schemeClr val="accent1">
+              <a:shade val="50000"/>
+            </a:schemeClr>
+          </a:lnRef>
+          <a:fillRef idx="1">
+            <a:schemeClr val="accent1"/>
+          </a:fillRef>
+          <a:effectRef idx="0">
+            <a:schemeClr val="accent1"/>
+          </a:effectRef>
+          <a:fontRef idx="minor">
+            <a:schemeClr val="lt1"/>
+          </a:fontRef>
+        </p:style>
+        <p:txBody>
+          <a:bodyPr rtlCol="0" anchor="ctr"/>
+          <a:lstStyle/>
+          <a:p>
+            <a:pPr algn="ctr"/>
+            <a:endParaRPr lang="en-US"/>
+          </a:p>
+        </p:txBody>
+      </p:sp>
+      <p:sp>
+        <p:nvSpPr>
+          <p:cNvPr id="9" name="TextBox 8">
+            <a:extLst>
+              <a:ext uri="{FF2B5EF4-FFF2-40B4-BE49-F238E27FC236}">
+                <a16:creationId xmlns:a16="http://schemas.microsoft.com/office/drawing/2014/main" id="{733E175C-52E5-442A-8D5E-5C67A04E9233}"/>
+              </a:ext>
+            </a:extLst>
+          </p:cNvPr>
+          <p:cNvSpPr txBox="1"/>
+          <p:nvPr/>
+        </p:nvSpPr>
+        <p:spPr>
+          <a:xfrm>
+            <a:off x="915918" y="4083223"/>
+            <a:ext cx="643318" cy="1200329"/>
+          </a:xfrm>
+          <a:prstGeom prst="rect">
+            <a:avLst/>
+          </a:prstGeom>
+          <a:noFill/>
+        </p:spPr>
+        <p:txBody>
+          <a:bodyPr wrap="none" rtlCol="0">
+            <a:spAutoFit/>
+          </a:bodyPr>
+          <a:lstStyle/>
+          <a:p>
+            <a:r>
+              <a:rPr lang="en-US" dirty="0"/>
+              <a:t>Train</a:t>
+            </a:r>
+          </a:p>
+          <a:p>
+            <a:endParaRPr lang="en-US" dirty="0"/>
+          </a:p>
+          <a:p>
+            <a:endParaRPr lang="en-US" dirty="0"/>
+          </a:p>
+          <a:p>
+            <a:r>
+              <a:rPr lang="en-US" dirty="0"/>
+              <a:t>Test</a:t>
+            </a:r>
+          </a:p>
+        </p:txBody>
+      </p:sp>
+    </p:spTree>
+    <p:extLst>
+      <p:ext uri="{BB962C8B-B14F-4D97-AF65-F5344CB8AC3E}">
+        <p14:creationId xmlns:p14="http://schemas.microsoft.com/office/powerpoint/2010/main" val="211676232"/>
+      </p:ext>
+    </p:extLst>
+  </p:cSld>
+  <p:clrMapOvr>
+    <a:masterClrMapping/>
+  </p:clrMapOvr>
+  <p:timing>
+    <p:tnLst>
+      <p:par>
+        <p:cTn id="1" dur="indefinite" restart="never" nodeType="tmRoot">
+          <p:childTnLst>
+            <p:seq concurrent="1" nextAc="seek">
+              <p:cTn id="2" dur="indefinite" nodeType="mainSeq">
+                <p:childTnLst>
+                  <p:par>
+                    <p:cTn id="3" fill="hold">
+                      <p:stCondLst>
+                        <p:cond delay="indefinite"/>
+                      </p:stCondLst>
+                      <p:childTnLst>
+                        <p:par>
+                          <p:cTn id="4" fill="hold">
+                            <p:stCondLst>
+                              <p:cond delay="0"/>
+                            </p:stCondLst>
+                            <p:childTnLst>
+                              <p:par>
+                                <p:cTn id="5" presetID="1" presetClass="entr" presetSubtype="0" fill="hold" grpId="0" nodeType="clickEffect">
+                                  <p:stCondLst>
+                                    <p:cond delay="0"/>
+                                  </p:stCondLst>
+                                  <p:childTnLst>
+                                    <p:set>
+                                      <p:cBhvr>
+                                        <p:cTn id="6" dur="1" fill="hold">
+                                          <p:stCondLst>
+                                            <p:cond delay="0"/>
+                                          </p:stCondLst>
+                                        </p:cTn>
+                                        <p:tgtEl>
+                                          <p:spTgt spid="6"/>
+                                        </p:tgtEl>
+                                        <p:attrNameLst>
+                                          <p:attrName>style.visibility</p:attrName>
+                                        </p:attrNameLst>
+                                      </p:cBhvr>
+                                      <p:to>
+                                        <p:strVal val="visible"/>
+                                      </p:to>
+                                    </p:set>
+                                  </p:childTnLst>
+                                </p:cTn>
+                              </p:par>
+                              <p:par>
+                                <p:cTn id="7" presetID="1" presetClass="entr" presetSubtype="0" fill="hold" grpId="0" nodeType="withEffect">
+                                  <p:stCondLst>
+                                    <p:cond delay="0"/>
+                                  </p:stCondLst>
+                                  <p:childTnLst>
+                                    <p:set>
+                                      <p:cBhvr>
+                                        <p:cTn id="8" dur="1" fill="hold">
+                                          <p:stCondLst>
+                                            <p:cond delay="0"/>
+                                          </p:stCondLst>
+                                        </p:cTn>
+                                        <p:tgtEl>
+                                          <p:spTgt spid="8"/>
+                                        </p:tgtEl>
+                                        <p:attrNameLst>
+                                          <p:attrName>style.visibility</p:attrName>
+                                        </p:attrNameLst>
+                                      </p:cBhvr>
+                                      <p:to>
+                                        <p:strVal val="visible"/>
+                                      </p:to>
+                                    </p:set>
+                                  </p:childTnLst>
+                                </p:cTn>
+                              </p:par>
+                              <p:par>
+                                <p:cTn id="9" presetID="1" presetClass="entr" presetSubtype="0" fill="hold" grpId="0" nodeType="withEffect">
+                                  <p:stCondLst>
+                                    <p:cond delay="0"/>
+                                  </p:stCondLst>
+                                  <p:childTnLst>
+                                    <p:set>
+                                      <p:cBhvr>
+                                        <p:cTn id="10" dur="1" fill="hold">
+                                          <p:stCondLst>
+                                            <p:cond delay="0"/>
+                                          </p:stCondLst>
+                                        </p:cTn>
+                                        <p:tgtEl>
+                                          <p:spTgt spid="9"/>
+                                        </p:tgtEl>
+                                        <p:attrNameLst>
+                                          <p:attrName>style.visibility</p:attrName>
+                                        </p:attrNameLst>
+                                      </p:cBhvr>
+                                      <p:to>
+                                        <p:strVal val="visible"/>
+                                      </p:to>
+                                    </p:set>
+                                  </p:childTnLst>
+                                </p:cTn>
+                              </p:par>
+                            </p:childTnLst>
+                          </p:cTn>
+                        </p:par>
+                      </p:childTnLst>
+                    </p:cTn>
+                  </p:par>
+                </p:childTnLst>
+              </p:cTn>
+              <p:prevCondLst>
+                <p:cond evt="onPrev" delay="0">
+                  <p:tgtEl>
+                    <p:sldTgt/>
+                  </p:tgtEl>
+                </p:cond>
+              </p:prevCondLst>
+              <p:nextCondLst>
+                <p:cond evt="onNext" delay="0">
+                  <p:tgtEl>
+                    <p:sldTgt/>
+                  </p:tgtEl>
+                </p:cond>
+              </p:nextCondLst>
+            </p:seq>
+          </p:childTnLst>
+        </p:cTn>
+      </p:par>
+    </p:tnLst>
+    <p:bldLst>
+      <p:bldP spid="6" grpId="0" animBg="1"/>
+      <p:bldP spid="8" grpId="0" animBg="1"/>
+      <p:bldP spid="9" grpId="0"/>
+    </p:bldLst>
+  </p:timing>
+</p:sld>
+</file>
+
+<file path=ppt/slides/slide13.xml><?xml version="1.0" encoding="utf-8"?>
+<p:sld xmlns:a="http://schemas.openxmlformats.org/drawingml/2006/main" xmlns:r="http://schemas.openxmlformats.org/officeDocument/2006/relationships" xmlns:p="http://schemas.openxmlformats.org/presentationml/2006/main">
+  <p:cSld>
+    <p:spTree>
+      <p:nvGrpSpPr>
+        <p:cNvPr id="1" name=""/>
+        <p:cNvGrpSpPr/>
+        <p:nvPr/>
+      </p:nvGrpSpPr>
+      <p:grpSpPr>
+        <a:xfrm>
+          <a:off x="0" y="0"/>
+          <a:ext cx="0" cy="0"/>
+          <a:chOff x="0" y="0"/>
+          <a:chExt cx="0" cy="0"/>
+        </a:xfrm>
+      </p:grpSpPr>
+      <p:sp>
+        <p:nvSpPr>
+          <p:cNvPr id="2" name="Title 1">
+            <a:extLst>
+              <a:ext uri="{FF2B5EF4-FFF2-40B4-BE49-F238E27FC236}">
+                <a16:creationId xmlns:a16="http://schemas.microsoft.com/office/drawing/2014/main" id="{7AEF4DF2-487A-4826-80B4-4E2658F39730}"/>
+              </a:ext>
+            </a:extLst>
+          </p:cNvPr>
+          <p:cNvSpPr>
+            <a:spLocks noGrp="1"/>
+          </p:cNvSpPr>
+          <p:nvPr>
+            <p:ph type="title"/>
+          </p:nvPr>
+        </p:nvSpPr>
+        <p:spPr/>
+        <p:txBody>
+          <a:bodyPr/>
+          <a:lstStyle/>
+          <a:p>
+            <a:r>
+              <a:rPr lang="en-US" dirty="0"/>
+              <a:t>LDA</a:t>
+            </a:r>
+          </a:p>
+        </p:txBody>
+      </p:sp>
+      <p:sp>
+        <p:nvSpPr>
+          <p:cNvPr id="3" name="Content Placeholder 2">
+            <a:extLst>
+              <a:ext uri="{FF2B5EF4-FFF2-40B4-BE49-F238E27FC236}">
+                <a16:creationId xmlns:a16="http://schemas.microsoft.com/office/drawing/2014/main" id="{DB1FF137-81F3-407C-809D-91F56DE3D5A2}"/>
+              </a:ext>
+            </a:extLst>
+          </p:cNvPr>
+          <p:cNvSpPr>
+            <a:spLocks noGrp="1"/>
+          </p:cNvSpPr>
+          <p:nvPr>
+            <p:ph idx="1"/>
+          </p:nvPr>
+        </p:nvSpPr>
+        <p:spPr>
+          <a:xfrm>
+            <a:off x="838200" y="1825625"/>
+            <a:ext cx="4800600" cy="4351338"/>
+          </a:xfrm>
+        </p:spPr>
+        <p:txBody>
+          <a:bodyPr/>
+          <a:lstStyle/>
+          <a:p>
+            <a:r>
+              <a:rPr lang="en-US" dirty="0"/>
+              <a:t>Similar to PCA in that it projects data onto orthogonal axes. For binary data (like our five target features, either 0 or 1) can only project to one dimension</a:t>
+            </a:r>
+          </a:p>
+        </p:txBody>
+      </p:sp>
+      <p:pic>
+        <p:nvPicPr>
+          <p:cNvPr id="5" name="Picture 4" descr="A screenshot of a cell phone&#10;&#10;Description automatically generated">
+            <a:extLst>
+              <a:ext uri="{FF2B5EF4-FFF2-40B4-BE49-F238E27FC236}">
+                <a16:creationId xmlns:a16="http://schemas.microsoft.com/office/drawing/2014/main" id="{E801092B-EB1B-4993-905E-2C39132967C0}"/>
+              </a:ext>
+            </a:extLst>
+          </p:cNvPr>
+          <p:cNvPicPr>
+            <a:picLocks noChangeAspect="1"/>
+          </p:cNvPicPr>
+          <p:nvPr/>
+        </p:nvPicPr>
+        <p:blipFill rotWithShape="1">
+          <a:blip r:embed="rId2">
+            <a:extLst>
+              <a:ext uri="{28A0092B-C50C-407E-A947-70E740481C1C}">
+                <a14:useLocalDpi xmlns:a14="http://schemas.microsoft.com/office/drawing/2010/main" val="0"/>
+              </a:ext>
+            </a:extLst>
+          </a:blip>
+          <a:srcRect l="4862" t="5440" r="8551"/>
+          <a:stretch/>
+        </p:blipFill>
+        <p:spPr>
+          <a:xfrm>
+            <a:off x="5638800" y="795835"/>
+            <a:ext cx="6324600" cy="5180154"/>
+          </a:xfrm>
+          <a:prstGeom prst="rect">
+            <a:avLst/>
+          </a:prstGeom>
+        </p:spPr>
+      </p:pic>
+    </p:spTree>
+    <p:extLst>
+      <p:ext uri="{BB962C8B-B14F-4D97-AF65-F5344CB8AC3E}">
+        <p14:creationId xmlns:p14="http://schemas.microsoft.com/office/powerpoint/2010/main" val="4106851255"/>
+      </p:ext>
+    </p:extLst>
+  </p:cSld>
+  <p:clrMapOvr>
+    <a:masterClrMapping/>
+  </p:clrMapOvr>
+</p:sld>
+</file>
+
+<file path=ppt/slides/slide14.xml><?xml version="1.0" encoding="utf-8"?>
+<p:sld xmlns:a="http://schemas.openxmlformats.org/drawingml/2006/main" xmlns:r="http://schemas.openxmlformats.org/officeDocument/2006/relationships" xmlns:p="http://schemas.openxmlformats.org/presentationml/2006/main">
+  <p:cSld>
+    <p:spTree>
+      <p:nvGrpSpPr>
+        <p:cNvPr id="1" name=""/>
+        <p:cNvGrpSpPr/>
+        <p:nvPr/>
+      </p:nvGrpSpPr>
+      <p:grpSpPr>
+        <a:xfrm>
+          <a:off x="0" y="0"/>
+          <a:ext cx="0" cy="0"/>
+          <a:chOff x="0" y="0"/>
+          <a:chExt cx="0" cy="0"/>
+        </a:xfrm>
+      </p:grpSpPr>
+      <p:sp>
+        <p:nvSpPr>
+          <p:cNvPr id="2" name="Title 1">
+            <a:extLst>
+              <a:ext uri="{FF2B5EF4-FFF2-40B4-BE49-F238E27FC236}">
+                <a16:creationId xmlns:a16="http://schemas.microsoft.com/office/drawing/2014/main" id="{B41D539F-601C-44D2-8349-FF424A095FAA}"/>
+              </a:ext>
+            </a:extLst>
+          </p:cNvPr>
+          <p:cNvSpPr>
+            <a:spLocks noGrp="1"/>
+          </p:cNvSpPr>
+          <p:nvPr>
+            <p:ph type="title"/>
+          </p:nvPr>
+        </p:nvSpPr>
+        <p:spPr/>
+        <p:txBody>
+          <a:bodyPr/>
+          <a:lstStyle/>
+          <a:p>
+            <a:r>
+              <a:rPr lang="en-US" dirty="0"/>
+              <a:t>SFS</a:t>
+            </a:r>
+          </a:p>
+        </p:txBody>
+      </p:sp>
+      <p:sp>
+        <p:nvSpPr>
+          <p:cNvPr id="3" name="Content Placeholder 2">
+            <a:extLst>
+              <a:ext uri="{FF2B5EF4-FFF2-40B4-BE49-F238E27FC236}">
+                <a16:creationId xmlns:a16="http://schemas.microsoft.com/office/drawing/2014/main" id="{DB382E27-AC37-4F75-B84F-BE9DAB690A36}"/>
+              </a:ext>
+            </a:extLst>
+          </p:cNvPr>
+          <p:cNvSpPr>
+            <a:spLocks noGrp="1"/>
+          </p:cNvSpPr>
+          <p:nvPr>
+            <p:ph idx="1"/>
+          </p:nvPr>
+        </p:nvSpPr>
+        <p:spPr>
+          <a:xfrm>
+            <a:off x="838200" y="1825625"/>
+            <a:ext cx="10325100" cy="4351338"/>
+          </a:xfrm>
+        </p:spPr>
+        <p:txBody>
+          <a:bodyPr/>
+          <a:lstStyle/>
+          <a:p>
+            <a:r>
+              <a:rPr lang="en-US" dirty="0"/>
+              <a:t>At each step, SFS adds the variable that gives the most statistically significant improvement of the fit of the SFS model/classifier</a:t>
+            </a:r>
+          </a:p>
+        </p:txBody>
+      </p:sp>
+      <p:sp>
+        <p:nvSpPr>
+          <p:cNvPr id="10" name="TextBox 9">
+            <a:extLst>
+              <a:ext uri="{FF2B5EF4-FFF2-40B4-BE49-F238E27FC236}">
+                <a16:creationId xmlns:a16="http://schemas.microsoft.com/office/drawing/2014/main" id="{CC90AE6D-566E-4F58-8FE3-9195CB3CFD21}"/>
+              </a:ext>
+            </a:extLst>
+          </p:cNvPr>
+          <p:cNvSpPr txBox="1"/>
+          <p:nvPr/>
+        </p:nvSpPr>
+        <p:spPr>
+          <a:xfrm>
+            <a:off x="6819900" y="3631962"/>
+            <a:ext cx="3077381" cy="369332"/>
+          </a:xfrm>
+          <a:prstGeom prst="rect">
+            <a:avLst/>
+          </a:prstGeom>
+          <a:noFill/>
+        </p:spPr>
+        <p:txBody>
+          <a:bodyPr wrap="none" rtlCol="0">
+            <a:spAutoFit/>
+          </a:bodyPr>
+          <a:lstStyle/>
+          <a:p>
+            <a:r>
+              <a:rPr lang="en-US" dirty="0"/>
+              <a:t>Headfirst: SFS Chosen Features</a:t>
+            </a:r>
+          </a:p>
+        </p:txBody>
+      </p:sp>
+      <p:pic>
+        <p:nvPicPr>
+          <p:cNvPr id="12" name="Picture 11">
+            <a:extLst>
+              <a:ext uri="{FF2B5EF4-FFF2-40B4-BE49-F238E27FC236}">
+                <a16:creationId xmlns:a16="http://schemas.microsoft.com/office/drawing/2014/main" id="{19C8DAF5-1C35-49A6-B115-F2D62E77C15B}"/>
+              </a:ext>
+            </a:extLst>
+          </p:cNvPr>
+          <p:cNvPicPr>
+            <a:picLocks noChangeAspect="1"/>
+          </p:cNvPicPr>
+          <p:nvPr/>
+        </p:nvPicPr>
+        <p:blipFill>
+          <a:blip r:embed="rId2">
+            <a:extLst>
+              <a:ext uri="{28A0092B-C50C-407E-A947-70E740481C1C}">
+                <a14:useLocalDpi xmlns:a14="http://schemas.microsoft.com/office/drawing/2010/main" val="0"/>
+              </a:ext>
+            </a:extLst>
+          </a:blip>
+          <a:stretch>
+            <a:fillRect/>
+          </a:stretch>
+        </p:blipFill>
+        <p:spPr>
+          <a:xfrm>
+            <a:off x="533400" y="2561123"/>
+            <a:ext cx="5242336" cy="3931752"/>
+          </a:xfrm>
+          <a:prstGeom prst="rect">
+            <a:avLst/>
+          </a:prstGeom>
+        </p:spPr>
+      </p:pic>
+      <p:pic>
+        <p:nvPicPr>
+          <p:cNvPr id="14" name="Picture 13">
+            <a:extLst>
+              <a:ext uri="{FF2B5EF4-FFF2-40B4-BE49-F238E27FC236}">
+                <a16:creationId xmlns:a16="http://schemas.microsoft.com/office/drawing/2014/main" id="{B8E392E9-0E25-46FC-A27D-F25A9DF7DE6D}"/>
+              </a:ext>
+            </a:extLst>
+          </p:cNvPr>
+          <p:cNvPicPr>
+            <a:picLocks noChangeAspect="1"/>
+          </p:cNvPicPr>
+          <p:nvPr/>
+        </p:nvPicPr>
+        <p:blipFill>
+          <a:blip r:embed="rId3"/>
+          <a:stretch>
+            <a:fillRect/>
+          </a:stretch>
+        </p:blipFill>
+        <p:spPr>
+          <a:xfrm>
+            <a:off x="5775736" y="4001294"/>
+            <a:ext cx="5926690" cy="1325563"/>
+          </a:xfrm>
+          <a:prstGeom prst="rect">
+            <a:avLst/>
+          </a:prstGeom>
+        </p:spPr>
+      </p:pic>
+    </p:spTree>
+    <p:extLst>
+      <p:ext uri="{BB962C8B-B14F-4D97-AF65-F5344CB8AC3E}">
+        <p14:creationId xmlns:p14="http://schemas.microsoft.com/office/powerpoint/2010/main" val="592581009"/>
+      </p:ext>
+    </p:extLst>
+  </p:cSld>
+  <p:clrMapOvr>
+    <a:masterClrMapping/>
+  </p:clrMapOvr>
+</p:sld>
+</file>
+
+<file path=ppt/slides/slide15.xml><?xml version="1.0" encoding="utf-8"?>
+<p:sld xmlns:a="http://schemas.openxmlformats.org/drawingml/2006/main" xmlns:r="http://schemas.openxmlformats.org/officeDocument/2006/relationships" xmlns:p="http://schemas.openxmlformats.org/presentationml/2006/main">
+  <p:cSld>
+    <p:spTree>
+      <p:nvGrpSpPr>
+        <p:cNvPr id="1" name=""/>
+        <p:cNvGrpSpPr/>
+        <p:nvPr/>
+      </p:nvGrpSpPr>
+      <p:grpSpPr>
+        <a:xfrm>
+          <a:off x="0" y="0"/>
+          <a:ext cx="0" cy="0"/>
+          <a:chOff x="0" y="0"/>
+          <a:chExt cx="0" cy="0"/>
+        </a:xfrm>
+      </p:grpSpPr>
+      <p:pic>
+        <p:nvPicPr>
+          <p:cNvPr id="11" name="Picture 10" descr="A screenshot of a cell phone&#10;&#10;Description automatically generated">
+            <a:extLst>
+              <a:ext uri="{FF2B5EF4-FFF2-40B4-BE49-F238E27FC236}">
+                <a16:creationId xmlns:a16="http://schemas.microsoft.com/office/drawing/2014/main" id="{22065E73-ECE1-4ED3-A0BE-BA4DE44821FB}"/>
+              </a:ext>
+            </a:extLst>
+          </p:cNvPr>
+          <p:cNvPicPr>
+            <a:picLocks noChangeAspect="1"/>
+          </p:cNvPicPr>
+          <p:nvPr/>
+        </p:nvPicPr>
+        <p:blipFill rotWithShape="1">
+          <a:blip r:embed="rId3">
+            <a:extLst>
+              <a:ext uri="{28A0092B-C50C-407E-A947-70E740481C1C}">
+                <a14:useLocalDpi xmlns:a14="http://schemas.microsoft.com/office/drawing/2010/main" val="0"/>
+              </a:ext>
+            </a:extLst>
+          </a:blip>
+          <a:srcRect l="5513" t="6308" r="8116" b="20197"/>
+          <a:stretch/>
+        </p:blipFill>
+        <p:spPr>
+          <a:xfrm>
+            <a:off x="6095999" y="152401"/>
+            <a:ext cx="5054601" cy="3225800"/>
+          </a:xfrm>
+          <a:prstGeom prst="rect">
+            <a:avLst/>
+          </a:prstGeom>
+        </p:spPr>
+      </p:pic>
+      <p:pic>
+        <p:nvPicPr>
+          <p:cNvPr id="13" name="Picture 12" descr="A screenshot of a cell phone&#10;&#10;Description automatically generated">
+            <a:extLst>
+              <a:ext uri="{FF2B5EF4-FFF2-40B4-BE49-F238E27FC236}">
+                <a16:creationId xmlns:a16="http://schemas.microsoft.com/office/drawing/2014/main" id="{43224FC4-E703-4018-94B0-FAD70AF62552}"/>
+              </a:ext>
+            </a:extLst>
+          </p:cNvPr>
+          <p:cNvPicPr>
+            <a:picLocks noChangeAspect="1"/>
+          </p:cNvPicPr>
+          <p:nvPr/>
+        </p:nvPicPr>
+        <p:blipFill rotWithShape="1">
+          <a:blip r:embed="rId4">
+            <a:extLst>
+              <a:ext uri="{28A0092B-C50C-407E-A947-70E740481C1C}">
+                <a14:useLocalDpi xmlns:a14="http://schemas.microsoft.com/office/drawing/2010/main" val="0"/>
+              </a:ext>
+            </a:extLst>
+          </a:blip>
+          <a:srcRect l="4405" t="6084" r="9223" b="17541"/>
+          <a:stretch/>
+        </p:blipFill>
+        <p:spPr>
+          <a:xfrm>
+            <a:off x="6096000" y="3365808"/>
+            <a:ext cx="5054602" cy="3352185"/>
+          </a:xfrm>
+          <a:prstGeom prst="rect">
+            <a:avLst/>
+          </a:prstGeom>
+        </p:spPr>
+      </p:pic>
+      <p:sp>
+        <p:nvSpPr>
+          <p:cNvPr id="2" name="Title 1">
+            <a:extLst>
+              <a:ext uri="{FF2B5EF4-FFF2-40B4-BE49-F238E27FC236}">
+                <a16:creationId xmlns:a16="http://schemas.microsoft.com/office/drawing/2014/main" id="{F3EA272A-285B-4840-B35E-CF01AD329E50}"/>
+              </a:ext>
+            </a:extLst>
+          </p:cNvPr>
+          <p:cNvSpPr>
+            <a:spLocks noGrp="1"/>
+          </p:cNvSpPr>
+          <p:nvPr>
+            <p:ph type="title"/>
+          </p:nvPr>
+        </p:nvSpPr>
+        <p:spPr/>
+        <p:txBody>
+          <a:bodyPr/>
+          <a:lstStyle/>
+          <a:p>
+            <a:r>
+              <a:rPr lang="en-US" dirty="0"/>
+              <a:t>Accuracy/CV metrics</a:t>
+            </a:r>
+          </a:p>
+        </p:txBody>
+      </p:sp>
+      <p:sp>
+        <p:nvSpPr>
+          <p:cNvPr id="3" name="Content Placeholder 2">
+            <a:extLst>
+              <a:ext uri="{FF2B5EF4-FFF2-40B4-BE49-F238E27FC236}">
+                <a16:creationId xmlns:a16="http://schemas.microsoft.com/office/drawing/2014/main" id="{945790BD-0F18-41CC-9731-679953006A22}"/>
+              </a:ext>
+            </a:extLst>
+          </p:cNvPr>
+          <p:cNvSpPr>
+            <a:spLocks noGrp="1"/>
+          </p:cNvSpPr>
+          <p:nvPr>
+            <p:ph idx="1"/>
+          </p:nvPr>
+        </p:nvSpPr>
+        <p:spPr>
+          <a:xfrm>
+            <a:off x="838200" y="1825625"/>
+            <a:ext cx="4381500" cy="4351338"/>
+          </a:xfrm>
+        </p:spPr>
+        <p:txBody>
+          <a:bodyPr/>
+          <a:lstStyle/>
+          <a:p>
+            <a:r>
+              <a:rPr lang="en-US" dirty="0"/>
+              <a:t>This is where the training set comes back into play. Confusion matrices (while they can be limited by unbalanced data) give us a general idea of how many times the classifier correctly identifies our five target features.</a:t>
+            </a:r>
+          </a:p>
+        </p:txBody>
+      </p:sp>
+      <p:pic>
+        <p:nvPicPr>
+          <p:cNvPr id="7" name="Picture 6" descr="A screenshot of a cell phone&#10;&#10;Description automatically generated">
+            <a:extLst>
+              <a:ext uri="{FF2B5EF4-FFF2-40B4-BE49-F238E27FC236}">
+                <a16:creationId xmlns:a16="http://schemas.microsoft.com/office/drawing/2014/main" id="{9239BD33-93B5-4BBF-AE64-BDED917BC093}"/>
+              </a:ext>
+            </a:extLst>
+          </p:cNvPr>
+          <p:cNvPicPr>
+            <a:picLocks noChangeAspect="1"/>
+          </p:cNvPicPr>
+          <p:nvPr/>
+        </p:nvPicPr>
+        <p:blipFill rotWithShape="1">
+          <a:blip r:embed="rId5">
+            <a:extLst>
+              <a:ext uri="{28A0092B-C50C-407E-A947-70E740481C1C}">
+                <a14:useLocalDpi xmlns:a14="http://schemas.microsoft.com/office/drawing/2010/main" val="0"/>
+              </a:ext>
+            </a:extLst>
+          </a:blip>
+          <a:srcRect l="5513" t="5150" r="8116" b="21354"/>
+          <a:stretch/>
+        </p:blipFill>
+        <p:spPr>
+          <a:xfrm>
+            <a:off x="6096000" y="140008"/>
+            <a:ext cx="5054601" cy="3225800"/>
+          </a:xfrm>
+          <a:prstGeom prst="rect">
+            <a:avLst/>
+          </a:prstGeom>
+        </p:spPr>
+      </p:pic>
+      <p:pic>
+        <p:nvPicPr>
+          <p:cNvPr id="9" name="Picture 8" descr="A screenshot of a cell phone&#10;&#10;Description automatically generated">
+            <a:extLst>
+              <a:ext uri="{FF2B5EF4-FFF2-40B4-BE49-F238E27FC236}">
+                <a16:creationId xmlns:a16="http://schemas.microsoft.com/office/drawing/2014/main" id="{80A9B5AF-B8AA-4B1A-8125-605CD5B73624}"/>
+              </a:ext>
+            </a:extLst>
+          </p:cNvPr>
+          <p:cNvPicPr>
+            <a:picLocks noChangeAspect="1"/>
+          </p:cNvPicPr>
+          <p:nvPr/>
+        </p:nvPicPr>
+        <p:blipFill rotWithShape="1">
+          <a:blip r:embed="rId6">
+            <a:extLst>
+              <a:ext uri="{28A0092B-C50C-407E-A947-70E740481C1C}">
+                <a14:useLocalDpi xmlns:a14="http://schemas.microsoft.com/office/drawing/2010/main" val="0"/>
+              </a:ext>
+            </a:extLst>
+          </a:blip>
+          <a:srcRect l="5776" t="5151" r="7853" b="19039"/>
+          <a:stretch/>
+        </p:blipFill>
+        <p:spPr>
+          <a:xfrm>
+            <a:off x="6096000" y="3365808"/>
+            <a:ext cx="5054601" cy="3327400"/>
+          </a:xfrm>
+          <a:prstGeom prst="rect">
+            <a:avLst/>
+          </a:prstGeom>
+        </p:spPr>
+      </p:pic>
+    </p:spTree>
+    <p:extLst>
+      <p:ext uri="{BB962C8B-B14F-4D97-AF65-F5344CB8AC3E}">
+        <p14:creationId xmlns:p14="http://schemas.microsoft.com/office/powerpoint/2010/main" val="3223217985"/>
+      </p:ext>
+    </p:extLst>
+  </p:cSld>
+  <p:clrMapOvr>
+    <a:masterClrMapping/>
+  </p:clrMapOvr>
+  <p:timing>
+    <p:tnLst>
+      <p:par>
+        <p:cTn id="1" dur="indefinite" restart="never" nodeType="tmRoot">
+          <p:childTnLst>
+            <p:seq concurrent="1" nextAc="seek">
+              <p:cTn id="2" dur="indefinite" nodeType="mainSeq">
+                <p:childTnLst>
+                  <p:par>
+                    <p:cTn id="3" fill="hold">
+                      <p:stCondLst>
+                        <p:cond delay="indefinite"/>
+                      </p:stCondLst>
+                      <p:childTnLst>
+                        <p:par>
+                          <p:cTn id="4" fill="hold">
+                            <p:stCondLst>
+                              <p:cond delay="0"/>
+                            </p:stCondLst>
+                            <p:childTnLst>
+                              <p:par>
+                                <p:cTn id="5" presetID="1" presetClass="entr" presetSubtype="0" fill="hold" nodeType="clickEffect">
+                                  <p:stCondLst>
+                                    <p:cond delay="0"/>
+                                  </p:stCondLst>
+                                  <p:childTnLst>
+                                    <p:set>
+                                      <p:cBhvr>
+                                        <p:cTn id="6" dur="1" fill="hold">
+                                          <p:stCondLst>
+                                            <p:cond delay="0"/>
+                                          </p:stCondLst>
+                                        </p:cTn>
+                                        <p:tgtEl>
+                                          <p:spTgt spid="7"/>
+                                        </p:tgtEl>
+                                        <p:attrNameLst>
+                                          <p:attrName>style.visibility</p:attrName>
+                                        </p:attrNameLst>
+                                      </p:cBhvr>
+                                      <p:to>
+                                        <p:strVal val="visible"/>
+                                      </p:to>
+                                    </p:set>
+                                  </p:childTnLst>
+                                </p:cTn>
+                              </p:par>
+                              <p:par>
+                                <p:cTn id="7" presetID="1" presetClass="entr" presetSubtype="0" fill="hold" nodeType="withEffect">
+                                  <p:stCondLst>
+                                    <p:cond delay="0"/>
+                                  </p:stCondLst>
+                                  <p:childTnLst>
+                                    <p:set>
+                                      <p:cBhvr>
+                                        <p:cTn id="8" dur="1" fill="hold">
+                                          <p:stCondLst>
+                                            <p:cond delay="0"/>
+                                          </p:stCondLst>
+                                        </p:cTn>
+                                        <p:tgtEl>
+                                          <p:spTgt spid="9"/>
+                                        </p:tgtEl>
+                                        <p:attrNameLst>
+                                          <p:attrName>style.visibility</p:attrName>
+                                        </p:attrNameLst>
+                                      </p:cBhvr>
+                                      <p:to>
+                                        <p:strVal val="visible"/>
+                                      </p:to>
+                                    </p:set>
+                                  </p:childTnLst>
+                                </p:cTn>
+                              </p:par>
+                            </p:childTnLst>
+                          </p:cTn>
+                        </p:par>
+                      </p:childTnLst>
+                    </p:cTn>
+                  </p:par>
+                </p:childTnLst>
+              </p:cTn>
+              <p:prevCondLst>
+                <p:cond evt="onPrev" delay="0">
+                  <p:tgtEl>
+                    <p:sldTgt/>
+                  </p:tgtEl>
+                </p:cond>
+              </p:prevCondLst>
+              <p:nextCondLst>
+                <p:cond evt="onNext" delay="0">
+                  <p:tgtEl>
+                    <p:sldTgt/>
+                  </p:tgtEl>
+                </p:cond>
+              </p:nextCondLst>
+            </p:seq>
+          </p:childTnLst>
+        </p:cTn>
+      </p:par>
+    </p:tnLst>
+  </p:timing>
+</p:sld>
+</file>
+
+<file path=ppt/slides/slide16.xml><?xml version="1.0" encoding="utf-8"?>
+<p:sld xmlns:a="http://schemas.openxmlformats.org/drawingml/2006/main" xmlns:r="http://schemas.openxmlformats.org/officeDocument/2006/relationships" xmlns:p="http://schemas.openxmlformats.org/presentationml/2006/main">
+  <p:cSld>
+    <p:spTree>
+      <p:nvGrpSpPr>
+        <p:cNvPr id="1" name=""/>
+        <p:cNvGrpSpPr/>
+        <p:nvPr/>
+      </p:nvGrpSpPr>
+      <p:grpSpPr>
+        <a:xfrm>
+          <a:off x="0" y="0"/>
+          <a:ext cx="0" cy="0"/>
+          <a:chOff x="0" y="0"/>
+          <a:chExt cx="0" cy="0"/>
+        </a:xfrm>
+      </p:grpSpPr>
+      <p:sp>
+        <p:nvSpPr>
+          <p:cNvPr id="2" name="Title 1">
+            <a:extLst>
+              <a:ext uri="{FF2B5EF4-FFF2-40B4-BE49-F238E27FC236}">
+                <a16:creationId xmlns:a16="http://schemas.microsoft.com/office/drawing/2014/main" id="{CC8415E8-2144-47F2-857C-4267169003EB}"/>
+              </a:ext>
+            </a:extLst>
+          </p:cNvPr>
+          <p:cNvSpPr>
+            <a:spLocks noGrp="1"/>
+          </p:cNvSpPr>
+          <p:nvPr>
+            <p:ph type="title"/>
+          </p:nvPr>
+        </p:nvSpPr>
+        <p:spPr/>
+        <p:txBody>
+          <a:bodyPr/>
+          <a:lstStyle/>
+          <a:p>
+            <a:r>
+              <a:rPr lang="en-US" dirty="0"/>
+              <a:t>Accuracy/CV metrics</a:t>
+            </a:r>
+          </a:p>
+        </p:txBody>
+      </p:sp>
+      <p:sp>
+        <p:nvSpPr>
+          <p:cNvPr id="3" name="Content Placeholder 2">
+            <a:extLst>
+              <a:ext uri="{FF2B5EF4-FFF2-40B4-BE49-F238E27FC236}">
+                <a16:creationId xmlns:a16="http://schemas.microsoft.com/office/drawing/2014/main" id="{120A7888-C33E-43D4-BD6B-E1A382E93F19}"/>
+              </a:ext>
+            </a:extLst>
+          </p:cNvPr>
+          <p:cNvSpPr>
+            <a:spLocks noGrp="1"/>
+          </p:cNvSpPr>
+          <p:nvPr>
+            <p:ph idx="1"/>
+          </p:nvPr>
+        </p:nvSpPr>
+        <p:spPr>
+          <a:xfrm>
+            <a:off x="838200" y="1825625"/>
+            <a:ext cx="4737100" cy="4351338"/>
+          </a:xfrm>
+        </p:spPr>
+        <p:txBody>
+          <a:bodyPr/>
+          <a:lstStyle/>
+          <a:p>
+            <a:r>
+              <a:rPr lang="en-US" dirty="0"/>
+              <a:t>ROC-AUC: Good for binary classification problems and takes into account both the true negatives and true positives (the greater the area under the curve, the more true positives you get for every false positive)</a:t>
+            </a:r>
+          </a:p>
+        </p:txBody>
+      </p:sp>
+      <p:pic>
+        <p:nvPicPr>
+          <p:cNvPr id="5" name="Picture 4" descr="A close up of a map&#10;&#10;Description automatically generated">
+            <a:extLst>
+              <a:ext uri="{FF2B5EF4-FFF2-40B4-BE49-F238E27FC236}">
+                <a16:creationId xmlns:a16="http://schemas.microsoft.com/office/drawing/2014/main" id="{9F07E3B7-E302-44D3-8672-9FB49143E01C}"/>
+              </a:ext>
+            </a:extLst>
+          </p:cNvPr>
+          <p:cNvPicPr>
+            <a:picLocks noChangeAspect="1"/>
+          </p:cNvPicPr>
+          <p:nvPr/>
+        </p:nvPicPr>
+        <p:blipFill>
+          <a:blip r:embed="rId2">
+            <a:extLst>
+              <a:ext uri="{28A0092B-C50C-407E-A947-70E740481C1C}">
+                <a14:useLocalDpi xmlns:a14="http://schemas.microsoft.com/office/drawing/2010/main" val="0"/>
+              </a:ext>
+            </a:extLst>
+          </a:blip>
+          <a:stretch>
+            <a:fillRect/>
+          </a:stretch>
+        </p:blipFill>
+        <p:spPr>
+          <a:xfrm>
+            <a:off x="5811513" y="1027906"/>
+            <a:ext cx="6768689" cy="5076517"/>
+          </a:xfrm>
+          <a:prstGeom prst="rect">
+            <a:avLst/>
+          </a:prstGeom>
+        </p:spPr>
+      </p:pic>
+    </p:spTree>
+    <p:extLst>
+      <p:ext uri="{BB962C8B-B14F-4D97-AF65-F5344CB8AC3E}">
+        <p14:creationId xmlns:p14="http://schemas.microsoft.com/office/powerpoint/2010/main" val="1320013260"/>
+      </p:ext>
+    </p:extLst>
+  </p:cSld>
+  <p:clrMapOvr>
+    <a:masterClrMapping/>
+  </p:clrMapOvr>
+</p:sld>
+</file>
+
+<file path=ppt/slides/slide17.xml><?xml version="1.0" encoding="utf-8"?>
+<p:sld xmlns:a="http://schemas.openxmlformats.org/drawingml/2006/main" xmlns:r="http://schemas.openxmlformats.org/officeDocument/2006/relationships" xmlns:p="http://schemas.openxmlformats.org/presentationml/2006/main">
+  <p:cSld>
+    <p:spTree>
+      <p:nvGrpSpPr>
+        <p:cNvPr id="1" name=""/>
+        <p:cNvGrpSpPr/>
+        <p:nvPr/>
+      </p:nvGrpSpPr>
+      <p:grpSpPr>
+        <a:xfrm>
+          <a:off x="0" y="0"/>
+          <a:ext cx="0" cy="0"/>
+          <a:chOff x="0" y="0"/>
+          <a:chExt cx="0" cy="0"/>
+        </a:xfrm>
+      </p:grpSpPr>
+      <p:sp>
+        <p:nvSpPr>
+          <p:cNvPr id="2" name="Title 1">
+            <a:extLst>
+              <a:ext uri="{FF2B5EF4-FFF2-40B4-BE49-F238E27FC236}">
+                <a16:creationId xmlns:a16="http://schemas.microsoft.com/office/drawing/2014/main" id="{421F30D5-AB1B-4807-810C-E394ED65171E}"/>
+              </a:ext>
+            </a:extLst>
+          </p:cNvPr>
+          <p:cNvSpPr>
+            <a:spLocks noGrp="1"/>
+          </p:cNvSpPr>
+          <p:nvPr>
+            <p:ph type="title"/>
+          </p:nvPr>
+        </p:nvSpPr>
+        <p:spPr>
+          <a:xfrm>
+            <a:off x="838200" y="18255"/>
+            <a:ext cx="10515600" cy="1325563"/>
+          </a:xfrm>
+        </p:spPr>
+        <p:txBody>
+          <a:bodyPr/>
+          <a:lstStyle/>
+          <a:p>
+            <a:r>
+              <a:rPr lang="en-US" dirty="0"/>
+              <a:t>Outline</a:t>
+            </a:r>
+          </a:p>
+        </p:txBody>
+      </p:sp>
+      <p:sp>
+        <p:nvSpPr>
+          <p:cNvPr id="3" name="Content Placeholder 2">
+            <a:extLst>
+              <a:ext uri="{FF2B5EF4-FFF2-40B4-BE49-F238E27FC236}">
+                <a16:creationId xmlns:a16="http://schemas.microsoft.com/office/drawing/2014/main" id="{EF424208-329E-4590-9FC3-E8884754ED86}"/>
+              </a:ext>
+            </a:extLst>
+          </p:cNvPr>
+          <p:cNvSpPr>
+            <a:spLocks noGrp="1"/>
+          </p:cNvSpPr>
+          <p:nvPr>
+            <p:ph idx="1"/>
+          </p:nvPr>
+        </p:nvSpPr>
+        <p:spPr>
+          <a:xfrm>
+            <a:off x="838200" y="1130300"/>
+            <a:ext cx="10515600" cy="5575300"/>
+          </a:xfrm>
+        </p:spPr>
+        <p:txBody>
+          <a:bodyPr>
+            <a:normAutofit fontScale="85000" lnSpcReduction="20000"/>
+          </a:bodyPr>
+          <a:lstStyle/>
+          <a:p>
+            <a:r>
+              <a:rPr lang="en-US" dirty="0"/>
+              <a:t>Intro</a:t>
+            </a:r>
+          </a:p>
+          <a:p>
+            <a:pPr lvl="1"/>
+            <a:r>
+              <a:rPr lang="en-US" dirty="0"/>
+              <a:t>Problem? We need accurate live classification</a:t>
+            </a:r>
+          </a:p>
+          <a:p>
+            <a:r>
+              <a:rPr lang="en-US" dirty="0"/>
+              <a:t>Goal</a:t>
+            </a:r>
+          </a:p>
+          <a:p>
+            <a:pPr lvl="1"/>
+            <a:r>
+              <a:rPr lang="en-US" dirty="0"/>
+              <a:t>Machine learning</a:t>
+            </a:r>
+          </a:p>
+          <a:p>
+            <a:pPr lvl="1"/>
+            <a:r>
+              <a:rPr lang="en-US" dirty="0"/>
+              <a:t>Robust classification</a:t>
+            </a:r>
+          </a:p>
+          <a:p>
+            <a:pPr lvl="2"/>
+            <a:r>
+              <a:rPr lang="en-US" dirty="0"/>
+              <a:t>Accuracy metric: for specific mutants</a:t>
+            </a:r>
+          </a:p>
+          <a:p>
+            <a:pPr lvl="2"/>
+            <a:r>
+              <a:rPr lang="en-US" dirty="0"/>
+              <a:t>Robustness metric: across mutants</a:t>
+            </a:r>
+          </a:p>
+          <a:p>
+            <a:pPr lvl="2"/>
+            <a:r>
+              <a:rPr lang="en-US" dirty="0"/>
+              <a:t>Reliable </a:t>
+            </a:r>
+            <a:r>
+              <a:rPr lang="en-US" dirty="0" err="1"/>
+              <a:t>gtruth</a:t>
+            </a:r>
+            <a:endParaRPr lang="en-US" dirty="0"/>
+          </a:p>
+          <a:p>
+            <a:pPr lvl="2"/>
+            <a:r>
+              <a:rPr lang="en-US" dirty="0"/>
+              <a:t>Compare with different algorithms</a:t>
+            </a:r>
+          </a:p>
+          <a:p>
+            <a:r>
+              <a:rPr lang="en-US" dirty="0"/>
+              <a:t>Starting point</a:t>
+            </a:r>
+          </a:p>
+          <a:p>
+            <a:pPr lvl="1"/>
+            <a:r>
+              <a:rPr lang="en-US" dirty="0"/>
+              <a:t>Worm images w/</a:t>
+            </a:r>
+            <a:r>
+              <a:rPr lang="en-US" dirty="0" err="1"/>
+              <a:t>gtruth</a:t>
+            </a:r>
+            <a:endParaRPr lang="en-US" dirty="0"/>
+          </a:p>
+          <a:p>
+            <a:pPr lvl="1"/>
+            <a:r>
+              <a:rPr lang="en-US" dirty="0"/>
+              <a:t>Five target features</a:t>
+            </a:r>
+          </a:p>
+          <a:p>
+            <a:pPr lvl="1"/>
+            <a:r>
+              <a:rPr lang="en-US" dirty="0"/>
+              <a:t>Extracted features</a:t>
+            </a:r>
+          </a:p>
+          <a:p>
+            <a:r>
+              <a:rPr lang="en-US" dirty="0"/>
+              <a:t>Machine learning techniques</a:t>
+            </a:r>
+          </a:p>
+          <a:p>
+            <a:r>
+              <a:rPr lang="en-US" dirty="0"/>
+              <a:t>Classification techniques</a:t>
+            </a:r>
+          </a:p>
+          <a:p>
+            <a:pPr lvl="1"/>
+            <a:r>
+              <a:rPr lang="en-US" dirty="0"/>
+              <a:t>LDA and SFS</a:t>
+            </a:r>
+          </a:p>
+          <a:p>
+            <a:r>
+              <a:rPr lang="en-US"/>
+              <a:t>Conclusion &amp; future </a:t>
+            </a:r>
+            <a:r>
+              <a:rPr lang="en-US" dirty="0"/>
+              <a:t>goals based on what I have done</a:t>
+            </a:r>
+          </a:p>
+        </p:txBody>
+      </p:sp>
+    </p:spTree>
+    <p:extLst>
+      <p:ext uri="{BB962C8B-B14F-4D97-AF65-F5344CB8AC3E}">
+        <p14:creationId xmlns:p14="http://schemas.microsoft.com/office/powerpoint/2010/main" val="2948975348"/>
       </p:ext>
     </p:extLst>
   </p:cSld>
@@ -3785,7 +6129,7 @@
           <a:p>
             <a:r>
               <a:rPr lang="en-US" dirty="0"/>
-              <a:t>Overview</a:t>
+              <a:t>Workflow</a:t>
             </a:r>
           </a:p>
         </p:txBody>
@@ -4161,10 +6505,2640 @@
           </a:p>
         </p:txBody>
       </p:sp>
+      <p:sp>
+        <p:nvSpPr>
+          <p:cNvPr id="3" name="TextBox 2">
+            <a:extLst>
+              <a:ext uri="{FF2B5EF4-FFF2-40B4-BE49-F238E27FC236}">
+                <a16:creationId xmlns:a16="http://schemas.microsoft.com/office/drawing/2014/main" id="{ABCED66C-9FCA-4022-9596-37D3F94D5B50}"/>
+              </a:ext>
+            </a:extLst>
+          </p:cNvPr>
+          <p:cNvSpPr txBox="1"/>
+          <p:nvPr/>
+        </p:nvSpPr>
+        <p:spPr>
+          <a:xfrm>
+            <a:off x="596901" y="3813432"/>
+            <a:ext cx="4318000" cy="1477328"/>
+          </a:xfrm>
+          <a:prstGeom prst="rect">
+            <a:avLst/>
+          </a:prstGeom>
+          <a:noFill/>
+        </p:spPr>
+        <p:txBody>
+          <a:bodyPr wrap="square" rtlCol="0">
+            <a:spAutoFit/>
+          </a:bodyPr>
+          <a:lstStyle/>
+          <a:p>
+            <a:r>
+              <a:rPr lang="en-US" b="1" dirty="0"/>
+              <a:t>Goal:</a:t>
+            </a:r>
+            <a:r>
+              <a:rPr lang="en-US" dirty="0"/>
+              <a:t> Train a model/classifier to use features extracted from each image in order to predict five target features – single loaded, whole animal, straight, headfirst, and clear.</a:t>
+            </a:r>
+            <a:endParaRPr lang="en-US" b="1" dirty="0"/>
+          </a:p>
+        </p:txBody>
+      </p:sp>
+      <p:sp>
+        <p:nvSpPr>
+          <p:cNvPr id="4" name="Oval 3">
+            <a:extLst>
+              <a:ext uri="{FF2B5EF4-FFF2-40B4-BE49-F238E27FC236}">
+                <a16:creationId xmlns:a16="http://schemas.microsoft.com/office/drawing/2014/main" id="{192595D4-87E6-4045-8E7B-6596A12656D5}"/>
+              </a:ext>
+            </a:extLst>
+          </p:cNvPr>
+          <p:cNvSpPr/>
+          <p:nvPr/>
+        </p:nvSpPr>
+        <p:spPr>
+          <a:xfrm>
+            <a:off x="177800" y="1690688"/>
+            <a:ext cx="5179390" cy="2284412"/>
+          </a:xfrm>
+          <a:prstGeom prst="ellipse">
+            <a:avLst/>
+          </a:prstGeom>
+          <a:noFill/>
+          <a:ln>
+            <a:solidFill>
+              <a:srgbClr val="C00000"/>
+            </a:solidFill>
+          </a:ln>
+        </p:spPr>
+        <p:style>
+          <a:lnRef idx="2">
+            <a:schemeClr val="accent1">
+              <a:shade val="50000"/>
+            </a:schemeClr>
+          </a:lnRef>
+          <a:fillRef idx="1">
+            <a:schemeClr val="accent1"/>
+          </a:fillRef>
+          <a:effectRef idx="0">
+            <a:schemeClr val="accent1"/>
+          </a:effectRef>
+          <a:fontRef idx="minor">
+            <a:schemeClr val="lt1"/>
+          </a:fontRef>
+        </p:style>
+        <p:txBody>
+          <a:bodyPr rtlCol="0" anchor="ctr"/>
+          <a:lstStyle/>
+          <a:p>
+            <a:pPr algn="ctr"/>
+            <a:endParaRPr lang="en-US"/>
+          </a:p>
+        </p:txBody>
+      </p:sp>
     </p:spTree>
     <p:extLst>
       <p:ext uri="{BB962C8B-B14F-4D97-AF65-F5344CB8AC3E}">
         <p14:creationId xmlns:p14="http://schemas.microsoft.com/office/powerpoint/2010/main" val="1694264622"/>
+      </p:ext>
+    </p:extLst>
+  </p:cSld>
+  <p:clrMapOvr>
+    <a:masterClrMapping/>
+  </p:clrMapOvr>
+  <p:timing>
+    <p:tnLst>
+      <p:par>
+        <p:cTn id="1" dur="indefinite" restart="never" nodeType="tmRoot">
+          <p:childTnLst>
+            <p:seq concurrent="1" nextAc="seek">
+              <p:cTn id="2" dur="indefinite" nodeType="mainSeq">
+                <p:childTnLst>
+                  <p:par>
+                    <p:cTn id="3" fill="hold">
+                      <p:stCondLst>
+                        <p:cond delay="indefinite"/>
+                      </p:stCondLst>
+                      <p:childTnLst>
+                        <p:par>
+                          <p:cTn id="4" fill="hold">
+                            <p:stCondLst>
+                              <p:cond delay="0"/>
+                            </p:stCondLst>
+                            <p:childTnLst>
+                              <p:par>
+                                <p:cTn id="5" presetID="1" presetClass="entr" presetSubtype="0" fill="hold" grpId="0" nodeType="clickEffect">
+                                  <p:stCondLst>
+                                    <p:cond delay="0"/>
+                                  </p:stCondLst>
+                                  <p:childTnLst>
+                                    <p:set>
+                                      <p:cBhvr>
+                                        <p:cTn id="6" dur="1" fill="hold">
+                                          <p:stCondLst>
+                                            <p:cond delay="0"/>
+                                          </p:stCondLst>
+                                        </p:cTn>
+                                        <p:tgtEl>
+                                          <p:spTgt spid="4"/>
+                                        </p:tgtEl>
+                                        <p:attrNameLst>
+                                          <p:attrName>style.visibility</p:attrName>
+                                        </p:attrNameLst>
+                                      </p:cBhvr>
+                                      <p:to>
+                                        <p:strVal val="visible"/>
+                                      </p:to>
+                                    </p:set>
+                                  </p:childTnLst>
+                                </p:cTn>
+                              </p:par>
+                            </p:childTnLst>
+                          </p:cTn>
+                        </p:par>
+                      </p:childTnLst>
+                    </p:cTn>
+                  </p:par>
+                </p:childTnLst>
+              </p:cTn>
+              <p:prevCondLst>
+                <p:cond evt="onPrev" delay="0">
+                  <p:tgtEl>
+                    <p:sldTgt/>
+                  </p:tgtEl>
+                </p:cond>
+              </p:prevCondLst>
+              <p:nextCondLst>
+                <p:cond evt="onNext" delay="0">
+                  <p:tgtEl>
+                    <p:sldTgt/>
+                  </p:tgtEl>
+                </p:cond>
+              </p:nextCondLst>
+            </p:seq>
+          </p:childTnLst>
+        </p:cTn>
+      </p:par>
+    </p:tnLst>
+    <p:bldLst>
+      <p:bldP spid="4" grpId="0" animBg="1"/>
+    </p:bldLst>
+  </p:timing>
+</p:sld>
+</file>
+
+<file path=ppt/slides/slide3.xml><?xml version="1.0" encoding="utf-8"?>
+<p:sld xmlns:a="http://schemas.openxmlformats.org/drawingml/2006/main" xmlns:r="http://schemas.openxmlformats.org/officeDocument/2006/relationships" xmlns:p="http://schemas.openxmlformats.org/presentationml/2006/main">
+  <p:cSld>
+    <p:spTree>
+      <p:nvGrpSpPr>
+        <p:cNvPr id="1" name=""/>
+        <p:cNvGrpSpPr/>
+        <p:nvPr/>
+      </p:nvGrpSpPr>
+      <p:grpSpPr>
+        <a:xfrm>
+          <a:off x="0" y="0"/>
+          <a:ext cx="0" cy="0"/>
+          <a:chOff x="0" y="0"/>
+          <a:chExt cx="0" cy="0"/>
+        </a:xfrm>
+      </p:grpSpPr>
+      <p:sp>
+        <p:nvSpPr>
+          <p:cNvPr id="2" name="Title 1">
+            <a:extLst>
+              <a:ext uri="{FF2B5EF4-FFF2-40B4-BE49-F238E27FC236}">
+                <a16:creationId xmlns:a16="http://schemas.microsoft.com/office/drawing/2014/main" id="{E98EF275-A603-4978-97C9-26DAE9354C8C}"/>
+              </a:ext>
+            </a:extLst>
+          </p:cNvPr>
+          <p:cNvSpPr>
+            <a:spLocks noGrp="1"/>
+          </p:cNvSpPr>
+          <p:nvPr>
+            <p:ph type="title"/>
+          </p:nvPr>
+        </p:nvSpPr>
+        <p:spPr>
+          <a:xfrm>
+            <a:off x="838200" y="0"/>
+            <a:ext cx="10515600" cy="1325563"/>
+          </a:xfrm>
+        </p:spPr>
+        <p:txBody>
+          <a:bodyPr/>
+          <a:lstStyle/>
+          <a:p>
+            <a:r>
+              <a:rPr lang="en-US" dirty="0"/>
+              <a:t>Tools</a:t>
+            </a:r>
+          </a:p>
+        </p:txBody>
+      </p:sp>
+      <p:sp>
+        <p:nvSpPr>
+          <p:cNvPr id="3" name="Content Placeholder 2">
+            <a:extLst>
+              <a:ext uri="{FF2B5EF4-FFF2-40B4-BE49-F238E27FC236}">
+                <a16:creationId xmlns:a16="http://schemas.microsoft.com/office/drawing/2014/main" id="{AF395607-8317-4F39-8C34-4F53C167B3FD}"/>
+              </a:ext>
+            </a:extLst>
+          </p:cNvPr>
+          <p:cNvSpPr>
+            <a:spLocks noGrp="1"/>
+          </p:cNvSpPr>
+          <p:nvPr>
+            <p:ph idx="1"/>
+          </p:nvPr>
+        </p:nvSpPr>
+        <p:spPr>
+          <a:xfrm>
+            <a:off x="838200" y="1244600"/>
+            <a:ext cx="10515600" cy="5248275"/>
+          </a:xfrm>
+        </p:spPr>
+        <p:txBody>
+          <a:bodyPr>
+            <a:normAutofit fontScale="85000" lnSpcReduction="20000"/>
+          </a:bodyPr>
+          <a:lstStyle/>
+          <a:p>
+            <a:r>
+              <a:rPr lang="en-US" dirty="0"/>
+              <a:t>Sublime text editor, Ubuntu, README, </a:t>
+            </a:r>
+            <a:r>
+              <a:rPr lang="en-US" dirty="0" err="1"/>
+              <a:t>Github</a:t>
+            </a:r>
+            <a:r>
+              <a:rPr lang="en-US" dirty="0"/>
+              <a:t>, Excel</a:t>
+            </a:r>
+          </a:p>
+          <a:p>
+            <a:r>
+              <a:rPr lang="en-US" dirty="0"/>
+              <a:t>Python modules</a:t>
+            </a:r>
+          </a:p>
+          <a:p>
+            <a:pPr lvl="1"/>
+            <a:r>
+              <a:rPr lang="en-US" dirty="0" err="1"/>
+              <a:t>Argparse</a:t>
+            </a:r>
+            <a:r>
+              <a:rPr lang="en-US" dirty="0"/>
+              <a:t> for </a:t>
+            </a:r>
+            <a:r>
+              <a:rPr lang="en-US" dirty="0" err="1"/>
+              <a:t>cmd</a:t>
+            </a:r>
+            <a:r>
+              <a:rPr lang="en-US" dirty="0"/>
+              <a:t> arguments</a:t>
+            </a:r>
+          </a:p>
+          <a:p>
+            <a:pPr lvl="1"/>
+            <a:r>
+              <a:rPr lang="en-US" dirty="0"/>
+              <a:t>CV2 and </a:t>
+            </a:r>
+            <a:r>
+              <a:rPr lang="en-US" dirty="0" err="1"/>
+              <a:t>scipy</a:t>
+            </a:r>
+            <a:r>
+              <a:rPr lang="en-US" dirty="0"/>
+              <a:t> for image importation and processing</a:t>
+            </a:r>
+          </a:p>
+          <a:p>
+            <a:pPr lvl="1"/>
+            <a:r>
+              <a:rPr lang="en-US" dirty="0" err="1"/>
+              <a:t>Numpy</a:t>
+            </a:r>
+            <a:r>
+              <a:rPr lang="en-US" dirty="0"/>
+              <a:t>, Excel Writer, and pandas for data organization</a:t>
+            </a:r>
+          </a:p>
+          <a:p>
+            <a:pPr lvl="1"/>
+            <a:r>
+              <a:rPr lang="en-US" dirty="0" err="1"/>
+              <a:t>Mlxtend</a:t>
+            </a:r>
+            <a:r>
+              <a:rPr lang="en-US" dirty="0"/>
+              <a:t> and scikit-learn for data processing and analysis</a:t>
+            </a:r>
+          </a:p>
+          <a:p>
+            <a:pPr lvl="1"/>
+            <a:r>
+              <a:rPr lang="en-US" dirty="0"/>
+              <a:t>Matplotlib for data presentation</a:t>
+            </a:r>
+          </a:p>
+          <a:p>
+            <a:r>
+              <a:rPr lang="en-US" dirty="0"/>
+              <a:t>Feature exploration techniques</a:t>
+            </a:r>
+          </a:p>
+          <a:p>
+            <a:pPr lvl="1"/>
+            <a:r>
+              <a:rPr lang="en-US" dirty="0"/>
+              <a:t>Heatmap/confusion matrices</a:t>
+            </a:r>
+          </a:p>
+          <a:p>
+            <a:pPr lvl="1"/>
+            <a:r>
+              <a:rPr lang="en-US" dirty="0"/>
+              <a:t>PCA</a:t>
+            </a:r>
+          </a:p>
+          <a:p>
+            <a:r>
+              <a:rPr lang="en-US" dirty="0"/>
+              <a:t>Feature selection techniques</a:t>
+            </a:r>
+          </a:p>
+          <a:p>
+            <a:pPr lvl="1"/>
+            <a:r>
+              <a:rPr lang="en-US" dirty="0"/>
+              <a:t>Linear Discriminant Analysis</a:t>
+            </a:r>
+          </a:p>
+          <a:p>
+            <a:pPr lvl="1"/>
+            <a:r>
+              <a:rPr lang="en-US" dirty="0"/>
+              <a:t>Step-forward Sequential Feature Selection</a:t>
+            </a:r>
+          </a:p>
+          <a:p>
+            <a:r>
+              <a:rPr lang="en-US" dirty="0"/>
+              <a:t>Validation/accuracy metrics</a:t>
+            </a:r>
+          </a:p>
+          <a:p>
+            <a:pPr lvl="1"/>
+            <a:r>
+              <a:rPr lang="en-US" dirty="0"/>
+              <a:t>Test-train-split</a:t>
+            </a:r>
+          </a:p>
+          <a:p>
+            <a:pPr lvl="1"/>
+            <a:r>
+              <a:rPr lang="en-US" dirty="0"/>
+              <a:t>Balanced accuracy score, F1 score, ROC-AUC, confusion matrices</a:t>
+            </a:r>
+          </a:p>
+          <a:p>
+            <a:endParaRPr lang="en-US" dirty="0"/>
+          </a:p>
+        </p:txBody>
+      </p:sp>
+    </p:spTree>
+    <p:extLst>
+      <p:ext uri="{BB962C8B-B14F-4D97-AF65-F5344CB8AC3E}">
+        <p14:creationId xmlns:p14="http://schemas.microsoft.com/office/powerpoint/2010/main" val="3430986091"/>
+      </p:ext>
+    </p:extLst>
+  </p:cSld>
+  <p:clrMapOvr>
+    <a:masterClrMapping/>
+  </p:clrMapOvr>
+</p:sld>
+</file>
+
+<file path=ppt/slides/slide4.xml><?xml version="1.0" encoding="utf-8"?>
+<p:sld xmlns:a="http://schemas.openxmlformats.org/drawingml/2006/main" xmlns:r="http://schemas.openxmlformats.org/officeDocument/2006/relationships" xmlns:p="http://schemas.openxmlformats.org/presentationml/2006/main">
+  <p:cSld>
+    <p:spTree>
+      <p:nvGrpSpPr>
+        <p:cNvPr id="1" name=""/>
+        <p:cNvGrpSpPr/>
+        <p:nvPr/>
+      </p:nvGrpSpPr>
+      <p:grpSpPr>
+        <a:xfrm>
+          <a:off x="0" y="0"/>
+          <a:ext cx="0" cy="0"/>
+          <a:chOff x="0" y="0"/>
+          <a:chExt cx="0" cy="0"/>
+        </a:xfrm>
+      </p:grpSpPr>
+      <p:sp>
+        <p:nvSpPr>
+          <p:cNvPr id="16" name="TextBox 15">
+            <a:extLst>
+              <a:ext uri="{FF2B5EF4-FFF2-40B4-BE49-F238E27FC236}">
+                <a16:creationId xmlns:a16="http://schemas.microsoft.com/office/drawing/2014/main" id="{BCD2B2E9-7D6E-49B9-B1BA-562758CE8C2D}"/>
+              </a:ext>
+            </a:extLst>
+          </p:cNvPr>
+          <p:cNvSpPr txBox="1"/>
+          <p:nvPr/>
+        </p:nvSpPr>
+        <p:spPr>
+          <a:xfrm>
+            <a:off x="1142166" y="1758043"/>
+            <a:ext cx="2063898" cy="369332"/>
+          </a:xfrm>
+          <a:prstGeom prst="rect">
+            <a:avLst/>
+          </a:prstGeom>
+          <a:noFill/>
+        </p:spPr>
+        <p:txBody>
+          <a:bodyPr wrap="none" rtlCol="0">
+            <a:spAutoFit/>
+          </a:bodyPr>
+          <a:lstStyle/>
+          <a:p>
+            <a:r>
+              <a:rPr lang="en-US" b="1" dirty="0"/>
+              <a:t>Otsu’s Thresholding</a:t>
+            </a:r>
+          </a:p>
+        </p:txBody>
+      </p:sp>
+      <p:sp>
+        <p:nvSpPr>
+          <p:cNvPr id="17" name="TextBox 16">
+            <a:extLst>
+              <a:ext uri="{FF2B5EF4-FFF2-40B4-BE49-F238E27FC236}">
+                <a16:creationId xmlns:a16="http://schemas.microsoft.com/office/drawing/2014/main" id="{2241EE41-C576-44AB-91ED-264D88E69187}"/>
+              </a:ext>
+            </a:extLst>
+          </p:cNvPr>
+          <p:cNvSpPr txBox="1"/>
+          <p:nvPr/>
+        </p:nvSpPr>
+        <p:spPr>
+          <a:xfrm>
+            <a:off x="4056819" y="38633"/>
+            <a:ext cx="4078361" cy="523220"/>
+          </a:xfrm>
+          <a:prstGeom prst="rect">
+            <a:avLst/>
+          </a:prstGeom>
+          <a:noFill/>
+        </p:spPr>
+        <p:txBody>
+          <a:bodyPr wrap="none" rtlCol="0">
+            <a:spAutoFit/>
+          </a:bodyPr>
+          <a:lstStyle/>
+          <a:p>
+            <a:r>
+              <a:rPr lang="en-US" sz="2800" b="1" dirty="0"/>
+              <a:t>I m a g e   P r o c e s </a:t>
+            </a:r>
+            <a:r>
+              <a:rPr lang="en-US" sz="2800" b="1" dirty="0" err="1"/>
+              <a:t>s</a:t>
+            </a:r>
+            <a:r>
+              <a:rPr lang="en-US" sz="2800" b="1" dirty="0"/>
+              <a:t> </a:t>
+            </a:r>
+            <a:r>
+              <a:rPr lang="en-US" sz="2800" b="1" dirty="0" err="1"/>
+              <a:t>i</a:t>
+            </a:r>
+            <a:r>
+              <a:rPr lang="en-US" sz="2800" b="1" dirty="0"/>
+              <a:t> n g</a:t>
+            </a:r>
+          </a:p>
+        </p:txBody>
+      </p:sp>
+      <p:cxnSp>
+        <p:nvCxnSpPr>
+          <p:cNvPr id="22" name="Straight Connector 21">
+            <a:extLst>
+              <a:ext uri="{FF2B5EF4-FFF2-40B4-BE49-F238E27FC236}">
+                <a16:creationId xmlns:a16="http://schemas.microsoft.com/office/drawing/2014/main" id="{ED69A7F7-1A94-4C8B-A2E1-FF3E7353F049}"/>
+              </a:ext>
+            </a:extLst>
+          </p:cNvPr>
+          <p:cNvCxnSpPr>
+            <a:cxnSpLocks/>
+          </p:cNvCxnSpPr>
+          <p:nvPr/>
+        </p:nvCxnSpPr>
+        <p:spPr>
+          <a:xfrm>
+            <a:off x="203200" y="561854"/>
+            <a:ext cx="11430000" cy="0"/>
+          </a:xfrm>
+          <a:prstGeom prst="line">
+            <a:avLst/>
+          </a:prstGeom>
+        </p:spPr>
+        <p:style>
+          <a:lnRef idx="1">
+            <a:schemeClr val="accent1"/>
+          </a:lnRef>
+          <a:fillRef idx="0">
+            <a:schemeClr val="accent1"/>
+          </a:fillRef>
+          <a:effectRef idx="0">
+            <a:schemeClr val="accent1"/>
+          </a:effectRef>
+          <a:fontRef idx="minor">
+            <a:schemeClr val="tx1"/>
+          </a:fontRef>
+        </p:style>
+      </p:cxnSp>
+      <p:pic>
+        <p:nvPicPr>
+          <p:cNvPr id="25" name="Picture 24">
+            <a:extLst>
+              <a:ext uri="{FF2B5EF4-FFF2-40B4-BE49-F238E27FC236}">
+                <a16:creationId xmlns:a16="http://schemas.microsoft.com/office/drawing/2014/main" id="{44CC6726-F41D-4427-B339-7F2EDE6C6211}"/>
+              </a:ext>
+            </a:extLst>
+          </p:cNvPr>
+          <p:cNvPicPr>
+            <a:picLocks noChangeAspect="1"/>
+          </p:cNvPicPr>
+          <p:nvPr/>
+        </p:nvPicPr>
+        <p:blipFill>
+          <a:blip r:embed="rId3"/>
+          <a:stretch>
+            <a:fillRect/>
+          </a:stretch>
+        </p:blipFill>
+        <p:spPr>
+          <a:xfrm>
+            <a:off x="4179539" y="1154679"/>
+            <a:ext cx="4088563" cy="5560724"/>
+          </a:xfrm>
+          <a:prstGeom prst="rect">
+            <a:avLst/>
+          </a:prstGeom>
+        </p:spPr>
+      </p:pic>
+      <p:pic>
+        <p:nvPicPr>
+          <p:cNvPr id="27" name="Picture 26">
+            <a:extLst>
+              <a:ext uri="{FF2B5EF4-FFF2-40B4-BE49-F238E27FC236}">
+                <a16:creationId xmlns:a16="http://schemas.microsoft.com/office/drawing/2014/main" id="{7AE5D431-9C69-488B-93E9-0C71FEB1890F}"/>
+              </a:ext>
+            </a:extLst>
+          </p:cNvPr>
+          <p:cNvPicPr>
+            <a:picLocks noChangeAspect="1"/>
+          </p:cNvPicPr>
+          <p:nvPr/>
+        </p:nvPicPr>
+        <p:blipFill>
+          <a:blip r:embed="rId4"/>
+          <a:stretch>
+            <a:fillRect/>
+          </a:stretch>
+        </p:blipFill>
+        <p:spPr>
+          <a:xfrm>
+            <a:off x="8268102" y="1942709"/>
+            <a:ext cx="3725855" cy="3984663"/>
+          </a:xfrm>
+          <a:prstGeom prst="rect">
+            <a:avLst/>
+          </a:prstGeom>
+        </p:spPr>
+      </p:pic>
+      <p:pic>
+        <p:nvPicPr>
+          <p:cNvPr id="29" name="Picture 28">
+            <a:extLst>
+              <a:ext uri="{FF2B5EF4-FFF2-40B4-BE49-F238E27FC236}">
+                <a16:creationId xmlns:a16="http://schemas.microsoft.com/office/drawing/2014/main" id="{E6E70841-D96C-4842-B6F0-FF6CBAE4E26B}"/>
+              </a:ext>
+            </a:extLst>
+          </p:cNvPr>
+          <p:cNvPicPr>
+            <a:picLocks noChangeAspect="1"/>
+          </p:cNvPicPr>
+          <p:nvPr/>
+        </p:nvPicPr>
+        <p:blipFill>
+          <a:blip r:embed="rId5"/>
+          <a:stretch>
+            <a:fillRect/>
+          </a:stretch>
+        </p:blipFill>
+        <p:spPr>
+          <a:xfrm>
+            <a:off x="203200" y="2227042"/>
+            <a:ext cx="3941831" cy="2835167"/>
+          </a:xfrm>
+          <a:prstGeom prst="rect">
+            <a:avLst/>
+          </a:prstGeom>
+        </p:spPr>
+      </p:pic>
+      <p:sp>
+        <p:nvSpPr>
+          <p:cNvPr id="30" name="TextBox 29">
+            <a:extLst>
+              <a:ext uri="{FF2B5EF4-FFF2-40B4-BE49-F238E27FC236}">
+                <a16:creationId xmlns:a16="http://schemas.microsoft.com/office/drawing/2014/main" id="{0D40E8E5-697E-475E-8CDC-385516B0079D}"/>
+              </a:ext>
+            </a:extLst>
+          </p:cNvPr>
+          <p:cNvSpPr txBox="1"/>
+          <p:nvPr/>
+        </p:nvSpPr>
+        <p:spPr>
+          <a:xfrm>
+            <a:off x="4781918" y="673600"/>
+            <a:ext cx="2883803" cy="369332"/>
+          </a:xfrm>
+          <a:prstGeom prst="rect">
+            <a:avLst/>
+          </a:prstGeom>
+          <a:noFill/>
+        </p:spPr>
+        <p:txBody>
+          <a:bodyPr wrap="none" rtlCol="0">
+            <a:spAutoFit/>
+          </a:bodyPr>
+          <a:lstStyle/>
+          <a:p>
+            <a:r>
+              <a:rPr lang="en-US" b="1" dirty="0"/>
+              <a:t>Dilation, opening, and filling</a:t>
+            </a:r>
+          </a:p>
+        </p:txBody>
+      </p:sp>
+      <p:sp>
+        <p:nvSpPr>
+          <p:cNvPr id="34" name="TextBox 33">
+            <a:extLst>
+              <a:ext uri="{FF2B5EF4-FFF2-40B4-BE49-F238E27FC236}">
+                <a16:creationId xmlns:a16="http://schemas.microsoft.com/office/drawing/2014/main" id="{AA7380F2-05B4-43A7-80C7-F2202ED62433}"/>
+              </a:ext>
+            </a:extLst>
+          </p:cNvPr>
+          <p:cNvSpPr txBox="1"/>
+          <p:nvPr/>
+        </p:nvSpPr>
+        <p:spPr>
+          <a:xfrm>
+            <a:off x="8412898" y="1520086"/>
+            <a:ext cx="3436262" cy="369332"/>
+          </a:xfrm>
+          <a:prstGeom prst="rect">
+            <a:avLst/>
+          </a:prstGeom>
+          <a:noFill/>
+        </p:spPr>
+        <p:txBody>
+          <a:bodyPr wrap="none" rtlCol="0">
+            <a:spAutoFit/>
+          </a:bodyPr>
+          <a:lstStyle/>
+          <a:p>
+            <a:r>
+              <a:rPr lang="en-US" b="1" dirty="0"/>
+              <a:t>Multiply mask with original image</a:t>
+            </a:r>
+          </a:p>
+        </p:txBody>
+      </p:sp>
+    </p:spTree>
+    <p:extLst>
+      <p:ext uri="{BB962C8B-B14F-4D97-AF65-F5344CB8AC3E}">
+        <p14:creationId xmlns:p14="http://schemas.microsoft.com/office/powerpoint/2010/main" val="3990830773"/>
+      </p:ext>
+    </p:extLst>
+  </p:cSld>
+  <p:clrMapOvr>
+    <a:masterClrMapping/>
+  </p:clrMapOvr>
+  <p:timing>
+    <p:tnLst>
+      <p:par>
+        <p:cTn id="1" dur="indefinite" restart="never" nodeType="tmRoot">
+          <p:childTnLst>
+            <p:seq concurrent="1" nextAc="seek">
+              <p:cTn id="2" dur="indefinite" nodeType="mainSeq">
+                <p:childTnLst>
+                  <p:par>
+                    <p:cTn id="3" fill="hold">
+                      <p:stCondLst>
+                        <p:cond delay="indefinite"/>
+                      </p:stCondLst>
+                      <p:childTnLst>
+                        <p:par>
+                          <p:cTn id="4" fill="hold">
+                            <p:stCondLst>
+                              <p:cond delay="0"/>
+                            </p:stCondLst>
+                            <p:childTnLst>
+                              <p:par>
+                                <p:cTn id="5" presetID="1" presetClass="entr" presetSubtype="0" fill="hold" nodeType="clickEffect">
+                                  <p:stCondLst>
+                                    <p:cond delay="0"/>
+                                  </p:stCondLst>
+                                  <p:childTnLst>
+                                    <p:set>
+                                      <p:cBhvr>
+                                        <p:cTn id="6" dur="1" fill="hold">
+                                          <p:stCondLst>
+                                            <p:cond delay="0"/>
+                                          </p:stCondLst>
+                                        </p:cTn>
+                                        <p:tgtEl>
+                                          <p:spTgt spid="25"/>
+                                        </p:tgtEl>
+                                        <p:attrNameLst>
+                                          <p:attrName>style.visibility</p:attrName>
+                                        </p:attrNameLst>
+                                      </p:cBhvr>
+                                      <p:to>
+                                        <p:strVal val="visible"/>
+                                      </p:to>
+                                    </p:set>
+                                  </p:childTnLst>
+                                </p:cTn>
+                              </p:par>
+                              <p:par>
+                                <p:cTn id="7" presetID="1" presetClass="entr" presetSubtype="0" fill="hold" grpId="0" nodeType="withEffect">
+                                  <p:stCondLst>
+                                    <p:cond delay="0"/>
+                                  </p:stCondLst>
+                                  <p:childTnLst>
+                                    <p:set>
+                                      <p:cBhvr>
+                                        <p:cTn id="8" dur="1" fill="hold">
+                                          <p:stCondLst>
+                                            <p:cond delay="0"/>
+                                          </p:stCondLst>
+                                        </p:cTn>
+                                        <p:tgtEl>
+                                          <p:spTgt spid="30"/>
+                                        </p:tgtEl>
+                                        <p:attrNameLst>
+                                          <p:attrName>style.visibility</p:attrName>
+                                        </p:attrNameLst>
+                                      </p:cBhvr>
+                                      <p:to>
+                                        <p:strVal val="visible"/>
+                                      </p:to>
+                                    </p:set>
+                                  </p:childTnLst>
+                                </p:cTn>
+                              </p:par>
+                            </p:childTnLst>
+                          </p:cTn>
+                        </p:par>
+                      </p:childTnLst>
+                    </p:cTn>
+                  </p:par>
+                  <p:par>
+                    <p:cTn id="9" fill="hold">
+                      <p:stCondLst>
+                        <p:cond delay="indefinite"/>
+                      </p:stCondLst>
+                      <p:childTnLst>
+                        <p:par>
+                          <p:cTn id="10" fill="hold">
+                            <p:stCondLst>
+                              <p:cond delay="0"/>
+                            </p:stCondLst>
+                            <p:childTnLst>
+                              <p:par>
+                                <p:cTn id="11" presetID="1" presetClass="entr" presetSubtype="0" fill="hold" nodeType="clickEffect">
+                                  <p:stCondLst>
+                                    <p:cond delay="0"/>
+                                  </p:stCondLst>
+                                  <p:childTnLst>
+                                    <p:set>
+                                      <p:cBhvr>
+                                        <p:cTn id="12" dur="1" fill="hold">
+                                          <p:stCondLst>
+                                            <p:cond delay="0"/>
+                                          </p:stCondLst>
+                                        </p:cTn>
+                                        <p:tgtEl>
+                                          <p:spTgt spid="27"/>
+                                        </p:tgtEl>
+                                        <p:attrNameLst>
+                                          <p:attrName>style.visibility</p:attrName>
+                                        </p:attrNameLst>
+                                      </p:cBhvr>
+                                      <p:to>
+                                        <p:strVal val="visible"/>
+                                      </p:to>
+                                    </p:set>
+                                  </p:childTnLst>
+                                </p:cTn>
+                              </p:par>
+                              <p:par>
+                                <p:cTn id="13" presetID="1" presetClass="entr" presetSubtype="0" fill="hold" grpId="0" nodeType="withEffect">
+                                  <p:stCondLst>
+                                    <p:cond delay="0"/>
+                                  </p:stCondLst>
+                                  <p:childTnLst>
+                                    <p:set>
+                                      <p:cBhvr>
+                                        <p:cTn id="14" dur="1" fill="hold">
+                                          <p:stCondLst>
+                                            <p:cond delay="0"/>
+                                          </p:stCondLst>
+                                        </p:cTn>
+                                        <p:tgtEl>
+                                          <p:spTgt spid="34"/>
+                                        </p:tgtEl>
+                                        <p:attrNameLst>
+                                          <p:attrName>style.visibility</p:attrName>
+                                        </p:attrNameLst>
+                                      </p:cBhvr>
+                                      <p:to>
+                                        <p:strVal val="visible"/>
+                                      </p:to>
+                                    </p:set>
+                                  </p:childTnLst>
+                                </p:cTn>
+                              </p:par>
+                            </p:childTnLst>
+                          </p:cTn>
+                        </p:par>
+                      </p:childTnLst>
+                    </p:cTn>
+                  </p:par>
+                </p:childTnLst>
+              </p:cTn>
+              <p:prevCondLst>
+                <p:cond evt="onPrev" delay="0">
+                  <p:tgtEl>
+                    <p:sldTgt/>
+                  </p:tgtEl>
+                </p:cond>
+              </p:prevCondLst>
+              <p:nextCondLst>
+                <p:cond evt="onNext" delay="0">
+                  <p:tgtEl>
+                    <p:sldTgt/>
+                  </p:tgtEl>
+                </p:cond>
+              </p:nextCondLst>
+            </p:seq>
+          </p:childTnLst>
+        </p:cTn>
+      </p:par>
+    </p:tnLst>
+    <p:bldLst>
+      <p:bldP spid="30" grpId="0"/>
+      <p:bldP spid="34" grpId="0"/>
+    </p:bldLst>
+  </p:timing>
+</p:sld>
+</file>
+
+<file path=ppt/slides/slide5.xml><?xml version="1.0" encoding="utf-8"?>
+<p:sld xmlns:a="http://schemas.openxmlformats.org/drawingml/2006/main" xmlns:r="http://schemas.openxmlformats.org/officeDocument/2006/relationships" xmlns:p="http://schemas.openxmlformats.org/presentationml/2006/main">
+  <p:cSld>
+    <p:spTree>
+      <p:nvGrpSpPr>
+        <p:cNvPr id="1" name=""/>
+        <p:cNvGrpSpPr/>
+        <p:nvPr/>
+      </p:nvGrpSpPr>
+      <p:grpSpPr>
+        <a:xfrm>
+          <a:off x="0" y="0"/>
+          <a:ext cx="0" cy="0"/>
+          <a:chOff x="0" y="0"/>
+          <a:chExt cx="0" cy="0"/>
+        </a:xfrm>
+      </p:grpSpPr>
+      <p:sp>
+        <p:nvSpPr>
+          <p:cNvPr id="2" name="Title 1">
+            <a:extLst>
+              <a:ext uri="{FF2B5EF4-FFF2-40B4-BE49-F238E27FC236}">
+                <a16:creationId xmlns:a16="http://schemas.microsoft.com/office/drawing/2014/main" id="{AC7CEAA8-49F1-4949-A4C1-627C69D9AAB7}"/>
+              </a:ext>
+            </a:extLst>
+          </p:cNvPr>
+          <p:cNvSpPr>
+            <a:spLocks noGrp="1"/>
+          </p:cNvSpPr>
+          <p:nvPr>
+            <p:ph type="title"/>
+          </p:nvPr>
+        </p:nvSpPr>
+        <p:spPr/>
+        <p:txBody>
+          <a:bodyPr/>
+          <a:lstStyle/>
+          <a:p>
+            <a:r>
+              <a:rPr lang="en-US" dirty="0"/>
+              <a:t>Final image</a:t>
+            </a:r>
+          </a:p>
+        </p:txBody>
+      </p:sp>
+      <p:sp>
+        <p:nvSpPr>
+          <p:cNvPr id="3" name="Content Placeholder 2">
+            <a:extLst>
+              <a:ext uri="{FF2B5EF4-FFF2-40B4-BE49-F238E27FC236}">
+                <a16:creationId xmlns:a16="http://schemas.microsoft.com/office/drawing/2014/main" id="{F35750C3-511A-43DE-83D8-067AC59C5F06}"/>
+              </a:ext>
+            </a:extLst>
+          </p:cNvPr>
+          <p:cNvSpPr>
+            <a:spLocks noGrp="1"/>
+          </p:cNvSpPr>
+          <p:nvPr>
+            <p:ph idx="1"/>
+          </p:nvPr>
+        </p:nvSpPr>
+        <p:spPr/>
+        <p:txBody>
+          <a:bodyPr/>
+          <a:lstStyle/>
+          <a:p>
+            <a:endParaRPr lang="en-US" dirty="0"/>
+          </a:p>
+        </p:txBody>
+      </p:sp>
+      <p:pic>
+        <p:nvPicPr>
+          <p:cNvPr id="9" name="Picture 8">
+            <a:extLst>
+              <a:ext uri="{FF2B5EF4-FFF2-40B4-BE49-F238E27FC236}">
+                <a16:creationId xmlns:a16="http://schemas.microsoft.com/office/drawing/2014/main" id="{E68EE298-72C1-4746-A979-5094BD4D3652}"/>
+              </a:ext>
+            </a:extLst>
+          </p:cNvPr>
+          <p:cNvPicPr>
+            <a:picLocks noChangeAspect="1"/>
+          </p:cNvPicPr>
+          <p:nvPr/>
+        </p:nvPicPr>
+        <p:blipFill rotWithShape="1">
+          <a:blip r:embed="rId2"/>
+          <a:srcRect b="49593"/>
+          <a:stretch/>
+        </p:blipFill>
+        <p:spPr>
+          <a:xfrm>
+            <a:off x="-316418" y="1477217"/>
+            <a:ext cx="13070623" cy="4738816"/>
+          </a:xfrm>
+          <a:prstGeom prst="rect">
+            <a:avLst/>
+          </a:prstGeom>
+        </p:spPr>
+      </p:pic>
+      <p:pic>
+        <p:nvPicPr>
+          <p:cNvPr id="11" name="Picture 10">
+            <a:extLst>
+              <a:ext uri="{FF2B5EF4-FFF2-40B4-BE49-F238E27FC236}">
+                <a16:creationId xmlns:a16="http://schemas.microsoft.com/office/drawing/2014/main" id="{3F3F2C6B-A79A-418B-A1BE-43C928E71D85}"/>
+              </a:ext>
+            </a:extLst>
+          </p:cNvPr>
+          <p:cNvPicPr>
+            <a:picLocks noChangeAspect="1"/>
+          </p:cNvPicPr>
+          <p:nvPr/>
+        </p:nvPicPr>
+        <p:blipFill rotWithShape="1">
+          <a:blip r:embed="rId3"/>
+          <a:srcRect t="66766"/>
+          <a:stretch/>
+        </p:blipFill>
+        <p:spPr>
+          <a:xfrm>
+            <a:off x="-213161" y="1744849"/>
+            <a:ext cx="12322888" cy="4379887"/>
+          </a:xfrm>
+          <a:prstGeom prst="rect">
+            <a:avLst/>
+          </a:prstGeom>
+        </p:spPr>
+      </p:pic>
+      <p:sp>
+        <p:nvSpPr>
+          <p:cNvPr id="13" name="TextBox 12">
+            <a:extLst>
+              <a:ext uri="{FF2B5EF4-FFF2-40B4-BE49-F238E27FC236}">
+                <a16:creationId xmlns:a16="http://schemas.microsoft.com/office/drawing/2014/main" id="{205321CA-252E-45F9-8355-A9AEB49B2369}"/>
+              </a:ext>
+            </a:extLst>
+          </p:cNvPr>
+          <p:cNvSpPr txBox="1"/>
+          <p:nvPr/>
+        </p:nvSpPr>
+        <p:spPr>
+          <a:xfrm>
+            <a:off x="4781918" y="673600"/>
+            <a:ext cx="2883803" cy="369332"/>
+          </a:xfrm>
+          <a:prstGeom prst="rect">
+            <a:avLst/>
+          </a:prstGeom>
+          <a:noFill/>
+        </p:spPr>
+        <p:txBody>
+          <a:bodyPr wrap="none" rtlCol="0">
+            <a:spAutoFit/>
+          </a:bodyPr>
+          <a:lstStyle/>
+          <a:p>
+            <a:r>
+              <a:rPr lang="en-US" b="1" dirty="0"/>
+              <a:t>Dilation, opening, and filling</a:t>
+            </a:r>
+          </a:p>
+        </p:txBody>
+      </p:sp>
+    </p:spTree>
+    <p:extLst>
+      <p:ext uri="{BB962C8B-B14F-4D97-AF65-F5344CB8AC3E}">
+        <p14:creationId xmlns:p14="http://schemas.microsoft.com/office/powerpoint/2010/main" val="1133365998"/>
+      </p:ext>
+    </p:extLst>
+  </p:cSld>
+  <p:clrMapOvr>
+    <a:masterClrMapping/>
+  </p:clrMapOvr>
+  <p:timing>
+    <p:tnLst>
+      <p:par>
+        <p:cTn id="1" dur="indefinite" restart="never" nodeType="tmRoot">
+          <p:childTnLst>
+            <p:seq concurrent="1" nextAc="seek">
+              <p:cTn id="2" dur="indefinite" nodeType="mainSeq">
+                <p:childTnLst>
+                  <p:par>
+                    <p:cTn id="3" fill="hold">
+                      <p:stCondLst>
+                        <p:cond delay="indefinite"/>
+                      </p:stCondLst>
+                      <p:childTnLst>
+                        <p:par>
+                          <p:cTn id="4" fill="hold">
+                            <p:stCondLst>
+                              <p:cond delay="0"/>
+                            </p:stCondLst>
+                            <p:childTnLst>
+                              <p:par>
+                                <p:cTn id="5" presetID="1" presetClass="entr" presetSubtype="0" fill="hold" nodeType="clickEffect">
+                                  <p:stCondLst>
+                                    <p:cond delay="0"/>
+                                  </p:stCondLst>
+                                  <p:childTnLst>
+                                    <p:set>
+                                      <p:cBhvr>
+                                        <p:cTn id="6" dur="1" fill="hold">
+                                          <p:stCondLst>
+                                            <p:cond delay="0"/>
+                                          </p:stCondLst>
+                                        </p:cTn>
+                                        <p:tgtEl>
+                                          <p:spTgt spid="11"/>
+                                        </p:tgtEl>
+                                        <p:attrNameLst>
+                                          <p:attrName>style.visibility</p:attrName>
+                                        </p:attrNameLst>
+                                      </p:cBhvr>
+                                      <p:to>
+                                        <p:strVal val="visible"/>
+                                      </p:to>
+                                    </p:set>
+                                  </p:childTnLst>
+                                </p:cTn>
+                              </p:par>
+                            </p:childTnLst>
+                          </p:cTn>
+                        </p:par>
+                      </p:childTnLst>
+                    </p:cTn>
+                  </p:par>
+                </p:childTnLst>
+              </p:cTn>
+              <p:prevCondLst>
+                <p:cond evt="onPrev" delay="0">
+                  <p:tgtEl>
+                    <p:sldTgt/>
+                  </p:tgtEl>
+                </p:cond>
+              </p:prevCondLst>
+              <p:nextCondLst>
+                <p:cond evt="onNext" delay="0">
+                  <p:tgtEl>
+                    <p:sldTgt/>
+                  </p:tgtEl>
+                </p:cond>
+              </p:nextCondLst>
+            </p:seq>
+          </p:childTnLst>
+        </p:cTn>
+      </p:par>
+    </p:tnLst>
+  </p:timing>
+</p:sld>
+</file>
+
+<file path=ppt/slides/slide6.xml><?xml version="1.0" encoding="utf-8"?>
+<p:sld xmlns:a="http://schemas.openxmlformats.org/drawingml/2006/main" xmlns:r="http://schemas.openxmlformats.org/officeDocument/2006/relationships" xmlns:p="http://schemas.openxmlformats.org/presentationml/2006/main">
+  <p:cSld>
+    <p:spTree>
+      <p:nvGrpSpPr>
+        <p:cNvPr id="1" name=""/>
+        <p:cNvGrpSpPr/>
+        <p:nvPr/>
+      </p:nvGrpSpPr>
+      <p:grpSpPr>
+        <a:xfrm>
+          <a:off x="0" y="0"/>
+          <a:ext cx="0" cy="0"/>
+          <a:chOff x="0" y="0"/>
+          <a:chExt cx="0" cy="0"/>
+        </a:xfrm>
+      </p:grpSpPr>
+      <p:sp>
+        <p:nvSpPr>
+          <p:cNvPr id="2" name="Title 1">
+            <a:extLst>
+              <a:ext uri="{FF2B5EF4-FFF2-40B4-BE49-F238E27FC236}">
+                <a16:creationId xmlns:a16="http://schemas.microsoft.com/office/drawing/2014/main" id="{E3C299BD-FE62-41BD-8302-5274A051EDFD}"/>
+              </a:ext>
+            </a:extLst>
+          </p:cNvPr>
+          <p:cNvSpPr>
+            <a:spLocks noGrp="1"/>
+          </p:cNvSpPr>
+          <p:nvPr>
+            <p:ph type="title"/>
+          </p:nvPr>
+        </p:nvSpPr>
+        <p:spPr/>
+        <p:txBody>
+          <a:bodyPr/>
+          <a:lstStyle/>
+          <a:p>
+            <a:r>
+              <a:rPr lang="en-US" dirty="0"/>
+              <a:t>Workflow</a:t>
+            </a:r>
+          </a:p>
+        </p:txBody>
+      </p:sp>
+      <p:pic>
+        <p:nvPicPr>
+          <p:cNvPr id="7" name="Picture 6" descr="A close up of a device&#10;&#10;Description automatically generated">
+            <a:extLst>
+              <a:ext uri="{FF2B5EF4-FFF2-40B4-BE49-F238E27FC236}">
+                <a16:creationId xmlns:a16="http://schemas.microsoft.com/office/drawing/2014/main" id="{19DF049C-80BD-4908-9DF6-DAE093A8E5C9}"/>
+              </a:ext>
+            </a:extLst>
+          </p:cNvPr>
+          <p:cNvPicPr>
+            <a:picLocks noChangeAspect="1"/>
+          </p:cNvPicPr>
+          <p:nvPr/>
+        </p:nvPicPr>
+        <p:blipFill>
+          <a:blip r:embed="rId2">
+            <a:extLst>
+              <a:ext uri="{28A0092B-C50C-407E-A947-70E740481C1C}">
+                <a14:useLocalDpi xmlns:a14="http://schemas.microsoft.com/office/drawing/2010/main" val="0"/>
+              </a:ext>
+            </a:extLst>
+          </a:blip>
+          <a:stretch>
+            <a:fillRect/>
+          </a:stretch>
+        </p:blipFill>
+        <p:spPr>
+          <a:xfrm>
+            <a:off x="48751" y="2459389"/>
+            <a:ext cx="3138070" cy="711625"/>
+          </a:xfrm>
+          <a:prstGeom prst="rect">
+            <a:avLst/>
+          </a:prstGeom>
+        </p:spPr>
+      </p:pic>
+      <p:sp>
+        <p:nvSpPr>
+          <p:cNvPr id="8" name="TextBox 7">
+            <a:extLst>
+              <a:ext uri="{FF2B5EF4-FFF2-40B4-BE49-F238E27FC236}">
+                <a16:creationId xmlns:a16="http://schemas.microsoft.com/office/drawing/2014/main" id="{A17AD4BD-6603-42CE-ABD4-E3E90ADF6F58}"/>
+              </a:ext>
+            </a:extLst>
+          </p:cNvPr>
+          <p:cNvSpPr txBox="1"/>
+          <p:nvPr/>
+        </p:nvSpPr>
+        <p:spPr>
+          <a:xfrm>
+            <a:off x="920511" y="2090057"/>
+            <a:ext cx="1394549" cy="369332"/>
+          </a:xfrm>
+          <a:prstGeom prst="rect">
+            <a:avLst/>
+          </a:prstGeom>
+          <a:noFill/>
+        </p:spPr>
+        <p:txBody>
+          <a:bodyPr wrap="none" rtlCol="0">
+            <a:spAutoFit/>
+          </a:bodyPr>
+          <a:lstStyle/>
+          <a:p>
+            <a:r>
+              <a:rPr lang="en-US" dirty="0"/>
+              <a:t>Worm Image</a:t>
+            </a:r>
+          </a:p>
+        </p:txBody>
+      </p:sp>
+      <p:sp>
+        <p:nvSpPr>
+          <p:cNvPr id="9" name="Arrow: Right 8">
+            <a:extLst>
+              <a:ext uri="{FF2B5EF4-FFF2-40B4-BE49-F238E27FC236}">
+                <a16:creationId xmlns:a16="http://schemas.microsoft.com/office/drawing/2014/main" id="{9AF7AF5C-B9AD-438F-8DA2-D1535BC43287}"/>
+              </a:ext>
+            </a:extLst>
+          </p:cNvPr>
+          <p:cNvSpPr/>
+          <p:nvPr/>
+        </p:nvSpPr>
+        <p:spPr>
+          <a:xfrm>
+            <a:off x="3321417" y="2572885"/>
+            <a:ext cx="2035773" cy="484632"/>
+          </a:xfrm>
+          <a:prstGeom prst="rightArrow">
+            <a:avLst/>
+          </a:prstGeom>
+        </p:spPr>
+        <p:style>
+          <a:lnRef idx="2">
+            <a:schemeClr val="accent1">
+              <a:shade val="50000"/>
+            </a:schemeClr>
+          </a:lnRef>
+          <a:fillRef idx="1">
+            <a:schemeClr val="accent1"/>
+          </a:fillRef>
+          <a:effectRef idx="0">
+            <a:schemeClr val="accent1"/>
+          </a:effectRef>
+          <a:fontRef idx="minor">
+            <a:schemeClr val="lt1"/>
+          </a:fontRef>
+        </p:style>
+        <p:txBody>
+          <a:bodyPr rtlCol="0" anchor="ctr"/>
+          <a:lstStyle/>
+          <a:p>
+            <a:pPr algn="ctr"/>
+            <a:r>
+              <a:rPr lang="en-US" dirty="0"/>
+              <a:t>Feature Extraction</a:t>
+            </a:r>
+          </a:p>
+        </p:txBody>
+      </p:sp>
+      <p:pic>
+        <p:nvPicPr>
+          <p:cNvPr id="10" name="Picture 9">
+            <a:extLst>
+              <a:ext uri="{FF2B5EF4-FFF2-40B4-BE49-F238E27FC236}">
+                <a16:creationId xmlns:a16="http://schemas.microsoft.com/office/drawing/2014/main" id="{2A7E915C-C46C-4C57-A4E6-37FD78E5607C}"/>
+              </a:ext>
+            </a:extLst>
+          </p:cNvPr>
+          <p:cNvPicPr>
+            <a:picLocks noChangeAspect="1"/>
+          </p:cNvPicPr>
+          <p:nvPr/>
+        </p:nvPicPr>
+        <p:blipFill rotWithShape="1">
+          <a:blip r:embed="rId3"/>
+          <a:srcRect l="1896" t="30343" r="50811" b="49062"/>
+          <a:stretch/>
+        </p:blipFill>
+        <p:spPr>
+          <a:xfrm>
+            <a:off x="5491786" y="2459389"/>
+            <a:ext cx="6087864" cy="1325563"/>
+          </a:xfrm>
+          <a:prstGeom prst="rect">
+            <a:avLst/>
+          </a:prstGeom>
+        </p:spPr>
+      </p:pic>
+      <p:sp>
+        <p:nvSpPr>
+          <p:cNvPr id="11" name="Arrow: Down 10">
+            <a:extLst>
+              <a:ext uri="{FF2B5EF4-FFF2-40B4-BE49-F238E27FC236}">
+                <a16:creationId xmlns:a16="http://schemas.microsoft.com/office/drawing/2014/main" id="{C9867F5C-A768-41F3-9A15-8CC49C5AB434}"/>
+              </a:ext>
+            </a:extLst>
+          </p:cNvPr>
+          <p:cNvSpPr/>
+          <p:nvPr/>
+        </p:nvSpPr>
+        <p:spPr>
+          <a:xfrm>
+            <a:off x="7587132" y="949160"/>
+            <a:ext cx="1897172" cy="1325563"/>
+          </a:xfrm>
+          <a:prstGeom prst="downArrow">
+            <a:avLst/>
+          </a:prstGeom>
+        </p:spPr>
+        <p:style>
+          <a:lnRef idx="2">
+            <a:schemeClr val="accent1">
+              <a:shade val="50000"/>
+            </a:schemeClr>
+          </a:lnRef>
+          <a:fillRef idx="1">
+            <a:schemeClr val="accent1"/>
+          </a:fillRef>
+          <a:effectRef idx="0">
+            <a:schemeClr val="accent1"/>
+          </a:effectRef>
+          <a:fontRef idx="minor">
+            <a:schemeClr val="lt1"/>
+          </a:fontRef>
+        </p:style>
+        <p:txBody>
+          <a:bodyPr rtlCol="0" anchor="ctr"/>
+          <a:lstStyle/>
+          <a:p>
+            <a:pPr algn="ctr"/>
+            <a:r>
+              <a:rPr lang="en-US" dirty="0"/>
+              <a:t>Ground Truth</a:t>
+            </a:r>
+          </a:p>
+        </p:txBody>
+      </p:sp>
+      <p:sp>
+        <p:nvSpPr>
+          <p:cNvPr id="12" name="Arrow: Down 11">
+            <a:extLst>
+              <a:ext uri="{FF2B5EF4-FFF2-40B4-BE49-F238E27FC236}">
+                <a16:creationId xmlns:a16="http://schemas.microsoft.com/office/drawing/2014/main" id="{72F22777-0C2F-4BDA-B995-F8AB5A87A3D8}"/>
+              </a:ext>
+            </a:extLst>
+          </p:cNvPr>
+          <p:cNvSpPr/>
+          <p:nvPr/>
+        </p:nvSpPr>
+        <p:spPr>
+          <a:xfrm>
+            <a:off x="5678025" y="3813432"/>
+            <a:ext cx="2521757" cy="1325563"/>
+          </a:xfrm>
+          <a:prstGeom prst="downArrow">
+            <a:avLst/>
+          </a:prstGeom>
+        </p:spPr>
+        <p:style>
+          <a:lnRef idx="2">
+            <a:schemeClr val="accent1">
+              <a:shade val="50000"/>
+            </a:schemeClr>
+          </a:lnRef>
+          <a:fillRef idx="1">
+            <a:schemeClr val="accent1"/>
+          </a:fillRef>
+          <a:effectRef idx="0">
+            <a:schemeClr val="accent1"/>
+          </a:effectRef>
+          <a:fontRef idx="minor">
+            <a:schemeClr val="lt1"/>
+          </a:fontRef>
+        </p:style>
+        <p:txBody>
+          <a:bodyPr rtlCol="0" anchor="ctr"/>
+          <a:lstStyle/>
+          <a:p>
+            <a:pPr algn="ctr"/>
+            <a:r>
+              <a:rPr lang="en-US" dirty="0"/>
+              <a:t>Feature Exploration</a:t>
+            </a:r>
+          </a:p>
+        </p:txBody>
+      </p:sp>
+      <p:sp>
+        <p:nvSpPr>
+          <p:cNvPr id="13" name="Arrow: Down 12">
+            <a:extLst>
+              <a:ext uri="{FF2B5EF4-FFF2-40B4-BE49-F238E27FC236}">
+                <a16:creationId xmlns:a16="http://schemas.microsoft.com/office/drawing/2014/main" id="{B55820A6-15B4-41C1-B0DC-33ABD9673EA9}"/>
+              </a:ext>
+            </a:extLst>
+          </p:cNvPr>
+          <p:cNvSpPr/>
+          <p:nvPr/>
+        </p:nvSpPr>
+        <p:spPr>
+          <a:xfrm>
+            <a:off x="9144261" y="3813432"/>
+            <a:ext cx="2096895" cy="1325563"/>
+          </a:xfrm>
+          <a:prstGeom prst="downArrow">
+            <a:avLst/>
+          </a:prstGeom>
+        </p:spPr>
+        <p:style>
+          <a:lnRef idx="2">
+            <a:schemeClr val="accent1">
+              <a:shade val="50000"/>
+            </a:schemeClr>
+          </a:lnRef>
+          <a:fillRef idx="1">
+            <a:schemeClr val="accent1"/>
+          </a:fillRef>
+          <a:effectRef idx="0">
+            <a:schemeClr val="accent1"/>
+          </a:effectRef>
+          <a:fontRef idx="minor">
+            <a:schemeClr val="lt1"/>
+          </a:fontRef>
+        </p:style>
+        <p:txBody>
+          <a:bodyPr rtlCol="0" anchor="ctr"/>
+          <a:lstStyle/>
+          <a:p>
+            <a:pPr algn="ctr"/>
+            <a:r>
+              <a:rPr lang="en-US" dirty="0"/>
+              <a:t>Feature Selection</a:t>
+            </a:r>
+          </a:p>
+        </p:txBody>
+      </p:sp>
+      <p:sp>
+        <p:nvSpPr>
+          <p:cNvPr id="14" name="TextBox 13">
+            <a:extLst>
+              <a:ext uri="{FF2B5EF4-FFF2-40B4-BE49-F238E27FC236}">
+                <a16:creationId xmlns:a16="http://schemas.microsoft.com/office/drawing/2014/main" id="{0E3BCD4E-B12E-4E03-AA68-BE2EA74C581F}"/>
+              </a:ext>
+            </a:extLst>
+          </p:cNvPr>
+          <p:cNvSpPr txBox="1"/>
+          <p:nvPr/>
+        </p:nvSpPr>
+        <p:spPr>
+          <a:xfrm>
+            <a:off x="5897367" y="5167475"/>
+            <a:ext cx="2083071" cy="369332"/>
+          </a:xfrm>
+          <a:prstGeom prst="rect">
+            <a:avLst/>
+          </a:prstGeom>
+          <a:noFill/>
+        </p:spPr>
+        <p:txBody>
+          <a:bodyPr wrap="none" rtlCol="0">
+            <a:spAutoFit/>
+          </a:bodyPr>
+          <a:lstStyle/>
+          <a:p>
+            <a:r>
+              <a:rPr lang="en-US" dirty="0"/>
+              <a:t>PCA and Heat Maps</a:t>
+            </a:r>
+          </a:p>
+        </p:txBody>
+      </p:sp>
+      <p:sp>
+        <p:nvSpPr>
+          <p:cNvPr id="15" name="TextBox 14">
+            <a:extLst>
+              <a:ext uri="{FF2B5EF4-FFF2-40B4-BE49-F238E27FC236}">
+                <a16:creationId xmlns:a16="http://schemas.microsoft.com/office/drawing/2014/main" id="{ADAB01F8-ECC7-4A00-AA00-01FF1378B613}"/>
+              </a:ext>
+            </a:extLst>
+          </p:cNvPr>
+          <p:cNvSpPr txBox="1"/>
+          <p:nvPr/>
+        </p:nvSpPr>
+        <p:spPr>
+          <a:xfrm>
+            <a:off x="8388756" y="5167475"/>
+            <a:ext cx="3607904" cy="369332"/>
+          </a:xfrm>
+          <a:prstGeom prst="rect">
+            <a:avLst/>
+          </a:prstGeom>
+          <a:noFill/>
+        </p:spPr>
+        <p:txBody>
+          <a:bodyPr wrap="square" rtlCol="0">
+            <a:spAutoFit/>
+          </a:bodyPr>
+          <a:lstStyle/>
+          <a:p>
+            <a:pPr algn="ctr"/>
+            <a:r>
+              <a:rPr lang="en-US"/>
+              <a:t>LDA, Stepwise </a:t>
+            </a:r>
+            <a:r>
+              <a:rPr lang="en-US" dirty="0"/>
+              <a:t>Logistic Regression</a:t>
+            </a:r>
+          </a:p>
+        </p:txBody>
+      </p:sp>
+      <p:sp>
+        <p:nvSpPr>
+          <p:cNvPr id="3" name="TextBox 2">
+            <a:extLst>
+              <a:ext uri="{FF2B5EF4-FFF2-40B4-BE49-F238E27FC236}">
+                <a16:creationId xmlns:a16="http://schemas.microsoft.com/office/drawing/2014/main" id="{ABCED66C-9FCA-4022-9596-37D3F94D5B50}"/>
+              </a:ext>
+            </a:extLst>
+          </p:cNvPr>
+          <p:cNvSpPr txBox="1"/>
+          <p:nvPr/>
+        </p:nvSpPr>
+        <p:spPr>
+          <a:xfrm>
+            <a:off x="596901" y="3813432"/>
+            <a:ext cx="4318000" cy="1477328"/>
+          </a:xfrm>
+          <a:prstGeom prst="rect">
+            <a:avLst/>
+          </a:prstGeom>
+          <a:noFill/>
+        </p:spPr>
+        <p:txBody>
+          <a:bodyPr wrap="square" rtlCol="0">
+            <a:spAutoFit/>
+          </a:bodyPr>
+          <a:lstStyle/>
+          <a:p>
+            <a:r>
+              <a:rPr lang="en-US" b="1" dirty="0"/>
+              <a:t>Goal:</a:t>
+            </a:r>
+            <a:r>
+              <a:rPr lang="en-US" dirty="0"/>
+              <a:t> Train a model/classifier to use features extracted from each image in order to predict five target features – single loaded, whole animal, straight, headfirst, and clear.</a:t>
+            </a:r>
+            <a:endParaRPr lang="en-US" b="1" dirty="0"/>
+          </a:p>
+        </p:txBody>
+      </p:sp>
+      <p:sp>
+        <p:nvSpPr>
+          <p:cNvPr id="4" name="Oval 3">
+            <a:extLst>
+              <a:ext uri="{FF2B5EF4-FFF2-40B4-BE49-F238E27FC236}">
+                <a16:creationId xmlns:a16="http://schemas.microsoft.com/office/drawing/2014/main" id="{192595D4-87E6-4045-8E7B-6596A12656D5}"/>
+              </a:ext>
+            </a:extLst>
+          </p:cNvPr>
+          <p:cNvSpPr/>
+          <p:nvPr/>
+        </p:nvSpPr>
+        <p:spPr>
+          <a:xfrm>
+            <a:off x="5232400" y="812800"/>
+            <a:ext cx="6667500" cy="3200752"/>
+          </a:xfrm>
+          <a:prstGeom prst="ellipse">
+            <a:avLst/>
+          </a:prstGeom>
+          <a:noFill/>
+          <a:ln>
+            <a:solidFill>
+              <a:srgbClr val="C00000"/>
+            </a:solidFill>
+          </a:ln>
+        </p:spPr>
+        <p:style>
+          <a:lnRef idx="2">
+            <a:schemeClr val="accent1">
+              <a:shade val="50000"/>
+            </a:schemeClr>
+          </a:lnRef>
+          <a:fillRef idx="1">
+            <a:schemeClr val="accent1"/>
+          </a:fillRef>
+          <a:effectRef idx="0">
+            <a:schemeClr val="accent1"/>
+          </a:effectRef>
+          <a:fontRef idx="minor">
+            <a:schemeClr val="lt1"/>
+          </a:fontRef>
+        </p:style>
+        <p:txBody>
+          <a:bodyPr rtlCol="0" anchor="ctr"/>
+          <a:lstStyle/>
+          <a:p>
+            <a:pPr algn="ctr"/>
+            <a:endParaRPr lang="en-US"/>
+          </a:p>
+        </p:txBody>
+      </p:sp>
+    </p:spTree>
+    <p:extLst>
+      <p:ext uri="{BB962C8B-B14F-4D97-AF65-F5344CB8AC3E}">
+        <p14:creationId xmlns:p14="http://schemas.microsoft.com/office/powerpoint/2010/main" val="3984716712"/>
+      </p:ext>
+    </p:extLst>
+  </p:cSld>
+  <p:clrMapOvr>
+    <a:masterClrMapping/>
+  </p:clrMapOvr>
+  <p:timing>
+    <p:tnLst>
+      <p:par>
+        <p:cTn id="1" dur="indefinite" restart="never" nodeType="tmRoot">
+          <p:childTnLst>
+            <p:seq concurrent="1" nextAc="seek">
+              <p:cTn id="2" dur="indefinite" nodeType="mainSeq">
+                <p:childTnLst>
+                  <p:par>
+                    <p:cTn id="3" fill="hold">
+                      <p:stCondLst>
+                        <p:cond delay="indefinite"/>
+                      </p:stCondLst>
+                      <p:childTnLst>
+                        <p:par>
+                          <p:cTn id="4" fill="hold">
+                            <p:stCondLst>
+                              <p:cond delay="0"/>
+                            </p:stCondLst>
+                            <p:childTnLst>
+                              <p:par>
+                                <p:cTn id="5" presetID="1" presetClass="entr" presetSubtype="0" fill="hold" grpId="0" nodeType="clickEffect">
+                                  <p:stCondLst>
+                                    <p:cond delay="0"/>
+                                  </p:stCondLst>
+                                  <p:childTnLst>
+                                    <p:set>
+                                      <p:cBhvr>
+                                        <p:cTn id="6" dur="1" fill="hold">
+                                          <p:stCondLst>
+                                            <p:cond delay="0"/>
+                                          </p:stCondLst>
+                                        </p:cTn>
+                                        <p:tgtEl>
+                                          <p:spTgt spid="4"/>
+                                        </p:tgtEl>
+                                        <p:attrNameLst>
+                                          <p:attrName>style.visibility</p:attrName>
+                                        </p:attrNameLst>
+                                      </p:cBhvr>
+                                      <p:to>
+                                        <p:strVal val="visible"/>
+                                      </p:to>
+                                    </p:set>
+                                  </p:childTnLst>
+                                </p:cTn>
+                              </p:par>
+                            </p:childTnLst>
+                          </p:cTn>
+                        </p:par>
+                      </p:childTnLst>
+                    </p:cTn>
+                  </p:par>
+                </p:childTnLst>
+              </p:cTn>
+              <p:prevCondLst>
+                <p:cond evt="onPrev" delay="0">
+                  <p:tgtEl>
+                    <p:sldTgt/>
+                  </p:tgtEl>
+                </p:cond>
+              </p:prevCondLst>
+              <p:nextCondLst>
+                <p:cond evt="onNext" delay="0">
+                  <p:tgtEl>
+                    <p:sldTgt/>
+                  </p:tgtEl>
+                </p:cond>
+              </p:nextCondLst>
+            </p:seq>
+          </p:childTnLst>
+        </p:cTn>
+      </p:par>
+    </p:tnLst>
+    <p:bldLst>
+      <p:bldP spid="4" grpId="0" animBg="1"/>
+    </p:bldLst>
+  </p:timing>
+</p:sld>
+</file>
+
+<file path=ppt/slides/slide7.xml><?xml version="1.0" encoding="utf-8"?>
+<p:sld xmlns:a="http://schemas.openxmlformats.org/drawingml/2006/main" xmlns:r="http://schemas.openxmlformats.org/officeDocument/2006/relationships" xmlns:p="http://schemas.openxmlformats.org/presentationml/2006/main">
+  <p:cSld>
+    <p:spTree>
+      <p:nvGrpSpPr>
+        <p:cNvPr id="1" name=""/>
+        <p:cNvGrpSpPr/>
+        <p:nvPr/>
+      </p:nvGrpSpPr>
+      <p:grpSpPr>
+        <a:xfrm>
+          <a:off x="0" y="0"/>
+          <a:ext cx="0" cy="0"/>
+          <a:chOff x="0" y="0"/>
+          <a:chExt cx="0" cy="0"/>
+        </a:xfrm>
+      </p:grpSpPr>
+      <p:sp>
+        <p:nvSpPr>
+          <p:cNvPr id="2" name="Title 1">
+            <a:extLst>
+              <a:ext uri="{FF2B5EF4-FFF2-40B4-BE49-F238E27FC236}">
+                <a16:creationId xmlns:a16="http://schemas.microsoft.com/office/drawing/2014/main" id="{CBBE3327-CD61-4F0C-9389-C39049A421B2}"/>
+              </a:ext>
+            </a:extLst>
+          </p:cNvPr>
+          <p:cNvSpPr>
+            <a:spLocks noGrp="1"/>
+          </p:cNvSpPr>
+          <p:nvPr>
+            <p:ph type="title"/>
+          </p:nvPr>
+        </p:nvSpPr>
+        <p:spPr/>
+        <p:txBody>
+          <a:bodyPr/>
+          <a:lstStyle/>
+          <a:p>
+            <a:r>
+              <a:rPr lang="en-US" dirty="0"/>
+              <a:t>Combine data</a:t>
+            </a:r>
+          </a:p>
+        </p:txBody>
+      </p:sp>
+      <p:sp>
+        <p:nvSpPr>
+          <p:cNvPr id="3" name="Content Placeholder 2">
+            <a:extLst>
+              <a:ext uri="{FF2B5EF4-FFF2-40B4-BE49-F238E27FC236}">
+                <a16:creationId xmlns:a16="http://schemas.microsoft.com/office/drawing/2014/main" id="{FBC99CCF-581A-4F8D-8739-741106506375}"/>
+              </a:ext>
+            </a:extLst>
+          </p:cNvPr>
+          <p:cNvSpPr>
+            <a:spLocks noGrp="1"/>
+          </p:cNvSpPr>
+          <p:nvPr>
+            <p:ph idx="1"/>
+          </p:nvPr>
+        </p:nvSpPr>
+        <p:spPr>
+          <a:xfrm>
+            <a:off x="838200" y="1825625"/>
+            <a:ext cx="3568700" cy="4351338"/>
+          </a:xfrm>
+        </p:spPr>
+        <p:txBody>
+          <a:bodyPr/>
+          <a:lstStyle/>
+          <a:p>
+            <a:r>
+              <a:rPr lang="en-US" dirty="0"/>
+              <a:t>Import data as pandas data frames and merge ground truth with our extracted features based on image name</a:t>
+            </a:r>
+          </a:p>
+        </p:txBody>
+      </p:sp>
+      <p:pic>
+        <p:nvPicPr>
+          <p:cNvPr id="5" name="Picture 4">
+            <a:extLst>
+              <a:ext uri="{FF2B5EF4-FFF2-40B4-BE49-F238E27FC236}">
+                <a16:creationId xmlns:a16="http://schemas.microsoft.com/office/drawing/2014/main" id="{A60B062B-686E-4345-BF2B-3170878C5533}"/>
+              </a:ext>
+            </a:extLst>
+          </p:cNvPr>
+          <p:cNvPicPr>
+            <a:picLocks noChangeAspect="1"/>
+          </p:cNvPicPr>
+          <p:nvPr/>
+        </p:nvPicPr>
+        <p:blipFill rotWithShape="1">
+          <a:blip r:embed="rId2"/>
+          <a:srcRect l="1896" t="30343" r="50811" b="49062"/>
+          <a:stretch/>
+        </p:blipFill>
+        <p:spPr>
+          <a:xfrm>
+            <a:off x="3324707" y="4335024"/>
+            <a:ext cx="8867293" cy="1930752"/>
+          </a:xfrm>
+          <a:prstGeom prst="rect">
+            <a:avLst/>
+          </a:prstGeom>
+        </p:spPr>
+      </p:pic>
+      <p:pic>
+        <p:nvPicPr>
+          <p:cNvPr id="8" name="Picture 7">
+            <a:extLst>
+              <a:ext uri="{FF2B5EF4-FFF2-40B4-BE49-F238E27FC236}">
+                <a16:creationId xmlns:a16="http://schemas.microsoft.com/office/drawing/2014/main" id="{04F217A0-15EC-471B-8820-F36B15C955FF}"/>
+              </a:ext>
+            </a:extLst>
+          </p:cNvPr>
+          <p:cNvPicPr>
+            <a:picLocks noChangeAspect="1"/>
+          </p:cNvPicPr>
+          <p:nvPr/>
+        </p:nvPicPr>
+        <p:blipFill rotWithShape="1">
+          <a:blip r:embed="rId3"/>
+          <a:srcRect b="46655"/>
+          <a:stretch/>
+        </p:blipFill>
+        <p:spPr>
+          <a:xfrm>
+            <a:off x="5857856" y="1825625"/>
+            <a:ext cx="5373866" cy="1930752"/>
+          </a:xfrm>
+          <a:prstGeom prst="rect">
+            <a:avLst/>
+          </a:prstGeom>
+        </p:spPr>
+      </p:pic>
+    </p:spTree>
+    <p:extLst>
+      <p:ext uri="{BB962C8B-B14F-4D97-AF65-F5344CB8AC3E}">
+        <p14:creationId xmlns:p14="http://schemas.microsoft.com/office/powerpoint/2010/main" val="3705860961"/>
+      </p:ext>
+    </p:extLst>
+  </p:cSld>
+  <p:clrMapOvr>
+    <a:masterClrMapping/>
+  </p:clrMapOvr>
+</p:sld>
+</file>
+
+<file path=ppt/slides/slide8.xml><?xml version="1.0" encoding="utf-8"?>
+<p:sld xmlns:a="http://schemas.openxmlformats.org/drawingml/2006/main" xmlns:r="http://schemas.openxmlformats.org/officeDocument/2006/relationships" xmlns:p="http://schemas.openxmlformats.org/presentationml/2006/main">
+  <p:cSld>
+    <p:spTree>
+      <p:nvGrpSpPr>
+        <p:cNvPr id="1" name=""/>
+        <p:cNvGrpSpPr/>
+        <p:nvPr/>
+      </p:nvGrpSpPr>
+      <p:grpSpPr>
+        <a:xfrm>
+          <a:off x="0" y="0"/>
+          <a:ext cx="0" cy="0"/>
+          <a:chOff x="0" y="0"/>
+          <a:chExt cx="0" cy="0"/>
+        </a:xfrm>
+      </p:grpSpPr>
+      <p:sp>
+        <p:nvSpPr>
+          <p:cNvPr id="2" name="Title 1">
+            <a:extLst>
+              <a:ext uri="{FF2B5EF4-FFF2-40B4-BE49-F238E27FC236}">
+                <a16:creationId xmlns:a16="http://schemas.microsoft.com/office/drawing/2014/main" id="{E3C299BD-FE62-41BD-8302-5274A051EDFD}"/>
+              </a:ext>
+            </a:extLst>
+          </p:cNvPr>
+          <p:cNvSpPr>
+            <a:spLocks noGrp="1"/>
+          </p:cNvSpPr>
+          <p:nvPr>
+            <p:ph type="title"/>
+          </p:nvPr>
+        </p:nvSpPr>
+        <p:spPr/>
+        <p:txBody>
+          <a:bodyPr/>
+          <a:lstStyle/>
+          <a:p>
+            <a:r>
+              <a:rPr lang="en-US" dirty="0"/>
+              <a:t>Workflow</a:t>
+            </a:r>
+          </a:p>
+        </p:txBody>
+      </p:sp>
+      <p:pic>
+        <p:nvPicPr>
+          <p:cNvPr id="7" name="Picture 6" descr="A close up of a device&#10;&#10;Description automatically generated">
+            <a:extLst>
+              <a:ext uri="{FF2B5EF4-FFF2-40B4-BE49-F238E27FC236}">
+                <a16:creationId xmlns:a16="http://schemas.microsoft.com/office/drawing/2014/main" id="{19DF049C-80BD-4908-9DF6-DAE093A8E5C9}"/>
+              </a:ext>
+            </a:extLst>
+          </p:cNvPr>
+          <p:cNvPicPr>
+            <a:picLocks noChangeAspect="1"/>
+          </p:cNvPicPr>
+          <p:nvPr/>
+        </p:nvPicPr>
+        <p:blipFill>
+          <a:blip r:embed="rId2">
+            <a:extLst>
+              <a:ext uri="{28A0092B-C50C-407E-A947-70E740481C1C}">
+                <a14:useLocalDpi xmlns:a14="http://schemas.microsoft.com/office/drawing/2010/main" val="0"/>
+              </a:ext>
+            </a:extLst>
+          </a:blip>
+          <a:stretch>
+            <a:fillRect/>
+          </a:stretch>
+        </p:blipFill>
+        <p:spPr>
+          <a:xfrm>
+            <a:off x="48751" y="2459389"/>
+            <a:ext cx="3138070" cy="711625"/>
+          </a:xfrm>
+          <a:prstGeom prst="rect">
+            <a:avLst/>
+          </a:prstGeom>
+        </p:spPr>
+      </p:pic>
+      <p:sp>
+        <p:nvSpPr>
+          <p:cNvPr id="8" name="TextBox 7">
+            <a:extLst>
+              <a:ext uri="{FF2B5EF4-FFF2-40B4-BE49-F238E27FC236}">
+                <a16:creationId xmlns:a16="http://schemas.microsoft.com/office/drawing/2014/main" id="{A17AD4BD-6603-42CE-ABD4-E3E90ADF6F58}"/>
+              </a:ext>
+            </a:extLst>
+          </p:cNvPr>
+          <p:cNvSpPr txBox="1"/>
+          <p:nvPr/>
+        </p:nvSpPr>
+        <p:spPr>
+          <a:xfrm>
+            <a:off x="920511" y="2090057"/>
+            <a:ext cx="1394549" cy="369332"/>
+          </a:xfrm>
+          <a:prstGeom prst="rect">
+            <a:avLst/>
+          </a:prstGeom>
+          <a:noFill/>
+        </p:spPr>
+        <p:txBody>
+          <a:bodyPr wrap="none" rtlCol="0">
+            <a:spAutoFit/>
+          </a:bodyPr>
+          <a:lstStyle/>
+          <a:p>
+            <a:r>
+              <a:rPr lang="en-US" dirty="0"/>
+              <a:t>Worm Image</a:t>
+            </a:r>
+          </a:p>
+        </p:txBody>
+      </p:sp>
+      <p:sp>
+        <p:nvSpPr>
+          <p:cNvPr id="9" name="Arrow: Right 8">
+            <a:extLst>
+              <a:ext uri="{FF2B5EF4-FFF2-40B4-BE49-F238E27FC236}">
+                <a16:creationId xmlns:a16="http://schemas.microsoft.com/office/drawing/2014/main" id="{9AF7AF5C-B9AD-438F-8DA2-D1535BC43287}"/>
+              </a:ext>
+            </a:extLst>
+          </p:cNvPr>
+          <p:cNvSpPr/>
+          <p:nvPr/>
+        </p:nvSpPr>
+        <p:spPr>
+          <a:xfrm>
+            <a:off x="3321417" y="2572885"/>
+            <a:ext cx="2035773" cy="484632"/>
+          </a:xfrm>
+          <a:prstGeom prst="rightArrow">
+            <a:avLst/>
+          </a:prstGeom>
+        </p:spPr>
+        <p:style>
+          <a:lnRef idx="2">
+            <a:schemeClr val="accent1">
+              <a:shade val="50000"/>
+            </a:schemeClr>
+          </a:lnRef>
+          <a:fillRef idx="1">
+            <a:schemeClr val="accent1"/>
+          </a:fillRef>
+          <a:effectRef idx="0">
+            <a:schemeClr val="accent1"/>
+          </a:effectRef>
+          <a:fontRef idx="minor">
+            <a:schemeClr val="lt1"/>
+          </a:fontRef>
+        </p:style>
+        <p:txBody>
+          <a:bodyPr rtlCol="0" anchor="ctr"/>
+          <a:lstStyle/>
+          <a:p>
+            <a:pPr algn="ctr"/>
+            <a:r>
+              <a:rPr lang="en-US" dirty="0"/>
+              <a:t>Feature Extraction</a:t>
+            </a:r>
+          </a:p>
+        </p:txBody>
+      </p:sp>
+      <p:pic>
+        <p:nvPicPr>
+          <p:cNvPr id="10" name="Picture 9">
+            <a:extLst>
+              <a:ext uri="{FF2B5EF4-FFF2-40B4-BE49-F238E27FC236}">
+                <a16:creationId xmlns:a16="http://schemas.microsoft.com/office/drawing/2014/main" id="{2A7E915C-C46C-4C57-A4E6-37FD78E5607C}"/>
+              </a:ext>
+            </a:extLst>
+          </p:cNvPr>
+          <p:cNvPicPr>
+            <a:picLocks noChangeAspect="1"/>
+          </p:cNvPicPr>
+          <p:nvPr/>
+        </p:nvPicPr>
+        <p:blipFill rotWithShape="1">
+          <a:blip r:embed="rId3"/>
+          <a:srcRect l="1896" t="30343" r="50811" b="49062"/>
+          <a:stretch/>
+        </p:blipFill>
+        <p:spPr>
+          <a:xfrm>
+            <a:off x="5491786" y="2459389"/>
+            <a:ext cx="6087864" cy="1325563"/>
+          </a:xfrm>
+          <a:prstGeom prst="rect">
+            <a:avLst/>
+          </a:prstGeom>
+        </p:spPr>
+      </p:pic>
+      <p:sp>
+        <p:nvSpPr>
+          <p:cNvPr id="11" name="Arrow: Down 10">
+            <a:extLst>
+              <a:ext uri="{FF2B5EF4-FFF2-40B4-BE49-F238E27FC236}">
+                <a16:creationId xmlns:a16="http://schemas.microsoft.com/office/drawing/2014/main" id="{C9867F5C-A768-41F3-9A15-8CC49C5AB434}"/>
+              </a:ext>
+            </a:extLst>
+          </p:cNvPr>
+          <p:cNvSpPr/>
+          <p:nvPr/>
+        </p:nvSpPr>
+        <p:spPr>
+          <a:xfrm>
+            <a:off x="7587132" y="949160"/>
+            <a:ext cx="1897172" cy="1325563"/>
+          </a:xfrm>
+          <a:prstGeom prst="downArrow">
+            <a:avLst/>
+          </a:prstGeom>
+        </p:spPr>
+        <p:style>
+          <a:lnRef idx="2">
+            <a:schemeClr val="accent1">
+              <a:shade val="50000"/>
+            </a:schemeClr>
+          </a:lnRef>
+          <a:fillRef idx="1">
+            <a:schemeClr val="accent1"/>
+          </a:fillRef>
+          <a:effectRef idx="0">
+            <a:schemeClr val="accent1"/>
+          </a:effectRef>
+          <a:fontRef idx="minor">
+            <a:schemeClr val="lt1"/>
+          </a:fontRef>
+        </p:style>
+        <p:txBody>
+          <a:bodyPr rtlCol="0" anchor="ctr"/>
+          <a:lstStyle/>
+          <a:p>
+            <a:pPr algn="ctr"/>
+            <a:r>
+              <a:rPr lang="en-US" dirty="0"/>
+              <a:t>Ground Truth</a:t>
+            </a:r>
+          </a:p>
+        </p:txBody>
+      </p:sp>
+      <p:sp>
+        <p:nvSpPr>
+          <p:cNvPr id="12" name="Arrow: Down 11">
+            <a:extLst>
+              <a:ext uri="{FF2B5EF4-FFF2-40B4-BE49-F238E27FC236}">
+                <a16:creationId xmlns:a16="http://schemas.microsoft.com/office/drawing/2014/main" id="{72F22777-0C2F-4BDA-B995-F8AB5A87A3D8}"/>
+              </a:ext>
+            </a:extLst>
+          </p:cNvPr>
+          <p:cNvSpPr/>
+          <p:nvPr/>
+        </p:nvSpPr>
+        <p:spPr>
+          <a:xfrm>
+            <a:off x="5678025" y="3813432"/>
+            <a:ext cx="2521757" cy="1325563"/>
+          </a:xfrm>
+          <a:prstGeom prst="downArrow">
+            <a:avLst/>
+          </a:prstGeom>
+        </p:spPr>
+        <p:style>
+          <a:lnRef idx="2">
+            <a:schemeClr val="accent1">
+              <a:shade val="50000"/>
+            </a:schemeClr>
+          </a:lnRef>
+          <a:fillRef idx="1">
+            <a:schemeClr val="accent1"/>
+          </a:fillRef>
+          <a:effectRef idx="0">
+            <a:schemeClr val="accent1"/>
+          </a:effectRef>
+          <a:fontRef idx="minor">
+            <a:schemeClr val="lt1"/>
+          </a:fontRef>
+        </p:style>
+        <p:txBody>
+          <a:bodyPr rtlCol="0" anchor="ctr"/>
+          <a:lstStyle/>
+          <a:p>
+            <a:pPr algn="ctr"/>
+            <a:r>
+              <a:rPr lang="en-US" dirty="0"/>
+              <a:t>Feature Exploration</a:t>
+            </a:r>
+          </a:p>
+        </p:txBody>
+      </p:sp>
+      <p:sp>
+        <p:nvSpPr>
+          <p:cNvPr id="13" name="Arrow: Down 12">
+            <a:extLst>
+              <a:ext uri="{FF2B5EF4-FFF2-40B4-BE49-F238E27FC236}">
+                <a16:creationId xmlns:a16="http://schemas.microsoft.com/office/drawing/2014/main" id="{B55820A6-15B4-41C1-B0DC-33ABD9673EA9}"/>
+              </a:ext>
+            </a:extLst>
+          </p:cNvPr>
+          <p:cNvSpPr/>
+          <p:nvPr/>
+        </p:nvSpPr>
+        <p:spPr>
+          <a:xfrm>
+            <a:off x="9144261" y="3813432"/>
+            <a:ext cx="2096895" cy="1325563"/>
+          </a:xfrm>
+          <a:prstGeom prst="downArrow">
+            <a:avLst/>
+          </a:prstGeom>
+        </p:spPr>
+        <p:style>
+          <a:lnRef idx="2">
+            <a:schemeClr val="accent1">
+              <a:shade val="50000"/>
+            </a:schemeClr>
+          </a:lnRef>
+          <a:fillRef idx="1">
+            <a:schemeClr val="accent1"/>
+          </a:fillRef>
+          <a:effectRef idx="0">
+            <a:schemeClr val="accent1"/>
+          </a:effectRef>
+          <a:fontRef idx="minor">
+            <a:schemeClr val="lt1"/>
+          </a:fontRef>
+        </p:style>
+        <p:txBody>
+          <a:bodyPr rtlCol="0" anchor="ctr"/>
+          <a:lstStyle/>
+          <a:p>
+            <a:pPr algn="ctr"/>
+            <a:r>
+              <a:rPr lang="en-US" dirty="0"/>
+              <a:t>Feature Selection</a:t>
+            </a:r>
+          </a:p>
+        </p:txBody>
+      </p:sp>
+      <p:sp>
+        <p:nvSpPr>
+          <p:cNvPr id="14" name="TextBox 13">
+            <a:extLst>
+              <a:ext uri="{FF2B5EF4-FFF2-40B4-BE49-F238E27FC236}">
+                <a16:creationId xmlns:a16="http://schemas.microsoft.com/office/drawing/2014/main" id="{0E3BCD4E-B12E-4E03-AA68-BE2EA74C581F}"/>
+              </a:ext>
+            </a:extLst>
+          </p:cNvPr>
+          <p:cNvSpPr txBox="1"/>
+          <p:nvPr/>
+        </p:nvSpPr>
+        <p:spPr>
+          <a:xfrm>
+            <a:off x="5897367" y="5167475"/>
+            <a:ext cx="2083071" cy="369332"/>
+          </a:xfrm>
+          <a:prstGeom prst="rect">
+            <a:avLst/>
+          </a:prstGeom>
+          <a:noFill/>
+        </p:spPr>
+        <p:txBody>
+          <a:bodyPr wrap="none" rtlCol="0">
+            <a:spAutoFit/>
+          </a:bodyPr>
+          <a:lstStyle/>
+          <a:p>
+            <a:r>
+              <a:rPr lang="en-US" dirty="0"/>
+              <a:t>PCA and Heat Maps</a:t>
+            </a:r>
+          </a:p>
+        </p:txBody>
+      </p:sp>
+      <p:sp>
+        <p:nvSpPr>
+          <p:cNvPr id="15" name="TextBox 14">
+            <a:extLst>
+              <a:ext uri="{FF2B5EF4-FFF2-40B4-BE49-F238E27FC236}">
+                <a16:creationId xmlns:a16="http://schemas.microsoft.com/office/drawing/2014/main" id="{ADAB01F8-ECC7-4A00-AA00-01FF1378B613}"/>
+              </a:ext>
+            </a:extLst>
+          </p:cNvPr>
+          <p:cNvSpPr txBox="1"/>
+          <p:nvPr/>
+        </p:nvSpPr>
+        <p:spPr>
+          <a:xfrm>
+            <a:off x="8388756" y="5167475"/>
+            <a:ext cx="3607904" cy="369332"/>
+          </a:xfrm>
+          <a:prstGeom prst="rect">
+            <a:avLst/>
+          </a:prstGeom>
+          <a:noFill/>
+        </p:spPr>
+        <p:txBody>
+          <a:bodyPr wrap="square" rtlCol="0">
+            <a:spAutoFit/>
+          </a:bodyPr>
+          <a:lstStyle/>
+          <a:p>
+            <a:pPr algn="ctr"/>
+            <a:r>
+              <a:rPr lang="en-US"/>
+              <a:t>LDA, Stepwise </a:t>
+            </a:r>
+            <a:r>
+              <a:rPr lang="en-US" dirty="0"/>
+              <a:t>Logistic Regression</a:t>
+            </a:r>
+          </a:p>
+        </p:txBody>
+      </p:sp>
+      <p:sp>
+        <p:nvSpPr>
+          <p:cNvPr id="3" name="TextBox 2">
+            <a:extLst>
+              <a:ext uri="{FF2B5EF4-FFF2-40B4-BE49-F238E27FC236}">
+                <a16:creationId xmlns:a16="http://schemas.microsoft.com/office/drawing/2014/main" id="{ABCED66C-9FCA-4022-9596-37D3F94D5B50}"/>
+              </a:ext>
+            </a:extLst>
+          </p:cNvPr>
+          <p:cNvSpPr txBox="1"/>
+          <p:nvPr/>
+        </p:nvSpPr>
+        <p:spPr>
+          <a:xfrm>
+            <a:off x="596901" y="3813432"/>
+            <a:ext cx="4318000" cy="1477328"/>
+          </a:xfrm>
+          <a:prstGeom prst="rect">
+            <a:avLst/>
+          </a:prstGeom>
+          <a:noFill/>
+        </p:spPr>
+        <p:txBody>
+          <a:bodyPr wrap="square" rtlCol="0">
+            <a:spAutoFit/>
+          </a:bodyPr>
+          <a:lstStyle/>
+          <a:p>
+            <a:r>
+              <a:rPr lang="en-US" b="1" dirty="0"/>
+              <a:t>Goal:</a:t>
+            </a:r>
+            <a:r>
+              <a:rPr lang="en-US" dirty="0"/>
+              <a:t> Train a model/classifier to use features extracted from each image in order to predict five target features – single loaded, whole animal, straight, headfirst, and clear.</a:t>
+            </a:r>
+            <a:endParaRPr lang="en-US" b="1" dirty="0"/>
+          </a:p>
+        </p:txBody>
+      </p:sp>
+      <p:sp>
+        <p:nvSpPr>
+          <p:cNvPr id="4" name="Oval 3">
+            <a:extLst>
+              <a:ext uri="{FF2B5EF4-FFF2-40B4-BE49-F238E27FC236}">
+                <a16:creationId xmlns:a16="http://schemas.microsoft.com/office/drawing/2014/main" id="{192595D4-87E6-4045-8E7B-6596A12656D5}"/>
+              </a:ext>
+            </a:extLst>
+          </p:cNvPr>
+          <p:cNvSpPr/>
+          <p:nvPr/>
+        </p:nvSpPr>
+        <p:spPr>
+          <a:xfrm>
+            <a:off x="5475749" y="3657600"/>
+            <a:ext cx="2913007" cy="2640274"/>
+          </a:xfrm>
+          <a:prstGeom prst="ellipse">
+            <a:avLst/>
+          </a:prstGeom>
+          <a:noFill/>
+          <a:ln>
+            <a:solidFill>
+              <a:srgbClr val="C00000"/>
+            </a:solidFill>
+          </a:ln>
+        </p:spPr>
+        <p:style>
+          <a:lnRef idx="2">
+            <a:schemeClr val="accent1">
+              <a:shade val="50000"/>
+            </a:schemeClr>
+          </a:lnRef>
+          <a:fillRef idx="1">
+            <a:schemeClr val="accent1"/>
+          </a:fillRef>
+          <a:effectRef idx="0">
+            <a:schemeClr val="accent1"/>
+          </a:effectRef>
+          <a:fontRef idx="minor">
+            <a:schemeClr val="lt1"/>
+          </a:fontRef>
+        </p:style>
+        <p:txBody>
+          <a:bodyPr rtlCol="0" anchor="ctr"/>
+          <a:lstStyle/>
+          <a:p>
+            <a:pPr algn="ctr"/>
+            <a:endParaRPr lang="en-US"/>
+          </a:p>
+        </p:txBody>
+      </p:sp>
+    </p:spTree>
+    <p:extLst>
+      <p:ext uri="{BB962C8B-B14F-4D97-AF65-F5344CB8AC3E}">
+        <p14:creationId xmlns:p14="http://schemas.microsoft.com/office/powerpoint/2010/main" val="564384535"/>
+      </p:ext>
+    </p:extLst>
+  </p:cSld>
+  <p:clrMapOvr>
+    <a:masterClrMapping/>
+  </p:clrMapOvr>
+  <p:timing>
+    <p:tnLst>
+      <p:par>
+        <p:cTn id="1" dur="indefinite" restart="never" nodeType="tmRoot">
+          <p:childTnLst>
+            <p:seq concurrent="1" nextAc="seek">
+              <p:cTn id="2" dur="indefinite" nodeType="mainSeq">
+                <p:childTnLst>
+                  <p:par>
+                    <p:cTn id="3" fill="hold">
+                      <p:stCondLst>
+                        <p:cond delay="indefinite"/>
+                      </p:stCondLst>
+                      <p:childTnLst>
+                        <p:par>
+                          <p:cTn id="4" fill="hold">
+                            <p:stCondLst>
+                              <p:cond delay="0"/>
+                            </p:stCondLst>
+                            <p:childTnLst>
+                              <p:par>
+                                <p:cTn id="5" presetID="1" presetClass="entr" presetSubtype="0" fill="hold" grpId="0" nodeType="clickEffect">
+                                  <p:stCondLst>
+                                    <p:cond delay="0"/>
+                                  </p:stCondLst>
+                                  <p:childTnLst>
+                                    <p:set>
+                                      <p:cBhvr>
+                                        <p:cTn id="6" dur="1" fill="hold">
+                                          <p:stCondLst>
+                                            <p:cond delay="0"/>
+                                          </p:stCondLst>
+                                        </p:cTn>
+                                        <p:tgtEl>
+                                          <p:spTgt spid="4"/>
+                                        </p:tgtEl>
+                                        <p:attrNameLst>
+                                          <p:attrName>style.visibility</p:attrName>
+                                        </p:attrNameLst>
+                                      </p:cBhvr>
+                                      <p:to>
+                                        <p:strVal val="visible"/>
+                                      </p:to>
+                                    </p:set>
+                                  </p:childTnLst>
+                                </p:cTn>
+                              </p:par>
+                            </p:childTnLst>
+                          </p:cTn>
+                        </p:par>
+                      </p:childTnLst>
+                    </p:cTn>
+                  </p:par>
+                </p:childTnLst>
+              </p:cTn>
+              <p:prevCondLst>
+                <p:cond evt="onPrev" delay="0">
+                  <p:tgtEl>
+                    <p:sldTgt/>
+                  </p:tgtEl>
+                </p:cond>
+              </p:prevCondLst>
+              <p:nextCondLst>
+                <p:cond evt="onNext" delay="0">
+                  <p:tgtEl>
+                    <p:sldTgt/>
+                  </p:tgtEl>
+                </p:cond>
+              </p:nextCondLst>
+            </p:seq>
+          </p:childTnLst>
+        </p:cTn>
+      </p:par>
+    </p:tnLst>
+    <p:bldLst>
+      <p:bldP spid="4" grpId="0" animBg="1"/>
+    </p:bldLst>
+  </p:timing>
+</p:sld>
+</file>
+
+<file path=ppt/slides/slide9.xml><?xml version="1.0" encoding="utf-8"?>
+<p:sld xmlns:a="http://schemas.openxmlformats.org/drawingml/2006/main" xmlns:r="http://schemas.openxmlformats.org/officeDocument/2006/relationships" xmlns:p="http://schemas.openxmlformats.org/presentationml/2006/main">
+  <p:cSld>
+    <p:spTree>
+      <p:nvGrpSpPr>
+        <p:cNvPr id="1" name=""/>
+        <p:cNvGrpSpPr/>
+        <p:nvPr/>
+      </p:nvGrpSpPr>
+      <p:grpSpPr>
+        <a:xfrm>
+          <a:off x="0" y="0"/>
+          <a:ext cx="0" cy="0"/>
+          <a:chOff x="0" y="0"/>
+          <a:chExt cx="0" cy="0"/>
+        </a:xfrm>
+      </p:grpSpPr>
+      <p:sp>
+        <p:nvSpPr>
+          <p:cNvPr id="2" name="Title 1">
+            <a:extLst>
+              <a:ext uri="{FF2B5EF4-FFF2-40B4-BE49-F238E27FC236}">
+                <a16:creationId xmlns:a16="http://schemas.microsoft.com/office/drawing/2014/main" id="{956E01DB-A98A-441A-978B-17B83220FF17}"/>
+              </a:ext>
+            </a:extLst>
+          </p:cNvPr>
+          <p:cNvSpPr>
+            <a:spLocks noGrp="1"/>
+          </p:cNvSpPr>
+          <p:nvPr>
+            <p:ph type="title"/>
+          </p:nvPr>
+        </p:nvSpPr>
+        <p:spPr/>
+        <p:txBody>
+          <a:bodyPr/>
+          <a:lstStyle/>
+          <a:p>
+            <a:r>
+              <a:rPr lang="en-US" dirty="0"/>
+              <a:t>Correlation</a:t>
+            </a:r>
+          </a:p>
+        </p:txBody>
+      </p:sp>
+      <p:sp>
+        <p:nvSpPr>
+          <p:cNvPr id="3" name="Content Placeholder 2">
+            <a:extLst>
+              <a:ext uri="{FF2B5EF4-FFF2-40B4-BE49-F238E27FC236}">
+                <a16:creationId xmlns:a16="http://schemas.microsoft.com/office/drawing/2014/main" id="{A645BC1E-88F7-44F0-8869-7ECFFFA29E46}"/>
+              </a:ext>
+            </a:extLst>
+          </p:cNvPr>
+          <p:cNvSpPr>
+            <a:spLocks noGrp="1"/>
+          </p:cNvSpPr>
+          <p:nvPr>
+            <p:ph idx="1"/>
+          </p:nvPr>
+        </p:nvSpPr>
+        <p:spPr>
+          <a:xfrm>
+            <a:off x="838200" y="1825625"/>
+            <a:ext cx="3048000" cy="4351338"/>
+          </a:xfrm>
+        </p:spPr>
+        <p:txBody>
+          <a:bodyPr/>
+          <a:lstStyle/>
+          <a:p>
+            <a:r>
+              <a:rPr lang="en-US" dirty="0"/>
+              <a:t>Pandas module has easy correlation functions.</a:t>
+            </a:r>
+          </a:p>
+          <a:p>
+            <a:r>
+              <a:rPr lang="en-US" dirty="0"/>
+              <a:t>How does each extracted feature correlate with each of the five target features?</a:t>
+            </a:r>
+          </a:p>
+        </p:txBody>
+      </p:sp>
+      <p:pic>
+        <p:nvPicPr>
+          <p:cNvPr id="9" name="Picture 8" descr="A circuit board&#10;&#10;Description automatically generated">
+            <a:extLst>
+              <a:ext uri="{FF2B5EF4-FFF2-40B4-BE49-F238E27FC236}">
+                <a16:creationId xmlns:a16="http://schemas.microsoft.com/office/drawing/2014/main" id="{4C790F22-1E3D-4AE6-9701-75318CB3A202}"/>
+              </a:ext>
+            </a:extLst>
+          </p:cNvPr>
+          <p:cNvPicPr>
+            <a:picLocks noChangeAspect="1"/>
+          </p:cNvPicPr>
+          <p:nvPr/>
+        </p:nvPicPr>
+        <p:blipFill rotWithShape="1">
+          <a:blip r:embed="rId2">
+            <a:extLst>
+              <a:ext uri="{28A0092B-C50C-407E-A947-70E740481C1C}">
+                <a14:useLocalDpi xmlns:a14="http://schemas.microsoft.com/office/drawing/2010/main" val="0"/>
+              </a:ext>
+            </a:extLst>
+          </a:blip>
+          <a:srcRect l="7001" t="11131" r="10592" b="7361"/>
+          <a:stretch/>
+        </p:blipFill>
+        <p:spPr>
+          <a:xfrm>
+            <a:off x="5130799" y="622300"/>
+            <a:ext cx="6304375" cy="6235700"/>
+          </a:xfrm>
+          <a:prstGeom prst="rect">
+            <a:avLst/>
+          </a:prstGeom>
+        </p:spPr>
+      </p:pic>
+    </p:spTree>
+    <p:extLst>
+      <p:ext uri="{BB962C8B-B14F-4D97-AF65-F5344CB8AC3E}">
+        <p14:creationId xmlns:p14="http://schemas.microsoft.com/office/powerpoint/2010/main" val="1783616050"/>
       </p:ext>
     </p:extLst>
   </p:cSld>

--- a/Image Processing Presentation.pptx
+++ b/Image Processing Presentation.pptx
@@ -5,26 +5,29 @@
     <p:sldMasterId id="2147483648" r:id="rId1"/>
   </p:sldMasterIdLst>
   <p:notesMasterIdLst>
-    <p:notesMasterId r:id="rId19"/>
+    <p:notesMasterId r:id="rId22"/>
   </p:notesMasterIdLst>
   <p:sldIdLst>
     <p:sldId id="256" r:id="rId2"/>
-    <p:sldId id="260" r:id="rId3"/>
-    <p:sldId id="261" r:id="rId4"/>
-    <p:sldId id="262" r:id="rId5"/>
-    <p:sldId id="263" r:id="rId6"/>
-    <p:sldId id="265" r:id="rId7"/>
-    <p:sldId id="264" r:id="rId8"/>
-    <p:sldId id="267" r:id="rId9"/>
-    <p:sldId id="266" r:id="rId10"/>
-    <p:sldId id="269" r:id="rId11"/>
-    <p:sldId id="268" r:id="rId12"/>
-    <p:sldId id="273" r:id="rId13"/>
-    <p:sldId id="270" r:id="rId14"/>
-    <p:sldId id="271" r:id="rId15"/>
-    <p:sldId id="272" r:id="rId16"/>
-    <p:sldId id="274" r:id="rId17"/>
-    <p:sldId id="275" r:id="rId18"/>
+    <p:sldId id="275" r:id="rId3"/>
+    <p:sldId id="276" r:id="rId4"/>
+    <p:sldId id="277" r:id="rId5"/>
+    <p:sldId id="278" r:id="rId6"/>
+    <p:sldId id="260" r:id="rId7"/>
+    <p:sldId id="262" r:id="rId8"/>
+    <p:sldId id="263" r:id="rId9"/>
+    <p:sldId id="265" r:id="rId10"/>
+    <p:sldId id="264" r:id="rId11"/>
+    <p:sldId id="267" r:id="rId12"/>
+    <p:sldId id="266" r:id="rId13"/>
+    <p:sldId id="269" r:id="rId14"/>
+    <p:sldId id="268" r:id="rId15"/>
+    <p:sldId id="273" r:id="rId16"/>
+    <p:sldId id="270" r:id="rId17"/>
+    <p:sldId id="271" r:id="rId18"/>
+    <p:sldId id="272" r:id="rId19"/>
+    <p:sldId id="274" r:id="rId20"/>
+    <p:sldId id="261" r:id="rId21"/>
   </p:sldIdLst>
   <p:sldSz cx="12192000" cy="6858000"/>
   <p:notesSz cx="6858000" cy="9144000"/>
@@ -213,7 +216,7 @@
           <a:p>
             <a:fld id="{A40E7DE1-637E-4C16-BDAC-A63ABFC9CBFF}" type="datetimeFigureOut">
               <a:rPr lang="en-US" smtClean="0"/>
-              <a:t>8/13/2020</a:t>
+              <a:t>8/16/2020</a:t>
             </a:fld>
             <a:endParaRPr lang="en-US"/>
           </a:p>
@@ -601,7 +604,7 @@
           <a:p>
             <a:fld id="{29A07F0B-DB57-4930-AA47-B2FCA5AF27F8}" type="slidenum">
               <a:rPr lang="en-US" smtClean="0"/>
-              <a:t>4</a:t>
+              <a:t>7</a:t>
             </a:fld>
             <a:endParaRPr lang="en-US"/>
           </a:p>
@@ -688,7 +691,7 @@
           <a:p>
             <a:fld id="{29A07F0B-DB57-4930-AA47-B2FCA5AF27F8}" type="slidenum">
               <a:rPr lang="en-US" smtClean="0"/>
-              <a:t>15</a:t>
+              <a:t>18</a:t>
             </a:fld>
             <a:endParaRPr lang="en-US"/>
           </a:p>
@@ -854,7 +857,7 @@
           <a:p>
             <a:fld id="{D7DDD580-B00F-47BE-833C-6484723950AD}" type="datetimeFigureOut">
               <a:rPr lang="en-US" smtClean="0"/>
-              <a:t>8/13/2020</a:t>
+              <a:t>8/16/2020</a:t>
             </a:fld>
             <a:endParaRPr lang="en-US"/>
           </a:p>
@@ -1052,7 +1055,7 @@
           <a:p>
             <a:fld id="{D7DDD580-B00F-47BE-833C-6484723950AD}" type="datetimeFigureOut">
               <a:rPr lang="en-US" smtClean="0"/>
-              <a:t>8/13/2020</a:t>
+              <a:t>8/16/2020</a:t>
             </a:fld>
             <a:endParaRPr lang="en-US"/>
           </a:p>
@@ -1260,7 +1263,7 @@
           <a:p>
             <a:fld id="{D7DDD580-B00F-47BE-833C-6484723950AD}" type="datetimeFigureOut">
               <a:rPr lang="en-US" smtClean="0"/>
-              <a:t>8/13/2020</a:t>
+              <a:t>8/16/2020</a:t>
             </a:fld>
             <a:endParaRPr lang="en-US"/>
           </a:p>
@@ -1458,7 +1461,7 @@
           <a:p>
             <a:fld id="{D7DDD580-B00F-47BE-833C-6484723950AD}" type="datetimeFigureOut">
               <a:rPr lang="en-US" smtClean="0"/>
-              <a:t>8/13/2020</a:t>
+              <a:t>8/16/2020</a:t>
             </a:fld>
             <a:endParaRPr lang="en-US"/>
           </a:p>
@@ -1733,7 +1736,7 @@
           <a:p>
             <a:fld id="{D7DDD580-B00F-47BE-833C-6484723950AD}" type="datetimeFigureOut">
               <a:rPr lang="en-US" smtClean="0"/>
-              <a:t>8/13/2020</a:t>
+              <a:t>8/16/2020</a:t>
             </a:fld>
             <a:endParaRPr lang="en-US"/>
           </a:p>
@@ -1998,7 +2001,7 @@
           <a:p>
             <a:fld id="{D7DDD580-B00F-47BE-833C-6484723950AD}" type="datetimeFigureOut">
               <a:rPr lang="en-US" smtClean="0"/>
-              <a:t>8/13/2020</a:t>
+              <a:t>8/16/2020</a:t>
             </a:fld>
             <a:endParaRPr lang="en-US"/>
           </a:p>
@@ -2410,7 +2413,7 @@
           <a:p>
             <a:fld id="{D7DDD580-B00F-47BE-833C-6484723950AD}" type="datetimeFigureOut">
               <a:rPr lang="en-US" smtClean="0"/>
-              <a:t>8/13/2020</a:t>
+              <a:t>8/16/2020</a:t>
             </a:fld>
             <a:endParaRPr lang="en-US"/>
           </a:p>
@@ -2551,7 +2554,7 @@
           <a:p>
             <a:fld id="{D7DDD580-B00F-47BE-833C-6484723950AD}" type="datetimeFigureOut">
               <a:rPr lang="en-US" smtClean="0"/>
-              <a:t>8/13/2020</a:t>
+              <a:t>8/16/2020</a:t>
             </a:fld>
             <a:endParaRPr lang="en-US"/>
           </a:p>
@@ -2664,7 +2667,7 @@
           <a:p>
             <a:fld id="{D7DDD580-B00F-47BE-833C-6484723950AD}" type="datetimeFigureOut">
               <a:rPr lang="en-US" smtClean="0"/>
-              <a:t>8/13/2020</a:t>
+              <a:t>8/16/2020</a:t>
             </a:fld>
             <a:endParaRPr lang="en-US"/>
           </a:p>
@@ -2975,7 +2978,7 @@
           <a:p>
             <a:fld id="{D7DDD580-B00F-47BE-833C-6484723950AD}" type="datetimeFigureOut">
               <a:rPr lang="en-US" smtClean="0"/>
-              <a:t>8/13/2020</a:t>
+              <a:t>8/16/2020</a:t>
             </a:fld>
             <a:endParaRPr lang="en-US"/>
           </a:p>
@@ -3263,7 +3266,7 @@
           <a:p>
             <a:fld id="{D7DDD580-B00F-47BE-833C-6484723950AD}" type="datetimeFigureOut">
               <a:rPr lang="en-US" smtClean="0"/>
-              <a:t>8/13/2020</a:t>
+              <a:t>8/16/2020</a:t>
             </a:fld>
             <a:endParaRPr lang="en-US"/>
           </a:p>
@@ -3504,7 +3507,7 @@
           <a:p>
             <a:fld id="{D7DDD580-B00F-47BE-833C-6484723950AD}" type="datetimeFigureOut">
               <a:rPr lang="en-US" smtClean="0"/>
-              <a:t>8/13/2020</a:t>
+              <a:t>8/16/2020</a:t>
             </a:fld>
             <a:endParaRPr lang="en-US"/>
           </a:p>
@@ -4012,7 +4015,7 @@
           <p:cNvPr id="2" name="Title 1">
             <a:extLst>
               <a:ext uri="{FF2B5EF4-FFF2-40B4-BE49-F238E27FC236}">
-                <a16:creationId xmlns:a16="http://schemas.microsoft.com/office/drawing/2014/main" id="{E2800B2C-C8DE-4327-A9EE-60C4B887E656}"/>
+                <a16:creationId xmlns:a16="http://schemas.microsoft.com/office/drawing/2014/main" id="{CBBE3327-CD61-4F0C-9389-C39049A421B2}"/>
               </a:ext>
             </a:extLst>
           </p:cNvPr>
@@ -4030,7 +4033,7 @@
           <a:p>
             <a:r>
               <a:rPr lang="en-US" dirty="0"/>
-              <a:t>PCA</a:t>
+              <a:t>Combine data</a:t>
             </a:r>
           </a:p>
         </p:txBody>
@@ -4040,7 +4043,7 @@
           <p:cNvPr id="3" name="Content Placeholder 2">
             <a:extLst>
               <a:ext uri="{FF2B5EF4-FFF2-40B4-BE49-F238E27FC236}">
-                <a16:creationId xmlns:a16="http://schemas.microsoft.com/office/drawing/2014/main" id="{19644FAA-B898-428B-B84B-6E9D53CDC130}"/>
+                <a16:creationId xmlns:a16="http://schemas.microsoft.com/office/drawing/2014/main" id="{FBC99CCF-581A-4F8D-8739-741106506375}"/>
               </a:ext>
             </a:extLst>
           </p:cNvPr>
@@ -4054,32 +4057,82 @@
         <p:spPr>
           <a:xfrm>
             <a:off x="838200" y="1825625"/>
-            <a:ext cx="5435600" cy="4351338"/>
-          </a:xfrm>
-        </p:spPr>
-        <p:txBody>
-          <a:bodyPr>
-            <a:normAutofit lnSpcReduction="10000"/>
-          </a:bodyPr>
-          <a:lstStyle/>
-          <a:p>
-            <a:r>
-              <a:rPr lang="en-US" dirty="0"/>
-              <a:t>PCA projects your data onto a given number of orthogonal principal components (PCs), where PC1 describes the most variance in the data, PC2 describes the second most variance in the data, etc.</a:t>
-            </a:r>
-          </a:p>
-          <a:p>
-            <a:r>
-              <a:rPr lang="en-US" dirty="0"/>
-              <a:t>We computed eight PCs from the extracted features and correlated those to each of our five target features to determine which PCs</a:t>
-            </a:r>
-          </a:p>
-        </p:txBody>
-      </p:sp>
+            <a:ext cx="3568700" cy="4351338"/>
+          </a:xfrm>
+        </p:spPr>
+        <p:txBody>
+          <a:bodyPr/>
+          <a:lstStyle/>
+          <a:p>
+            <a:r>
+              <a:rPr lang="en-US" dirty="0"/>
+              <a:t>Import data as pandas data frames and merge ground truth with our extracted features based on image name</a:t>
+            </a:r>
+          </a:p>
+        </p:txBody>
+      </p:sp>
+      <p:pic>
+        <p:nvPicPr>
+          <p:cNvPr id="5" name="Picture 4">
+            <a:extLst>
+              <a:ext uri="{FF2B5EF4-FFF2-40B4-BE49-F238E27FC236}">
+                <a16:creationId xmlns:a16="http://schemas.microsoft.com/office/drawing/2014/main" id="{A60B062B-686E-4345-BF2B-3170878C5533}"/>
+              </a:ext>
+            </a:extLst>
+          </p:cNvPr>
+          <p:cNvPicPr>
+            <a:picLocks noChangeAspect="1"/>
+          </p:cNvPicPr>
+          <p:nvPr/>
+        </p:nvPicPr>
+        <p:blipFill rotWithShape="1">
+          <a:blip r:embed="rId2"/>
+          <a:srcRect l="1896" t="30343" r="50811" b="49062"/>
+          <a:stretch/>
+        </p:blipFill>
+        <p:spPr>
+          <a:xfrm>
+            <a:off x="3324707" y="4335024"/>
+            <a:ext cx="8867293" cy="1930752"/>
+          </a:xfrm>
+          <a:prstGeom prst="rect">
+            <a:avLst/>
+          </a:prstGeom>
+        </p:spPr>
+      </p:pic>
+      <p:pic>
+        <p:nvPicPr>
+          <p:cNvPr id="8" name="Picture 7">
+            <a:extLst>
+              <a:ext uri="{FF2B5EF4-FFF2-40B4-BE49-F238E27FC236}">
+                <a16:creationId xmlns:a16="http://schemas.microsoft.com/office/drawing/2014/main" id="{04F217A0-15EC-471B-8820-F36B15C955FF}"/>
+              </a:ext>
+            </a:extLst>
+          </p:cNvPr>
+          <p:cNvPicPr>
+            <a:picLocks noChangeAspect="1"/>
+          </p:cNvPicPr>
+          <p:nvPr/>
+        </p:nvPicPr>
+        <p:blipFill rotWithShape="1">
+          <a:blip r:embed="rId3"/>
+          <a:srcRect b="46655"/>
+          <a:stretch/>
+        </p:blipFill>
+        <p:spPr>
+          <a:xfrm>
+            <a:off x="5857856" y="1825625"/>
+            <a:ext cx="5373866" cy="1930752"/>
+          </a:xfrm>
+          <a:prstGeom prst="rect">
+            <a:avLst/>
+          </a:prstGeom>
+        </p:spPr>
+      </p:pic>
     </p:spTree>
     <p:extLst>
       <p:ext uri="{BB962C8B-B14F-4D97-AF65-F5344CB8AC3E}">
-        <p14:creationId xmlns:p14="http://schemas.microsoft.com/office/powerpoint/2010/main" val="1837526537"/>
+        <p14:creationId xmlns:p14="http://schemas.microsoft.com/office/powerpoint/2010/main" val="3705860961"/>
       </p:ext>
     </p:extLst>
   </p:cSld>
@@ -4495,8 +4548,12 @@
           <a:p>
             <a:pPr algn="ctr"/>
             <a:r>
-              <a:rPr lang="en-US" dirty="0"/>
-              <a:t>LDA, Stepwise Logistic Regression</a:t>
+              <a:rPr lang="en-US"/>
+              <a:t>LDA, Stepwise </a:t>
+            </a:r>
+            <a:r>
+              <a:rPr lang="en-US" dirty="0"/>
+              <a:t>Logistic Regression</a:t>
             </a:r>
           </a:p>
         </p:txBody>
@@ -4555,7 +4612,7 @@
         </p:nvSpPr>
         <p:spPr>
           <a:xfrm>
-            <a:off x="8736204" y="3800475"/>
+            <a:off x="5475749" y="3657600"/>
             <a:ext cx="2913007" cy="2640274"/>
           </a:xfrm>
           <a:prstGeom prst="ellipse">
@@ -4596,7 +4653,7 @@
     </p:spTree>
     <p:extLst>
       <p:ext uri="{BB962C8B-B14F-4D97-AF65-F5344CB8AC3E}">
-        <p14:creationId xmlns:p14="http://schemas.microsoft.com/office/powerpoint/2010/main" val="4126154710"/>
+        <p14:creationId xmlns:p14="http://schemas.microsoft.com/office/powerpoint/2010/main" val="564384535"/>
       </p:ext>
     </p:extLst>
   </p:cSld>
@@ -4706,6 +4763,832 @@
           <p:cNvPr id="2" name="Title 1">
             <a:extLst>
               <a:ext uri="{FF2B5EF4-FFF2-40B4-BE49-F238E27FC236}">
+                <a16:creationId xmlns:a16="http://schemas.microsoft.com/office/drawing/2014/main" id="{956E01DB-A98A-441A-978B-17B83220FF17}"/>
+              </a:ext>
+            </a:extLst>
+          </p:cNvPr>
+          <p:cNvSpPr>
+            <a:spLocks noGrp="1"/>
+          </p:cNvSpPr>
+          <p:nvPr>
+            <p:ph type="title"/>
+          </p:nvPr>
+        </p:nvSpPr>
+        <p:spPr/>
+        <p:txBody>
+          <a:bodyPr/>
+          <a:lstStyle/>
+          <a:p>
+            <a:r>
+              <a:rPr lang="en-US" dirty="0"/>
+              <a:t>Correlation</a:t>
+            </a:r>
+          </a:p>
+        </p:txBody>
+      </p:sp>
+      <p:sp>
+        <p:nvSpPr>
+          <p:cNvPr id="3" name="Content Placeholder 2">
+            <a:extLst>
+              <a:ext uri="{FF2B5EF4-FFF2-40B4-BE49-F238E27FC236}">
+                <a16:creationId xmlns:a16="http://schemas.microsoft.com/office/drawing/2014/main" id="{A645BC1E-88F7-44F0-8869-7ECFFFA29E46}"/>
+              </a:ext>
+            </a:extLst>
+          </p:cNvPr>
+          <p:cNvSpPr>
+            <a:spLocks noGrp="1"/>
+          </p:cNvSpPr>
+          <p:nvPr>
+            <p:ph idx="1"/>
+          </p:nvPr>
+        </p:nvSpPr>
+        <p:spPr>
+          <a:xfrm>
+            <a:off x="838200" y="1825625"/>
+            <a:ext cx="3048000" cy="4351338"/>
+          </a:xfrm>
+        </p:spPr>
+        <p:txBody>
+          <a:bodyPr/>
+          <a:lstStyle/>
+          <a:p>
+            <a:r>
+              <a:rPr lang="en-US" dirty="0"/>
+              <a:t>Pandas module has easy correlation functions.</a:t>
+            </a:r>
+          </a:p>
+          <a:p>
+            <a:r>
+              <a:rPr lang="en-US" dirty="0"/>
+              <a:t>How does each extracted feature correlate with each of the five target features?</a:t>
+            </a:r>
+          </a:p>
+        </p:txBody>
+      </p:sp>
+      <p:pic>
+        <p:nvPicPr>
+          <p:cNvPr id="9" name="Picture 8" descr="A circuit board&#10;&#10;Description automatically generated">
+            <a:extLst>
+              <a:ext uri="{FF2B5EF4-FFF2-40B4-BE49-F238E27FC236}">
+                <a16:creationId xmlns:a16="http://schemas.microsoft.com/office/drawing/2014/main" id="{4C790F22-1E3D-4AE6-9701-75318CB3A202}"/>
+              </a:ext>
+            </a:extLst>
+          </p:cNvPr>
+          <p:cNvPicPr>
+            <a:picLocks noChangeAspect="1"/>
+          </p:cNvPicPr>
+          <p:nvPr/>
+        </p:nvPicPr>
+        <p:blipFill rotWithShape="1">
+          <a:blip r:embed="rId2">
+            <a:extLst>
+              <a:ext uri="{28A0092B-C50C-407E-A947-70E740481C1C}">
+                <a14:useLocalDpi xmlns:a14="http://schemas.microsoft.com/office/drawing/2010/main" val="0"/>
+              </a:ext>
+            </a:extLst>
+          </a:blip>
+          <a:srcRect l="7001" t="11131" r="10592" b="7361"/>
+          <a:stretch/>
+        </p:blipFill>
+        <p:spPr>
+          <a:xfrm>
+            <a:off x="5130799" y="622300"/>
+            <a:ext cx="6304375" cy="6235700"/>
+          </a:xfrm>
+          <a:prstGeom prst="rect">
+            <a:avLst/>
+          </a:prstGeom>
+        </p:spPr>
+      </p:pic>
+    </p:spTree>
+    <p:extLst>
+      <p:ext uri="{BB962C8B-B14F-4D97-AF65-F5344CB8AC3E}">
+        <p14:creationId xmlns:p14="http://schemas.microsoft.com/office/powerpoint/2010/main" val="1783616050"/>
+      </p:ext>
+    </p:extLst>
+  </p:cSld>
+  <p:clrMapOvr>
+    <a:masterClrMapping/>
+  </p:clrMapOvr>
+</p:sld>
+</file>
+
+<file path=ppt/slides/slide13.xml><?xml version="1.0" encoding="utf-8"?>
+<p:sld xmlns:a="http://schemas.openxmlformats.org/drawingml/2006/main" xmlns:r="http://schemas.openxmlformats.org/officeDocument/2006/relationships" xmlns:p="http://schemas.openxmlformats.org/presentationml/2006/main">
+  <p:cSld>
+    <p:spTree>
+      <p:nvGrpSpPr>
+        <p:cNvPr id="1" name=""/>
+        <p:cNvGrpSpPr/>
+        <p:nvPr/>
+      </p:nvGrpSpPr>
+      <p:grpSpPr>
+        <a:xfrm>
+          <a:off x="0" y="0"/>
+          <a:ext cx="0" cy="0"/>
+          <a:chOff x="0" y="0"/>
+          <a:chExt cx="0" cy="0"/>
+        </a:xfrm>
+      </p:grpSpPr>
+      <p:sp>
+        <p:nvSpPr>
+          <p:cNvPr id="2" name="Title 1">
+            <a:extLst>
+              <a:ext uri="{FF2B5EF4-FFF2-40B4-BE49-F238E27FC236}">
+                <a16:creationId xmlns:a16="http://schemas.microsoft.com/office/drawing/2014/main" id="{E2800B2C-C8DE-4327-A9EE-60C4B887E656}"/>
+              </a:ext>
+            </a:extLst>
+          </p:cNvPr>
+          <p:cNvSpPr>
+            <a:spLocks noGrp="1"/>
+          </p:cNvSpPr>
+          <p:nvPr>
+            <p:ph type="title"/>
+          </p:nvPr>
+        </p:nvSpPr>
+        <p:spPr/>
+        <p:txBody>
+          <a:bodyPr/>
+          <a:lstStyle/>
+          <a:p>
+            <a:r>
+              <a:rPr lang="en-US" dirty="0"/>
+              <a:t>PCA</a:t>
+            </a:r>
+          </a:p>
+        </p:txBody>
+      </p:sp>
+      <p:sp>
+        <p:nvSpPr>
+          <p:cNvPr id="3" name="Content Placeholder 2">
+            <a:extLst>
+              <a:ext uri="{FF2B5EF4-FFF2-40B4-BE49-F238E27FC236}">
+                <a16:creationId xmlns:a16="http://schemas.microsoft.com/office/drawing/2014/main" id="{19644FAA-B898-428B-B84B-6E9D53CDC130}"/>
+              </a:ext>
+            </a:extLst>
+          </p:cNvPr>
+          <p:cNvSpPr>
+            <a:spLocks noGrp="1"/>
+          </p:cNvSpPr>
+          <p:nvPr>
+            <p:ph idx="1"/>
+          </p:nvPr>
+        </p:nvSpPr>
+        <p:spPr>
+          <a:xfrm>
+            <a:off x="838200" y="1825625"/>
+            <a:ext cx="5435600" cy="4351338"/>
+          </a:xfrm>
+        </p:spPr>
+        <p:txBody>
+          <a:bodyPr>
+            <a:normAutofit lnSpcReduction="10000"/>
+          </a:bodyPr>
+          <a:lstStyle/>
+          <a:p>
+            <a:r>
+              <a:rPr lang="en-US" dirty="0"/>
+              <a:t>PCA projects your data onto a given number of orthogonal principal components (PCs), where PC1 describes the most variance in the data, PC2 describes the second most variance in the data, etc.</a:t>
+            </a:r>
+          </a:p>
+          <a:p>
+            <a:r>
+              <a:rPr lang="en-US" dirty="0"/>
+              <a:t>We computed eight PCs from the extracted features and correlated those to each of our five target features to determine which PCs</a:t>
+            </a:r>
+          </a:p>
+        </p:txBody>
+      </p:sp>
+    </p:spTree>
+    <p:extLst>
+      <p:ext uri="{BB962C8B-B14F-4D97-AF65-F5344CB8AC3E}">
+        <p14:creationId xmlns:p14="http://schemas.microsoft.com/office/powerpoint/2010/main" val="1837526537"/>
+      </p:ext>
+    </p:extLst>
+  </p:cSld>
+  <p:clrMapOvr>
+    <a:masterClrMapping/>
+  </p:clrMapOvr>
+</p:sld>
+</file>
+
+<file path=ppt/slides/slide14.xml><?xml version="1.0" encoding="utf-8"?>
+<p:sld xmlns:a="http://schemas.openxmlformats.org/drawingml/2006/main" xmlns:r="http://schemas.openxmlformats.org/officeDocument/2006/relationships" xmlns:p="http://schemas.openxmlformats.org/presentationml/2006/main">
+  <p:cSld>
+    <p:spTree>
+      <p:nvGrpSpPr>
+        <p:cNvPr id="1" name=""/>
+        <p:cNvGrpSpPr/>
+        <p:nvPr/>
+      </p:nvGrpSpPr>
+      <p:grpSpPr>
+        <a:xfrm>
+          <a:off x="0" y="0"/>
+          <a:ext cx="0" cy="0"/>
+          <a:chOff x="0" y="0"/>
+          <a:chExt cx="0" cy="0"/>
+        </a:xfrm>
+      </p:grpSpPr>
+      <p:sp>
+        <p:nvSpPr>
+          <p:cNvPr id="2" name="Title 1">
+            <a:extLst>
+              <a:ext uri="{FF2B5EF4-FFF2-40B4-BE49-F238E27FC236}">
+                <a16:creationId xmlns:a16="http://schemas.microsoft.com/office/drawing/2014/main" id="{E3C299BD-FE62-41BD-8302-5274A051EDFD}"/>
+              </a:ext>
+            </a:extLst>
+          </p:cNvPr>
+          <p:cNvSpPr>
+            <a:spLocks noGrp="1"/>
+          </p:cNvSpPr>
+          <p:nvPr>
+            <p:ph type="title"/>
+          </p:nvPr>
+        </p:nvSpPr>
+        <p:spPr/>
+        <p:txBody>
+          <a:bodyPr/>
+          <a:lstStyle/>
+          <a:p>
+            <a:r>
+              <a:rPr lang="en-US" dirty="0"/>
+              <a:t>Workflow</a:t>
+            </a:r>
+          </a:p>
+        </p:txBody>
+      </p:sp>
+      <p:pic>
+        <p:nvPicPr>
+          <p:cNvPr id="7" name="Picture 6" descr="A close up of a device&#10;&#10;Description automatically generated">
+            <a:extLst>
+              <a:ext uri="{FF2B5EF4-FFF2-40B4-BE49-F238E27FC236}">
+                <a16:creationId xmlns:a16="http://schemas.microsoft.com/office/drawing/2014/main" id="{19DF049C-80BD-4908-9DF6-DAE093A8E5C9}"/>
+              </a:ext>
+            </a:extLst>
+          </p:cNvPr>
+          <p:cNvPicPr>
+            <a:picLocks noChangeAspect="1"/>
+          </p:cNvPicPr>
+          <p:nvPr/>
+        </p:nvPicPr>
+        <p:blipFill>
+          <a:blip r:embed="rId2">
+            <a:extLst>
+              <a:ext uri="{28A0092B-C50C-407E-A947-70E740481C1C}">
+                <a14:useLocalDpi xmlns:a14="http://schemas.microsoft.com/office/drawing/2010/main" val="0"/>
+              </a:ext>
+            </a:extLst>
+          </a:blip>
+          <a:stretch>
+            <a:fillRect/>
+          </a:stretch>
+        </p:blipFill>
+        <p:spPr>
+          <a:xfrm>
+            <a:off x="48751" y="2459389"/>
+            <a:ext cx="3138070" cy="711625"/>
+          </a:xfrm>
+          <a:prstGeom prst="rect">
+            <a:avLst/>
+          </a:prstGeom>
+        </p:spPr>
+      </p:pic>
+      <p:sp>
+        <p:nvSpPr>
+          <p:cNvPr id="8" name="TextBox 7">
+            <a:extLst>
+              <a:ext uri="{FF2B5EF4-FFF2-40B4-BE49-F238E27FC236}">
+                <a16:creationId xmlns:a16="http://schemas.microsoft.com/office/drawing/2014/main" id="{A17AD4BD-6603-42CE-ABD4-E3E90ADF6F58}"/>
+              </a:ext>
+            </a:extLst>
+          </p:cNvPr>
+          <p:cNvSpPr txBox="1"/>
+          <p:nvPr/>
+        </p:nvSpPr>
+        <p:spPr>
+          <a:xfrm>
+            <a:off x="920511" y="2090057"/>
+            <a:ext cx="1394549" cy="369332"/>
+          </a:xfrm>
+          <a:prstGeom prst="rect">
+            <a:avLst/>
+          </a:prstGeom>
+          <a:noFill/>
+        </p:spPr>
+        <p:txBody>
+          <a:bodyPr wrap="none" rtlCol="0">
+            <a:spAutoFit/>
+          </a:bodyPr>
+          <a:lstStyle/>
+          <a:p>
+            <a:r>
+              <a:rPr lang="en-US" dirty="0"/>
+              <a:t>Worm Image</a:t>
+            </a:r>
+          </a:p>
+        </p:txBody>
+      </p:sp>
+      <p:sp>
+        <p:nvSpPr>
+          <p:cNvPr id="9" name="Arrow: Right 8">
+            <a:extLst>
+              <a:ext uri="{FF2B5EF4-FFF2-40B4-BE49-F238E27FC236}">
+                <a16:creationId xmlns:a16="http://schemas.microsoft.com/office/drawing/2014/main" id="{9AF7AF5C-B9AD-438F-8DA2-D1535BC43287}"/>
+              </a:ext>
+            </a:extLst>
+          </p:cNvPr>
+          <p:cNvSpPr/>
+          <p:nvPr/>
+        </p:nvSpPr>
+        <p:spPr>
+          <a:xfrm>
+            <a:off x="3321417" y="2572885"/>
+            <a:ext cx="2035773" cy="484632"/>
+          </a:xfrm>
+          <a:prstGeom prst="rightArrow">
+            <a:avLst/>
+          </a:prstGeom>
+        </p:spPr>
+        <p:style>
+          <a:lnRef idx="2">
+            <a:schemeClr val="accent1">
+              <a:shade val="50000"/>
+            </a:schemeClr>
+          </a:lnRef>
+          <a:fillRef idx="1">
+            <a:schemeClr val="accent1"/>
+          </a:fillRef>
+          <a:effectRef idx="0">
+            <a:schemeClr val="accent1"/>
+          </a:effectRef>
+          <a:fontRef idx="minor">
+            <a:schemeClr val="lt1"/>
+          </a:fontRef>
+        </p:style>
+        <p:txBody>
+          <a:bodyPr rtlCol="0" anchor="ctr"/>
+          <a:lstStyle/>
+          <a:p>
+            <a:pPr algn="ctr"/>
+            <a:r>
+              <a:rPr lang="en-US" dirty="0"/>
+              <a:t>Feature Extraction</a:t>
+            </a:r>
+          </a:p>
+        </p:txBody>
+      </p:sp>
+      <p:pic>
+        <p:nvPicPr>
+          <p:cNvPr id="10" name="Picture 9">
+            <a:extLst>
+              <a:ext uri="{FF2B5EF4-FFF2-40B4-BE49-F238E27FC236}">
+                <a16:creationId xmlns:a16="http://schemas.microsoft.com/office/drawing/2014/main" id="{2A7E915C-C46C-4C57-A4E6-37FD78E5607C}"/>
+              </a:ext>
+            </a:extLst>
+          </p:cNvPr>
+          <p:cNvPicPr>
+            <a:picLocks noChangeAspect="1"/>
+          </p:cNvPicPr>
+          <p:nvPr/>
+        </p:nvPicPr>
+        <p:blipFill rotWithShape="1">
+          <a:blip r:embed="rId3"/>
+          <a:srcRect l="1896" t="30343" r="50811" b="49062"/>
+          <a:stretch/>
+        </p:blipFill>
+        <p:spPr>
+          <a:xfrm>
+            <a:off x="5491786" y="2459389"/>
+            <a:ext cx="6087864" cy="1325563"/>
+          </a:xfrm>
+          <a:prstGeom prst="rect">
+            <a:avLst/>
+          </a:prstGeom>
+        </p:spPr>
+      </p:pic>
+      <p:sp>
+        <p:nvSpPr>
+          <p:cNvPr id="11" name="Arrow: Down 10">
+            <a:extLst>
+              <a:ext uri="{FF2B5EF4-FFF2-40B4-BE49-F238E27FC236}">
+                <a16:creationId xmlns:a16="http://schemas.microsoft.com/office/drawing/2014/main" id="{C9867F5C-A768-41F3-9A15-8CC49C5AB434}"/>
+              </a:ext>
+            </a:extLst>
+          </p:cNvPr>
+          <p:cNvSpPr/>
+          <p:nvPr/>
+        </p:nvSpPr>
+        <p:spPr>
+          <a:xfrm>
+            <a:off x="7587132" y="949160"/>
+            <a:ext cx="1897172" cy="1325563"/>
+          </a:xfrm>
+          <a:prstGeom prst="downArrow">
+            <a:avLst/>
+          </a:prstGeom>
+        </p:spPr>
+        <p:style>
+          <a:lnRef idx="2">
+            <a:schemeClr val="accent1">
+              <a:shade val="50000"/>
+            </a:schemeClr>
+          </a:lnRef>
+          <a:fillRef idx="1">
+            <a:schemeClr val="accent1"/>
+          </a:fillRef>
+          <a:effectRef idx="0">
+            <a:schemeClr val="accent1"/>
+          </a:effectRef>
+          <a:fontRef idx="minor">
+            <a:schemeClr val="lt1"/>
+          </a:fontRef>
+        </p:style>
+        <p:txBody>
+          <a:bodyPr rtlCol="0" anchor="ctr"/>
+          <a:lstStyle/>
+          <a:p>
+            <a:pPr algn="ctr"/>
+            <a:r>
+              <a:rPr lang="en-US" dirty="0"/>
+              <a:t>Ground Truth</a:t>
+            </a:r>
+          </a:p>
+        </p:txBody>
+      </p:sp>
+      <p:sp>
+        <p:nvSpPr>
+          <p:cNvPr id="12" name="Arrow: Down 11">
+            <a:extLst>
+              <a:ext uri="{FF2B5EF4-FFF2-40B4-BE49-F238E27FC236}">
+                <a16:creationId xmlns:a16="http://schemas.microsoft.com/office/drawing/2014/main" id="{72F22777-0C2F-4BDA-B995-F8AB5A87A3D8}"/>
+              </a:ext>
+            </a:extLst>
+          </p:cNvPr>
+          <p:cNvSpPr/>
+          <p:nvPr/>
+        </p:nvSpPr>
+        <p:spPr>
+          <a:xfrm>
+            <a:off x="5678025" y="3813432"/>
+            <a:ext cx="2521757" cy="1325563"/>
+          </a:xfrm>
+          <a:prstGeom prst="downArrow">
+            <a:avLst/>
+          </a:prstGeom>
+        </p:spPr>
+        <p:style>
+          <a:lnRef idx="2">
+            <a:schemeClr val="accent1">
+              <a:shade val="50000"/>
+            </a:schemeClr>
+          </a:lnRef>
+          <a:fillRef idx="1">
+            <a:schemeClr val="accent1"/>
+          </a:fillRef>
+          <a:effectRef idx="0">
+            <a:schemeClr val="accent1"/>
+          </a:effectRef>
+          <a:fontRef idx="minor">
+            <a:schemeClr val="lt1"/>
+          </a:fontRef>
+        </p:style>
+        <p:txBody>
+          <a:bodyPr rtlCol="0" anchor="ctr"/>
+          <a:lstStyle/>
+          <a:p>
+            <a:pPr algn="ctr"/>
+            <a:r>
+              <a:rPr lang="en-US" dirty="0"/>
+              <a:t>Feature Exploration</a:t>
+            </a:r>
+          </a:p>
+        </p:txBody>
+      </p:sp>
+      <p:sp>
+        <p:nvSpPr>
+          <p:cNvPr id="13" name="Arrow: Down 12">
+            <a:extLst>
+              <a:ext uri="{FF2B5EF4-FFF2-40B4-BE49-F238E27FC236}">
+                <a16:creationId xmlns:a16="http://schemas.microsoft.com/office/drawing/2014/main" id="{B55820A6-15B4-41C1-B0DC-33ABD9673EA9}"/>
+              </a:ext>
+            </a:extLst>
+          </p:cNvPr>
+          <p:cNvSpPr/>
+          <p:nvPr/>
+        </p:nvSpPr>
+        <p:spPr>
+          <a:xfrm>
+            <a:off x="9144261" y="3813432"/>
+            <a:ext cx="2096895" cy="1325563"/>
+          </a:xfrm>
+          <a:prstGeom prst="downArrow">
+            <a:avLst/>
+          </a:prstGeom>
+        </p:spPr>
+        <p:style>
+          <a:lnRef idx="2">
+            <a:schemeClr val="accent1">
+              <a:shade val="50000"/>
+            </a:schemeClr>
+          </a:lnRef>
+          <a:fillRef idx="1">
+            <a:schemeClr val="accent1"/>
+          </a:fillRef>
+          <a:effectRef idx="0">
+            <a:schemeClr val="accent1"/>
+          </a:effectRef>
+          <a:fontRef idx="minor">
+            <a:schemeClr val="lt1"/>
+          </a:fontRef>
+        </p:style>
+        <p:txBody>
+          <a:bodyPr rtlCol="0" anchor="ctr"/>
+          <a:lstStyle/>
+          <a:p>
+            <a:pPr algn="ctr"/>
+            <a:r>
+              <a:rPr lang="en-US" dirty="0"/>
+              <a:t>Feature Selection</a:t>
+            </a:r>
+          </a:p>
+        </p:txBody>
+      </p:sp>
+      <p:sp>
+        <p:nvSpPr>
+          <p:cNvPr id="14" name="TextBox 13">
+            <a:extLst>
+              <a:ext uri="{FF2B5EF4-FFF2-40B4-BE49-F238E27FC236}">
+                <a16:creationId xmlns:a16="http://schemas.microsoft.com/office/drawing/2014/main" id="{0E3BCD4E-B12E-4E03-AA68-BE2EA74C581F}"/>
+              </a:ext>
+            </a:extLst>
+          </p:cNvPr>
+          <p:cNvSpPr txBox="1"/>
+          <p:nvPr/>
+        </p:nvSpPr>
+        <p:spPr>
+          <a:xfrm>
+            <a:off x="5897367" y="5167475"/>
+            <a:ext cx="2083071" cy="369332"/>
+          </a:xfrm>
+          <a:prstGeom prst="rect">
+            <a:avLst/>
+          </a:prstGeom>
+          <a:noFill/>
+        </p:spPr>
+        <p:txBody>
+          <a:bodyPr wrap="none" rtlCol="0">
+            <a:spAutoFit/>
+          </a:bodyPr>
+          <a:lstStyle/>
+          <a:p>
+            <a:r>
+              <a:rPr lang="en-US" dirty="0"/>
+              <a:t>PCA and Heat Maps</a:t>
+            </a:r>
+          </a:p>
+        </p:txBody>
+      </p:sp>
+      <p:sp>
+        <p:nvSpPr>
+          <p:cNvPr id="15" name="TextBox 14">
+            <a:extLst>
+              <a:ext uri="{FF2B5EF4-FFF2-40B4-BE49-F238E27FC236}">
+                <a16:creationId xmlns:a16="http://schemas.microsoft.com/office/drawing/2014/main" id="{ADAB01F8-ECC7-4A00-AA00-01FF1378B613}"/>
+              </a:ext>
+            </a:extLst>
+          </p:cNvPr>
+          <p:cNvSpPr txBox="1"/>
+          <p:nvPr/>
+        </p:nvSpPr>
+        <p:spPr>
+          <a:xfrm>
+            <a:off x="8388756" y="5167475"/>
+            <a:ext cx="3607904" cy="369332"/>
+          </a:xfrm>
+          <a:prstGeom prst="rect">
+            <a:avLst/>
+          </a:prstGeom>
+          <a:noFill/>
+        </p:spPr>
+        <p:txBody>
+          <a:bodyPr wrap="square" rtlCol="0">
+            <a:spAutoFit/>
+          </a:bodyPr>
+          <a:lstStyle/>
+          <a:p>
+            <a:pPr algn="ctr"/>
+            <a:r>
+              <a:rPr lang="en-US" dirty="0"/>
+              <a:t>LDA, Stepwise Logistic Regression</a:t>
+            </a:r>
+          </a:p>
+        </p:txBody>
+      </p:sp>
+      <p:sp>
+        <p:nvSpPr>
+          <p:cNvPr id="3" name="TextBox 2">
+            <a:extLst>
+              <a:ext uri="{FF2B5EF4-FFF2-40B4-BE49-F238E27FC236}">
+                <a16:creationId xmlns:a16="http://schemas.microsoft.com/office/drawing/2014/main" id="{ABCED66C-9FCA-4022-9596-37D3F94D5B50}"/>
+              </a:ext>
+            </a:extLst>
+          </p:cNvPr>
+          <p:cNvSpPr txBox="1"/>
+          <p:nvPr/>
+        </p:nvSpPr>
+        <p:spPr>
+          <a:xfrm>
+            <a:off x="596901" y="3813432"/>
+            <a:ext cx="4318000" cy="1477328"/>
+          </a:xfrm>
+          <a:prstGeom prst="rect">
+            <a:avLst/>
+          </a:prstGeom>
+          <a:noFill/>
+        </p:spPr>
+        <p:txBody>
+          <a:bodyPr wrap="square" rtlCol="0">
+            <a:spAutoFit/>
+          </a:bodyPr>
+          <a:lstStyle/>
+          <a:p>
+            <a:r>
+              <a:rPr lang="en-US" b="1" dirty="0"/>
+              <a:t>Goal:</a:t>
+            </a:r>
+            <a:r>
+              <a:rPr lang="en-US" dirty="0"/>
+              <a:t> Train a model/classifier to use features extracted from each image in order to predict five target features – single loaded, whole animal, straight, headfirst, and clear.</a:t>
+            </a:r>
+            <a:endParaRPr lang="en-US" b="1" dirty="0"/>
+          </a:p>
+        </p:txBody>
+      </p:sp>
+      <p:sp>
+        <p:nvSpPr>
+          <p:cNvPr id="4" name="Oval 3">
+            <a:extLst>
+              <a:ext uri="{FF2B5EF4-FFF2-40B4-BE49-F238E27FC236}">
+                <a16:creationId xmlns:a16="http://schemas.microsoft.com/office/drawing/2014/main" id="{192595D4-87E6-4045-8E7B-6596A12656D5}"/>
+              </a:ext>
+            </a:extLst>
+          </p:cNvPr>
+          <p:cNvSpPr/>
+          <p:nvPr/>
+        </p:nvSpPr>
+        <p:spPr>
+          <a:xfrm>
+            <a:off x="8736204" y="3800475"/>
+            <a:ext cx="2913007" cy="2640274"/>
+          </a:xfrm>
+          <a:prstGeom prst="ellipse">
+            <a:avLst/>
+          </a:prstGeom>
+          <a:noFill/>
+          <a:ln>
+            <a:solidFill>
+              <a:srgbClr val="C00000"/>
+            </a:solidFill>
+          </a:ln>
+        </p:spPr>
+        <p:style>
+          <a:lnRef idx="2">
+            <a:schemeClr val="accent1">
+              <a:shade val="50000"/>
+            </a:schemeClr>
+          </a:lnRef>
+          <a:fillRef idx="1">
+            <a:schemeClr val="accent1"/>
+          </a:fillRef>
+          <a:effectRef idx="0">
+            <a:schemeClr val="accent1"/>
+          </a:effectRef>
+          <a:fontRef idx="minor">
+            <a:schemeClr val="lt1"/>
+          </a:fontRef>
+        </p:style>
+        <p:txBody>
+          <a:bodyPr rtlCol="0" anchor="ctr"/>
+          <a:lstStyle/>
+          <a:p>
+            <a:pPr algn="ctr"/>
+            <a:endParaRPr lang="en-US"/>
+          </a:p>
+        </p:txBody>
+      </p:sp>
+    </p:spTree>
+    <p:extLst>
+      <p:ext uri="{BB962C8B-B14F-4D97-AF65-F5344CB8AC3E}">
+        <p14:creationId xmlns:p14="http://schemas.microsoft.com/office/powerpoint/2010/main" val="4126154710"/>
+      </p:ext>
+    </p:extLst>
+  </p:cSld>
+  <p:clrMapOvr>
+    <a:masterClrMapping/>
+  </p:clrMapOvr>
+  <p:timing>
+    <p:tnLst>
+      <p:par>
+        <p:cTn id="1" dur="indefinite" restart="never" nodeType="tmRoot">
+          <p:childTnLst>
+            <p:seq concurrent="1" nextAc="seek">
+              <p:cTn id="2" dur="indefinite" nodeType="mainSeq">
+                <p:childTnLst>
+                  <p:par>
+                    <p:cTn id="3" fill="hold">
+                      <p:stCondLst>
+                        <p:cond delay="indefinite"/>
+                      </p:stCondLst>
+                      <p:childTnLst>
+                        <p:par>
+                          <p:cTn id="4" fill="hold">
+                            <p:stCondLst>
+                              <p:cond delay="0"/>
+                            </p:stCondLst>
+                            <p:childTnLst>
+                              <p:par>
+                                <p:cTn id="5" presetID="1" presetClass="entr" presetSubtype="0" fill="hold" grpId="0" nodeType="clickEffect">
+                                  <p:stCondLst>
+                                    <p:cond delay="0"/>
+                                  </p:stCondLst>
+                                  <p:childTnLst>
+                                    <p:set>
+                                      <p:cBhvr>
+                                        <p:cTn id="6" dur="1" fill="hold">
+                                          <p:stCondLst>
+                                            <p:cond delay="0"/>
+                                          </p:stCondLst>
+                                        </p:cTn>
+                                        <p:tgtEl>
+                                          <p:spTgt spid="4"/>
+                                        </p:tgtEl>
+                                        <p:attrNameLst>
+                                          <p:attrName>style.visibility</p:attrName>
+                                        </p:attrNameLst>
+                                      </p:cBhvr>
+                                      <p:to>
+                                        <p:strVal val="visible"/>
+                                      </p:to>
+                                    </p:set>
+                                  </p:childTnLst>
+                                </p:cTn>
+                              </p:par>
+                            </p:childTnLst>
+                          </p:cTn>
+                        </p:par>
+                      </p:childTnLst>
+                    </p:cTn>
+                  </p:par>
+                </p:childTnLst>
+              </p:cTn>
+              <p:prevCondLst>
+                <p:cond evt="onPrev" delay="0">
+                  <p:tgtEl>
+                    <p:sldTgt/>
+                  </p:tgtEl>
+                </p:cond>
+              </p:prevCondLst>
+              <p:nextCondLst>
+                <p:cond evt="onNext" delay="0">
+                  <p:tgtEl>
+                    <p:sldTgt/>
+                  </p:tgtEl>
+                </p:cond>
+              </p:nextCondLst>
+            </p:seq>
+          </p:childTnLst>
+        </p:cTn>
+      </p:par>
+    </p:tnLst>
+    <p:bldLst>
+      <p:bldP spid="4" grpId="0" animBg="1"/>
+    </p:bldLst>
+  </p:timing>
+</p:sld>
+</file>
+
+<file path=ppt/slides/slide15.xml><?xml version="1.0" encoding="utf-8"?>
+<p:sld xmlns:a="http://schemas.openxmlformats.org/drawingml/2006/main" xmlns:r="http://schemas.openxmlformats.org/officeDocument/2006/relationships" xmlns:p="http://schemas.openxmlformats.org/presentationml/2006/main">
+  <p:cSld>
+    <p:spTree>
+      <p:nvGrpSpPr>
+        <p:cNvPr id="1" name=""/>
+        <p:cNvGrpSpPr/>
+        <p:nvPr/>
+      </p:nvGrpSpPr>
+      <p:grpSpPr>
+        <a:xfrm>
+          <a:off x="0" y="0"/>
+          <a:ext cx="0" cy="0"/>
+          <a:chOff x="0" y="0"/>
+          <a:chExt cx="0" cy="0"/>
+        </a:xfrm>
+      </p:grpSpPr>
+      <p:sp>
+        <p:nvSpPr>
+          <p:cNvPr id="2" name="Title 1">
+            <a:extLst>
+              <a:ext uri="{FF2B5EF4-FFF2-40B4-BE49-F238E27FC236}">
                 <a16:creationId xmlns:a16="http://schemas.microsoft.com/office/drawing/2014/main" id="{762D3F3A-E14F-45F6-B7C8-01563374B3C1}"/>
               </a:ext>
             </a:extLst>
@@ -4726,6 +5609,11 @@
               <a:rPr lang="en-US" dirty="0"/>
               <a:t>Test-train-split</a:t>
             </a:r>
+            <a:r>
+              <a:rPr lang="en-US"/>
+              <a:t>: machine learning basics</a:t>
+            </a:r>
+            <a:endParaRPr lang="en-US" dirty="0"/>
           </a:p>
         </p:txBody>
       </p:sp>
@@ -5092,7 +5980,7 @@
 </p:sld>
 </file>
 
-<file path=ppt/slides/slide13.xml><?xml version="1.0" encoding="utf-8"?>
+<file path=ppt/slides/slide16.xml><?xml version="1.0" encoding="utf-8"?>
 <p:sld xmlns:a="http://schemas.openxmlformats.org/drawingml/2006/main" xmlns:r="http://schemas.openxmlformats.org/officeDocument/2006/relationships" xmlns:p="http://schemas.openxmlformats.org/presentationml/2006/main">
   <p:cSld>
     <p:spTree>
@@ -5218,7 +6106,7 @@
 </p:sld>
 </file>
 
-<file path=ppt/slides/slide14.xml><?xml version="1.0" encoding="utf-8"?>
+<file path=ppt/slides/slide17.xml><?xml version="1.0" encoding="utf-8"?>
 <p:sld xmlns:a="http://schemas.openxmlformats.org/drawingml/2006/main" xmlns:r="http://schemas.openxmlformats.org/officeDocument/2006/relationships" xmlns:p="http://schemas.openxmlformats.org/presentationml/2006/main">
   <p:cSld>
     <p:spTree>
@@ -5410,7 +6298,7 @@
 </p:sld>
 </file>
 
-<file path=ppt/slides/slide15.xml><?xml version="1.0" encoding="utf-8"?>
+<file path=ppt/slides/slide18.xml><?xml version="1.0" encoding="utf-8"?>
 <p:sld xmlns:a="http://schemas.openxmlformats.org/drawingml/2006/main" xmlns:r="http://schemas.openxmlformats.org/officeDocument/2006/relationships" xmlns:p="http://schemas.openxmlformats.org/presentationml/2006/main">
   <p:cSld>
     <p:spTree>
@@ -5743,7 +6631,7 @@
 </p:sld>
 </file>
 
-<file path=ppt/slides/slide16.xml><?xml version="1.0" encoding="utf-8"?>
+<file path=ppt/slides/slide19.xml><?xml version="1.0" encoding="utf-8"?>
 <p:sld xmlns:a="http://schemas.openxmlformats.org/drawingml/2006/main" xmlns:r="http://schemas.openxmlformats.org/officeDocument/2006/relationships" xmlns:p="http://schemas.openxmlformats.org/presentationml/2006/main">
   <p:cSld>
     <p:spTree>
@@ -5861,225 +6749,6 @@
     <p:extLst>
       <p:ext uri="{BB962C8B-B14F-4D97-AF65-F5344CB8AC3E}">
         <p14:creationId xmlns:p14="http://schemas.microsoft.com/office/powerpoint/2010/main" val="1320013260"/>
-      </p:ext>
-    </p:extLst>
-  </p:cSld>
-  <p:clrMapOvr>
-    <a:masterClrMapping/>
-  </p:clrMapOvr>
-</p:sld>
-</file>
-
-<file path=ppt/slides/slide17.xml><?xml version="1.0" encoding="utf-8"?>
-<p:sld xmlns:a="http://schemas.openxmlformats.org/drawingml/2006/main" xmlns:r="http://schemas.openxmlformats.org/officeDocument/2006/relationships" xmlns:p="http://schemas.openxmlformats.org/presentationml/2006/main">
-  <p:cSld>
-    <p:spTree>
-      <p:nvGrpSpPr>
-        <p:cNvPr id="1" name=""/>
-        <p:cNvGrpSpPr/>
-        <p:nvPr/>
-      </p:nvGrpSpPr>
-      <p:grpSpPr>
-        <a:xfrm>
-          <a:off x="0" y="0"/>
-          <a:ext cx="0" cy="0"/>
-          <a:chOff x="0" y="0"/>
-          <a:chExt cx="0" cy="0"/>
-        </a:xfrm>
-      </p:grpSpPr>
-      <p:sp>
-        <p:nvSpPr>
-          <p:cNvPr id="2" name="Title 1">
-            <a:extLst>
-              <a:ext uri="{FF2B5EF4-FFF2-40B4-BE49-F238E27FC236}">
-                <a16:creationId xmlns:a16="http://schemas.microsoft.com/office/drawing/2014/main" id="{421F30D5-AB1B-4807-810C-E394ED65171E}"/>
-              </a:ext>
-            </a:extLst>
-          </p:cNvPr>
-          <p:cNvSpPr>
-            <a:spLocks noGrp="1"/>
-          </p:cNvSpPr>
-          <p:nvPr>
-            <p:ph type="title"/>
-          </p:nvPr>
-        </p:nvSpPr>
-        <p:spPr>
-          <a:xfrm>
-            <a:off x="838200" y="18255"/>
-            <a:ext cx="10515600" cy="1325563"/>
-          </a:xfrm>
-        </p:spPr>
-        <p:txBody>
-          <a:bodyPr/>
-          <a:lstStyle/>
-          <a:p>
-            <a:r>
-              <a:rPr lang="en-US" dirty="0"/>
-              <a:t>Outline</a:t>
-            </a:r>
-          </a:p>
-        </p:txBody>
-      </p:sp>
-      <p:sp>
-        <p:nvSpPr>
-          <p:cNvPr id="3" name="Content Placeholder 2">
-            <a:extLst>
-              <a:ext uri="{FF2B5EF4-FFF2-40B4-BE49-F238E27FC236}">
-                <a16:creationId xmlns:a16="http://schemas.microsoft.com/office/drawing/2014/main" id="{EF424208-329E-4590-9FC3-E8884754ED86}"/>
-              </a:ext>
-            </a:extLst>
-          </p:cNvPr>
-          <p:cNvSpPr>
-            <a:spLocks noGrp="1"/>
-          </p:cNvSpPr>
-          <p:nvPr>
-            <p:ph idx="1"/>
-          </p:nvPr>
-        </p:nvSpPr>
-        <p:spPr>
-          <a:xfrm>
-            <a:off x="838200" y="1130300"/>
-            <a:ext cx="10515600" cy="5575300"/>
-          </a:xfrm>
-        </p:spPr>
-        <p:txBody>
-          <a:bodyPr>
-            <a:normAutofit fontScale="85000" lnSpcReduction="20000"/>
-          </a:bodyPr>
-          <a:lstStyle/>
-          <a:p>
-            <a:r>
-              <a:rPr lang="en-US" dirty="0"/>
-              <a:t>Intro</a:t>
-            </a:r>
-          </a:p>
-          <a:p>
-            <a:pPr lvl="1"/>
-            <a:r>
-              <a:rPr lang="en-US" dirty="0"/>
-              <a:t>Problem? We need accurate live classification</a:t>
-            </a:r>
-          </a:p>
-          <a:p>
-            <a:r>
-              <a:rPr lang="en-US" dirty="0"/>
-              <a:t>Goal</a:t>
-            </a:r>
-          </a:p>
-          <a:p>
-            <a:pPr lvl="1"/>
-            <a:r>
-              <a:rPr lang="en-US" dirty="0"/>
-              <a:t>Machine learning</a:t>
-            </a:r>
-          </a:p>
-          <a:p>
-            <a:pPr lvl="1"/>
-            <a:r>
-              <a:rPr lang="en-US" dirty="0"/>
-              <a:t>Robust classification</a:t>
-            </a:r>
-          </a:p>
-          <a:p>
-            <a:pPr lvl="2"/>
-            <a:r>
-              <a:rPr lang="en-US" dirty="0"/>
-              <a:t>Accuracy metric: for specific mutants</a:t>
-            </a:r>
-          </a:p>
-          <a:p>
-            <a:pPr lvl="2"/>
-            <a:r>
-              <a:rPr lang="en-US" dirty="0"/>
-              <a:t>Robustness metric: across mutants</a:t>
-            </a:r>
-          </a:p>
-          <a:p>
-            <a:pPr lvl="2"/>
-            <a:r>
-              <a:rPr lang="en-US" dirty="0"/>
-              <a:t>Reliable </a:t>
-            </a:r>
-            <a:r>
-              <a:rPr lang="en-US" dirty="0" err="1"/>
-              <a:t>gtruth</a:t>
-            </a:r>
-            <a:endParaRPr lang="en-US" dirty="0"/>
-          </a:p>
-          <a:p>
-            <a:pPr lvl="2"/>
-            <a:r>
-              <a:rPr lang="en-US" dirty="0"/>
-              <a:t>Compare with different algorithms</a:t>
-            </a:r>
-          </a:p>
-          <a:p>
-            <a:r>
-              <a:rPr lang="en-US" dirty="0"/>
-              <a:t>Starting point</a:t>
-            </a:r>
-          </a:p>
-          <a:p>
-            <a:pPr lvl="1"/>
-            <a:r>
-              <a:rPr lang="en-US" dirty="0"/>
-              <a:t>Worm images w/</a:t>
-            </a:r>
-            <a:r>
-              <a:rPr lang="en-US" dirty="0" err="1"/>
-              <a:t>gtruth</a:t>
-            </a:r>
-            <a:endParaRPr lang="en-US" dirty="0"/>
-          </a:p>
-          <a:p>
-            <a:pPr lvl="1"/>
-            <a:r>
-              <a:rPr lang="en-US" dirty="0"/>
-              <a:t>Five target features</a:t>
-            </a:r>
-          </a:p>
-          <a:p>
-            <a:pPr lvl="1"/>
-            <a:r>
-              <a:rPr lang="en-US" dirty="0"/>
-              <a:t>Extracted features</a:t>
-            </a:r>
-          </a:p>
-          <a:p>
-            <a:r>
-              <a:rPr lang="en-US" dirty="0"/>
-              <a:t>Machine learning techniques</a:t>
-            </a:r>
-          </a:p>
-          <a:p>
-            <a:r>
-              <a:rPr lang="en-US" dirty="0"/>
-              <a:t>Classification techniques</a:t>
-            </a:r>
-          </a:p>
-          <a:p>
-            <a:pPr lvl="1"/>
-            <a:r>
-              <a:rPr lang="en-US" dirty="0"/>
-              <a:t>LDA and SFS</a:t>
-            </a:r>
-          </a:p>
-          <a:p>
-            <a:r>
-              <a:rPr lang="en-US"/>
-              <a:t>Conclusion &amp; future </a:t>
-            </a:r>
-            <a:r>
-              <a:rPr lang="en-US" dirty="0"/>
-              <a:t>goals based on what I have done</a:t>
-            </a:r>
-          </a:p>
-        </p:txBody>
-      </p:sp>
-    </p:spTree>
-    <p:extLst>
-      <p:ext uri="{BB962C8B-B14F-4D97-AF65-F5344CB8AC3E}">
-        <p14:creationId xmlns:p14="http://schemas.microsoft.com/office/powerpoint/2010/main" val="2948975348"/>
       </p:ext>
     </p:extLst>
   </p:cSld>
@@ -6111,6 +6780,1313 @@
           <p:cNvPr id="2" name="Title 1">
             <a:extLst>
               <a:ext uri="{FF2B5EF4-FFF2-40B4-BE49-F238E27FC236}">
+                <a16:creationId xmlns:a16="http://schemas.microsoft.com/office/drawing/2014/main" id="{421F30D5-AB1B-4807-810C-E394ED65171E}"/>
+              </a:ext>
+            </a:extLst>
+          </p:cNvPr>
+          <p:cNvSpPr>
+            <a:spLocks noGrp="1"/>
+          </p:cNvSpPr>
+          <p:nvPr>
+            <p:ph type="title"/>
+          </p:nvPr>
+        </p:nvSpPr>
+        <p:spPr>
+          <a:xfrm>
+            <a:off x="838200" y="18255"/>
+            <a:ext cx="10515600" cy="1325563"/>
+          </a:xfrm>
+        </p:spPr>
+        <p:txBody>
+          <a:bodyPr/>
+          <a:lstStyle/>
+          <a:p>
+            <a:r>
+              <a:rPr lang="en-US" dirty="0"/>
+              <a:t>Outline</a:t>
+            </a:r>
+          </a:p>
+        </p:txBody>
+      </p:sp>
+      <p:sp>
+        <p:nvSpPr>
+          <p:cNvPr id="3" name="Content Placeholder 2">
+            <a:extLst>
+              <a:ext uri="{FF2B5EF4-FFF2-40B4-BE49-F238E27FC236}">
+                <a16:creationId xmlns:a16="http://schemas.microsoft.com/office/drawing/2014/main" id="{EF424208-329E-4590-9FC3-E8884754ED86}"/>
+              </a:ext>
+            </a:extLst>
+          </p:cNvPr>
+          <p:cNvSpPr>
+            <a:spLocks noGrp="1"/>
+          </p:cNvSpPr>
+          <p:nvPr>
+            <p:ph idx="1"/>
+          </p:nvPr>
+        </p:nvSpPr>
+        <p:spPr>
+          <a:xfrm>
+            <a:off x="838200" y="1130300"/>
+            <a:ext cx="10515600" cy="5575300"/>
+          </a:xfrm>
+        </p:spPr>
+        <p:txBody>
+          <a:bodyPr>
+            <a:normAutofit fontScale="85000" lnSpcReduction="20000"/>
+          </a:bodyPr>
+          <a:lstStyle/>
+          <a:p>
+            <a:r>
+              <a:rPr lang="en-US" dirty="0"/>
+              <a:t>Intro</a:t>
+            </a:r>
+          </a:p>
+          <a:p>
+            <a:pPr lvl="1"/>
+            <a:r>
+              <a:rPr lang="en-US" dirty="0"/>
+              <a:t>Problem? We need accurate live classification</a:t>
+            </a:r>
+          </a:p>
+          <a:p>
+            <a:r>
+              <a:rPr lang="en-US" dirty="0"/>
+              <a:t>Goal</a:t>
+            </a:r>
+          </a:p>
+          <a:p>
+            <a:pPr lvl="1"/>
+            <a:r>
+              <a:rPr lang="en-US" dirty="0"/>
+              <a:t>Machine learning</a:t>
+            </a:r>
+          </a:p>
+          <a:p>
+            <a:pPr lvl="1"/>
+            <a:r>
+              <a:rPr lang="en-US" dirty="0"/>
+              <a:t>Robust classification</a:t>
+            </a:r>
+          </a:p>
+          <a:p>
+            <a:pPr lvl="2"/>
+            <a:r>
+              <a:rPr lang="en-US" dirty="0"/>
+              <a:t>Accuracy metric: for specific mutants</a:t>
+            </a:r>
+          </a:p>
+          <a:p>
+            <a:pPr lvl="2"/>
+            <a:r>
+              <a:rPr lang="en-US" dirty="0"/>
+              <a:t>Robustness metric: across mutants</a:t>
+            </a:r>
+          </a:p>
+          <a:p>
+            <a:pPr lvl="2"/>
+            <a:r>
+              <a:rPr lang="en-US" dirty="0"/>
+              <a:t>Reliable </a:t>
+            </a:r>
+            <a:r>
+              <a:rPr lang="en-US" dirty="0" err="1"/>
+              <a:t>gtruth</a:t>
+            </a:r>
+            <a:endParaRPr lang="en-US" dirty="0"/>
+          </a:p>
+          <a:p>
+            <a:pPr lvl="2"/>
+            <a:r>
+              <a:rPr lang="en-US" dirty="0"/>
+              <a:t>Compare with different algorithms</a:t>
+            </a:r>
+          </a:p>
+          <a:p>
+            <a:r>
+              <a:rPr lang="en-US" dirty="0"/>
+              <a:t>Starting point</a:t>
+            </a:r>
+          </a:p>
+          <a:p>
+            <a:pPr lvl="1"/>
+            <a:r>
+              <a:rPr lang="en-US" dirty="0"/>
+              <a:t>Worm images w/</a:t>
+            </a:r>
+            <a:r>
+              <a:rPr lang="en-US" dirty="0" err="1"/>
+              <a:t>gtruth</a:t>
+            </a:r>
+            <a:endParaRPr lang="en-US" dirty="0"/>
+          </a:p>
+          <a:p>
+            <a:pPr lvl="1"/>
+            <a:r>
+              <a:rPr lang="en-US" dirty="0"/>
+              <a:t>Five target features</a:t>
+            </a:r>
+          </a:p>
+          <a:p>
+            <a:pPr lvl="1"/>
+            <a:r>
+              <a:rPr lang="en-US" dirty="0"/>
+              <a:t>Extracted features</a:t>
+            </a:r>
+          </a:p>
+          <a:p>
+            <a:r>
+              <a:rPr lang="en-US" dirty="0"/>
+              <a:t>Machine learning techniques</a:t>
+            </a:r>
+          </a:p>
+          <a:p>
+            <a:r>
+              <a:rPr lang="en-US" dirty="0"/>
+              <a:t>Classification techniques</a:t>
+            </a:r>
+          </a:p>
+          <a:p>
+            <a:pPr lvl="1"/>
+            <a:r>
+              <a:rPr lang="en-US" dirty="0"/>
+              <a:t>LDA and SFS</a:t>
+            </a:r>
+          </a:p>
+          <a:p>
+            <a:r>
+              <a:rPr lang="en-US" dirty="0"/>
+              <a:t>Conclusion &amp; future goals based on what I have done</a:t>
+            </a:r>
+          </a:p>
+        </p:txBody>
+      </p:sp>
+    </p:spTree>
+    <p:extLst>
+      <p:ext uri="{BB962C8B-B14F-4D97-AF65-F5344CB8AC3E}">
+        <p14:creationId xmlns:p14="http://schemas.microsoft.com/office/powerpoint/2010/main" val="2948975348"/>
+      </p:ext>
+    </p:extLst>
+  </p:cSld>
+  <p:clrMapOvr>
+    <a:masterClrMapping/>
+  </p:clrMapOvr>
+</p:sld>
+</file>
+
+<file path=ppt/slides/slide20.xml><?xml version="1.0" encoding="utf-8"?>
+<p:sld xmlns:a="http://schemas.openxmlformats.org/drawingml/2006/main" xmlns:r="http://schemas.openxmlformats.org/officeDocument/2006/relationships" xmlns:p="http://schemas.openxmlformats.org/presentationml/2006/main" show="0">
+  <p:cSld>
+    <p:spTree>
+      <p:nvGrpSpPr>
+        <p:cNvPr id="1" name=""/>
+        <p:cNvGrpSpPr/>
+        <p:nvPr/>
+      </p:nvGrpSpPr>
+      <p:grpSpPr>
+        <a:xfrm>
+          <a:off x="0" y="0"/>
+          <a:ext cx="0" cy="0"/>
+          <a:chOff x="0" y="0"/>
+          <a:chExt cx="0" cy="0"/>
+        </a:xfrm>
+      </p:grpSpPr>
+      <p:sp>
+        <p:nvSpPr>
+          <p:cNvPr id="2" name="Title 1">
+            <a:extLst>
+              <a:ext uri="{FF2B5EF4-FFF2-40B4-BE49-F238E27FC236}">
+                <a16:creationId xmlns:a16="http://schemas.microsoft.com/office/drawing/2014/main" id="{E98EF275-A603-4978-97C9-26DAE9354C8C}"/>
+              </a:ext>
+            </a:extLst>
+          </p:cNvPr>
+          <p:cNvSpPr>
+            <a:spLocks noGrp="1"/>
+          </p:cNvSpPr>
+          <p:nvPr>
+            <p:ph type="title"/>
+          </p:nvPr>
+        </p:nvSpPr>
+        <p:spPr>
+          <a:xfrm>
+            <a:off x="838200" y="0"/>
+            <a:ext cx="10515600" cy="1325563"/>
+          </a:xfrm>
+        </p:spPr>
+        <p:txBody>
+          <a:bodyPr/>
+          <a:lstStyle/>
+          <a:p>
+            <a:r>
+              <a:rPr lang="en-US" dirty="0"/>
+              <a:t>Tools</a:t>
+            </a:r>
+          </a:p>
+        </p:txBody>
+      </p:sp>
+      <p:sp>
+        <p:nvSpPr>
+          <p:cNvPr id="3" name="Content Placeholder 2">
+            <a:extLst>
+              <a:ext uri="{FF2B5EF4-FFF2-40B4-BE49-F238E27FC236}">
+                <a16:creationId xmlns:a16="http://schemas.microsoft.com/office/drawing/2014/main" id="{AF395607-8317-4F39-8C34-4F53C167B3FD}"/>
+              </a:ext>
+            </a:extLst>
+          </p:cNvPr>
+          <p:cNvSpPr>
+            <a:spLocks noGrp="1"/>
+          </p:cNvSpPr>
+          <p:nvPr>
+            <p:ph idx="1"/>
+          </p:nvPr>
+        </p:nvSpPr>
+        <p:spPr>
+          <a:xfrm>
+            <a:off x="838200" y="1244600"/>
+            <a:ext cx="10515600" cy="5248275"/>
+          </a:xfrm>
+        </p:spPr>
+        <p:txBody>
+          <a:bodyPr>
+            <a:normAutofit fontScale="85000" lnSpcReduction="20000"/>
+          </a:bodyPr>
+          <a:lstStyle/>
+          <a:p>
+            <a:r>
+              <a:rPr lang="en-US" dirty="0"/>
+              <a:t>Sublime text editor, Ubuntu, README, </a:t>
+            </a:r>
+            <a:r>
+              <a:rPr lang="en-US" dirty="0" err="1"/>
+              <a:t>Github</a:t>
+            </a:r>
+            <a:r>
+              <a:rPr lang="en-US" dirty="0"/>
+              <a:t>, Excel</a:t>
+            </a:r>
+          </a:p>
+          <a:p>
+            <a:r>
+              <a:rPr lang="en-US" dirty="0"/>
+              <a:t>Python modules</a:t>
+            </a:r>
+          </a:p>
+          <a:p>
+            <a:pPr lvl="1"/>
+            <a:r>
+              <a:rPr lang="en-US" dirty="0" err="1"/>
+              <a:t>Argparse</a:t>
+            </a:r>
+            <a:r>
+              <a:rPr lang="en-US" dirty="0"/>
+              <a:t> for </a:t>
+            </a:r>
+            <a:r>
+              <a:rPr lang="en-US" dirty="0" err="1"/>
+              <a:t>cmd</a:t>
+            </a:r>
+            <a:r>
+              <a:rPr lang="en-US" dirty="0"/>
+              <a:t> arguments</a:t>
+            </a:r>
+          </a:p>
+          <a:p>
+            <a:pPr lvl="1"/>
+            <a:r>
+              <a:rPr lang="en-US" dirty="0"/>
+              <a:t>CV2 and </a:t>
+            </a:r>
+            <a:r>
+              <a:rPr lang="en-US" dirty="0" err="1"/>
+              <a:t>scipy</a:t>
+            </a:r>
+            <a:r>
+              <a:rPr lang="en-US" dirty="0"/>
+              <a:t> for image importation and processing</a:t>
+            </a:r>
+          </a:p>
+          <a:p>
+            <a:pPr lvl="1"/>
+            <a:r>
+              <a:rPr lang="en-US" dirty="0" err="1"/>
+              <a:t>Numpy</a:t>
+            </a:r>
+            <a:r>
+              <a:rPr lang="en-US" dirty="0"/>
+              <a:t>, Excel Writer, and pandas for data organization</a:t>
+            </a:r>
+          </a:p>
+          <a:p>
+            <a:pPr lvl="1"/>
+            <a:r>
+              <a:rPr lang="en-US" dirty="0" err="1"/>
+              <a:t>Mlxtend</a:t>
+            </a:r>
+            <a:r>
+              <a:rPr lang="en-US" dirty="0"/>
+              <a:t> and scikit-learn for data processing and analysis</a:t>
+            </a:r>
+          </a:p>
+          <a:p>
+            <a:pPr lvl="1"/>
+            <a:r>
+              <a:rPr lang="en-US" dirty="0"/>
+              <a:t>Matplotlib for data presentation</a:t>
+            </a:r>
+          </a:p>
+          <a:p>
+            <a:r>
+              <a:rPr lang="en-US" dirty="0"/>
+              <a:t>Feature exploration techniques</a:t>
+            </a:r>
+          </a:p>
+          <a:p>
+            <a:pPr lvl="1"/>
+            <a:r>
+              <a:rPr lang="en-US" dirty="0"/>
+              <a:t>Heatmap/confusion matrices</a:t>
+            </a:r>
+          </a:p>
+          <a:p>
+            <a:pPr lvl="1"/>
+            <a:r>
+              <a:rPr lang="en-US" dirty="0"/>
+              <a:t>PCA</a:t>
+            </a:r>
+          </a:p>
+          <a:p>
+            <a:r>
+              <a:rPr lang="en-US" dirty="0"/>
+              <a:t>Feature selection techniques</a:t>
+            </a:r>
+          </a:p>
+          <a:p>
+            <a:pPr lvl="1"/>
+            <a:r>
+              <a:rPr lang="en-US" dirty="0"/>
+              <a:t>Linear Discriminant Analysis</a:t>
+            </a:r>
+          </a:p>
+          <a:p>
+            <a:pPr lvl="1"/>
+            <a:r>
+              <a:rPr lang="en-US" dirty="0"/>
+              <a:t>Step-forward Sequential Feature Selection</a:t>
+            </a:r>
+          </a:p>
+          <a:p>
+            <a:r>
+              <a:rPr lang="en-US" dirty="0"/>
+              <a:t>Validation/accuracy metrics</a:t>
+            </a:r>
+          </a:p>
+          <a:p>
+            <a:pPr lvl="1"/>
+            <a:r>
+              <a:rPr lang="en-US" dirty="0"/>
+              <a:t>Test-train-split</a:t>
+            </a:r>
+          </a:p>
+          <a:p>
+            <a:pPr lvl="1"/>
+            <a:r>
+              <a:rPr lang="en-US" dirty="0"/>
+              <a:t>Balanced accuracy score, F1 score, ROC-AUC, confusion matrices</a:t>
+            </a:r>
+          </a:p>
+          <a:p>
+            <a:endParaRPr lang="en-US" dirty="0"/>
+          </a:p>
+        </p:txBody>
+      </p:sp>
+    </p:spTree>
+    <p:extLst>
+      <p:ext uri="{BB962C8B-B14F-4D97-AF65-F5344CB8AC3E}">
+        <p14:creationId xmlns:p14="http://schemas.microsoft.com/office/powerpoint/2010/main" val="3430986091"/>
+      </p:ext>
+    </p:extLst>
+  </p:cSld>
+  <p:clrMapOvr>
+    <a:masterClrMapping/>
+  </p:clrMapOvr>
+</p:sld>
+</file>
+
+<file path=ppt/slides/slide3.xml><?xml version="1.0" encoding="utf-8"?>
+<p:sld xmlns:a="http://schemas.openxmlformats.org/drawingml/2006/main" xmlns:r="http://schemas.openxmlformats.org/officeDocument/2006/relationships" xmlns:p="http://schemas.openxmlformats.org/presentationml/2006/main">
+  <p:cSld>
+    <p:spTree>
+      <p:nvGrpSpPr>
+        <p:cNvPr id="1" name=""/>
+        <p:cNvGrpSpPr/>
+        <p:nvPr/>
+      </p:nvGrpSpPr>
+      <p:grpSpPr>
+        <a:xfrm>
+          <a:off x="0" y="0"/>
+          <a:ext cx="0" cy="0"/>
+          <a:chOff x="0" y="0"/>
+          <a:chExt cx="0" cy="0"/>
+        </a:xfrm>
+      </p:grpSpPr>
+      <p:sp>
+        <p:nvSpPr>
+          <p:cNvPr id="2" name="Title 1">
+            <a:extLst>
+              <a:ext uri="{FF2B5EF4-FFF2-40B4-BE49-F238E27FC236}">
+                <a16:creationId xmlns:a16="http://schemas.microsoft.com/office/drawing/2014/main" id="{1689A90D-1A37-4849-9E36-7B4531016F4C}"/>
+              </a:ext>
+            </a:extLst>
+          </p:cNvPr>
+          <p:cNvSpPr>
+            <a:spLocks noGrp="1"/>
+          </p:cNvSpPr>
+          <p:nvPr>
+            <p:ph type="title"/>
+          </p:nvPr>
+        </p:nvSpPr>
+        <p:spPr>
+          <a:xfrm>
+            <a:off x="838200" y="5556"/>
+            <a:ext cx="10515600" cy="1325563"/>
+          </a:xfrm>
+        </p:spPr>
+        <p:txBody>
+          <a:bodyPr/>
+          <a:lstStyle/>
+          <a:p>
+            <a:r>
+              <a:rPr lang="en-US" dirty="0"/>
+              <a:t>Accurate live body classification</a:t>
+            </a:r>
+          </a:p>
+        </p:txBody>
+      </p:sp>
+      <p:sp>
+        <p:nvSpPr>
+          <p:cNvPr id="3" name="Content Placeholder 2">
+            <a:extLst>
+              <a:ext uri="{FF2B5EF4-FFF2-40B4-BE49-F238E27FC236}">
+                <a16:creationId xmlns:a16="http://schemas.microsoft.com/office/drawing/2014/main" id="{28EE19B2-AFC8-472F-86FC-9264927C0EE2}"/>
+              </a:ext>
+            </a:extLst>
+          </p:cNvPr>
+          <p:cNvSpPr>
+            <a:spLocks noGrp="1"/>
+          </p:cNvSpPr>
+          <p:nvPr>
+            <p:ph idx="1"/>
+          </p:nvPr>
+        </p:nvSpPr>
+        <p:spPr>
+          <a:xfrm>
+            <a:off x="838200" y="1466056"/>
+            <a:ext cx="10515600" cy="4351338"/>
+          </a:xfrm>
+        </p:spPr>
+        <p:txBody>
+          <a:bodyPr/>
+          <a:lstStyle/>
+          <a:p>
+            <a:r>
+              <a:rPr lang="en-US" dirty="0"/>
+              <a:t>Image worms of different strains</a:t>
+            </a:r>
+          </a:p>
+          <a:p>
+            <a:r>
+              <a:rPr lang="en-US" dirty="0"/>
+              <a:t>Properties</a:t>
+            </a:r>
+          </a:p>
+          <a:p>
+            <a:pPr lvl="1"/>
+            <a:r>
+              <a:rPr lang="en-US" dirty="0"/>
+              <a:t>Single loaded</a:t>
+            </a:r>
+          </a:p>
+          <a:p>
+            <a:pPr lvl="1"/>
+            <a:r>
+              <a:rPr lang="en-US" dirty="0"/>
+              <a:t>Whole animal</a:t>
+            </a:r>
+          </a:p>
+          <a:p>
+            <a:pPr lvl="1"/>
+            <a:r>
+              <a:rPr lang="en-US" dirty="0"/>
+              <a:t>Straight</a:t>
+            </a:r>
+          </a:p>
+          <a:p>
+            <a:pPr lvl="1"/>
+            <a:r>
+              <a:rPr lang="en-US" dirty="0"/>
+              <a:t>Clear</a:t>
+            </a:r>
+          </a:p>
+          <a:p>
+            <a:pPr lvl="1"/>
+            <a:r>
+              <a:rPr lang="en-US" dirty="0"/>
+              <a:t>Head first (nerve ring visible on the right)</a:t>
+            </a:r>
+          </a:p>
+        </p:txBody>
+      </p:sp>
+      <p:pic>
+        <p:nvPicPr>
+          <p:cNvPr id="6" name="Picture 5" descr="A worm on the ground&#10;&#10;Description automatically generated">
+            <a:extLst>
+              <a:ext uri="{FF2B5EF4-FFF2-40B4-BE49-F238E27FC236}">
+                <a16:creationId xmlns:a16="http://schemas.microsoft.com/office/drawing/2014/main" id="{F183D77C-098A-4E4F-92B7-F2FFEF3D5D3C}"/>
+              </a:ext>
+            </a:extLst>
+          </p:cNvPr>
+          <p:cNvPicPr>
+            <a:picLocks noChangeAspect="1"/>
+          </p:cNvPicPr>
+          <p:nvPr/>
+        </p:nvPicPr>
+        <p:blipFill rotWithShape="1">
+          <a:blip r:embed="rId2">
+            <a:extLst>
+              <a:ext uri="{28A0092B-C50C-407E-A947-70E740481C1C}">
+                <a14:useLocalDpi xmlns:a14="http://schemas.microsoft.com/office/drawing/2010/main" val="0"/>
+              </a:ext>
+            </a:extLst>
+          </a:blip>
+          <a:srcRect l="28958" t="25417" r="5000" b="15000"/>
+          <a:stretch/>
+        </p:blipFill>
+        <p:spPr>
+          <a:xfrm>
+            <a:off x="2070100" y="4733131"/>
+            <a:ext cx="8051800" cy="1816100"/>
+          </a:xfrm>
+          <a:prstGeom prst="rect">
+            <a:avLst/>
+          </a:prstGeom>
+        </p:spPr>
+      </p:pic>
+      <p:sp>
+        <p:nvSpPr>
+          <p:cNvPr id="7" name="TextBox 6">
+            <a:extLst>
+              <a:ext uri="{FF2B5EF4-FFF2-40B4-BE49-F238E27FC236}">
+                <a16:creationId xmlns:a16="http://schemas.microsoft.com/office/drawing/2014/main" id="{C745FD12-6B1C-4875-8944-D51DC5B9AA18}"/>
+              </a:ext>
+            </a:extLst>
+          </p:cNvPr>
+          <p:cNvSpPr txBox="1"/>
+          <p:nvPr/>
+        </p:nvSpPr>
+        <p:spPr>
+          <a:xfrm>
+            <a:off x="2247900" y="4771231"/>
+            <a:ext cx="1690078" cy="369332"/>
+          </a:xfrm>
+          <a:prstGeom prst="rect">
+            <a:avLst/>
+          </a:prstGeom>
+          <a:noFill/>
+        </p:spPr>
+        <p:txBody>
+          <a:bodyPr wrap="none" rtlCol="0">
+            <a:spAutoFit/>
+          </a:bodyPr>
+          <a:lstStyle/>
+          <a:p>
+            <a:r>
+              <a:rPr lang="en-US" dirty="0">
+                <a:solidFill>
+                  <a:schemeClr val="bg1"/>
+                </a:solidFill>
+              </a:rPr>
+              <a:t>Correct position</a:t>
+            </a:r>
+          </a:p>
+        </p:txBody>
+      </p:sp>
+    </p:spTree>
+    <p:extLst>
+      <p:ext uri="{BB962C8B-B14F-4D97-AF65-F5344CB8AC3E}">
+        <p14:creationId xmlns:p14="http://schemas.microsoft.com/office/powerpoint/2010/main" val="3327701959"/>
+      </p:ext>
+    </p:extLst>
+  </p:cSld>
+  <p:clrMapOvr>
+    <a:masterClrMapping/>
+  </p:clrMapOvr>
+</p:sld>
+</file>
+
+<file path=ppt/slides/slide4.xml><?xml version="1.0" encoding="utf-8"?>
+<p:sld xmlns:a="http://schemas.openxmlformats.org/drawingml/2006/main" xmlns:r="http://schemas.openxmlformats.org/officeDocument/2006/relationships" xmlns:p="http://schemas.openxmlformats.org/presentationml/2006/main">
+  <p:cSld>
+    <p:spTree>
+      <p:nvGrpSpPr>
+        <p:cNvPr id="1" name=""/>
+        <p:cNvGrpSpPr/>
+        <p:nvPr/>
+      </p:nvGrpSpPr>
+      <p:grpSpPr>
+        <a:xfrm>
+          <a:off x="0" y="0"/>
+          <a:ext cx="0" cy="0"/>
+          <a:chOff x="0" y="0"/>
+          <a:chExt cx="0" cy="0"/>
+        </a:xfrm>
+      </p:grpSpPr>
+      <p:pic>
+        <p:nvPicPr>
+          <p:cNvPr id="5" name="Picture 4" descr="A picture containing worm&#10;&#10;Description automatically generated">
+            <a:extLst>
+              <a:ext uri="{FF2B5EF4-FFF2-40B4-BE49-F238E27FC236}">
+                <a16:creationId xmlns:a16="http://schemas.microsoft.com/office/drawing/2014/main" id="{0E5DB098-6334-4C11-9618-AA7F34D97D9A}"/>
+              </a:ext>
+            </a:extLst>
+          </p:cNvPr>
+          <p:cNvPicPr>
+            <a:picLocks noChangeAspect="1"/>
+          </p:cNvPicPr>
+          <p:nvPr/>
+        </p:nvPicPr>
+        <p:blipFill rotWithShape="1">
+          <a:blip r:embed="rId2">
+            <a:extLst>
+              <a:ext uri="{28A0092B-C50C-407E-A947-70E740481C1C}">
+                <a14:useLocalDpi xmlns:a14="http://schemas.microsoft.com/office/drawing/2010/main" val="0"/>
+              </a:ext>
+            </a:extLst>
+          </a:blip>
+          <a:srcRect l="27083" t="36862" r="11355" b="21471"/>
+          <a:stretch/>
+        </p:blipFill>
+        <p:spPr>
+          <a:xfrm>
+            <a:off x="4470400" y="3222028"/>
+            <a:ext cx="7581900" cy="1282893"/>
+          </a:xfrm>
+          <a:prstGeom prst="rect">
+            <a:avLst/>
+          </a:prstGeom>
+        </p:spPr>
+      </p:pic>
+      <p:pic>
+        <p:nvPicPr>
+          <p:cNvPr id="7" name="Picture 6">
+            <a:extLst>
+              <a:ext uri="{FF2B5EF4-FFF2-40B4-BE49-F238E27FC236}">
+                <a16:creationId xmlns:a16="http://schemas.microsoft.com/office/drawing/2014/main" id="{13DCA3AE-34BF-4947-B0C2-77CC5521B908}"/>
+              </a:ext>
+            </a:extLst>
+          </p:cNvPr>
+          <p:cNvPicPr>
+            <a:picLocks noChangeAspect="1"/>
+          </p:cNvPicPr>
+          <p:nvPr/>
+        </p:nvPicPr>
+        <p:blipFill rotWithShape="1">
+          <a:blip r:embed="rId3">
+            <a:extLst>
+              <a:ext uri="{28A0092B-C50C-407E-A947-70E740481C1C}">
+                <a14:useLocalDpi xmlns:a14="http://schemas.microsoft.com/office/drawing/2010/main" val="0"/>
+              </a:ext>
+            </a:extLst>
+          </a:blip>
+          <a:srcRect t="30070" b="22334"/>
+          <a:stretch/>
+        </p:blipFill>
+        <p:spPr>
+          <a:xfrm>
+            <a:off x="177800" y="4552948"/>
+            <a:ext cx="7264400" cy="864396"/>
+          </a:xfrm>
+          <a:prstGeom prst="rect">
+            <a:avLst/>
+          </a:prstGeom>
+        </p:spPr>
+      </p:pic>
+      <p:pic>
+        <p:nvPicPr>
+          <p:cNvPr id="9" name="Picture 8" descr="A worm on the ground&#10;&#10;Description automatically generated">
+            <a:extLst>
+              <a:ext uri="{FF2B5EF4-FFF2-40B4-BE49-F238E27FC236}">
+                <a16:creationId xmlns:a16="http://schemas.microsoft.com/office/drawing/2014/main" id="{EE192646-F8AE-4F60-8E36-8097A2CBFE45}"/>
+              </a:ext>
+            </a:extLst>
+          </p:cNvPr>
+          <p:cNvPicPr>
+            <a:picLocks noChangeAspect="1"/>
+          </p:cNvPicPr>
+          <p:nvPr/>
+        </p:nvPicPr>
+        <p:blipFill rotWithShape="1">
+          <a:blip r:embed="rId4">
+            <a:extLst>
+              <a:ext uri="{28A0092B-C50C-407E-A947-70E740481C1C}">
+                <a14:useLocalDpi xmlns:a14="http://schemas.microsoft.com/office/drawing/2010/main" val="0"/>
+              </a:ext>
+            </a:extLst>
+          </a:blip>
+          <a:srcRect l="29792" t="37083" r="1771" b="21250"/>
+          <a:stretch/>
+        </p:blipFill>
+        <p:spPr>
+          <a:xfrm>
+            <a:off x="3257550" y="5478264"/>
+            <a:ext cx="8343900" cy="1270000"/>
+          </a:xfrm>
+          <a:prstGeom prst="rect">
+            <a:avLst/>
+          </a:prstGeom>
+        </p:spPr>
+      </p:pic>
+      <p:sp>
+        <p:nvSpPr>
+          <p:cNvPr id="10" name="Title 1">
+            <a:extLst>
+              <a:ext uri="{FF2B5EF4-FFF2-40B4-BE49-F238E27FC236}">
+                <a16:creationId xmlns:a16="http://schemas.microsoft.com/office/drawing/2014/main" id="{389CC0D3-5B90-4F41-A09F-B387738EB0B8}"/>
+              </a:ext>
+            </a:extLst>
+          </p:cNvPr>
+          <p:cNvSpPr txBox="1">
+            <a:spLocks/>
+          </p:cNvSpPr>
+          <p:nvPr/>
+        </p:nvSpPr>
+        <p:spPr>
+          <a:xfrm>
+            <a:off x="952500" y="157956"/>
+            <a:ext cx="10515600" cy="1325563"/>
+          </a:xfrm>
+          <a:prstGeom prst="rect">
+            <a:avLst/>
+          </a:prstGeom>
+        </p:spPr>
+        <p:txBody>
+          <a:bodyPr vert="horz" lIns="91440" tIns="45720" rIns="91440" bIns="45720" rtlCol="0" anchor="ctr">
+            <a:normAutofit/>
+          </a:bodyPr>
+          <a:lstStyle>
+            <a:lvl1pPr algn="l" defTabSz="914400" rtl="0" eaLnBrk="1" latinLnBrk="0" hangingPunct="1">
+              <a:lnSpc>
+                <a:spcPct val="90000"/>
+              </a:lnSpc>
+              <a:spcBef>
+                <a:spcPct val="0"/>
+              </a:spcBef>
+              <a:buNone/>
+              <a:defRPr sz="4400" kern="1200">
+                <a:solidFill>
+                  <a:schemeClr val="tx1"/>
+                </a:solidFill>
+                <a:latin typeface="+mj-lt"/>
+                <a:ea typeface="+mj-ea"/>
+                <a:cs typeface="+mj-cs"/>
+              </a:defRPr>
+            </a:lvl1pPr>
+          </a:lstStyle>
+          <a:p>
+            <a:r>
+              <a:rPr lang="en-US"/>
+              <a:t>Accurate live body classification</a:t>
+            </a:r>
+            <a:endParaRPr lang="en-US" dirty="0"/>
+          </a:p>
+        </p:txBody>
+      </p:sp>
+      <p:sp>
+        <p:nvSpPr>
+          <p:cNvPr id="11" name="Content Placeholder 2">
+            <a:extLst>
+              <a:ext uri="{FF2B5EF4-FFF2-40B4-BE49-F238E27FC236}">
+                <a16:creationId xmlns:a16="http://schemas.microsoft.com/office/drawing/2014/main" id="{D14E093C-D874-4069-8BA5-81D71587319F}"/>
+              </a:ext>
+            </a:extLst>
+          </p:cNvPr>
+          <p:cNvSpPr txBox="1">
+            <a:spLocks/>
+          </p:cNvSpPr>
+          <p:nvPr/>
+        </p:nvSpPr>
+        <p:spPr>
+          <a:xfrm>
+            <a:off x="952500" y="1618456"/>
+            <a:ext cx="10515600" cy="4351338"/>
+          </a:xfrm>
+          <a:prstGeom prst="rect">
+            <a:avLst/>
+          </a:prstGeom>
+        </p:spPr>
+        <p:txBody>
+          <a:bodyPr vert="horz" lIns="91440" tIns="45720" rIns="91440" bIns="45720" rtlCol="0">
+            <a:normAutofit/>
+          </a:bodyPr>
+          <a:lstStyle>
+            <a:lvl1pPr marL="228600" indent="-228600" algn="l" defTabSz="914400" rtl="0" eaLnBrk="1" latinLnBrk="0" hangingPunct="1">
+              <a:lnSpc>
+                <a:spcPct val="90000"/>
+              </a:lnSpc>
+              <a:spcBef>
+                <a:spcPts val="1000"/>
+              </a:spcBef>
+              <a:buFont typeface="Arial" panose="020B0604020202020204" pitchFamily="34" charset="0"/>
+              <a:buChar char="•"/>
+              <a:defRPr sz="2800" kern="1200">
+                <a:solidFill>
+                  <a:schemeClr val="tx1"/>
+                </a:solidFill>
+                <a:latin typeface="+mn-lt"/>
+                <a:ea typeface="+mn-ea"/>
+                <a:cs typeface="+mn-cs"/>
+              </a:defRPr>
+            </a:lvl1pPr>
+            <a:lvl2pPr marL="685800" indent="-228600" algn="l" defTabSz="914400" rtl="0" eaLnBrk="1" latinLnBrk="0" hangingPunct="1">
+              <a:lnSpc>
+                <a:spcPct val="90000"/>
+              </a:lnSpc>
+              <a:spcBef>
+                <a:spcPts val="500"/>
+              </a:spcBef>
+              <a:buFont typeface="Arial" panose="020B0604020202020204" pitchFamily="34" charset="0"/>
+              <a:buChar char="•"/>
+              <a:defRPr sz="2400" kern="1200">
+                <a:solidFill>
+                  <a:schemeClr val="tx1"/>
+                </a:solidFill>
+                <a:latin typeface="+mn-lt"/>
+                <a:ea typeface="+mn-ea"/>
+                <a:cs typeface="+mn-cs"/>
+              </a:defRPr>
+            </a:lvl2pPr>
+            <a:lvl3pPr marL="1143000" indent="-228600" algn="l" defTabSz="914400" rtl="0" eaLnBrk="1" latinLnBrk="0" hangingPunct="1">
+              <a:lnSpc>
+                <a:spcPct val="90000"/>
+              </a:lnSpc>
+              <a:spcBef>
+                <a:spcPts val="500"/>
+              </a:spcBef>
+              <a:buFont typeface="Arial" panose="020B0604020202020204" pitchFamily="34" charset="0"/>
+              <a:buChar char="•"/>
+              <a:defRPr sz="2000" kern="1200">
+                <a:solidFill>
+                  <a:schemeClr val="tx1"/>
+                </a:solidFill>
+                <a:latin typeface="+mn-lt"/>
+                <a:ea typeface="+mn-ea"/>
+                <a:cs typeface="+mn-cs"/>
+              </a:defRPr>
+            </a:lvl3pPr>
+            <a:lvl4pPr marL="1600200" indent="-228600" algn="l" defTabSz="914400" rtl="0" eaLnBrk="1" latinLnBrk="0" hangingPunct="1">
+              <a:lnSpc>
+                <a:spcPct val="90000"/>
+              </a:lnSpc>
+              <a:spcBef>
+                <a:spcPts val="500"/>
+              </a:spcBef>
+              <a:buFont typeface="Arial" panose="020B0604020202020204" pitchFamily="34" charset="0"/>
+              <a:buChar char="•"/>
+              <a:defRPr sz="1800" kern="1200">
+                <a:solidFill>
+                  <a:schemeClr val="tx1"/>
+                </a:solidFill>
+                <a:latin typeface="+mn-lt"/>
+                <a:ea typeface="+mn-ea"/>
+                <a:cs typeface="+mn-cs"/>
+              </a:defRPr>
+            </a:lvl4pPr>
+            <a:lvl5pPr marL="2057400" indent="-228600" algn="l" defTabSz="914400" rtl="0" eaLnBrk="1" latinLnBrk="0" hangingPunct="1">
+              <a:lnSpc>
+                <a:spcPct val="90000"/>
+              </a:lnSpc>
+              <a:spcBef>
+                <a:spcPts val="500"/>
+              </a:spcBef>
+              <a:buFont typeface="Arial" panose="020B0604020202020204" pitchFamily="34" charset="0"/>
+              <a:buChar char="•"/>
+              <a:defRPr sz="1800" kern="1200">
+                <a:solidFill>
+                  <a:schemeClr val="tx1"/>
+                </a:solidFill>
+                <a:latin typeface="+mn-lt"/>
+                <a:ea typeface="+mn-ea"/>
+                <a:cs typeface="+mn-cs"/>
+              </a:defRPr>
+            </a:lvl5pPr>
+            <a:lvl6pPr marL="2514600" indent="-228600" algn="l" defTabSz="914400" rtl="0" eaLnBrk="1" latinLnBrk="0" hangingPunct="1">
+              <a:lnSpc>
+                <a:spcPct val="90000"/>
+              </a:lnSpc>
+              <a:spcBef>
+                <a:spcPts val="500"/>
+              </a:spcBef>
+              <a:buFont typeface="Arial" panose="020B0604020202020204" pitchFamily="34" charset="0"/>
+              <a:buChar char="•"/>
+              <a:defRPr sz="1800" kern="1200">
+                <a:solidFill>
+                  <a:schemeClr val="tx1"/>
+                </a:solidFill>
+                <a:latin typeface="+mn-lt"/>
+                <a:ea typeface="+mn-ea"/>
+                <a:cs typeface="+mn-cs"/>
+              </a:defRPr>
+            </a:lvl6pPr>
+            <a:lvl7pPr marL="2971800" indent="-228600" algn="l" defTabSz="914400" rtl="0" eaLnBrk="1" latinLnBrk="0" hangingPunct="1">
+              <a:lnSpc>
+                <a:spcPct val="90000"/>
+              </a:lnSpc>
+              <a:spcBef>
+                <a:spcPts val="500"/>
+              </a:spcBef>
+              <a:buFont typeface="Arial" panose="020B0604020202020204" pitchFamily="34" charset="0"/>
+              <a:buChar char="•"/>
+              <a:defRPr sz="1800" kern="1200">
+                <a:solidFill>
+                  <a:schemeClr val="tx1"/>
+                </a:solidFill>
+                <a:latin typeface="+mn-lt"/>
+                <a:ea typeface="+mn-ea"/>
+                <a:cs typeface="+mn-cs"/>
+              </a:defRPr>
+            </a:lvl7pPr>
+            <a:lvl8pPr marL="3429000" indent="-228600" algn="l" defTabSz="914400" rtl="0" eaLnBrk="1" latinLnBrk="0" hangingPunct="1">
+              <a:lnSpc>
+                <a:spcPct val="90000"/>
+              </a:lnSpc>
+              <a:spcBef>
+                <a:spcPts val="500"/>
+              </a:spcBef>
+              <a:buFont typeface="Arial" panose="020B0604020202020204" pitchFamily="34" charset="0"/>
+              <a:buChar char="•"/>
+              <a:defRPr sz="1800" kern="1200">
+                <a:solidFill>
+                  <a:schemeClr val="tx1"/>
+                </a:solidFill>
+                <a:latin typeface="+mn-lt"/>
+                <a:ea typeface="+mn-ea"/>
+                <a:cs typeface="+mn-cs"/>
+              </a:defRPr>
+            </a:lvl8pPr>
+            <a:lvl9pPr marL="3886200" indent="-228600" algn="l" defTabSz="914400" rtl="0" eaLnBrk="1" latinLnBrk="0" hangingPunct="1">
+              <a:lnSpc>
+                <a:spcPct val="90000"/>
+              </a:lnSpc>
+              <a:spcBef>
+                <a:spcPts val="500"/>
+              </a:spcBef>
+              <a:buFont typeface="Arial" panose="020B0604020202020204" pitchFamily="34" charset="0"/>
+              <a:buChar char="•"/>
+              <a:defRPr sz="1800" kern="1200">
+                <a:solidFill>
+                  <a:schemeClr val="tx1"/>
+                </a:solidFill>
+                <a:latin typeface="+mn-lt"/>
+                <a:ea typeface="+mn-ea"/>
+                <a:cs typeface="+mn-cs"/>
+              </a:defRPr>
+            </a:lvl9pPr>
+          </a:lstStyle>
+          <a:p>
+            <a:r>
+              <a:rPr lang="en-US" dirty="0"/>
+              <a:t>Problem: We have images of worms that are not uniform, but we want to be able to use this images to identify differences between strains. How do we create a model to filter out all of the undesirable images and only keep the best images?</a:t>
+            </a:r>
+          </a:p>
+        </p:txBody>
+      </p:sp>
+      <p:sp>
+        <p:nvSpPr>
+          <p:cNvPr id="12" name="TextBox 11">
+            <a:extLst>
+              <a:ext uri="{FF2B5EF4-FFF2-40B4-BE49-F238E27FC236}">
+                <a16:creationId xmlns:a16="http://schemas.microsoft.com/office/drawing/2014/main" id="{48909907-0FB3-4C34-8A06-B733E3979127}"/>
+              </a:ext>
+            </a:extLst>
+          </p:cNvPr>
+          <p:cNvSpPr txBox="1"/>
+          <p:nvPr/>
+        </p:nvSpPr>
+        <p:spPr>
+          <a:xfrm>
+            <a:off x="3257550" y="6413500"/>
+            <a:ext cx="911916" cy="369332"/>
+          </a:xfrm>
+          <a:prstGeom prst="rect">
+            <a:avLst/>
+          </a:prstGeom>
+          <a:noFill/>
+        </p:spPr>
+        <p:txBody>
+          <a:bodyPr wrap="none" rtlCol="0">
+            <a:spAutoFit/>
+          </a:bodyPr>
+          <a:lstStyle/>
+          <a:p>
+            <a:r>
+              <a:rPr lang="en-US" dirty="0">
+                <a:solidFill>
+                  <a:schemeClr val="bg1"/>
+                </a:solidFill>
+              </a:rPr>
+              <a:t>Tail first</a:t>
+            </a:r>
+          </a:p>
+        </p:txBody>
+      </p:sp>
+      <p:sp>
+        <p:nvSpPr>
+          <p:cNvPr id="14" name="TextBox 13">
+            <a:extLst>
+              <a:ext uri="{FF2B5EF4-FFF2-40B4-BE49-F238E27FC236}">
+                <a16:creationId xmlns:a16="http://schemas.microsoft.com/office/drawing/2014/main" id="{FEF0FCA1-95E9-4306-A50F-74EAD37B1575}"/>
+              </a:ext>
+            </a:extLst>
+          </p:cNvPr>
+          <p:cNvSpPr txBox="1"/>
+          <p:nvPr/>
+        </p:nvSpPr>
+        <p:spPr>
+          <a:xfrm>
+            <a:off x="4470400" y="4048679"/>
+            <a:ext cx="772969" cy="369332"/>
+          </a:xfrm>
+          <a:prstGeom prst="rect">
+            <a:avLst/>
+          </a:prstGeom>
+          <a:noFill/>
+        </p:spPr>
+        <p:txBody>
+          <a:bodyPr wrap="none" rtlCol="0">
+            <a:spAutoFit/>
+          </a:bodyPr>
+          <a:lstStyle/>
+          <a:p>
+            <a:r>
+              <a:rPr lang="en-US" dirty="0">
+                <a:solidFill>
+                  <a:schemeClr val="bg1"/>
+                </a:solidFill>
+              </a:rPr>
+              <a:t>Coiled</a:t>
+            </a:r>
+          </a:p>
+        </p:txBody>
+      </p:sp>
+      <p:sp>
+        <p:nvSpPr>
+          <p:cNvPr id="16" name="TextBox 15">
+            <a:extLst>
+              <a:ext uri="{FF2B5EF4-FFF2-40B4-BE49-F238E27FC236}">
+                <a16:creationId xmlns:a16="http://schemas.microsoft.com/office/drawing/2014/main" id="{00F72AAC-D93A-4018-A5E8-DE20FEAD9345}"/>
+              </a:ext>
+            </a:extLst>
+          </p:cNvPr>
+          <p:cNvSpPr txBox="1"/>
+          <p:nvPr/>
+        </p:nvSpPr>
+        <p:spPr>
+          <a:xfrm>
+            <a:off x="177800" y="5094450"/>
+            <a:ext cx="1526380" cy="369332"/>
+          </a:xfrm>
+          <a:prstGeom prst="rect">
+            <a:avLst/>
+          </a:prstGeom>
+          <a:noFill/>
+        </p:spPr>
+        <p:txBody>
+          <a:bodyPr wrap="none" rtlCol="0">
+            <a:spAutoFit/>
+          </a:bodyPr>
+          <a:lstStyle/>
+          <a:p>
+            <a:r>
+              <a:rPr lang="en-US" dirty="0">
+                <a:solidFill>
+                  <a:schemeClr val="bg1"/>
+                </a:solidFill>
+              </a:rPr>
+              <a:t>Multiple loads</a:t>
+            </a:r>
+          </a:p>
+        </p:txBody>
+      </p:sp>
+    </p:spTree>
+    <p:extLst>
+      <p:ext uri="{BB962C8B-B14F-4D97-AF65-F5344CB8AC3E}">
+        <p14:creationId xmlns:p14="http://schemas.microsoft.com/office/powerpoint/2010/main" val="1234419225"/>
+      </p:ext>
+    </p:extLst>
+  </p:cSld>
+  <p:clrMapOvr>
+    <a:masterClrMapping/>
+  </p:clrMapOvr>
+</p:sld>
+</file>
+
+<file path=ppt/slides/slide5.xml><?xml version="1.0" encoding="utf-8"?>
+<p:sld xmlns:a="http://schemas.openxmlformats.org/drawingml/2006/main" xmlns:r="http://schemas.openxmlformats.org/officeDocument/2006/relationships" xmlns:p="http://schemas.openxmlformats.org/presentationml/2006/main">
+  <p:cSld>
+    <p:spTree>
+      <p:nvGrpSpPr>
+        <p:cNvPr id="1" name=""/>
+        <p:cNvGrpSpPr/>
+        <p:nvPr/>
+      </p:nvGrpSpPr>
+      <p:grpSpPr>
+        <a:xfrm>
+          <a:off x="0" y="0"/>
+          <a:ext cx="0" cy="0"/>
+          <a:chOff x="0" y="0"/>
+          <a:chExt cx="0" cy="0"/>
+        </a:xfrm>
+      </p:grpSpPr>
+      <p:sp>
+        <p:nvSpPr>
+          <p:cNvPr id="2" name="Title 1">
+            <a:extLst>
+              <a:ext uri="{FF2B5EF4-FFF2-40B4-BE49-F238E27FC236}">
+                <a16:creationId xmlns:a16="http://schemas.microsoft.com/office/drawing/2014/main" id="{BB2F15EC-38EA-4630-A7F7-1198A04BC3E2}"/>
+              </a:ext>
+            </a:extLst>
+          </p:cNvPr>
+          <p:cNvSpPr>
+            <a:spLocks noGrp="1"/>
+          </p:cNvSpPr>
+          <p:nvPr>
+            <p:ph type="title"/>
+          </p:nvPr>
+        </p:nvSpPr>
+        <p:spPr/>
+        <p:txBody>
+          <a:bodyPr/>
+          <a:lstStyle/>
+          <a:p>
+            <a:r>
+              <a:rPr lang="en-US" dirty="0"/>
+              <a:t>Goals</a:t>
+            </a:r>
+          </a:p>
+        </p:txBody>
+      </p:sp>
+      <p:sp>
+        <p:nvSpPr>
+          <p:cNvPr id="3" name="Content Placeholder 2">
+            <a:extLst>
+              <a:ext uri="{FF2B5EF4-FFF2-40B4-BE49-F238E27FC236}">
+                <a16:creationId xmlns:a16="http://schemas.microsoft.com/office/drawing/2014/main" id="{03C815BF-64EF-4C41-92C4-049155A72A86}"/>
+              </a:ext>
+            </a:extLst>
+          </p:cNvPr>
+          <p:cNvSpPr>
+            <a:spLocks noGrp="1"/>
+          </p:cNvSpPr>
+          <p:nvPr>
+            <p:ph idx="1"/>
+          </p:nvPr>
+        </p:nvSpPr>
+        <p:spPr/>
+        <p:txBody>
+          <a:bodyPr/>
+          <a:lstStyle/>
+          <a:p>
+            <a:r>
+              <a:rPr lang="en-US" dirty="0"/>
+              <a:t>Gain an understanding of machine learning</a:t>
+            </a:r>
+          </a:p>
+          <a:p>
+            <a:r>
+              <a:rPr lang="en-US" dirty="0"/>
+              <a:t>Robust classification</a:t>
+            </a:r>
+          </a:p>
+          <a:p>
+            <a:pPr lvl="1"/>
+            <a:r>
+              <a:rPr lang="en-US" dirty="0"/>
+              <a:t>Obtain reliable ground truth</a:t>
+            </a:r>
+          </a:p>
+          <a:p>
+            <a:pPr lvl="1"/>
+            <a:r>
+              <a:rPr lang="en-US" dirty="0"/>
+              <a:t>Generate feature extraction algorithm to analyze images</a:t>
+            </a:r>
+          </a:p>
+          <a:p>
+            <a:pPr lvl="1"/>
+            <a:r>
+              <a:rPr lang="en-US" dirty="0"/>
+              <a:t>Use extracted features to create classifiers for new images</a:t>
+            </a:r>
+          </a:p>
+          <a:p>
+            <a:pPr lvl="2"/>
+            <a:r>
+              <a:rPr lang="en-US" dirty="0"/>
+              <a:t>Accuracy metric: for specific mutants</a:t>
+            </a:r>
+          </a:p>
+          <a:p>
+            <a:pPr lvl="2"/>
+            <a:r>
+              <a:rPr lang="en-US" dirty="0"/>
+              <a:t>Robustness metric: across mutants</a:t>
+            </a:r>
+          </a:p>
+          <a:p>
+            <a:pPr lvl="1"/>
+            <a:r>
+              <a:rPr lang="en-US" dirty="0"/>
+              <a:t>Compare different classifiers</a:t>
+            </a:r>
+          </a:p>
+          <a:p>
+            <a:endParaRPr lang="en-US" dirty="0"/>
+          </a:p>
+        </p:txBody>
+      </p:sp>
+    </p:spTree>
+    <p:extLst>
+      <p:ext uri="{BB962C8B-B14F-4D97-AF65-F5344CB8AC3E}">
+        <p14:creationId xmlns:p14="http://schemas.microsoft.com/office/powerpoint/2010/main" val="1806587811"/>
+      </p:ext>
+    </p:extLst>
+  </p:cSld>
+  <p:clrMapOvr>
+    <a:masterClrMapping/>
+  </p:clrMapOvr>
+</p:sld>
+</file>
+
+<file path=ppt/slides/slide6.xml><?xml version="1.0" encoding="utf-8"?>
+<p:sld xmlns:a="http://schemas.openxmlformats.org/drawingml/2006/main" xmlns:r="http://schemas.openxmlformats.org/officeDocument/2006/relationships" xmlns:p="http://schemas.openxmlformats.org/presentationml/2006/main">
+  <p:cSld>
+    <p:spTree>
+      <p:nvGrpSpPr>
+        <p:cNvPr id="1" name=""/>
+        <p:cNvGrpSpPr/>
+        <p:nvPr/>
+      </p:nvGrpSpPr>
+      <p:grpSpPr>
+        <a:xfrm>
+          <a:off x="0" y="0"/>
+          <a:ext cx="0" cy="0"/>
+          <a:chOff x="0" y="0"/>
+          <a:chExt cx="0" cy="0"/>
+        </a:xfrm>
+      </p:grpSpPr>
+      <p:sp>
+        <p:nvSpPr>
+          <p:cNvPr id="2" name="Title 1">
+            <a:extLst>
+              <a:ext uri="{FF2B5EF4-FFF2-40B4-BE49-F238E27FC236}">
                 <a16:creationId xmlns:a16="http://schemas.microsoft.com/office/drawing/2014/main" id="{E3C299BD-FE62-41BD-8302-5274A051EDFD}"/>
               </a:ext>
             </a:extLst>
@@ -6129,7 +8105,7 @@
           <a:p>
             <a:r>
               <a:rPr lang="en-US" dirty="0"/>
-              <a:t>Workflow</a:t>
+              <a:t>Coding workflow</a:t>
             </a:r>
           </a:p>
         </p:txBody>
@@ -6688,245 +8664,7 @@
 </p:sld>
 </file>
 
-<file path=ppt/slides/slide3.xml><?xml version="1.0" encoding="utf-8"?>
-<p:sld xmlns:a="http://schemas.openxmlformats.org/drawingml/2006/main" xmlns:r="http://schemas.openxmlformats.org/officeDocument/2006/relationships" xmlns:p="http://schemas.openxmlformats.org/presentationml/2006/main">
-  <p:cSld>
-    <p:spTree>
-      <p:nvGrpSpPr>
-        <p:cNvPr id="1" name=""/>
-        <p:cNvGrpSpPr/>
-        <p:nvPr/>
-      </p:nvGrpSpPr>
-      <p:grpSpPr>
-        <a:xfrm>
-          <a:off x="0" y="0"/>
-          <a:ext cx="0" cy="0"/>
-          <a:chOff x="0" y="0"/>
-          <a:chExt cx="0" cy="0"/>
-        </a:xfrm>
-      </p:grpSpPr>
-      <p:sp>
-        <p:nvSpPr>
-          <p:cNvPr id="2" name="Title 1">
-            <a:extLst>
-              <a:ext uri="{FF2B5EF4-FFF2-40B4-BE49-F238E27FC236}">
-                <a16:creationId xmlns:a16="http://schemas.microsoft.com/office/drawing/2014/main" id="{E98EF275-A603-4978-97C9-26DAE9354C8C}"/>
-              </a:ext>
-            </a:extLst>
-          </p:cNvPr>
-          <p:cNvSpPr>
-            <a:spLocks noGrp="1"/>
-          </p:cNvSpPr>
-          <p:nvPr>
-            <p:ph type="title"/>
-          </p:nvPr>
-        </p:nvSpPr>
-        <p:spPr>
-          <a:xfrm>
-            <a:off x="838200" y="0"/>
-            <a:ext cx="10515600" cy="1325563"/>
-          </a:xfrm>
-        </p:spPr>
-        <p:txBody>
-          <a:bodyPr/>
-          <a:lstStyle/>
-          <a:p>
-            <a:r>
-              <a:rPr lang="en-US" dirty="0"/>
-              <a:t>Tools</a:t>
-            </a:r>
-          </a:p>
-        </p:txBody>
-      </p:sp>
-      <p:sp>
-        <p:nvSpPr>
-          <p:cNvPr id="3" name="Content Placeholder 2">
-            <a:extLst>
-              <a:ext uri="{FF2B5EF4-FFF2-40B4-BE49-F238E27FC236}">
-                <a16:creationId xmlns:a16="http://schemas.microsoft.com/office/drawing/2014/main" id="{AF395607-8317-4F39-8C34-4F53C167B3FD}"/>
-              </a:ext>
-            </a:extLst>
-          </p:cNvPr>
-          <p:cNvSpPr>
-            <a:spLocks noGrp="1"/>
-          </p:cNvSpPr>
-          <p:nvPr>
-            <p:ph idx="1"/>
-          </p:nvPr>
-        </p:nvSpPr>
-        <p:spPr>
-          <a:xfrm>
-            <a:off x="838200" y="1244600"/>
-            <a:ext cx="10515600" cy="5248275"/>
-          </a:xfrm>
-        </p:spPr>
-        <p:txBody>
-          <a:bodyPr>
-            <a:normAutofit fontScale="85000" lnSpcReduction="20000"/>
-          </a:bodyPr>
-          <a:lstStyle/>
-          <a:p>
-            <a:r>
-              <a:rPr lang="en-US" dirty="0"/>
-              <a:t>Sublime text editor, Ubuntu, README, </a:t>
-            </a:r>
-            <a:r>
-              <a:rPr lang="en-US" dirty="0" err="1"/>
-              <a:t>Github</a:t>
-            </a:r>
-            <a:r>
-              <a:rPr lang="en-US" dirty="0"/>
-              <a:t>, Excel</a:t>
-            </a:r>
-          </a:p>
-          <a:p>
-            <a:r>
-              <a:rPr lang="en-US" dirty="0"/>
-              <a:t>Python modules</a:t>
-            </a:r>
-          </a:p>
-          <a:p>
-            <a:pPr lvl="1"/>
-            <a:r>
-              <a:rPr lang="en-US" dirty="0" err="1"/>
-              <a:t>Argparse</a:t>
-            </a:r>
-            <a:r>
-              <a:rPr lang="en-US" dirty="0"/>
-              <a:t> for </a:t>
-            </a:r>
-            <a:r>
-              <a:rPr lang="en-US" dirty="0" err="1"/>
-              <a:t>cmd</a:t>
-            </a:r>
-            <a:r>
-              <a:rPr lang="en-US" dirty="0"/>
-              <a:t> arguments</a:t>
-            </a:r>
-          </a:p>
-          <a:p>
-            <a:pPr lvl="1"/>
-            <a:r>
-              <a:rPr lang="en-US" dirty="0"/>
-              <a:t>CV2 and </a:t>
-            </a:r>
-            <a:r>
-              <a:rPr lang="en-US" dirty="0" err="1"/>
-              <a:t>scipy</a:t>
-            </a:r>
-            <a:r>
-              <a:rPr lang="en-US" dirty="0"/>
-              <a:t> for image importation and processing</a:t>
-            </a:r>
-          </a:p>
-          <a:p>
-            <a:pPr lvl="1"/>
-            <a:r>
-              <a:rPr lang="en-US" dirty="0" err="1"/>
-              <a:t>Numpy</a:t>
-            </a:r>
-            <a:r>
-              <a:rPr lang="en-US" dirty="0"/>
-              <a:t>, Excel Writer, and pandas for data organization</a:t>
-            </a:r>
-          </a:p>
-          <a:p>
-            <a:pPr lvl="1"/>
-            <a:r>
-              <a:rPr lang="en-US" dirty="0" err="1"/>
-              <a:t>Mlxtend</a:t>
-            </a:r>
-            <a:r>
-              <a:rPr lang="en-US" dirty="0"/>
-              <a:t> and scikit-learn for data processing and analysis</a:t>
-            </a:r>
-          </a:p>
-          <a:p>
-            <a:pPr lvl="1"/>
-            <a:r>
-              <a:rPr lang="en-US" dirty="0"/>
-              <a:t>Matplotlib for data presentation</a:t>
-            </a:r>
-          </a:p>
-          <a:p>
-            <a:r>
-              <a:rPr lang="en-US" dirty="0"/>
-              <a:t>Feature exploration techniques</a:t>
-            </a:r>
-          </a:p>
-          <a:p>
-            <a:pPr lvl="1"/>
-            <a:r>
-              <a:rPr lang="en-US" dirty="0"/>
-              <a:t>Heatmap/confusion matrices</a:t>
-            </a:r>
-          </a:p>
-          <a:p>
-            <a:pPr lvl="1"/>
-            <a:r>
-              <a:rPr lang="en-US" dirty="0"/>
-              <a:t>PCA</a:t>
-            </a:r>
-          </a:p>
-          <a:p>
-            <a:r>
-              <a:rPr lang="en-US" dirty="0"/>
-              <a:t>Feature selection techniques</a:t>
-            </a:r>
-          </a:p>
-          <a:p>
-            <a:pPr lvl="1"/>
-            <a:r>
-              <a:rPr lang="en-US" dirty="0"/>
-              <a:t>Linear Discriminant Analysis</a:t>
-            </a:r>
-          </a:p>
-          <a:p>
-            <a:pPr lvl="1"/>
-            <a:r>
-              <a:rPr lang="en-US" dirty="0"/>
-              <a:t>Step-forward Sequential Feature Selection</a:t>
-            </a:r>
-          </a:p>
-          <a:p>
-            <a:r>
-              <a:rPr lang="en-US" dirty="0"/>
-              <a:t>Validation/accuracy metrics</a:t>
-            </a:r>
-          </a:p>
-          <a:p>
-            <a:pPr lvl="1"/>
-            <a:r>
-              <a:rPr lang="en-US" dirty="0"/>
-              <a:t>Test-train-split</a:t>
-            </a:r>
-          </a:p>
-          <a:p>
-            <a:pPr lvl="1"/>
-            <a:r>
-              <a:rPr lang="en-US" dirty="0"/>
-              <a:t>Balanced accuracy score, F1 score, ROC-AUC, confusion matrices</a:t>
-            </a:r>
-          </a:p>
-          <a:p>
-            <a:endParaRPr lang="en-US" dirty="0"/>
-          </a:p>
-        </p:txBody>
-      </p:sp>
-    </p:spTree>
-    <p:extLst>
-      <p:ext uri="{BB962C8B-B14F-4D97-AF65-F5344CB8AC3E}">
-        <p14:creationId xmlns:p14="http://schemas.microsoft.com/office/powerpoint/2010/main" val="3430986091"/>
-      </p:ext>
-    </p:extLst>
-  </p:cSld>
-  <p:clrMapOvr>
-    <a:masterClrMapping/>
-  </p:clrMapOvr>
-</p:sld>
-</file>
-
-<file path=ppt/slides/slide4.xml><?xml version="1.0" encoding="utf-8"?>
+<file path=ppt/slides/slide7.xml><?xml version="1.0" encoding="utf-8"?>
 <p:sld xmlns:a="http://schemas.openxmlformats.org/drawingml/2006/main" xmlns:r="http://schemas.openxmlformats.org/officeDocument/2006/relationships" xmlns:p="http://schemas.openxmlformats.org/presentationml/2006/main">
   <p:cSld>
     <p:spTree>
@@ -7418,7 +9156,7 @@
 </p:sld>
 </file>
 
-<file path=ppt/slides/slide5.xml><?xml version="1.0" encoding="utf-8"?>
+<file path=ppt/slides/slide8.xml><?xml version="1.0" encoding="utf-8"?>
 <p:sld xmlns:a="http://schemas.openxmlformats.org/drawingml/2006/main" xmlns:r="http://schemas.openxmlformats.org/officeDocument/2006/relationships" xmlns:p="http://schemas.openxmlformats.org/presentationml/2006/main">
   <p:cSld>
     <p:spTree>
@@ -7669,7 +9407,7 @@
 </p:sld>
 </file>
 
-<file path=ppt/slides/slide6.xml><?xml version="1.0" encoding="utf-8"?>
+<file path=ppt/slides/slide9.xml><?xml version="1.0" encoding="utf-8"?>
 <p:sld xmlns:a="http://schemas.openxmlformats.org/drawingml/2006/main" xmlns:r="http://schemas.openxmlformats.org/officeDocument/2006/relationships" xmlns:p="http://schemas.openxmlformats.org/presentationml/2006/main">
   <p:cSld>
     <p:spTree>
@@ -8265,886 +10003,6 @@
       <p:bldP spid="4" grpId="0" animBg="1"/>
     </p:bldLst>
   </p:timing>
-</p:sld>
-</file>
-
-<file path=ppt/slides/slide7.xml><?xml version="1.0" encoding="utf-8"?>
-<p:sld xmlns:a="http://schemas.openxmlformats.org/drawingml/2006/main" xmlns:r="http://schemas.openxmlformats.org/officeDocument/2006/relationships" xmlns:p="http://schemas.openxmlformats.org/presentationml/2006/main">
-  <p:cSld>
-    <p:spTree>
-      <p:nvGrpSpPr>
-        <p:cNvPr id="1" name=""/>
-        <p:cNvGrpSpPr/>
-        <p:nvPr/>
-      </p:nvGrpSpPr>
-      <p:grpSpPr>
-        <a:xfrm>
-          <a:off x="0" y="0"/>
-          <a:ext cx="0" cy="0"/>
-          <a:chOff x="0" y="0"/>
-          <a:chExt cx="0" cy="0"/>
-        </a:xfrm>
-      </p:grpSpPr>
-      <p:sp>
-        <p:nvSpPr>
-          <p:cNvPr id="2" name="Title 1">
-            <a:extLst>
-              <a:ext uri="{FF2B5EF4-FFF2-40B4-BE49-F238E27FC236}">
-                <a16:creationId xmlns:a16="http://schemas.microsoft.com/office/drawing/2014/main" id="{CBBE3327-CD61-4F0C-9389-C39049A421B2}"/>
-              </a:ext>
-            </a:extLst>
-          </p:cNvPr>
-          <p:cNvSpPr>
-            <a:spLocks noGrp="1"/>
-          </p:cNvSpPr>
-          <p:nvPr>
-            <p:ph type="title"/>
-          </p:nvPr>
-        </p:nvSpPr>
-        <p:spPr/>
-        <p:txBody>
-          <a:bodyPr/>
-          <a:lstStyle/>
-          <a:p>
-            <a:r>
-              <a:rPr lang="en-US" dirty="0"/>
-              <a:t>Combine data</a:t>
-            </a:r>
-          </a:p>
-        </p:txBody>
-      </p:sp>
-      <p:sp>
-        <p:nvSpPr>
-          <p:cNvPr id="3" name="Content Placeholder 2">
-            <a:extLst>
-              <a:ext uri="{FF2B5EF4-FFF2-40B4-BE49-F238E27FC236}">
-                <a16:creationId xmlns:a16="http://schemas.microsoft.com/office/drawing/2014/main" id="{FBC99CCF-581A-4F8D-8739-741106506375}"/>
-              </a:ext>
-            </a:extLst>
-          </p:cNvPr>
-          <p:cNvSpPr>
-            <a:spLocks noGrp="1"/>
-          </p:cNvSpPr>
-          <p:nvPr>
-            <p:ph idx="1"/>
-          </p:nvPr>
-        </p:nvSpPr>
-        <p:spPr>
-          <a:xfrm>
-            <a:off x="838200" y="1825625"/>
-            <a:ext cx="3568700" cy="4351338"/>
-          </a:xfrm>
-        </p:spPr>
-        <p:txBody>
-          <a:bodyPr/>
-          <a:lstStyle/>
-          <a:p>
-            <a:r>
-              <a:rPr lang="en-US" dirty="0"/>
-              <a:t>Import data as pandas data frames and merge ground truth with our extracted features based on image name</a:t>
-            </a:r>
-          </a:p>
-        </p:txBody>
-      </p:sp>
-      <p:pic>
-        <p:nvPicPr>
-          <p:cNvPr id="5" name="Picture 4">
-            <a:extLst>
-              <a:ext uri="{FF2B5EF4-FFF2-40B4-BE49-F238E27FC236}">
-                <a16:creationId xmlns:a16="http://schemas.microsoft.com/office/drawing/2014/main" id="{A60B062B-686E-4345-BF2B-3170878C5533}"/>
-              </a:ext>
-            </a:extLst>
-          </p:cNvPr>
-          <p:cNvPicPr>
-            <a:picLocks noChangeAspect="1"/>
-          </p:cNvPicPr>
-          <p:nvPr/>
-        </p:nvPicPr>
-        <p:blipFill rotWithShape="1">
-          <a:blip r:embed="rId2"/>
-          <a:srcRect l="1896" t="30343" r="50811" b="49062"/>
-          <a:stretch/>
-        </p:blipFill>
-        <p:spPr>
-          <a:xfrm>
-            <a:off x="3324707" y="4335024"/>
-            <a:ext cx="8867293" cy="1930752"/>
-          </a:xfrm>
-          <a:prstGeom prst="rect">
-            <a:avLst/>
-          </a:prstGeom>
-        </p:spPr>
-      </p:pic>
-      <p:pic>
-        <p:nvPicPr>
-          <p:cNvPr id="8" name="Picture 7">
-            <a:extLst>
-              <a:ext uri="{FF2B5EF4-FFF2-40B4-BE49-F238E27FC236}">
-                <a16:creationId xmlns:a16="http://schemas.microsoft.com/office/drawing/2014/main" id="{04F217A0-15EC-471B-8820-F36B15C955FF}"/>
-              </a:ext>
-            </a:extLst>
-          </p:cNvPr>
-          <p:cNvPicPr>
-            <a:picLocks noChangeAspect="1"/>
-          </p:cNvPicPr>
-          <p:nvPr/>
-        </p:nvPicPr>
-        <p:blipFill rotWithShape="1">
-          <a:blip r:embed="rId3"/>
-          <a:srcRect b="46655"/>
-          <a:stretch/>
-        </p:blipFill>
-        <p:spPr>
-          <a:xfrm>
-            <a:off x="5857856" y="1825625"/>
-            <a:ext cx="5373866" cy="1930752"/>
-          </a:xfrm>
-          <a:prstGeom prst="rect">
-            <a:avLst/>
-          </a:prstGeom>
-        </p:spPr>
-      </p:pic>
-    </p:spTree>
-    <p:extLst>
-      <p:ext uri="{BB962C8B-B14F-4D97-AF65-F5344CB8AC3E}">
-        <p14:creationId xmlns:p14="http://schemas.microsoft.com/office/powerpoint/2010/main" val="3705860961"/>
-      </p:ext>
-    </p:extLst>
-  </p:cSld>
-  <p:clrMapOvr>
-    <a:masterClrMapping/>
-  </p:clrMapOvr>
-</p:sld>
-</file>
-
-<file path=ppt/slides/slide8.xml><?xml version="1.0" encoding="utf-8"?>
-<p:sld xmlns:a="http://schemas.openxmlformats.org/drawingml/2006/main" xmlns:r="http://schemas.openxmlformats.org/officeDocument/2006/relationships" xmlns:p="http://schemas.openxmlformats.org/presentationml/2006/main">
-  <p:cSld>
-    <p:spTree>
-      <p:nvGrpSpPr>
-        <p:cNvPr id="1" name=""/>
-        <p:cNvGrpSpPr/>
-        <p:nvPr/>
-      </p:nvGrpSpPr>
-      <p:grpSpPr>
-        <a:xfrm>
-          <a:off x="0" y="0"/>
-          <a:ext cx="0" cy="0"/>
-          <a:chOff x="0" y="0"/>
-          <a:chExt cx="0" cy="0"/>
-        </a:xfrm>
-      </p:grpSpPr>
-      <p:sp>
-        <p:nvSpPr>
-          <p:cNvPr id="2" name="Title 1">
-            <a:extLst>
-              <a:ext uri="{FF2B5EF4-FFF2-40B4-BE49-F238E27FC236}">
-                <a16:creationId xmlns:a16="http://schemas.microsoft.com/office/drawing/2014/main" id="{E3C299BD-FE62-41BD-8302-5274A051EDFD}"/>
-              </a:ext>
-            </a:extLst>
-          </p:cNvPr>
-          <p:cNvSpPr>
-            <a:spLocks noGrp="1"/>
-          </p:cNvSpPr>
-          <p:nvPr>
-            <p:ph type="title"/>
-          </p:nvPr>
-        </p:nvSpPr>
-        <p:spPr/>
-        <p:txBody>
-          <a:bodyPr/>
-          <a:lstStyle/>
-          <a:p>
-            <a:r>
-              <a:rPr lang="en-US" dirty="0"/>
-              <a:t>Workflow</a:t>
-            </a:r>
-          </a:p>
-        </p:txBody>
-      </p:sp>
-      <p:pic>
-        <p:nvPicPr>
-          <p:cNvPr id="7" name="Picture 6" descr="A close up of a device&#10;&#10;Description automatically generated">
-            <a:extLst>
-              <a:ext uri="{FF2B5EF4-FFF2-40B4-BE49-F238E27FC236}">
-                <a16:creationId xmlns:a16="http://schemas.microsoft.com/office/drawing/2014/main" id="{19DF049C-80BD-4908-9DF6-DAE093A8E5C9}"/>
-              </a:ext>
-            </a:extLst>
-          </p:cNvPr>
-          <p:cNvPicPr>
-            <a:picLocks noChangeAspect="1"/>
-          </p:cNvPicPr>
-          <p:nvPr/>
-        </p:nvPicPr>
-        <p:blipFill>
-          <a:blip r:embed="rId2">
-            <a:extLst>
-              <a:ext uri="{28A0092B-C50C-407E-A947-70E740481C1C}">
-                <a14:useLocalDpi xmlns:a14="http://schemas.microsoft.com/office/drawing/2010/main" val="0"/>
-              </a:ext>
-            </a:extLst>
-          </a:blip>
-          <a:stretch>
-            <a:fillRect/>
-          </a:stretch>
-        </p:blipFill>
-        <p:spPr>
-          <a:xfrm>
-            <a:off x="48751" y="2459389"/>
-            <a:ext cx="3138070" cy="711625"/>
-          </a:xfrm>
-          <a:prstGeom prst="rect">
-            <a:avLst/>
-          </a:prstGeom>
-        </p:spPr>
-      </p:pic>
-      <p:sp>
-        <p:nvSpPr>
-          <p:cNvPr id="8" name="TextBox 7">
-            <a:extLst>
-              <a:ext uri="{FF2B5EF4-FFF2-40B4-BE49-F238E27FC236}">
-                <a16:creationId xmlns:a16="http://schemas.microsoft.com/office/drawing/2014/main" id="{A17AD4BD-6603-42CE-ABD4-E3E90ADF6F58}"/>
-              </a:ext>
-            </a:extLst>
-          </p:cNvPr>
-          <p:cNvSpPr txBox="1"/>
-          <p:nvPr/>
-        </p:nvSpPr>
-        <p:spPr>
-          <a:xfrm>
-            <a:off x="920511" y="2090057"/>
-            <a:ext cx="1394549" cy="369332"/>
-          </a:xfrm>
-          <a:prstGeom prst="rect">
-            <a:avLst/>
-          </a:prstGeom>
-          <a:noFill/>
-        </p:spPr>
-        <p:txBody>
-          <a:bodyPr wrap="none" rtlCol="0">
-            <a:spAutoFit/>
-          </a:bodyPr>
-          <a:lstStyle/>
-          <a:p>
-            <a:r>
-              <a:rPr lang="en-US" dirty="0"/>
-              <a:t>Worm Image</a:t>
-            </a:r>
-          </a:p>
-        </p:txBody>
-      </p:sp>
-      <p:sp>
-        <p:nvSpPr>
-          <p:cNvPr id="9" name="Arrow: Right 8">
-            <a:extLst>
-              <a:ext uri="{FF2B5EF4-FFF2-40B4-BE49-F238E27FC236}">
-                <a16:creationId xmlns:a16="http://schemas.microsoft.com/office/drawing/2014/main" id="{9AF7AF5C-B9AD-438F-8DA2-D1535BC43287}"/>
-              </a:ext>
-            </a:extLst>
-          </p:cNvPr>
-          <p:cNvSpPr/>
-          <p:nvPr/>
-        </p:nvSpPr>
-        <p:spPr>
-          <a:xfrm>
-            <a:off x="3321417" y="2572885"/>
-            <a:ext cx="2035773" cy="484632"/>
-          </a:xfrm>
-          <a:prstGeom prst="rightArrow">
-            <a:avLst/>
-          </a:prstGeom>
-        </p:spPr>
-        <p:style>
-          <a:lnRef idx="2">
-            <a:schemeClr val="accent1">
-              <a:shade val="50000"/>
-            </a:schemeClr>
-          </a:lnRef>
-          <a:fillRef idx="1">
-            <a:schemeClr val="accent1"/>
-          </a:fillRef>
-          <a:effectRef idx="0">
-            <a:schemeClr val="accent1"/>
-          </a:effectRef>
-          <a:fontRef idx="minor">
-            <a:schemeClr val="lt1"/>
-          </a:fontRef>
-        </p:style>
-        <p:txBody>
-          <a:bodyPr rtlCol="0" anchor="ctr"/>
-          <a:lstStyle/>
-          <a:p>
-            <a:pPr algn="ctr"/>
-            <a:r>
-              <a:rPr lang="en-US" dirty="0"/>
-              <a:t>Feature Extraction</a:t>
-            </a:r>
-          </a:p>
-        </p:txBody>
-      </p:sp>
-      <p:pic>
-        <p:nvPicPr>
-          <p:cNvPr id="10" name="Picture 9">
-            <a:extLst>
-              <a:ext uri="{FF2B5EF4-FFF2-40B4-BE49-F238E27FC236}">
-                <a16:creationId xmlns:a16="http://schemas.microsoft.com/office/drawing/2014/main" id="{2A7E915C-C46C-4C57-A4E6-37FD78E5607C}"/>
-              </a:ext>
-            </a:extLst>
-          </p:cNvPr>
-          <p:cNvPicPr>
-            <a:picLocks noChangeAspect="1"/>
-          </p:cNvPicPr>
-          <p:nvPr/>
-        </p:nvPicPr>
-        <p:blipFill rotWithShape="1">
-          <a:blip r:embed="rId3"/>
-          <a:srcRect l="1896" t="30343" r="50811" b="49062"/>
-          <a:stretch/>
-        </p:blipFill>
-        <p:spPr>
-          <a:xfrm>
-            <a:off x="5491786" y="2459389"/>
-            <a:ext cx="6087864" cy="1325563"/>
-          </a:xfrm>
-          <a:prstGeom prst="rect">
-            <a:avLst/>
-          </a:prstGeom>
-        </p:spPr>
-      </p:pic>
-      <p:sp>
-        <p:nvSpPr>
-          <p:cNvPr id="11" name="Arrow: Down 10">
-            <a:extLst>
-              <a:ext uri="{FF2B5EF4-FFF2-40B4-BE49-F238E27FC236}">
-                <a16:creationId xmlns:a16="http://schemas.microsoft.com/office/drawing/2014/main" id="{C9867F5C-A768-41F3-9A15-8CC49C5AB434}"/>
-              </a:ext>
-            </a:extLst>
-          </p:cNvPr>
-          <p:cNvSpPr/>
-          <p:nvPr/>
-        </p:nvSpPr>
-        <p:spPr>
-          <a:xfrm>
-            <a:off x="7587132" y="949160"/>
-            <a:ext cx="1897172" cy="1325563"/>
-          </a:xfrm>
-          <a:prstGeom prst="downArrow">
-            <a:avLst/>
-          </a:prstGeom>
-        </p:spPr>
-        <p:style>
-          <a:lnRef idx="2">
-            <a:schemeClr val="accent1">
-              <a:shade val="50000"/>
-            </a:schemeClr>
-          </a:lnRef>
-          <a:fillRef idx="1">
-            <a:schemeClr val="accent1"/>
-          </a:fillRef>
-          <a:effectRef idx="0">
-            <a:schemeClr val="accent1"/>
-          </a:effectRef>
-          <a:fontRef idx="minor">
-            <a:schemeClr val="lt1"/>
-          </a:fontRef>
-        </p:style>
-        <p:txBody>
-          <a:bodyPr rtlCol="0" anchor="ctr"/>
-          <a:lstStyle/>
-          <a:p>
-            <a:pPr algn="ctr"/>
-            <a:r>
-              <a:rPr lang="en-US" dirty="0"/>
-              <a:t>Ground Truth</a:t>
-            </a:r>
-          </a:p>
-        </p:txBody>
-      </p:sp>
-      <p:sp>
-        <p:nvSpPr>
-          <p:cNvPr id="12" name="Arrow: Down 11">
-            <a:extLst>
-              <a:ext uri="{FF2B5EF4-FFF2-40B4-BE49-F238E27FC236}">
-                <a16:creationId xmlns:a16="http://schemas.microsoft.com/office/drawing/2014/main" id="{72F22777-0C2F-4BDA-B995-F8AB5A87A3D8}"/>
-              </a:ext>
-            </a:extLst>
-          </p:cNvPr>
-          <p:cNvSpPr/>
-          <p:nvPr/>
-        </p:nvSpPr>
-        <p:spPr>
-          <a:xfrm>
-            <a:off x="5678025" y="3813432"/>
-            <a:ext cx="2521757" cy="1325563"/>
-          </a:xfrm>
-          <a:prstGeom prst="downArrow">
-            <a:avLst/>
-          </a:prstGeom>
-        </p:spPr>
-        <p:style>
-          <a:lnRef idx="2">
-            <a:schemeClr val="accent1">
-              <a:shade val="50000"/>
-            </a:schemeClr>
-          </a:lnRef>
-          <a:fillRef idx="1">
-            <a:schemeClr val="accent1"/>
-          </a:fillRef>
-          <a:effectRef idx="0">
-            <a:schemeClr val="accent1"/>
-          </a:effectRef>
-          <a:fontRef idx="minor">
-            <a:schemeClr val="lt1"/>
-          </a:fontRef>
-        </p:style>
-        <p:txBody>
-          <a:bodyPr rtlCol="0" anchor="ctr"/>
-          <a:lstStyle/>
-          <a:p>
-            <a:pPr algn="ctr"/>
-            <a:r>
-              <a:rPr lang="en-US" dirty="0"/>
-              <a:t>Feature Exploration</a:t>
-            </a:r>
-          </a:p>
-        </p:txBody>
-      </p:sp>
-      <p:sp>
-        <p:nvSpPr>
-          <p:cNvPr id="13" name="Arrow: Down 12">
-            <a:extLst>
-              <a:ext uri="{FF2B5EF4-FFF2-40B4-BE49-F238E27FC236}">
-                <a16:creationId xmlns:a16="http://schemas.microsoft.com/office/drawing/2014/main" id="{B55820A6-15B4-41C1-B0DC-33ABD9673EA9}"/>
-              </a:ext>
-            </a:extLst>
-          </p:cNvPr>
-          <p:cNvSpPr/>
-          <p:nvPr/>
-        </p:nvSpPr>
-        <p:spPr>
-          <a:xfrm>
-            <a:off x="9144261" y="3813432"/>
-            <a:ext cx="2096895" cy="1325563"/>
-          </a:xfrm>
-          <a:prstGeom prst="downArrow">
-            <a:avLst/>
-          </a:prstGeom>
-        </p:spPr>
-        <p:style>
-          <a:lnRef idx="2">
-            <a:schemeClr val="accent1">
-              <a:shade val="50000"/>
-            </a:schemeClr>
-          </a:lnRef>
-          <a:fillRef idx="1">
-            <a:schemeClr val="accent1"/>
-          </a:fillRef>
-          <a:effectRef idx="0">
-            <a:schemeClr val="accent1"/>
-          </a:effectRef>
-          <a:fontRef idx="minor">
-            <a:schemeClr val="lt1"/>
-          </a:fontRef>
-        </p:style>
-        <p:txBody>
-          <a:bodyPr rtlCol="0" anchor="ctr"/>
-          <a:lstStyle/>
-          <a:p>
-            <a:pPr algn="ctr"/>
-            <a:r>
-              <a:rPr lang="en-US" dirty="0"/>
-              <a:t>Feature Selection</a:t>
-            </a:r>
-          </a:p>
-        </p:txBody>
-      </p:sp>
-      <p:sp>
-        <p:nvSpPr>
-          <p:cNvPr id="14" name="TextBox 13">
-            <a:extLst>
-              <a:ext uri="{FF2B5EF4-FFF2-40B4-BE49-F238E27FC236}">
-                <a16:creationId xmlns:a16="http://schemas.microsoft.com/office/drawing/2014/main" id="{0E3BCD4E-B12E-4E03-AA68-BE2EA74C581F}"/>
-              </a:ext>
-            </a:extLst>
-          </p:cNvPr>
-          <p:cNvSpPr txBox="1"/>
-          <p:nvPr/>
-        </p:nvSpPr>
-        <p:spPr>
-          <a:xfrm>
-            <a:off x="5897367" y="5167475"/>
-            <a:ext cx="2083071" cy="369332"/>
-          </a:xfrm>
-          <a:prstGeom prst="rect">
-            <a:avLst/>
-          </a:prstGeom>
-          <a:noFill/>
-        </p:spPr>
-        <p:txBody>
-          <a:bodyPr wrap="none" rtlCol="0">
-            <a:spAutoFit/>
-          </a:bodyPr>
-          <a:lstStyle/>
-          <a:p>
-            <a:r>
-              <a:rPr lang="en-US" dirty="0"/>
-              <a:t>PCA and Heat Maps</a:t>
-            </a:r>
-          </a:p>
-        </p:txBody>
-      </p:sp>
-      <p:sp>
-        <p:nvSpPr>
-          <p:cNvPr id="15" name="TextBox 14">
-            <a:extLst>
-              <a:ext uri="{FF2B5EF4-FFF2-40B4-BE49-F238E27FC236}">
-                <a16:creationId xmlns:a16="http://schemas.microsoft.com/office/drawing/2014/main" id="{ADAB01F8-ECC7-4A00-AA00-01FF1378B613}"/>
-              </a:ext>
-            </a:extLst>
-          </p:cNvPr>
-          <p:cNvSpPr txBox="1"/>
-          <p:nvPr/>
-        </p:nvSpPr>
-        <p:spPr>
-          <a:xfrm>
-            <a:off x="8388756" y="5167475"/>
-            <a:ext cx="3607904" cy="369332"/>
-          </a:xfrm>
-          <a:prstGeom prst="rect">
-            <a:avLst/>
-          </a:prstGeom>
-          <a:noFill/>
-        </p:spPr>
-        <p:txBody>
-          <a:bodyPr wrap="square" rtlCol="0">
-            <a:spAutoFit/>
-          </a:bodyPr>
-          <a:lstStyle/>
-          <a:p>
-            <a:pPr algn="ctr"/>
-            <a:r>
-              <a:rPr lang="en-US"/>
-              <a:t>LDA, Stepwise </a:t>
-            </a:r>
-            <a:r>
-              <a:rPr lang="en-US" dirty="0"/>
-              <a:t>Logistic Regression</a:t>
-            </a:r>
-          </a:p>
-        </p:txBody>
-      </p:sp>
-      <p:sp>
-        <p:nvSpPr>
-          <p:cNvPr id="3" name="TextBox 2">
-            <a:extLst>
-              <a:ext uri="{FF2B5EF4-FFF2-40B4-BE49-F238E27FC236}">
-                <a16:creationId xmlns:a16="http://schemas.microsoft.com/office/drawing/2014/main" id="{ABCED66C-9FCA-4022-9596-37D3F94D5B50}"/>
-              </a:ext>
-            </a:extLst>
-          </p:cNvPr>
-          <p:cNvSpPr txBox="1"/>
-          <p:nvPr/>
-        </p:nvSpPr>
-        <p:spPr>
-          <a:xfrm>
-            <a:off x="596901" y="3813432"/>
-            <a:ext cx="4318000" cy="1477328"/>
-          </a:xfrm>
-          <a:prstGeom prst="rect">
-            <a:avLst/>
-          </a:prstGeom>
-          <a:noFill/>
-        </p:spPr>
-        <p:txBody>
-          <a:bodyPr wrap="square" rtlCol="0">
-            <a:spAutoFit/>
-          </a:bodyPr>
-          <a:lstStyle/>
-          <a:p>
-            <a:r>
-              <a:rPr lang="en-US" b="1" dirty="0"/>
-              <a:t>Goal:</a:t>
-            </a:r>
-            <a:r>
-              <a:rPr lang="en-US" dirty="0"/>
-              <a:t> Train a model/classifier to use features extracted from each image in order to predict five target features – single loaded, whole animal, straight, headfirst, and clear.</a:t>
-            </a:r>
-            <a:endParaRPr lang="en-US" b="1" dirty="0"/>
-          </a:p>
-        </p:txBody>
-      </p:sp>
-      <p:sp>
-        <p:nvSpPr>
-          <p:cNvPr id="4" name="Oval 3">
-            <a:extLst>
-              <a:ext uri="{FF2B5EF4-FFF2-40B4-BE49-F238E27FC236}">
-                <a16:creationId xmlns:a16="http://schemas.microsoft.com/office/drawing/2014/main" id="{192595D4-87E6-4045-8E7B-6596A12656D5}"/>
-              </a:ext>
-            </a:extLst>
-          </p:cNvPr>
-          <p:cNvSpPr/>
-          <p:nvPr/>
-        </p:nvSpPr>
-        <p:spPr>
-          <a:xfrm>
-            <a:off x="5475749" y="3657600"/>
-            <a:ext cx="2913007" cy="2640274"/>
-          </a:xfrm>
-          <a:prstGeom prst="ellipse">
-            <a:avLst/>
-          </a:prstGeom>
-          <a:noFill/>
-          <a:ln>
-            <a:solidFill>
-              <a:srgbClr val="C00000"/>
-            </a:solidFill>
-          </a:ln>
-        </p:spPr>
-        <p:style>
-          <a:lnRef idx="2">
-            <a:schemeClr val="accent1">
-              <a:shade val="50000"/>
-            </a:schemeClr>
-          </a:lnRef>
-          <a:fillRef idx="1">
-            <a:schemeClr val="accent1"/>
-          </a:fillRef>
-          <a:effectRef idx="0">
-            <a:schemeClr val="accent1"/>
-          </a:effectRef>
-          <a:fontRef idx="minor">
-            <a:schemeClr val="lt1"/>
-          </a:fontRef>
-        </p:style>
-        <p:txBody>
-          <a:bodyPr rtlCol="0" anchor="ctr"/>
-          <a:lstStyle/>
-          <a:p>
-            <a:pPr algn="ctr"/>
-            <a:endParaRPr lang="en-US"/>
-          </a:p>
-        </p:txBody>
-      </p:sp>
-    </p:spTree>
-    <p:extLst>
-      <p:ext uri="{BB962C8B-B14F-4D97-AF65-F5344CB8AC3E}">
-        <p14:creationId xmlns:p14="http://schemas.microsoft.com/office/powerpoint/2010/main" val="564384535"/>
-      </p:ext>
-    </p:extLst>
-  </p:cSld>
-  <p:clrMapOvr>
-    <a:masterClrMapping/>
-  </p:clrMapOvr>
-  <p:timing>
-    <p:tnLst>
-      <p:par>
-        <p:cTn id="1" dur="indefinite" restart="never" nodeType="tmRoot">
-          <p:childTnLst>
-            <p:seq concurrent="1" nextAc="seek">
-              <p:cTn id="2" dur="indefinite" nodeType="mainSeq">
-                <p:childTnLst>
-                  <p:par>
-                    <p:cTn id="3" fill="hold">
-                      <p:stCondLst>
-                        <p:cond delay="indefinite"/>
-                      </p:stCondLst>
-                      <p:childTnLst>
-                        <p:par>
-                          <p:cTn id="4" fill="hold">
-                            <p:stCondLst>
-                              <p:cond delay="0"/>
-                            </p:stCondLst>
-                            <p:childTnLst>
-                              <p:par>
-                                <p:cTn id="5" presetID="1" presetClass="entr" presetSubtype="0" fill="hold" grpId="0" nodeType="clickEffect">
-                                  <p:stCondLst>
-                                    <p:cond delay="0"/>
-                                  </p:stCondLst>
-                                  <p:childTnLst>
-                                    <p:set>
-                                      <p:cBhvr>
-                                        <p:cTn id="6" dur="1" fill="hold">
-                                          <p:stCondLst>
-                                            <p:cond delay="0"/>
-                                          </p:stCondLst>
-                                        </p:cTn>
-                                        <p:tgtEl>
-                                          <p:spTgt spid="4"/>
-                                        </p:tgtEl>
-                                        <p:attrNameLst>
-                                          <p:attrName>style.visibility</p:attrName>
-                                        </p:attrNameLst>
-                                      </p:cBhvr>
-                                      <p:to>
-                                        <p:strVal val="visible"/>
-                                      </p:to>
-                                    </p:set>
-                                  </p:childTnLst>
-                                </p:cTn>
-                              </p:par>
-                            </p:childTnLst>
-                          </p:cTn>
-                        </p:par>
-                      </p:childTnLst>
-                    </p:cTn>
-                  </p:par>
-                </p:childTnLst>
-              </p:cTn>
-              <p:prevCondLst>
-                <p:cond evt="onPrev" delay="0">
-                  <p:tgtEl>
-                    <p:sldTgt/>
-                  </p:tgtEl>
-                </p:cond>
-              </p:prevCondLst>
-              <p:nextCondLst>
-                <p:cond evt="onNext" delay="0">
-                  <p:tgtEl>
-                    <p:sldTgt/>
-                  </p:tgtEl>
-                </p:cond>
-              </p:nextCondLst>
-            </p:seq>
-          </p:childTnLst>
-        </p:cTn>
-      </p:par>
-    </p:tnLst>
-    <p:bldLst>
-      <p:bldP spid="4" grpId="0" animBg="1"/>
-    </p:bldLst>
-  </p:timing>
-</p:sld>
-</file>
-
-<file path=ppt/slides/slide9.xml><?xml version="1.0" encoding="utf-8"?>
-<p:sld xmlns:a="http://schemas.openxmlformats.org/drawingml/2006/main" xmlns:r="http://schemas.openxmlformats.org/officeDocument/2006/relationships" xmlns:p="http://schemas.openxmlformats.org/presentationml/2006/main">
-  <p:cSld>
-    <p:spTree>
-      <p:nvGrpSpPr>
-        <p:cNvPr id="1" name=""/>
-        <p:cNvGrpSpPr/>
-        <p:nvPr/>
-      </p:nvGrpSpPr>
-      <p:grpSpPr>
-        <a:xfrm>
-          <a:off x="0" y="0"/>
-          <a:ext cx="0" cy="0"/>
-          <a:chOff x="0" y="0"/>
-          <a:chExt cx="0" cy="0"/>
-        </a:xfrm>
-      </p:grpSpPr>
-      <p:sp>
-        <p:nvSpPr>
-          <p:cNvPr id="2" name="Title 1">
-            <a:extLst>
-              <a:ext uri="{FF2B5EF4-FFF2-40B4-BE49-F238E27FC236}">
-                <a16:creationId xmlns:a16="http://schemas.microsoft.com/office/drawing/2014/main" id="{956E01DB-A98A-441A-978B-17B83220FF17}"/>
-              </a:ext>
-            </a:extLst>
-          </p:cNvPr>
-          <p:cNvSpPr>
-            <a:spLocks noGrp="1"/>
-          </p:cNvSpPr>
-          <p:nvPr>
-            <p:ph type="title"/>
-          </p:nvPr>
-        </p:nvSpPr>
-        <p:spPr/>
-        <p:txBody>
-          <a:bodyPr/>
-          <a:lstStyle/>
-          <a:p>
-            <a:r>
-              <a:rPr lang="en-US" dirty="0"/>
-              <a:t>Correlation</a:t>
-            </a:r>
-          </a:p>
-        </p:txBody>
-      </p:sp>
-      <p:sp>
-        <p:nvSpPr>
-          <p:cNvPr id="3" name="Content Placeholder 2">
-            <a:extLst>
-              <a:ext uri="{FF2B5EF4-FFF2-40B4-BE49-F238E27FC236}">
-                <a16:creationId xmlns:a16="http://schemas.microsoft.com/office/drawing/2014/main" id="{A645BC1E-88F7-44F0-8869-7ECFFFA29E46}"/>
-              </a:ext>
-            </a:extLst>
-          </p:cNvPr>
-          <p:cNvSpPr>
-            <a:spLocks noGrp="1"/>
-          </p:cNvSpPr>
-          <p:nvPr>
-            <p:ph idx="1"/>
-          </p:nvPr>
-        </p:nvSpPr>
-        <p:spPr>
-          <a:xfrm>
-            <a:off x="838200" y="1825625"/>
-            <a:ext cx="3048000" cy="4351338"/>
-          </a:xfrm>
-        </p:spPr>
-        <p:txBody>
-          <a:bodyPr/>
-          <a:lstStyle/>
-          <a:p>
-            <a:r>
-              <a:rPr lang="en-US" dirty="0"/>
-              <a:t>Pandas module has easy correlation functions.</a:t>
-            </a:r>
-          </a:p>
-          <a:p>
-            <a:r>
-              <a:rPr lang="en-US" dirty="0"/>
-              <a:t>How does each extracted feature correlate with each of the five target features?</a:t>
-            </a:r>
-          </a:p>
-        </p:txBody>
-      </p:sp>
-      <p:pic>
-        <p:nvPicPr>
-          <p:cNvPr id="9" name="Picture 8" descr="A circuit board&#10;&#10;Description automatically generated">
-            <a:extLst>
-              <a:ext uri="{FF2B5EF4-FFF2-40B4-BE49-F238E27FC236}">
-                <a16:creationId xmlns:a16="http://schemas.microsoft.com/office/drawing/2014/main" id="{4C790F22-1E3D-4AE6-9701-75318CB3A202}"/>
-              </a:ext>
-            </a:extLst>
-          </p:cNvPr>
-          <p:cNvPicPr>
-            <a:picLocks noChangeAspect="1"/>
-          </p:cNvPicPr>
-          <p:nvPr/>
-        </p:nvPicPr>
-        <p:blipFill rotWithShape="1">
-          <a:blip r:embed="rId2">
-            <a:extLst>
-              <a:ext uri="{28A0092B-C50C-407E-A947-70E740481C1C}">
-                <a14:useLocalDpi xmlns:a14="http://schemas.microsoft.com/office/drawing/2010/main" val="0"/>
-              </a:ext>
-            </a:extLst>
-          </a:blip>
-          <a:srcRect l="7001" t="11131" r="10592" b="7361"/>
-          <a:stretch/>
-        </p:blipFill>
-        <p:spPr>
-          <a:xfrm>
-            <a:off x="5130799" y="622300"/>
-            <a:ext cx="6304375" cy="6235700"/>
-          </a:xfrm>
-          <a:prstGeom prst="rect">
-            <a:avLst/>
-          </a:prstGeom>
-        </p:spPr>
-      </p:pic>
-    </p:spTree>
-    <p:extLst>
-      <p:ext uri="{BB962C8B-B14F-4D97-AF65-F5344CB8AC3E}">
-        <p14:creationId xmlns:p14="http://schemas.microsoft.com/office/powerpoint/2010/main" val="1783616050"/>
-      </p:ext>
-    </p:extLst>
-  </p:cSld>
-  <p:clrMapOvr>
-    <a:masterClrMapping/>
-  </p:clrMapOvr>
 </p:sld>
 </file>
 
